--- a/Wei-GA.pptx
+++ b/Wei-GA.pptx
@@ -23,8 +23,8 @@
     <p:sldId id="376" r:id="rId14"/>
     <p:sldId id="377" r:id="rId15"/>
     <p:sldId id="378" r:id="rId16"/>
-    <p:sldId id="385" r:id="rId17"/>
-    <p:sldId id="386" r:id="rId18"/>
+    <p:sldId id="386" r:id="rId17"/>
+    <p:sldId id="389" r:id="rId18"/>
     <p:sldId id="379" r:id="rId19"/>
     <p:sldId id="387" r:id="rId20"/>
     <p:sldId id="369" r:id="rId21"/>
@@ -239,7 +239,7 @@
   </p:defaultTextStyle>
   <p:extLst>
     <p:ext uri="{EFAFB233-063F-42B5-8137-9DF3F51BA10A}">
-      <p15:sldGuideLst xmlns:p15="http://schemas.microsoft.com/office/powerpoint/2012/main" xmlns="">
+      <p15:sldGuideLst xmlns="" xmlns:p15="http://schemas.microsoft.com/office/powerpoint/2012/main">
         <p15:guide id="1" orient="horz" pos="2160">
           <p15:clr>
             <a:srgbClr val="A4A3A4"/>
@@ -3663,6 +3663,13 @@
         </dgm:presLayoutVars>
       </dgm:prSet>
       <dgm:spPr/>
+      <dgm:t>
+        <a:bodyPr/>
+        <a:lstStyle/>
+        <a:p>
+          <a:endParaRPr lang="en-US"/>
+        </a:p>
+      </dgm:t>
     </dgm:pt>
     <dgm:pt modelId="{332EFCC3-436E-3F46-9A9C-C4AE7282B845}" type="pres">
       <dgm:prSet presAssocID="{70FC8740-11D2-844B-BA43-87066772D64C}" presName="root1" presStyleCnt="0"/>
@@ -3675,6 +3682,13 @@
         </dgm:presLayoutVars>
       </dgm:prSet>
       <dgm:spPr/>
+      <dgm:t>
+        <a:bodyPr/>
+        <a:lstStyle/>
+        <a:p>
+          <a:endParaRPr lang="en-US"/>
+        </a:p>
+      </dgm:t>
     </dgm:pt>
     <dgm:pt modelId="{6226D6F4-F814-784C-821E-BC8CA2E67D50}" type="pres">
       <dgm:prSet presAssocID="{70FC8740-11D2-844B-BA43-87066772D64C}" presName="level2hierChild" presStyleCnt="0"/>
@@ -3683,10 +3697,24 @@
     <dgm:pt modelId="{8EBD5E86-6C6E-2E44-9062-84724ECB3B68}" type="pres">
       <dgm:prSet presAssocID="{A18A7D2C-3BC2-D945-A3A4-ABD704228EA2}" presName="conn2-1" presStyleLbl="parChTrans1D2" presStyleIdx="0" presStyleCnt="2"/>
       <dgm:spPr/>
+      <dgm:t>
+        <a:bodyPr/>
+        <a:lstStyle/>
+        <a:p>
+          <a:endParaRPr lang="en-US"/>
+        </a:p>
+      </dgm:t>
     </dgm:pt>
     <dgm:pt modelId="{BF13BF8A-E832-B447-A285-8E80CBE7359C}" type="pres">
       <dgm:prSet presAssocID="{A18A7D2C-3BC2-D945-A3A4-ABD704228EA2}" presName="connTx" presStyleLbl="parChTrans1D2" presStyleIdx="0" presStyleCnt="2"/>
       <dgm:spPr/>
+      <dgm:t>
+        <a:bodyPr/>
+        <a:lstStyle/>
+        <a:p>
+          <a:endParaRPr lang="en-US"/>
+        </a:p>
+      </dgm:t>
     </dgm:pt>
     <dgm:pt modelId="{ADE5A85C-DE97-CB4D-8DAB-9CA58AF12572}" type="pres">
       <dgm:prSet presAssocID="{572C488A-09E3-CD47-B049-9EB0F98BF6F2}" presName="root2" presStyleCnt="0"/>
@@ -3714,10 +3742,24 @@
     <dgm:pt modelId="{AFA554A9-D810-2F41-9D4D-2A92E68F5E9C}" type="pres">
       <dgm:prSet presAssocID="{C1693763-07AF-B84E-881E-776EC0EE8F4D}" presName="conn2-1" presStyleLbl="parChTrans1D3" presStyleIdx="0" presStyleCnt="3"/>
       <dgm:spPr/>
+      <dgm:t>
+        <a:bodyPr/>
+        <a:lstStyle/>
+        <a:p>
+          <a:endParaRPr lang="en-US"/>
+        </a:p>
+      </dgm:t>
     </dgm:pt>
     <dgm:pt modelId="{5E2D0C74-3A34-B545-B820-808299CE513D}" type="pres">
       <dgm:prSet presAssocID="{C1693763-07AF-B84E-881E-776EC0EE8F4D}" presName="connTx" presStyleLbl="parChTrans1D3" presStyleIdx="0" presStyleCnt="3"/>
       <dgm:spPr/>
+      <dgm:t>
+        <a:bodyPr/>
+        <a:lstStyle/>
+        <a:p>
+          <a:endParaRPr lang="en-US"/>
+        </a:p>
+      </dgm:t>
     </dgm:pt>
     <dgm:pt modelId="{9D24ADF7-1F34-514D-B125-8AD4511601A5}" type="pres">
       <dgm:prSet presAssocID="{26AA065B-5926-464D-ADB0-6327502EBC12}" presName="root2" presStyleCnt="0"/>
@@ -3730,6 +3772,13 @@
         </dgm:presLayoutVars>
       </dgm:prSet>
       <dgm:spPr/>
+      <dgm:t>
+        <a:bodyPr/>
+        <a:lstStyle/>
+        <a:p>
+          <a:endParaRPr lang="en-US"/>
+        </a:p>
+      </dgm:t>
     </dgm:pt>
     <dgm:pt modelId="{1A50F64C-70C5-354A-97A8-4EB7A3EF5D7D}" type="pres">
       <dgm:prSet presAssocID="{26AA065B-5926-464D-ADB0-6327502EBC12}" presName="level3hierChild" presStyleCnt="0"/>
@@ -3738,10 +3787,24 @@
     <dgm:pt modelId="{5807E2FA-72E6-D04A-89F7-6747DC4A4089}" type="pres">
       <dgm:prSet presAssocID="{8617981D-8A27-BB44-A72E-06F436C79E74}" presName="conn2-1" presStyleLbl="parChTrans1D2" presStyleIdx="1" presStyleCnt="2"/>
       <dgm:spPr/>
+      <dgm:t>
+        <a:bodyPr/>
+        <a:lstStyle/>
+        <a:p>
+          <a:endParaRPr lang="en-US"/>
+        </a:p>
+      </dgm:t>
     </dgm:pt>
     <dgm:pt modelId="{24C86F7B-A12F-934A-B828-07256D307302}" type="pres">
       <dgm:prSet presAssocID="{8617981D-8A27-BB44-A72E-06F436C79E74}" presName="connTx" presStyleLbl="parChTrans1D2" presStyleIdx="1" presStyleCnt="2"/>
       <dgm:spPr/>
+      <dgm:t>
+        <a:bodyPr/>
+        <a:lstStyle/>
+        <a:p>
+          <a:endParaRPr lang="en-US"/>
+        </a:p>
+      </dgm:t>
     </dgm:pt>
     <dgm:pt modelId="{56369564-E886-B243-B1B9-D49B5E1BB2D3}" type="pres">
       <dgm:prSet presAssocID="{51E58304-B645-414A-AF19-94B69A03C9EF}" presName="root2" presStyleCnt="0"/>
@@ -3769,10 +3832,24 @@
     <dgm:pt modelId="{8A04B785-64F9-C541-A8DE-5DD493B9CAAC}" type="pres">
       <dgm:prSet presAssocID="{9F6BA115-75B2-C743-813C-EDC71990D30B}" presName="conn2-1" presStyleLbl="parChTrans1D3" presStyleIdx="1" presStyleCnt="3"/>
       <dgm:spPr/>
+      <dgm:t>
+        <a:bodyPr/>
+        <a:lstStyle/>
+        <a:p>
+          <a:endParaRPr lang="en-US"/>
+        </a:p>
+      </dgm:t>
     </dgm:pt>
     <dgm:pt modelId="{4E24C0A5-7312-3A44-A3DF-A285D6B98DA5}" type="pres">
       <dgm:prSet presAssocID="{9F6BA115-75B2-C743-813C-EDC71990D30B}" presName="connTx" presStyleLbl="parChTrans1D3" presStyleIdx="1" presStyleCnt="3"/>
       <dgm:spPr/>
+      <dgm:t>
+        <a:bodyPr/>
+        <a:lstStyle/>
+        <a:p>
+          <a:endParaRPr lang="en-US"/>
+        </a:p>
+      </dgm:t>
     </dgm:pt>
     <dgm:pt modelId="{CA208149-F1CA-8A47-95E3-5DC6DB70B764}" type="pres">
       <dgm:prSet presAssocID="{DAF658DA-A116-5C43-B62C-B6A81AAF4ADC}" presName="root2" presStyleCnt="0"/>
@@ -3785,6 +3862,13 @@
         </dgm:presLayoutVars>
       </dgm:prSet>
       <dgm:spPr/>
+      <dgm:t>
+        <a:bodyPr/>
+        <a:lstStyle/>
+        <a:p>
+          <a:endParaRPr lang="en-US"/>
+        </a:p>
+      </dgm:t>
     </dgm:pt>
     <dgm:pt modelId="{0980D22E-4206-4943-BEDE-2A95E865048D}" type="pres">
       <dgm:prSet presAssocID="{DAF658DA-A116-5C43-B62C-B6A81AAF4ADC}" presName="level3hierChild" presStyleCnt="0"/>
@@ -3793,10 +3877,24 @@
     <dgm:pt modelId="{7740C5EB-F123-F545-ACEB-2630E37188E3}" type="pres">
       <dgm:prSet presAssocID="{2A657872-6060-2343-8129-68135F3F009C}" presName="conn2-1" presStyleLbl="parChTrans1D3" presStyleIdx="2" presStyleCnt="3"/>
       <dgm:spPr/>
+      <dgm:t>
+        <a:bodyPr/>
+        <a:lstStyle/>
+        <a:p>
+          <a:endParaRPr lang="en-US"/>
+        </a:p>
+      </dgm:t>
     </dgm:pt>
     <dgm:pt modelId="{E5419A3D-4F2A-D542-9919-685B736B5912}" type="pres">
       <dgm:prSet presAssocID="{2A657872-6060-2343-8129-68135F3F009C}" presName="connTx" presStyleLbl="parChTrans1D3" presStyleIdx="2" presStyleCnt="3"/>
       <dgm:spPr/>
+      <dgm:t>
+        <a:bodyPr/>
+        <a:lstStyle/>
+        <a:p>
+          <a:endParaRPr lang="en-US"/>
+        </a:p>
+      </dgm:t>
     </dgm:pt>
     <dgm:pt modelId="{F3E8A015-BD13-1440-8255-4F55A646106C}" type="pres">
       <dgm:prSet presAssocID="{18281699-93CE-1A4C-AA25-CF423808318B}" presName="root2" presStyleCnt="0"/>
@@ -3823,29 +3921,29 @@
     </dgm:pt>
   </dgm:ptLst>
   <dgm:cxnLst>
+    <dgm:cxn modelId="{4CE43C8C-35DB-074E-8165-D92D99093B59}" srcId="{572C488A-09E3-CD47-B049-9EB0F98BF6F2}" destId="{26AA065B-5926-464D-ADB0-6327502EBC12}" srcOrd="0" destOrd="0" parTransId="{C1693763-07AF-B84E-881E-776EC0EE8F4D}" sibTransId="{F46803F4-13C9-6949-9FE1-D02C0C009EB8}"/>
+    <dgm:cxn modelId="{C8582575-234C-0840-9F79-E1153042B9D5}" type="presOf" srcId="{2A657872-6060-2343-8129-68135F3F009C}" destId="{E5419A3D-4F2A-D542-9919-685B736B5912}" srcOrd="1" destOrd="0" presId="urn:microsoft.com/office/officeart/2005/8/layout/hierarchy2"/>
+    <dgm:cxn modelId="{94C962F4-E1CB-C44B-AAF7-5142B4D976E9}" srcId="{70FC8740-11D2-844B-BA43-87066772D64C}" destId="{572C488A-09E3-CD47-B049-9EB0F98BF6F2}" srcOrd="0" destOrd="0" parTransId="{A18A7D2C-3BC2-D945-A3A4-ABD704228EA2}" sibTransId="{463F745D-E7DB-2445-B901-4B69D9280CA8}"/>
+    <dgm:cxn modelId="{2CF5DD09-88B3-034C-B447-D4744AA3E296}" srcId="{70FC8740-11D2-844B-BA43-87066772D64C}" destId="{51E58304-B645-414A-AF19-94B69A03C9EF}" srcOrd="1" destOrd="0" parTransId="{8617981D-8A27-BB44-A72E-06F436C79E74}" sibTransId="{DFBBE3C2-C344-414D-AC00-17EDFAB5CBE2}"/>
+    <dgm:cxn modelId="{D8C2E3E1-A95E-6B45-86AA-F4B9ACBF151C}" srcId="{51E58304-B645-414A-AF19-94B69A03C9EF}" destId="{DAF658DA-A116-5C43-B62C-B6A81AAF4ADC}" srcOrd="0" destOrd="0" parTransId="{9F6BA115-75B2-C743-813C-EDC71990D30B}" sibTransId="{1DE6AD3A-F505-6241-BB2C-90149AB840E2}"/>
+    <dgm:cxn modelId="{25511282-DF4B-CC46-B6B9-CD54B7B3E28C}" type="presOf" srcId="{9F6BA115-75B2-C743-813C-EDC71990D30B}" destId="{4E24C0A5-7312-3A44-A3DF-A285D6B98DA5}" srcOrd="1" destOrd="0" presId="urn:microsoft.com/office/officeart/2005/8/layout/hierarchy2"/>
+    <dgm:cxn modelId="{392A443F-A351-AB49-AD30-AD517242E1E0}" type="presOf" srcId="{A18A7D2C-3BC2-D945-A3A4-ABD704228EA2}" destId="{8EBD5E86-6C6E-2E44-9062-84724ECB3B68}" srcOrd="0" destOrd="0" presId="urn:microsoft.com/office/officeart/2005/8/layout/hierarchy2"/>
+    <dgm:cxn modelId="{5B06B31D-6381-1C41-8175-7051EE7E5E82}" type="presOf" srcId="{2A657872-6060-2343-8129-68135F3F009C}" destId="{7740C5EB-F123-F545-ACEB-2630E37188E3}" srcOrd="0" destOrd="0" presId="urn:microsoft.com/office/officeart/2005/8/layout/hierarchy2"/>
+    <dgm:cxn modelId="{1EF6FE78-9EC0-544F-9E29-DD913E08CF2E}" type="presOf" srcId="{8550B817-B177-2A42-A6B4-2C8E11B35BEF}" destId="{20CA1681-D4BD-B84E-A8CF-D5845660F934}" srcOrd="0" destOrd="0" presId="urn:microsoft.com/office/officeart/2005/8/layout/hierarchy2"/>
+    <dgm:cxn modelId="{9E62D865-1785-024B-81D3-605E9D1DA98F}" srcId="{8550B817-B177-2A42-A6B4-2C8E11B35BEF}" destId="{70FC8740-11D2-844B-BA43-87066772D64C}" srcOrd="0" destOrd="0" parTransId="{6D25A922-6F6D-EF4B-93F8-ECDF4774B051}" sibTransId="{06427853-458A-F24D-9A55-A09F688DDC32}"/>
+    <dgm:cxn modelId="{DA010987-BFA9-574B-8956-1D57C6BD0E41}" type="presOf" srcId="{C1693763-07AF-B84E-881E-776EC0EE8F4D}" destId="{AFA554A9-D810-2F41-9D4D-2A92E68F5E9C}" srcOrd="0" destOrd="0" presId="urn:microsoft.com/office/officeart/2005/8/layout/hierarchy2"/>
+    <dgm:cxn modelId="{2F7F9522-3BD6-7348-85E2-71A60FEAAED3}" srcId="{51E58304-B645-414A-AF19-94B69A03C9EF}" destId="{18281699-93CE-1A4C-AA25-CF423808318B}" srcOrd="1" destOrd="0" parTransId="{2A657872-6060-2343-8129-68135F3F009C}" sibTransId="{15951AE8-F397-7B48-A7DD-724DF40C3996}"/>
+    <dgm:cxn modelId="{106FE89F-81F6-B340-ADA6-F0519027784A}" type="presOf" srcId="{8617981D-8A27-BB44-A72E-06F436C79E74}" destId="{5807E2FA-72E6-D04A-89F7-6747DC4A4089}" srcOrd="0" destOrd="0" presId="urn:microsoft.com/office/officeart/2005/8/layout/hierarchy2"/>
+    <dgm:cxn modelId="{66448EF2-3674-0F4C-8855-F2E322C01A14}" type="presOf" srcId="{51E58304-B645-414A-AF19-94B69A03C9EF}" destId="{09D07DAE-EDD8-7C4B-B0BA-6AC66CBC7CC7}" srcOrd="0" destOrd="0" presId="urn:microsoft.com/office/officeart/2005/8/layout/hierarchy2"/>
+    <dgm:cxn modelId="{9F0D0A55-2130-234F-BA4D-4AFB20718DD6}" type="presOf" srcId="{A18A7D2C-3BC2-D945-A3A4-ABD704228EA2}" destId="{BF13BF8A-E832-B447-A285-8E80CBE7359C}" srcOrd="1" destOrd="0" presId="urn:microsoft.com/office/officeart/2005/8/layout/hierarchy2"/>
+    <dgm:cxn modelId="{72E4C4EA-3C7D-7B4D-A854-704D2211C13F}" type="presOf" srcId="{70FC8740-11D2-844B-BA43-87066772D64C}" destId="{747B6E19-340D-3F46-9FF4-144F4AC1C86F}" srcOrd="0" destOrd="0" presId="urn:microsoft.com/office/officeart/2005/8/layout/hierarchy2"/>
+    <dgm:cxn modelId="{086DEEB1-75B0-C94C-8325-D623220D1C0A}" type="presOf" srcId="{9F6BA115-75B2-C743-813C-EDC71990D30B}" destId="{8A04B785-64F9-C541-A8DE-5DD493B9CAAC}" srcOrd="0" destOrd="0" presId="urn:microsoft.com/office/officeart/2005/8/layout/hierarchy2"/>
+    <dgm:cxn modelId="{505294A8-771E-CB4A-A6F7-9B6B480201AB}" type="presOf" srcId="{DAF658DA-A116-5C43-B62C-B6A81AAF4ADC}" destId="{DB7C7C14-A361-0F42-8302-8EA7F63F92A6}" srcOrd="0" destOrd="0" presId="urn:microsoft.com/office/officeart/2005/8/layout/hierarchy2"/>
+    <dgm:cxn modelId="{7954126D-5DDF-234C-A3B4-A63DCBFEB7C9}" type="presOf" srcId="{18281699-93CE-1A4C-AA25-CF423808318B}" destId="{DEDD03C0-5187-4A4C-8CFB-2E1FF868328B}" srcOrd="0" destOrd="0" presId="urn:microsoft.com/office/officeart/2005/8/layout/hierarchy2"/>
+    <dgm:cxn modelId="{A8A27C75-DC73-8841-8630-38C0F67BDC1D}" type="presOf" srcId="{8617981D-8A27-BB44-A72E-06F436C79E74}" destId="{24C86F7B-A12F-934A-B828-07256D307302}" srcOrd="1" destOrd="0" presId="urn:microsoft.com/office/officeart/2005/8/layout/hierarchy2"/>
+    <dgm:cxn modelId="{DA2AB0AA-401C-C344-961E-5FD3EB2CDD45}" type="presOf" srcId="{572C488A-09E3-CD47-B049-9EB0F98BF6F2}" destId="{04F01A13-FFFA-834E-A3D7-58B62DB7DE75}" srcOrd="0" destOrd="0" presId="urn:microsoft.com/office/officeart/2005/8/layout/hierarchy2"/>
+    <dgm:cxn modelId="{84DC2754-FD7B-624F-BD8E-CCE1AAC69E75}" type="presOf" srcId="{26AA065B-5926-464D-ADB0-6327502EBC12}" destId="{348A34DD-1973-AD4B-A903-21393C1F8386}" srcOrd="0" destOrd="0" presId="urn:microsoft.com/office/officeart/2005/8/layout/hierarchy2"/>
     <dgm:cxn modelId="{9F8372F9-63DF-CB47-A595-3E041972C0E7}" type="presOf" srcId="{C1693763-07AF-B84E-881E-776EC0EE8F4D}" destId="{5E2D0C74-3A34-B545-B820-808299CE513D}" srcOrd="1" destOrd="0" presId="urn:microsoft.com/office/officeart/2005/8/layout/hierarchy2"/>
-    <dgm:cxn modelId="{2CF5DD09-88B3-034C-B447-D4744AA3E296}" srcId="{70FC8740-11D2-844B-BA43-87066772D64C}" destId="{51E58304-B645-414A-AF19-94B69A03C9EF}" srcOrd="1" destOrd="0" parTransId="{8617981D-8A27-BB44-A72E-06F436C79E74}" sibTransId="{DFBBE3C2-C344-414D-AC00-17EDFAB5CBE2}"/>
-    <dgm:cxn modelId="{9E62D865-1785-024B-81D3-605E9D1DA98F}" srcId="{8550B817-B177-2A42-A6B4-2C8E11B35BEF}" destId="{70FC8740-11D2-844B-BA43-87066772D64C}" srcOrd="0" destOrd="0" parTransId="{6D25A922-6F6D-EF4B-93F8-ECDF4774B051}" sibTransId="{06427853-458A-F24D-9A55-A09F688DDC32}"/>
-    <dgm:cxn modelId="{C8582575-234C-0840-9F79-E1153042B9D5}" type="presOf" srcId="{2A657872-6060-2343-8129-68135F3F009C}" destId="{E5419A3D-4F2A-D542-9919-685B736B5912}" srcOrd="1" destOrd="0" presId="urn:microsoft.com/office/officeart/2005/8/layout/hierarchy2"/>
-    <dgm:cxn modelId="{7954126D-5DDF-234C-A3B4-A63DCBFEB7C9}" type="presOf" srcId="{18281699-93CE-1A4C-AA25-CF423808318B}" destId="{DEDD03C0-5187-4A4C-8CFB-2E1FF868328B}" srcOrd="0" destOrd="0" presId="urn:microsoft.com/office/officeart/2005/8/layout/hierarchy2"/>
-    <dgm:cxn modelId="{086DEEB1-75B0-C94C-8325-D623220D1C0A}" type="presOf" srcId="{9F6BA115-75B2-C743-813C-EDC71990D30B}" destId="{8A04B785-64F9-C541-A8DE-5DD493B9CAAC}" srcOrd="0" destOrd="0" presId="urn:microsoft.com/office/officeart/2005/8/layout/hierarchy2"/>
-    <dgm:cxn modelId="{106FE89F-81F6-B340-ADA6-F0519027784A}" type="presOf" srcId="{8617981D-8A27-BB44-A72E-06F436C79E74}" destId="{5807E2FA-72E6-D04A-89F7-6747DC4A4089}" srcOrd="0" destOrd="0" presId="urn:microsoft.com/office/officeart/2005/8/layout/hierarchy2"/>
-    <dgm:cxn modelId="{505294A8-771E-CB4A-A6F7-9B6B480201AB}" type="presOf" srcId="{DAF658DA-A116-5C43-B62C-B6A81AAF4ADC}" destId="{DB7C7C14-A361-0F42-8302-8EA7F63F92A6}" srcOrd="0" destOrd="0" presId="urn:microsoft.com/office/officeart/2005/8/layout/hierarchy2"/>
-    <dgm:cxn modelId="{2F7F9522-3BD6-7348-85E2-71A60FEAAED3}" srcId="{51E58304-B645-414A-AF19-94B69A03C9EF}" destId="{18281699-93CE-1A4C-AA25-CF423808318B}" srcOrd="1" destOrd="0" parTransId="{2A657872-6060-2343-8129-68135F3F009C}" sibTransId="{15951AE8-F397-7B48-A7DD-724DF40C3996}"/>
-    <dgm:cxn modelId="{84DC2754-FD7B-624F-BD8E-CCE1AAC69E75}" type="presOf" srcId="{26AA065B-5926-464D-ADB0-6327502EBC12}" destId="{348A34DD-1973-AD4B-A903-21393C1F8386}" srcOrd="0" destOrd="0" presId="urn:microsoft.com/office/officeart/2005/8/layout/hierarchy2"/>
-    <dgm:cxn modelId="{1EF6FE78-9EC0-544F-9E29-DD913E08CF2E}" type="presOf" srcId="{8550B817-B177-2A42-A6B4-2C8E11B35BEF}" destId="{20CA1681-D4BD-B84E-A8CF-D5845660F934}" srcOrd="0" destOrd="0" presId="urn:microsoft.com/office/officeart/2005/8/layout/hierarchy2"/>
-    <dgm:cxn modelId="{25511282-DF4B-CC46-B6B9-CD54B7B3E28C}" type="presOf" srcId="{9F6BA115-75B2-C743-813C-EDC71990D30B}" destId="{4E24C0A5-7312-3A44-A3DF-A285D6B98DA5}" srcOrd="1" destOrd="0" presId="urn:microsoft.com/office/officeart/2005/8/layout/hierarchy2"/>
-    <dgm:cxn modelId="{4CE43C8C-35DB-074E-8165-D92D99093B59}" srcId="{572C488A-09E3-CD47-B049-9EB0F98BF6F2}" destId="{26AA065B-5926-464D-ADB0-6327502EBC12}" srcOrd="0" destOrd="0" parTransId="{C1693763-07AF-B84E-881E-776EC0EE8F4D}" sibTransId="{F46803F4-13C9-6949-9FE1-D02C0C009EB8}"/>
-    <dgm:cxn modelId="{D8C2E3E1-A95E-6B45-86AA-F4B9ACBF151C}" srcId="{51E58304-B645-414A-AF19-94B69A03C9EF}" destId="{DAF658DA-A116-5C43-B62C-B6A81AAF4ADC}" srcOrd="0" destOrd="0" parTransId="{9F6BA115-75B2-C743-813C-EDC71990D30B}" sibTransId="{1DE6AD3A-F505-6241-BB2C-90149AB840E2}"/>
-    <dgm:cxn modelId="{9F0D0A55-2130-234F-BA4D-4AFB20718DD6}" type="presOf" srcId="{A18A7D2C-3BC2-D945-A3A4-ABD704228EA2}" destId="{BF13BF8A-E832-B447-A285-8E80CBE7359C}" srcOrd="1" destOrd="0" presId="urn:microsoft.com/office/officeart/2005/8/layout/hierarchy2"/>
-    <dgm:cxn modelId="{5B06B31D-6381-1C41-8175-7051EE7E5E82}" type="presOf" srcId="{2A657872-6060-2343-8129-68135F3F009C}" destId="{7740C5EB-F123-F545-ACEB-2630E37188E3}" srcOrd="0" destOrd="0" presId="urn:microsoft.com/office/officeart/2005/8/layout/hierarchy2"/>
-    <dgm:cxn modelId="{72E4C4EA-3C7D-7B4D-A854-704D2211C13F}" type="presOf" srcId="{70FC8740-11D2-844B-BA43-87066772D64C}" destId="{747B6E19-340D-3F46-9FF4-144F4AC1C86F}" srcOrd="0" destOrd="0" presId="urn:microsoft.com/office/officeart/2005/8/layout/hierarchy2"/>
-    <dgm:cxn modelId="{DA2AB0AA-401C-C344-961E-5FD3EB2CDD45}" type="presOf" srcId="{572C488A-09E3-CD47-B049-9EB0F98BF6F2}" destId="{04F01A13-FFFA-834E-A3D7-58B62DB7DE75}" srcOrd="0" destOrd="0" presId="urn:microsoft.com/office/officeart/2005/8/layout/hierarchy2"/>
-    <dgm:cxn modelId="{DA010987-BFA9-574B-8956-1D57C6BD0E41}" type="presOf" srcId="{C1693763-07AF-B84E-881E-776EC0EE8F4D}" destId="{AFA554A9-D810-2F41-9D4D-2A92E68F5E9C}" srcOrd="0" destOrd="0" presId="urn:microsoft.com/office/officeart/2005/8/layout/hierarchy2"/>
-    <dgm:cxn modelId="{A8A27C75-DC73-8841-8630-38C0F67BDC1D}" type="presOf" srcId="{8617981D-8A27-BB44-A72E-06F436C79E74}" destId="{24C86F7B-A12F-934A-B828-07256D307302}" srcOrd="1" destOrd="0" presId="urn:microsoft.com/office/officeart/2005/8/layout/hierarchy2"/>
-    <dgm:cxn modelId="{66448EF2-3674-0F4C-8855-F2E322C01A14}" type="presOf" srcId="{51E58304-B645-414A-AF19-94B69A03C9EF}" destId="{09D07DAE-EDD8-7C4B-B0BA-6AC66CBC7CC7}" srcOrd="0" destOrd="0" presId="urn:microsoft.com/office/officeart/2005/8/layout/hierarchy2"/>
-    <dgm:cxn modelId="{94C962F4-E1CB-C44B-AAF7-5142B4D976E9}" srcId="{70FC8740-11D2-844B-BA43-87066772D64C}" destId="{572C488A-09E3-CD47-B049-9EB0F98BF6F2}" srcOrd="0" destOrd="0" parTransId="{A18A7D2C-3BC2-D945-A3A4-ABD704228EA2}" sibTransId="{463F745D-E7DB-2445-B901-4B69D9280CA8}"/>
-    <dgm:cxn modelId="{392A443F-A351-AB49-AD30-AD517242E1E0}" type="presOf" srcId="{A18A7D2C-3BC2-D945-A3A4-ABD704228EA2}" destId="{8EBD5E86-6C6E-2E44-9062-84724ECB3B68}" srcOrd="0" destOrd="0" presId="urn:microsoft.com/office/officeart/2005/8/layout/hierarchy2"/>
     <dgm:cxn modelId="{BB31184B-6DA5-7D40-8633-E20DE435441B}" type="presParOf" srcId="{20CA1681-D4BD-B84E-A8CF-D5845660F934}" destId="{332EFCC3-436E-3F46-9A9C-C4AE7282B845}" srcOrd="0" destOrd="0" presId="urn:microsoft.com/office/officeart/2005/8/layout/hierarchy2"/>
     <dgm:cxn modelId="{26B190E2-BB6B-884B-88CC-D0AB6EA42C8F}" type="presParOf" srcId="{332EFCC3-436E-3F46-9A9C-C4AE7282B845}" destId="{747B6E19-340D-3F46-9FF4-144F4AC1C86F}" srcOrd="0" destOrd="0" presId="urn:microsoft.com/office/officeart/2005/8/layout/hierarchy2"/>
     <dgm:cxn modelId="{C9236497-F83E-D54B-94FC-678EE6787C0D}" type="presParOf" srcId="{332EFCC3-436E-3F46-9A9C-C4AE7282B845}" destId="{6226D6F4-F814-784C-821E-BC8CA2E67D50}" srcOrd="1" destOrd="0" presId="urn:microsoft.com/office/officeart/2005/8/layout/hierarchy2"/>
@@ -4182,6 +4280,13 @@
         </dgm:presLayoutVars>
       </dgm:prSet>
       <dgm:spPr/>
+      <dgm:t>
+        <a:bodyPr/>
+        <a:lstStyle/>
+        <a:p>
+          <a:endParaRPr lang="en-US"/>
+        </a:p>
+      </dgm:t>
     </dgm:pt>
     <dgm:pt modelId="{332EFCC3-436E-3F46-9A9C-C4AE7282B845}" type="pres">
       <dgm:prSet presAssocID="{70FC8740-11D2-844B-BA43-87066772D64C}" presName="root1" presStyleCnt="0"/>
@@ -4194,6 +4299,13 @@
         </dgm:presLayoutVars>
       </dgm:prSet>
       <dgm:spPr/>
+      <dgm:t>
+        <a:bodyPr/>
+        <a:lstStyle/>
+        <a:p>
+          <a:endParaRPr lang="en-US"/>
+        </a:p>
+      </dgm:t>
     </dgm:pt>
     <dgm:pt modelId="{6226D6F4-F814-784C-821E-BC8CA2E67D50}" type="pres">
       <dgm:prSet presAssocID="{70FC8740-11D2-844B-BA43-87066772D64C}" presName="level2hierChild" presStyleCnt="0"/>
@@ -4202,10 +4314,24 @@
     <dgm:pt modelId="{8EBD5E86-6C6E-2E44-9062-84724ECB3B68}" type="pres">
       <dgm:prSet presAssocID="{A18A7D2C-3BC2-D945-A3A4-ABD704228EA2}" presName="conn2-1" presStyleLbl="parChTrans1D2" presStyleIdx="0" presStyleCnt="2"/>
       <dgm:spPr/>
+      <dgm:t>
+        <a:bodyPr/>
+        <a:lstStyle/>
+        <a:p>
+          <a:endParaRPr lang="en-US"/>
+        </a:p>
+      </dgm:t>
     </dgm:pt>
     <dgm:pt modelId="{BF13BF8A-E832-B447-A285-8E80CBE7359C}" type="pres">
       <dgm:prSet presAssocID="{A18A7D2C-3BC2-D945-A3A4-ABD704228EA2}" presName="connTx" presStyleLbl="parChTrans1D2" presStyleIdx="0" presStyleCnt="2"/>
       <dgm:spPr/>
+      <dgm:t>
+        <a:bodyPr/>
+        <a:lstStyle/>
+        <a:p>
+          <a:endParaRPr lang="en-US"/>
+        </a:p>
+      </dgm:t>
     </dgm:pt>
     <dgm:pt modelId="{ADE5A85C-DE97-CB4D-8DAB-9CA58AF12572}" type="pres">
       <dgm:prSet presAssocID="{572C488A-09E3-CD47-B049-9EB0F98BF6F2}" presName="root2" presStyleCnt="0"/>
@@ -4233,10 +4359,24 @@
     <dgm:pt modelId="{AFA554A9-D810-2F41-9D4D-2A92E68F5E9C}" type="pres">
       <dgm:prSet presAssocID="{C1693763-07AF-B84E-881E-776EC0EE8F4D}" presName="conn2-1" presStyleLbl="parChTrans1D3" presStyleIdx="0" presStyleCnt="3"/>
       <dgm:spPr/>
+      <dgm:t>
+        <a:bodyPr/>
+        <a:lstStyle/>
+        <a:p>
+          <a:endParaRPr lang="en-US"/>
+        </a:p>
+      </dgm:t>
     </dgm:pt>
     <dgm:pt modelId="{5E2D0C74-3A34-B545-B820-808299CE513D}" type="pres">
       <dgm:prSet presAssocID="{C1693763-07AF-B84E-881E-776EC0EE8F4D}" presName="connTx" presStyleLbl="parChTrans1D3" presStyleIdx="0" presStyleCnt="3"/>
       <dgm:spPr/>
+      <dgm:t>
+        <a:bodyPr/>
+        <a:lstStyle/>
+        <a:p>
+          <a:endParaRPr lang="en-US"/>
+        </a:p>
+      </dgm:t>
     </dgm:pt>
     <dgm:pt modelId="{9D24ADF7-1F34-514D-B125-8AD4511601A5}" type="pres">
       <dgm:prSet presAssocID="{26AA065B-5926-464D-ADB0-6327502EBC12}" presName="root2" presStyleCnt="0"/>
@@ -4249,6 +4389,13 @@
         </dgm:presLayoutVars>
       </dgm:prSet>
       <dgm:spPr/>
+      <dgm:t>
+        <a:bodyPr/>
+        <a:lstStyle/>
+        <a:p>
+          <a:endParaRPr lang="en-US"/>
+        </a:p>
+      </dgm:t>
     </dgm:pt>
     <dgm:pt modelId="{1A50F64C-70C5-354A-97A8-4EB7A3EF5D7D}" type="pres">
       <dgm:prSet presAssocID="{26AA065B-5926-464D-ADB0-6327502EBC12}" presName="level3hierChild" presStyleCnt="0"/>
@@ -4257,10 +4404,24 @@
     <dgm:pt modelId="{5807E2FA-72E6-D04A-89F7-6747DC4A4089}" type="pres">
       <dgm:prSet presAssocID="{8617981D-8A27-BB44-A72E-06F436C79E74}" presName="conn2-1" presStyleLbl="parChTrans1D2" presStyleIdx="1" presStyleCnt="2"/>
       <dgm:spPr/>
+      <dgm:t>
+        <a:bodyPr/>
+        <a:lstStyle/>
+        <a:p>
+          <a:endParaRPr lang="en-US"/>
+        </a:p>
+      </dgm:t>
     </dgm:pt>
     <dgm:pt modelId="{24C86F7B-A12F-934A-B828-07256D307302}" type="pres">
       <dgm:prSet presAssocID="{8617981D-8A27-BB44-A72E-06F436C79E74}" presName="connTx" presStyleLbl="parChTrans1D2" presStyleIdx="1" presStyleCnt="2"/>
       <dgm:spPr/>
+      <dgm:t>
+        <a:bodyPr/>
+        <a:lstStyle/>
+        <a:p>
+          <a:endParaRPr lang="en-US"/>
+        </a:p>
+      </dgm:t>
     </dgm:pt>
     <dgm:pt modelId="{56369564-E886-B243-B1B9-D49B5E1BB2D3}" type="pres">
       <dgm:prSet presAssocID="{51E58304-B645-414A-AF19-94B69A03C9EF}" presName="root2" presStyleCnt="0"/>
@@ -4288,10 +4449,24 @@
     <dgm:pt modelId="{8A04B785-64F9-C541-A8DE-5DD493B9CAAC}" type="pres">
       <dgm:prSet presAssocID="{9F6BA115-75B2-C743-813C-EDC71990D30B}" presName="conn2-1" presStyleLbl="parChTrans1D3" presStyleIdx="1" presStyleCnt="3"/>
       <dgm:spPr/>
+      <dgm:t>
+        <a:bodyPr/>
+        <a:lstStyle/>
+        <a:p>
+          <a:endParaRPr lang="en-US"/>
+        </a:p>
+      </dgm:t>
     </dgm:pt>
     <dgm:pt modelId="{4E24C0A5-7312-3A44-A3DF-A285D6B98DA5}" type="pres">
       <dgm:prSet presAssocID="{9F6BA115-75B2-C743-813C-EDC71990D30B}" presName="connTx" presStyleLbl="parChTrans1D3" presStyleIdx="1" presStyleCnt="3"/>
       <dgm:spPr/>
+      <dgm:t>
+        <a:bodyPr/>
+        <a:lstStyle/>
+        <a:p>
+          <a:endParaRPr lang="en-US"/>
+        </a:p>
+      </dgm:t>
     </dgm:pt>
     <dgm:pt modelId="{CA208149-F1CA-8A47-95E3-5DC6DB70B764}" type="pres">
       <dgm:prSet presAssocID="{DAF658DA-A116-5C43-B62C-B6A81AAF4ADC}" presName="root2" presStyleCnt="0"/>
@@ -4304,6 +4479,13 @@
         </dgm:presLayoutVars>
       </dgm:prSet>
       <dgm:spPr/>
+      <dgm:t>
+        <a:bodyPr/>
+        <a:lstStyle/>
+        <a:p>
+          <a:endParaRPr lang="en-US"/>
+        </a:p>
+      </dgm:t>
     </dgm:pt>
     <dgm:pt modelId="{0980D22E-4206-4943-BEDE-2A95E865048D}" type="pres">
       <dgm:prSet presAssocID="{DAF658DA-A116-5C43-B62C-B6A81AAF4ADC}" presName="level3hierChild" presStyleCnt="0"/>
@@ -4312,10 +4494,24 @@
     <dgm:pt modelId="{7740C5EB-F123-F545-ACEB-2630E37188E3}" type="pres">
       <dgm:prSet presAssocID="{2A657872-6060-2343-8129-68135F3F009C}" presName="conn2-1" presStyleLbl="parChTrans1D3" presStyleIdx="2" presStyleCnt="3"/>
       <dgm:spPr/>
+      <dgm:t>
+        <a:bodyPr/>
+        <a:lstStyle/>
+        <a:p>
+          <a:endParaRPr lang="en-US"/>
+        </a:p>
+      </dgm:t>
     </dgm:pt>
     <dgm:pt modelId="{E5419A3D-4F2A-D542-9919-685B736B5912}" type="pres">
       <dgm:prSet presAssocID="{2A657872-6060-2343-8129-68135F3F009C}" presName="connTx" presStyleLbl="parChTrans1D3" presStyleIdx="2" presStyleCnt="3"/>
       <dgm:spPr/>
+      <dgm:t>
+        <a:bodyPr/>
+        <a:lstStyle/>
+        <a:p>
+          <a:endParaRPr lang="en-US"/>
+        </a:p>
+      </dgm:t>
     </dgm:pt>
     <dgm:pt modelId="{F3E8A015-BD13-1440-8255-4F55A646106C}" type="pres">
       <dgm:prSet presAssocID="{18281699-93CE-1A4C-AA25-CF423808318B}" presName="root2" presStyleCnt="0"/>
@@ -4362,8 +4558,8 @@
     <dgm:cxn modelId="{78E6A80C-4AE9-C847-812A-0D86764EF1AB}" type="presOf" srcId="{9F6BA115-75B2-C743-813C-EDC71990D30B}" destId="{4E24C0A5-7312-3A44-A3DF-A285D6B98DA5}" srcOrd="1" destOrd="0" presId="urn:microsoft.com/office/officeart/2005/8/layout/hierarchy2"/>
     <dgm:cxn modelId="{502DD684-0F55-0946-A2C6-A51B9706B451}" type="presOf" srcId="{51E58304-B645-414A-AF19-94B69A03C9EF}" destId="{09D07DAE-EDD8-7C4B-B0BA-6AC66CBC7CC7}" srcOrd="0" destOrd="0" presId="urn:microsoft.com/office/officeart/2005/8/layout/hierarchy2"/>
     <dgm:cxn modelId="{8AB881DD-24A7-F542-8E8F-36083749B74E}" type="presOf" srcId="{A18A7D2C-3BC2-D945-A3A4-ABD704228EA2}" destId="{8EBD5E86-6C6E-2E44-9062-84724ECB3B68}" srcOrd="0" destOrd="0" presId="urn:microsoft.com/office/officeart/2005/8/layout/hierarchy2"/>
+    <dgm:cxn modelId="{739D5AC1-F4D7-2049-BEFE-F9872209D543}" type="presOf" srcId="{8617981D-8A27-BB44-A72E-06F436C79E74}" destId="{24C86F7B-A12F-934A-B828-07256D307302}" srcOrd="1" destOrd="0" presId="urn:microsoft.com/office/officeart/2005/8/layout/hierarchy2"/>
     <dgm:cxn modelId="{0A17049F-1410-6F47-BA6B-9647048D1333}" type="presOf" srcId="{8550B817-B177-2A42-A6B4-2C8E11B35BEF}" destId="{20CA1681-D4BD-B84E-A8CF-D5845660F934}" srcOrd="0" destOrd="0" presId="urn:microsoft.com/office/officeart/2005/8/layout/hierarchy2"/>
-    <dgm:cxn modelId="{739D5AC1-F4D7-2049-BEFE-F9872209D543}" type="presOf" srcId="{8617981D-8A27-BB44-A72E-06F436C79E74}" destId="{24C86F7B-A12F-934A-B828-07256D307302}" srcOrd="1" destOrd="0" presId="urn:microsoft.com/office/officeart/2005/8/layout/hierarchy2"/>
     <dgm:cxn modelId="{D976F249-6C0C-1F40-9BF8-35723B2C109A}" type="presOf" srcId="{A18A7D2C-3BC2-D945-A3A4-ABD704228EA2}" destId="{BF13BF8A-E832-B447-A285-8E80CBE7359C}" srcOrd="1" destOrd="0" presId="urn:microsoft.com/office/officeart/2005/8/layout/hierarchy2"/>
     <dgm:cxn modelId="{6C1502E9-E8BB-F44B-A737-6D2A0D0961E7}" type="presParOf" srcId="{20CA1681-D4BD-B84E-A8CF-D5845660F934}" destId="{332EFCC3-436E-3F46-9A9C-C4AE7282B845}" srcOrd="0" destOrd="0" presId="urn:microsoft.com/office/officeart/2005/8/layout/hierarchy2"/>
     <dgm:cxn modelId="{49570E9A-BD28-E043-ABA6-BC11BBDB0F0B}" type="presParOf" srcId="{332EFCC3-436E-3F46-9A9C-C4AE7282B845}" destId="{747B6E19-340D-3F46-9FF4-144F4AC1C86F}" srcOrd="0" destOrd="0" presId="urn:microsoft.com/office/officeart/2005/8/layout/hierarchy2"/>
@@ -4695,6 +4891,13 @@
         </dgm:presLayoutVars>
       </dgm:prSet>
       <dgm:spPr/>
+      <dgm:t>
+        <a:bodyPr/>
+        <a:lstStyle/>
+        <a:p>
+          <a:endParaRPr lang="en-US"/>
+        </a:p>
+      </dgm:t>
     </dgm:pt>
     <dgm:pt modelId="{332EFCC3-436E-3F46-9A9C-C4AE7282B845}" type="pres">
       <dgm:prSet presAssocID="{70FC8740-11D2-844B-BA43-87066772D64C}" presName="root1" presStyleCnt="0"/>
@@ -4707,6 +4910,13 @@
         </dgm:presLayoutVars>
       </dgm:prSet>
       <dgm:spPr/>
+      <dgm:t>
+        <a:bodyPr/>
+        <a:lstStyle/>
+        <a:p>
+          <a:endParaRPr lang="en-US"/>
+        </a:p>
+      </dgm:t>
     </dgm:pt>
     <dgm:pt modelId="{6226D6F4-F814-784C-821E-BC8CA2E67D50}" type="pres">
       <dgm:prSet presAssocID="{70FC8740-11D2-844B-BA43-87066772D64C}" presName="level2hierChild" presStyleCnt="0"/>
@@ -4715,10 +4925,24 @@
     <dgm:pt modelId="{8EBD5E86-6C6E-2E44-9062-84724ECB3B68}" type="pres">
       <dgm:prSet presAssocID="{A18A7D2C-3BC2-D945-A3A4-ABD704228EA2}" presName="conn2-1" presStyleLbl="parChTrans1D2" presStyleIdx="0" presStyleCnt="2"/>
       <dgm:spPr/>
+      <dgm:t>
+        <a:bodyPr/>
+        <a:lstStyle/>
+        <a:p>
+          <a:endParaRPr lang="en-US"/>
+        </a:p>
+      </dgm:t>
     </dgm:pt>
     <dgm:pt modelId="{BF13BF8A-E832-B447-A285-8E80CBE7359C}" type="pres">
       <dgm:prSet presAssocID="{A18A7D2C-3BC2-D945-A3A4-ABD704228EA2}" presName="connTx" presStyleLbl="parChTrans1D2" presStyleIdx="0" presStyleCnt="2"/>
       <dgm:spPr/>
+      <dgm:t>
+        <a:bodyPr/>
+        <a:lstStyle/>
+        <a:p>
+          <a:endParaRPr lang="en-US"/>
+        </a:p>
+      </dgm:t>
     </dgm:pt>
     <dgm:pt modelId="{ADE5A85C-DE97-CB4D-8DAB-9CA58AF12572}" type="pres">
       <dgm:prSet presAssocID="{572C488A-09E3-CD47-B049-9EB0F98BF6F2}" presName="root2" presStyleCnt="0"/>
@@ -4746,10 +4970,24 @@
     <dgm:pt modelId="{AFA554A9-D810-2F41-9D4D-2A92E68F5E9C}" type="pres">
       <dgm:prSet presAssocID="{C1693763-07AF-B84E-881E-776EC0EE8F4D}" presName="conn2-1" presStyleLbl="parChTrans1D3" presStyleIdx="0" presStyleCnt="3"/>
       <dgm:spPr/>
+      <dgm:t>
+        <a:bodyPr/>
+        <a:lstStyle/>
+        <a:p>
+          <a:endParaRPr lang="en-US"/>
+        </a:p>
+      </dgm:t>
     </dgm:pt>
     <dgm:pt modelId="{5E2D0C74-3A34-B545-B820-808299CE513D}" type="pres">
       <dgm:prSet presAssocID="{C1693763-07AF-B84E-881E-776EC0EE8F4D}" presName="connTx" presStyleLbl="parChTrans1D3" presStyleIdx="0" presStyleCnt="3"/>
       <dgm:spPr/>
+      <dgm:t>
+        <a:bodyPr/>
+        <a:lstStyle/>
+        <a:p>
+          <a:endParaRPr lang="en-US"/>
+        </a:p>
+      </dgm:t>
     </dgm:pt>
     <dgm:pt modelId="{9D24ADF7-1F34-514D-B125-8AD4511601A5}" type="pres">
       <dgm:prSet presAssocID="{26AA065B-5926-464D-ADB0-6327502EBC12}" presName="root2" presStyleCnt="0"/>
@@ -4762,6 +5000,13 @@
         </dgm:presLayoutVars>
       </dgm:prSet>
       <dgm:spPr/>
+      <dgm:t>
+        <a:bodyPr/>
+        <a:lstStyle/>
+        <a:p>
+          <a:endParaRPr lang="en-US"/>
+        </a:p>
+      </dgm:t>
     </dgm:pt>
     <dgm:pt modelId="{1A50F64C-70C5-354A-97A8-4EB7A3EF5D7D}" type="pres">
       <dgm:prSet presAssocID="{26AA065B-5926-464D-ADB0-6327502EBC12}" presName="level3hierChild" presStyleCnt="0"/>
@@ -4770,10 +5015,24 @@
     <dgm:pt modelId="{5807E2FA-72E6-D04A-89F7-6747DC4A4089}" type="pres">
       <dgm:prSet presAssocID="{8617981D-8A27-BB44-A72E-06F436C79E74}" presName="conn2-1" presStyleLbl="parChTrans1D2" presStyleIdx="1" presStyleCnt="2"/>
       <dgm:spPr/>
+      <dgm:t>
+        <a:bodyPr/>
+        <a:lstStyle/>
+        <a:p>
+          <a:endParaRPr lang="en-US"/>
+        </a:p>
+      </dgm:t>
     </dgm:pt>
     <dgm:pt modelId="{24C86F7B-A12F-934A-B828-07256D307302}" type="pres">
       <dgm:prSet presAssocID="{8617981D-8A27-BB44-A72E-06F436C79E74}" presName="connTx" presStyleLbl="parChTrans1D2" presStyleIdx="1" presStyleCnt="2"/>
       <dgm:spPr/>
+      <dgm:t>
+        <a:bodyPr/>
+        <a:lstStyle/>
+        <a:p>
+          <a:endParaRPr lang="en-US"/>
+        </a:p>
+      </dgm:t>
     </dgm:pt>
     <dgm:pt modelId="{56369564-E886-B243-B1B9-D49B5E1BB2D3}" type="pres">
       <dgm:prSet presAssocID="{51E58304-B645-414A-AF19-94B69A03C9EF}" presName="root2" presStyleCnt="0"/>
@@ -4801,10 +5060,24 @@
     <dgm:pt modelId="{8A04B785-64F9-C541-A8DE-5DD493B9CAAC}" type="pres">
       <dgm:prSet presAssocID="{9F6BA115-75B2-C743-813C-EDC71990D30B}" presName="conn2-1" presStyleLbl="parChTrans1D3" presStyleIdx="1" presStyleCnt="3"/>
       <dgm:spPr/>
+      <dgm:t>
+        <a:bodyPr/>
+        <a:lstStyle/>
+        <a:p>
+          <a:endParaRPr lang="en-US"/>
+        </a:p>
+      </dgm:t>
     </dgm:pt>
     <dgm:pt modelId="{4E24C0A5-7312-3A44-A3DF-A285D6B98DA5}" type="pres">
       <dgm:prSet presAssocID="{9F6BA115-75B2-C743-813C-EDC71990D30B}" presName="connTx" presStyleLbl="parChTrans1D3" presStyleIdx="1" presStyleCnt="3"/>
       <dgm:spPr/>
+      <dgm:t>
+        <a:bodyPr/>
+        <a:lstStyle/>
+        <a:p>
+          <a:endParaRPr lang="en-US"/>
+        </a:p>
+      </dgm:t>
     </dgm:pt>
     <dgm:pt modelId="{CA208149-F1CA-8A47-95E3-5DC6DB70B764}" type="pres">
       <dgm:prSet presAssocID="{DAF658DA-A116-5C43-B62C-B6A81AAF4ADC}" presName="root2" presStyleCnt="0"/>
@@ -4817,6 +5090,13 @@
         </dgm:presLayoutVars>
       </dgm:prSet>
       <dgm:spPr/>
+      <dgm:t>
+        <a:bodyPr/>
+        <a:lstStyle/>
+        <a:p>
+          <a:endParaRPr lang="en-US"/>
+        </a:p>
+      </dgm:t>
     </dgm:pt>
     <dgm:pt modelId="{0980D22E-4206-4943-BEDE-2A95E865048D}" type="pres">
       <dgm:prSet presAssocID="{DAF658DA-A116-5C43-B62C-B6A81AAF4ADC}" presName="level3hierChild" presStyleCnt="0"/>
@@ -4825,10 +5105,24 @@
     <dgm:pt modelId="{7740C5EB-F123-F545-ACEB-2630E37188E3}" type="pres">
       <dgm:prSet presAssocID="{2A657872-6060-2343-8129-68135F3F009C}" presName="conn2-1" presStyleLbl="parChTrans1D3" presStyleIdx="2" presStyleCnt="3"/>
       <dgm:spPr/>
+      <dgm:t>
+        <a:bodyPr/>
+        <a:lstStyle/>
+        <a:p>
+          <a:endParaRPr lang="en-US"/>
+        </a:p>
+      </dgm:t>
     </dgm:pt>
     <dgm:pt modelId="{E5419A3D-4F2A-D542-9919-685B736B5912}" type="pres">
       <dgm:prSet presAssocID="{2A657872-6060-2343-8129-68135F3F009C}" presName="connTx" presStyleLbl="parChTrans1D3" presStyleIdx="2" presStyleCnt="3"/>
       <dgm:spPr/>
+      <dgm:t>
+        <a:bodyPr/>
+        <a:lstStyle/>
+        <a:p>
+          <a:endParaRPr lang="en-US"/>
+        </a:p>
+      </dgm:t>
     </dgm:pt>
     <dgm:pt modelId="{F3E8A015-BD13-1440-8255-4F55A646106C}" type="pres">
       <dgm:prSet presAssocID="{18281699-93CE-1A4C-AA25-CF423808318B}" presName="root2" presStyleCnt="0"/>
@@ -4872,8 +5166,8 @@
     <dgm:cxn modelId="{424076EC-B80E-9645-A44C-F773541DEF5D}" type="presOf" srcId="{DAF658DA-A116-5C43-B62C-B6A81AAF4ADC}" destId="{DB7C7C14-A361-0F42-8302-8EA7F63F92A6}" srcOrd="0" destOrd="0" presId="urn:microsoft.com/office/officeart/2005/8/layout/hierarchy2"/>
     <dgm:cxn modelId="{9E62D865-1785-024B-81D3-605E9D1DA98F}" srcId="{8550B817-B177-2A42-A6B4-2C8E11B35BEF}" destId="{70FC8740-11D2-844B-BA43-87066772D64C}" srcOrd="0" destOrd="0" parTransId="{6D25A922-6F6D-EF4B-93F8-ECDF4774B051}" sibTransId="{06427853-458A-F24D-9A55-A09F688DDC32}"/>
     <dgm:cxn modelId="{B57E1DC2-437E-564B-9AF6-08A3307D16BA}" type="presOf" srcId="{8617981D-8A27-BB44-A72E-06F436C79E74}" destId="{24C86F7B-A12F-934A-B828-07256D307302}" srcOrd="1" destOrd="0" presId="urn:microsoft.com/office/officeart/2005/8/layout/hierarchy2"/>
+    <dgm:cxn modelId="{2F7F9522-3BD6-7348-85E2-71A60FEAAED3}" srcId="{51E58304-B645-414A-AF19-94B69A03C9EF}" destId="{18281699-93CE-1A4C-AA25-CF423808318B}" srcOrd="1" destOrd="0" parTransId="{2A657872-6060-2343-8129-68135F3F009C}" sibTransId="{15951AE8-F397-7B48-A7DD-724DF40C3996}"/>
     <dgm:cxn modelId="{B0877ADD-1029-1740-B5A7-30239266F722}" type="presOf" srcId="{8550B817-B177-2A42-A6B4-2C8E11B35BEF}" destId="{20CA1681-D4BD-B84E-A8CF-D5845660F934}" srcOrd="0" destOrd="0" presId="urn:microsoft.com/office/officeart/2005/8/layout/hierarchy2"/>
-    <dgm:cxn modelId="{2F7F9522-3BD6-7348-85E2-71A60FEAAED3}" srcId="{51E58304-B645-414A-AF19-94B69A03C9EF}" destId="{18281699-93CE-1A4C-AA25-CF423808318B}" srcOrd="1" destOrd="0" parTransId="{2A657872-6060-2343-8129-68135F3F009C}" sibTransId="{15951AE8-F397-7B48-A7DD-724DF40C3996}"/>
     <dgm:cxn modelId="{C1C78778-8147-954B-80DE-8EE186090D5E}" type="presOf" srcId="{70FC8740-11D2-844B-BA43-87066772D64C}" destId="{747B6E19-340D-3F46-9FF4-144F4AC1C86F}" srcOrd="0" destOrd="0" presId="urn:microsoft.com/office/officeart/2005/8/layout/hierarchy2"/>
     <dgm:cxn modelId="{9D477ABB-E883-8D40-AB71-0EAE40F0F259}" type="presOf" srcId="{572C488A-09E3-CD47-B049-9EB0F98BF6F2}" destId="{04F01A13-FFFA-834E-A3D7-58B62DB7DE75}" srcOrd="0" destOrd="0" presId="urn:microsoft.com/office/officeart/2005/8/layout/hierarchy2"/>
     <dgm:cxn modelId="{C4EA9D79-D95B-1D40-BC34-E3B10FAF3BE0}" type="presOf" srcId="{C1693763-07AF-B84E-881E-776EC0EE8F4D}" destId="{5E2D0C74-3A34-B545-B820-808299CE513D}" srcOrd="1" destOrd="0" presId="urn:microsoft.com/office/officeart/2005/8/layout/hierarchy2"/>
@@ -5216,6 +5510,13 @@
         </dgm:presLayoutVars>
       </dgm:prSet>
       <dgm:spPr/>
+      <dgm:t>
+        <a:bodyPr/>
+        <a:lstStyle/>
+        <a:p>
+          <a:endParaRPr lang="en-US"/>
+        </a:p>
+      </dgm:t>
     </dgm:pt>
     <dgm:pt modelId="{332EFCC3-436E-3F46-9A9C-C4AE7282B845}" type="pres">
       <dgm:prSet presAssocID="{70FC8740-11D2-844B-BA43-87066772D64C}" presName="root1" presStyleCnt="0"/>
@@ -5228,6 +5529,13 @@
         </dgm:presLayoutVars>
       </dgm:prSet>
       <dgm:spPr/>
+      <dgm:t>
+        <a:bodyPr/>
+        <a:lstStyle/>
+        <a:p>
+          <a:endParaRPr lang="en-US"/>
+        </a:p>
+      </dgm:t>
     </dgm:pt>
     <dgm:pt modelId="{6226D6F4-F814-784C-821E-BC8CA2E67D50}" type="pres">
       <dgm:prSet presAssocID="{70FC8740-11D2-844B-BA43-87066772D64C}" presName="level2hierChild" presStyleCnt="0"/>
@@ -5236,10 +5544,24 @@
     <dgm:pt modelId="{8EBD5E86-6C6E-2E44-9062-84724ECB3B68}" type="pres">
       <dgm:prSet presAssocID="{A18A7D2C-3BC2-D945-A3A4-ABD704228EA2}" presName="conn2-1" presStyleLbl="parChTrans1D2" presStyleIdx="0" presStyleCnt="2"/>
       <dgm:spPr/>
+      <dgm:t>
+        <a:bodyPr/>
+        <a:lstStyle/>
+        <a:p>
+          <a:endParaRPr lang="en-US"/>
+        </a:p>
+      </dgm:t>
     </dgm:pt>
     <dgm:pt modelId="{BF13BF8A-E832-B447-A285-8E80CBE7359C}" type="pres">
       <dgm:prSet presAssocID="{A18A7D2C-3BC2-D945-A3A4-ABD704228EA2}" presName="connTx" presStyleLbl="parChTrans1D2" presStyleIdx="0" presStyleCnt="2"/>
       <dgm:spPr/>
+      <dgm:t>
+        <a:bodyPr/>
+        <a:lstStyle/>
+        <a:p>
+          <a:endParaRPr lang="en-US"/>
+        </a:p>
+      </dgm:t>
     </dgm:pt>
     <dgm:pt modelId="{ADE5A85C-DE97-CB4D-8DAB-9CA58AF12572}" type="pres">
       <dgm:prSet presAssocID="{572C488A-09E3-CD47-B049-9EB0F98BF6F2}" presName="root2" presStyleCnt="0"/>
@@ -5267,10 +5589,24 @@
     <dgm:pt modelId="{AFA554A9-D810-2F41-9D4D-2A92E68F5E9C}" type="pres">
       <dgm:prSet presAssocID="{C1693763-07AF-B84E-881E-776EC0EE8F4D}" presName="conn2-1" presStyleLbl="parChTrans1D3" presStyleIdx="0" presStyleCnt="3"/>
       <dgm:spPr/>
+      <dgm:t>
+        <a:bodyPr/>
+        <a:lstStyle/>
+        <a:p>
+          <a:endParaRPr lang="en-US"/>
+        </a:p>
+      </dgm:t>
     </dgm:pt>
     <dgm:pt modelId="{5E2D0C74-3A34-B545-B820-808299CE513D}" type="pres">
       <dgm:prSet presAssocID="{C1693763-07AF-B84E-881E-776EC0EE8F4D}" presName="connTx" presStyleLbl="parChTrans1D3" presStyleIdx="0" presStyleCnt="3"/>
       <dgm:spPr/>
+      <dgm:t>
+        <a:bodyPr/>
+        <a:lstStyle/>
+        <a:p>
+          <a:endParaRPr lang="en-US"/>
+        </a:p>
+      </dgm:t>
     </dgm:pt>
     <dgm:pt modelId="{9D24ADF7-1F34-514D-B125-8AD4511601A5}" type="pres">
       <dgm:prSet presAssocID="{26AA065B-5926-464D-ADB0-6327502EBC12}" presName="root2" presStyleCnt="0"/>
@@ -5283,6 +5619,13 @@
         </dgm:presLayoutVars>
       </dgm:prSet>
       <dgm:spPr/>
+      <dgm:t>
+        <a:bodyPr/>
+        <a:lstStyle/>
+        <a:p>
+          <a:endParaRPr lang="en-US"/>
+        </a:p>
+      </dgm:t>
     </dgm:pt>
     <dgm:pt modelId="{1A50F64C-70C5-354A-97A8-4EB7A3EF5D7D}" type="pres">
       <dgm:prSet presAssocID="{26AA065B-5926-464D-ADB0-6327502EBC12}" presName="level3hierChild" presStyleCnt="0"/>
@@ -5291,10 +5634,24 @@
     <dgm:pt modelId="{5807E2FA-72E6-D04A-89F7-6747DC4A4089}" type="pres">
       <dgm:prSet presAssocID="{8617981D-8A27-BB44-A72E-06F436C79E74}" presName="conn2-1" presStyleLbl="parChTrans1D2" presStyleIdx="1" presStyleCnt="2"/>
       <dgm:spPr/>
+      <dgm:t>
+        <a:bodyPr/>
+        <a:lstStyle/>
+        <a:p>
+          <a:endParaRPr lang="en-US"/>
+        </a:p>
+      </dgm:t>
     </dgm:pt>
     <dgm:pt modelId="{24C86F7B-A12F-934A-B828-07256D307302}" type="pres">
       <dgm:prSet presAssocID="{8617981D-8A27-BB44-A72E-06F436C79E74}" presName="connTx" presStyleLbl="parChTrans1D2" presStyleIdx="1" presStyleCnt="2"/>
       <dgm:spPr/>
+      <dgm:t>
+        <a:bodyPr/>
+        <a:lstStyle/>
+        <a:p>
+          <a:endParaRPr lang="en-US"/>
+        </a:p>
+      </dgm:t>
     </dgm:pt>
     <dgm:pt modelId="{56369564-E886-B243-B1B9-D49B5E1BB2D3}" type="pres">
       <dgm:prSet presAssocID="{51E58304-B645-414A-AF19-94B69A03C9EF}" presName="root2" presStyleCnt="0"/>
@@ -5322,10 +5679,24 @@
     <dgm:pt modelId="{8A04B785-64F9-C541-A8DE-5DD493B9CAAC}" type="pres">
       <dgm:prSet presAssocID="{9F6BA115-75B2-C743-813C-EDC71990D30B}" presName="conn2-1" presStyleLbl="parChTrans1D3" presStyleIdx="1" presStyleCnt="3"/>
       <dgm:spPr/>
+      <dgm:t>
+        <a:bodyPr/>
+        <a:lstStyle/>
+        <a:p>
+          <a:endParaRPr lang="en-US"/>
+        </a:p>
+      </dgm:t>
     </dgm:pt>
     <dgm:pt modelId="{4E24C0A5-7312-3A44-A3DF-A285D6B98DA5}" type="pres">
       <dgm:prSet presAssocID="{9F6BA115-75B2-C743-813C-EDC71990D30B}" presName="connTx" presStyleLbl="parChTrans1D3" presStyleIdx="1" presStyleCnt="3"/>
       <dgm:spPr/>
+      <dgm:t>
+        <a:bodyPr/>
+        <a:lstStyle/>
+        <a:p>
+          <a:endParaRPr lang="en-US"/>
+        </a:p>
+      </dgm:t>
     </dgm:pt>
     <dgm:pt modelId="{CA208149-F1CA-8A47-95E3-5DC6DB70B764}" type="pres">
       <dgm:prSet presAssocID="{DAF658DA-A116-5C43-B62C-B6A81AAF4ADC}" presName="root2" presStyleCnt="0"/>
@@ -5338,6 +5709,13 @@
         </dgm:presLayoutVars>
       </dgm:prSet>
       <dgm:spPr/>
+      <dgm:t>
+        <a:bodyPr/>
+        <a:lstStyle/>
+        <a:p>
+          <a:endParaRPr lang="en-US"/>
+        </a:p>
+      </dgm:t>
     </dgm:pt>
     <dgm:pt modelId="{0980D22E-4206-4943-BEDE-2A95E865048D}" type="pres">
       <dgm:prSet presAssocID="{DAF658DA-A116-5C43-B62C-B6A81AAF4ADC}" presName="level3hierChild" presStyleCnt="0"/>
@@ -5346,10 +5724,24 @@
     <dgm:pt modelId="{7740C5EB-F123-F545-ACEB-2630E37188E3}" type="pres">
       <dgm:prSet presAssocID="{2A657872-6060-2343-8129-68135F3F009C}" presName="conn2-1" presStyleLbl="parChTrans1D3" presStyleIdx="2" presStyleCnt="3"/>
       <dgm:spPr/>
+      <dgm:t>
+        <a:bodyPr/>
+        <a:lstStyle/>
+        <a:p>
+          <a:endParaRPr lang="en-US"/>
+        </a:p>
+      </dgm:t>
     </dgm:pt>
     <dgm:pt modelId="{E5419A3D-4F2A-D542-9919-685B736B5912}" type="pres">
       <dgm:prSet presAssocID="{2A657872-6060-2343-8129-68135F3F009C}" presName="connTx" presStyleLbl="parChTrans1D3" presStyleIdx="2" presStyleCnt="3"/>
       <dgm:spPr/>
+      <dgm:t>
+        <a:bodyPr/>
+        <a:lstStyle/>
+        <a:p>
+          <a:endParaRPr lang="en-US"/>
+        </a:p>
+      </dgm:t>
     </dgm:pt>
     <dgm:pt modelId="{F3E8A015-BD13-1440-8255-4F55A646106C}" type="pres">
       <dgm:prSet presAssocID="{18281699-93CE-1A4C-AA25-CF423808318B}" presName="root2" presStyleCnt="0"/>
@@ -15933,6 +16325,140 @@
 </p:notes>
 </file>
 
+<file path=ppt/notesSlides/notesSlide10.xml><?xml version="1.0" encoding="utf-8"?>
+<p:notes xmlns:a="http://schemas.openxmlformats.org/drawingml/2006/main" xmlns:r="http://schemas.openxmlformats.org/officeDocument/2006/relationships" xmlns:p="http://schemas.openxmlformats.org/presentationml/2006/main">
+  <p:cSld>
+    <p:spTree>
+      <p:nvGrpSpPr>
+        <p:cNvPr id="1" name=""/>
+        <p:cNvGrpSpPr/>
+        <p:nvPr/>
+      </p:nvGrpSpPr>
+      <p:grpSpPr>
+        <a:xfrm>
+          <a:off x="0" y="0"/>
+          <a:ext cx="0" cy="0"/>
+          <a:chOff x="0" y="0"/>
+          <a:chExt cx="0" cy="0"/>
+        </a:xfrm>
+      </p:grpSpPr>
+      <p:sp>
+        <p:nvSpPr>
+          <p:cNvPr id="2" name="Slide Image Placeholder 1"/>
+          <p:cNvSpPr>
+            <a:spLocks noGrp="1" noRot="1" noChangeAspect="1"/>
+          </p:cNvSpPr>
+          <p:nvPr>
+            <p:ph type="sldImg"/>
+          </p:nvPr>
+        </p:nvSpPr>
+        <p:spPr>
+          <a:xfrm>
+            <a:off x="1371600" y="1143000"/>
+            <a:ext cx="4114800" cy="3086100"/>
+          </a:xfrm>
+        </p:spPr>
+      </p:sp>
+      <p:sp>
+        <p:nvSpPr>
+          <p:cNvPr id="3" name="Notes Placeholder 2"/>
+          <p:cNvSpPr>
+            <a:spLocks noGrp="1"/>
+          </p:cNvSpPr>
+          <p:nvPr>
+            <p:ph type="body" idx="1"/>
+          </p:nvPr>
+        </p:nvSpPr>
+        <p:spPr/>
+        <p:txBody>
+          <a:bodyPr/>
+          <a:lstStyle/>
+          <a:p>
+            <a:endParaRPr lang="en-AU" sz="1200" b="0" i="0" u="none" strike="noStrike" kern="1200" cap="none" dirty="0" smtClean="0">
+              <a:solidFill>
+                <a:schemeClr val="dk1"/>
+              </a:solidFill>
+              <a:effectLst/>
+              <a:latin typeface="Calibri"/>
+              <a:ea typeface="Calibri"/>
+              <a:cs typeface="Calibri"/>
+              <a:sym typeface="Calibri"/>
+            </a:endParaRPr>
+          </a:p>
+          <a:p>
+            <a:endParaRPr lang="en-US" dirty="0"/>
+          </a:p>
+        </p:txBody>
+      </p:sp>
+      <p:sp>
+        <p:nvSpPr>
+          <p:cNvPr id="4" name="Slide Number Placeholder 3"/>
+          <p:cNvSpPr>
+            <a:spLocks noGrp="1"/>
+          </p:cNvSpPr>
+          <p:nvPr>
+            <p:ph type="sldNum" idx="10"/>
+          </p:nvPr>
+        </p:nvSpPr>
+        <p:spPr/>
+        <p:txBody>
+          <a:bodyPr/>
+          <a:lstStyle/>
+          <a:p>
+            <a:pPr marL="0" marR="0" lvl="0" indent="0" algn="r" rtl="0">
+              <a:lnSpc>
+                <a:spcPct val="100000"/>
+              </a:lnSpc>
+              <a:spcBef>
+                <a:spcPts val="0"/>
+              </a:spcBef>
+              <a:spcAft>
+                <a:spcPts val="0"/>
+              </a:spcAft>
+              <a:buClr>
+                <a:schemeClr val="dk1"/>
+              </a:buClr>
+              <a:buSzPct val="25000"/>
+              <a:buFont typeface="Arial"/>
+              <a:buNone/>
+            </a:pPr>
+            <a:fld id="{00000000-1234-1234-1234-123412341234}" type="slidenum">
+              <a:rPr lang="en-US" sz="1200" b="0" i="0" u="none" strike="noStrike" cap="none" smtClean="0">
+                <a:solidFill>
+                  <a:schemeClr val="dk1"/>
+                </a:solidFill>
+                <a:latin typeface="Arial"/>
+                <a:ea typeface="Arial"/>
+                <a:cs typeface="Arial"/>
+                <a:sym typeface="Arial"/>
+              </a:rPr>
+              <a:t>23</a:t>
+            </a:fld>
+            <a:endParaRPr lang="en-US" sz="1200" b="0" i="0" u="none" strike="noStrike" cap="none">
+              <a:solidFill>
+                <a:schemeClr val="dk1"/>
+              </a:solidFill>
+              <a:latin typeface="Arial"/>
+              <a:ea typeface="Arial"/>
+              <a:cs typeface="Arial"/>
+              <a:sym typeface="Arial"/>
+            </a:endParaRPr>
+          </a:p>
+        </p:txBody>
+      </p:sp>
+    </p:spTree>
+    <p:extLst>
+      <p:ext uri="{BB962C8B-B14F-4D97-AF65-F5344CB8AC3E}">
+        <p14:creationId xmlns:p14="http://schemas.microsoft.com/office/powerpoint/2010/main" val="4203073278"/>
+      </p:ext>
+    </p:extLst>
+  </p:cSld>
+  <p:clrMapOvr>
+    <a:masterClrMapping/>
+  </p:clrMapOvr>
+</p:notes>
+</file>
+
 <file path=ppt/notesSlides/notesSlide2.xml><?xml version="1.0" encoding="utf-8"?>
 <p:notes xmlns:a="http://schemas.openxmlformats.org/drawingml/2006/main" xmlns:r="http://schemas.openxmlformats.org/officeDocument/2006/relationships" xmlns:p="http://schemas.openxmlformats.org/presentationml/2006/main" showMasterSp="0" showMasterPhAnim="0">
   <p:cSld>
@@ -16742,15 +17268,331 @@
           <a:p>
             <a:r>
               <a:rPr lang="en-US" dirty="0" smtClean="0"/>
-              <a:t>A recurrent neural network can be thought of as multiple copies of the same network, each passing a message to a successor</a:t>
+              <a:t>A recurrent neural network can be thought of as multiple copies of the same </a:t>
+            </a:r>
+            <a:r>
+              <a:rPr lang="en-US" dirty="0" smtClean="0"/>
+              <a:t>network</a:t>
+            </a:r>
+            <a:r>
+              <a:rPr lang="zh-CN" altLang="en-US" dirty="0" smtClean="0"/>
+              <a:t> </a:t>
             </a:r>
             <a:r>
               <a:rPr lang="en-US" altLang="zh-CN" dirty="0" smtClean="0"/>
-              <a:t>.</a:t>
-            </a:r>
-            <a:endParaRPr lang="en-US" dirty="0" smtClean="0"/>
+              <a:t>layer.</a:t>
+            </a:r>
           </a:p>
           <a:p>
+            <a:r>
+              <a:rPr lang="zh-CN" altLang="zh-CN" dirty="0" smtClean="0"/>
+              <a:t>%</a:t>
+            </a:r>
+            <a:endParaRPr lang="en-US" altLang="zh-CN" dirty="0" smtClean="0"/>
+          </a:p>
+          <a:p>
+            <a:r>
+              <a:rPr lang="en-US" altLang="zh-CN" dirty="0" smtClean="0"/>
+              <a:t>Each</a:t>
+            </a:r>
+            <a:r>
+              <a:rPr lang="zh-CN" altLang="en-US" dirty="0" smtClean="0"/>
+              <a:t> </a:t>
+            </a:r>
+            <a:r>
+              <a:rPr lang="en-US" altLang="zh-CN" dirty="0" smtClean="0"/>
+              <a:t>layer</a:t>
+            </a:r>
+            <a:r>
+              <a:rPr lang="zh-CN" altLang="en-US" dirty="0" smtClean="0"/>
+              <a:t> </a:t>
+            </a:r>
+            <a:r>
+              <a:rPr lang="en-US" altLang="zh-CN" dirty="0" smtClean="0"/>
+              <a:t>has</a:t>
+            </a:r>
+            <a:r>
+              <a:rPr lang="zh-CN" altLang="en-US" dirty="0" smtClean="0"/>
+              <a:t> </a:t>
+            </a:r>
+            <a:r>
+              <a:rPr lang="en-US" altLang="zh-CN" dirty="0" smtClean="0"/>
+              <a:t>has</a:t>
+            </a:r>
+            <a:r>
+              <a:rPr lang="zh-CN" altLang="en-US" dirty="0" smtClean="0"/>
+              <a:t> </a:t>
+            </a:r>
+            <a:r>
+              <a:rPr lang="en-US" altLang="zh-CN" dirty="0" smtClean="0"/>
+              <a:t>input,</a:t>
+            </a:r>
+            <a:r>
+              <a:rPr lang="zh-CN" altLang="en-US" dirty="0" smtClean="0"/>
+              <a:t>  </a:t>
+            </a:r>
+            <a:r>
+              <a:rPr lang="en-US" altLang="zh-CN" dirty="0" smtClean="0"/>
+              <a:t>a</a:t>
+            </a:r>
+            <a:r>
+              <a:rPr lang="zh-CN" altLang="en-US" dirty="0" smtClean="0"/>
+              <a:t> </a:t>
+            </a:r>
+            <a:r>
+              <a:rPr lang="en-US" altLang="zh-CN" dirty="0" smtClean="0"/>
+              <a:t>hidden</a:t>
+            </a:r>
+            <a:r>
+              <a:rPr lang="zh-CN" altLang="en-US" dirty="0" smtClean="0"/>
+              <a:t> </a:t>
+            </a:r>
+            <a:r>
+              <a:rPr lang="en-US" altLang="zh-CN" dirty="0" smtClean="0"/>
+              <a:t>state,</a:t>
+            </a:r>
+            <a:r>
+              <a:rPr lang="zh-CN" altLang="en-US" dirty="0" smtClean="0"/>
+              <a:t> </a:t>
+            </a:r>
+            <a:r>
+              <a:rPr lang="en-US" altLang="zh-CN" dirty="0" smtClean="0"/>
+              <a:t>and</a:t>
+            </a:r>
+            <a:r>
+              <a:rPr lang="zh-CN" altLang="en-US" dirty="0" smtClean="0"/>
+              <a:t> </a:t>
+            </a:r>
+            <a:r>
+              <a:rPr lang="en-US" altLang="zh-CN" dirty="0" smtClean="0"/>
+              <a:t>an</a:t>
+            </a:r>
+            <a:r>
+              <a:rPr lang="zh-CN" altLang="en-US" dirty="0" smtClean="0"/>
+              <a:t> </a:t>
+            </a:r>
+            <a:r>
+              <a:rPr lang="en-US" altLang="zh-CN" dirty="0" smtClean="0"/>
+              <a:t>output.</a:t>
+            </a:r>
+          </a:p>
+          <a:p>
+            <a:r>
+              <a:rPr lang="en-US" altLang="zh-CN" dirty="0" smtClean="0"/>
+              <a:t>%</a:t>
+            </a:r>
+          </a:p>
+          <a:p>
+            <a:r>
+              <a:rPr lang="en-US" dirty="0" smtClean="0"/>
+              <a:t>At</a:t>
+            </a:r>
+            <a:r>
+              <a:rPr lang="zh-CN" altLang="en-US" dirty="0" smtClean="0"/>
+              <a:t> </a:t>
+            </a:r>
+            <a:r>
+              <a:rPr lang="en-US" altLang="zh-CN" dirty="0" smtClean="0"/>
+              <a:t>each</a:t>
+            </a:r>
+            <a:r>
+              <a:rPr lang="zh-CN" altLang="en-US" dirty="0" smtClean="0"/>
+              <a:t> </a:t>
+            </a:r>
+            <a:r>
+              <a:rPr lang="en-US" altLang="zh-CN" dirty="0" smtClean="0"/>
+              <a:t>time</a:t>
+            </a:r>
+            <a:r>
+              <a:rPr lang="zh-CN" altLang="en-US" dirty="0" smtClean="0"/>
+              <a:t> </a:t>
+            </a:r>
+            <a:r>
+              <a:rPr lang="en-US" altLang="zh-CN" dirty="0" smtClean="0"/>
+              <a:t>step,</a:t>
+            </a:r>
+            <a:r>
+              <a:rPr lang="zh-CN" altLang="en-US" dirty="0" smtClean="0"/>
+              <a:t> </a:t>
+            </a:r>
+            <a:r>
+              <a:rPr lang="en-US" altLang="zh-CN" dirty="0" smtClean="0"/>
+              <a:t>the</a:t>
+            </a:r>
+            <a:r>
+              <a:rPr lang="zh-CN" altLang="en-US" dirty="0" smtClean="0"/>
+              <a:t> </a:t>
+            </a:r>
+            <a:r>
+              <a:rPr lang="en-US" altLang="zh-CN" dirty="0" smtClean="0"/>
+              <a:t>current</a:t>
+            </a:r>
+            <a:r>
+              <a:rPr lang="zh-CN" altLang="en-US" dirty="0" smtClean="0"/>
+              <a:t> </a:t>
+            </a:r>
+            <a:r>
+              <a:rPr lang="en-US" altLang="zh-CN" dirty="0" smtClean="0"/>
+              <a:t>layer’s</a:t>
+            </a:r>
+            <a:r>
+              <a:rPr lang="zh-CN" altLang="en-US" dirty="0" smtClean="0"/>
+              <a:t> </a:t>
+            </a:r>
+            <a:r>
+              <a:rPr lang="en-US" altLang="zh-CN" dirty="0" smtClean="0"/>
+              <a:t>hidden</a:t>
+            </a:r>
+            <a:r>
+              <a:rPr lang="zh-CN" altLang="en-US" dirty="0" smtClean="0"/>
+              <a:t> </a:t>
+            </a:r>
+            <a:r>
+              <a:rPr lang="en-US" altLang="zh-CN" dirty="0" smtClean="0"/>
+              <a:t>state</a:t>
+            </a:r>
+            <a:r>
+              <a:rPr lang="zh-CN" altLang="en-US" dirty="0" smtClean="0"/>
+              <a:t> </a:t>
+            </a:r>
+            <a:r>
+              <a:rPr lang="en-US" altLang="zh-CN" dirty="0" smtClean="0"/>
+              <a:t>and</a:t>
+            </a:r>
+            <a:r>
+              <a:rPr lang="zh-CN" altLang="en-US" dirty="0" smtClean="0"/>
+              <a:t> </a:t>
+            </a:r>
+            <a:r>
+              <a:rPr lang="en-US" altLang="zh-CN" dirty="0" smtClean="0"/>
+              <a:t>output</a:t>
+            </a:r>
+            <a:r>
+              <a:rPr lang="zh-CN" altLang="en-US" dirty="0" smtClean="0"/>
+              <a:t> </a:t>
+            </a:r>
+            <a:r>
+              <a:rPr lang="en-US" altLang="zh-CN" dirty="0" smtClean="0"/>
+              <a:t>are</a:t>
+            </a:r>
+            <a:r>
+              <a:rPr lang="zh-CN" altLang="en-US" dirty="0" smtClean="0"/>
+              <a:t> </a:t>
+            </a:r>
+            <a:r>
+              <a:rPr lang="en-US" altLang="zh-CN" dirty="0" smtClean="0"/>
+              <a:t>scaled</a:t>
+            </a:r>
+            <a:r>
+              <a:rPr lang="zh-CN" altLang="en-US" dirty="0" smtClean="0"/>
+              <a:t> </a:t>
+            </a:r>
+            <a:r>
+              <a:rPr lang="en-US" altLang="zh-CN" dirty="0" smtClean="0"/>
+              <a:t>and</a:t>
+            </a:r>
+            <a:r>
+              <a:rPr lang="zh-CN" altLang="en-US" dirty="0" smtClean="0"/>
+              <a:t> </a:t>
+            </a:r>
+            <a:r>
+              <a:rPr lang="en-US" altLang="zh-CN" dirty="0" smtClean="0"/>
+              <a:t>fed</a:t>
+            </a:r>
+            <a:r>
+              <a:rPr lang="zh-CN" altLang="en-US" dirty="0" smtClean="0"/>
+              <a:t> </a:t>
+            </a:r>
+            <a:r>
+              <a:rPr lang="en-US" altLang="zh-CN" dirty="0" smtClean="0"/>
+              <a:t>back</a:t>
+            </a:r>
+            <a:r>
+              <a:rPr lang="zh-CN" altLang="en-US" dirty="0" smtClean="0"/>
+              <a:t> </a:t>
+            </a:r>
+            <a:r>
+              <a:rPr lang="en-US" altLang="zh-CN" dirty="0" smtClean="0"/>
+              <a:t>to</a:t>
+            </a:r>
+            <a:r>
+              <a:rPr lang="zh-CN" altLang="en-US" dirty="0" smtClean="0"/>
+              <a:t> </a:t>
+            </a:r>
+            <a:r>
+              <a:rPr lang="en-US" altLang="zh-CN" dirty="0" smtClean="0"/>
+              <a:t>the</a:t>
+            </a:r>
+            <a:r>
+              <a:rPr lang="zh-CN" altLang="en-US" dirty="0" smtClean="0"/>
+              <a:t> </a:t>
+            </a:r>
+            <a:r>
+              <a:rPr lang="en-US" altLang="zh-CN" dirty="0" smtClean="0"/>
+              <a:t>network</a:t>
+            </a:r>
+            <a:r>
+              <a:rPr lang="zh-CN" altLang="en-US" dirty="0" smtClean="0"/>
+              <a:t> </a:t>
+            </a:r>
+            <a:r>
+              <a:rPr lang="en-US" altLang="zh-CN" dirty="0" smtClean="0"/>
+              <a:t>as</a:t>
+            </a:r>
+            <a:r>
+              <a:rPr lang="zh-CN" altLang="en-US" dirty="0" smtClean="0"/>
+              <a:t> </a:t>
+            </a:r>
+            <a:r>
+              <a:rPr lang="en-US" altLang="zh-CN" dirty="0" smtClean="0"/>
+              <a:t>the</a:t>
+            </a:r>
+            <a:r>
+              <a:rPr lang="zh-CN" altLang="en-US" dirty="0" smtClean="0"/>
+              <a:t> </a:t>
+            </a:r>
+            <a:r>
+              <a:rPr lang="en-US" altLang="zh-CN" dirty="0" smtClean="0"/>
+              <a:t>input</a:t>
+            </a:r>
+            <a:r>
+              <a:rPr lang="zh-CN" altLang="en-US" dirty="0" smtClean="0"/>
+              <a:t> </a:t>
+            </a:r>
+            <a:r>
+              <a:rPr lang="en-US" altLang="zh-CN" dirty="0" smtClean="0"/>
+              <a:t>to</a:t>
+            </a:r>
+            <a:r>
+              <a:rPr lang="zh-CN" altLang="en-US" dirty="0" smtClean="0"/>
+              <a:t> </a:t>
+            </a:r>
+            <a:r>
+              <a:rPr lang="en-US" altLang="zh-CN" dirty="0" smtClean="0"/>
+              <a:t>the</a:t>
+            </a:r>
+            <a:r>
+              <a:rPr lang="zh-CN" altLang="en-US" dirty="0" smtClean="0"/>
+              <a:t> </a:t>
+            </a:r>
+            <a:r>
+              <a:rPr lang="en-US" altLang="zh-CN" dirty="0" smtClean="0"/>
+              <a:t>next</a:t>
+            </a:r>
+            <a:r>
+              <a:rPr lang="zh-CN" altLang="en-US" dirty="0" smtClean="0"/>
+              <a:t> </a:t>
+            </a:r>
+            <a:r>
+              <a:rPr lang="en-US" altLang="zh-CN" dirty="0" smtClean="0"/>
+              <a:t>layer</a:t>
+            </a:r>
+          </a:p>
+          <a:p>
+            <a:r>
+              <a:rPr lang="zh-CN" altLang="en-US" dirty="0" smtClean="0"/>
+              <a:t> </a:t>
+            </a:r>
             <a:endParaRPr lang="en-US" dirty="0" smtClean="0"/>
           </a:p>
           <a:p>
@@ -16924,22 +17766,164 @@
           <a:p>
             <a:r>
               <a:rPr lang="en-US" dirty="0" smtClean="0"/>
-              <a:t>A plume of smoke rises up into the evening sky of the Great Desert, while the Yellow River dimmed as the setting sun goes down</a:t>
+              <a:t>A plume of smoke rises up into the evening sky of the Great Desert, while the Yellow River dimmed as the setting sun goes </a:t>
+            </a:r>
+            <a:r>
+              <a:rPr lang="en-US" dirty="0" smtClean="0"/>
+              <a:t>down</a:t>
             </a:r>
           </a:p>
           <a:p>
-            <a:r>
-              <a:rPr lang="en-US" dirty="0" smtClean="0"/>
-              <a:t>The previous time step’s hidden layer and final outputs are fed back into the</a:t>
-            </a:r>
+            <a:endParaRPr lang="en-US" dirty="0" smtClean="0"/>
           </a:p>
           <a:p>
             <a:r>
               <a:rPr lang="en-US" dirty="0" smtClean="0"/>
-              <a:t>network as part of the input to the next time step’s hidden layers.</a:t>
-            </a:r>
+              <a:t>Due</a:t>
+            </a:r>
+            <a:r>
+              <a:rPr lang="zh-CN" altLang="en-US" dirty="0" smtClean="0"/>
+              <a:t> </a:t>
+            </a:r>
+            <a:r>
+              <a:rPr lang="en-US" altLang="zh-CN" dirty="0" smtClean="0"/>
+              <a:t>to</a:t>
+            </a:r>
+            <a:r>
+              <a:rPr lang="zh-CN" altLang="en-US" dirty="0" smtClean="0"/>
+              <a:t> </a:t>
+            </a:r>
+            <a:r>
+              <a:rPr lang="en-US" altLang="zh-CN" dirty="0" smtClean="0"/>
+              <a:t>this</a:t>
+            </a:r>
+            <a:r>
+              <a:rPr lang="zh-CN" altLang="en-US" dirty="0" smtClean="0"/>
+              <a:t> </a:t>
+            </a:r>
+            <a:r>
+              <a:rPr lang="en-US" altLang="zh-CN" dirty="0" smtClean="0"/>
+              <a:t>recursive</a:t>
+            </a:r>
+            <a:r>
+              <a:rPr lang="zh-CN" altLang="en-US" dirty="0" smtClean="0"/>
+              <a:t> </a:t>
+            </a:r>
+            <a:r>
+              <a:rPr lang="en-US" altLang="zh-CN" dirty="0" smtClean="0"/>
+              <a:t>architecture,</a:t>
+            </a:r>
+            <a:r>
+              <a:rPr lang="zh-CN" altLang="en-US" dirty="0" smtClean="0"/>
+              <a:t> </a:t>
+            </a:r>
+            <a:r>
+              <a:rPr lang="en-US" altLang="zh-CN" dirty="0" smtClean="0"/>
+              <a:t>we</a:t>
+            </a:r>
+            <a:r>
+              <a:rPr lang="zh-CN" altLang="en-US" dirty="0" smtClean="0"/>
+              <a:t> </a:t>
+            </a:r>
+            <a:r>
+              <a:rPr lang="en-US" altLang="zh-CN" dirty="0" smtClean="0"/>
+              <a:t>can</a:t>
+            </a:r>
+            <a:r>
+              <a:rPr lang="zh-CN" altLang="en-US" dirty="0" smtClean="0"/>
+              <a:t> </a:t>
+            </a:r>
+            <a:r>
+              <a:rPr lang="en-US" altLang="zh-CN" dirty="0" smtClean="0"/>
+              <a:t>feed</a:t>
+            </a:r>
+            <a:r>
+              <a:rPr lang="zh-CN" altLang="en-US" dirty="0" smtClean="0"/>
+              <a:t> </a:t>
+            </a:r>
+            <a:r>
+              <a:rPr lang="en-US" altLang="zh-CN" dirty="0" smtClean="0"/>
+              <a:t>it</a:t>
+            </a:r>
+            <a:r>
+              <a:rPr lang="zh-CN" altLang="en-US" dirty="0" smtClean="0"/>
+              <a:t> </a:t>
+            </a:r>
+            <a:r>
+              <a:rPr lang="en-US" altLang="zh-CN" dirty="0" smtClean="0"/>
+              <a:t>with</a:t>
+            </a:r>
+            <a:r>
+              <a:rPr lang="zh-CN" altLang="en-US" dirty="0" smtClean="0"/>
+              <a:t> </a:t>
+            </a:r>
+            <a:r>
+              <a:rPr lang="en-US" altLang="zh-CN" dirty="0" smtClean="0"/>
+              <a:t>sequences</a:t>
+            </a:r>
+            <a:r>
+              <a:rPr lang="zh-CN" altLang="en-US" dirty="0" smtClean="0"/>
+              <a:t> </a:t>
+            </a:r>
+            <a:r>
+              <a:rPr lang="en-US" altLang="zh-CN" dirty="0" smtClean="0"/>
+              <a:t>of</a:t>
+            </a:r>
+            <a:r>
+              <a:rPr lang="zh-CN" altLang="en-US" dirty="0" smtClean="0"/>
+              <a:t> </a:t>
+            </a:r>
+            <a:r>
+              <a:rPr lang="en-US" altLang="zh-CN" dirty="0" smtClean="0"/>
+              <a:t>input</a:t>
+            </a:r>
+            <a:r>
+              <a:rPr lang="zh-CN" altLang="en-US" dirty="0" smtClean="0"/>
+              <a:t> </a:t>
+            </a:r>
+            <a:r>
+              <a:rPr lang="en-US" altLang="zh-CN" dirty="0" smtClean="0"/>
+              <a:t>and</a:t>
+            </a:r>
+            <a:r>
+              <a:rPr lang="zh-CN" altLang="en-US" dirty="0" smtClean="0"/>
+              <a:t> </a:t>
+            </a:r>
+            <a:r>
+              <a:rPr lang="en-US" altLang="zh-CN" dirty="0" smtClean="0"/>
+              <a:t>generate</a:t>
+            </a:r>
+            <a:r>
+              <a:rPr lang="zh-CN" altLang="en-US" dirty="0" smtClean="0"/>
+              <a:t> </a:t>
+            </a:r>
+            <a:r>
+              <a:rPr lang="en-US" altLang="zh-CN" dirty="0" smtClean="0"/>
+              <a:t>sequences</a:t>
+            </a:r>
+            <a:r>
+              <a:rPr lang="zh-CN" altLang="en-US" dirty="0" smtClean="0"/>
+              <a:t> </a:t>
+            </a:r>
+            <a:r>
+              <a:rPr lang="en-US" altLang="zh-CN" dirty="0" smtClean="0"/>
+              <a:t>of</a:t>
+            </a:r>
+            <a:r>
+              <a:rPr lang="zh-CN" altLang="en-US" dirty="0" smtClean="0"/>
+              <a:t> </a:t>
+            </a:r>
+            <a:r>
+              <a:rPr lang="en-US" altLang="zh-CN" dirty="0" smtClean="0"/>
+              <a:t>output.</a:t>
+            </a:r>
+            <a:endParaRPr lang="en-US" dirty="0" smtClean="0"/>
           </a:p>
           <a:p>
+            <a:r>
+              <a:rPr lang="en-US" altLang="zh-CN" dirty="0" smtClean="0"/>
+              <a:t>%</a:t>
+            </a:r>
             <a:endParaRPr lang="en-US" dirty="0" smtClean="0"/>
           </a:p>
           <a:p>
@@ -16973,25 +17957,103 @@
                 <a:cs typeface="Calibri"/>
                 <a:sym typeface="Calibri"/>
               </a:rPr>
-              <a:t>That is, we’ll give the RNN a huge chunk of text and ask it to model the probability distribution of the next character in the sequence given a sequence of previous characters. </a:t>
-            </a:r>
+              <a:t>That is, we’ll give the RNN a huge chunk of </a:t>
+            </a:r>
+            <a:r>
+              <a:rPr lang="en-AU" sz="1200" b="0" i="0" u="none" strike="noStrike" kern="1200" cap="none" dirty="0" smtClean="0">
+                <a:solidFill>
+                  <a:schemeClr val="dk1"/>
+                </a:solidFill>
+                <a:effectLst/>
+                <a:latin typeface="Calibri"/>
+                <a:ea typeface="Calibri"/>
+                <a:cs typeface="Calibri"/>
+                <a:sym typeface="Calibri"/>
+              </a:rPr>
+              <a:t>poems</a:t>
+            </a:r>
+            <a:r>
+              <a:rPr lang="zh-CN" altLang="en-US" sz="1200" b="0" i="0" u="none" strike="noStrike" kern="1200" cap="none" dirty="0" smtClean="0">
+                <a:solidFill>
+                  <a:schemeClr val="dk1"/>
+                </a:solidFill>
+                <a:effectLst/>
+                <a:latin typeface="Calibri"/>
+                <a:ea typeface="Calibri"/>
+                <a:cs typeface="Calibri"/>
+                <a:sym typeface="Calibri"/>
+              </a:rPr>
+              <a:t> </a:t>
+            </a:r>
+            <a:r>
+              <a:rPr lang="en-AU" sz="1200" b="0" i="0" u="none" strike="noStrike" kern="1200" cap="none" dirty="0" smtClean="0">
+                <a:solidFill>
+                  <a:schemeClr val="dk1"/>
+                </a:solidFill>
+                <a:effectLst/>
+                <a:latin typeface="Calibri"/>
+                <a:ea typeface="Calibri"/>
+                <a:cs typeface="Calibri"/>
+                <a:sym typeface="Calibri"/>
+              </a:rPr>
+              <a:t>and </a:t>
+            </a:r>
+            <a:r>
+              <a:rPr lang="en-AU" sz="1200" b="0" i="0" u="none" strike="noStrike" kern="1200" cap="none" dirty="0" smtClean="0">
+                <a:solidFill>
+                  <a:schemeClr val="dk1"/>
+                </a:solidFill>
+                <a:effectLst/>
+                <a:latin typeface="Calibri"/>
+                <a:ea typeface="Calibri"/>
+                <a:cs typeface="Calibri"/>
+                <a:sym typeface="Calibri"/>
+              </a:rPr>
+              <a:t>ask it to model the probability distribution of the next character in the sequence given a sequence of previous characters. </a:t>
+            </a:r>
+            <a:endParaRPr lang="en-AU" sz="1200" b="0" i="0" u="none" strike="noStrike" kern="1200" cap="none" dirty="0" smtClean="0">
+              <a:solidFill>
+                <a:schemeClr val="dk1"/>
+              </a:solidFill>
+              <a:effectLst/>
+              <a:latin typeface="Calibri"/>
+              <a:ea typeface="Calibri"/>
+              <a:cs typeface="Calibri"/>
+              <a:sym typeface="Calibri"/>
+            </a:endParaRPr>
           </a:p>
           <a:p>
-            <a:r>
-              <a:rPr lang="en-US" dirty="0" smtClean="0"/>
-              <a:t>This paper shows how Long Short-term Memory recurrent neural networks</a:t>
-            </a:r>
-          </a:p>
-          <a:p>
-            <a:r>
-              <a:rPr lang="en-US" dirty="0" smtClean="0"/>
-              <a:t>can be used to generate complex sequences with long-range structure,</a:t>
-            </a:r>
-          </a:p>
-          <a:p>
-            <a:r>
-              <a:rPr lang="en-US" dirty="0" smtClean="0"/>
-              <a:t>simply by predicting one data point at a time</a:t>
+            <a:pPr marL="0" marR="0" indent="0" algn="l" defTabSz="457200" rtl="0" eaLnBrk="1" fontAlgn="auto" latinLnBrk="0" hangingPunct="1">
+              <a:lnSpc>
+                <a:spcPct val="100000"/>
+              </a:lnSpc>
+              <a:spcBef>
+                <a:spcPts val="0"/>
+              </a:spcBef>
+              <a:spcAft>
+                <a:spcPts val="0"/>
+              </a:spcAft>
+              <a:buClr>
+                <a:schemeClr val="dk1"/>
+              </a:buClr>
+              <a:buSzTx/>
+              <a:buFont typeface="Calibri"/>
+              <a:buNone/>
+              <a:tabLst/>
+              <a:defRPr/>
+            </a:pPr>
+            <a:r>
+              <a:rPr lang="en-US" altLang="zh-CN" sz="1200" b="0" i="0" u="none" strike="noStrike" kern="1200" cap="none" dirty="0" smtClean="0">
+                <a:solidFill>
+                  <a:schemeClr val="dk1"/>
+                </a:solidFill>
+                <a:effectLst/>
+                <a:latin typeface="Calibri"/>
+                <a:ea typeface="Calibri"/>
+                <a:cs typeface="Calibri"/>
+                <a:sym typeface="Calibri"/>
+              </a:rPr>
+              <a:t>%</a:t>
             </a:r>
             <a:endParaRPr lang="en-US" dirty="0"/>
           </a:p>
@@ -17138,8 +18200,494 @@
           <a:p>
             <a:r>
               <a:rPr lang="en-US" baseline="0" dirty="0" smtClean="0"/>
-              <a:t>In such cases, where the gap between the relevant information and the place that it’s needed is small, RNNs can learn to use the past information.</a:t>
-            </a:r>
+              <a:t>When</a:t>
+            </a:r>
+            <a:r>
+              <a:rPr lang="zh-CN" altLang="en-US" baseline="0" dirty="0" smtClean="0"/>
+              <a:t> </a:t>
+            </a:r>
+            <a:r>
+              <a:rPr lang="en-US" baseline="0" dirty="0" smtClean="0"/>
+              <a:t>the </a:t>
+            </a:r>
+            <a:r>
+              <a:rPr lang="en-US" baseline="0" dirty="0" smtClean="0"/>
+              <a:t>gap between the relevant information and the place that </a:t>
+            </a:r>
+            <a:r>
+              <a:rPr lang="en-US" baseline="0" dirty="0" smtClean="0"/>
+              <a:t>the</a:t>
+            </a:r>
+            <a:r>
+              <a:rPr lang="zh-CN" altLang="en-US" baseline="0" dirty="0" smtClean="0"/>
+              <a:t> </a:t>
+            </a:r>
+            <a:r>
+              <a:rPr lang="en-US" altLang="zh-CN" baseline="0" dirty="0" smtClean="0"/>
+              <a:t>in</a:t>
+            </a:r>
+            <a:r>
+              <a:rPr lang="zh-CN" altLang="en-US" baseline="0" dirty="0" smtClean="0"/>
+              <a:t> </a:t>
+            </a:r>
+            <a:r>
+              <a:rPr lang="en-US" altLang="zh-CN" baseline="0" dirty="0" smtClean="0"/>
+              <a:t>formation</a:t>
+            </a:r>
+            <a:r>
+              <a:rPr lang="zh-CN" altLang="en-US" baseline="0" dirty="0" smtClean="0"/>
+              <a:t> </a:t>
+            </a:r>
+            <a:r>
+              <a:rPr lang="en-US" baseline="0" dirty="0" smtClean="0"/>
+              <a:t>needed </a:t>
+            </a:r>
+            <a:r>
+              <a:rPr lang="en-US" baseline="0" dirty="0" smtClean="0"/>
+              <a:t>is </a:t>
+            </a:r>
+            <a:r>
+              <a:rPr lang="en-US" baseline="0" dirty="0" smtClean="0"/>
+              <a:t>large</a:t>
+            </a:r>
+            <a:r>
+              <a:rPr lang="zh-CN" altLang="en-US" baseline="0" dirty="0" smtClean="0"/>
+              <a:t> </a:t>
+            </a:r>
+            <a:r>
+              <a:rPr lang="en-US" baseline="0" dirty="0" smtClean="0"/>
+              <a:t>, </a:t>
+            </a:r>
+            <a:r>
+              <a:rPr lang="en-US" baseline="0" dirty="0" smtClean="0"/>
+              <a:t>RNNs </a:t>
+            </a:r>
+            <a:r>
+              <a:rPr lang="en-US" baseline="0" dirty="0" smtClean="0"/>
+              <a:t>cannot</a:t>
+            </a:r>
+            <a:r>
+              <a:rPr lang="zh-CN" altLang="en-US" baseline="0" dirty="0" smtClean="0"/>
+              <a:t> </a:t>
+            </a:r>
+            <a:r>
+              <a:rPr lang="en-US" altLang="zh-CN" baseline="0" dirty="0" smtClean="0"/>
+              <a:t>handle</a:t>
+            </a:r>
+            <a:r>
+              <a:rPr lang="zh-CN" altLang="en-US" baseline="0" dirty="0" smtClean="0"/>
+              <a:t> </a:t>
+            </a:r>
+            <a:r>
+              <a:rPr lang="en-US" altLang="zh-CN" baseline="0" dirty="0" smtClean="0"/>
+              <a:t>such “long-term dependencies.”</a:t>
+            </a:r>
+            <a:r>
+              <a:rPr lang="zh-CN" altLang="en-US" baseline="0" dirty="0" smtClean="0"/>
+              <a:t> </a:t>
+            </a:r>
+            <a:r>
+              <a:rPr lang="en-US" altLang="zh-CN" baseline="0" dirty="0" smtClean="0"/>
+              <a:t>t</a:t>
+            </a:r>
+          </a:p>
+          <a:p>
+            <a:endParaRPr lang="en-US" baseline="0" dirty="0" smtClean="0"/>
+          </a:p>
+          <a:p>
+            <a:r>
+              <a:rPr lang="en-US" baseline="0" dirty="0" smtClean="0"/>
+              <a:t>To solve this problem, we use a special kind of Recurrent neural network, </a:t>
+            </a:r>
+            <a:r>
+              <a:rPr lang="zh-CN" altLang="en-US" baseline="0" dirty="0" smtClean="0"/>
+              <a:t> </a:t>
+            </a:r>
+            <a:r>
+              <a:rPr lang="en-US" altLang="zh-CN" baseline="0" dirty="0" smtClean="0"/>
+              <a:t>An</a:t>
+            </a:r>
+            <a:r>
+              <a:rPr lang="zh-CN" altLang="en-US" baseline="0" dirty="0" smtClean="0"/>
+              <a:t> </a:t>
+            </a:r>
+            <a:r>
+              <a:rPr lang="en-US" altLang="zh-CN" baseline="0" dirty="0" smtClean="0"/>
+              <a:t>SLTM</a:t>
+            </a:r>
+            <a:r>
+              <a:rPr lang="zh-CN" altLang="en-US" baseline="0" dirty="0" smtClean="0"/>
+              <a:t> </a:t>
+            </a:r>
+            <a:r>
+              <a:rPr lang="en-US" altLang="zh-CN" baseline="0" dirty="0" smtClean="0"/>
+              <a:t>network</a:t>
+            </a:r>
+            <a:r>
+              <a:rPr lang="zh-CN" altLang="en-US" baseline="0" dirty="0" smtClean="0"/>
+              <a:t> </a:t>
+            </a:r>
+            <a:r>
+              <a:rPr lang="en-US" altLang="zh-CN" baseline="0" dirty="0" smtClean="0"/>
+              <a:t>also</a:t>
+            </a:r>
+            <a:r>
+              <a:rPr lang="zh-CN" altLang="en-US" baseline="0" dirty="0" smtClean="0"/>
+              <a:t> </a:t>
+            </a:r>
+            <a:r>
+              <a:rPr lang="en-US" altLang="zh-CN" baseline="0" dirty="0" smtClean="0"/>
+              <a:t>has</a:t>
+            </a:r>
+            <a:r>
+              <a:rPr lang="zh-CN" altLang="en-US" baseline="0" dirty="0" smtClean="0"/>
+              <a:t> </a:t>
+            </a:r>
+            <a:r>
+              <a:rPr lang="en-US" altLang="zh-CN" baseline="0" dirty="0" smtClean="0"/>
+              <a:t>a</a:t>
+            </a:r>
+            <a:r>
+              <a:rPr lang="zh-CN" altLang="en-US" baseline="0" dirty="0" smtClean="0"/>
+              <a:t> </a:t>
+            </a:r>
+            <a:r>
+              <a:rPr lang="en-US" altLang="zh-CN" baseline="0" dirty="0" smtClean="0"/>
+              <a:t>recursive</a:t>
+            </a:r>
+            <a:r>
+              <a:rPr lang="zh-CN" altLang="en-US" baseline="0" dirty="0" smtClean="0"/>
+              <a:t> </a:t>
+            </a:r>
+            <a:r>
+              <a:rPr lang="en-US" altLang="zh-CN" baseline="0" dirty="0" smtClean="0"/>
+              <a:t>structure,</a:t>
+            </a:r>
+            <a:r>
+              <a:rPr lang="zh-CN" altLang="en-US" baseline="0" dirty="0" smtClean="0"/>
+              <a:t> </a:t>
+            </a:r>
+            <a:r>
+              <a:rPr lang="en-US" altLang="zh-CN" baseline="0" dirty="0" smtClean="0"/>
+              <a:t>but</a:t>
+            </a:r>
+            <a:r>
+              <a:rPr lang="zh-CN" altLang="en-US" baseline="0" dirty="0" smtClean="0"/>
+              <a:t> </a:t>
+            </a:r>
+            <a:r>
+              <a:rPr lang="en-US" altLang="zh-CN" baseline="0" dirty="0" smtClean="0"/>
+              <a:t>the</a:t>
+            </a:r>
+            <a:r>
+              <a:rPr lang="zh-CN" altLang="en-US" baseline="0" dirty="0" smtClean="0"/>
+              <a:t> </a:t>
+            </a:r>
+            <a:r>
+              <a:rPr lang="en-US" altLang="zh-CN" baseline="0" dirty="0" smtClean="0"/>
+              <a:t>repeated</a:t>
+            </a:r>
+            <a:r>
+              <a:rPr lang="zh-CN" altLang="en-US" baseline="0" dirty="0" smtClean="0"/>
+              <a:t> </a:t>
+            </a:r>
+            <a:r>
+              <a:rPr lang="en-US" altLang="zh-CN" baseline="0" dirty="0" smtClean="0"/>
+              <a:t>cell</a:t>
+            </a:r>
+            <a:r>
+              <a:rPr lang="zh-CN" altLang="en-US" baseline="0" dirty="0" smtClean="0"/>
+              <a:t> </a:t>
+            </a:r>
+            <a:r>
+              <a:rPr lang="en-US" altLang="zh-CN" baseline="0" dirty="0" smtClean="0"/>
+              <a:t>has</a:t>
+            </a:r>
+            <a:r>
+              <a:rPr lang="zh-CN" altLang="en-US" baseline="0" dirty="0" smtClean="0"/>
+              <a:t> </a:t>
+            </a:r>
+            <a:r>
+              <a:rPr lang="en-US" altLang="zh-CN" baseline="0" dirty="0" smtClean="0"/>
+              <a:t>four</a:t>
+            </a:r>
+            <a:r>
+              <a:rPr lang="zh-CN" altLang="en-US" baseline="0" dirty="0" smtClean="0"/>
+              <a:t> </a:t>
+            </a:r>
+            <a:r>
+              <a:rPr lang="en-US" altLang="zh-CN" baseline="0" dirty="0" smtClean="0"/>
+              <a:t>network</a:t>
+            </a:r>
+            <a:r>
+              <a:rPr lang="zh-CN" altLang="en-US" baseline="0" dirty="0" smtClean="0"/>
+              <a:t> </a:t>
+            </a:r>
+            <a:r>
+              <a:rPr lang="en-US" altLang="zh-CN" baseline="0" dirty="0" smtClean="0"/>
+              <a:t>layers</a:t>
+            </a:r>
+            <a:r>
+              <a:rPr lang="zh-CN" altLang="en-US" baseline="0" dirty="0" smtClean="0"/>
+              <a:t> </a:t>
+            </a:r>
+            <a:r>
+              <a:rPr lang="en-US" altLang="zh-CN" baseline="0" dirty="0" smtClean="0"/>
+              <a:t>instead</a:t>
+            </a:r>
+            <a:r>
+              <a:rPr lang="zh-CN" altLang="en-US" baseline="0" dirty="0" smtClean="0"/>
+              <a:t> </a:t>
+            </a:r>
+            <a:r>
+              <a:rPr lang="en-US" altLang="zh-CN" baseline="0" dirty="0" smtClean="0"/>
+              <a:t>of</a:t>
+            </a:r>
+            <a:r>
+              <a:rPr lang="zh-CN" altLang="en-US" baseline="0" dirty="0" smtClean="0"/>
+              <a:t> </a:t>
+            </a:r>
+            <a:r>
+              <a:rPr lang="en-US" altLang="zh-CN" baseline="0" dirty="0" smtClean="0"/>
+              <a:t>one.</a:t>
+            </a:r>
+          </a:p>
+          <a:p>
+            <a:endParaRPr lang="en-US" baseline="0" dirty="0" smtClean="0"/>
+          </a:p>
+          <a:p>
+            <a:r>
+              <a:rPr lang="en-US" baseline="0" dirty="0" smtClean="0"/>
+              <a:t>The</a:t>
+            </a:r>
+            <a:r>
+              <a:rPr lang="zh-CN" altLang="en-US" baseline="0" dirty="0" smtClean="0"/>
+              <a:t> </a:t>
+            </a:r>
+            <a:r>
+              <a:rPr lang="en-US" baseline="0" dirty="0" smtClean="0"/>
+              <a:t>sigmoid layer called the “forget gate layer</a:t>
+            </a:r>
+            <a:r>
+              <a:rPr lang="en-US" altLang="zh-CN" baseline="0" dirty="0" smtClean="0"/>
+              <a:t>.</a:t>
+            </a:r>
+            <a:r>
+              <a:rPr lang="zh-CN" altLang="en-US" baseline="0" dirty="0" smtClean="0"/>
+              <a:t> </a:t>
+            </a:r>
+            <a:r>
+              <a:rPr lang="en-US" baseline="0" dirty="0" smtClean="0"/>
+              <a:t>Each</a:t>
+            </a:r>
+            <a:r>
+              <a:rPr lang="zh-CN" altLang="en-US" baseline="0" dirty="0" smtClean="0"/>
+              <a:t> </a:t>
+            </a:r>
+            <a:r>
+              <a:rPr lang="en-US" altLang="zh-CN" baseline="0" dirty="0" smtClean="0"/>
+              <a:t>layer</a:t>
+            </a:r>
+            <a:r>
+              <a:rPr lang="zh-CN" altLang="en-US" baseline="0" dirty="0" smtClean="0"/>
+              <a:t> </a:t>
+            </a:r>
+            <a:r>
+              <a:rPr lang="en-US" altLang="zh-CN" baseline="0" dirty="0" smtClean="0"/>
+              <a:t>can</a:t>
+            </a:r>
+            <a:r>
+              <a:rPr lang="zh-CN" altLang="en-US" baseline="0" dirty="0" smtClean="0"/>
+              <a:t> </a:t>
+            </a:r>
+            <a:r>
+              <a:rPr lang="en-US" altLang="zh-CN" baseline="0" dirty="0" smtClean="0"/>
+              <a:t>decide</a:t>
+            </a:r>
+            <a:r>
+              <a:rPr lang="zh-CN" altLang="en-US" baseline="0" dirty="0" smtClean="0"/>
+              <a:t> </a:t>
+            </a:r>
+            <a:r>
+              <a:rPr lang="en-US" altLang="zh-CN" baseline="0" dirty="0" smtClean="0"/>
+              <a:t>what</a:t>
+            </a:r>
+            <a:r>
+              <a:rPr lang="zh-CN" altLang="en-US" baseline="0" dirty="0" smtClean="0"/>
+              <a:t> </a:t>
+            </a:r>
+            <a:r>
+              <a:rPr lang="en-US" altLang="zh-CN" baseline="0" dirty="0" smtClean="0"/>
+              <a:t>information</a:t>
+            </a:r>
+            <a:r>
+              <a:rPr lang="zh-CN" altLang="en-US" baseline="0" dirty="0" smtClean="0"/>
+              <a:t> </a:t>
+            </a:r>
+            <a:r>
+              <a:rPr lang="en-US" altLang="zh-CN" baseline="0" dirty="0" smtClean="0"/>
+              <a:t>we</a:t>
+            </a:r>
+            <a:r>
+              <a:rPr lang="zh-CN" altLang="en-US" baseline="0" dirty="0" smtClean="0"/>
+              <a:t> </a:t>
+            </a:r>
+            <a:r>
+              <a:rPr lang="en-US" altLang="zh-CN" baseline="0" dirty="0" smtClean="0"/>
+              <a:t>are</a:t>
+            </a:r>
+            <a:r>
+              <a:rPr lang="zh-CN" altLang="en-US" baseline="0" dirty="0" smtClean="0"/>
+              <a:t> </a:t>
+            </a:r>
+            <a:r>
+              <a:rPr lang="en-US" altLang="zh-CN" baseline="0" dirty="0" smtClean="0"/>
+              <a:t>going</a:t>
+            </a:r>
+            <a:r>
+              <a:rPr lang="zh-CN" altLang="en-US" baseline="0" dirty="0" smtClean="0"/>
+              <a:t> </a:t>
+            </a:r>
+            <a:r>
+              <a:rPr lang="en-US" altLang="zh-CN" baseline="0" dirty="0" smtClean="0"/>
+              <a:t>to</a:t>
+            </a:r>
+            <a:r>
+              <a:rPr lang="zh-CN" altLang="en-US" baseline="0" dirty="0" smtClean="0"/>
+              <a:t> </a:t>
+            </a:r>
+            <a:r>
+              <a:rPr lang="en-US" altLang="zh-CN" baseline="0" dirty="0" smtClean="0"/>
+              <a:t>throw</a:t>
+            </a:r>
+            <a:r>
+              <a:rPr lang="zh-CN" altLang="en-US" baseline="0" dirty="0" smtClean="0"/>
+              <a:t> </a:t>
+            </a:r>
+            <a:r>
+              <a:rPr lang="en-US" altLang="zh-CN" baseline="0" dirty="0" smtClean="0"/>
+              <a:t>away</a:t>
+            </a:r>
+            <a:r>
+              <a:rPr lang="zh-CN" altLang="en-US" baseline="0" dirty="0" smtClean="0"/>
+              <a:t> </a:t>
+            </a:r>
+            <a:r>
+              <a:rPr lang="en-US" altLang="zh-CN" baseline="0" dirty="0" smtClean="0"/>
+              <a:t>from</a:t>
+            </a:r>
+            <a:r>
+              <a:rPr lang="zh-CN" altLang="en-US" baseline="0" dirty="0" smtClean="0"/>
+              <a:t> </a:t>
+            </a:r>
+            <a:r>
+              <a:rPr lang="en-US" altLang="zh-CN" baseline="0" dirty="0" smtClean="0"/>
+              <a:t>the</a:t>
+            </a:r>
+            <a:r>
+              <a:rPr lang="zh-CN" altLang="en-US" baseline="0" dirty="0" smtClean="0"/>
+              <a:t> </a:t>
+            </a:r>
+            <a:r>
+              <a:rPr lang="en-US" altLang="zh-CN" baseline="0" dirty="0" smtClean="0"/>
+              <a:t>cell</a:t>
+            </a:r>
+            <a:r>
+              <a:rPr lang="zh-CN" altLang="en-US" baseline="0" dirty="0" smtClean="0"/>
+              <a:t> </a:t>
+            </a:r>
+            <a:r>
+              <a:rPr lang="en-US" altLang="zh-CN" baseline="0" dirty="0" smtClean="0"/>
+              <a:t>state.</a:t>
+            </a:r>
+          </a:p>
+          <a:p>
+            <a:r>
+              <a:rPr lang="en-US" baseline="0" dirty="0" smtClean="0"/>
+              <a:t>The</a:t>
+            </a:r>
+            <a:r>
+              <a:rPr lang="zh-CN" altLang="en-US" baseline="0" dirty="0" smtClean="0"/>
+              <a:t> </a:t>
+            </a:r>
+            <a:r>
+              <a:rPr lang="en-US" altLang="zh-CN" baseline="0" dirty="0" smtClean="0"/>
+              <a:t>second</a:t>
+            </a:r>
+            <a:r>
+              <a:rPr lang="zh-CN" altLang="en-US" baseline="0" dirty="0" smtClean="0"/>
+              <a:t> </a:t>
+            </a:r>
+            <a:r>
+              <a:rPr lang="en-US" altLang="zh-CN" baseline="0" dirty="0" smtClean="0"/>
+              <a:t>layer</a:t>
+            </a:r>
+            <a:r>
+              <a:rPr lang="zh-CN" altLang="en-US" baseline="0" dirty="0" smtClean="0"/>
+              <a:t> </a:t>
+            </a:r>
+            <a:r>
+              <a:rPr lang="en-US" altLang="zh-CN" baseline="0" dirty="0" smtClean="0"/>
+              <a:t>decides</a:t>
+            </a:r>
+            <a:r>
+              <a:rPr lang="zh-CN" altLang="en-US" baseline="0" dirty="0" smtClean="0"/>
+              <a:t> </a:t>
+            </a:r>
+            <a:r>
+              <a:rPr lang="en-US" altLang="zh-CN" baseline="0" dirty="0" smtClean="0"/>
+              <a:t>what</a:t>
+            </a:r>
+            <a:r>
+              <a:rPr lang="zh-CN" altLang="en-US" baseline="0" dirty="0" smtClean="0"/>
+              <a:t> </a:t>
+            </a:r>
+            <a:r>
+              <a:rPr lang="en-US" altLang="zh-CN" baseline="0" dirty="0" smtClean="0"/>
+              <a:t>new</a:t>
+            </a:r>
+            <a:r>
+              <a:rPr lang="zh-CN" altLang="en-US" baseline="0" dirty="0" smtClean="0"/>
+              <a:t> </a:t>
+            </a:r>
+            <a:r>
+              <a:rPr lang="en-US" altLang="zh-CN" baseline="0" dirty="0" smtClean="0"/>
+              <a:t>new information we’re going to store in the cell state.</a:t>
+            </a:r>
+          </a:p>
+          <a:p>
+            <a:endParaRPr lang="en-US" baseline="0" dirty="0" smtClean="0"/>
+          </a:p>
+          <a:p>
+            <a:r>
+              <a:rPr lang="en-US" baseline="0" dirty="0" smtClean="0"/>
+              <a:t>The</a:t>
+            </a:r>
+            <a:r>
+              <a:rPr lang="zh-CN" altLang="en-US" baseline="0" dirty="0" smtClean="0"/>
+              <a:t> </a:t>
+            </a:r>
+            <a:r>
+              <a:rPr lang="en-US" altLang="zh-CN" baseline="0" dirty="0" smtClean="0"/>
+              <a:t>last</a:t>
+            </a:r>
+            <a:r>
+              <a:rPr lang="zh-CN" altLang="en-US" baseline="0" dirty="0" smtClean="0"/>
+              <a:t> </a:t>
+            </a:r>
+            <a:r>
+              <a:rPr lang="en-US" altLang="zh-CN" baseline="0" dirty="0" smtClean="0"/>
+              <a:t>layer</a:t>
+            </a:r>
+            <a:r>
+              <a:rPr lang="zh-CN" altLang="en-US" baseline="0" dirty="0" smtClean="0"/>
+              <a:t> </a:t>
+            </a:r>
+            <a:r>
+              <a:rPr lang="en-US" altLang="zh-CN" baseline="0" dirty="0" smtClean="0"/>
+              <a:t>decide what we’re going to output.</a:t>
+            </a:r>
+            <a:endParaRPr lang="en-US" baseline="0" dirty="0" smtClean="0"/>
           </a:p>
           <a:p>
             <a:endParaRPr lang="en-US" baseline="0" dirty="0" smtClean="0"/>
@@ -17267,18 +18815,6 @@
           <a:bodyPr/>
           <a:lstStyle/>
           <a:p>
-            <a:endParaRPr lang="en-AU" sz="1200" b="0" i="0" u="none" strike="noStrike" kern="1200" cap="none" dirty="0" smtClean="0">
-              <a:solidFill>
-                <a:schemeClr val="dk1"/>
-              </a:solidFill>
-              <a:effectLst/>
-              <a:latin typeface="Calibri"/>
-              <a:ea typeface="Calibri"/>
-              <a:cs typeface="Calibri"/>
-              <a:sym typeface="Calibri"/>
-            </a:endParaRPr>
-          </a:p>
-          <a:p>
             <a:endParaRPr lang="en-US" dirty="0"/>
           </a:p>
         </p:txBody>
@@ -17325,7 +18861,7 @@
                 <a:cs typeface="Arial"/>
                 <a:sym typeface="Arial"/>
               </a:rPr>
-              <a:t>23</a:t>
+              <a:t>17</a:t>
             </a:fld>
             <a:endParaRPr lang="en-US" sz="1200" b="0" i="0" u="none" strike="noStrike" cap="none">
               <a:solidFill>
@@ -17342,7 +18878,7 @@
     </p:spTree>
     <p:extLst>
       <p:ext uri="{BB962C8B-B14F-4D97-AF65-F5344CB8AC3E}">
-        <p14:creationId xmlns:p14="http://schemas.microsoft.com/office/powerpoint/2010/main" val="4203073278"/>
+        <p14:creationId xmlns:p14="http://schemas.microsoft.com/office/powerpoint/2010/main" val="1139466394"/>
       </p:ext>
     </p:extLst>
   </p:cSld>
@@ -24328,11 +25864,7 @@
             </a:br>
             <a:r>
               <a:rPr lang="en-US" altLang="zh-CN" dirty="0" smtClean="0"/>
-              <a:t>A</a:t>
-            </a:r>
-            <a:r>
-              <a:rPr lang="en-US" altLang="zh-CN" dirty="0" smtClean="0"/>
-              <a:t>utomatic</a:t>
+              <a:t>Automatic</a:t>
             </a:r>
             <a:r>
               <a:rPr lang="zh-CN" altLang="en-US" dirty="0" smtClean="0"/>
@@ -28247,7 +29779,7 @@
               <a:lstStyle/>
               <a:p>
                 <a14:m>
-                  <m:oMathPara xmlns:m="http://schemas.openxmlformats.org/officeDocument/2006/math" xmlns="">
+                  <m:oMathPara xmlns="" xmlns:m="http://schemas.openxmlformats.org/officeDocument/2006/math">
                     <m:oMathParaPr>
                       <m:jc m:val="centerGroup"/>
                     </m:oMathParaPr>
@@ -28730,7 +30262,7 @@
                   <a:t>Generator </a:t>
                 </a:r>
                 <a14:m>
-                  <m:oMath xmlns:m="http://schemas.openxmlformats.org/officeDocument/2006/math" xmlns="">
+                  <m:oMath xmlns="" xmlns:m="http://schemas.openxmlformats.org/officeDocument/2006/math">
                     <m:r>
                       <a:rPr lang="en-US" altLang="zh-CN" b="1" i="1" smtClean="0">
                         <a:latin typeface="Cambria Math" panose="02040503050406030204" pitchFamily="18" charset="0"/>
@@ -28820,7 +30352,7 @@
                   <a:t>Discriminator </a:t>
                 </a:r>
                 <a14:m>
-                  <m:oMath xmlns:m="http://schemas.openxmlformats.org/officeDocument/2006/math" xmlns="">
+                  <m:oMath xmlns="" xmlns:m="http://schemas.openxmlformats.org/officeDocument/2006/math">
                     <m:r>
                       <a:rPr lang="en-US" altLang="zh-CN" b="1" i="1" smtClean="0">
                         <a:latin typeface="Cambria Math" panose="02040503050406030204" pitchFamily="18" charset="0"/>
@@ -29237,7 +30769,7 @@
       </p:grpSpPr>
       <p:sp>
         <p:nvSpPr>
-          <p:cNvPr id="2" name="Title 1"/>
+          <p:cNvPr id="6" name="Title 5"/>
           <p:cNvSpPr>
             <a:spLocks noGrp="1"/>
           </p:cNvSpPr>
@@ -29251,58 +30783,39 @@
           <a:lstStyle/>
           <a:p>
             <a:r>
-              <a:rPr lang="en-US" dirty="0" smtClean="0"/>
-              <a:t>R</a:t>
-            </a:r>
-            <a:r>
-              <a:rPr lang="en-US" dirty="0" smtClean="0"/>
-              <a:t>ecurrent </a:t>
-            </a:r>
-            <a:r>
-              <a:rPr lang="en-US" dirty="0" smtClean="0"/>
-              <a:t>Neural</a:t>
+              <a:rPr lang="en-US" altLang="zh-CN" dirty="0" smtClean="0"/>
+              <a:t>Genetic</a:t>
             </a:r>
             <a:r>
               <a:rPr lang="zh-CN" altLang="en-US" dirty="0" smtClean="0"/>
               <a:t> </a:t>
             </a:r>
             <a:r>
-              <a:rPr lang="en-US" dirty="0" smtClean="0"/>
-              <a:t>Network</a:t>
+              <a:rPr lang="en-US" altLang="zh-CN" dirty="0" smtClean="0"/>
+              <a:t>Algorithm</a:t>
             </a:r>
             <a:r>
               <a:rPr lang="zh-CN" altLang="en-US" dirty="0" smtClean="0"/>
               <a:t> </a:t>
             </a:r>
             <a:r>
-              <a:rPr lang="en-US" dirty="0" smtClean="0"/>
-              <a:t>R</a:t>
-            </a:r>
-            <a:r>
-              <a:rPr lang="en-US" dirty="0" smtClean="0"/>
-              <a:t>esult</a:t>
+              <a:rPr lang="en-US" altLang="zh-CN" dirty="0" smtClean="0"/>
+              <a:t>Result:</a:t>
             </a:r>
             <a:r>
               <a:rPr lang="zh-CN" altLang="en-US" dirty="0" smtClean="0"/>
-              <a:t>：</a:t>
-            </a:r>
-            <a:r>
-              <a:rPr lang="en-US" altLang="zh-CN" dirty="0" smtClean="0"/>
-              <a:t/>
-            </a:r>
-            <a:br>
-              <a:rPr lang="en-US" altLang="zh-CN" dirty="0" smtClean="0"/>
-            </a:br>
+              <a:t> </a:t>
+            </a:r>
             <a:r>
               <a:rPr lang="en-US" altLang="zh-CN" dirty="0" err="1" smtClean="0"/>
               <a:t>Huanxisha</a:t>
             </a:r>
             <a:r>
-              <a:rPr lang="en-US" altLang="zh-CN" dirty="0"/>
+              <a:rPr lang="en-US" altLang="zh-CN" dirty="0" smtClean="0"/>
               <a:t>(</a:t>
             </a:r>
             <a:r>
-              <a:rPr lang="zh-CN" altLang="en-US" dirty="0"/>
+              <a:rPr lang="zh-CN" altLang="en-US" dirty="0" smtClean="0"/>
               <a:t>浣溪沙） </a:t>
             </a:r>
             <a:r>
@@ -29371,513 +30884,6 @@
                 <a:sym typeface="Arial"/>
               </a:rPr>
               <a:t>16</a:t>
-            </a:fld>
-            <a:endParaRPr lang="en-US" sz="1200" b="0" i="0" u="none" strike="noStrike" cap="none">
-              <a:solidFill>
-                <a:srgbClr val="595959"/>
-              </a:solidFill>
-              <a:latin typeface="Arial"/>
-              <a:ea typeface="Arial"/>
-              <a:cs typeface="Arial"/>
-              <a:sym typeface="Arial"/>
-            </a:endParaRPr>
-          </a:p>
-        </p:txBody>
-      </p:sp>
-      <p:sp>
-        <p:nvSpPr>
-          <p:cNvPr id="7" name="Rounded Rectangle 6"/>
-          <p:cNvSpPr/>
-          <p:nvPr/>
-        </p:nvSpPr>
-        <p:spPr>
-          <a:xfrm>
-            <a:off x="697539" y="2106250"/>
-            <a:ext cx="7315200" cy="4400569"/>
-          </a:xfrm>
-          <a:prstGeom prst="roundRect">
-            <a:avLst/>
-          </a:prstGeom>
-        </p:spPr>
-        <p:style>
-          <a:lnRef idx="2">
-            <a:schemeClr val="accent3">
-              <a:shade val="50000"/>
-            </a:schemeClr>
-          </a:lnRef>
-          <a:fillRef idx="1">
-            <a:schemeClr val="accent3"/>
-          </a:fillRef>
-          <a:effectRef idx="0">
-            <a:schemeClr val="accent3"/>
-          </a:effectRef>
-          <a:fontRef idx="minor">
-            <a:schemeClr val="lt1"/>
-          </a:fontRef>
-        </p:style>
-        <p:txBody>
-          <a:bodyPr rtlCol="0" anchor="ctr"/>
-          <a:lstStyle/>
-          <a:p>
-            <a:r>
-              <a:rPr lang="zh-TW" altLang="en-US" sz="2000" b="1" dirty="0">
-                <a:solidFill>
-                  <a:schemeClr val="tx1">
-                    <a:lumMod val="75000"/>
-                    <a:lumOff val="25000"/>
-                  </a:schemeClr>
-                </a:solidFill>
-              </a:rPr>
-              <a:t>溪头晚月砧残梦</a:t>
-            </a:r>
-            <a:r>
-              <a:rPr lang="zh-TW" altLang="en-US" sz="2000" b="1" dirty="0" smtClean="0">
-                <a:solidFill>
-                  <a:schemeClr val="tx1">
-                    <a:lumMod val="75000"/>
-                    <a:lumOff val="25000"/>
-                  </a:schemeClr>
-                </a:solidFill>
-              </a:rPr>
-              <a:t>，</a:t>
-            </a:r>
-            <a:r>
-              <a:rPr lang="en-US" altLang="zh-TW" sz="2000" dirty="0">
-                <a:solidFill>
-                  <a:schemeClr val="tx1">
-                    <a:lumMod val="75000"/>
-                    <a:lumOff val="25000"/>
-                  </a:schemeClr>
-                </a:solidFill>
-              </a:rPr>
-              <a:t>Deep night, the moonlight on the river comes to my dream.</a:t>
-            </a:r>
-            <a:endParaRPr lang="en-US" altLang="zh-TW" sz="2000" b="1" dirty="0" smtClean="0">
-              <a:solidFill>
-                <a:schemeClr val="tx1">
-                  <a:lumMod val="75000"/>
-                  <a:lumOff val="25000"/>
-                </a:schemeClr>
-              </a:solidFill>
-            </a:endParaRPr>
-          </a:p>
-          <a:p>
-            <a:r>
-              <a:rPr lang="zh-TW" altLang="en-US" sz="2000" b="1" dirty="0" smtClean="0">
-                <a:solidFill>
-                  <a:schemeClr val="tx1">
-                    <a:lumMod val="75000"/>
-                    <a:lumOff val="25000"/>
-                  </a:schemeClr>
-                </a:solidFill>
-              </a:rPr>
-              <a:t>沙巷桥边雨吹长。</a:t>
-            </a:r>
-            <a:r>
-              <a:rPr lang="en-US" altLang="zh-TW" sz="2000" dirty="0" smtClean="0">
-                <a:solidFill>
-                  <a:schemeClr val="tx1">
-                    <a:lumMod val="75000"/>
-                    <a:lumOff val="25000"/>
-                  </a:schemeClr>
-                </a:solidFill>
-              </a:rPr>
-              <a:t>Rain </a:t>
-            </a:r>
-            <a:r>
-              <a:rPr lang="en-US" altLang="zh-TW" sz="2000" dirty="0">
-                <a:solidFill>
-                  <a:schemeClr val="tx1">
-                    <a:lumMod val="75000"/>
-                    <a:lumOff val="25000"/>
-                  </a:schemeClr>
-                </a:solidFill>
-              </a:rPr>
-              <a:t>drops fall on the bridge near a small alley.</a:t>
-            </a:r>
-            <a:endParaRPr lang="en-US" altLang="zh-TW" sz="2000" b="1" dirty="0" smtClean="0">
-              <a:solidFill>
-                <a:schemeClr val="tx1">
-                  <a:lumMod val="75000"/>
-                  <a:lumOff val="25000"/>
-                </a:schemeClr>
-              </a:solidFill>
-            </a:endParaRPr>
-          </a:p>
-          <a:p>
-            <a:r>
-              <a:rPr lang="zh-TW" altLang="en-US" sz="2000" b="1" dirty="0">
-                <a:solidFill>
-                  <a:schemeClr val="tx1">
-                    <a:lumMod val="75000"/>
-                    <a:lumOff val="25000"/>
-                  </a:schemeClr>
-                </a:solidFill>
-              </a:rPr>
-              <a:t>桃花渡有故潭冰</a:t>
-            </a:r>
-            <a:r>
-              <a:rPr lang="zh-TW" altLang="en-US" sz="2000" b="1" dirty="0" smtClean="0">
-                <a:solidFill>
-                  <a:schemeClr val="tx1">
-                    <a:lumMod val="75000"/>
-                    <a:lumOff val="25000"/>
-                  </a:schemeClr>
-                </a:solidFill>
-              </a:rPr>
-              <a:t>。</a:t>
-            </a:r>
-            <a:r>
-              <a:rPr lang="en-US" altLang="zh-TW" sz="2000" dirty="0">
-                <a:solidFill>
-                  <a:schemeClr val="tx1">
-                    <a:lumMod val="75000"/>
-                    <a:lumOff val="25000"/>
-                  </a:schemeClr>
-                </a:solidFill>
-              </a:rPr>
-              <a:t>Ice of pond flow to the </a:t>
-            </a:r>
-            <a:r>
-              <a:rPr lang="en-US" altLang="zh-TW" sz="2000" dirty="0" err="1">
-                <a:solidFill>
-                  <a:schemeClr val="tx1">
-                    <a:lumMod val="75000"/>
-                    <a:lumOff val="25000"/>
-                  </a:schemeClr>
-                </a:solidFill>
-              </a:rPr>
-              <a:t>Taohua</a:t>
-            </a:r>
-            <a:r>
-              <a:rPr lang="en-US" altLang="zh-TW" sz="2000" dirty="0">
-                <a:solidFill>
-                  <a:schemeClr val="tx1">
-                    <a:lumMod val="75000"/>
-                    <a:lumOff val="25000"/>
-                  </a:schemeClr>
-                </a:solidFill>
-              </a:rPr>
-              <a:t> ferry.</a:t>
-            </a:r>
-          </a:p>
-          <a:p>
-            <a:endParaRPr lang="en-US" altLang="zh-CN" sz="2000" b="1" dirty="0" smtClean="0">
-              <a:solidFill>
-                <a:schemeClr val="tx1">
-                  <a:lumMod val="75000"/>
-                  <a:lumOff val="25000"/>
-                </a:schemeClr>
-              </a:solidFill>
-            </a:endParaRPr>
-          </a:p>
-          <a:p>
-            <a:endParaRPr lang="en-US" altLang="zh-TW" sz="2000" b="1" dirty="0" smtClean="0">
-              <a:solidFill>
-                <a:schemeClr val="tx1">
-                  <a:lumMod val="75000"/>
-                  <a:lumOff val="25000"/>
-                </a:schemeClr>
-              </a:solidFill>
-            </a:endParaRPr>
-          </a:p>
-          <a:p>
-            <a:r>
-              <a:rPr lang="zh-TW" altLang="en-US" sz="2000" b="1" dirty="0" smtClean="0">
-                <a:solidFill>
-                  <a:schemeClr val="tx1">
-                    <a:lumMod val="75000"/>
-                    <a:lumOff val="25000"/>
-                  </a:schemeClr>
-                </a:solidFill>
-              </a:rPr>
-              <a:t>落叶斑斑飘</a:t>
-            </a:r>
-            <a:r>
-              <a:rPr lang="zh-TW" altLang="en-US" sz="2000" b="1" dirty="0">
-                <a:solidFill>
-                  <a:schemeClr val="tx1">
-                    <a:lumMod val="75000"/>
-                    <a:lumOff val="25000"/>
-                  </a:schemeClr>
-                </a:solidFill>
-              </a:rPr>
-              <a:t>雨</a:t>
-            </a:r>
-            <a:r>
-              <a:rPr lang="zh-TW" altLang="en-US" sz="2000" b="1" dirty="0" smtClean="0">
-                <a:solidFill>
-                  <a:schemeClr val="tx1">
-                    <a:lumMod val="75000"/>
-                    <a:lumOff val="25000"/>
-                  </a:schemeClr>
-                </a:solidFill>
-              </a:rPr>
-              <a:t>后</a:t>
-            </a:r>
-            <a:r>
-              <a:rPr lang="zh-CN" altLang="en-US" sz="2000" b="1" dirty="0" smtClean="0">
-                <a:solidFill>
-                  <a:schemeClr val="tx1">
-                    <a:lumMod val="75000"/>
-                    <a:lumOff val="25000"/>
-                  </a:schemeClr>
-                </a:solidFill>
-              </a:rPr>
-              <a:t>，</a:t>
-            </a:r>
-            <a:r>
-              <a:rPr lang="en-US" altLang="zh-CN" sz="2000" dirty="0">
-                <a:solidFill>
-                  <a:schemeClr val="tx1">
-                    <a:lumMod val="75000"/>
-                    <a:lumOff val="25000"/>
-                  </a:schemeClr>
-                </a:solidFill>
-              </a:rPr>
-              <a:t>Leaves colored and fell after rains.</a:t>
-            </a:r>
-          </a:p>
-          <a:p>
-            <a:endParaRPr lang="en-US" altLang="zh-TW" sz="2000" b="1" dirty="0" smtClean="0">
-              <a:solidFill>
-                <a:schemeClr val="tx1">
-                  <a:lumMod val="75000"/>
-                  <a:lumOff val="25000"/>
-                </a:schemeClr>
-              </a:solidFill>
-            </a:endParaRPr>
-          </a:p>
-          <a:p>
-            <a:r>
-              <a:rPr lang="zh-TW" altLang="en-US" sz="2000" b="1" dirty="0" smtClean="0">
-                <a:solidFill>
-                  <a:schemeClr val="tx1">
-                    <a:lumMod val="75000"/>
-                    <a:lumOff val="25000"/>
-                  </a:schemeClr>
-                </a:solidFill>
-              </a:rPr>
-              <a:t>锦衣幽锁白山流</a:t>
-            </a:r>
-            <a:r>
-              <a:rPr lang="zh-CN" altLang="en-US" sz="2000" b="1" dirty="0" smtClean="0">
-                <a:solidFill>
-                  <a:schemeClr val="tx1">
-                    <a:lumMod val="75000"/>
-                    <a:lumOff val="25000"/>
-                  </a:schemeClr>
-                </a:solidFill>
-              </a:rPr>
-              <a:t>，</a:t>
-            </a:r>
-            <a:r>
-              <a:rPr lang="en-US" altLang="zh-CN" sz="2000" dirty="0">
-                <a:solidFill>
-                  <a:schemeClr val="tx1">
-                    <a:lumMod val="75000"/>
-                    <a:lumOff val="25000"/>
-                  </a:schemeClr>
-                </a:solidFill>
-              </a:rPr>
-              <a:t>Pretty clothes are locked in closet.</a:t>
-            </a:r>
-          </a:p>
-          <a:p>
-            <a:endParaRPr lang="en-US" altLang="zh-CN" sz="2000" b="1" dirty="0" smtClean="0">
-              <a:solidFill>
-                <a:schemeClr val="tx1">
-                  <a:lumMod val="75000"/>
-                  <a:lumOff val="25000"/>
-                </a:schemeClr>
-              </a:solidFill>
-            </a:endParaRPr>
-          </a:p>
-          <a:p>
-            <a:r>
-              <a:rPr lang="zh-TW" altLang="en-US" sz="2000" b="1" dirty="0" smtClean="0">
-                <a:solidFill>
-                  <a:schemeClr val="tx1">
-                    <a:lumMod val="75000"/>
-                    <a:lumOff val="25000"/>
-                  </a:schemeClr>
-                </a:solidFill>
-              </a:rPr>
-              <a:t>对酒难高雁远休。</a:t>
-            </a:r>
-            <a:r>
-              <a:rPr lang="en-US" altLang="zh-TW" sz="2000" dirty="0">
-                <a:solidFill>
-                  <a:schemeClr val="tx1">
-                    <a:lumMod val="75000"/>
-                    <a:lumOff val="25000"/>
-                  </a:schemeClr>
-                </a:solidFill>
-              </a:rPr>
-              <a:t>I saw wild goose flew to south when drinking.</a:t>
-            </a:r>
-            <a:endParaRPr lang="en-US" altLang="zh-TW" sz="2000" dirty="0" smtClean="0">
-              <a:solidFill>
-                <a:schemeClr val="tx1">
-                  <a:lumMod val="75000"/>
-                  <a:lumOff val="25000"/>
-                </a:schemeClr>
-              </a:solidFill>
-            </a:endParaRPr>
-          </a:p>
-        </p:txBody>
-      </p:sp>
-    </p:spTree>
-    <p:extLst>
-      <p:ext uri="{BB962C8B-B14F-4D97-AF65-F5344CB8AC3E}">
-        <p14:creationId xmlns:p14="http://schemas.microsoft.com/office/powerpoint/2010/main" val="2160947454"/>
-      </p:ext>
-    </p:extLst>
-  </p:cSld>
-  <p:clrMapOvr>
-    <a:masterClrMapping/>
-  </p:clrMapOvr>
-</p:sld>
-</file>
-
-<file path=ppt/slides/slide17.xml><?xml version="1.0" encoding="utf-8"?>
-<p:sld xmlns:a="http://schemas.openxmlformats.org/drawingml/2006/main" xmlns:r="http://schemas.openxmlformats.org/officeDocument/2006/relationships" xmlns:p="http://schemas.openxmlformats.org/presentationml/2006/main">
-  <p:cSld>
-    <p:spTree>
-      <p:nvGrpSpPr>
-        <p:cNvPr id="1" name=""/>
-        <p:cNvGrpSpPr/>
-        <p:nvPr/>
-      </p:nvGrpSpPr>
-      <p:grpSpPr>
-        <a:xfrm>
-          <a:off x="0" y="0"/>
-          <a:ext cx="0" cy="0"/>
-          <a:chOff x="0" y="0"/>
-          <a:chExt cx="0" cy="0"/>
-        </a:xfrm>
-      </p:grpSpPr>
-      <p:sp>
-        <p:nvSpPr>
-          <p:cNvPr id="6" name="Title 5"/>
-          <p:cNvSpPr>
-            <a:spLocks noGrp="1"/>
-          </p:cNvSpPr>
-          <p:nvPr>
-            <p:ph type="title"/>
-          </p:nvPr>
-        </p:nvSpPr>
-        <p:spPr/>
-        <p:txBody>
-          <a:bodyPr/>
-          <a:lstStyle/>
-          <a:p>
-            <a:r>
-              <a:rPr lang="en-US" altLang="zh-CN" dirty="0" smtClean="0"/>
-              <a:t>Genetic</a:t>
-            </a:r>
-            <a:r>
-              <a:rPr lang="zh-CN" altLang="en-US" dirty="0" smtClean="0"/>
-              <a:t> </a:t>
-            </a:r>
-            <a:r>
-              <a:rPr lang="en-US" altLang="zh-CN" dirty="0" smtClean="0"/>
-              <a:t>Algorithm</a:t>
-            </a:r>
-            <a:r>
-              <a:rPr lang="zh-CN" altLang="en-US" dirty="0" smtClean="0"/>
-              <a:t> </a:t>
-            </a:r>
-            <a:r>
-              <a:rPr lang="en-US" altLang="zh-CN" dirty="0" smtClean="0"/>
-              <a:t>Result</a:t>
-            </a:r>
-            <a:r>
-              <a:rPr lang="en-US" altLang="zh-CN" dirty="0" smtClean="0"/>
-              <a:t>:</a:t>
-            </a:r>
-            <a:r>
-              <a:rPr lang="zh-CN" altLang="en-US" dirty="0" smtClean="0"/>
-              <a:t> </a:t>
-            </a:r>
-            <a:r>
-              <a:rPr lang="en-US" altLang="zh-CN" dirty="0" err="1" smtClean="0"/>
-              <a:t>Huanxisha</a:t>
-            </a:r>
-            <a:r>
-              <a:rPr lang="en-US" altLang="zh-CN" dirty="0" smtClean="0"/>
-              <a:t>(</a:t>
-            </a:r>
-            <a:r>
-              <a:rPr lang="zh-CN" altLang="en-US" dirty="0" smtClean="0"/>
-              <a:t>浣溪沙） </a:t>
-            </a:r>
-            <a:r>
-              <a:rPr lang="en-US" sz="2400" dirty="0">
-                <a:solidFill>
-                  <a:schemeClr val="tx1"/>
-                </a:solidFill>
-              </a:rPr>
-              <a:t/>
-            </a:r>
-            <a:br>
-              <a:rPr lang="en-US" sz="2400" dirty="0">
-                <a:solidFill>
-                  <a:schemeClr val="tx1"/>
-                </a:solidFill>
-              </a:rPr>
-            </a:br>
-            <a:r>
-              <a:rPr lang="en-US" altLang="zh-CN" dirty="0"/>
-              <a:t>	</a:t>
-            </a:r>
-            <a:endParaRPr lang="en-US" dirty="0"/>
-          </a:p>
-        </p:txBody>
-      </p:sp>
-      <p:sp>
-        <p:nvSpPr>
-          <p:cNvPr id="4" name="Slide Number Placeholder 3"/>
-          <p:cNvSpPr>
-            <a:spLocks noGrp="1"/>
-          </p:cNvSpPr>
-          <p:nvPr>
-            <p:ph type="sldNum" idx="12"/>
-          </p:nvPr>
-        </p:nvSpPr>
-        <p:spPr/>
-        <p:txBody>
-          <a:bodyPr/>
-          <a:lstStyle/>
-          <a:p>
-            <a:pPr marL="0" marR="0" lvl="0" indent="0" algn="r" rtl="0">
-              <a:lnSpc>
-                <a:spcPct val="100000"/>
-              </a:lnSpc>
-              <a:spcBef>
-                <a:spcPts val="0"/>
-              </a:spcBef>
-              <a:spcAft>
-                <a:spcPts val="0"/>
-              </a:spcAft>
-              <a:buClr>
-                <a:srgbClr val="595959"/>
-              </a:buClr>
-              <a:buSzPct val="25000"/>
-              <a:buFont typeface="Arial"/>
-              <a:buNone/>
-            </a:pPr>
-            <a:fld id="{00000000-1234-1234-1234-123412341234}" type="slidenum">
-              <a:rPr lang="en-US" sz="1200" b="0" i="0" u="none" strike="noStrike" cap="none" smtClean="0">
-                <a:solidFill>
-                  <a:srgbClr val="595959"/>
-                </a:solidFill>
-                <a:latin typeface="Arial"/>
-                <a:ea typeface="Arial"/>
-                <a:cs typeface="Arial"/>
-                <a:sym typeface="Arial"/>
-              </a:rPr>
-              <a:t>17</a:t>
             </a:fld>
             <a:endParaRPr lang="en-US" sz="1200" b="0" i="0" u="none" strike="noStrike" cap="none">
               <a:solidFill>
@@ -29936,29 +30942,7 @@
                   </a:schemeClr>
                 </a:solidFill>
               </a:rPr>
-              <a:t>别来已</a:t>
-            </a:r>
-            <a:r>
-              <a:rPr lang="zh-CN" altLang="en-US" sz="2000" dirty="0">
-                <a:solidFill>
-                  <a:schemeClr val="tx1">
-                    <a:lumMod val="75000"/>
-                    <a:lumOff val="25000"/>
-                  </a:schemeClr>
-                </a:solidFill>
-              </a:rPr>
-              <a:t>是</a:t>
-            </a:r>
-            <a:r>
-              <a:rPr lang="zh-CN" altLang="en-US" sz="2000" dirty="0">
-                <a:solidFill>
-                  <a:schemeClr val="tx1">
-                    <a:lumMod val="75000"/>
-                    <a:lumOff val="25000"/>
-                  </a:schemeClr>
-                </a:solidFill>
-              </a:rPr>
-              <a:t>二十年</a:t>
+              <a:t>别来已是二十年</a:t>
             </a:r>
             <a:r>
               <a:rPr lang="zh-CN" altLang="zh-CN" sz="2000" dirty="0">
@@ -30090,18 +31074,7 @@
                   </a:schemeClr>
                 </a:solidFill>
               </a:rPr>
-              <a:t>借问春寒梅旧</a:t>
-            </a:r>
-            <a:r>
-              <a:rPr lang="zh-CN" altLang="en-US" sz="2000" dirty="0">
-                <a:solidFill>
-                  <a:schemeClr val="tx1">
-                    <a:lumMod val="75000"/>
-                    <a:lumOff val="25000"/>
-                  </a:schemeClr>
-                </a:solidFill>
-              </a:rPr>
-              <a:t>否</a:t>
+              <a:t>借问春寒梅旧否</a:t>
             </a:r>
             <a:r>
               <a:rPr lang="zh-CN" altLang="zh-CN" sz="2000" dirty="0">
@@ -30189,29 +31162,7 @@
                   </a:schemeClr>
                 </a:solidFill>
               </a:rPr>
-              <a:t>佳人含笑</a:t>
-            </a:r>
-            <a:r>
-              <a:rPr lang="zh-CN" altLang="en-US" sz="2000" dirty="0">
-                <a:solidFill>
-                  <a:schemeClr val="tx1">
-                    <a:lumMod val="75000"/>
-                    <a:lumOff val="25000"/>
-                  </a:schemeClr>
-                </a:solidFill>
-              </a:rPr>
-              <a:t>立</a:t>
-            </a:r>
-            <a:r>
-              <a:rPr lang="zh-CN" altLang="en-US" sz="2000" dirty="0">
-                <a:solidFill>
-                  <a:schemeClr val="tx1">
-                    <a:lumMod val="75000"/>
-                    <a:lumOff val="25000"/>
-                  </a:schemeClr>
-                </a:solidFill>
-              </a:rPr>
-              <a:t>尊前</a:t>
+              <a:t>佳人含笑立尊前</a:t>
             </a:r>
             <a:r>
               <a:rPr lang="zh-CN" altLang="zh-CN" sz="2000" dirty="0" smtClean="0">
@@ -30286,6 +31237,1522 @@
       </p:par>
     </p:tnLst>
   </p:timing>
+</p:sld>
+</file>
+
+<file path=ppt/slides/slide17.xml><?xml version="1.0" encoding="utf-8"?>
+<p:sld xmlns:a="http://schemas.openxmlformats.org/drawingml/2006/main" xmlns:r="http://schemas.openxmlformats.org/officeDocument/2006/relationships" xmlns:p="http://schemas.openxmlformats.org/presentationml/2006/main">
+  <p:cSld>
+    <p:spTree>
+      <p:nvGrpSpPr>
+        <p:cNvPr id="1" name=""/>
+        <p:cNvGrpSpPr/>
+        <p:nvPr/>
+      </p:nvGrpSpPr>
+      <p:grpSpPr>
+        <a:xfrm>
+          <a:off x="0" y="0"/>
+          <a:ext cx="0" cy="0"/>
+          <a:chOff x="0" y="0"/>
+          <a:chExt cx="0" cy="0"/>
+        </a:xfrm>
+      </p:grpSpPr>
+      <p:sp>
+        <p:nvSpPr>
+          <p:cNvPr id="2" name="Title 1"/>
+          <p:cNvSpPr>
+            <a:spLocks noGrp="1"/>
+          </p:cNvSpPr>
+          <p:nvPr>
+            <p:ph type="title"/>
+          </p:nvPr>
+        </p:nvSpPr>
+        <p:spPr/>
+        <p:txBody>
+          <a:bodyPr/>
+          <a:lstStyle/>
+          <a:p>
+            <a:r>
+              <a:rPr lang="en-US" dirty="0" smtClean="0"/>
+              <a:t>Recurrent Neural</a:t>
+            </a:r>
+            <a:r>
+              <a:rPr lang="zh-CN" altLang="en-US" dirty="0" smtClean="0"/>
+              <a:t> </a:t>
+            </a:r>
+            <a:r>
+              <a:rPr lang="en-US" dirty="0" smtClean="0"/>
+              <a:t>Network</a:t>
+            </a:r>
+            <a:r>
+              <a:rPr lang="zh-CN" altLang="en-US" dirty="0" smtClean="0"/>
+              <a:t> </a:t>
+            </a:r>
+            <a:r>
+              <a:rPr lang="en-US" dirty="0" smtClean="0"/>
+              <a:t>Result</a:t>
+            </a:r>
+            <a:r>
+              <a:rPr lang="zh-CN" altLang="en-US" dirty="0" smtClean="0"/>
+              <a:t>：</a:t>
+            </a:r>
+            <a:r>
+              <a:rPr lang="en-US" altLang="zh-CN" dirty="0" smtClean="0"/>
+              <a:t/>
+            </a:r>
+            <a:br>
+              <a:rPr lang="en-US" altLang="zh-CN" dirty="0" smtClean="0"/>
+            </a:br>
+            <a:r>
+              <a:rPr lang="en-US" altLang="zh-CN" dirty="0" err="1" smtClean="0"/>
+              <a:t>Huanxisha</a:t>
+            </a:r>
+            <a:r>
+              <a:rPr lang="en-US" altLang="zh-CN" dirty="0"/>
+              <a:t>(</a:t>
+            </a:r>
+            <a:r>
+              <a:rPr lang="zh-CN" altLang="en-US" dirty="0"/>
+              <a:t>浣溪沙） </a:t>
+            </a:r>
+            <a:r>
+              <a:rPr lang="en-US" sz="2400" dirty="0">
+                <a:solidFill>
+                  <a:schemeClr val="tx1"/>
+                </a:solidFill>
+              </a:rPr>
+              <a:t/>
+            </a:r>
+            <a:br>
+              <a:rPr lang="en-US" sz="2400" dirty="0">
+                <a:solidFill>
+                  <a:schemeClr val="tx1"/>
+                </a:solidFill>
+              </a:rPr>
+            </a:br>
+            <a:r>
+              <a:rPr lang="en-US" altLang="zh-CN" dirty="0"/>
+              <a:t>	</a:t>
+            </a:r>
+            <a:endParaRPr lang="en-US" dirty="0"/>
+          </a:p>
+        </p:txBody>
+      </p:sp>
+      <p:sp>
+        <p:nvSpPr>
+          <p:cNvPr id="4" name="Slide Number Placeholder 3"/>
+          <p:cNvSpPr>
+            <a:spLocks noGrp="1"/>
+          </p:cNvSpPr>
+          <p:nvPr>
+            <p:ph type="sldNum" idx="12"/>
+          </p:nvPr>
+        </p:nvSpPr>
+        <p:spPr/>
+        <p:txBody>
+          <a:bodyPr/>
+          <a:lstStyle/>
+          <a:p>
+            <a:pPr marL="0" marR="0" lvl="0" indent="0" algn="r" rtl="0">
+              <a:lnSpc>
+                <a:spcPct val="100000"/>
+              </a:lnSpc>
+              <a:spcBef>
+                <a:spcPts val="0"/>
+              </a:spcBef>
+              <a:spcAft>
+                <a:spcPts val="0"/>
+              </a:spcAft>
+              <a:buClr>
+                <a:srgbClr val="595959"/>
+              </a:buClr>
+              <a:buSzPct val="25000"/>
+              <a:buFont typeface="Arial"/>
+              <a:buNone/>
+            </a:pPr>
+            <a:fld id="{00000000-1234-1234-1234-123412341234}" type="slidenum">
+              <a:rPr lang="en-US" sz="1200" b="0" i="0" u="none" strike="noStrike" cap="none" smtClean="0">
+                <a:solidFill>
+                  <a:srgbClr val="595959"/>
+                </a:solidFill>
+                <a:latin typeface="Arial"/>
+                <a:ea typeface="Arial"/>
+                <a:cs typeface="Arial"/>
+                <a:sym typeface="Arial"/>
+              </a:rPr>
+              <a:t>17</a:t>
+            </a:fld>
+            <a:endParaRPr lang="en-US" sz="1200" b="0" i="0" u="none" strike="noStrike" cap="none">
+              <a:solidFill>
+                <a:srgbClr val="595959"/>
+              </a:solidFill>
+              <a:latin typeface="Arial"/>
+              <a:ea typeface="Arial"/>
+              <a:cs typeface="Arial"/>
+              <a:sym typeface="Arial"/>
+            </a:endParaRPr>
+          </a:p>
+        </p:txBody>
+      </p:sp>
+      <p:sp>
+        <p:nvSpPr>
+          <p:cNvPr id="7" name="Rounded Rectangle 6"/>
+          <p:cNvSpPr/>
+          <p:nvPr/>
+        </p:nvSpPr>
+        <p:spPr>
+          <a:xfrm>
+            <a:off x="697539" y="2021585"/>
+            <a:ext cx="7315200" cy="4751750"/>
+          </a:xfrm>
+          <a:prstGeom prst="roundRect">
+            <a:avLst/>
+          </a:prstGeom>
+        </p:spPr>
+        <p:style>
+          <a:lnRef idx="2">
+            <a:schemeClr val="accent3">
+              <a:shade val="50000"/>
+            </a:schemeClr>
+          </a:lnRef>
+          <a:fillRef idx="1">
+            <a:schemeClr val="accent3"/>
+          </a:fillRef>
+          <a:effectRef idx="0">
+            <a:schemeClr val="accent3"/>
+          </a:effectRef>
+          <a:fontRef idx="minor">
+            <a:schemeClr val="lt1"/>
+          </a:fontRef>
+        </p:style>
+        <p:txBody>
+          <a:bodyPr rtlCol="0" anchor="ctr"/>
+          <a:lstStyle/>
+          <a:p>
+            <a:r>
+              <a:rPr lang="zh-TW" altLang="en-US" sz="2000" b="1" dirty="0">
+                <a:solidFill>
+                  <a:schemeClr val="tx1">
+                    <a:lumMod val="75000"/>
+                    <a:lumOff val="25000"/>
+                  </a:schemeClr>
+                </a:solidFill>
+              </a:rPr>
+              <a:t>溪头晚月砧残梦</a:t>
+            </a:r>
+            <a:r>
+              <a:rPr lang="zh-TW" altLang="en-US" sz="2000" b="1" dirty="0" smtClean="0">
+                <a:solidFill>
+                  <a:schemeClr val="tx1">
+                    <a:lumMod val="75000"/>
+                    <a:lumOff val="25000"/>
+                  </a:schemeClr>
+                </a:solidFill>
+              </a:rPr>
+              <a:t>，</a:t>
+            </a:r>
+            <a:r>
+              <a:rPr lang="en-US" altLang="zh-TW" sz="2000" b="1" dirty="0" smtClean="0">
+                <a:solidFill>
+                  <a:schemeClr val="tx1">
+                    <a:lumMod val="75000"/>
+                    <a:lumOff val="25000"/>
+                  </a:schemeClr>
+                </a:solidFill>
+              </a:rPr>
+              <a:t>	</a:t>
+            </a:r>
+            <a:r>
+              <a:rPr lang="en-US" altLang="zh-TW" sz="2000" dirty="0" smtClean="0">
+                <a:solidFill>
+                  <a:schemeClr val="tx1">
+                    <a:lumMod val="75000"/>
+                    <a:lumOff val="25000"/>
+                  </a:schemeClr>
+                </a:solidFill>
+              </a:rPr>
+              <a:t>The moonlight reflected from a</a:t>
+            </a:r>
+            <a:r>
+              <a:rPr lang="zh-CN" altLang="en-US" sz="2000" dirty="0" smtClean="0">
+                <a:solidFill>
+                  <a:schemeClr val="tx1">
+                    <a:lumMod val="75000"/>
+                    <a:lumOff val="25000"/>
+                  </a:schemeClr>
+                </a:solidFill>
+              </a:rPr>
+              <a:t> </a:t>
+            </a:r>
+            <a:r>
+              <a:rPr lang="en-US" altLang="zh-CN" sz="2000" dirty="0" smtClean="0">
+                <a:solidFill>
+                  <a:schemeClr val="tx1">
+                    <a:lumMod val="75000"/>
+                    <a:lumOff val="25000"/>
+                  </a:schemeClr>
+                </a:solidFill>
+              </a:rPr>
+              <a:t>brook</a:t>
+            </a:r>
+            <a:r>
+              <a:rPr lang="zh-CN" altLang="en-US" sz="2000" dirty="0" smtClean="0">
+                <a:solidFill>
+                  <a:schemeClr val="tx1">
+                    <a:lumMod val="75000"/>
+                    <a:lumOff val="25000"/>
+                  </a:schemeClr>
+                </a:solidFill>
+              </a:rPr>
+              <a:t> </a:t>
+            </a:r>
+            <a:r>
+              <a:rPr lang="en-US" altLang="zh-CN" sz="2000" dirty="0" smtClean="0">
+                <a:solidFill>
+                  <a:schemeClr val="tx1">
+                    <a:lumMod val="75000"/>
+                    <a:lumOff val="25000"/>
+                  </a:schemeClr>
+                </a:solidFill>
+              </a:rPr>
+              <a:t>lightened</a:t>
+            </a:r>
+            <a:r>
+              <a:rPr lang="zh-CN" altLang="en-US" sz="2000" dirty="0" smtClean="0">
+                <a:solidFill>
+                  <a:schemeClr val="tx1">
+                    <a:lumMod val="75000"/>
+                    <a:lumOff val="25000"/>
+                  </a:schemeClr>
+                </a:solidFill>
+              </a:rPr>
+              <a:t> </a:t>
+            </a:r>
+            <a:r>
+              <a:rPr lang="en-US" altLang="zh-TW" sz="2000" dirty="0" smtClean="0">
+                <a:solidFill>
+                  <a:schemeClr val="tx1">
+                    <a:lumMod val="75000"/>
+                    <a:lumOff val="25000"/>
+                  </a:schemeClr>
+                </a:solidFill>
+              </a:rPr>
+              <a:t>my withering</a:t>
+            </a:r>
+            <a:r>
+              <a:rPr lang="zh-CN" altLang="en-US" sz="2000" dirty="0" smtClean="0">
+                <a:solidFill>
+                  <a:schemeClr val="tx1">
+                    <a:lumMod val="75000"/>
+                    <a:lumOff val="25000"/>
+                  </a:schemeClr>
+                </a:solidFill>
+              </a:rPr>
+              <a:t> </a:t>
+            </a:r>
+            <a:r>
+              <a:rPr lang="en-US" altLang="zh-TW" sz="2000" dirty="0" smtClean="0">
+                <a:solidFill>
+                  <a:schemeClr val="tx1">
+                    <a:lumMod val="75000"/>
+                    <a:lumOff val="25000"/>
+                  </a:schemeClr>
+                </a:solidFill>
+              </a:rPr>
+              <a:t>dream.</a:t>
+            </a:r>
+            <a:endParaRPr lang="en-US" altLang="zh-TW" sz="2000" b="1" dirty="0" smtClean="0">
+              <a:solidFill>
+                <a:schemeClr val="tx1">
+                  <a:lumMod val="75000"/>
+                  <a:lumOff val="25000"/>
+                </a:schemeClr>
+              </a:solidFill>
+            </a:endParaRPr>
+          </a:p>
+          <a:p>
+            <a:r>
+              <a:rPr lang="zh-TW" altLang="en-US" sz="2000" b="1" dirty="0" smtClean="0">
+                <a:solidFill>
+                  <a:schemeClr val="tx1">
+                    <a:lumMod val="75000"/>
+                    <a:lumOff val="25000"/>
+                  </a:schemeClr>
+                </a:solidFill>
+              </a:rPr>
+              <a:t>沙巷桥边雨吹长</a:t>
+            </a:r>
+            <a:r>
+              <a:rPr lang="zh-TW" altLang="en-US" sz="2000" b="1" dirty="0" smtClean="0">
+                <a:solidFill>
+                  <a:schemeClr val="tx1">
+                    <a:lumMod val="75000"/>
+                    <a:lumOff val="25000"/>
+                  </a:schemeClr>
+                </a:solidFill>
+              </a:rPr>
+              <a:t>。</a:t>
+            </a:r>
+            <a:r>
+              <a:rPr lang="en-US" altLang="zh-TW" sz="2000" b="1" dirty="0" smtClean="0">
+                <a:solidFill>
+                  <a:schemeClr val="tx1">
+                    <a:lumMod val="75000"/>
+                    <a:lumOff val="25000"/>
+                  </a:schemeClr>
+                </a:solidFill>
+              </a:rPr>
+              <a:t>	</a:t>
+            </a:r>
+            <a:r>
+              <a:rPr lang="en-US" altLang="zh-TW" sz="2000" dirty="0" smtClean="0">
+                <a:solidFill>
+                  <a:schemeClr val="tx1">
+                    <a:lumMod val="75000"/>
+                    <a:lumOff val="25000"/>
+                  </a:schemeClr>
+                </a:solidFill>
+              </a:rPr>
+              <a:t>The </a:t>
+            </a:r>
+            <a:r>
+              <a:rPr lang="en-US" altLang="zh-TW" sz="2000" dirty="0">
+                <a:solidFill>
+                  <a:schemeClr val="tx1">
+                    <a:lumMod val="75000"/>
+                    <a:lumOff val="25000"/>
+                  </a:schemeClr>
+                </a:solidFill>
+              </a:rPr>
+              <a:t>drizzle in the </a:t>
+            </a:r>
+            <a:r>
+              <a:rPr lang="en-US" altLang="zh-TW" sz="2000" dirty="0" smtClean="0">
+                <a:solidFill>
+                  <a:schemeClr val="tx1">
+                    <a:lumMod val="75000"/>
+                    <a:lumOff val="25000"/>
+                  </a:schemeClr>
+                </a:solidFill>
+              </a:rPr>
+              <a:t>night blew</a:t>
+            </a:r>
+            <a:r>
+              <a:rPr lang="zh-CN" altLang="en-US" sz="2000" dirty="0" smtClean="0">
+                <a:solidFill>
+                  <a:schemeClr val="tx1">
+                    <a:lumMod val="75000"/>
+                    <a:lumOff val="25000"/>
+                  </a:schemeClr>
+                </a:solidFill>
+              </a:rPr>
+              <a:t> </a:t>
+            </a:r>
+            <a:r>
+              <a:rPr lang="en-US" altLang="zh-CN" sz="2000" dirty="0" smtClean="0">
+                <a:solidFill>
+                  <a:schemeClr val="tx1">
+                    <a:lumMod val="75000"/>
+                    <a:lumOff val="25000"/>
+                  </a:schemeClr>
+                </a:solidFill>
+              </a:rPr>
+              <a:t>to</a:t>
+            </a:r>
+            <a:r>
+              <a:rPr lang="zh-CN" altLang="en-US" sz="2000" dirty="0" smtClean="0">
+                <a:solidFill>
+                  <a:schemeClr val="tx1">
+                    <a:lumMod val="75000"/>
+                    <a:lumOff val="25000"/>
+                  </a:schemeClr>
+                </a:solidFill>
+              </a:rPr>
+              <a:t> </a:t>
+            </a:r>
+            <a:r>
+              <a:rPr lang="en-US" altLang="zh-TW" sz="2000" dirty="0" smtClean="0">
+                <a:solidFill>
+                  <a:schemeClr val="tx1">
+                    <a:lumMod val="75000"/>
+                    <a:lumOff val="25000"/>
+                  </a:schemeClr>
+                </a:solidFill>
+              </a:rPr>
+              <a:t>the small alley near a </a:t>
+            </a:r>
+            <a:r>
+              <a:rPr lang="en-US" altLang="zh-TW" sz="2000" dirty="0" smtClean="0">
+                <a:solidFill>
+                  <a:schemeClr val="tx1">
+                    <a:lumMod val="75000"/>
+                    <a:lumOff val="25000"/>
+                  </a:schemeClr>
+                </a:solidFill>
+              </a:rPr>
+              <a:t>bridge.</a:t>
+            </a:r>
+            <a:endParaRPr lang="en-US" altLang="zh-TW" sz="2000" b="1" dirty="0" smtClean="0">
+              <a:solidFill>
+                <a:schemeClr val="tx1">
+                  <a:lumMod val="75000"/>
+                  <a:lumOff val="25000"/>
+                </a:schemeClr>
+              </a:solidFill>
+            </a:endParaRPr>
+          </a:p>
+          <a:p>
+            <a:r>
+              <a:rPr lang="zh-TW" altLang="en-US" sz="2000" b="1" dirty="0">
+                <a:solidFill>
+                  <a:schemeClr val="tx1">
+                    <a:lumMod val="75000"/>
+                    <a:lumOff val="25000"/>
+                  </a:schemeClr>
+                </a:solidFill>
+              </a:rPr>
+              <a:t>桃花渡有故潭冰</a:t>
+            </a:r>
+            <a:r>
+              <a:rPr lang="zh-TW" altLang="en-US" sz="2000" b="1" dirty="0" smtClean="0">
+                <a:solidFill>
+                  <a:schemeClr val="tx1">
+                    <a:lumMod val="75000"/>
+                    <a:lumOff val="25000"/>
+                  </a:schemeClr>
+                </a:solidFill>
+              </a:rPr>
+              <a:t>。</a:t>
+            </a:r>
+            <a:r>
+              <a:rPr lang="en-US" altLang="zh-TW" sz="2000" b="1" dirty="0" smtClean="0">
+                <a:solidFill>
+                  <a:schemeClr val="tx1">
+                    <a:lumMod val="75000"/>
+                    <a:lumOff val="25000"/>
+                  </a:schemeClr>
+                </a:solidFill>
+              </a:rPr>
+              <a:t>	</a:t>
+            </a:r>
+            <a:r>
+              <a:rPr lang="en-US" altLang="zh-TW" sz="2000" dirty="0" smtClean="0">
+                <a:solidFill>
+                  <a:schemeClr val="tx1">
+                    <a:lumMod val="75000"/>
+                    <a:lumOff val="25000"/>
+                  </a:schemeClr>
+                </a:solidFill>
+              </a:rPr>
+              <a:t>Ice from</a:t>
+            </a:r>
+            <a:r>
+              <a:rPr lang="zh-CN" altLang="en-US" sz="2000" dirty="0" smtClean="0">
+                <a:solidFill>
+                  <a:schemeClr val="tx1">
+                    <a:lumMod val="75000"/>
+                    <a:lumOff val="25000"/>
+                  </a:schemeClr>
+                </a:solidFill>
+              </a:rPr>
+              <a:t> </a:t>
+            </a:r>
+            <a:r>
+              <a:rPr lang="en-US" altLang="zh-CN" sz="2000" dirty="0" smtClean="0">
+                <a:solidFill>
+                  <a:schemeClr val="tx1">
+                    <a:lumMod val="75000"/>
+                    <a:lumOff val="25000"/>
+                  </a:schemeClr>
+                </a:solidFill>
+              </a:rPr>
+              <a:t>the</a:t>
+            </a:r>
+            <a:r>
+              <a:rPr lang="zh-CN" altLang="en-US" sz="2000" dirty="0" smtClean="0">
+                <a:solidFill>
+                  <a:schemeClr val="tx1">
+                    <a:lumMod val="75000"/>
+                    <a:lumOff val="25000"/>
+                  </a:schemeClr>
+                </a:solidFill>
+              </a:rPr>
+              <a:t> </a:t>
+            </a:r>
+            <a:r>
+              <a:rPr lang="en-US" altLang="zh-CN" sz="2000" dirty="0" smtClean="0">
+                <a:solidFill>
+                  <a:schemeClr val="tx1">
+                    <a:lumMod val="75000"/>
+                    <a:lumOff val="25000"/>
+                  </a:schemeClr>
+                </a:solidFill>
+              </a:rPr>
+              <a:t>old</a:t>
+            </a:r>
+            <a:r>
+              <a:rPr lang="zh-CN" altLang="en-US" sz="2000" dirty="0" smtClean="0">
+                <a:solidFill>
+                  <a:schemeClr val="tx1">
+                    <a:lumMod val="75000"/>
+                    <a:lumOff val="25000"/>
+                  </a:schemeClr>
+                </a:solidFill>
+              </a:rPr>
+              <a:t> </a:t>
+            </a:r>
+            <a:r>
+              <a:rPr lang="en-US" altLang="zh-TW" sz="2000" dirty="0" smtClean="0">
+                <a:solidFill>
+                  <a:schemeClr val="tx1">
+                    <a:lumMod val="75000"/>
+                    <a:lumOff val="25000"/>
+                  </a:schemeClr>
+                </a:solidFill>
+              </a:rPr>
+              <a:t>pond remains</a:t>
+            </a:r>
+            <a:r>
+              <a:rPr lang="zh-CN" altLang="en-US" sz="2000" dirty="0" smtClean="0">
+                <a:solidFill>
+                  <a:schemeClr val="tx1">
+                    <a:lumMod val="75000"/>
+                    <a:lumOff val="25000"/>
+                  </a:schemeClr>
+                </a:solidFill>
+              </a:rPr>
+              <a:t> </a:t>
+            </a:r>
+            <a:r>
+              <a:rPr lang="en-US" altLang="zh-CN" sz="2000" dirty="0" smtClean="0">
+                <a:solidFill>
+                  <a:schemeClr val="tx1">
+                    <a:lumMod val="75000"/>
+                    <a:lumOff val="25000"/>
+                  </a:schemeClr>
+                </a:solidFill>
+              </a:rPr>
+              <a:t>on</a:t>
+            </a:r>
+            <a:r>
+              <a:rPr lang="zh-CN" altLang="en-US" sz="2000" dirty="0" smtClean="0">
+                <a:solidFill>
+                  <a:schemeClr val="tx1">
+                    <a:lumMod val="75000"/>
+                    <a:lumOff val="25000"/>
+                  </a:schemeClr>
+                </a:solidFill>
+              </a:rPr>
+              <a:t> </a:t>
+            </a:r>
+            <a:r>
+              <a:rPr lang="en-US" altLang="zh-TW" sz="2000" dirty="0" smtClean="0">
+                <a:solidFill>
+                  <a:schemeClr val="tx1">
+                    <a:lumMod val="75000"/>
+                    <a:lumOff val="25000"/>
+                  </a:schemeClr>
+                </a:solidFill>
+              </a:rPr>
+              <a:t>the Peach</a:t>
+            </a:r>
+            <a:r>
+              <a:rPr lang="zh-CN" altLang="en-US" sz="2000" dirty="0" smtClean="0">
+                <a:solidFill>
+                  <a:schemeClr val="tx1">
+                    <a:lumMod val="75000"/>
+                    <a:lumOff val="25000"/>
+                  </a:schemeClr>
+                </a:solidFill>
+              </a:rPr>
+              <a:t> </a:t>
+            </a:r>
+            <a:r>
+              <a:rPr lang="en-US" altLang="zh-CN" sz="2000" dirty="0" smtClean="0">
+                <a:solidFill>
+                  <a:schemeClr val="tx1">
+                    <a:lumMod val="75000"/>
+                    <a:lumOff val="25000"/>
+                  </a:schemeClr>
+                </a:solidFill>
+              </a:rPr>
+              <a:t>Blossom</a:t>
+            </a:r>
+            <a:r>
+              <a:rPr lang="zh-CN" altLang="en-US" sz="2000" dirty="0" smtClean="0">
+                <a:solidFill>
+                  <a:schemeClr val="tx1">
+                    <a:lumMod val="75000"/>
+                    <a:lumOff val="25000"/>
+                  </a:schemeClr>
+                </a:solidFill>
+              </a:rPr>
+              <a:t> </a:t>
+            </a:r>
+            <a:r>
+              <a:rPr lang="en-US" altLang="zh-TW" sz="2000" dirty="0" smtClean="0">
+                <a:solidFill>
+                  <a:schemeClr val="tx1">
+                    <a:lumMod val="75000"/>
+                    <a:lumOff val="25000"/>
+                  </a:schemeClr>
+                </a:solidFill>
+              </a:rPr>
+              <a:t>ferry.</a:t>
+            </a:r>
+            <a:endParaRPr lang="en-US" altLang="zh-CN" sz="2000" b="1" dirty="0" smtClean="0">
+              <a:solidFill>
+                <a:schemeClr val="tx1">
+                  <a:lumMod val="75000"/>
+                  <a:lumOff val="25000"/>
+                </a:schemeClr>
+              </a:solidFill>
+            </a:endParaRPr>
+          </a:p>
+          <a:p>
+            <a:endParaRPr lang="en-US" altLang="zh-TW" sz="2000" b="1" dirty="0" smtClean="0">
+              <a:solidFill>
+                <a:schemeClr val="tx1">
+                  <a:lumMod val="75000"/>
+                  <a:lumOff val="25000"/>
+                </a:schemeClr>
+              </a:solidFill>
+            </a:endParaRPr>
+          </a:p>
+          <a:p>
+            <a:r>
+              <a:rPr lang="zh-TW" altLang="en-US" sz="2000" b="1" dirty="0" smtClean="0">
+                <a:solidFill>
+                  <a:schemeClr val="tx1">
+                    <a:lumMod val="75000"/>
+                    <a:lumOff val="25000"/>
+                  </a:schemeClr>
+                </a:solidFill>
+              </a:rPr>
+              <a:t>落叶斑斑飘</a:t>
+            </a:r>
+            <a:r>
+              <a:rPr lang="zh-TW" altLang="en-US" sz="2000" b="1" dirty="0">
+                <a:solidFill>
+                  <a:schemeClr val="tx1">
+                    <a:lumMod val="75000"/>
+                    <a:lumOff val="25000"/>
+                  </a:schemeClr>
+                </a:solidFill>
+              </a:rPr>
+              <a:t>雨</a:t>
+            </a:r>
+            <a:r>
+              <a:rPr lang="zh-TW" altLang="en-US" sz="2000" b="1" dirty="0" smtClean="0">
+                <a:solidFill>
+                  <a:schemeClr val="tx1">
+                    <a:lumMod val="75000"/>
+                    <a:lumOff val="25000"/>
+                  </a:schemeClr>
+                </a:solidFill>
+              </a:rPr>
+              <a:t>后</a:t>
+            </a:r>
+            <a:r>
+              <a:rPr lang="zh-CN" altLang="en-US" sz="2000" b="1" dirty="0" smtClean="0">
+                <a:solidFill>
+                  <a:schemeClr val="tx1">
+                    <a:lumMod val="75000"/>
+                    <a:lumOff val="25000"/>
+                  </a:schemeClr>
+                </a:solidFill>
+              </a:rPr>
+              <a:t>，</a:t>
+            </a:r>
+            <a:r>
+              <a:rPr lang="en-US" altLang="zh-CN" sz="2000" b="1" dirty="0" smtClean="0">
+                <a:solidFill>
+                  <a:schemeClr val="tx1">
+                    <a:lumMod val="75000"/>
+                    <a:lumOff val="25000"/>
+                  </a:schemeClr>
+                </a:solidFill>
+              </a:rPr>
+              <a:t>	</a:t>
+            </a:r>
+            <a:r>
+              <a:rPr lang="en-US" altLang="zh-CN" sz="2000" dirty="0" smtClean="0">
+                <a:solidFill>
+                  <a:schemeClr val="tx1">
+                    <a:lumMod val="75000"/>
+                    <a:lumOff val="25000"/>
+                  </a:schemeClr>
+                </a:solidFill>
+              </a:rPr>
+              <a:t>F</a:t>
+            </a:r>
+            <a:r>
+              <a:rPr lang="en-US" altLang="zh-CN" sz="2000" dirty="0" smtClean="0">
+                <a:solidFill>
+                  <a:schemeClr val="tx1">
+                    <a:lumMod val="75000"/>
+                    <a:lumOff val="25000"/>
+                  </a:schemeClr>
+                </a:solidFill>
+              </a:rPr>
+              <a:t>alling</a:t>
+            </a:r>
+            <a:r>
+              <a:rPr lang="zh-CN" altLang="en-US" sz="2000" dirty="0" smtClean="0">
+                <a:solidFill>
+                  <a:schemeClr val="tx1">
+                    <a:lumMod val="75000"/>
+                    <a:lumOff val="25000"/>
+                  </a:schemeClr>
+                </a:solidFill>
+              </a:rPr>
+              <a:t> </a:t>
+            </a:r>
+            <a:r>
+              <a:rPr lang="en-US" altLang="zh-CN" sz="2000" dirty="0" smtClean="0">
+                <a:solidFill>
+                  <a:schemeClr val="tx1">
+                    <a:lumMod val="75000"/>
+                    <a:lumOff val="25000"/>
+                  </a:schemeClr>
+                </a:solidFill>
+              </a:rPr>
+              <a:t>leaves</a:t>
+            </a:r>
+            <a:r>
+              <a:rPr lang="zh-CN" altLang="en-US" sz="2000" dirty="0" smtClean="0">
+                <a:solidFill>
+                  <a:schemeClr val="tx1">
+                    <a:lumMod val="75000"/>
+                    <a:lumOff val="25000"/>
+                  </a:schemeClr>
+                </a:solidFill>
+              </a:rPr>
+              <a:t> </a:t>
+            </a:r>
+            <a:r>
+              <a:rPr lang="en-US" altLang="zh-CN" sz="2000" dirty="0" smtClean="0">
+                <a:solidFill>
+                  <a:schemeClr val="tx1">
+                    <a:lumMod val="75000"/>
+                    <a:lumOff val="25000"/>
+                  </a:schemeClr>
+                </a:solidFill>
+              </a:rPr>
+              <a:t>were</a:t>
+            </a:r>
+            <a:r>
+              <a:rPr lang="zh-CN" altLang="en-US" sz="2000" dirty="0" smtClean="0">
+                <a:solidFill>
+                  <a:schemeClr val="tx1">
+                    <a:lumMod val="75000"/>
+                    <a:lumOff val="25000"/>
+                  </a:schemeClr>
+                </a:solidFill>
+              </a:rPr>
+              <a:t> </a:t>
+            </a:r>
+            <a:r>
+              <a:rPr lang="en-US" altLang="zh-CN" sz="2000" dirty="0" smtClean="0">
+                <a:solidFill>
+                  <a:schemeClr val="tx1">
+                    <a:lumMod val="75000"/>
+                    <a:lumOff val="25000"/>
+                  </a:schemeClr>
+                </a:solidFill>
+              </a:rPr>
+              <a:t>so</a:t>
+            </a:r>
+            <a:r>
+              <a:rPr lang="zh-CN" altLang="en-US" sz="2000" dirty="0" smtClean="0">
+                <a:solidFill>
+                  <a:schemeClr val="tx1">
+                    <a:lumMod val="75000"/>
+                    <a:lumOff val="25000"/>
+                  </a:schemeClr>
+                </a:solidFill>
+              </a:rPr>
+              <a:t> </a:t>
+            </a:r>
+            <a:r>
+              <a:rPr lang="en-US" altLang="zh-CN" sz="2000" dirty="0" smtClean="0">
+                <a:solidFill>
+                  <a:schemeClr val="tx1">
+                    <a:lumMod val="75000"/>
+                    <a:lumOff val="25000"/>
+                  </a:schemeClr>
+                </a:solidFill>
+              </a:rPr>
+              <a:t>colorful</a:t>
+            </a:r>
+            <a:r>
+              <a:rPr lang="zh-CN" altLang="en-US" sz="2000" dirty="0" smtClean="0">
+                <a:solidFill>
+                  <a:schemeClr val="tx1">
+                    <a:lumMod val="75000"/>
+                    <a:lumOff val="25000"/>
+                  </a:schemeClr>
+                </a:solidFill>
+              </a:rPr>
+              <a:t> </a:t>
+            </a:r>
+            <a:r>
+              <a:rPr lang="en-US" altLang="zh-CN" sz="2000" dirty="0" smtClean="0">
+                <a:solidFill>
+                  <a:schemeClr val="tx1">
+                    <a:lumMod val="75000"/>
+                    <a:lumOff val="25000"/>
+                  </a:schemeClr>
+                </a:solidFill>
+              </a:rPr>
+              <a:t>after</a:t>
+            </a:r>
+            <a:r>
+              <a:rPr lang="zh-CN" altLang="en-US" sz="2000" dirty="0" smtClean="0">
+                <a:solidFill>
+                  <a:schemeClr val="tx1">
+                    <a:lumMod val="75000"/>
+                    <a:lumOff val="25000"/>
+                  </a:schemeClr>
+                </a:solidFill>
+              </a:rPr>
+              <a:t> </a:t>
+            </a:r>
+            <a:r>
+              <a:rPr lang="en-US" altLang="zh-CN" sz="2000" dirty="0" smtClean="0">
+                <a:solidFill>
+                  <a:schemeClr val="tx1">
+                    <a:lumMod val="75000"/>
+                    <a:lumOff val="25000"/>
+                  </a:schemeClr>
+                </a:solidFill>
+              </a:rPr>
+              <a:t>that</a:t>
+            </a:r>
+            <a:r>
+              <a:rPr lang="zh-CN" altLang="en-US" sz="2000" dirty="0" smtClean="0">
+                <a:solidFill>
+                  <a:schemeClr val="tx1">
+                    <a:lumMod val="75000"/>
+                    <a:lumOff val="25000"/>
+                  </a:schemeClr>
+                </a:solidFill>
+              </a:rPr>
+              <a:t> </a:t>
+            </a:r>
+            <a:r>
+              <a:rPr lang="en-US" altLang="zh-CN" sz="2000" dirty="0" smtClean="0">
+                <a:solidFill>
+                  <a:schemeClr val="tx1">
+                    <a:lumMod val="75000"/>
+                    <a:lumOff val="25000"/>
+                  </a:schemeClr>
+                </a:solidFill>
+              </a:rPr>
+              <a:t>rain</a:t>
+            </a:r>
+            <a:r>
+              <a:rPr lang="en-US" altLang="zh-CN" sz="2000" dirty="0" smtClean="0">
+                <a:solidFill>
+                  <a:schemeClr val="tx1">
+                    <a:lumMod val="75000"/>
+                    <a:lumOff val="25000"/>
+                  </a:schemeClr>
+                </a:solidFill>
+              </a:rPr>
+              <a:t>.</a:t>
+            </a:r>
+            <a:endParaRPr lang="en-US" altLang="zh-TW" sz="2000" b="1" dirty="0" smtClean="0">
+              <a:solidFill>
+                <a:schemeClr val="tx1">
+                  <a:lumMod val="75000"/>
+                  <a:lumOff val="25000"/>
+                </a:schemeClr>
+              </a:solidFill>
+            </a:endParaRPr>
+          </a:p>
+          <a:p>
+            <a:r>
+              <a:rPr lang="zh-TW" altLang="en-US" sz="2000" b="1" dirty="0" smtClean="0">
+                <a:solidFill>
+                  <a:schemeClr val="tx1">
+                    <a:lumMod val="75000"/>
+                    <a:lumOff val="25000"/>
+                  </a:schemeClr>
+                </a:solidFill>
+              </a:rPr>
+              <a:t>锦衣幽锁白山流</a:t>
+            </a:r>
+            <a:r>
+              <a:rPr lang="zh-CN" altLang="en-US" sz="2000" b="1" dirty="0" smtClean="0">
+                <a:solidFill>
+                  <a:schemeClr val="tx1">
+                    <a:lumMod val="75000"/>
+                    <a:lumOff val="25000"/>
+                  </a:schemeClr>
+                </a:solidFill>
+              </a:rPr>
+              <a:t>，</a:t>
+            </a:r>
+            <a:r>
+              <a:rPr lang="en-US" altLang="zh-CN" sz="2000" b="1" dirty="0" smtClean="0">
+                <a:solidFill>
+                  <a:schemeClr val="tx1">
+                    <a:lumMod val="75000"/>
+                    <a:lumOff val="25000"/>
+                  </a:schemeClr>
+                </a:solidFill>
+              </a:rPr>
+              <a:t>	</a:t>
+            </a:r>
+            <a:r>
+              <a:rPr lang="en-US" altLang="zh-CN" sz="2000" dirty="0" smtClean="0">
+                <a:solidFill>
+                  <a:schemeClr val="tx1">
+                    <a:lumMod val="75000"/>
+                    <a:lumOff val="25000"/>
+                  </a:schemeClr>
+                </a:solidFill>
+              </a:rPr>
+              <a:t>Brocade</a:t>
+            </a:r>
+            <a:r>
+              <a:rPr lang="zh-CN" altLang="en-US" sz="2000" dirty="0" smtClean="0">
+                <a:solidFill>
+                  <a:schemeClr val="tx1">
+                    <a:lumMod val="75000"/>
+                    <a:lumOff val="25000"/>
+                  </a:schemeClr>
+                </a:solidFill>
+              </a:rPr>
+              <a:t> </a:t>
+            </a:r>
+            <a:r>
+              <a:rPr lang="en-US" altLang="zh-CN" sz="2000" dirty="0" smtClean="0">
+                <a:solidFill>
+                  <a:schemeClr val="tx1">
+                    <a:lumMod val="75000"/>
+                    <a:lumOff val="25000"/>
+                  </a:schemeClr>
+                </a:solidFill>
+              </a:rPr>
+              <a:t>gowns</a:t>
+            </a:r>
+            <a:r>
+              <a:rPr lang="zh-CN" altLang="en-US" sz="2000" dirty="0" smtClean="0">
+                <a:solidFill>
+                  <a:schemeClr val="tx1">
+                    <a:lumMod val="75000"/>
+                    <a:lumOff val="25000"/>
+                  </a:schemeClr>
+                </a:solidFill>
+              </a:rPr>
+              <a:t> </a:t>
+            </a:r>
+            <a:r>
+              <a:rPr lang="en-US" altLang="zh-CN" sz="2000" dirty="0" smtClean="0">
+                <a:solidFill>
+                  <a:schemeClr val="tx1">
+                    <a:lumMod val="75000"/>
+                    <a:lumOff val="25000"/>
+                  </a:schemeClr>
+                </a:solidFill>
+              </a:rPr>
+              <a:t>were packed</a:t>
+            </a:r>
+            <a:r>
+              <a:rPr lang="zh-CN" altLang="en-US" sz="2000" dirty="0" smtClean="0">
+                <a:solidFill>
+                  <a:schemeClr val="tx1">
+                    <a:lumMod val="75000"/>
+                    <a:lumOff val="25000"/>
+                  </a:schemeClr>
+                </a:solidFill>
+              </a:rPr>
+              <a:t> </a:t>
+            </a:r>
+            <a:r>
+              <a:rPr lang="en-US" altLang="zh-CN" sz="2000" dirty="0" smtClean="0">
+                <a:solidFill>
+                  <a:schemeClr val="tx1">
+                    <a:lumMod val="75000"/>
+                    <a:lumOff val="25000"/>
+                  </a:schemeClr>
+                </a:solidFill>
+              </a:rPr>
+              <a:t>up</a:t>
+            </a:r>
+            <a:r>
+              <a:rPr lang="zh-CN" altLang="en-US" sz="2000" dirty="0" smtClean="0">
+                <a:solidFill>
+                  <a:schemeClr val="tx1">
+                    <a:lumMod val="75000"/>
+                    <a:lumOff val="25000"/>
+                  </a:schemeClr>
+                </a:solidFill>
+              </a:rPr>
+              <a:t> </a:t>
+            </a:r>
+            <a:r>
+              <a:rPr lang="en-US" altLang="zh-CN" sz="2000" dirty="0" smtClean="0">
+                <a:solidFill>
+                  <a:schemeClr val="tx1">
+                    <a:lumMod val="75000"/>
+                    <a:lumOff val="25000"/>
+                  </a:schemeClr>
+                </a:solidFill>
+              </a:rPr>
+              <a:t>while</a:t>
+            </a:r>
+            <a:r>
+              <a:rPr lang="zh-CN" altLang="en-US" sz="2000" dirty="0" smtClean="0">
+                <a:solidFill>
+                  <a:schemeClr val="tx1">
+                    <a:lumMod val="75000"/>
+                    <a:lumOff val="25000"/>
+                  </a:schemeClr>
+                </a:solidFill>
+              </a:rPr>
+              <a:t> </a:t>
+            </a:r>
+            <a:r>
+              <a:rPr lang="en-US" altLang="zh-CN" sz="2000" dirty="0" smtClean="0">
+                <a:solidFill>
+                  <a:schemeClr val="tx1">
+                    <a:lumMod val="75000"/>
+                    <a:lumOff val="25000"/>
+                  </a:schemeClr>
+                </a:solidFill>
+              </a:rPr>
+              <a:t>the</a:t>
+            </a:r>
+            <a:r>
+              <a:rPr lang="zh-CN" altLang="en-US" sz="2000" dirty="0" smtClean="0">
+                <a:solidFill>
+                  <a:schemeClr val="tx1">
+                    <a:lumMod val="75000"/>
+                    <a:lumOff val="25000"/>
+                  </a:schemeClr>
+                </a:solidFill>
+              </a:rPr>
+              <a:t> </a:t>
+            </a:r>
+            <a:r>
+              <a:rPr lang="en-US" altLang="zh-CN" sz="2000" dirty="0" smtClean="0">
+                <a:solidFill>
+                  <a:schemeClr val="tx1">
+                    <a:lumMod val="75000"/>
+                    <a:lumOff val="25000"/>
+                  </a:schemeClr>
+                </a:solidFill>
+              </a:rPr>
+              <a:t>White</a:t>
+            </a:r>
+            <a:r>
+              <a:rPr lang="zh-CN" altLang="en-US" sz="2000" dirty="0" smtClean="0">
+                <a:solidFill>
+                  <a:schemeClr val="tx1">
+                    <a:lumMod val="75000"/>
+                    <a:lumOff val="25000"/>
+                  </a:schemeClr>
+                </a:solidFill>
+              </a:rPr>
+              <a:t> </a:t>
+            </a:r>
+            <a:r>
+              <a:rPr lang="en-US" altLang="zh-CN" sz="2000" dirty="0" smtClean="0">
+                <a:solidFill>
+                  <a:schemeClr val="tx1">
+                    <a:lumMod val="75000"/>
+                    <a:lumOff val="25000"/>
+                  </a:schemeClr>
+                </a:solidFill>
+              </a:rPr>
+              <a:t>Mountain</a:t>
+            </a:r>
+            <a:r>
+              <a:rPr lang="zh-CN" altLang="en-US" sz="2000" dirty="0" smtClean="0">
+                <a:solidFill>
+                  <a:schemeClr val="tx1">
+                    <a:lumMod val="75000"/>
+                    <a:lumOff val="25000"/>
+                  </a:schemeClr>
+                </a:solidFill>
+              </a:rPr>
+              <a:t> </a:t>
+            </a:r>
+            <a:r>
+              <a:rPr lang="en-US" altLang="zh-CN" sz="2000" dirty="0" smtClean="0">
+                <a:solidFill>
+                  <a:schemeClr val="tx1">
+                    <a:lumMod val="75000"/>
+                    <a:lumOff val="25000"/>
+                  </a:schemeClr>
+                </a:solidFill>
+              </a:rPr>
+              <a:t>rivers</a:t>
+            </a:r>
+            <a:r>
+              <a:rPr lang="zh-CN" altLang="en-US" sz="2000" dirty="0" smtClean="0">
+                <a:solidFill>
+                  <a:schemeClr val="tx1">
+                    <a:lumMod val="75000"/>
+                    <a:lumOff val="25000"/>
+                  </a:schemeClr>
+                </a:solidFill>
+              </a:rPr>
+              <a:t> </a:t>
+            </a:r>
+            <a:r>
+              <a:rPr lang="en-US" altLang="zh-CN" sz="2000" dirty="0" smtClean="0">
+                <a:solidFill>
+                  <a:schemeClr val="tx1">
+                    <a:lumMod val="75000"/>
+                    <a:lumOff val="25000"/>
+                  </a:schemeClr>
+                </a:solidFill>
+              </a:rPr>
+              <a:t>were</a:t>
+            </a:r>
+            <a:r>
+              <a:rPr lang="zh-CN" altLang="en-US" sz="2000" dirty="0" smtClean="0">
+                <a:solidFill>
+                  <a:schemeClr val="tx1">
+                    <a:lumMod val="75000"/>
+                    <a:lumOff val="25000"/>
+                  </a:schemeClr>
+                </a:solidFill>
+              </a:rPr>
+              <a:t> </a:t>
+            </a:r>
+            <a:r>
+              <a:rPr lang="en-US" altLang="zh-CN" sz="2000" dirty="0" smtClean="0">
+                <a:solidFill>
+                  <a:schemeClr val="tx1">
+                    <a:lumMod val="75000"/>
+                    <a:lumOff val="25000"/>
+                  </a:schemeClr>
+                </a:solidFill>
+              </a:rPr>
+              <a:t>running</a:t>
+            </a:r>
+            <a:r>
+              <a:rPr lang="zh-CN" altLang="en-US" sz="2000" dirty="0" smtClean="0">
+                <a:solidFill>
+                  <a:schemeClr val="tx1">
+                    <a:lumMod val="75000"/>
+                    <a:lumOff val="25000"/>
+                  </a:schemeClr>
+                </a:solidFill>
+              </a:rPr>
+              <a:t> </a:t>
+            </a:r>
+            <a:r>
+              <a:rPr lang="en-US" altLang="zh-CN" sz="2000" dirty="0" smtClean="0">
+                <a:solidFill>
+                  <a:schemeClr val="tx1">
+                    <a:lumMod val="75000"/>
+                    <a:lumOff val="25000"/>
+                  </a:schemeClr>
+                </a:solidFill>
+              </a:rPr>
+              <a:t>off</a:t>
+            </a:r>
+            <a:r>
+              <a:rPr lang="en-US" altLang="zh-CN" sz="2000" dirty="0" smtClean="0">
+                <a:solidFill>
+                  <a:schemeClr val="tx1">
+                    <a:lumMod val="75000"/>
+                    <a:lumOff val="25000"/>
+                  </a:schemeClr>
+                </a:solidFill>
+              </a:rPr>
+              <a:t>.</a:t>
+            </a:r>
+            <a:endParaRPr lang="en-US" altLang="zh-CN" sz="2000" b="1" dirty="0" smtClean="0">
+              <a:solidFill>
+                <a:schemeClr val="tx1">
+                  <a:lumMod val="75000"/>
+                  <a:lumOff val="25000"/>
+                </a:schemeClr>
+              </a:solidFill>
+            </a:endParaRPr>
+          </a:p>
+          <a:p>
+            <a:r>
+              <a:rPr lang="zh-TW" altLang="en-US" sz="2000" b="1" dirty="0" smtClean="0">
+                <a:solidFill>
+                  <a:schemeClr val="tx1">
+                    <a:lumMod val="75000"/>
+                    <a:lumOff val="25000"/>
+                  </a:schemeClr>
+                </a:solidFill>
+              </a:rPr>
+              <a:t>对酒难高雁远休</a:t>
+            </a:r>
+            <a:r>
+              <a:rPr lang="zh-TW" altLang="en-US" sz="2000" b="1" dirty="0" smtClean="0">
+                <a:solidFill>
+                  <a:schemeClr val="tx1">
+                    <a:lumMod val="75000"/>
+                    <a:lumOff val="25000"/>
+                  </a:schemeClr>
+                </a:solidFill>
+              </a:rPr>
+              <a:t>。</a:t>
+            </a:r>
+            <a:r>
+              <a:rPr lang="en-US" altLang="zh-TW" sz="2000" b="1" dirty="0" smtClean="0">
+                <a:solidFill>
+                  <a:schemeClr val="tx1">
+                    <a:lumMod val="75000"/>
+                    <a:lumOff val="25000"/>
+                  </a:schemeClr>
+                </a:solidFill>
+              </a:rPr>
+              <a:t>	</a:t>
+            </a:r>
+            <a:r>
+              <a:rPr lang="en-US" altLang="zh-TW" sz="2000" dirty="0" smtClean="0">
+                <a:solidFill>
+                  <a:schemeClr val="tx1">
+                    <a:lumMod val="75000"/>
+                    <a:lumOff val="25000"/>
+                  </a:schemeClr>
+                </a:solidFill>
+              </a:rPr>
+              <a:t>I </a:t>
+            </a:r>
+            <a:r>
+              <a:rPr lang="en-US" altLang="zh-CN" sz="2000" dirty="0" smtClean="0">
+                <a:solidFill>
+                  <a:schemeClr val="tx1">
+                    <a:lumMod val="75000"/>
+                    <a:lumOff val="25000"/>
+                  </a:schemeClr>
+                </a:solidFill>
+              </a:rPr>
+              <a:t>raise</a:t>
+            </a:r>
+            <a:r>
+              <a:rPr lang="zh-CN" altLang="en-US" sz="2000" dirty="0" smtClean="0">
+                <a:solidFill>
+                  <a:schemeClr val="tx1">
+                    <a:lumMod val="75000"/>
+                    <a:lumOff val="25000"/>
+                  </a:schemeClr>
+                </a:solidFill>
+              </a:rPr>
+              <a:t> </a:t>
+            </a:r>
+            <a:r>
+              <a:rPr lang="en-US" altLang="zh-CN" sz="2000" dirty="0" smtClean="0">
+                <a:solidFill>
+                  <a:schemeClr val="tx1">
+                    <a:lumMod val="75000"/>
+                    <a:lumOff val="25000"/>
+                  </a:schemeClr>
+                </a:solidFill>
+              </a:rPr>
+              <a:t>my</a:t>
+            </a:r>
+            <a:r>
+              <a:rPr lang="zh-CN" altLang="en-US" sz="2000" dirty="0" smtClean="0">
+                <a:solidFill>
+                  <a:schemeClr val="tx1">
+                    <a:lumMod val="75000"/>
+                    <a:lumOff val="25000"/>
+                  </a:schemeClr>
+                </a:solidFill>
+              </a:rPr>
+              <a:t> </a:t>
+            </a:r>
+            <a:r>
+              <a:rPr lang="en-US" altLang="zh-CN" sz="2000" dirty="0" smtClean="0">
+                <a:solidFill>
+                  <a:schemeClr val="tx1">
+                    <a:lumMod val="75000"/>
+                    <a:lumOff val="25000"/>
+                  </a:schemeClr>
+                </a:solidFill>
+              </a:rPr>
+              <a:t>goblet</a:t>
+            </a:r>
+            <a:r>
+              <a:rPr lang="zh-CN" altLang="en-US" sz="2000" dirty="0" smtClean="0">
+                <a:solidFill>
+                  <a:schemeClr val="tx1">
+                    <a:lumMod val="75000"/>
+                    <a:lumOff val="25000"/>
+                  </a:schemeClr>
+                </a:solidFill>
+              </a:rPr>
+              <a:t> </a:t>
+            </a:r>
+            <a:r>
+              <a:rPr lang="en-US" altLang="zh-CN" sz="2000" dirty="0" smtClean="0">
+                <a:solidFill>
+                  <a:schemeClr val="tx1">
+                    <a:lumMod val="75000"/>
+                    <a:lumOff val="25000"/>
+                  </a:schemeClr>
+                </a:solidFill>
+              </a:rPr>
+              <a:t>to</a:t>
+            </a:r>
+            <a:r>
+              <a:rPr lang="zh-CN" altLang="en-US" sz="2000" dirty="0" smtClean="0">
+                <a:solidFill>
+                  <a:schemeClr val="tx1">
+                    <a:lumMod val="75000"/>
+                    <a:lumOff val="25000"/>
+                  </a:schemeClr>
+                </a:solidFill>
+              </a:rPr>
+              <a:t> </a:t>
+            </a:r>
+            <a:r>
+              <a:rPr lang="en-US" altLang="zh-CN" sz="2000" dirty="0" smtClean="0">
+                <a:solidFill>
+                  <a:schemeClr val="tx1">
+                    <a:lumMod val="75000"/>
+                    <a:lumOff val="25000"/>
+                  </a:schemeClr>
+                </a:solidFill>
+              </a:rPr>
+              <a:t>the</a:t>
+            </a:r>
+            <a:r>
+              <a:rPr lang="zh-CN" altLang="en-US" sz="2000" dirty="0" smtClean="0">
+                <a:solidFill>
+                  <a:schemeClr val="tx1">
+                    <a:lumMod val="75000"/>
+                    <a:lumOff val="25000"/>
+                  </a:schemeClr>
+                </a:solidFill>
+              </a:rPr>
+              <a:t> </a:t>
+            </a:r>
+            <a:r>
+              <a:rPr lang="en-US" altLang="zh-CN" sz="2000" dirty="0" smtClean="0">
+                <a:solidFill>
+                  <a:schemeClr val="tx1">
+                    <a:lumMod val="75000"/>
+                    <a:lumOff val="25000"/>
+                  </a:schemeClr>
+                </a:solidFill>
+              </a:rPr>
+              <a:t>sky</a:t>
+            </a:r>
+            <a:r>
+              <a:rPr lang="zh-CN" altLang="en-US" sz="2000" dirty="0" smtClean="0">
+                <a:solidFill>
+                  <a:schemeClr val="tx1">
+                    <a:lumMod val="75000"/>
+                    <a:lumOff val="25000"/>
+                  </a:schemeClr>
+                </a:solidFill>
+              </a:rPr>
+              <a:t> </a:t>
+            </a:r>
+            <a:r>
+              <a:rPr lang="en-US" altLang="zh-CN" sz="2000" dirty="0" smtClean="0">
+                <a:solidFill>
+                  <a:schemeClr val="tx1">
+                    <a:lumMod val="75000"/>
+                    <a:lumOff val="25000"/>
+                  </a:schemeClr>
+                </a:solidFill>
+              </a:rPr>
+              <a:t>with</a:t>
+            </a:r>
+            <a:r>
+              <a:rPr lang="zh-CN" altLang="en-US" sz="2000" dirty="0" smtClean="0">
+                <a:solidFill>
+                  <a:schemeClr val="tx1">
+                    <a:lumMod val="75000"/>
+                    <a:lumOff val="25000"/>
+                  </a:schemeClr>
+                </a:solidFill>
+              </a:rPr>
+              <a:t> </a:t>
+            </a:r>
+            <a:r>
+              <a:rPr lang="en-US" altLang="zh-CN" sz="2000" dirty="0" smtClean="0">
+                <a:solidFill>
+                  <a:schemeClr val="tx1">
+                    <a:lumMod val="75000"/>
+                    <a:lumOff val="25000"/>
+                  </a:schemeClr>
+                </a:solidFill>
+              </a:rPr>
+              <a:t>a</a:t>
+            </a:r>
+            <a:r>
+              <a:rPr lang="zh-CN" altLang="en-US" sz="2000" dirty="0" smtClean="0">
+                <a:solidFill>
+                  <a:schemeClr val="tx1">
+                    <a:lumMod val="75000"/>
+                    <a:lumOff val="25000"/>
+                  </a:schemeClr>
+                </a:solidFill>
+              </a:rPr>
+              <a:t> </a:t>
+            </a:r>
+            <a:r>
+              <a:rPr lang="en-US" altLang="zh-TW" sz="2000" dirty="0" smtClean="0">
+                <a:solidFill>
+                  <a:schemeClr val="tx1">
+                    <a:lumMod val="75000"/>
+                    <a:lumOff val="25000"/>
+                  </a:schemeClr>
+                </a:solidFill>
+              </a:rPr>
+              <a:t>wild </a:t>
+            </a:r>
+            <a:r>
+              <a:rPr lang="en-US" altLang="zh-TW" sz="2000" dirty="0">
+                <a:solidFill>
+                  <a:schemeClr val="tx1">
+                    <a:lumMod val="75000"/>
+                    <a:lumOff val="25000"/>
+                  </a:schemeClr>
+                </a:solidFill>
+              </a:rPr>
+              <a:t>goose </a:t>
+            </a:r>
+            <a:r>
+              <a:rPr lang="en-US" altLang="zh-TW" sz="2000" dirty="0" smtClean="0">
+                <a:solidFill>
+                  <a:schemeClr val="tx1">
+                    <a:lumMod val="75000"/>
+                    <a:lumOff val="25000"/>
+                  </a:schemeClr>
+                </a:solidFill>
+              </a:rPr>
+              <a:t>flying away.</a:t>
+            </a:r>
+            <a:endParaRPr lang="en-US" altLang="zh-TW" sz="2000" dirty="0" smtClean="0">
+              <a:solidFill>
+                <a:schemeClr val="tx1">
+                  <a:lumMod val="75000"/>
+                  <a:lumOff val="25000"/>
+                </a:schemeClr>
+              </a:solidFill>
+            </a:endParaRPr>
+          </a:p>
+        </p:txBody>
+      </p:sp>
+    </p:spTree>
+    <p:extLst>
+      <p:ext uri="{BB962C8B-B14F-4D97-AF65-F5344CB8AC3E}">
+        <p14:creationId xmlns:p14="http://schemas.microsoft.com/office/powerpoint/2010/main" val="932607398"/>
+      </p:ext>
+    </p:extLst>
+  </p:cSld>
+  <p:clrMapOvr>
+    <a:masterClrMapping/>
+  </p:clrMapOvr>
 </p:sld>
 </file>
 
@@ -30328,11 +32795,7 @@
             </a:r>
             <a:r>
               <a:rPr lang="en-US" altLang="zh-CN" dirty="0" smtClean="0"/>
-              <a:t>Networks</a:t>
-            </a:r>
-            <a:r>
-              <a:rPr lang="en-US" altLang="zh-CN" dirty="0" smtClean="0"/>
-              <a:t> Result</a:t>
+              <a:t>Networks Result</a:t>
             </a:r>
             <a:r>
               <a:rPr lang="zh-CN" altLang="en-US" dirty="0" smtClean="0"/>
@@ -30420,12 +32883,24 @@
           <a:p>
             <a:r>
               <a:rPr lang="zh-CN" altLang="en-US" sz="2000" dirty="0">
+                <a:solidFill>
+                  <a:schemeClr val="tx1">
+                    <a:lumMod val="65000"/>
+                    <a:lumOff val="35000"/>
+                  </a:schemeClr>
+                </a:solidFill>
                 <a:latin typeface="仿宋" panose="02010609060101010101" pitchFamily="49" charset="-122"/>
                 <a:ea typeface="仿宋" panose="02010609060101010101" pitchFamily="49" charset="-122"/>
               </a:rPr>
               <a:t>一日凉秋报，</a:t>
             </a:r>
             <a:endParaRPr lang="en-US" altLang="zh-CN" sz="2000" dirty="0">
+              <a:solidFill>
+                <a:schemeClr val="tx1">
+                  <a:lumMod val="65000"/>
+                  <a:lumOff val="35000"/>
+                </a:schemeClr>
+              </a:solidFill>
               <a:latin typeface="仿宋" panose="02010609060101010101" pitchFamily="49" charset="-122"/>
               <a:ea typeface="仿宋" panose="02010609060101010101" pitchFamily="49" charset="-122"/>
             </a:endParaRPr>
@@ -30433,30 +32908,105 @@
           <a:p>
             <a:r>
               <a:rPr lang="en-US" altLang="zh-CN" sz="2000" dirty="0">
+                <a:solidFill>
+                  <a:schemeClr val="tx1">
+                    <a:lumMod val="65000"/>
+                    <a:lumOff val="35000"/>
+                  </a:schemeClr>
+                </a:solidFill>
                 <a:ea typeface="仿宋" panose="02010609060101010101" pitchFamily="49" charset="-122"/>
               </a:rPr>
-              <a:t>In one day, the fall season starts </a:t>
-            </a:r>
+              <a:t>In one day, the fall season </a:t>
+            </a:r>
+            <a:r>
+              <a:rPr lang="en-US" altLang="zh-CN" sz="2000" dirty="0" smtClean="0">
+                <a:solidFill>
+                  <a:schemeClr val="tx1">
+                    <a:lumMod val="65000"/>
+                    <a:lumOff val="35000"/>
+                  </a:schemeClr>
+                </a:solidFill>
+                <a:ea typeface="仿宋" panose="02010609060101010101" pitchFamily="49" charset="-122"/>
+              </a:rPr>
+              <a:t>starts</a:t>
+            </a:r>
+            <a:r>
+              <a:rPr lang="en-US" altLang="zh-CN" sz="2000" dirty="0">
+                <a:solidFill>
+                  <a:schemeClr val="tx1">
+                    <a:lumMod val="65000"/>
+                    <a:lumOff val="35000"/>
+                  </a:schemeClr>
+                </a:solidFill>
+                <a:ea typeface="仿宋" panose="02010609060101010101" pitchFamily="49" charset="-122"/>
+              </a:rPr>
+              <a:t>,</a:t>
+            </a:r>
+            <a:endParaRPr lang="en-US" altLang="zh-CN" sz="2000" dirty="0">
+              <a:solidFill>
+                <a:schemeClr val="tx1">
+                  <a:lumMod val="65000"/>
+                  <a:lumOff val="35000"/>
+                </a:schemeClr>
+              </a:solidFill>
+              <a:ea typeface="仿宋" panose="02010609060101010101" pitchFamily="49" charset="-122"/>
+            </a:endParaRPr>
           </a:p>
           <a:p>
             <a:r>
               <a:rPr lang="zh-CN" altLang="en-US" sz="2000" dirty="0">
+                <a:solidFill>
+                  <a:schemeClr val="tx1">
+                    <a:lumMod val="65000"/>
+                    <a:lumOff val="35000"/>
+                  </a:schemeClr>
+                </a:solidFill>
                 <a:latin typeface="仿宋" panose="02010609060101010101" pitchFamily="49" charset="-122"/>
                 <a:ea typeface="仿宋" panose="02010609060101010101" pitchFamily="49" charset="-122"/>
               </a:rPr>
               <a:t>风云入故乡。</a:t>
             </a:r>
             <a:endParaRPr lang="en-US" altLang="zh-CN" sz="2000" dirty="0">
+              <a:solidFill>
+                <a:schemeClr val="tx1">
+                  <a:lumMod val="65000"/>
+                  <a:lumOff val="35000"/>
+                </a:schemeClr>
+              </a:solidFill>
               <a:latin typeface="仿宋" panose="02010609060101010101" pitchFamily="49" charset="-122"/>
               <a:ea typeface="仿宋" panose="02010609060101010101" pitchFamily="49" charset="-122"/>
             </a:endParaRPr>
           </a:p>
           <a:p>
             <a:r>
-              <a:rPr lang="en-US" altLang="zh-CN" sz="2000" dirty="0"/>
-              <a:t>Wind and cloud enter my hometown</a:t>
+              <a:rPr lang="en-US" altLang="zh-CN" sz="2000" dirty="0">
+                <a:solidFill>
+                  <a:schemeClr val="tx1">
+                    <a:lumMod val="65000"/>
+                    <a:lumOff val="35000"/>
+                  </a:schemeClr>
+                </a:solidFill>
+              </a:rPr>
+              <a:t>Wind and cloud enter my </a:t>
+            </a:r>
+            <a:r>
+              <a:rPr lang="en-US" altLang="zh-CN" sz="2000" dirty="0" smtClean="0">
+                <a:solidFill>
+                  <a:schemeClr val="tx1">
+                    <a:lumMod val="65000"/>
+                    <a:lumOff val="35000"/>
+                  </a:schemeClr>
+                </a:solidFill>
+              </a:rPr>
+              <a:t>hometown.</a:t>
             </a:r>
             <a:endParaRPr lang="zh-CN" altLang="en-US" sz="2000" dirty="0">
+              <a:solidFill>
+                <a:schemeClr val="tx1">
+                  <a:lumMod val="65000"/>
+                  <a:lumOff val="35000"/>
+                </a:schemeClr>
+              </a:solidFill>
               <a:ea typeface="仿宋" panose="02010609060101010101" pitchFamily="49" charset="-122"/>
             </a:endParaRPr>
           </a:p>
@@ -30580,7 +33130,7 @@
           <p:nvPr>
             <p:extLst>
               <p:ext uri="{D42A27DB-BD31-4B8C-83A1-F6EECF244321}">
-                <p14:modId xmlns:p14="http://schemas.microsoft.com/office/powerpoint/2010/main" val="3738328401"/>
+                <p14:modId xmlns:p14="http://schemas.microsoft.com/office/powerpoint/2010/main" val="3077219414"/>
               </p:ext>
             </p:extLst>
           </p:nvPr>
@@ -30686,15 +33236,7 @@
                       </a:r>
                       <a:r>
                         <a:rPr lang="en-US" altLang="zh-CN" sz="2000" dirty="0" smtClean="0"/>
-                        <a:t>on</a:t>
-                      </a:r>
-                      <a:r>
-                        <a:rPr lang="zh-CN" altLang="en-US" sz="2000" dirty="0" smtClean="0"/>
-                        <a:t> </a:t>
-                      </a:r>
-                      <a:r>
-                        <a:rPr lang="en-US" altLang="zh-CN" sz="2000" dirty="0" smtClean="0"/>
-                        <a:t>structure</a:t>
+                        <a:t>in structure</a:t>
                       </a:r>
                       <a:r>
                         <a:rPr lang="zh-CN" altLang="en-US" sz="2000" dirty="0" smtClean="0"/>
@@ -34950,11 +37492,7 @@
           <a:p>
             <a:r>
               <a:rPr lang="en-US" dirty="0" smtClean="0"/>
-              <a:t>R</a:t>
-            </a:r>
-            <a:r>
-              <a:rPr lang="en-US" dirty="0" smtClean="0"/>
-              <a:t>esult</a:t>
+              <a:t>Result</a:t>
             </a:r>
             <a:endParaRPr lang="en-US" dirty="0"/>
           </a:p>
@@ -35353,8 +37891,8 @@
         </p:blipFill>
         <p:spPr>
           <a:xfrm>
-            <a:off x="5774636" y="2315817"/>
-            <a:ext cx="3180520" cy="2725392"/>
+            <a:off x="3616476" y="1590106"/>
+            <a:ext cx="5338680" cy="4574722"/>
           </a:xfrm>
           <a:prstGeom prst="rect">
             <a:avLst/>
@@ -36032,35 +38570,35 @@
                 <a:gridCol w="1467096">
                   <a:extLst>
                     <a:ext uri="{9D8B030D-6E8A-4147-A177-3AD203B41FA5}">
-                      <a16:colId xmlns:a16="http://schemas.microsoft.com/office/drawing/2014/main" xmlns="" val="3968528018"/>
+                      <a16:colId xmlns="" xmlns:a16="http://schemas.microsoft.com/office/drawing/2014/main" val="3968528018"/>
                     </a:ext>
                   </a:extLst>
                 </a:gridCol>
                 <a:gridCol w="1467096">
                   <a:extLst>
                     <a:ext uri="{9D8B030D-6E8A-4147-A177-3AD203B41FA5}">
-                      <a16:colId xmlns:a16="http://schemas.microsoft.com/office/drawing/2014/main" xmlns="" val="4051269416"/>
+                      <a16:colId xmlns="" xmlns:a16="http://schemas.microsoft.com/office/drawing/2014/main" val="4051269416"/>
                     </a:ext>
                   </a:extLst>
                 </a:gridCol>
                 <a:gridCol w="1467096">
                   <a:extLst>
                     <a:ext uri="{9D8B030D-6E8A-4147-A177-3AD203B41FA5}">
-                      <a16:colId xmlns:a16="http://schemas.microsoft.com/office/drawing/2014/main" xmlns="" val="2425722785"/>
+                      <a16:colId xmlns="" xmlns:a16="http://schemas.microsoft.com/office/drawing/2014/main" val="2425722785"/>
                     </a:ext>
                   </a:extLst>
                 </a:gridCol>
                 <a:gridCol w="1467096">
                   <a:extLst>
                     <a:ext uri="{9D8B030D-6E8A-4147-A177-3AD203B41FA5}">
-                      <a16:colId xmlns:a16="http://schemas.microsoft.com/office/drawing/2014/main" xmlns="" val="3557478591"/>
+                      <a16:colId xmlns="" xmlns:a16="http://schemas.microsoft.com/office/drawing/2014/main" val="3557478591"/>
                     </a:ext>
                   </a:extLst>
                 </a:gridCol>
                 <a:gridCol w="1467096">
                   <a:extLst>
                     <a:ext uri="{9D8B030D-6E8A-4147-A177-3AD203B41FA5}">
-                      <a16:colId xmlns:a16="http://schemas.microsoft.com/office/drawing/2014/main" xmlns="" val="170161008"/>
+                      <a16:colId xmlns="" xmlns:a16="http://schemas.microsoft.com/office/drawing/2014/main" val="170161008"/>
                     </a:ext>
                   </a:extLst>
                 </a:gridCol>
@@ -36183,7 +38721,7 @@
                 </a:tc>
                 <a:extLst>
                   <a:ext uri="{0D108BD9-81ED-4DB2-BD59-A6C34878D82A}">
-                    <a16:rowId xmlns:a16="http://schemas.microsoft.com/office/drawing/2014/main" xmlns="" val="3018530476"/>
+                    <a16:rowId xmlns="" xmlns:a16="http://schemas.microsoft.com/office/drawing/2014/main" val="3018530476"/>
                   </a:ext>
                 </a:extLst>
               </a:tr>
@@ -36305,7 +38843,7 @@
                 </a:tc>
                 <a:extLst>
                   <a:ext uri="{0D108BD9-81ED-4DB2-BD59-A6C34878D82A}">
-                    <a16:rowId xmlns:a16="http://schemas.microsoft.com/office/drawing/2014/main" xmlns="" val="1837156829"/>
+                    <a16:rowId xmlns="" xmlns:a16="http://schemas.microsoft.com/office/drawing/2014/main" val="1837156829"/>
                   </a:ext>
                 </a:extLst>
               </a:tr>

--- a/Wei-GA.pptx
+++ b/Wei-GA.pptx
@@ -239,7 +239,7 @@
   </p:defaultTextStyle>
   <p:extLst>
     <p:ext uri="{EFAFB233-063F-42B5-8137-9DF3F51BA10A}">
-      <p15:sldGuideLst xmlns="" xmlns:p15="http://schemas.microsoft.com/office/powerpoint/2012/main">
+      <p15:sldGuideLst xmlns:p15="http://schemas.microsoft.com/office/powerpoint/2012/main">
         <p15:guide id="1" orient="horz" pos="2160">
           <p15:clr>
             <a:srgbClr val="A4A3A4"/>
@@ -3406,7 +3406,7 @@
         <a:lstStyle/>
         <a:p>
           <a:r>
-            <a:rPr lang="en-US" altLang="zh-CN" dirty="0" smtClean="0"/>
+            <a:rPr lang="en-US" altLang="zh-CN" dirty="0"/>
             <a:t>Approaches</a:t>
           </a:r>
           <a:endParaRPr lang="en-US" dirty="0"/>
@@ -3443,7 +3443,7 @@
         <a:lstStyle/>
         <a:p>
           <a:r>
-            <a:rPr lang="en-US" altLang="zh-CN" dirty="0" smtClean="0"/>
+            <a:rPr lang="en-US" altLang="zh-CN" dirty="0"/>
             <a:t>Traditional</a:t>
           </a:r>
           <a:endParaRPr lang="en-US" dirty="0"/>
@@ -3480,15 +3480,15 @@
         <a:lstStyle/>
         <a:p>
           <a:r>
-            <a:rPr lang="en-US" altLang="zh-CN" dirty="0" smtClean="0"/>
+            <a:rPr lang="en-US" altLang="zh-CN" dirty="0"/>
             <a:t>Genetic</a:t>
           </a:r>
           <a:r>
-            <a:rPr lang="zh-CN" altLang="en-US" dirty="0" smtClean="0"/>
+            <a:rPr lang="zh-CN" altLang="en-US" dirty="0"/>
             <a:t> </a:t>
           </a:r>
           <a:r>
-            <a:rPr lang="en-US" altLang="zh-CN" dirty="0" smtClean="0"/>
+            <a:rPr lang="en-US" altLang="zh-CN" dirty="0"/>
             <a:t>Algorithm</a:t>
           </a:r>
           <a:endParaRPr lang="en-US" dirty="0"/>
@@ -3525,15 +3525,15 @@
         <a:lstStyle/>
         <a:p>
           <a:r>
-            <a:rPr lang="en-US" altLang="zh-CN" dirty="0" smtClean="0"/>
+            <a:rPr lang="en-US" altLang="zh-CN" dirty="0"/>
             <a:t>Machine</a:t>
           </a:r>
           <a:r>
-            <a:rPr lang="zh-CN" altLang="en-US" dirty="0" smtClean="0"/>
+            <a:rPr lang="zh-CN" altLang="en-US" dirty="0"/>
             <a:t> </a:t>
           </a:r>
           <a:r>
-            <a:rPr lang="en-US" altLang="zh-CN" dirty="0" smtClean="0"/>
+            <a:rPr lang="en-US" altLang="zh-CN" dirty="0"/>
             <a:t>Learning</a:t>
           </a:r>
           <a:endParaRPr lang="en-US" dirty="0"/>
@@ -3570,23 +3570,23 @@
         <a:lstStyle/>
         <a:p>
           <a:r>
-            <a:rPr lang="en-US" altLang="zh-CN" dirty="0" smtClean="0"/>
+            <a:rPr lang="en-US" altLang="zh-CN" dirty="0"/>
             <a:t>Recurrent</a:t>
           </a:r>
           <a:r>
-            <a:rPr lang="zh-CN" altLang="en-US" dirty="0" smtClean="0"/>
+            <a:rPr lang="zh-CN" altLang="en-US" dirty="0"/>
             <a:t> </a:t>
           </a:r>
           <a:r>
-            <a:rPr lang="en-US" altLang="zh-CN" dirty="0" smtClean="0"/>
+            <a:rPr lang="en-US" altLang="zh-CN" dirty="0"/>
             <a:t>Neural</a:t>
           </a:r>
           <a:r>
-            <a:rPr lang="zh-CN" altLang="en-US" dirty="0" smtClean="0"/>
+            <a:rPr lang="zh-CN" altLang="en-US" dirty="0"/>
             <a:t> </a:t>
           </a:r>
           <a:r>
-            <a:rPr lang="en-US" altLang="zh-CN" dirty="0" smtClean="0"/>
+            <a:rPr lang="en-US" altLang="zh-CN" dirty="0"/>
             <a:t>Network</a:t>
           </a:r>
           <a:endParaRPr lang="en-US" dirty="0"/>
@@ -3623,7 +3623,7 @@
         <a:lstStyle/>
         <a:p>
           <a:r>
-            <a:rPr lang="en-US" altLang="zh-CN" dirty="0" smtClean="0"/>
+            <a:rPr lang="en-US" altLang="zh-CN" dirty="0"/>
             <a:t>Generative Adversarial Networks</a:t>
           </a:r>
           <a:endParaRPr lang="en-US" dirty="0"/>
@@ -3663,13 +3663,6 @@
         </dgm:presLayoutVars>
       </dgm:prSet>
       <dgm:spPr/>
-      <dgm:t>
-        <a:bodyPr/>
-        <a:lstStyle/>
-        <a:p>
-          <a:endParaRPr lang="en-US"/>
-        </a:p>
-      </dgm:t>
     </dgm:pt>
     <dgm:pt modelId="{332EFCC3-436E-3F46-9A9C-C4AE7282B845}" type="pres">
       <dgm:prSet presAssocID="{70FC8740-11D2-844B-BA43-87066772D64C}" presName="root1" presStyleCnt="0"/>
@@ -3682,13 +3675,6 @@
         </dgm:presLayoutVars>
       </dgm:prSet>
       <dgm:spPr/>
-      <dgm:t>
-        <a:bodyPr/>
-        <a:lstStyle/>
-        <a:p>
-          <a:endParaRPr lang="en-US"/>
-        </a:p>
-      </dgm:t>
     </dgm:pt>
     <dgm:pt modelId="{6226D6F4-F814-784C-821E-BC8CA2E67D50}" type="pres">
       <dgm:prSet presAssocID="{70FC8740-11D2-844B-BA43-87066772D64C}" presName="level2hierChild" presStyleCnt="0"/>
@@ -3697,24 +3683,10 @@
     <dgm:pt modelId="{8EBD5E86-6C6E-2E44-9062-84724ECB3B68}" type="pres">
       <dgm:prSet presAssocID="{A18A7D2C-3BC2-D945-A3A4-ABD704228EA2}" presName="conn2-1" presStyleLbl="parChTrans1D2" presStyleIdx="0" presStyleCnt="2"/>
       <dgm:spPr/>
-      <dgm:t>
-        <a:bodyPr/>
-        <a:lstStyle/>
-        <a:p>
-          <a:endParaRPr lang="en-US"/>
-        </a:p>
-      </dgm:t>
     </dgm:pt>
     <dgm:pt modelId="{BF13BF8A-E832-B447-A285-8E80CBE7359C}" type="pres">
       <dgm:prSet presAssocID="{A18A7D2C-3BC2-D945-A3A4-ABD704228EA2}" presName="connTx" presStyleLbl="parChTrans1D2" presStyleIdx="0" presStyleCnt="2"/>
       <dgm:spPr/>
-      <dgm:t>
-        <a:bodyPr/>
-        <a:lstStyle/>
-        <a:p>
-          <a:endParaRPr lang="en-US"/>
-        </a:p>
-      </dgm:t>
     </dgm:pt>
     <dgm:pt modelId="{ADE5A85C-DE97-CB4D-8DAB-9CA58AF12572}" type="pres">
       <dgm:prSet presAssocID="{572C488A-09E3-CD47-B049-9EB0F98BF6F2}" presName="root2" presStyleCnt="0"/>
@@ -3727,13 +3699,6 @@
         </dgm:presLayoutVars>
       </dgm:prSet>
       <dgm:spPr/>
-      <dgm:t>
-        <a:bodyPr/>
-        <a:lstStyle/>
-        <a:p>
-          <a:endParaRPr lang="en-US"/>
-        </a:p>
-      </dgm:t>
     </dgm:pt>
     <dgm:pt modelId="{F84F7582-0392-1C41-BE73-8E5BC4C047E7}" type="pres">
       <dgm:prSet presAssocID="{572C488A-09E3-CD47-B049-9EB0F98BF6F2}" presName="level3hierChild" presStyleCnt="0"/>
@@ -3742,24 +3707,10 @@
     <dgm:pt modelId="{AFA554A9-D810-2F41-9D4D-2A92E68F5E9C}" type="pres">
       <dgm:prSet presAssocID="{C1693763-07AF-B84E-881E-776EC0EE8F4D}" presName="conn2-1" presStyleLbl="parChTrans1D3" presStyleIdx="0" presStyleCnt="3"/>
       <dgm:spPr/>
-      <dgm:t>
-        <a:bodyPr/>
-        <a:lstStyle/>
-        <a:p>
-          <a:endParaRPr lang="en-US"/>
-        </a:p>
-      </dgm:t>
     </dgm:pt>
     <dgm:pt modelId="{5E2D0C74-3A34-B545-B820-808299CE513D}" type="pres">
       <dgm:prSet presAssocID="{C1693763-07AF-B84E-881E-776EC0EE8F4D}" presName="connTx" presStyleLbl="parChTrans1D3" presStyleIdx="0" presStyleCnt="3"/>
       <dgm:spPr/>
-      <dgm:t>
-        <a:bodyPr/>
-        <a:lstStyle/>
-        <a:p>
-          <a:endParaRPr lang="en-US"/>
-        </a:p>
-      </dgm:t>
     </dgm:pt>
     <dgm:pt modelId="{9D24ADF7-1F34-514D-B125-8AD4511601A5}" type="pres">
       <dgm:prSet presAssocID="{26AA065B-5926-464D-ADB0-6327502EBC12}" presName="root2" presStyleCnt="0"/>
@@ -3772,13 +3723,6 @@
         </dgm:presLayoutVars>
       </dgm:prSet>
       <dgm:spPr/>
-      <dgm:t>
-        <a:bodyPr/>
-        <a:lstStyle/>
-        <a:p>
-          <a:endParaRPr lang="en-US"/>
-        </a:p>
-      </dgm:t>
     </dgm:pt>
     <dgm:pt modelId="{1A50F64C-70C5-354A-97A8-4EB7A3EF5D7D}" type="pres">
       <dgm:prSet presAssocID="{26AA065B-5926-464D-ADB0-6327502EBC12}" presName="level3hierChild" presStyleCnt="0"/>
@@ -3787,24 +3731,10 @@
     <dgm:pt modelId="{5807E2FA-72E6-D04A-89F7-6747DC4A4089}" type="pres">
       <dgm:prSet presAssocID="{8617981D-8A27-BB44-A72E-06F436C79E74}" presName="conn2-1" presStyleLbl="parChTrans1D2" presStyleIdx="1" presStyleCnt="2"/>
       <dgm:spPr/>
-      <dgm:t>
-        <a:bodyPr/>
-        <a:lstStyle/>
-        <a:p>
-          <a:endParaRPr lang="en-US"/>
-        </a:p>
-      </dgm:t>
     </dgm:pt>
     <dgm:pt modelId="{24C86F7B-A12F-934A-B828-07256D307302}" type="pres">
       <dgm:prSet presAssocID="{8617981D-8A27-BB44-A72E-06F436C79E74}" presName="connTx" presStyleLbl="parChTrans1D2" presStyleIdx="1" presStyleCnt="2"/>
       <dgm:spPr/>
-      <dgm:t>
-        <a:bodyPr/>
-        <a:lstStyle/>
-        <a:p>
-          <a:endParaRPr lang="en-US"/>
-        </a:p>
-      </dgm:t>
     </dgm:pt>
     <dgm:pt modelId="{56369564-E886-B243-B1B9-D49B5E1BB2D3}" type="pres">
       <dgm:prSet presAssocID="{51E58304-B645-414A-AF19-94B69A03C9EF}" presName="root2" presStyleCnt="0"/>
@@ -3817,13 +3747,6 @@
         </dgm:presLayoutVars>
       </dgm:prSet>
       <dgm:spPr/>
-      <dgm:t>
-        <a:bodyPr/>
-        <a:lstStyle/>
-        <a:p>
-          <a:endParaRPr lang="en-US"/>
-        </a:p>
-      </dgm:t>
     </dgm:pt>
     <dgm:pt modelId="{3D25DC9F-193E-D740-8387-3A77D47BB2A3}" type="pres">
       <dgm:prSet presAssocID="{51E58304-B645-414A-AF19-94B69A03C9EF}" presName="level3hierChild" presStyleCnt="0"/>
@@ -3832,24 +3755,10 @@
     <dgm:pt modelId="{8A04B785-64F9-C541-A8DE-5DD493B9CAAC}" type="pres">
       <dgm:prSet presAssocID="{9F6BA115-75B2-C743-813C-EDC71990D30B}" presName="conn2-1" presStyleLbl="parChTrans1D3" presStyleIdx="1" presStyleCnt="3"/>
       <dgm:spPr/>
-      <dgm:t>
-        <a:bodyPr/>
-        <a:lstStyle/>
-        <a:p>
-          <a:endParaRPr lang="en-US"/>
-        </a:p>
-      </dgm:t>
     </dgm:pt>
     <dgm:pt modelId="{4E24C0A5-7312-3A44-A3DF-A285D6B98DA5}" type="pres">
       <dgm:prSet presAssocID="{9F6BA115-75B2-C743-813C-EDC71990D30B}" presName="connTx" presStyleLbl="parChTrans1D3" presStyleIdx="1" presStyleCnt="3"/>
       <dgm:spPr/>
-      <dgm:t>
-        <a:bodyPr/>
-        <a:lstStyle/>
-        <a:p>
-          <a:endParaRPr lang="en-US"/>
-        </a:p>
-      </dgm:t>
     </dgm:pt>
     <dgm:pt modelId="{CA208149-F1CA-8A47-95E3-5DC6DB70B764}" type="pres">
       <dgm:prSet presAssocID="{DAF658DA-A116-5C43-B62C-B6A81AAF4ADC}" presName="root2" presStyleCnt="0"/>
@@ -3862,13 +3771,6 @@
         </dgm:presLayoutVars>
       </dgm:prSet>
       <dgm:spPr/>
-      <dgm:t>
-        <a:bodyPr/>
-        <a:lstStyle/>
-        <a:p>
-          <a:endParaRPr lang="en-US"/>
-        </a:p>
-      </dgm:t>
     </dgm:pt>
     <dgm:pt modelId="{0980D22E-4206-4943-BEDE-2A95E865048D}" type="pres">
       <dgm:prSet presAssocID="{DAF658DA-A116-5C43-B62C-B6A81AAF4ADC}" presName="level3hierChild" presStyleCnt="0"/>
@@ -3877,24 +3779,10 @@
     <dgm:pt modelId="{7740C5EB-F123-F545-ACEB-2630E37188E3}" type="pres">
       <dgm:prSet presAssocID="{2A657872-6060-2343-8129-68135F3F009C}" presName="conn2-1" presStyleLbl="parChTrans1D3" presStyleIdx="2" presStyleCnt="3"/>
       <dgm:spPr/>
-      <dgm:t>
-        <a:bodyPr/>
-        <a:lstStyle/>
-        <a:p>
-          <a:endParaRPr lang="en-US"/>
-        </a:p>
-      </dgm:t>
     </dgm:pt>
     <dgm:pt modelId="{E5419A3D-4F2A-D542-9919-685B736B5912}" type="pres">
       <dgm:prSet presAssocID="{2A657872-6060-2343-8129-68135F3F009C}" presName="connTx" presStyleLbl="parChTrans1D3" presStyleIdx="2" presStyleCnt="3"/>
       <dgm:spPr/>
-      <dgm:t>
-        <a:bodyPr/>
-        <a:lstStyle/>
-        <a:p>
-          <a:endParaRPr lang="en-US"/>
-        </a:p>
-      </dgm:t>
     </dgm:pt>
     <dgm:pt modelId="{F3E8A015-BD13-1440-8255-4F55A646106C}" type="pres">
       <dgm:prSet presAssocID="{18281699-93CE-1A4C-AA25-CF423808318B}" presName="root2" presStyleCnt="0"/>
@@ -3907,13 +3795,6 @@
         </dgm:presLayoutVars>
       </dgm:prSet>
       <dgm:spPr/>
-      <dgm:t>
-        <a:bodyPr/>
-        <a:lstStyle/>
-        <a:p>
-          <a:endParaRPr lang="en-US"/>
-        </a:p>
-      </dgm:t>
     </dgm:pt>
     <dgm:pt modelId="{B51BE200-4AA6-1B42-82E7-7EACD38B97CD}" type="pres">
       <dgm:prSet presAssocID="{18281699-93CE-1A4C-AA25-CF423808318B}" presName="level3hierChild" presStyleCnt="0"/>
@@ -3921,28 +3802,28 @@
     </dgm:pt>
   </dgm:ptLst>
   <dgm:cxnLst>
+    <dgm:cxn modelId="{2CF5DD09-88B3-034C-B447-D4744AA3E296}" srcId="{70FC8740-11D2-844B-BA43-87066772D64C}" destId="{51E58304-B645-414A-AF19-94B69A03C9EF}" srcOrd="1" destOrd="0" parTransId="{8617981D-8A27-BB44-A72E-06F436C79E74}" sibTransId="{DFBBE3C2-C344-414D-AC00-17EDFAB5CBE2}"/>
+    <dgm:cxn modelId="{5B06B31D-6381-1C41-8175-7051EE7E5E82}" type="presOf" srcId="{2A657872-6060-2343-8129-68135F3F009C}" destId="{7740C5EB-F123-F545-ACEB-2630E37188E3}" srcOrd="0" destOrd="0" presId="urn:microsoft.com/office/officeart/2005/8/layout/hierarchy2"/>
+    <dgm:cxn modelId="{2F7F9522-3BD6-7348-85E2-71A60FEAAED3}" srcId="{51E58304-B645-414A-AF19-94B69A03C9EF}" destId="{18281699-93CE-1A4C-AA25-CF423808318B}" srcOrd="1" destOrd="0" parTransId="{2A657872-6060-2343-8129-68135F3F009C}" sibTransId="{15951AE8-F397-7B48-A7DD-724DF40C3996}"/>
+    <dgm:cxn modelId="{392A443F-A351-AB49-AD30-AD517242E1E0}" type="presOf" srcId="{A18A7D2C-3BC2-D945-A3A4-ABD704228EA2}" destId="{8EBD5E86-6C6E-2E44-9062-84724ECB3B68}" srcOrd="0" destOrd="0" presId="urn:microsoft.com/office/officeart/2005/8/layout/hierarchy2"/>
+    <dgm:cxn modelId="{9E62D865-1785-024B-81D3-605E9D1DA98F}" srcId="{8550B817-B177-2A42-A6B4-2C8E11B35BEF}" destId="{70FC8740-11D2-844B-BA43-87066772D64C}" srcOrd="0" destOrd="0" parTransId="{6D25A922-6F6D-EF4B-93F8-ECDF4774B051}" sibTransId="{06427853-458A-F24D-9A55-A09F688DDC32}"/>
+    <dgm:cxn modelId="{7954126D-5DDF-234C-A3B4-A63DCBFEB7C9}" type="presOf" srcId="{18281699-93CE-1A4C-AA25-CF423808318B}" destId="{DEDD03C0-5187-4A4C-8CFB-2E1FF868328B}" srcOrd="0" destOrd="0" presId="urn:microsoft.com/office/officeart/2005/8/layout/hierarchy2"/>
+    <dgm:cxn modelId="{84DC2754-FD7B-624F-BD8E-CCE1AAC69E75}" type="presOf" srcId="{26AA065B-5926-464D-ADB0-6327502EBC12}" destId="{348A34DD-1973-AD4B-A903-21393C1F8386}" srcOrd="0" destOrd="0" presId="urn:microsoft.com/office/officeart/2005/8/layout/hierarchy2"/>
+    <dgm:cxn modelId="{9F0D0A55-2130-234F-BA4D-4AFB20718DD6}" type="presOf" srcId="{A18A7D2C-3BC2-D945-A3A4-ABD704228EA2}" destId="{BF13BF8A-E832-B447-A285-8E80CBE7359C}" srcOrd="1" destOrd="0" presId="urn:microsoft.com/office/officeart/2005/8/layout/hierarchy2"/>
+    <dgm:cxn modelId="{C8582575-234C-0840-9F79-E1153042B9D5}" type="presOf" srcId="{2A657872-6060-2343-8129-68135F3F009C}" destId="{E5419A3D-4F2A-D542-9919-685B736B5912}" srcOrd="1" destOrd="0" presId="urn:microsoft.com/office/officeart/2005/8/layout/hierarchy2"/>
+    <dgm:cxn modelId="{A8A27C75-DC73-8841-8630-38C0F67BDC1D}" type="presOf" srcId="{8617981D-8A27-BB44-A72E-06F436C79E74}" destId="{24C86F7B-A12F-934A-B828-07256D307302}" srcOrd="1" destOrd="0" presId="urn:microsoft.com/office/officeart/2005/8/layout/hierarchy2"/>
+    <dgm:cxn modelId="{1EF6FE78-9EC0-544F-9E29-DD913E08CF2E}" type="presOf" srcId="{8550B817-B177-2A42-A6B4-2C8E11B35BEF}" destId="{20CA1681-D4BD-B84E-A8CF-D5845660F934}" srcOrd="0" destOrd="0" presId="urn:microsoft.com/office/officeart/2005/8/layout/hierarchy2"/>
+    <dgm:cxn modelId="{25511282-DF4B-CC46-B6B9-CD54B7B3E28C}" type="presOf" srcId="{9F6BA115-75B2-C743-813C-EDC71990D30B}" destId="{4E24C0A5-7312-3A44-A3DF-A285D6B98DA5}" srcOrd="1" destOrd="0" presId="urn:microsoft.com/office/officeart/2005/8/layout/hierarchy2"/>
+    <dgm:cxn modelId="{DA010987-BFA9-574B-8956-1D57C6BD0E41}" type="presOf" srcId="{C1693763-07AF-B84E-881E-776EC0EE8F4D}" destId="{AFA554A9-D810-2F41-9D4D-2A92E68F5E9C}" srcOrd="0" destOrd="0" presId="urn:microsoft.com/office/officeart/2005/8/layout/hierarchy2"/>
     <dgm:cxn modelId="{4CE43C8C-35DB-074E-8165-D92D99093B59}" srcId="{572C488A-09E3-CD47-B049-9EB0F98BF6F2}" destId="{26AA065B-5926-464D-ADB0-6327502EBC12}" srcOrd="0" destOrd="0" parTransId="{C1693763-07AF-B84E-881E-776EC0EE8F4D}" sibTransId="{F46803F4-13C9-6949-9FE1-D02C0C009EB8}"/>
-    <dgm:cxn modelId="{C8582575-234C-0840-9F79-E1153042B9D5}" type="presOf" srcId="{2A657872-6060-2343-8129-68135F3F009C}" destId="{E5419A3D-4F2A-D542-9919-685B736B5912}" srcOrd="1" destOrd="0" presId="urn:microsoft.com/office/officeart/2005/8/layout/hierarchy2"/>
+    <dgm:cxn modelId="{106FE89F-81F6-B340-ADA6-F0519027784A}" type="presOf" srcId="{8617981D-8A27-BB44-A72E-06F436C79E74}" destId="{5807E2FA-72E6-D04A-89F7-6747DC4A4089}" srcOrd="0" destOrd="0" presId="urn:microsoft.com/office/officeart/2005/8/layout/hierarchy2"/>
+    <dgm:cxn modelId="{505294A8-771E-CB4A-A6F7-9B6B480201AB}" type="presOf" srcId="{DAF658DA-A116-5C43-B62C-B6A81AAF4ADC}" destId="{DB7C7C14-A361-0F42-8302-8EA7F63F92A6}" srcOrd="0" destOrd="0" presId="urn:microsoft.com/office/officeart/2005/8/layout/hierarchy2"/>
+    <dgm:cxn modelId="{DA2AB0AA-401C-C344-961E-5FD3EB2CDD45}" type="presOf" srcId="{572C488A-09E3-CD47-B049-9EB0F98BF6F2}" destId="{04F01A13-FFFA-834E-A3D7-58B62DB7DE75}" srcOrd="0" destOrd="0" presId="urn:microsoft.com/office/officeart/2005/8/layout/hierarchy2"/>
+    <dgm:cxn modelId="{086DEEB1-75B0-C94C-8325-D623220D1C0A}" type="presOf" srcId="{9F6BA115-75B2-C743-813C-EDC71990D30B}" destId="{8A04B785-64F9-C541-A8DE-5DD493B9CAAC}" srcOrd="0" destOrd="0" presId="urn:microsoft.com/office/officeart/2005/8/layout/hierarchy2"/>
+    <dgm:cxn modelId="{D8C2E3E1-A95E-6B45-86AA-F4B9ACBF151C}" srcId="{51E58304-B645-414A-AF19-94B69A03C9EF}" destId="{DAF658DA-A116-5C43-B62C-B6A81AAF4ADC}" srcOrd="0" destOrd="0" parTransId="{9F6BA115-75B2-C743-813C-EDC71990D30B}" sibTransId="{1DE6AD3A-F505-6241-BB2C-90149AB840E2}"/>
+    <dgm:cxn modelId="{72E4C4EA-3C7D-7B4D-A854-704D2211C13F}" type="presOf" srcId="{70FC8740-11D2-844B-BA43-87066772D64C}" destId="{747B6E19-340D-3F46-9FF4-144F4AC1C86F}" srcOrd="0" destOrd="0" presId="urn:microsoft.com/office/officeart/2005/8/layout/hierarchy2"/>
+    <dgm:cxn modelId="{66448EF2-3674-0F4C-8855-F2E322C01A14}" type="presOf" srcId="{51E58304-B645-414A-AF19-94B69A03C9EF}" destId="{09D07DAE-EDD8-7C4B-B0BA-6AC66CBC7CC7}" srcOrd="0" destOrd="0" presId="urn:microsoft.com/office/officeart/2005/8/layout/hierarchy2"/>
     <dgm:cxn modelId="{94C962F4-E1CB-C44B-AAF7-5142B4D976E9}" srcId="{70FC8740-11D2-844B-BA43-87066772D64C}" destId="{572C488A-09E3-CD47-B049-9EB0F98BF6F2}" srcOrd="0" destOrd="0" parTransId="{A18A7D2C-3BC2-D945-A3A4-ABD704228EA2}" sibTransId="{463F745D-E7DB-2445-B901-4B69D9280CA8}"/>
-    <dgm:cxn modelId="{2CF5DD09-88B3-034C-B447-D4744AA3E296}" srcId="{70FC8740-11D2-844B-BA43-87066772D64C}" destId="{51E58304-B645-414A-AF19-94B69A03C9EF}" srcOrd="1" destOrd="0" parTransId="{8617981D-8A27-BB44-A72E-06F436C79E74}" sibTransId="{DFBBE3C2-C344-414D-AC00-17EDFAB5CBE2}"/>
-    <dgm:cxn modelId="{D8C2E3E1-A95E-6B45-86AA-F4B9ACBF151C}" srcId="{51E58304-B645-414A-AF19-94B69A03C9EF}" destId="{DAF658DA-A116-5C43-B62C-B6A81AAF4ADC}" srcOrd="0" destOrd="0" parTransId="{9F6BA115-75B2-C743-813C-EDC71990D30B}" sibTransId="{1DE6AD3A-F505-6241-BB2C-90149AB840E2}"/>
-    <dgm:cxn modelId="{25511282-DF4B-CC46-B6B9-CD54B7B3E28C}" type="presOf" srcId="{9F6BA115-75B2-C743-813C-EDC71990D30B}" destId="{4E24C0A5-7312-3A44-A3DF-A285D6B98DA5}" srcOrd="1" destOrd="0" presId="urn:microsoft.com/office/officeart/2005/8/layout/hierarchy2"/>
-    <dgm:cxn modelId="{392A443F-A351-AB49-AD30-AD517242E1E0}" type="presOf" srcId="{A18A7D2C-3BC2-D945-A3A4-ABD704228EA2}" destId="{8EBD5E86-6C6E-2E44-9062-84724ECB3B68}" srcOrd="0" destOrd="0" presId="urn:microsoft.com/office/officeart/2005/8/layout/hierarchy2"/>
-    <dgm:cxn modelId="{5B06B31D-6381-1C41-8175-7051EE7E5E82}" type="presOf" srcId="{2A657872-6060-2343-8129-68135F3F009C}" destId="{7740C5EB-F123-F545-ACEB-2630E37188E3}" srcOrd="0" destOrd="0" presId="urn:microsoft.com/office/officeart/2005/8/layout/hierarchy2"/>
-    <dgm:cxn modelId="{1EF6FE78-9EC0-544F-9E29-DD913E08CF2E}" type="presOf" srcId="{8550B817-B177-2A42-A6B4-2C8E11B35BEF}" destId="{20CA1681-D4BD-B84E-A8CF-D5845660F934}" srcOrd="0" destOrd="0" presId="urn:microsoft.com/office/officeart/2005/8/layout/hierarchy2"/>
-    <dgm:cxn modelId="{9E62D865-1785-024B-81D3-605E9D1DA98F}" srcId="{8550B817-B177-2A42-A6B4-2C8E11B35BEF}" destId="{70FC8740-11D2-844B-BA43-87066772D64C}" srcOrd="0" destOrd="0" parTransId="{6D25A922-6F6D-EF4B-93F8-ECDF4774B051}" sibTransId="{06427853-458A-F24D-9A55-A09F688DDC32}"/>
-    <dgm:cxn modelId="{DA010987-BFA9-574B-8956-1D57C6BD0E41}" type="presOf" srcId="{C1693763-07AF-B84E-881E-776EC0EE8F4D}" destId="{AFA554A9-D810-2F41-9D4D-2A92E68F5E9C}" srcOrd="0" destOrd="0" presId="urn:microsoft.com/office/officeart/2005/8/layout/hierarchy2"/>
-    <dgm:cxn modelId="{2F7F9522-3BD6-7348-85E2-71A60FEAAED3}" srcId="{51E58304-B645-414A-AF19-94B69A03C9EF}" destId="{18281699-93CE-1A4C-AA25-CF423808318B}" srcOrd="1" destOrd="0" parTransId="{2A657872-6060-2343-8129-68135F3F009C}" sibTransId="{15951AE8-F397-7B48-A7DD-724DF40C3996}"/>
-    <dgm:cxn modelId="{106FE89F-81F6-B340-ADA6-F0519027784A}" type="presOf" srcId="{8617981D-8A27-BB44-A72E-06F436C79E74}" destId="{5807E2FA-72E6-D04A-89F7-6747DC4A4089}" srcOrd="0" destOrd="0" presId="urn:microsoft.com/office/officeart/2005/8/layout/hierarchy2"/>
-    <dgm:cxn modelId="{66448EF2-3674-0F4C-8855-F2E322C01A14}" type="presOf" srcId="{51E58304-B645-414A-AF19-94B69A03C9EF}" destId="{09D07DAE-EDD8-7C4B-B0BA-6AC66CBC7CC7}" srcOrd="0" destOrd="0" presId="urn:microsoft.com/office/officeart/2005/8/layout/hierarchy2"/>
-    <dgm:cxn modelId="{9F0D0A55-2130-234F-BA4D-4AFB20718DD6}" type="presOf" srcId="{A18A7D2C-3BC2-D945-A3A4-ABD704228EA2}" destId="{BF13BF8A-E832-B447-A285-8E80CBE7359C}" srcOrd="1" destOrd="0" presId="urn:microsoft.com/office/officeart/2005/8/layout/hierarchy2"/>
-    <dgm:cxn modelId="{72E4C4EA-3C7D-7B4D-A854-704D2211C13F}" type="presOf" srcId="{70FC8740-11D2-844B-BA43-87066772D64C}" destId="{747B6E19-340D-3F46-9FF4-144F4AC1C86F}" srcOrd="0" destOrd="0" presId="urn:microsoft.com/office/officeart/2005/8/layout/hierarchy2"/>
-    <dgm:cxn modelId="{086DEEB1-75B0-C94C-8325-D623220D1C0A}" type="presOf" srcId="{9F6BA115-75B2-C743-813C-EDC71990D30B}" destId="{8A04B785-64F9-C541-A8DE-5DD493B9CAAC}" srcOrd="0" destOrd="0" presId="urn:microsoft.com/office/officeart/2005/8/layout/hierarchy2"/>
-    <dgm:cxn modelId="{505294A8-771E-CB4A-A6F7-9B6B480201AB}" type="presOf" srcId="{DAF658DA-A116-5C43-B62C-B6A81AAF4ADC}" destId="{DB7C7C14-A361-0F42-8302-8EA7F63F92A6}" srcOrd="0" destOrd="0" presId="urn:microsoft.com/office/officeart/2005/8/layout/hierarchy2"/>
-    <dgm:cxn modelId="{7954126D-5DDF-234C-A3B4-A63DCBFEB7C9}" type="presOf" srcId="{18281699-93CE-1A4C-AA25-CF423808318B}" destId="{DEDD03C0-5187-4A4C-8CFB-2E1FF868328B}" srcOrd="0" destOrd="0" presId="urn:microsoft.com/office/officeart/2005/8/layout/hierarchy2"/>
-    <dgm:cxn modelId="{A8A27C75-DC73-8841-8630-38C0F67BDC1D}" type="presOf" srcId="{8617981D-8A27-BB44-A72E-06F436C79E74}" destId="{24C86F7B-A12F-934A-B828-07256D307302}" srcOrd="1" destOrd="0" presId="urn:microsoft.com/office/officeart/2005/8/layout/hierarchy2"/>
-    <dgm:cxn modelId="{DA2AB0AA-401C-C344-961E-5FD3EB2CDD45}" type="presOf" srcId="{572C488A-09E3-CD47-B049-9EB0F98BF6F2}" destId="{04F01A13-FFFA-834E-A3D7-58B62DB7DE75}" srcOrd="0" destOrd="0" presId="urn:microsoft.com/office/officeart/2005/8/layout/hierarchy2"/>
-    <dgm:cxn modelId="{84DC2754-FD7B-624F-BD8E-CCE1AAC69E75}" type="presOf" srcId="{26AA065B-5926-464D-ADB0-6327502EBC12}" destId="{348A34DD-1973-AD4B-A903-21393C1F8386}" srcOrd="0" destOrd="0" presId="urn:microsoft.com/office/officeart/2005/8/layout/hierarchy2"/>
     <dgm:cxn modelId="{9F8372F9-63DF-CB47-A595-3E041972C0E7}" type="presOf" srcId="{C1693763-07AF-B84E-881E-776EC0EE8F4D}" destId="{5E2D0C74-3A34-B545-B820-808299CE513D}" srcOrd="1" destOrd="0" presId="urn:microsoft.com/office/officeart/2005/8/layout/hierarchy2"/>
     <dgm:cxn modelId="{BB31184B-6DA5-7D40-8633-E20DE435441B}" type="presParOf" srcId="{20CA1681-D4BD-B84E-A8CF-D5845660F934}" destId="{332EFCC3-436E-3F46-9A9C-C4AE7282B845}" srcOrd="0" destOrd="0" presId="urn:microsoft.com/office/officeart/2005/8/layout/hierarchy2"/>
     <dgm:cxn modelId="{26B190E2-BB6B-884B-88CC-D0AB6EA42C8F}" type="presParOf" srcId="{332EFCC3-436E-3F46-9A9C-C4AE7282B845}" destId="{747B6E19-340D-3F46-9FF4-144F4AC1C86F}" srcOrd="0" destOrd="0" presId="urn:microsoft.com/office/officeart/2005/8/layout/hierarchy2"/>
@@ -4005,7 +3886,7 @@
         <a:lstStyle/>
         <a:p>
           <a:r>
-            <a:rPr lang="en-US" altLang="zh-CN" dirty="0" smtClean="0"/>
+            <a:rPr lang="en-US" altLang="zh-CN" dirty="0"/>
             <a:t>Approaches</a:t>
           </a:r>
           <a:endParaRPr lang="en-US" dirty="0"/>
@@ -4042,7 +3923,7 @@
         <a:lstStyle/>
         <a:p>
           <a:r>
-            <a:rPr lang="en-US" altLang="zh-CN" dirty="0" smtClean="0"/>
+            <a:rPr lang="en-US" altLang="zh-CN" dirty="0"/>
             <a:t>Traditional</a:t>
           </a:r>
           <a:endParaRPr lang="en-US" dirty="0"/>
@@ -4079,15 +3960,15 @@
         <a:lstStyle/>
         <a:p>
           <a:r>
-            <a:rPr lang="en-US" altLang="zh-CN" dirty="0" smtClean="0"/>
+            <a:rPr lang="en-US" altLang="zh-CN" dirty="0"/>
             <a:t>Genetic</a:t>
           </a:r>
           <a:r>
-            <a:rPr lang="zh-CN" altLang="en-US" dirty="0" smtClean="0"/>
+            <a:rPr lang="zh-CN" altLang="en-US" dirty="0"/>
             <a:t> </a:t>
           </a:r>
           <a:r>
-            <a:rPr lang="en-US" altLang="zh-CN" dirty="0" smtClean="0"/>
+            <a:rPr lang="en-US" altLang="zh-CN" dirty="0"/>
             <a:t>Algorithm</a:t>
           </a:r>
           <a:endParaRPr lang="en-US" dirty="0"/>
@@ -4130,15 +4011,15 @@
         <a:lstStyle/>
         <a:p>
           <a:r>
-            <a:rPr lang="en-US" altLang="zh-CN" dirty="0" smtClean="0"/>
+            <a:rPr lang="en-US" altLang="zh-CN" dirty="0"/>
             <a:t>Machine</a:t>
           </a:r>
           <a:r>
-            <a:rPr lang="zh-CN" altLang="en-US" dirty="0" smtClean="0"/>
+            <a:rPr lang="zh-CN" altLang="en-US" dirty="0"/>
             <a:t> </a:t>
           </a:r>
           <a:r>
-            <a:rPr lang="en-US" altLang="zh-CN" dirty="0" smtClean="0"/>
+            <a:rPr lang="en-US" altLang="zh-CN" dirty="0"/>
             <a:t>Learning</a:t>
           </a:r>
           <a:endParaRPr lang="en-US" dirty="0"/>
@@ -4181,23 +4062,23 @@
         <a:lstStyle/>
         <a:p>
           <a:r>
-            <a:rPr lang="en-US" altLang="zh-CN" dirty="0" smtClean="0"/>
+            <a:rPr lang="en-US" altLang="zh-CN" dirty="0"/>
             <a:t>Recurrent</a:t>
           </a:r>
           <a:r>
-            <a:rPr lang="zh-CN" altLang="en-US" dirty="0" smtClean="0"/>
+            <a:rPr lang="zh-CN" altLang="en-US" dirty="0"/>
             <a:t> </a:t>
           </a:r>
           <a:r>
-            <a:rPr lang="en-US" altLang="zh-CN" dirty="0" smtClean="0"/>
+            <a:rPr lang="en-US" altLang="zh-CN" dirty="0"/>
             <a:t>Neural</a:t>
           </a:r>
           <a:r>
-            <a:rPr lang="zh-CN" altLang="en-US" dirty="0" smtClean="0"/>
+            <a:rPr lang="zh-CN" altLang="en-US" dirty="0"/>
             <a:t> </a:t>
           </a:r>
           <a:r>
-            <a:rPr lang="en-US" altLang="zh-CN" dirty="0" smtClean="0"/>
+            <a:rPr lang="en-US" altLang="zh-CN" dirty="0"/>
             <a:t>Network</a:t>
           </a:r>
           <a:endParaRPr lang="en-US" dirty="0"/>
@@ -4240,7 +4121,7 @@
         <a:lstStyle/>
         <a:p>
           <a:r>
-            <a:rPr lang="en-US" altLang="zh-CN" dirty="0" smtClean="0"/>
+            <a:rPr lang="en-US" altLang="zh-CN" dirty="0"/>
             <a:t>Generative Adversarial Networks</a:t>
           </a:r>
           <a:endParaRPr lang="en-US" dirty="0"/>
@@ -4280,13 +4161,6 @@
         </dgm:presLayoutVars>
       </dgm:prSet>
       <dgm:spPr/>
-      <dgm:t>
-        <a:bodyPr/>
-        <a:lstStyle/>
-        <a:p>
-          <a:endParaRPr lang="en-US"/>
-        </a:p>
-      </dgm:t>
     </dgm:pt>
     <dgm:pt modelId="{332EFCC3-436E-3F46-9A9C-C4AE7282B845}" type="pres">
       <dgm:prSet presAssocID="{70FC8740-11D2-844B-BA43-87066772D64C}" presName="root1" presStyleCnt="0"/>
@@ -4299,13 +4173,6 @@
         </dgm:presLayoutVars>
       </dgm:prSet>
       <dgm:spPr/>
-      <dgm:t>
-        <a:bodyPr/>
-        <a:lstStyle/>
-        <a:p>
-          <a:endParaRPr lang="en-US"/>
-        </a:p>
-      </dgm:t>
     </dgm:pt>
     <dgm:pt modelId="{6226D6F4-F814-784C-821E-BC8CA2E67D50}" type="pres">
       <dgm:prSet presAssocID="{70FC8740-11D2-844B-BA43-87066772D64C}" presName="level2hierChild" presStyleCnt="0"/>
@@ -4314,24 +4181,10 @@
     <dgm:pt modelId="{8EBD5E86-6C6E-2E44-9062-84724ECB3B68}" type="pres">
       <dgm:prSet presAssocID="{A18A7D2C-3BC2-D945-A3A4-ABD704228EA2}" presName="conn2-1" presStyleLbl="parChTrans1D2" presStyleIdx="0" presStyleCnt="2"/>
       <dgm:spPr/>
-      <dgm:t>
-        <a:bodyPr/>
-        <a:lstStyle/>
-        <a:p>
-          <a:endParaRPr lang="en-US"/>
-        </a:p>
-      </dgm:t>
     </dgm:pt>
     <dgm:pt modelId="{BF13BF8A-E832-B447-A285-8E80CBE7359C}" type="pres">
       <dgm:prSet presAssocID="{A18A7D2C-3BC2-D945-A3A4-ABD704228EA2}" presName="connTx" presStyleLbl="parChTrans1D2" presStyleIdx="0" presStyleCnt="2"/>
       <dgm:spPr/>
-      <dgm:t>
-        <a:bodyPr/>
-        <a:lstStyle/>
-        <a:p>
-          <a:endParaRPr lang="en-US"/>
-        </a:p>
-      </dgm:t>
     </dgm:pt>
     <dgm:pt modelId="{ADE5A85C-DE97-CB4D-8DAB-9CA58AF12572}" type="pres">
       <dgm:prSet presAssocID="{572C488A-09E3-CD47-B049-9EB0F98BF6F2}" presName="root2" presStyleCnt="0"/>
@@ -4344,13 +4197,6 @@
         </dgm:presLayoutVars>
       </dgm:prSet>
       <dgm:spPr/>
-      <dgm:t>
-        <a:bodyPr/>
-        <a:lstStyle/>
-        <a:p>
-          <a:endParaRPr lang="en-US"/>
-        </a:p>
-      </dgm:t>
     </dgm:pt>
     <dgm:pt modelId="{F84F7582-0392-1C41-BE73-8E5BC4C047E7}" type="pres">
       <dgm:prSet presAssocID="{572C488A-09E3-CD47-B049-9EB0F98BF6F2}" presName="level3hierChild" presStyleCnt="0"/>
@@ -4359,24 +4205,10 @@
     <dgm:pt modelId="{AFA554A9-D810-2F41-9D4D-2A92E68F5E9C}" type="pres">
       <dgm:prSet presAssocID="{C1693763-07AF-B84E-881E-776EC0EE8F4D}" presName="conn2-1" presStyleLbl="parChTrans1D3" presStyleIdx="0" presStyleCnt="3"/>
       <dgm:spPr/>
-      <dgm:t>
-        <a:bodyPr/>
-        <a:lstStyle/>
-        <a:p>
-          <a:endParaRPr lang="en-US"/>
-        </a:p>
-      </dgm:t>
     </dgm:pt>
     <dgm:pt modelId="{5E2D0C74-3A34-B545-B820-808299CE513D}" type="pres">
       <dgm:prSet presAssocID="{C1693763-07AF-B84E-881E-776EC0EE8F4D}" presName="connTx" presStyleLbl="parChTrans1D3" presStyleIdx="0" presStyleCnt="3"/>
       <dgm:spPr/>
-      <dgm:t>
-        <a:bodyPr/>
-        <a:lstStyle/>
-        <a:p>
-          <a:endParaRPr lang="en-US"/>
-        </a:p>
-      </dgm:t>
     </dgm:pt>
     <dgm:pt modelId="{9D24ADF7-1F34-514D-B125-8AD4511601A5}" type="pres">
       <dgm:prSet presAssocID="{26AA065B-5926-464D-ADB0-6327502EBC12}" presName="root2" presStyleCnt="0"/>
@@ -4389,13 +4221,6 @@
         </dgm:presLayoutVars>
       </dgm:prSet>
       <dgm:spPr/>
-      <dgm:t>
-        <a:bodyPr/>
-        <a:lstStyle/>
-        <a:p>
-          <a:endParaRPr lang="en-US"/>
-        </a:p>
-      </dgm:t>
     </dgm:pt>
     <dgm:pt modelId="{1A50F64C-70C5-354A-97A8-4EB7A3EF5D7D}" type="pres">
       <dgm:prSet presAssocID="{26AA065B-5926-464D-ADB0-6327502EBC12}" presName="level3hierChild" presStyleCnt="0"/>
@@ -4404,24 +4229,10 @@
     <dgm:pt modelId="{5807E2FA-72E6-D04A-89F7-6747DC4A4089}" type="pres">
       <dgm:prSet presAssocID="{8617981D-8A27-BB44-A72E-06F436C79E74}" presName="conn2-1" presStyleLbl="parChTrans1D2" presStyleIdx="1" presStyleCnt="2"/>
       <dgm:spPr/>
-      <dgm:t>
-        <a:bodyPr/>
-        <a:lstStyle/>
-        <a:p>
-          <a:endParaRPr lang="en-US"/>
-        </a:p>
-      </dgm:t>
     </dgm:pt>
     <dgm:pt modelId="{24C86F7B-A12F-934A-B828-07256D307302}" type="pres">
       <dgm:prSet presAssocID="{8617981D-8A27-BB44-A72E-06F436C79E74}" presName="connTx" presStyleLbl="parChTrans1D2" presStyleIdx="1" presStyleCnt="2"/>
       <dgm:spPr/>
-      <dgm:t>
-        <a:bodyPr/>
-        <a:lstStyle/>
-        <a:p>
-          <a:endParaRPr lang="en-US"/>
-        </a:p>
-      </dgm:t>
     </dgm:pt>
     <dgm:pt modelId="{56369564-E886-B243-B1B9-D49B5E1BB2D3}" type="pres">
       <dgm:prSet presAssocID="{51E58304-B645-414A-AF19-94B69A03C9EF}" presName="root2" presStyleCnt="0"/>
@@ -4434,13 +4245,6 @@
         </dgm:presLayoutVars>
       </dgm:prSet>
       <dgm:spPr/>
-      <dgm:t>
-        <a:bodyPr/>
-        <a:lstStyle/>
-        <a:p>
-          <a:endParaRPr lang="en-US"/>
-        </a:p>
-      </dgm:t>
     </dgm:pt>
     <dgm:pt modelId="{3D25DC9F-193E-D740-8387-3A77D47BB2A3}" type="pres">
       <dgm:prSet presAssocID="{51E58304-B645-414A-AF19-94B69A03C9EF}" presName="level3hierChild" presStyleCnt="0"/>
@@ -4449,24 +4253,10 @@
     <dgm:pt modelId="{8A04B785-64F9-C541-A8DE-5DD493B9CAAC}" type="pres">
       <dgm:prSet presAssocID="{9F6BA115-75B2-C743-813C-EDC71990D30B}" presName="conn2-1" presStyleLbl="parChTrans1D3" presStyleIdx="1" presStyleCnt="3"/>
       <dgm:spPr/>
-      <dgm:t>
-        <a:bodyPr/>
-        <a:lstStyle/>
-        <a:p>
-          <a:endParaRPr lang="en-US"/>
-        </a:p>
-      </dgm:t>
     </dgm:pt>
     <dgm:pt modelId="{4E24C0A5-7312-3A44-A3DF-A285D6B98DA5}" type="pres">
       <dgm:prSet presAssocID="{9F6BA115-75B2-C743-813C-EDC71990D30B}" presName="connTx" presStyleLbl="parChTrans1D3" presStyleIdx="1" presStyleCnt="3"/>
       <dgm:spPr/>
-      <dgm:t>
-        <a:bodyPr/>
-        <a:lstStyle/>
-        <a:p>
-          <a:endParaRPr lang="en-US"/>
-        </a:p>
-      </dgm:t>
     </dgm:pt>
     <dgm:pt modelId="{CA208149-F1CA-8A47-95E3-5DC6DB70B764}" type="pres">
       <dgm:prSet presAssocID="{DAF658DA-A116-5C43-B62C-B6A81AAF4ADC}" presName="root2" presStyleCnt="0"/>
@@ -4479,13 +4269,6 @@
         </dgm:presLayoutVars>
       </dgm:prSet>
       <dgm:spPr/>
-      <dgm:t>
-        <a:bodyPr/>
-        <a:lstStyle/>
-        <a:p>
-          <a:endParaRPr lang="en-US"/>
-        </a:p>
-      </dgm:t>
     </dgm:pt>
     <dgm:pt modelId="{0980D22E-4206-4943-BEDE-2A95E865048D}" type="pres">
       <dgm:prSet presAssocID="{DAF658DA-A116-5C43-B62C-B6A81AAF4ADC}" presName="level3hierChild" presStyleCnt="0"/>
@@ -4494,24 +4277,10 @@
     <dgm:pt modelId="{7740C5EB-F123-F545-ACEB-2630E37188E3}" type="pres">
       <dgm:prSet presAssocID="{2A657872-6060-2343-8129-68135F3F009C}" presName="conn2-1" presStyleLbl="parChTrans1D3" presStyleIdx="2" presStyleCnt="3"/>
       <dgm:spPr/>
-      <dgm:t>
-        <a:bodyPr/>
-        <a:lstStyle/>
-        <a:p>
-          <a:endParaRPr lang="en-US"/>
-        </a:p>
-      </dgm:t>
     </dgm:pt>
     <dgm:pt modelId="{E5419A3D-4F2A-D542-9919-685B736B5912}" type="pres">
       <dgm:prSet presAssocID="{2A657872-6060-2343-8129-68135F3F009C}" presName="connTx" presStyleLbl="parChTrans1D3" presStyleIdx="2" presStyleCnt="3"/>
       <dgm:spPr/>
-      <dgm:t>
-        <a:bodyPr/>
-        <a:lstStyle/>
-        <a:p>
-          <a:endParaRPr lang="en-US"/>
-        </a:p>
-      </dgm:t>
     </dgm:pt>
     <dgm:pt modelId="{F3E8A015-BD13-1440-8255-4F55A646106C}" type="pres">
       <dgm:prSet presAssocID="{18281699-93CE-1A4C-AA25-CF423808318B}" presName="root2" presStyleCnt="0"/>
@@ -4524,13 +4293,6 @@
         </dgm:presLayoutVars>
       </dgm:prSet>
       <dgm:spPr/>
-      <dgm:t>
-        <a:bodyPr/>
-        <a:lstStyle/>
-        <a:p>
-          <a:endParaRPr lang="en-US"/>
-        </a:p>
-      </dgm:t>
     </dgm:pt>
     <dgm:pt modelId="{B51BE200-4AA6-1B42-82E7-7EACD38B97CD}" type="pres">
       <dgm:prSet presAssocID="{18281699-93CE-1A4C-AA25-CF423808318B}" presName="level3hierChild" presStyleCnt="0"/>
@@ -4538,29 +4300,29 @@
     </dgm:pt>
   </dgm:ptLst>
   <dgm:cxnLst>
-    <dgm:cxn modelId="{4CE43C8C-35DB-074E-8165-D92D99093B59}" srcId="{572C488A-09E3-CD47-B049-9EB0F98BF6F2}" destId="{26AA065B-5926-464D-ADB0-6327502EBC12}" srcOrd="0" destOrd="0" parTransId="{C1693763-07AF-B84E-881E-776EC0EE8F4D}" sibTransId="{F46803F4-13C9-6949-9FE1-D02C0C009EB8}"/>
-    <dgm:cxn modelId="{36B2C669-A315-5D47-BAC3-AD6CFC1823F4}" type="presOf" srcId="{18281699-93CE-1A4C-AA25-CF423808318B}" destId="{DEDD03C0-5187-4A4C-8CFB-2E1FF868328B}" srcOrd="0" destOrd="0" presId="urn:microsoft.com/office/officeart/2005/8/layout/hierarchy2"/>
-    <dgm:cxn modelId="{7611D30F-E9E9-0749-AF8C-6D5ADE512AFF}" type="presOf" srcId="{DAF658DA-A116-5C43-B62C-B6A81AAF4ADC}" destId="{DB7C7C14-A361-0F42-8302-8EA7F63F92A6}" srcOrd="0" destOrd="0" presId="urn:microsoft.com/office/officeart/2005/8/layout/hierarchy2"/>
-    <dgm:cxn modelId="{7D8299CC-A634-504D-A5B8-3D1D4C0B8DE3}" type="presOf" srcId="{C1693763-07AF-B84E-881E-776EC0EE8F4D}" destId="{AFA554A9-D810-2F41-9D4D-2A92E68F5E9C}" srcOrd="0" destOrd="0" presId="urn:microsoft.com/office/officeart/2005/8/layout/hierarchy2"/>
-    <dgm:cxn modelId="{4A72F689-2DD2-E940-B889-6DBC83D9688B}" type="presOf" srcId="{2A657872-6060-2343-8129-68135F3F009C}" destId="{E5419A3D-4F2A-D542-9919-685B736B5912}" srcOrd="1" destOrd="0" presId="urn:microsoft.com/office/officeart/2005/8/layout/hierarchy2"/>
-    <dgm:cxn modelId="{94C962F4-E1CB-C44B-AAF7-5142B4D976E9}" srcId="{70FC8740-11D2-844B-BA43-87066772D64C}" destId="{572C488A-09E3-CD47-B049-9EB0F98BF6F2}" srcOrd="0" destOrd="0" parTransId="{A18A7D2C-3BC2-D945-A3A4-ABD704228EA2}" sibTransId="{463F745D-E7DB-2445-B901-4B69D9280CA8}"/>
     <dgm:cxn modelId="{3EEC1309-B10B-4A45-A867-09E3FEB45C9B}" type="presOf" srcId="{572C488A-09E3-CD47-B049-9EB0F98BF6F2}" destId="{04F01A13-FFFA-834E-A3D7-58B62DB7DE75}" srcOrd="0" destOrd="0" presId="urn:microsoft.com/office/officeart/2005/8/layout/hierarchy2"/>
     <dgm:cxn modelId="{2CF5DD09-88B3-034C-B447-D4744AA3E296}" srcId="{70FC8740-11D2-844B-BA43-87066772D64C}" destId="{51E58304-B645-414A-AF19-94B69A03C9EF}" srcOrd="1" destOrd="0" parTransId="{8617981D-8A27-BB44-A72E-06F436C79E74}" sibTransId="{DFBBE3C2-C344-414D-AC00-17EDFAB5CBE2}"/>
+    <dgm:cxn modelId="{78E6A80C-4AE9-C847-812A-0D86764EF1AB}" type="presOf" srcId="{9F6BA115-75B2-C743-813C-EDC71990D30B}" destId="{4E24C0A5-7312-3A44-A3DF-A285D6B98DA5}" srcOrd="1" destOrd="0" presId="urn:microsoft.com/office/officeart/2005/8/layout/hierarchy2"/>
+    <dgm:cxn modelId="{7611D30F-E9E9-0749-AF8C-6D5ADE512AFF}" type="presOf" srcId="{DAF658DA-A116-5C43-B62C-B6A81AAF4ADC}" destId="{DB7C7C14-A361-0F42-8302-8EA7F63F92A6}" srcOrd="0" destOrd="0" presId="urn:microsoft.com/office/officeart/2005/8/layout/hierarchy2"/>
+    <dgm:cxn modelId="{C61B6C17-5F8B-5342-BD24-79D49D655F49}" type="presOf" srcId="{70FC8740-11D2-844B-BA43-87066772D64C}" destId="{747B6E19-340D-3F46-9FF4-144F4AC1C86F}" srcOrd="0" destOrd="0" presId="urn:microsoft.com/office/officeart/2005/8/layout/hierarchy2"/>
+    <dgm:cxn modelId="{2F7F9522-3BD6-7348-85E2-71A60FEAAED3}" srcId="{51E58304-B645-414A-AF19-94B69A03C9EF}" destId="{18281699-93CE-1A4C-AA25-CF423808318B}" srcOrd="1" destOrd="0" parTransId="{2A657872-6060-2343-8129-68135F3F009C}" sibTransId="{15951AE8-F397-7B48-A7DD-724DF40C3996}"/>
+    <dgm:cxn modelId="{9E62D865-1785-024B-81D3-605E9D1DA98F}" srcId="{8550B817-B177-2A42-A6B4-2C8E11B35BEF}" destId="{70FC8740-11D2-844B-BA43-87066772D64C}" srcOrd="0" destOrd="0" parTransId="{6D25A922-6F6D-EF4B-93F8-ECDF4774B051}" sibTransId="{06427853-458A-F24D-9A55-A09F688DDC32}"/>
+    <dgm:cxn modelId="{9ACF5647-0A0C-124B-89BE-6B0076173EC0}" type="presOf" srcId="{8617981D-8A27-BB44-A72E-06F436C79E74}" destId="{5807E2FA-72E6-D04A-89F7-6747DC4A4089}" srcOrd="0" destOrd="0" presId="urn:microsoft.com/office/officeart/2005/8/layout/hierarchy2"/>
+    <dgm:cxn modelId="{36B2C669-A315-5D47-BAC3-AD6CFC1823F4}" type="presOf" srcId="{18281699-93CE-1A4C-AA25-CF423808318B}" destId="{DEDD03C0-5187-4A4C-8CFB-2E1FF868328B}" srcOrd="0" destOrd="0" presId="urn:microsoft.com/office/officeart/2005/8/layout/hierarchy2"/>
+    <dgm:cxn modelId="{D976F249-6C0C-1F40-9BF8-35723B2C109A}" type="presOf" srcId="{A18A7D2C-3BC2-D945-A3A4-ABD704228EA2}" destId="{BF13BF8A-E832-B447-A285-8E80CBE7359C}" srcOrd="1" destOrd="0" presId="urn:microsoft.com/office/officeart/2005/8/layout/hierarchy2"/>
+    <dgm:cxn modelId="{502DD684-0F55-0946-A2C6-A51B9706B451}" type="presOf" srcId="{51E58304-B645-414A-AF19-94B69A03C9EF}" destId="{09D07DAE-EDD8-7C4B-B0BA-6AC66CBC7CC7}" srcOrd="0" destOrd="0" presId="urn:microsoft.com/office/officeart/2005/8/layout/hierarchy2"/>
+    <dgm:cxn modelId="{4A72F689-2DD2-E940-B889-6DBC83D9688B}" type="presOf" srcId="{2A657872-6060-2343-8129-68135F3F009C}" destId="{E5419A3D-4F2A-D542-9919-685B736B5912}" srcOrd="1" destOrd="0" presId="urn:microsoft.com/office/officeart/2005/8/layout/hierarchy2"/>
+    <dgm:cxn modelId="{4CE43C8C-35DB-074E-8165-D92D99093B59}" srcId="{572C488A-09E3-CD47-B049-9EB0F98BF6F2}" destId="{26AA065B-5926-464D-ADB0-6327502EBC12}" srcOrd="0" destOrd="0" parTransId="{C1693763-07AF-B84E-881E-776EC0EE8F4D}" sibTransId="{F46803F4-13C9-6949-9FE1-D02C0C009EB8}"/>
+    <dgm:cxn modelId="{88EE289D-30CB-1641-B3CF-C06BC11AC92A}" type="presOf" srcId="{2A657872-6060-2343-8129-68135F3F009C}" destId="{7740C5EB-F123-F545-ACEB-2630E37188E3}" srcOrd="0" destOrd="0" presId="urn:microsoft.com/office/officeart/2005/8/layout/hierarchy2"/>
+    <dgm:cxn modelId="{0A17049F-1410-6F47-BA6B-9647048D1333}" type="presOf" srcId="{8550B817-B177-2A42-A6B4-2C8E11B35BEF}" destId="{20CA1681-D4BD-B84E-A8CF-D5845660F934}" srcOrd="0" destOrd="0" presId="urn:microsoft.com/office/officeart/2005/8/layout/hierarchy2"/>
+    <dgm:cxn modelId="{79A03BA2-AFDF-0843-9956-C040FC473E6D}" type="presOf" srcId="{9F6BA115-75B2-C743-813C-EDC71990D30B}" destId="{8A04B785-64F9-C541-A8DE-5DD493B9CAAC}" srcOrd="0" destOrd="0" presId="urn:microsoft.com/office/officeart/2005/8/layout/hierarchy2"/>
+    <dgm:cxn modelId="{739D5AC1-F4D7-2049-BEFE-F9872209D543}" type="presOf" srcId="{8617981D-8A27-BB44-A72E-06F436C79E74}" destId="{24C86F7B-A12F-934A-B828-07256D307302}" srcOrd="1" destOrd="0" presId="urn:microsoft.com/office/officeart/2005/8/layout/hierarchy2"/>
+    <dgm:cxn modelId="{5C7825C2-DDA7-D04A-983C-423FA243173A}" type="presOf" srcId="{26AA065B-5926-464D-ADB0-6327502EBC12}" destId="{348A34DD-1973-AD4B-A903-21393C1F8386}" srcOrd="0" destOrd="0" presId="urn:microsoft.com/office/officeart/2005/8/layout/hierarchy2"/>
+    <dgm:cxn modelId="{81AB93C9-6A14-E14B-9250-299E1B2C89C0}" type="presOf" srcId="{C1693763-07AF-B84E-881E-776EC0EE8F4D}" destId="{5E2D0C74-3A34-B545-B820-808299CE513D}" srcOrd="1" destOrd="0" presId="urn:microsoft.com/office/officeart/2005/8/layout/hierarchy2"/>
+    <dgm:cxn modelId="{7D8299CC-A634-504D-A5B8-3D1D4C0B8DE3}" type="presOf" srcId="{C1693763-07AF-B84E-881E-776EC0EE8F4D}" destId="{AFA554A9-D810-2F41-9D4D-2A92E68F5E9C}" srcOrd="0" destOrd="0" presId="urn:microsoft.com/office/officeart/2005/8/layout/hierarchy2"/>
+    <dgm:cxn modelId="{8AB881DD-24A7-F542-8E8F-36083749B74E}" type="presOf" srcId="{A18A7D2C-3BC2-D945-A3A4-ABD704228EA2}" destId="{8EBD5E86-6C6E-2E44-9062-84724ECB3B68}" srcOrd="0" destOrd="0" presId="urn:microsoft.com/office/officeart/2005/8/layout/hierarchy2"/>
     <dgm:cxn modelId="{D8C2E3E1-A95E-6B45-86AA-F4B9ACBF151C}" srcId="{51E58304-B645-414A-AF19-94B69A03C9EF}" destId="{DAF658DA-A116-5C43-B62C-B6A81AAF4ADC}" srcOrd="0" destOrd="0" parTransId="{9F6BA115-75B2-C743-813C-EDC71990D30B}" sibTransId="{1DE6AD3A-F505-6241-BB2C-90149AB840E2}"/>
-    <dgm:cxn modelId="{5C7825C2-DDA7-D04A-983C-423FA243173A}" type="presOf" srcId="{26AA065B-5926-464D-ADB0-6327502EBC12}" destId="{348A34DD-1973-AD4B-A903-21393C1F8386}" srcOrd="0" destOrd="0" presId="urn:microsoft.com/office/officeart/2005/8/layout/hierarchy2"/>
-    <dgm:cxn modelId="{9E62D865-1785-024B-81D3-605E9D1DA98F}" srcId="{8550B817-B177-2A42-A6B4-2C8E11B35BEF}" destId="{70FC8740-11D2-844B-BA43-87066772D64C}" srcOrd="0" destOrd="0" parTransId="{6D25A922-6F6D-EF4B-93F8-ECDF4774B051}" sibTransId="{06427853-458A-F24D-9A55-A09F688DDC32}"/>
-    <dgm:cxn modelId="{81AB93C9-6A14-E14B-9250-299E1B2C89C0}" type="presOf" srcId="{C1693763-07AF-B84E-881E-776EC0EE8F4D}" destId="{5E2D0C74-3A34-B545-B820-808299CE513D}" srcOrd="1" destOrd="0" presId="urn:microsoft.com/office/officeart/2005/8/layout/hierarchy2"/>
-    <dgm:cxn modelId="{2F7F9522-3BD6-7348-85E2-71A60FEAAED3}" srcId="{51E58304-B645-414A-AF19-94B69A03C9EF}" destId="{18281699-93CE-1A4C-AA25-CF423808318B}" srcOrd="1" destOrd="0" parTransId="{2A657872-6060-2343-8129-68135F3F009C}" sibTransId="{15951AE8-F397-7B48-A7DD-724DF40C3996}"/>
-    <dgm:cxn modelId="{88EE289D-30CB-1641-B3CF-C06BC11AC92A}" type="presOf" srcId="{2A657872-6060-2343-8129-68135F3F009C}" destId="{7740C5EB-F123-F545-ACEB-2630E37188E3}" srcOrd="0" destOrd="0" presId="urn:microsoft.com/office/officeart/2005/8/layout/hierarchy2"/>
-    <dgm:cxn modelId="{C61B6C17-5F8B-5342-BD24-79D49D655F49}" type="presOf" srcId="{70FC8740-11D2-844B-BA43-87066772D64C}" destId="{747B6E19-340D-3F46-9FF4-144F4AC1C86F}" srcOrd="0" destOrd="0" presId="urn:microsoft.com/office/officeart/2005/8/layout/hierarchy2"/>
-    <dgm:cxn modelId="{79A03BA2-AFDF-0843-9956-C040FC473E6D}" type="presOf" srcId="{9F6BA115-75B2-C743-813C-EDC71990D30B}" destId="{8A04B785-64F9-C541-A8DE-5DD493B9CAAC}" srcOrd="0" destOrd="0" presId="urn:microsoft.com/office/officeart/2005/8/layout/hierarchy2"/>
-    <dgm:cxn modelId="{9ACF5647-0A0C-124B-89BE-6B0076173EC0}" type="presOf" srcId="{8617981D-8A27-BB44-A72E-06F436C79E74}" destId="{5807E2FA-72E6-D04A-89F7-6747DC4A4089}" srcOrd="0" destOrd="0" presId="urn:microsoft.com/office/officeart/2005/8/layout/hierarchy2"/>
-    <dgm:cxn modelId="{78E6A80C-4AE9-C847-812A-0D86764EF1AB}" type="presOf" srcId="{9F6BA115-75B2-C743-813C-EDC71990D30B}" destId="{4E24C0A5-7312-3A44-A3DF-A285D6B98DA5}" srcOrd="1" destOrd="0" presId="urn:microsoft.com/office/officeart/2005/8/layout/hierarchy2"/>
-    <dgm:cxn modelId="{502DD684-0F55-0946-A2C6-A51B9706B451}" type="presOf" srcId="{51E58304-B645-414A-AF19-94B69A03C9EF}" destId="{09D07DAE-EDD8-7C4B-B0BA-6AC66CBC7CC7}" srcOrd="0" destOrd="0" presId="urn:microsoft.com/office/officeart/2005/8/layout/hierarchy2"/>
-    <dgm:cxn modelId="{8AB881DD-24A7-F542-8E8F-36083749B74E}" type="presOf" srcId="{A18A7D2C-3BC2-D945-A3A4-ABD704228EA2}" destId="{8EBD5E86-6C6E-2E44-9062-84724ECB3B68}" srcOrd="0" destOrd="0" presId="urn:microsoft.com/office/officeart/2005/8/layout/hierarchy2"/>
-    <dgm:cxn modelId="{739D5AC1-F4D7-2049-BEFE-F9872209D543}" type="presOf" srcId="{8617981D-8A27-BB44-A72E-06F436C79E74}" destId="{24C86F7B-A12F-934A-B828-07256D307302}" srcOrd="1" destOrd="0" presId="urn:microsoft.com/office/officeart/2005/8/layout/hierarchy2"/>
-    <dgm:cxn modelId="{0A17049F-1410-6F47-BA6B-9647048D1333}" type="presOf" srcId="{8550B817-B177-2A42-A6B4-2C8E11B35BEF}" destId="{20CA1681-D4BD-B84E-A8CF-D5845660F934}" srcOrd="0" destOrd="0" presId="urn:microsoft.com/office/officeart/2005/8/layout/hierarchy2"/>
-    <dgm:cxn modelId="{D976F249-6C0C-1F40-9BF8-35723B2C109A}" type="presOf" srcId="{A18A7D2C-3BC2-D945-A3A4-ABD704228EA2}" destId="{BF13BF8A-E832-B447-A285-8E80CBE7359C}" srcOrd="1" destOrd="0" presId="urn:microsoft.com/office/officeart/2005/8/layout/hierarchy2"/>
+    <dgm:cxn modelId="{94C962F4-E1CB-C44B-AAF7-5142B4D976E9}" srcId="{70FC8740-11D2-844B-BA43-87066772D64C}" destId="{572C488A-09E3-CD47-B049-9EB0F98BF6F2}" srcOrd="0" destOrd="0" parTransId="{A18A7D2C-3BC2-D945-A3A4-ABD704228EA2}" sibTransId="{463F745D-E7DB-2445-B901-4B69D9280CA8}"/>
     <dgm:cxn modelId="{6C1502E9-E8BB-F44B-A737-6D2A0D0961E7}" type="presParOf" srcId="{20CA1681-D4BD-B84E-A8CF-D5845660F934}" destId="{332EFCC3-436E-3F46-9A9C-C4AE7282B845}" srcOrd="0" destOrd="0" presId="urn:microsoft.com/office/officeart/2005/8/layout/hierarchy2"/>
     <dgm:cxn modelId="{49570E9A-BD28-E043-ABA6-BC11BBDB0F0B}" type="presParOf" srcId="{332EFCC3-436E-3F46-9A9C-C4AE7282B845}" destId="{747B6E19-340D-3F46-9FF4-144F4AC1C86F}" srcOrd="0" destOrd="0" presId="urn:microsoft.com/office/officeart/2005/8/layout/hierarchy2"/>
     <dgm:cxn modelId="{C17EBE09-F064-CB45-8EA1-BA626CEB1954}" type="presParOf" srcId="{332EFCC3-436E-3F46-9A9C-C4AE7282B845}" destId="{6226D6F4-F814-784C-821E-BC8CA2E67D50}" srcOrd="1" destOrd="0" presId="urn:microsoft.com/office/officeart/2005/8/layout/hierarchy2"/>
@@ -4622,7 +4384,7 @@
         <a:lstStyle/>
         <a:p>
           <a:r>
-            <a:rPr lang="en-US" altLang="zh-CN" dirty="0" smtClean="0"/>
+            <a:rPr lang="en-US" altLang="zh-CN" dirty="0"/>
             <a:t>Approaches</a:t>
           </a:r>
           <a:endParaRPr lang="en-US" dirty="0"/>
@@ -4663,7 +4425,7 @@
         <a:lstStyle/>
         <a:p>
           <a:r>
-            <a:rPr lang="en-US" altLang="zh-CN" dirty="0" smtClean="0"/>
+            <a:rPr lang="en-US" altLang="zh-CN" dirty="0"/>
             <a:t>Traditional</a:t>
           </a:r>
           <a:endParaRPr lang="en-US" dirty="0"/>
@@ -4704,15 +4466,15 @@
         <a:lstStyle/>
         <a:p>
           <a:r>
-            <a:rPr lang="en-US" altLang="zh-CN" dirty="0" smtClean="0"/>
+            <a:rPr lang="en-US" altLang="zh-CN" dirty="0"/>
             <a:t>Genetic</a:t>
           </a:r>
           <a:r>
-            <a:rPr lang="zh-CN" altLang="en-US" dirty="0" smtClean="0"/>
+            <a:rPr lang="zh-CN" altLang="en-US" dirty="0"/>
             <a:t> </a:t>
           </a:r>
           <a:r>
-            <a:rPr lang="en-US" altLang="zh-CN" dirty="0" smtClean="0"/>
+            <a:rPr lang="en-US" altLang="zh-CN" dirty="0"/>
             <a:t>Algorithm</a:t>
           </a:r>
           <a:endParaRPr lang="en-US" dirty="0"/>
@@ -4749,15 +4511,15 @@
         <a:lstStyle/>
         <a:p>
           <a:r>
-            <a:rPr lang="en-US" altLang="zh-CN" dirty="0" smtClean="0"/>
+            <a:rPr lang="en-US" altLang="zh-CN" dirty="0"/>
             <a:t>Machine</a:t>
           </a:r>
           <a:r>
-            <a:rPr lang="zh-CN" altLang="en-US" dirty="0" smtClean="0"/>
+            <a:rPr lang="zh-CN" altLang="en-US" dirty="0"/>
             <a:t> </a:t>
           </a:r>
           <a:r>
-            <a:rPr lang="en-US" altLang="zh-CN" dirty="0" smtClean="0"/>
+            <a:rPr lang="en-US" altLang="zh-CN" dirty="0"/>
             <a:t>Learning</a:t>
           </a:r>
           <a:endParaRPr lang="en-US" dirty="0"/>
@@ -4794,23 +4556,23 @@
         <a:lstStyle/>
         <a:p>
           <a:r>
-            <a:rPr lang="en-US" altLang="zh-CN" dirty="0" smtClean="0"/>
+            <a:rPr lang="en-US" altLang="zh-CN" dirty="0"/>
             <a:t>Recurrent</a:t>
           </a:r>
           <a:r>
-            <a:rPr lang="zh-CN" altLang="en-US" dirty="0" smtClean="0"/>
+            <a:rPr lang="zh-CN" altLang="en-US" dirty="0"/>
             <a:t> </a:t>
           </a:r>
           <a:r>
-            <a:rPr lang="en-US" altLang="zh-CN" dirty="0" smtClean="0"/>
+            <a:rPr lang="en-US" altLang="zh-CN" dirty="0"/>
             <a:t>Neural</a:t>
           </a:r>
           <a:r>
-            <a:rPr lang="zh-CN" altLang="en-US" dirty="0" smtClean="0"/>
+            <a:rPr lang="zh-CN" altLang="en-US" dirty="0"/>
             <a:t> </a:t>
           </a:r>
           <a:r>
-            <a:rPr lang="en-US" altLang="zh-CN" dirty="0" smtClean="0"/>
+            <a:rPr lang="en-US" altLang="zh-CN" dirty="0"/>
             <a:t>Network</a:t>
           </a:r>
           <a:endParaRPr lang="en-US" dirty="0"/>
@@ -4851,7 +4613,7 @@
         <a:lstStyle/>
         <a:p>
           <a:r>
-            <a:rPr lang="en-US" altLang="zh-CN" dirty="0" smtClean="0"/>
+            <a:rPr lang="en-US" altLang="zh-CN" dirty="0"/>
             <a:t>Generative Adversarial Networks</a:t>
           </a:r>
           <a:endParaRPr lang="en-US" dirty="0"/>
@@ -4891,13 +4653,6 @@
         </dgm:presLayoutVars>
       </dgm:prSet>
       <dgm:spPr/>
-      <dgm:t>
-        <a:bodyPr/>
-        <a:lstStyle/>
-        <a:p>
-          <a:endParaRPr lang="en-US"/>
-        </a:p>
-      </dgm:t>
     </dgm:pt>
     <dgm:pt modelId="{332EFCC3-436E-3F46-9A9C-C4AE7282B845}" type="pres">
       <dgm:prSet presAssocID="{70FC8740-11D2-844B-BA43-87066772D64C}" presName="root1" presStyleCnt="0"/>
@@ -4910,13 +4665,6 @@
         </dgm:presLayoutVars>
       </dgm:prSet>
       <dgm:spPr/>
-      <dgm:t>
-        <a:bodyPr/>
-        <a:lstStyle/>
-        <a:p>
-          <a:endParaRPr lang="en-US"/>
-        </a:p>
-      </dgm:t>
     </dgm:pt>
     <dgm:pt modelId="{6226D6F4-F814-784C-821E-BC8CA2E67D50}" type="pres">
       <dgm:prSet presAssocID="{70FC8740-11D2-844B-BA43-87066772D64C}" presName="level2hierChild" presStyleCnt="0"/>
@@ -4925,24 +4673,10 @@
     <dgm:pt modelId="{8EBD5E86-6C6E-2E44-9062-84724ECB3B68}" type="pres">
       <dgm:prSet presAssocID="{A18A7D2C-3BC2-D945-A3A4-ABD704228EA2}" presName="conn2-1" presStyleLbl="parChTrans1D2" presStyleIdx="0" presStyleCnt="2"/>
       <dgm:spPr/>
-      <dgm:t>
-        <a:bodyPr/>
-        <a:lstStyle/>
-        <a:p>
-          <a:endParaRPr lang="en-US"/>
-        </a:p>
-      </dgm:t>
     </dgm:pt>
     <dgm:pt modelId="{BF13BF8A-E832-B447-A285-8E80CBE7359C}" type="pres">
       <dgm:prSet presAssocID="{A18A7D2C-3BC2-D945-A3A4-ABD704228EA2}" presName="connTx" presStyleLbl="parChTrans1D2" presStyleIdx="0" presStyleCnt="2"/>
       <dgm:spPr/>
-      <dgm:t>
-        <a:bodyPr/>
-        <a:lstStyle/>
-        <a:p>
-          <a:endParaRPr lang="en-US"/>
-        </a:p>
-      </dgm:t>
     </dgm:pt>
     <dgm:pt modelId="{ADE5A85C-DE97-CB4D-8DAB-9CA58AF12572}" type="pres">
       <dgm:prSet presAssocID="{572C488A-09E3-CD47-B049-9EB0F98BF6F2}" presName="root2" presStyleCnt="0"/>
@@ -4955,13 +4689,6 @@
         </dgm:presLayoutVars>
       </dgm:prSet>
       <dgm:spPr/>
-      <dgm:t>
-        <a:bodyPr/>
-        <a:lstStyle/>
-        <a:p>
-          <a:endParaRPr lang="en-US"/>
-        </a:p>
-      </dgm:t>
     </dgm:pt>
     <dgm:pt modelId="{F84F7582-0392-1C41-BE73-8E5BC4C047E7}" type="pres">
       <dgm:prSet presAssocID="{572C488A-09E3-CD47-B049-9EB0F98BF6F2}" presName="level3hierChild" presStyleCnt="0"/>
@@ -4970,24 +4697,10 @@
     <dgm:pt modelId="{AFA554A9-D810-2F41-9D4D-2A92E68F5E9C}" type="pres">
       <dgm:prSet presAssocID="{C1693763-07AF-B84E-881E-776EC0EE8F4D}" presName="conn2-1" presStyleLbl="parChTrans1D3" presStyleIdx="0" presStyleCnt="3"/>
       <dgm:spPr/>
-      <dgm:t>
-        <a:bodyPr/>
-        <a:lstStyle/>
-        <a:p>
-          <a:endParaRPr lang="en-US"/>
-        </a:p>
-      </dgm:t>
     </dgm:pt>
     <dgm:pt modelId="{5E2D0C74-3A34-B545-B820-808299CE513D}" type="pres">
       <dgm:prSet presAssocID="{C1693763-07AF-B84E-881E-776EC0EE8F4D}" presName="connTx" presStyleLbl="parChTrans1D3" presStyleIdx="0" presStyleCnt="3"/>
       <dgm:spPr/>
-      <dgm:t>
-        <a:bodyPr/>
-        <a:lstStyle/>
-        <a:p>
-          <a:endParaRPr lang="en-US"/>
-        </a:p>
-      </dgm:t>
     </dgm:pt>
     <dgm:pt modelId="{9D24ADF7-1F34-514D-B125-8AD4511601A5}" type="pres">
       <dgm:prSet presAssocID="{26AA065B-5926-464D-ADB0-6327502EBC12}" presName="root2" presStyleCnt="0"/>
@@ -5000,13 +4713,6 @@
         </dgm:presLayoutVars>
       </dgm:prSet>
       <dgm:spPr/>
-      <dgm:t>
-        <a:bodyPr/>
-        <a:lstStyle/>
-        <a:p>
-          <a:endParaRPr lang="en-US"/>
-        </a:p>
-      </dgm:t>
     </dgm:pt>
     <dgm:pt modelId="{1A50F64C-70C5-354A-97A8-4EB7A3EF5D7D}" type="pres">
       <dgm:prSet presAssocID="{26AA065B-5926-464D-ADB0-6327502EBC12}" presName="level3hierChild" presStyleCnt="0"/>
@@ -5015,24 +4721,10 @@
     <dgm:pt modelId="{5807E2FA-72E6-D04A-89F7-6747DC4A4089}" type="pres">
       <dgm:prSet presAssocID="{8617981D-8A27-BB44-A72E-06F436C79E74}" presName="conn2-1" presStyleLbl="parChTrans1D2" presStyleIdx="1" presStyleCnt="2"/>
       <dgm:spPr/>
-      <dgm:t>
-        <a:bodyPr/>
-        <a:lstStyle/>
-        <a:p>
-          <a:endParaRPr lang="en-US"/>
-        </a:p>
-      </dgm:t>
     </dgm:pt>
     <dgm:pt modelId="{24C86F7B-A12F-934A-B828-07256D307302}" type="pres">
       <dgm:prSet presAssocID="{8617981D-8A27-BB44-A72E-06F436C79E74}" presName="connTx" presStyleLbl="parChTrans1D2" presStyleIdx="1" presStyleCnt="2"/>
       <dgm:spPr/>
-      <dgm:t>
-        <a:bodyPr/>
-        <a:lstStyle/>
-        <a:p>
-          <a:endParaRPr lang="en-US"/>
-        </a:p>
-      </dgm:t>
     </dgm:pt>
     <dgm:pt modelId="{56369564-E886-B243-B1B9-D49B5E1BB2D3}" type="pres">
       <dgm:prSet presAssocID="{51E58304-B645-414A-AF19-94B69A03C9EF}" presName="root2" presStyleCnt="0"/>
@@ -5045,13 +4737,6 @@
         </dgm:presLayoutVars>
       </dgm:prSet>
       <dgm:spPr/>
-      <dgm:t>
-        <a:bodyPr/>
-        <a:lstStyle/>
-        <a:p>
-          <a:endParaRPr lang="en-US"/>
-        </a:p>
-      </dgm:t>
     </dgm:pt>
     <dgm:pt modelId="{3D25DC9F-193E-D740-8387-3A77D47BB2A3}" type="pres">
       <dgm:prSet presAssocID="{51E58304-B645-414A-AF19-94B69A03C9EF}" presName="level3hierChild" presStyleCnt="0"/>
@@ -5060,24 +4745,10 @@
     <dgm:pt modelId="{8A04B785-64F9-C541-A8DE-5DD493B9CAAC}" type="pres">
       <dgm:prSet presAssocID="{9F6BA115-75B2-C743-813C-EDC71990D30B}" presName="conn2-1" presStyleLbl="parChTrans1D3" presStyleIdx="1" presStyleCnt="3"/>
       <dgm:spPr/>
-      <dgm:t>
-        <a:bodyPr/>
-        <a:lstStyle/>
-        <a:p>
-          <a:endParaRPr lang="en-US"/>
-        </a:p>
-      </dgm:t>
     </dgm:pt>
     <dgm:pt modelId="{4E24C0A5-7312-3A44-A3DF-A285D6B98DA5}" type="pres">
       <dgm:prSet presAssocID="{9F6BA115-75B2-C743-813C-EDC71990D30B}" presName="connTx" presStyleLbl="parChTrans1D3" presStyleIdx="1" presStyleCnt="3"/>
       <dgm:spPr/>
-      <dgm:t>
-        <a:bodyPr/>
-        <a:lstStyle/>
-        <a:p>
-          <a:endParaRPr lang="en-US"/>
-        </a:p>
-      </dgm:t>
     </dgm:pt>
     <dgm:pt modelId="{CA208149-F1CA-8A47-95E3-5DC6DB70B764}" type="pres">
       <dgm:prSet presAssocID="{DAF658DA-A116-5C43-B62C-B6A81AAF4ADC}" presName="root2" presStyleCnt="0"/>
@@ -5090,13 +4761,6 @@
         </dgm:presLayoutVars>
       </dgm:prSet>
       <dgm:spPr/>
-      <dgm:t>
-        <a:bodyPr/>
-        <a:lstStyle/>
-        <a:p>
-          <a:endParaRPr lang="en-US"/>
-        </a:p>
-      </dgm:t>
     </dgm:pt>
     <dgm:pt modelId="{0980D22E-4206-4943-BEDE-2A95E865048D}" type="pres">
       <dgm:prSet presAssocID="{DAF658DA-A116-5C43-B62C-B6A81AAF4ADC}" presName="level3hierChild" presStyleCnt="0"/>
@@ -5105,24 +4769,10 @@
     <dgm:pt modelId="{7740C5EB-F123-F545-ACEB-2630E37188E3}" type="pres">
       <dgm:prSet presAssocID="{2A657872-6060-2343-8129-68135F3F009C}" presName="conn2-1" presStyleLbl="parChTrans1D3" presStyleIdx="2" presStyleCnt="3"/>
       <dgm:spPr/>
-      <dgm:t>
-        <a:bodyPr/>
-        <a:lstStyle/>
-        <a:p>
-          <a:endParaRPr lang="en-US"/>
-        </a:p>
-      </dgm:t>
     </dgm:pt>
     <dgm:pt modelId="{E5419A3D-4F2A-D542-9919-685B736B5912}" type="pres">
       <dgm:prSet presAssocID="{2A657872-6060-2343-8129-68135F3F009C}" presName="connTx" presStyleLbl="parChTrans1D3" presStyleIdx="2" presStyleCnt="3"/>
       <dgm:spPr/>
-      <dgm:t>
-        <a:bodyPr/>
-        <a:lstStyle/>
-        <a:p>
-          <a:endParaRPr lang="en-US"/>
-        </a:p>
-      </dgm:t>
     </dgm:pt>
     <dgm:pt modelId="{F3E8A015-BD13-1440-8255-4F55A646106C}" type="pres">
       <dgm:prSet presAssocID="{18281699-93CE-1A4C-AA25-CF423808318B}" presName="root2" presStyleCnt="0"/>
@@ -5135,13 +4785,6 @@
         </dgm:presLayoutVars>
       </dgm:prSet>
       <dgm:spPr/>
-      <dgm:t>
-        <a:bodyPr/>
-        <a:lstStyle/>
-        <a:p>
-          <a:endParaRPr lang="en-US"/>
-        </a:p>
-      </dgm:t>
     </dgm:pt>
     <dgm:pt modelId="{B51BE200-4AA6-1B42-82E7-7EACD38B97CD}" type="pres">
       <dgm:prSet presAssocID="{18281699-93CE-1A4C-AA25-CF423808318B}" presName="level3hierChild" presStyleCnt="0"/>
@@ -5149,29 +4792,29 @@
     </dgm:pt>
   </dgm:ptLst>
   <dgm:cxnLst>
+    <dgm:cxn modelId="{2CF5DD09-88B3-034C-B447-D4744AA3E296}" srcId="{70FC8740-11D2-844B-BA43-87066772D64C}" destId="{51E58304-B645-414A-AF19-94B69A03C9EF}" srcOrd="1" destOrd="0" parTransId="{8617981D-8A27-BB44-A72E-06F436C79E74}" sibTransId="{DFBBE3C2-C344-414D-AC00-17EDFAB5CBE2}"/>
+    <dgm:cxn modelId="{B4614F1C-0B2B-7440-A1DC-B854BB4B0CBD}" type="presOf" srcId="{2A657872-6060-2343-8129-68135F3F009C}" destId="{E5419A3D-4F2A-D542-9919-685B736B5912}" srcOrd="1" destOrd="0" presId="urn:microsoft.com/office/officeart/2005/8/layout/hierarchy2"/>
+    <dgm:cxn modelId="{2F7F9522-3BD6-7348-85E2-71A60FEAAED3}" srcId="{51E58304-B645-414A-AF19-94B69A03C9EF}" destId="{18281699-93CE-1A4C-AA25-CF423808318B}" srcOrd="1" destOrd="0" parTransId="{2A657872-6060-2343-8129-68135F3F009C}" sibTransId="{15951AE8-F397-7B48-A7DD-724DF40C3996}"/>
+    <dgm:cxn modelId="{0926B640-03EC-8C4E-AE23-C58584170F38}" type="presOf" srcId="{26AA065B-5926-464D-ADB0-6327502EBC12}" destId="{348A34DD-1973-AD4B-A903-21393C1F8386}" srcOrd="0" destOrd="0" presId="urn:microsoft.com/office/officeart/2005/8/layout/hierarchy2"/>
+    <dgm:cxn modelId="{AF5CE95E-1C18-5046-8B39-BD03DDC83ADA}" type="presOf" srcId="{51E58304-B645-414A-AF19-94B69A03C9EF}" destId="{09D07DAE-EDD8-7C4B-B0BA-6AC66CBC7CC7}" srcOrd="0" destOrd="0" presId="urn:microsoft.com/office/officeart/2005/8/layout/hierarchy2"/>
     <dgm:cxn modelId="{467DF85F-D576-F749-AB4D-014E395DD80C}" type="presOf" srcId="{A18A7D2C-3BC2-D945-A3A4-ABD704228EA2}" destId="{BF13BF8A-E832-B447-A285-8E80CBE7359C}" srcOrd="1" destOrd="0" presId="urn:microsoft.com/office/officeart/2005/8/layout/hierarchy2"/>
-    <dgm:cxn modelId="{4CE43C8C-35DB-074E-8165-D92D99093B59}" srcId="{572C488A-09E3-CD47-B049-9EB0F98BF6F2}" destId="{26AA065B-5926-464D-ADB0-6327502EBC12}" srcOrd="0" destOrd="0" parTransId="{C1693763-07AF-B84E-881E-776EC0EE8F4D}" sibTransId="{F46803F4-13C9-6949-9FE1-D02C0C009EB8}"/>
-    <dgm:cxn modelId="{0926B640-03EC-8C4E-AE23-C58584170F38}" type="presOf" srcId="{26AA065B-5926-464D-ADB0-6327502EBC12}" destId="{348A34DD-1973-AD4B-A903-21393C1F8386}" srcOrd="0" destOrd="0" presId="urn:microsoft.com/office/officeart/2005/8/layout/hierarchy2"/>
-    <dgm:cxn modelId="{7843187B-A86F-914C-97C0-94060B7E8FE3}" type="presOf" srcId="{9F6BA115-75B2-C743-813C-EDC71990D30B}" destId="{8A04B785-64F9-C541-A8DE-5DD493B9CAAC}" srcOrd="0" destOrd="0" presId="urn:microsoft.com/office/officeart/2005/8/layout/hierarchy2"/>
-    <dgm:cxn modelId="{94C962F4-E1CB-C44B-AAF7-5142B4D976E9}" srcId="{70FC8740-11D2-844B-BA43-87066772D64C}" destId="{572C488A-09E3-CD47-B049-9EB0F98BF6F2}" srcOrd="0" destOrd="0" parTransId="{A18A7D2C-3BC2-D945-A3A4-ABD704228EA2}" sibTransId="{463F745D-E7DB-2445-B901-4B69D9280CA8}"/>
-    <dgm:cxn modelId="{9980185A-375E-D44A-8176-313954FECC08}" type="presOf" srcId="{8617981D-8A27-BB44-A72E-06F436C79E74}" destId="{5807E2FA-72E6-D04A-89F7-6747DC4A4089}" srcOrd="0" destOrd="0" presId="urn:microsoft.com/office/officeart/2005/8/layout/hierarchy2"/>
-    <dgm:cxn modelId="{2CF5DD09-88B3-034C-B447-D4744AA3E296}" srcId="{70FC8740-11D2-844B-BA43-87066772D64C}" destId="{51E58304-B645-414A-AF19-94B69A03C9EF}" srcOrd="1" destOrd="0" parTransId="{8617981D-8A27-BB44-A72E-06F436C79E74}" sibTransId="{DFBBE3C2-C344-414D-AC00-17EDFAB5CBE2}"/>
-    <dgm:cxn modelId="{AF5CE95E-1C18-5046-8B39-BD03DDC83ADA}" type="presOf" srcId="{51E58304-B645-414A-AF19-94B69A03C9EF}" destId="{09D07DAE-EDD8-7C4B-B0BA-6AC66CBC7CC7}" srcOrd="0" destOrd="0" presId="urn:microsoft.com/office/officeart/2005/8/layout/hierarchy2"/>
-    <dgm:cxn modelId="{D8C2E3E1-A95E-6B45-86AA-F4B9ACBF151C}" srcId="{51E58304-B645-414A-AF19-94B69A03C9EF}" destId="{DAF658DA-A116-5C43-B62C-B6A81AAF4ADC}" srcOrd="0" destOrd="0" parTransId="{9F6BA115-75B2-C743-813C-EDC71990D30B}" sibTransId="{1DE6AD3A-F505-6241-BB2C-90149AB840E2}"/>
-    <dgm:cxn modelId="{386A5B8D-DA88-9543-8896-C17BD575A27E}" type="presOf" srcId="{2A657872-6060-2343-8129-68135F3F009C}" destId="{7740C5EB-F123-F545-ACEB-2630E37188E3}" srcOrd="0" destOrd="0" presId="urn:microsoft.com/office/officeart/2005/8/layout/hierarchy2"/>
+    <dgm:cxn modelId="{9E62D865-1785-024B-81D3-605E9D1DA98F}" srcId="{8550B817-B177-2A42-A6B4-2C8E11B35BEF}" destId="{70FC8740-11D2-844B-BA43-87066772D64C}" srcOrd="0" destOrd="0" parTransId="{6D25A922-6F6D-EF4B-93F8-ECDF4774B051}" sibTransId="{06427853-458A-F24D-9A55-A09F688DDC32}"/>
     <dgm:cxn modelId="{F33AD945-7471-7341-B1EA-310DCF7677A2}" type="presOf" srcId="{C1693763-07AF-B84E-881E-776EC0EE8F4D}" destId="{AFA554A9-D810-2F41-9D4D-2A92E68F5E9C}" srcOrd="0" destOrd="0" presId="urn:microsoft.com/office/officeart/2005/8/layout/hierarchy2"/>
     <dgm:cxn modelId="{7D39E246-EDEA-6F46-8E72-AD992434391A}" type="presOf" srcId="{9F6BA115-75B2-C743-813C-EDC71990D30B}" destId="{4E24C0A5-7312-3A44-A3DF-A285D6B98DA5}" srcOrd="1" destOrd="0" presId="urn:microsoft.com/office/officeart/2005/8/layout/hierarchy2"/>
-    <dgm:cxn modelId="{B4614F1C-0B2B-7440-A1DC-B854BB4B0CBD}" type="presOf" srcId="{2A657872-6060-2343-8129-68135F3F009C}" destId="{E5419A3D-4F2A-D542-9919-685B736B5912}" srcOrd="1" destOrd="0" presId="urn:microsoft.com/office/officeart/2005/8/layout/hierarchy2"/>
+    <dgm:cxn modelId="{C1C78778-8147-954B-80DE-8EE186090D5E}" type="presOf" srcId="{70FC8740-11D2-844B-BA43-87066772D64C}" destId="{747B6E19-340D-3F46-9FF4-144F4AC1C86F}" srcOrd="0" destOrd="0" presId="urn:microsoft.com/office/officeart/2005/8/layout/hierarchy2"/>
+    <dgm:cxn modelId="{F11F5E79-767C-6045-9664-84818AD2B42F}" type="presOf" srcId="{18281699-93CE-1A4C-AA25-CF423808318B}" destId="{DEDD03C0-5187-4A4C-8CFB-2E1FF868328B}" srcOrd="0" destOrd="0" presId="urn:microsoft.com/office/officeart/2005/8/layout/hierarchy2"/>
+    <dgm:cxn modelId="{C4EA9D79-D95B-1D40-BC34-E3B10FAF3BE0}" type="presOf" srcId="{C1693763-07AF-B84E-881E-776EC0EE8F4D}" destId="{5E2D0C74-3A34-B545-B820-808299CE513D}" srcOrd="1" destOrd="0" presId="urn:microsoft.com/office/officeart/2005/8/layout/hierarchy2"/>
+    <dgm:cxn modelId="{9980185A-375E-D44A-8176-313954FECC08}" type="presOf" srcId="{8617981D-8A27-BB44-A72E-06F436C79E74}" destId="{5807E2FA-72E6-D04A-89F7-6747DC4A4089}" srcOrd="0" destOrd="0" presId="urn:microsoft.com/office/officeart/2005/8/layout/hierarchy2"/>
+    <dgm:cxn modelId="{7843187B-A86F-914C-97C0-94060B7E8FE3}" type="presOf" srcId="{9F6BA115-75B2-C743-813C-EDC71990D30B}" destId="{8A04B785-64F9-C541-A8DE-5DD493B9CAAC}" srcOrd="0" destOrd="0" presId="urn:microsoft.com/office/officeart/2005/8/layout/hierarchy2"/>
+    <dgm:cxn modelId="{4CE43C8C-35DB-074E-8165-D92D99093B59}" srcId="{572C488A-09E3-CD47-B049-9EB0F98BF6F2}" destId="{26AA065B-5926-464D-ADB0-6327502EBC12}" srcOrd="0" destOrd="0" parTransId="{C1693763-07AF-B84E-881E-776EC0EE8F4D}" sibTransId="{F46803F4-13C9-6949-9FE1-D02C0C009EB8}"/>
+    <dgm:cxn modelId="{386A5B8D-DA88-9543-8896-C17BD575A27E}" type="presOf" srcId="{2A657872-6060-2343-8129-68135F3F009C}" destId="{7740C5EB-F123-F545-ACEB-2630E37188E3}" srcOrd="0" destOrd="0" presId="urn:microsoft.com/office/officeart/2005/8/layout/hierarchy2"/>
     <dgm:cxn modelId="{A350DCBA-7467-6B43-B113-9209245A049F}" type="presOf" srcId="{A18A7D2C-3BC2-D945-A3A4-ABD704228EA2}" destId="{8EBD5E86-6C6E-2E44-9062-84724ECB3B68}" srcOrd="0" destOrd="0" presId="urn:microsoft.com/office/officeart/2005/8/layout/hierarchy2"/>
+    <dgm:cxn modelId="{9D477ABB-E883-8D40-AB71-0EAE40F0F259}" type="presOf" srcId="{572C488A-09E3-CD47-B049-9EB0F98BF6F2}" destId="{04F01A13-FFFA-834E-A3D7-58B62DB7DE75}" srcOrd="0" destOrd="0" presId="urn:microsoft.com/office/officeart/2005/8/layout/hierarchy2"/>
+    <dgm:cxn modelId="{B57E1DC2-437E-564B-9AF6-08A3307D16BA}" type="presOf" srcId="{8617981D-8A27-BB44-A72E-06F436C79E74}" destId="{24C86F7B-A12F-934A-B828-07256D307302}" srcOrd="1" destOrd="0" presId="urn:microsoft.com/office/officeart/2005/8/layout/hierarchy2"/>
+    <dgm:cxn modelId="{B0877ADD-1029-1740-B5A7-30239266F722}" type="presOf" srcId="{8550B817-B177-2A42-A6B4-2C8E11B35BEF}" destId="{20CA1681-D4BD-B84E-A8CF-D5845660F934}" srcOrd="0" destOrd="0" presId="urn:microsoft.com/office/officeart/2005/8/layout/hierarchy2"/>
+    <dgm:cxn modelId="{D8C2E3E1-A95E-6B45-86AA-F4B9ACBF151C}" srcId="{51E58304-B645-414A-AF19-94B69A03C9EF}" destId="{DAF658DA-A116-5C43-B62C-B6A81AAF4ADC}" srcOrd="0" destOrd="0" parTransId="{9F6BA115-75B2-C743-813C-EDC71990D30B}" sibTransId="{1DE6AD3A-F505-6241-BB2C-90149AB840E2}"/>
     <dgm:cxn modelId="{424076EC-B80E-9645-A44C-F773541DEF5D}" type="presOf" srcId="{DAF658DA-A116-5C43-B62C-B6A81AAF4ADC}" destId="{DB7C7C14-A361-0F42-8302-8EA7F63F92A6}" srcOrd="0" destOrd="0" presId="urn:microsoft.com/office/officeart/2005/8/layout/hierarchy2"/>
-    <dgm:cxn modelId="{9E62D865-1785-024B-81D3-605E9D1DA98F}" srcId="{8550B817-B177-2A42-A6B4-2C8E11B35BEF}" destId="{70FC8740-11D2-844B-BA43-87066772D64C}" srcOrd="0" destOrd="0" parTransId="{6D25A922-6F6D-EF4B-93F8-ECDF4774B051}" sibTransId="{06427853-458A-F24D-9A55-A09F688DDC32}"/>
-    <dgm:cxn modelId="{B57E1DC2-437E-564B-9AF6-08A3307D16BA}" type="presOf" srcId="{8617981D-8A27-BB44-A72E-06F436C79E74}" destId="{24C86F7B-A12F-934A-B828-07256D307302}" srcOrd="1" destOrd="0" presId="urn:microsoft.com/office/officeart/2005/8/layout/hierarchy2"/>
-    <dgm:cxn modelId="{2F7F9522-3BD6-7348-85E2-71A60FEAAED3}" srcId="{51E58304-B645-414A-AF19-94B69A03C9EF}" destId="{18281699-93CE-1A4C-AA25-CF423808318B}" srcOrd="1" destOrd="0" parTransId="{2A657872-6060-2343-8129-68135F3F009C}" sibTransId="{15951AE8-F397-7B48-A7DD-724DF40C3996}"/>
-    <dgm:cxn modelId="{B0877ADD-1029-1740-B5A7-30239266F722}" type="presOf" srcId="{8550B817-B177-2A42-A6B4-2C8E11B35BEF}" destId="{20CA1681-D4BD-B84E-A8CF-D5845660F934}" srcOrd="0" destOrd="0" presId="urn:microsoft.com/office/officeart/2005/8/layout/hierarchy2"/>
-    <dgm:cxn modelId="{C1C78778-8147-954B-80DE-8EE186090D5E}" type="presOf" srcId="{70FC8740-11D2-844B-BA43-87066772D64C}" destId="{747B6E19-340D-3F46-9FF4-144F4AC1C86F}" srcOrd="0" destOrd="0" presId="urn:microsoft.com/office/officeart/2005/8/layout/hierarchy2"/>
-    <dgm:cxn modelId="{9D477ABB-E883-8D40-AB71-0EAE40F0F259}" type="presOf" srcId="{572C488A-09E3-CD47-B049-9EB0F98BF6F2}" destId="{04F01A13-FFFA-834E-A3D7-58B62DB7DE75}" srcOrd="0" destOrd="0" presId="urn:microsoft.com/office/officeart/2005/8/layout/hierarchy2"/>
-    <dgm:cxn modelId="{C4EA9D79-D95B-1D40-BC34-E3B10FAF3BE0}" type="presOf" srcId="{C1693763-07AF-B84E-881E-776EC0EE8F4D}" destId="{5E2D0C74-3A34-B545-B820-808299CE513D}" srcOrd="1" destOrd="0" presId="urn:microsoft.com/office/officeart/2005/8/layout/hierarchy2"/>
-    <dgm:cxn modelId="{F11F5E79-767C-6045-9664-84818AD2B42F}" type="presOf" srcId="{18281699-93CE-1A4C-AA25-CF423808318B}" destId="{DEDD03C0-5187-4A4C-8CFB-2E1FF868328B}" srcOrd="0" destOrd="0" presId="urn:microsoft.com/office/officeart/2005/8/layout/hierarchy2"/>
+    <dgm:cxn modelId="{94C962F4-E1CB-C44B-AAF7-5142B4D976E9}" srcId="{70FC8740-11D2-844B-BA43-87066772D64C}" destId="{572C488A-09E3-CD47-B049-9EB0F98BF6F2}" srcOrd="0" destOrd="0" parTransId="{A18A7D2C-3BC2-D945-A3A4-ABD704228EA2}" sibTransId="{463F745D-E7DB-2445-B901-4B69D9280CA8}"/>
     <dgm:cxn modelId="{CD04714D-3AAB-6741-88D4-3105F5CE0DB9}" type="presParOf" srcId="{20CA1681-D4BD-B84E-A8CF-D5845660F934}" destId="{332EFCC3-436E-3F46-9A9C-C4AE7282B845}" srcOrd="0" destOrd="0" presId="urn:microsoft.com/office/officeart/2005/8/layout/hierarchy2"/>
     <dgm:cxn modelId="{AC8062DB-F472-2E4B-8517-B371497E51EF}" type="presParOf" srcId="{332EFCC3-436E-3F46-9A9C-C4AE7282B845}" destId="{747B6E19-340D-3F46-9FF4-144F4AC1C86F}" srcOrd="0" destOrd="0" presId="urn:microsoft.com/office/officeart/2005/8/layout/hierarchy2"/>
     <dgm:cxn modelId="{298EB17A-7A8A-294D-BAC7-C648CD164588}" type="presParOf" srcId="{332EFCC3-436E-3F46-9A9C-C4AE7282B845}" destId="{6226D6F4-F814-784C-821E-BC8CA2E67D50}" srcOrd="1" destOrd="0" presId="urn:microsoft.com/office/officeart/2005/8/layout/hierarchy2"/>
@@ -5233,7 +4876,7 @@
         <a:lstStyle/>
         <a:p>
           <a:r>
-            <a:rPr lang="en-US" altLang="zh-CN" dirty="0" smtClean="0"/>
+            <a:rPr lang="en-US" altLang="zh-CN" dirty="0"/>
             <a:t>Approaches</a:t>
           </a:r>
           <a:endParaRPr lang="en-US" dirty="0"/>
@@ -5274,7 +4917,7 @@
         <a:lstStyle/>
         <a:p>
           <a:r>
-            <a:rPr lang="en-US" altLang="zh-CN" dirty="0" smtClean="0"/>
+            <a:rPr lang="en-US" altLang="zh-CN" dirty="0"/>
             <a:t>Traditional</a:t>
           </a:r>
           <a:endParaRPr lang="en-US" dirty="0"/>
@@ -5315,15 +4958,15 @@
         <a:lstStyle/>
         <a:p>
           <a:r>
-            <a:rPr lang="en-US" altLang="zh-CN" dirty="0" smtClean="0"/>
+            <a:rPr lang="en-US" altLang="zh-CN" dirty="0"/>
             <a:t>Genetic</a:t>
           </a:r>
           <a:r>
-            <a:rPr lang="zh-CN" altLang="en-US" dirty="0" smtClean="0"/>
+            <a:rPr lang="zh-CN" altLang="en-US" dirty="0"/>
             <a:t> </a:t>
           </a:r>
           <a:r>
-            <a:rPr lang="en-US" altLang="zh-CN" dirty="0" smtClean="0"/>
+            <a:rPr lang="en-US" altLang="zh-CN" dirty="0"/>
             <a:t>Algorithm</a:t>
           </a:r>
           <a:endParaRPr lang="en-US" dirty="0"/>
@@ -5360,15 +5003,15 @@
         <a:lstStyle/>
         <a:p>
           <a:r>
-            <a:rPr lang="en-US" altLang="zh-CN" dirty="0" smtClean="0"/>
+            <a:rPr lang="en-US" altLang="zh-CN" dirty="0"/>
             <a:t>Machine</a:t>
           </a:r>
           <a:r>
-            <a:rPr lang="zh-CN" altLang="en-US" dirty="0" smtClean="0"/>
+            <a:rPr lang="zh-CN" altLang="en-US" dirty="0"/>
             <a:t> </a:t>
           </a:r>
           <a:r>
-            <a:rPr lang="en-US" altLang="zh-CN" dirty="0" smtClean="0"/>
+            <a:rPr lang="en-US" altLang="zh-CN" dirty="0"/>
             <a:t>Learning</a:t>
           </a:r>
           <a:endParaRPr lang="en-US" dirty="0"/>
@@ -5411,23 +5054,23 @@
         <a:lstStyle/>
         <a:p>
           <a:r>
-            <a:rPr lang="en-US" altLang="zh-CN" dirty="0" smtClean="0"/>
+            <a:rPr lang="en-US" altLang="zh-CN" dirty="0"/>
             <a:t>Recurrent</a:t>
           </a:r>
           <a:r>
-            <a:rPr lang="zh-CN" altLang="en-US" dirty="0" smtClean="0"/>
+            <a:rPr lang="zh-CN" altLang="en-US" dirty="0"/>
             <a:t> </a:t>
           </a:r>
           <a:r>
-            <a:rPr lang="en-US" altLang="zh-CN" dirty="0" smtClean="0"/>
+            <a:rPr lang="en-US" altLang="zh-CN" dirty="0"/>
             <a:t>Neural</a:t>
           </a:r>
           <a:r>
-            <a:rPr lang="zh-CN" altLang="en-US" dirty="0" smtClean="0"/>
+            <a:rPr lang="zh-CN" altLang="en-US" dirty="0"/>
             <a:t> </a:t>
           </a:r>
           <a:r>
-            <a:rPr lang="en-US" altLang="zh-CN" dirty="0" smtClean="0"/>
+            <a:rPr lang="en-US" altLang="zh-CN" dirty="0"/>
             <a:t>Network</a:t>
           </a:r>
           <a:endParaRPr lang="en-US" dirty="0"/>
@@ -5470,7 +5113,7 @@
         <a:lstStyle/>
         <a:p>
           <a:r>
-            <a:rPr lang="en-US" altLang="zh-CN" dirty="0" smtClean="0"/>
+            <a:rPr lang="en-US" altLang="zh-CN" dirty="0"/>
             <a:t>Generative Adversarial Networks</a:t>
           </a:r>
           <a:endParaRPr lang="en-US" dirty="0"/>
@@ -5510,13 +5153,6 @@
         </dgm:presLayoutVars>
       </dgm:prSet>
       <dgm:spPr/>
-      <dgm:t>
-        <a:bodyPr/>
-        <a:lstStyle/>
-        <a:p>
-          <a:endParaRPr lang="en-US"/>
-        </a:p>
-      </dgm:t>
     </dgm:pt>
     <dgm:pt modelId="{332EFCC3-436E-3F46-9A9C-C4AE7282B845}" type="pres">
       <dgm:prSet presAssocID="{70FC8740-11D2-844B-BA43-87066772D64C}" presName="root1" presStyleCnt="0"/>
@@ -5529,13 +5165,6 @@
         </dgm:presLayoutVars>
       </dgm:prSet>
       <dgm:spPr/>
-      <dgm:t>
-        <a:bodyPr/>
-        <a:lstStyle/>
-        <a:p>
-          <a:endParaRPr lang="en-US"/>
-        </a:p>
-      </dgm:t>
     </dgm:pt>
     <dgm:pt modelId="{6226D6F4-F814-784C-821E-BC8CA2E67D50}" type="pres">
       <dgm:prSet presAssocID="{70FC8740-11D2-844B-BA43-87066772D64C}" presName="level2hierChild" presStyleCnt="0"/>
@@ -5544,24 +5173,10 @@
     <dgm:pt modelId="{8EBD5E86-6C6E-2E44-9062-84724ECB3B68}" type="pres">
       <dgm:prSet presAssocID="{A18A7D2C-3BC2-D945-A3A4-ABD704228EA2}" presName="conn2-1" presStyleLbl="parChTrans1D2" presStyleIdx="0" presStyleCnt="2"/>
       <dgm:spPr/>
-      <dgm:t>
-        <a:bodyPr/>
-        <a:lstStyle/>
-        <a:p>
-          <a:endParaRPr lang="en-US"/>
-        </a:p>
-      </dgm:t>
     </dgm:pt>
     <dgm:pt modelId="{BF13BF8A-E832-B447-A285-8E80CBE7359C}" type="pres">
       <dgm:prSet presAssocID="{A18A7D2C-3BC2-D945-A3A4-ABD704228EA2}" presName="connTx" presStyleLbl="parChTrans1D2" presStyleIdx="0" presStyleCnt="2"/>
       <dgm:spPr/>
-      <dgm:t>
-        <a:bodyPr/>
-        <a:lstStyle/>
-        <a:p>
-          <a:endParaRPr lang="en-US"/>
-        </a:p>
-      </dgm:t>
     </dgm:pt>
     <dgm:pt modelId="{ADE5A85C-DE97-CB4D-8DAB-9CA58AF12572}" type="pres">
       <dgm:prSet presAssocID="{572C488A-09E3-CD47-B049-9EB0F98BF6F2}" presName="root2" presStyleCnt="0"/>
@@ -5574,13 +5189,6 @@
         </dgm:presLayoutVars>
       </dgm:prSet>
       <dgm:spPr/>
-      <dgm:t>
-        <a:bodyPr/>
-        <a:lstStyle/>
-        <a:p>
-          <a:endParaRPr lang="en-US"/>
-        </a:p>
-      </dgm:t>
     </dgm:pt>
     <dgm:pt modelId="{F84F7582-0392-1C41-BE73-8E5BC4C047E7}" type="pres">
       <dgm:prSet presAssocID="{572C488A-09E3-CD47-B049-9EB0F98BF6F2}" presName="level3hierChild" presStyleCnt="0"/>
@@ -5589,24 +5197,10 @@
     <dgm:pt modelId="{AFA554A9-D810-2F41-9D4D-2A92E68F5E9C}" type="pres">
       <dgm:prSet presAssocID="{C1693763-07AF-B84E-881E-776EC0EE8F4D}" presName="conn2-1" presStyleLbl="parChTrans1D3" presStyleIdx="0" presStyleCnt="3"/>
       <dgm:spPr/>
-      <dgm:t>
-        <a:bodyPr/>
-        <a:lstStyle/>
-        <a:p>
-          <a:endParaRPr lang="en-US"/>
-        </a:p>
-      </dgm:t>
     </dgm:pt>
     <dgm:pt modelId="{5E2D0C74-3A34-B545-B820-808299CE513D}" type="pres">
       <dgm:prSet presAssocID="{C1693763-07AF-B84E-881E-776EC0EE8F4D}" presName="connTx" presStyleLbl="parChTrans1D3" presStyleIdx="0" presStyleCnt="3"/>
       <dgm:spPr/>
-      <dgm:t>
-        <a:bodyPr/>
-        <a:lstStyle/>
-        <a:p>
-          <a:endParaRPr lang="en-US"/>
-        </a:p>
-      </dgm:t>
     </dgm:pt>
     <dgm:pt modelId="{9D24ADF7-1F34-514D-B125-8AD4511601A5}" type="pres">
       <dgm:prSet presAssocID="{26AA065B-5926-464D-ADB0-6327502EBC12}" presName="root2" presStyleCnt="0"/>
@@ -5619,13 +5213,6 @@
         </dgm:presLayoutVars>
       </dgm:prSet>
       <dgm:spPr/>
-      <dgm:t>
-        <a:bodyPr/>
-        <a:lstStyle/>
-        <a:p>
-          <a:endParaRPr lang="en-US"/>
-        </a:p>
-      </dgm:t>
     </dgm:pt>
     <dgm:pt modelId="{1A50F64C-70C5-354A-97A8-4EB7A3EF5D7D}" type="pres">
       <dgm:prSet presAssocID="{26AA065B-5926-464D-ADB0-6327502EBC12}" presName="level3hierChild" presStyleCnt="0"/>
@@ -5634,24 +5221,10 @@
     <dgm:pt modelId="{5807E2FA-72E6-D04A-89F7-6747DC4A4089}" type="pres">
       <dgm:prSet presAssocID="{8617981D-8A27-BB44-A72E-06F436C79E74}" presName="conn2-1" presStyleLbl="parChTrans1D2" presStyleIdx="1" presStyleCnt="2"/>
       <dgm:spPr/>
-      <dgm:t>
-        <a:bodyPr/>
-        <a:lstStyle/>
-        <a:p>
-          <a:endParaRPr lang="en-US"/>
-        </a:p>
-      </dgm:t>
     </dgm:pt>
     <dgm:pt modelId="{24C86F7B-A12F-934A-B828-07256D307302}" type="pres">
       <dgm:prSet presAssocID="{8617981D-8A27-BB44-A72E-06F436C79E74}" presName="connTx" presStyleLbl="parChTrans1D2" presStyleIdx="1" presStyleCnt="2"/>
       <dgm:spPr/>
-      <dgm:t>
-        <a:bodyPr/>
-        <a:lstStyle/>
-        <a:p>
-          <a:endParaRPr lang="en-US"/>
-        </a:p>
-      </dgm:t>
     </dgm:pt>
     <dgm:pt modelId="{56369564-E886-B243-B1B9-D49B5E1BB2D3}" type="pres">
       <dgm:prSet presAssocID="{51E58304-B645-414A-AF19-94B69A03C9EF}" presName="root2" presStyleCnt="0"/>
@@ -5664,13 +5237,6 @@
         </dgm:presLayoutVars>
       </dgm:prSet>
       <dgm:spPr/>
-      <dgm:t>
-        <a:bodyPr/>
-        <a:lstStyle/>
-        <a:p>
-          <a:endParaRPr lang="en-US"/>
-        </a:p>
-      </dgm:t>
     </dgm:pt>
     <dgm:pt modelId="{3D25DC9F-193E-D740-8387-3A77D47BB2A3}" type="pres">
       <dgm:prSet presAssocID="{51E58304-B645-414A-AF19-94B69A03C9EF}" presName="level3hierChild" presStyleCnt="0"/>
@@ -5679,24 +5245,10 @@
     <dgm:pt modelId="{8A04B785-64F9-C541-A8DE-5DD493B9CAAC}" type="pres">
       <dgm:prSet presAssocID="{9F6BA115-75B2-C743-813C-EDC71990D30B}" presName="conn2-1" presStyleLbl="parChTrans1D3" presStyleIdx="1" presStyleCnt="3"/>
       <dgm:spPr/>
-      <dgm:t>
-        <a:bodyPr/>
-        <a:lstStyle/>
-        <a:p>
-          <a:endParaRPr lang="en-US"/>
-        </a:p>
-      </dgm:t>
     </dgm:pt>
     <dgm:pt modelId="{4E24C0A5-7312-3A44-A3DF-A285D6B98DA5}" type="pres">
       <dgm:prSet presAssocID="{9F6BA115-75B2-C743-813C-EDC71990D30B}" presName="connTx" presStyleLbl="parChTrans1D3" presStyleIdx="1" presStyleCnt="3"/>
       <dgm:spPr/>
-      <dgm:t>
-        <a:bodyPr/>
-        <a:lstStyle/>
-        <a:p>
-          <a:endParaRPr lang="en-US"/>
-        </a:p>
-      </dgm:t>
     </dgm:pt>
     <dgm:pt modelId="{CA208149-F1CA-8A47-95E3-5DC6DB70B764}" type="pres">
       <dgm:prSet presAssocID="{DAF658DA-A116-5C43-B62C-B6A81AAF4ADC}" presName="root2" presStyleCnt="0"/>
@@ -5709,13 +5261,6 @@
         </dgm:presLayoutVars>
       </dgm:prSet>
       <dgm:spPr/>
-      <dgm:t>
-        <a:bodyPr/>
-        <a:lstStyle/>
-        <a:p>
-          <a:endParaRPr lang="en-US"/>
-        </a:p>
-      </dgm:t>
     </dgm:pt>
     <dgm:pt modelId="{0980D22E-4206-4943-BEDE-2A95E865048D}" type="pres">
       <dgm:prSet presAssocID="{DAF658DA-A116-5C43-B62C-B6A81AAF4ADC}" presName="level3hierChild" presStyleCnt="0"/>
@@ -5724,24 +5269,10 @@
     <dgm:pt modelId="{7740C5EB-F123-F545-ACEB-2630E37188E3}" type="pres">
       <dgm:prSet presAssocID="{2A657872-6060-2343-8129-68135F3F009C}" presName="conn2-1" presStyleLbl="parChTrans1D3" presStyleIdx="2" presStyleCnt="3"/>
       <dgm:spPr/>
-      <dgm:t>
-        <a:bodyPr/>
-        <a:lstStyle/>
-        <a:p>
-          <a:endParaRPr lang="en-US"/>
-        </a:p>
-      </dgm:t>
     </dgm:pt>
     <dgm:pt modelId="{E5419A3D-4F2A-D542-9919-685B736B5912}" type="pres">
       <dgm:prSet presAssocID="{2A657872-6060-2343-8129-68135F3F009C}" presName="connTx" presStyleLbl="parChTrans1D3" presStyleIdx="2" presStyleCnt="3"/>
       <dgm:spPr/>
-      <dgm:t>
-        <a:bodyPr/>
-        <a:lstStyle/>
-        <a:p>
-          <a:endParaRPr lang="en-US"/>
-        </a:p>
-      </dgm:t>
     </dgm:pt>
     <dgm:pt modelId="{F3E8A015-BD13-1440-8255-4F55A646106C}" type="pres">
       <dgm:prSet presAssocID="{18281699-93CE-1A4C-AA25-CF423808318B}" presName="root2" presStyleCnt="0"/>
@@ -5754,13 +5285,6 @@
         </dgm:presLayoutVars>
       </dgm:prSet>
       <dgm:spPr/>
-      <dgm:t>
-        <a:bodyPr/>
-        <a:lstStyle/>
-        <a:p>
-          <a:endParaRPr lang="en-US"/>
-        </a:p>
-      </dgm:t>
     </dgm:pt>
     <dgm:pt modelId="{B51BE200-4AA6-1B42-82E7-7EACD38B97CD}" type="pres">
       <dgm:prSet presAssocID="{18281699-93CE-1A4C-AA25-CF423808318B}" presName="level3hierChild" presStyleCnt="0"/>
@@ -5768,29 +5292,29 @@
     </dgm:pt>
   </dgm:ptLst>
   <dgm:cxnLst>
+    <dgm:cxn modelId="{7FB73301-C5E8-8B48-A58B-1ADA7BA1CA75}" type="presOf" srcId="{8617981D-8A27-BB44-A72E-06F436C79E74}" destId="{24C86F7B-A12F-934A-B828-07256D307302}" srcOrd="1" destOrd="0" presId="urn:microsoft.com/office/officeart/2005/8/layout/hierarchy2"/>
+    <dgm:cxn modelId="{2CF5DD09-88B3-034C-B447-D4744AA3E296}" srcId="{70FC8740-11D2-844B-BA43-87066772D64C}" destId="{51E58304-B645-414A-AF19-94B69A03C9EF}" srcOrd="1" destOrd="0" parTransId="{8617981D-8A27-BB44-A72E-06F436C79E74}" sibTransId="{DFBBE3C2-C344-414D-AC00-17EDFAB5CBE2}"/>
+    <dgm:cxn modelId="{B855A212-F4D5-4F44-A703-C80515AADC4D}" type="presOf" srcId="{C1693763-07AF-B84E-881E-776EC0EE8F4D}" destId="{5E2D0C74-3A34-B545-B820-808299CE513D}" srcOrd="1" destOrd="0" presId="urn:microsoft.com/office/officeart/2005/8/layout/hierarchy2"/>
+    <dgm:cxn modelId="{3BCDA414-57EE-824A-88D6-7CCACC12DEA8}" type="presOf" srcId="{A18A7D2C-3BC2-D945-A3A4-ABD704228EA2}" destId="{8EBD5E86-6C6E-2E44-9062-84724ECB3B68}" srcOrd="0" destOrd="0" presId="urn:microsoft.com/office/officeart/2005/8/layout/hierarchy2"/>
+    <dgm:cxn modelId="{2E4FA120-F01E-444A-8939-C6019C9129F7}" type="presOf" srcId="{9F6BA115-75B2-C743-813C-EDC71990D30B}" destId="{8A04B785-64F9-C541-A8DE-5DD493B9CAAC}" srcOrd="0" destOrd="0" presId="urn:microsoft.com/office/officeart/2005/8/layout/hierarchy2"/>
+    <dgm:cxn modelId="{A5368A22-4927-6E46-A67D-2910EA8B029E}" type="presOf" srcId="{18281699-93CE-1A4C-AA25-CF423808318B}" destId="{DEDD03C0-5187-4A4C-8CFB-2E1FF868328B}" srcOrd="0" destOrd="0" presId="urn:microsoft.com/office/officeart/2005/8/layout/hierarchy2"/>
+    <dgm:cxn modelId="{2F7F9522-3BD6-7348-85E2-71A60FEAAED3}" srcId="{51E58304-B645-414A-AF19-94B69A03C9EF}" destId="{18281699-93CE-1A4C-AA25-CF423808318B}" srcOrd="1" destOrd="0" parTransId="{2A657872-6060-2343-8129-68135F3F009C}" sibTransId="{15951AE8-F397-7B48-A7DD-724DF40C3996}"/>
+    <dgm:cxn modelId="{CCB4FA23-3C82-4044-9AC3-F7C90FE5565E}" type="presOf" srcId="{DAF658DA-A116-5C43-B62C-B6A81AAF4ADC}" destId="{DB7C7C14-A361-0F42-8302-8EA7F63F92A6}" srcOrd="0" destOrd="0" presId="urn:microsoft.com/office/officeart/2005/8/layout/hierarchy2"/>
+    <dgm:cxn modelId="{3F46E130-41F7-5A4D-96ED-6AC0D81727B3}" type="presOf" srcId="{2A657872-6060-2343-8129-68135F3F009C}" destId="{7740C5EB-F123-F545-ACEB-2630E37188E3}" srcOrd="0" destOrd="0" presId="urn:microsoft.com/office/officeart/2005/8/layout/hierarchy2"/>
+    <dgm:cxn modelId="{10731D65-BCC2-7545-84D9-C24AA54489E8}" type="presOf" srcId="{A18A7D2C-3BC2-D945-A3A4-ABD704228EA2}" destId="{BF13BF8A-E832-B447-A285-8E80CBE7359C}" srcOrd="1" destOrd="0" presId="urn:microsoft.com/office/officeart/2005/8/layout/hierarchy2"/>
+    <dgm:cxn modelId="{9E62D865-1785-024B-81D3-605E9D1DA98F}" srcId="{8550B817-B177-2A42-A6B4-2C8E11B35BEF}" destId="{70FC8740-11D2-844B-BA43-87066772D64C}" srcOrd="0" destOrd="0" parTransId="{6D25A922-6F6D-EF4B-93F8-ECDF4774B051}" sibTransId="{06427853-458A-F24D-9A55-A09F688DDC32}"/>
+    <dgm:cxn modelId="{C87B9466-3D73-3A4A-88DA-AC40FAF93369}" type="presOf" srcId="{8550B817-B177-2A42-A6B4-2C8E11B35BEF}" destId="{20CA1681-D4BD-B84E-A8CF-D5845660F934}" srcOrd="0" destOrd="0" presId="urn:microsoft.com/office/officeart/2005/8/layout/hierarchy2"/>
+    <dgm:cxn modelId="{BEEE3A67-8739-4149-BB86-45932DF319D3}" type="presOf" srcId="{51E58304-B645-414A-AF19-94B69A03C9EF}" destId="{09D07DAE-EDD8-7C4B-B0BA-6AC66CBC7CC7}" srcOrd="0" destOrd="0" presId="urn:microsoft.com/office/officeart/2005/8/layout/hierarchy2"/>
+    <dgm:cxn modelId="{438CA64F-6AC5-C24C-B8B2-D9ECF1D97C41}" type="presOf" srcId="{70FC8740-11D2-844B-BA43-87066772D64C}" destId="{747B6E19-340D-3F46-9FF4-144F4AC1C86F}" srcOrd="0" destOrd="0" presId="urn:microsoft.com/office/officeart/2005/8/layout/hierarchy2"/>
     <dgm:cxn modelId="{4CE43C8C-35DB-074E-8165-D92D99093B59}" srcId="{572C488A-09E3-CD47-B049-9EB0F98BF6F2}" destId="{26AA065B-5926-464D-ADB0-6327502EBC12}" srcOrd="0" destOrd="0" parTransId="{C1693763-07AF-B84E-881E-776EC0EE8F4D}" sibTransId="{F46803F4-13C9-6949-9FE1-D02C0C009EB8}"/>
+    <dgm:cxn modelId="{9DDE5796-12A6-954C-B775-4B8876D579A7}" type="presOf" srcId="{9F6BA115-75B2-C743-813C-EDC71990D30B}" destId="{4E24C0A5-7312-3A44-A3DF-A285D6B98DA5}" srcOrd="1" destOrd="0" presId="urn:microsoft.com/office/officeart/2005/8/layout/hierarchy2"/>
     <dgm:cxn modelId="{A13429B2-29ED-A748-B1EE-D0C635C971BD}" type="presOf" srcId="{C1693763-07AF-B84E-881E-776EC0EE8F4D}" destId="{AFA554A9-D810-2F41-9D4D-2A92E68F5E9C}" srcOrd="0" destOrd="0" presId="urn:microsoft.com/office/officeart/2005/8/layout/hierarchy2"/>
-    <dgm:cxn modelId="{A5368A22-4927-6E46-A67D-2910EA8B029E}" type="presOf" srcId="{18281699-93CE-1A4C-AA25-CF423808318B}" destId="{DEDD03C0-5187-4A4C-8CFB-2E1FF868328B}" srcOrd="0" destOrd="0" presId="urn:microsoft.com/office/officeart/2005/8/layout/hierarchy2"/>
-    <dgm:cxn modelId="{CCB4FA23-3C82-4044-9AC3-F7C90FE5565E}" type="presOf" srcId="{DAF658DA-A116-5C43-B62C-B6A81AAF4ADC}" destId="{DB7C7C14-A361-0F42-8302-8EA7F63F92A6}" srcOrd="0" destOrd="0" presId="urn:microsoft.com/office/officeart/2005/8/layout/hierarchy2"/>
+    <dgm:cxn modelId="{F84A3CB4-ED52-D64D-B4B6-3B4492F7DBE6}" type="presOf" srcId="{8617981D-8A27-BB44-A72E-06F436C79E74}" destId="{5807E2FA-72E6-D04A-89F7-6747DC4A4089}" srcOrd="0" destOrd="0" presId="urn:microsoft.com/office/officeart/2005/8/layout/hierarchy2"/>
+    <dgm:cxn modelId="{6D56C3DF-2DE1-054C-AA59-5954B2828F7C}" type="presOf" srcId="{572C488A-09E3-CD47-B049-9EB0F98BF6F2}" destId="{04F01A13-FFFA-834E-A3D7-58B62DB7DE75}" srcOrd="0" destOrd="0" presId="urn:microsoft.com/office/officeart/2005/8/layout/hierarchy2"/>
+    <dgm:cxn modelId="{D8C2E3E1-A95E-6B45-86AA-F4B9ACBF151C}" srcId="{51E58304-B645-414A-AF19-94B69A03C9EF}" destId="{DAF658DA-A116-5C43-B62C-B6A81AAF4ADC}" srcOrd="0" destOrd="0" parTransId="{9F6BA115-75B2-C743-813C-EDC71990D30B}" sibTransId="{1DE6AD3A-F505-6241-BB2C-90149AB840E2}"/>
+    <dgm:cxn modelId="{3F595FE5-E9E8-AE41-9864-42762709628C}" type="presOf" srcId="{26AA065B-5926-464D-ADB0-6327502EBC12}" destId="{348A34DD-1973-AD4B-A903-21393C1F8386}" srcOrd="0" destOrd="0" presId="urn:microsoft.com/office/officeart/2005/8/layout/hierarchy2"/>
     <dgm:cxn modelId="{94C962F4-E1CB-C44B-AAF7-5142B4D976E9}" srcId="{70FC8740-11D2-844B-BA43-87066772D64C}" destId="{572C488A-09E3-CD47-B049-9EB0F98BF6F2}" srcOrd="0" destOrd="0" parTransId="{A18A7D2C-3BC2-D945-A3A4-ABD704228EA2}" sibTransId="{463F745D-E7DB-2445-B901-4B69D9280CA8}"/>
     <dgm:cxn modelId="{17AB52FD-C531-0146-B878-BC96DA0FC3AB}" type="presOf" srcId="{2A657872-6060-2343-8129-68135F3F009C}" destId="{E5419A3D-4F2A-D542-9919-685B736B5912}" srcOrd="1" destOrd="0" presId="urn:microsoft.com/office/officeart/2005/8/layout/hierarchy2"/>
-    <dgm:cxn modelId="{2CF5DD09-88B3-034C-B447-D4744AA3E296}" srcId="{70FC8740-11D2-844B-BA43-87066772D64C}" destId="{51E58304-B645-414A-AF19-94B69A03C9EF}" srcOrd="1" destOrd="0" parTransId="{8617981D-8A27-BB44-A72E-06F436C79E74}" sibTransId="{DFBBE3C2-C344-414D-AC00-17EDFAB5CBE2}"/>
-    <dgm:cxn modelId="{B855A212-F4D5-4F44-A703-C80515AADC4D}" type="presOf" srcId="{C1693763-07AF-B84E-881E-776EC0EE8F4D}" destId="{5E2D0C74-3A34-B545-B820-808299CE513D}" srcOrd="1" destOrd="0" presId="urn:microsoft.com/office/officeart/2005/8/layout/hierarchy2"/>
-    <dgm:cxn modelId="{D8C2E3E1-A95E-6B45-86AA-F4B9ACBF151C}" srcId="{51E58304-B645-414A-AF19-94B69A03C9EF}" destId="{DAF658DA-A116-5C43-B62C-B6A81AAF4ADC}" srcOrd="0" destOrd="0" parTransId="{9F6BA115-75B2-C743-813C-EDC71990D30B}" sibTransId="{1DE6AD3A-F505-6241-BB2C-90149AB840E2}"/>
-    <dgm:cxn modelId="{438CA64F-6AC5-C24C-B8B2-D9ECF1D97C41}" type="presOf" srcId="{70FC8740-11D2-844B-BA43-87066772D64C}" destId="{747B6E19-340D-3F46-9FF4-144F4AC1C86F}" srcOrd="0" destOrd="0" presId="urn:microsoft.com/office/officeart/2005/8/layout/hierarchy2"/>
-    <dgm:cxn modelId="{3F46E130-41F7-5A4D-96ED-6AC0D81727B3}" type="presOf" srcId="{2A657872-6060-2343-8129-68135F3F009C}" destId="{7740C5EB-F123-F545-ACEB-2630E37188E3}" srcOrd="0" destOrd="0" presId="urn:microsoft.com/office/officeart/2005/8/layout/hierarchy2"/>
-    <dgm:cxn modelId="{7FB73301-C5E8-8B48-A58B-1ADA7BA1CA75}" type="presOf" srcId="{8617981D-8A27-BB44-A72E-06F436C79E74}" destId="{24C86F7B-A12F-934A-B828-07256D307302}" srcOrd="1" destOrd="0" presId="urn:microsoft.com/office/officeart/2005/8/layout/hierarchy2"/>
-    <dgm:cxn modelId="{9DDE5796-12A6-954C-B775-4B8876D579A7}" type="presOf" srcId="{9F6BA115-75B2-C743-813C-EDC71990D30B}" destId="{4E24C0A5-7312-3A44-A3DF-A285D6B98DA5}" srcOrd="1" destOrd="0" presId="urn:microsoft.com/office/officeart/2005/8/layout/hierarchy2"/>
-    <dgm:cxn modelId="{9E62D865-1785-024B-81D3-605E9D1DA98F}" srcId="{8550B817-B177-2A42-A6B4-2C8E11B35BEF}" destId="{70FC8740-11D2-844B-BA43-87066772D64C}" srcOrd="0" destOrd="0" parTransId="{6D25A922-6F6D-EF4B-93F8-ECDF4774B051}" sibTransId="{06427853-458A-F24D-9A55-A09F688DDC32}"/>
-    <dgm:cxn modelId="{3BCDA414-57EE-824A-88D6-7CCACC12DEA8}" type="presOf" srcId="{A18A7D2C-3BC2-D945-A3A4-ABD704228EA2}" destId="{8EBD5E86-6C6E-2E44-9062-84724ECB3B68}" srcOrd="0" destOrd="0" presId="urn:microsoft.com/office/officeart/2005/8/layout/hierarchy2"/>
-    <dgm:cxn modelId="{2F7F9522-3BD6-7348-85E2-71A60FEAAED3}" srcId="{51E58304-B645-414A-AF19-94B69A03C9EF}" destId="{18281699-93CE-1A4C-AA25-CF423808318B}" srcOrd="1" destOrd="0" parTransId="{2A657872-6060-2343-8129-68135F3F009C}" sibTransId="{15951AE8-F397-7B48-A7DD-724DF40C3996}"/>
-    <dgm:cxn modelId="{F84A3CB4-ED52-D64D-B4B6-3B4492F7DBE6}" type="presOf" srcId="{8617981D-8A27-BB44-A72E-06F436C79E74}" destId="{5807E2FA-72E6-D04A-89F7-6747DC4A4089}" srcOrd="0" destOrd="0" presId="urn:microsoft.com/office/officeart/2005/8/layout/hierarchy2"/>
-    <dgm:cxn modelId="{C87B9466-3D73-3A4A-88DA-AC40FAF93369}" type="presOf" srcId="{8550B817-B177-2A42-A6B4-2C8E11B35BEF}" destId="{20CA1681-D4BD-B84E-A8CF-D5845660F934}" srcOrd="0" destOrd="0" presId="urn:microsoft.com/office/officeart/2005/8/layout/hierarchy2"/>
-    <dgm:cxn modelId="{BEEE3A67-8739-4149-BB86-45932DF319D3}" type="presOf" srcId="{51E58304-B645-414A-AF19-94B69A03C9EF}" destId="{09D07DAE-EDD8-7C4B-B0BA-6AC66CBC7CC7}" srcOrd="0" destOrd="0" presId="urn:microsoft.com/office/officeart/2005/8/layout/hierarchy2"/>
-    <dgm:cxn modelId="{2E4FA120-F01E-444A-8939-C6019C9129F7}" type="presOf" srcId="{9F6BA115-75B2-C743-813C-EDC71990D30B}" destId="{8A04B785-64F9-C541-A8DE-5DD493B9CAAC}" srcOrd="0" destOrd="0" presId="urn:microsoft.com/office/officeart/2005/8/layout/hierarchy2"/>
-    <dgm:cxn modelId="{6D56C3DF-2DE1-054C-AA59-5954B2828F7C}" type="presOf" srcId="{572C488A-09E3-CD47-B049-9EB0F98BF6F2}" destId="{04F01A13-FFFA-834E-A3D7-58B62DB7DE75}" srcOrd="0" destOrd="0" presId="urn:microsoft.com/office/officeart/2005/8/layout/hierarchy2"/>
-    <dgm:cxn modelId="{10731D65-BCC2-7545-84D9-C24AA54489E8}" type="presOf" srcId="{A18A7D2C-3BC2-D945-A3A4-ABD704228EA2}" destId="{BF13BF8A-E832-B447-A285-8E80CBE7359C}" srcOrd="1" destOrd="0" presId="urn:microsoft.com/office/officeart/2005/8/layout/hierarchy2"/>
-    <dgm:cxn modelId="{3F595FE5-E9E8-AE41-9864-42762709628C}" type="presOf" srcId="{26AA065B-5926-464D-ADB0-6327502EBC12}" destId="{348A34DD-1973-AD4B-A903-21393C1F8386}" srcOrd="0" destOrd="0" presId="urn:microsoft.com/office/officeart/2005/8/layout/hierarchy2"/>
     <dgm:cxn modelId="{71A40CCE-C6E6-5944-9EDA-B209D5BFE0ED}" type="presParOf" srcId="{20CA1681-D4BD-B84E-A8CF-D5845660F934}" destId="{332EFCC3-436E-3F46-9A9C-C4AE7282B845}" srcOrd="0" destOrd="0" presId="urn:microsoft.com/office/officeart/2005/8/layout/hierarchy2"/>
     <dgm:cxn modelId="{E96F508A-A1A0-304F-9F57-003210F65E2A}" type="presParOf" srcId="{332EFCC3-436E-3F46-9A9C-C4AE7282B845}" destId="{747B6E19-340D-3F46-9FF4-144F4AC1C86F}" srcOrd="0" destOrd="0" presId="urn:microsoft.com/office/officeart/2005/8/layout/hierarchy2"/>
     <dgm:cxn modelId="{027E9187-841E-694F-8B9C-583F84F76367}" type="presParOf" srcId="{332EFCC3-436E-3F46-9A9C-C4AE7282B845}" destId="{6226D6F4-F814-784C-821E-BC8CA2E67D50}" srcOrd="1" destOrd="0" presId="urn:microsoft.com/office/officeart/2005/8/layout/hierarchy2"/>
@@ -5889,12 +5413,12 @@
         </a:fontRef>
       </dsp:style>
       <dsp:txBody>
-        <a:bodyPr spcFirstLastPara="0" vert="horz" wrap="square" lIns="12700" tIns="12700" rIns="12700" bIns="12700" numCol="1" spcCol="1270" anchor="ctr" anchorCtr="0">
+        <a:bodyPr spcFirstLastPara="0" vert="horz" wrap="square" lIns="13335" tIns="13335" rIns="13335" bIns="13335" numCol="1" spcCol="1270" anchor="ctr" anchorCtr="0">
           <a:noAutofit/>
         </a:bodyPr>
         <a:lstStyle/>
         <a:p>
-          <a:pPr lvl="0" algn="ctr" defTabSz="889000">
+          <a:pPr marL="0" lvl="0" indent="0" algn="ctr" defTabSz="933450">
             <a:lnSpc>
               <a:spcPct val="90000"/>
             </a:lnSpc>
@@ -5904,12 +5428,13 @@
             <a:spcAft>
               <a:spcPct val="35000"/>
             </a:spcAft>
+            <a:buNone/>
           </a:pPr>
           <a:r>
-            <a:rPr lang="en-US" altLang="zh-CN" sz="2000" kern="1200" dirty="0" smtClean="0"/>
+            <a:rPr lang="en-US" altLang="zh-CN" sz="2100" kern="1200" dirty="0"/>
             <a:t>Approaches</a:t>
           </a:r>
-          <a:endParaRPr lang="en-US" sz="2000" kern="1200" dirty="0"/>
+          <a:endParaRPr lang="en-US" sz="2100" kern="1200" dirty="0"/>
         </a:p>
       </dsp:txBody>
       <dsp:txXfrm>
@@ -5976,7 +5501,7 @@
         </a:bodyPr>
         <a:lstStyle/>
         <a:p>
-          <a:pPr lvl="0" algn="ctr" defTabSz="222250">
+          <a:pPr marL="0" lvl="0" indent="0" algn="ctr" defTabSz="222250">
             <a:lnSpc>
               <a:spcPct val="90000"/>
             </a:lnSpc>
@@ -5986,6 +5511,7 @@
             <a:spcAft>
               <a:spcPct val="35000"/>
             </a:spcAft>
+            <a:buNone/>
           </a:pPr>
           <a:endParaRPr lang="en-US" sz="500" kern="1200"/>
         </a:p>
@@ -6046,12 +5572,12 @@
         </a:fontRef>
       </dsp:style>
       <dsp:txBody>
-        <a:bodyPr spcFirstLastPara="0" vert="horz" wrap="square" lIns="12700" tIns="12700" rIns="12700" bIns="12700" numCol="1" spcCol="1270" anchor="ctr" anchorCtr="0">
+        <a:bodyPr spcFirstLastPara="0" vert="horz" wrap="square" lIns="13335" tIns="13335" rIns="13335" bIns="13335" numCol="1" spcCol="1270" anchor="ctr" anchorCtr="0">
           <a:noAutofit/>
         </a:bodyPr>
         <a:lstStyle/>
         <a:p>
-          <a:pPr lvl="0" algn="ctr" defTabSz="889000">
+          <a:pPr marL="0" lvl="0" indent="0" algn="ctr" defTabSz="933450">
             <a:lnSpc>
               <a:spcPct val="90000"/>
             </a:lnSpc>
@@ -6061,12 +5587,13 @@
             <a:spcAft>
               <a:spcPct val="35000"/>
             </a:spcAft>
+            <a:buNone/>
           </a:pPr>
           <a:r>
-            <a:rPr lang="en-US" altLang="zh-CN" sz="2000" kern="1200" dirty="0" smtClean="0"/>
+            <a:rPr lang="en-US" altLang="zh-CN" sz="2100" kern="1200" dirty="0"/>
             <a:t>Traditional</a:t>
           </a:r>
-          <a:endParaRPr lang="en-US" sz="2000" kern="1200" dirty="0"/>
+          <a:endParaRPr lang="en-US" sz="2100" kern="1200" dirty="0"/>
         </a:p>
       </dsp:txBody>
       <dsp:txXfrm>
@@ -6133,7 +5660,7 @@
         </a:bodyPr>
         <a:lstStyle/>
         <a:p>
-          <a:pPr lvl="0" algn="ctr" defTabSz="222250">
+          <a:pPr marL="0" lvl="0" indent="0" algn="ctr" defTabSz="222250">
             <a:lnSpc>
               <a:spcPct val="90000"/>
             </a:lnSpc>
@@ -6143,6 +5670,7 @@
             <a:spcAft>
               <a:spcPct val="35000"/>
             </a:spcAft>
+            <a:buNone/>
           </a:pPr>
           <a:endParaRPr lang="en-US" sz="500" kern="1200"/>
         </a:p>
@@ -6203,12 +5731,12 @@
         </a:fontRef>
       </dsp:style>
       <dsp:txBody>
-        <a:bodyPr spcFirstLastPara="0" vert="horz" wrap="square" lIns="12700" tIns="12700" rIns="12700" bIns="12700" numCol="1" spcCol="1270" anchor="ctr" anchorCtr="0">
+        <a:bodyPr spcFirstLastPara="0" vert="horz" wrap="square" lIns="13335" tIns="13335" rIns="13335" bIns="13335" numCol="1" spcCol="1270" anchor="ctr" anchorCtr="0">
           <a:noAutofit/>
         </a:bodyPr>
         <a:lstStyle/>
         <a:p>
-          <a:pPr lvl="0" algn="ctr" defTabSz="889000">
+          <a:pPr marL="0" lvl="0" indent="0" algn="ctr" defTabSz="933450">
             <a:lnSpc>
               <a:spcPct val="90000"/>
             </a:lnSpc>
@@ -6218,20 +5746,21 @@
             <a:spcAft>
               <a:spcPct val="35000"/>
             </a:spcAft>
+            <a:buNone/>
           </a:pPr>
           <a:r>
-            <a:rPr lang="en-US" altLang="zh-CN" sz="2000" kern="1200" dirty="0" smtClean="0"/>
+            <a:rPr lang="en-US" altLang="zh-CN" sz="2100" kern="1200" dirty="0"/>
             <a:t>Genetic</a:t>
           </a:r>
           <a:r>
-            <a:rPr lang="zh-CN" altLang="en-US" sz="2000" kern="1200" dirty="0" smtClean="0"/>
+            <a:rPr lang="zh-CN" altLang="en-US" sz="2100" kern="1200" dirty="0"/>
             <a:t> </a:t>
           </a:r>
           <a:r>
-            <a:rPr lang="en-US" altLang="zh-CN" sz="2000" kern="1200" dirty="0" smtClean="0"/>
+            <a:rPr lang="en-US" altLang="zh-CN" sz="2100" kern="1200" dirty="0"/>
             <a:t>Algorithm</a:t>
           </a:r>
-          <a:endParaRPr lang="en-US" sz="2000" kern="1200" dirty="0"/>
+          <a:endParaRPr lang="en-US" sz="2100" kern="1200" dirty="0"/>
         </a:p>
       </dsp:txBody>
       <dsp:txXfrm>
@@ -6298,7 +5827,7 @@
         </a:bodyPr>
         <a:lstStyle/>
         <a:p>
-          <a:pPr lvl="0" algn="ctr" defTabSz="222250">
+          <a:pPr marL="0" lvl="0" indent="0" algn="ctr" defTabSz="222250">
             <a:lnSpc>
               <a:spcPct val="90000"/>
             </a:lnSpc>
@@ -6308,6 +5837,7 @@
             <a:spcAft>
               <a:spcPct val="35000"/>
             </a:spcAft>
+            <a:buNone/>
           </a:pPr>
           <a:endParaRPr lang="en-US" sz="500" kern="1200"/>
         </a:p>
@@ -6368,12 +5898,12 @@
         </a:fontRef>
       </dsp:style>
       <dsp:txBody>
-        <a:bodyPr spcFirstLastPara="0" vert="horz" wrap="square" lIns="12700" tIns="12700" rIns="12700" bIns="12700" numCol="1" spcCol="1270" anchor="ctr" anchorCtr="0">
+        <a:bodyPr spcFirstLastPara="0" vert="horz" wrap="square" lIns="13335" tIns="13335" rIns="13335" bIns="13335" numCol="1" spcCol="1270" anchor="ctr" anchorCtr="0">
           <a:noAutofit/>
         </a:bodyPr>
         <a:lstStyle/>
         <a:p>
-          <a:pPr lvl="0" algn="ctr" defTabSz="889000">
+          <a:pPr marL="0" lvl="0" indent="0" algn="ctr" defTabSz="933450">
             <a:lnSpc>
               <a:spcPct val="90000"/>
             </a:lnSpc>
@@ -6383,20 +5913,21 @@
             <a:spcAft>
               <a:spcPct val="35000"/>
             </a:spcAft>
+            <a:buNone/>
           </a:pPr>
           <a:r>
-            <a:rPr lang="en-US" altLang="zh-CN" sz="2000" kern="1200" dirty="0" smtClean="0"/>
+            <a:rPr lang="en-US" altLang="zh-CN" sz="2100" kern="1200" dirty="0"/>
             <a:t>Machine</a:t>
           </a:r>
           <a:r>
-            <a:rPr lang="zh-CN" altLang="en-US" sz="2000" kern="1200" dirty="0" smtClean="0"/>
+            <a:rPr lang="zh-CN" altLang="en-US" sz="2100" kern="1200" dirty="0"/>
             <a:t> </a:t>
           </a:r>
           <a:r>
-            <a:rPr lang="en-US" altLang="zh-CN" sz="2000" kern="1200" dirty="0" smtClean="0"/>
+            <a:rPr lang="en-US" altLang="zh-CN" sz="2100" kern="1200" dirty="0"/>
             <a:t>Learning</a:t>
           </a:r>
-          <a:endParaRPr lang="en-US" sz="2000" kern="1200" dirty="0"/>
+          <a:endParaRPr lang="en-US" sz="2100" kern="1200" dirty="0"/>
         </a:p>
       </dsp:txBody>
       <dsp:txXfrm>
@@ -6463,7 +5994,7 @@
         </a:bodyPr>
         <a:lstStyle/>
         <a:p>
-          <a:pPr lvl="0" algn="ctr" defTabSz="222250">
+          <a:pPr marL="0" lvl="0" indent="0" algn="ctr" defTabSz="222250">
             <a:lnSpc>
               <a:spcPct val="90000"/>
             </a:lnSpc>
@@ -6473,6 +6004,7 @@
             <a:spcAft>
               <a:spcPct val="35000"/>
             </a:spcAft>
+            <a:buNone/>
           </a:pPr>
           <a:endParaRPr lang="en-US" sz="500" kern="1200"/>
         </a:p>
@@ -6533,12 +6065,12 @@
         </a:fontRef>
       </dsp:style>
       <dsp:txBody>
-        <a:bodyPr spcFirstLastPara="0" vert="horz" wrap="square" lIns="12700" tIns="12700" rIns="12700" bIns="12700" numCol="1" spcCol="1270" anchor="ctr" anchorCtr="0">
+        <a:bodyPr spcFirstLastPara="0" vert="horz" wrap="square" lIns="13335" tIns="13335" rIns="13335" bIns="13335" numCol="1" spcCol="1270" anchor="ctr" anchorCtr="0">
           <a:noAutofit/>
         </a:bodyPr>
         <a:lstStyle/>
         <a:p>
-          <a:pPr lvl="0" algn="ctr" defTabSz="889000">
+          <a:pPr marL="0" lvl="0" indent="0" algn="ctr" defTabSz="933450">
             <a:lnSpc>
               <a:spcPct val="90000"/>
             </a:lnSpc>
@@ -6548,28 +6080,29 @@
             <a:spcAft>
               <a:spcPct val="35000"/>
             </a:spcAft>
+            <a:buNone/>
           </a:pPr>
           <a:r>
-            <a:rPr lang="en-US" altLang="zh-CN" sz="2000" kern="1200" dirty="0" smtClean="0"/>
+            <a:rPr lang="en-US" altLang="zh-CN" sz="2100" kern="1200" dirty="0"/>
             <a:t>Recurrent</a:t>
           </a:r>
           <a:r>
-            <a:rPr lang="zh-CN" altLang="en-US" sz="2000" kern="1200" dirty="0" smtClean="0"/>
+            <a:rPr lang="zh-CN" altLang="en-US" sz="2100" kern="1200" dirty="0"/>
             <a:t> </a:t>
           </a:r>
           <a:r>
-            <a:rPr lang="en-US" altLang="zh-CN" sz="2000" kern="1200" dirty="0" smtClean="0"/>
+            <a:rPr lang="en-US" altLang="zh-CN" sz="2100" kern="1200" dirty="0"/>
             <a:t>Neural</a:t>
           </a:r>
           <a:r>
-            <a:rPr lang="zh-CN" altLang="en-US" sz="2000" kern="1200" dirty="0" smtClean="0"/>
+            <a:rPr lang="zh-CN" altLang="en-US" sz="2100" kern="1200" dirty="0"/>
             <a:t> </a:t>
           </a:r>
           <a:r>
-            <a:rPr lang="en-US" altLang="zh-CN" sz="2000" kern="1200" dirty="0" smtClean="0"/>
+            <a:rPr lang="en-US" altLang="zh-CN" sz="2100" kern="1200" dirty="0"/>
             <a:t>Network</a:t>
           </a:r>
-          <a:endParaRPr lang="en-US" sz="2000" kern="1200" dirty="0"/>
+          <a:endParaRPr lang="en-US" sz="2100" kern="1200" dirty="0"/>
         </a:p>
       </dsp:txBody>
       <dsp:txXfrm>
@@ -6636,7 +6169,7 @@
         </a:bodyPr>
         <a:lstStyle/>
         <a:p>
-          <a:pPr lvl="0" algn="ctr" defTabSz="222250">
+          <a:pPr marL="0" lvl="0" indent="0" algn="ctr" defTabSz="222250">
             <a:lnSpc>
               <a:spcPct val="90000"/>
             </a:lnSpc>
@@ -6646,6 +6179,7 @@
             <a:spcAft>
               <a:spcPct val="35000"/>
             </a:spcAft>
+            <a:buNone/>
           </a:pPr>
           <a:endParaRPr lang="en-US" sz="500" kern="1200"/>
         </a:p>
@@ -6706,12 +6240,12 @@
         </a:fontRef>
       </dsp:style>
       <dsp:txBody>
-        <a:bodyPr spcFirstLastPara="0" vert="horz" wrap="square" lIns="12700" tIns="12700" rIns="12700" bIns="12700" numCol="1" spcCol="1270" anchor="ctr" anchorCtr="0">
+        <a:bodyPr spcFirstLastPara="0" vert="horz" wrap="square" lIns="13335" tIns="13335" rIns="13335" bIns="13335" numCol="1" spcCol="1270" anchor="ctr" anchorCtr="0">
           <a:noAutofit/>
         </a:bodyPr>
         <a:lstStyle/>
         <a:p>
-          <a:pPr lvl="0" algn="ctr" defTabSz="889000">
+          <a:pPr marL="0" lvl="0" indent="0" algn="ctr" defTabSz="933450">
             <a:lnSpc>
               <a:spcPct val="90000"/>
             </a:lnSpc>
@@ -6721,12 +6255,13 @@
             <a:spcAft>
               <a:spcPct val="35000"/>
             </a:spcAft>
+            <a:buNone/>
           </a:pPr>
           <a:r>
-            <a:rPr lang="en-US" altLang="zh-CN" sz="2000" kern="1200" dirty="0" smtClean="0"/>
+            <a:rPr lang="en-US" altLang="zh-CN" sz="2100" kern="1200" dirty="0"/>
             <a:t>Generative Adversarial Networks</a:t>
           </a:r>
-          <a:endParaRPr lang="en-US" sz="2000" kern="1200" dirty="0"/>
+          <a:endParaRPr lang="en-US" sz="2100" kern="1200" dirty="0"/>
         </a:p>
       </dsp:txBody>
       <dsp:txXfrm>
@@ -6797,12 +6332,12 @@
         </a:fontRef>
       </dsp:style>
       <dsp:txBody>
-        <a:bodyPr spcFirstLastPara="0" vert="horz" wrap="square" lIns="12700" tIns="12700" rIns="12700" bIns="12700" numCol="1" spcCol="1270" anchor="ctr" anchorCtr="0">
+        <a:bodyPr spcFirstLastPara="0" vert="horz" wrap="square" lIns="13335" tIns="13335" rIns="13335" bIns="13335" numCol="1" spcCol="1270" anchor="ctr" anchorCtr="0">
           <a:noAutofit/>
         </a:bodyPr>
         <a:lstStyle/>
         <a:p>
-          <a:pPr lvl="0" algn="ctr" defTabSz="889000">
+          <a:pPr marL="0" lvl="0" indent="0" algn="ctr" defTabSz="933450">
             <a:lnSpc>
               <a:spcPct val="90000"/>
             </a:lnSpc>
@@ -6812,12 +6347,13 @@
             <a:spcAft>
               <a:spcPct val="35000"/>
             </a:spcAft>
+            <a:buNone/>
           </a:pPr>
           <a:r>
-            <a:rPr lang="en-US" altLang="zh-CN" sz="2000" kern="1200" dirty="0" smtClean="0"/>
+            <a:rPr lang="en-US" altLang="zh-CN" sz="2100" kern="1200" dirty="0"/>
             <a:t>Approaches</a:t>
           </a:r>
-          <a:endParaRPr lang="en-US" sz="2000" kern="1200" dirty="0"/>
+          <a:endParaRPr lang="en-US" sz="2100" kern="1200" dirty="0"/>
         </a:p>
       </dsp:txBody>
       <dsp:txXfrm>
@@ -6884,7 +6420,7 @@
         </a:bodyPr>
         <a:lstStyle/>
         <a:p>
-          <a:pPr lvl="0" algn="ctr" defTabSz="222250">
+          <a:pPr marL="0" lvl="0" indent="0" algn="ctr" defTabSz="222250">
             <a:lnSpc>
               <a:spcPct val="90000"/>
             </a:lnSpc>
@@ -6894,6 +6430,7 @@
             <a:spcAft>
               <a:spcPct val="35000"/>
             </a:spcAft>
+            <a:buNone/>
           </a:pPr>
           <a:endParaRPr lang="en-US" sz="500" kern="1200"/>
         </a:p>
@@ -6954,12 +6491,12 @@
         </a:fontRef>
       </dsp:style>
       <dsp:txBody>
-        <a:bodyPr spcFirstLastPara="0" vert="horz" wrap="square" lIns="12700" tIns="12700" rIns="12700" bIns="12700" numCol="1" spcCol="1270" anchor="ctr" anchorCtr="0">
+        <a:bodyPr spcFirstLastPara="0" vert="horz" wrap="square" lIns="13335" tIns="13335" rIns="13335" bIns="13335" numCol="1" spcCol="1270" anchor="ctr" anchorCtr="0">
           <a:noAutofit/>
         </a:bodyPr>
         <a:lstStyle/>
         <a:p>
-          <a:pPr lvl="0" algn="ctr" defTabSz="889000">
+          <a:pPr marL="0" lvl="0" indent="0" algn="ctr" defTabSz="933450">
             <a:lnSpc>
               <a:spcPct val="90000"/>
             </a:lnSpc>
@@ -6969,12 +6506,13 @@
             <a:spcAft>
               <a:spcPct val="35000"/>
             </a:spcAft>
+            <a:buNone/>
           </a:pPr>
           <a:r>
-            <a:rPr lang="en-US" altLang="zh-CN" sz="2000" kern="1200" dirty="0" smtClean="0"/>
+            <a:rPr lang="en-US" altLang="zh-CN" sz="2100" kern="1200" dirty="0"/>
             <a:t>Traditional</a:t>
           </a:r>
-          <a:endParaRPr lang="en-US" sz="2000" kern="1200" dirty="0"/>
+          <a:endParaRPr lang="en-US" sz="2100" kern="1200" dirty="0"/>
         </a:p>
       </dsp:txBody>
       <dsp:txXfrm>
@@ -7041,7 +6579,7 @@
         </a:bodyPr>
         <a:lstStyle/>
         <a:p>
-          <a:pPr lvl="0" algn="ctr" defTabSz="222250">
+          <a:pPr marL="0" lvl="0" indent="0" algn="ctr" defTabSz="222250">
             <a:lnSpc>
               <a:spcPct val="90000"/>
             </a:lnSpc>
@@ -7051,6 +6589,7 @@
             <a:spcAft>
               <a:spcPct val="35000"/>
             </a:spcAft>
+            <a:buNone/>
           </a:pPr>
           <a:endParaRPr lang="en-US" sz="500" kern="1200"/>
         </a:p>
@@ -7111,12 +6650,12 @@
         </a:fontRef>
       </dsp:style>
       <dsp:txBody>
-        <a:bodyPr spcFirstLastPara="0" vert="horz" wrap="square" lIns="12700" tIns="12700" rIns="12700" bIns="12700" numCol="1" spcCol="1270" anchor="ctr" anchorCtr="0">
+        <a:bodyPr spcFirstLastPara="0" vert="horz" wrap="square" lIns="13335" tIns="13335" rIns="13335" bIns="13335" numCol="1" spcCol="1270" anchor="ctr" anchorCtr="0">
           <a:noAutofit/>
         </a:bodyPr>
         <a:lstStyle/>
         <a:p>
-          <a:pPr lvl="0" algn="ctr" defTabSz="889000">
+          <a:pPr marL="0" lvl="0" indent="0" algn="ctr" defTabSz="933450">
             <a:lnSpc>
               <a:spcPct val="90000"/>
             </a:lnSpc>
@@ -7126,20 +6665,21 @@
             <a:spcAft>
               <a:spcPct val="35000"/>
             </a:spcAft>
+            <a:buNone/>
           </a:pPr>
           <a:r>
-            <a:rPr lang="en-US" altLang="zh-CN" sz="2000" kern="1200" dirty="0" smtClean="0"/>
+            <a:rPr lang="en-US" altLang="zh-CN" sz="2100" kern="1200" dirty="0"/>
             <a:t>Genetic</a:t>
           </a:r>
           <a:r>
-            <a:rPr lang="zh-CN" altLang="en-US" sz="2000" kern="1200" dirty="0" smtClean="0"/>
+            <a:rPr lang="zh-CN" altLang="en-US" sz="2100" kern="1200" dirty="0"/>
             <a:t> </a:t>
           </a:r>
           <a:r>
-            <a:rPr lang="en-US" altLang="zh-CN" sz="2000" kern="1200" dirty="0" smtClean="0"/>
+            <a:rPr lang="en-US" altLang="zh-CN" sz="2100" kern="1200" dirty="0"/>
             <a:t>Algorithm</a:t>
           </a:r>
-          <a:endParaRPr lang="en-US" sz="2000" kern="1200" dirty="0"/>
+          <a:endParaRPr lang="en-US" sz="2100" kern="1200" dirty="0"/>
         </a:p>
       </dsp:txBody>
       <dsp:txXfrm>
@@ -7206,7 +6746,7 @@
         </a:bodyPr>
         <a:lstStyle/>
         <a:p>
-          <a:pPr lvl="0" algn="ctr" defTabSz="222250">
+          <a:pPr marL="0" lvl="0" indent="0" algn="ctr" defTabSz="222250">
             <a:lnSpc>
               <a:spcPct val="90000"/>
             </a:lnSpc>
@@ -7216,6 +6756,7 @@
             <a:spcAft>
               <a:spcPct val="35000"/>
             </a:spcAft>
+            <a:buNone/>
           </a:pPr>
           <a:endParaRPr lang="en-US" sz="500" kern="1200"/>
         </a:p>
@@ -7273,12 +6814,12 @@
         </a:fontRef>
       </dsp:style>
       <dsp:txBody>
-        <a:bodyPr spcFirstLastPara="0" vert="horz" wrap="square" lIns="12700" tIns="12700" rIns="12700" bIns="12700" numCol="1" spcCol="1270" anchor="ctr" anchorCtr="0">
+        <a:bodyPr spcFirstLastPara="0" vert="horz" wrap="square" lIns="13335" tIns="13335" rIns="13335" bIns="13335" numCol="1" spcCol="1270" anchor="ctr" anchorCtr="0">
           <a:noAutofit/>
         </a:bodyPr>
         <a:lstStyle/>
         <a:p>
-          <a:pPr lvl="0" algn="ctr" defTabSz="889000">
+          <a:pPr marL="0" lvl="0" indent="0" algn="ctr" defTabSz="933450">
             <a:lnSpc>
               <a:spcPct val="90000"/>
             </a:lnSpc>
@@ -7288,20 +6829,21 @@
             <a:spcAft>
               <a:spcPct val="35000"/>
             </a:spcAft>
+            <a:buNone/>
           </a:pPr>
           <a:r>
-            <a:rPr lang="en-US" altLang="zh-CN" sz="2000" kern="1200" dirty="0" smtClean="0"/>
+            <a:rPr lang="en-US" altLang="zh-CN" sz="2100" kern="1200" dirty="0"/>
             <a:t>Machine</a:t>
           </a:r>
           <a:r>
-            <a:rPr lang="zh-CN" altLang="en-US" sz="2000" kern="1200" dirty="0" smtClean="0"/>
+            <a:rPr lang="zh-CN" altLang="en-US" sz="2100" kern="1200" dirty="0"/>
             <a:t> </a:t>
           </a:r>
           <a:r>
-            <a:rPr lang="en-US" altLang="zh-CN" sz="2000" kern="1200" dirty="0" smtClean="0"/>
+            <a:rPr lang="en-US" altLang="zh-CN" sz="2100" kern="1200" dirty="0"/>
             <a:t>Learning</a:t>
           </a:r>
-          <a:endParaRPr lang="en-US" sz="2000" kern="1200" dirty="0"/>
+          <a:endParaRPr lang="en-US" sz="2100" kern="1200" dirty="0"/>
         </a:p>
       </dsp:txBody>
       <dsp:txXfrm>
@@ -7368,7 +6910,7 @@
         </a:bodyPr>
         <a:lstStyle/>
         <a:p>
-          <a:pPr lvl="0" algn="ctr" defTabSz="222250">
+          <a:pPr marL="0" lvl="0" indent="0" algn="ctr" defTabSz="222250">
             <a:lnSpc>
               <a:spcPct val="90000"/>
             </a:lnSpc>
@@ -7378,6 +6920,7 @@
             <a:spcAft>
               <a:spcPct val="35000"/>
             </a:spcAft>
+            <a:buNone/>
           </a:pPr>
           <a:endParaRPr lang="en-US" sz="500" kern="1200"/>
         </a:p>
@@ -7435,12 +6978,12 @@
         </a:fontRef>
       </dsp:style>
       <dsp:txBody>
-        <a:bodyPr spcFirstLastPara="0" vert="horz" wrap="square" lIns="12700" tIns="12700" rIns="12700" bIns="12700" numCol="1" spcCol="1270" anchor="ctr" anchorCtr="0">
+        <a:bodyPr spcFirstLastPara="0" vert="horz" wrap="square" lIns="13335" tIns="13335" rIns="13335" bIns="13335" numCol="1" spcCol="1270" anchor="ctr" anchorCtr="0">
           <a:noAutofit/>
         </a:bodyPr>
         <a:lstStyle/>
         <a:p>
-          <a:pPr lvl="0" algn="ctr" defTabSz="889000">
+          <a:pPr marL="0" lvl="0" indent="0" algn="ctr" defTabSz="933450">
             <a:lnSpc>
               <a:spcPct val="90000"/>
             </a:lnSpc>
@@ -7450,28 +6993,29 @@
             <a:spcAft>
               <a:spcPct val="35000"/>
             </a:spcAft>
+            <a:buNone/>
           </a:pPr>
           <a:r>
-            <a:rPr lang="en-US" altLang="zh-CN" sz="2000" kern="1200" dirty="0" smtClean="0"/>
+            <a:rPr lang="en-US" altLang="zh-CN" sz="2100" kern="1200" dirty="0"/>
             <a:t>Recurrent</a:t>
           </a:r>
           <a:r>
-            <a:rPr lang="zh-CN" altLang="en-US" sz="2000" kern="1200" dirty="0" smtClean="0"/>
+            <a:rPr lang="zh-CN" altLang="en-US" sz="2100" kern="1200" dirty="0"/>
             <a:t> </a:t>
           </a:r>
           <a:r>
-            <a:rPr lang="en-US" altLang="zh-CN" sz="2000" kern="1200" dirty="0" smtClean="0"/>
+            <a:rPr lang="en-US" altLang="zh-CN" sz="2100" kern="1200" dirty="0"/>
             <a:t>Neural</a:t>
           </a:r>
           <a:r>
-            <a:rPr lang="zh-CN" altLang="en-US" sz="2000" kern="1200" dirty="0" smtClean="0"/>
+            <a:rPr lang="zh-CN" altLang="en-US" sz="2100" kern="1200" dirty="0"/>
             <a:t> </a:t>
           </a:r>
           <a:r>
-            <a:rPr lang="en-US" altLang="zh-CN" sz="2000" kern="1200" dirty="0" smtClean="0"/>
+            <a:rPr lang="en-US" altLang="zh-CN" sz="2100" kern="1200" dirty="0"/>
             <a:t>Network</a:t>
           </a:r>
-          <a:endParaRPr lang="en-US" sz="2000" kern="1200" dirty="0"/>
+          <a:endParaRPr lang="en-US" sz="2100" kern="1200" dirty="0"/>
         </a:p>
       </dsp:txBody>
       <dsp:txXfrm>
@@ -7538,7 +7082,7 @@
         </a:bodyPr>
         <a:lstStyle/>
         <a:p>
-          <a:pPr lvl="0" algn="ctr" defTabSz="222250">
+          <a:pPr marL="0" lvl="0" indent="0" algn="ctr" defTabSz="222250">
             <a:lnSpc>
               <a:spcPct val="90000"/>
             </a:lnSpc>
@@ -7548,6 +7092,7 @@
             <a:spcAft>
               <a:spcPct val="35000"/>
             </a:spcAft>
+            <a:buNone/>
           </a:pPr>
           <a:endParaRPr lang="en-US" sz="500" kern="1200"/>
         </a:p>
@@ -7605,12 +7150,12 @@
         </a:fontRef>
       </dsp:style>
       <dsp:txBody>
-        <a:bodyPr spcFirstLastPara="0" vert="horz" wrap="square" lIns="12700" tIns="12700" rIns="12700" bIns="12700" numCol="1" spcCol="1270" anchor="ctr" anchorCtr="0">
+        <a:bodyPr spcFirstLastPara="0" vert="horz" wrap="square" lIns="13335" tIns="13335" rIns="13335" bIns="13335" numCol="1" spcCol="1270" anchor="ctr" anchorCtr="0">
           <a:noAutofit/>
         </a:bodyPr>
         <a:lstStyle/>
         <a:p>
-          <a:pPr lvl="0" algn="ctr" defTabSz="889000">
+          <a:pPr marL="0" lvl="0" indent="0" algn="ctr" defTabSz="933450">
             <a:lnSpc>
               <a:spcPct val="90000"/>
             </a:lnSpc>
@@ -7620,12 +7165,13 @@
             <a:spcAft>
               <a:spcPct val="35000"/>
             </a:spcAft>
+            <a:buNone/>
           </a:pPr>
           <a:r>
-            <a:rPr lang="en-US" altLang="zh-CN" sz="2000" kern="1200" dirty="0" smtClean="0"/>
+            <a:rPr lang="en-US" altLang="zh-CN" sz="2100" kern="1200" dirty="0"/>
             <a:t>Generative Adversarial Networks</a:t>
           </a:r>
-          <a:endParaRPr lang="en-US" sz="2000" kern="1200" dirty="0"/>
+          <a:endParaRPr lang="en-US" sz="2100" kern="1200" dirty="0"/>
         </a:p>
       </dsp:txBody>
       <dsp:txXfrm>
@@ -7696,12 +7242,12 @@
         </a:fontRef>
       </dsp:style>
       <dsp:txBody>
-        <a:bodyPr spcFirstLastPara="0" vert="horz" wrap="square" lIns="12700" tIns="12700" rIns="12700" bIns="12700" numCol="1" spcCol="1270" anchor="ctr" anchorCtr="0">
+        <a:bodyPr spcFirstLastPara="0" vert="horz" wrap="square" lIns="13335" tIns="13335" rIns="13335" bIns="13335" numCol="1" spcCol="1270" anchor="ctr" anchorCtr="0">
           <a:noAutofit/>
         </a:bodyPr>
         <a:lstStyle/>
         <a:p>
-          <a:pPr lvl="0" algn="ctr" defTabSz="889000">
+          <a:pPr marL="0" lvl="0" indent="0" algn="ctr" defTabSz="933450">
             <a:lnSpc>
               <a:spcPct val="90000"/>
             </a:lnSpc>
@@ -7711,12 +7257,13 @@
             <a:spcAft>
               <a:spcPct val="35000"/>
             </a:spcAft>
+            <a:buNone/>
           </a:pPr>
           <a:r>
-            <a:rPr lang="en-US" altLang="zh-CN" sz="2000" kern="1200" dirty="0" smtClean="0"/>
+            <a:rPr lang="en-US" altLang="zh-CN" sz="2100" kern="1200" dirty="0"/>
             <a:t>Approaches</a:t>
           </a:r>
-          <a:endParaRPr lang="en-US" sz="2000" kern="1200" dirty="0"/>
+          <a:endParaRPr lang="en-US" sz="2100" kern="1200" dirty="0"/>
         </a:p>
       </dsp:txBody>
       <dsp:txXfrm>
@@ -7783,7 +7330,7 @@
         </a:bodyPr>
         <a:lstStyle/>
         <a:p>
-          <a:pPr lvl="0" algn="ctr" defTabSz="222250">
+          <a:pPr marL="0" lvl="0" indent="0" algn="ctr" defTabSz="222250">
             <a:lnSpc>
               <a:spcPct val="90000"/>
             </a:lnSpc>
@@ -7793,6 +7340,7 @@
             <a:spcAft>
               <a:spcPct val="35000"/>
             </a:spcAft>
+            <a:buNone/>
           </a:pPr>
           <a:endParaRPr lang="en-US" sz="500" kern="1200"/>
         </a:p>
@@ -7848,12 +7396,12 @@
         </a:fontRef>
       </dsp:style>
       <dsp:txBody>
-        <a:bodyPr spcFirstLastPara="0" vert="horz" wrap="square" lIns="12700" tIns="12700" rIns="12700" bIns="12700" numCol="1" spcCol="1270" anchor="ctr" anchorCtr="0">
+        <a:bodyPr spcFirstLastPara="0" vert="horz" wrap="square" lIns="13335" tIns="13335" rIns="13335" bIns="13335" numCol="1" spcCol="1270" anchor="ctr" anchorCtr="0">
           <a:noAutofit/>
         </a:bodyPr>
         <a:lstStyle/>
         <a:p>
-          <a:pPr lvl="0" algn="ctr" defTabSz="889000">
+          <a:pPr marL="0" lvl="0" indent="0" algn="ctr" defTabSz="933450">
             <a:lnSpc>
               <a:spcPct val="90000"/>
             </a:lnSpc>
@@ -7863,12 +7411,13 @@
             <a:spcAft>
               <a:spcPct val="35000"/>
             </a:spcAft>
+            <a:buNone/>
           </a:pPr>
           <a:r>
-            <a:rPr lang="en-US" altLang="zh-CN" sz="2000" kern="1200" dirty="0" smtClean="0"/>
+            <a:rPr lang="en-US" altLang="zh-CN" sz="2100" kern="1200" dirty="0"/>
             <a:t>Traditional</a:t>
           </a:r>
-          <a:endParaRPr lang="en-US" sz="2000" kern="1200" dirty="0"/>
+          <a:endParaRPr lang="en-US" sz="2100" kern="1200" dirty="0"/>
         </a:p>
       </dsp:txBody>
       <dsp:txXfrm>
@@ -7935,7 +7484,7 @@
         </a:bodyPr>
         <a:lstStyle/>
         <a:p>
-          <a:pPr lvl="0" algn="ctr" defTabSz="222250">
+          <a:pPr marL="0" lvl="0" indent="0" algn="ctr" defTabSz="222250">
             <a:lnSpc>
               <a:spcPct val="90000"/>
             </a:lnSpc>
@@ -7945,6 +7494,7 @@
             <a:spcAft>
               <a:spcPct val="35000"/>
             </a:spcAft>
+            <a:buNone/>
           </a:pPr>
           <a:endParaRPr lang="en-US" sz="500" kern="1200"/>
         </a:p>
@@ -8000,12 +7550,12 @@
         </a:fontRef>
       </dsp:style>
       <dsp:txBody>
-        <a:bodyPr spcFirstLastPara="0" vert="horz" wrap="square" lIns="12700" tIns="12700" rIns="12700" bIns="12700" numCol="1" spcCol="1270" anchor="ctr" anchorCtr="0">
+        <a:bodyPr spcFirstLastPara="0" vert="horz" wrap="square" lIns="13335" tIns="13335" rIns="13335" bIns="13335" numCol="1" spcCol="1270" anchor="ctr" anchorCtr="0">
           <a:noAutofit/>
         </a:bodyPr>
         <a:lstStyle/>
         <a:p>
-          <a:pPr lvl="0" algn="ctr" defTabSz="889000">
+          <a:pPr marL="0" lvl="0" indent="0" algn="ctr" defTabSz="933450">
             <a:lnSpc>
               <a:spcPct val="90000"/>
             </a:lnSpc>
@@ -8015,20 +7565,21 @@
             <a:spcAft>
               <a:spcPct val="35000"/>
             </a:spcAft>
+            <a:buNone/>
           </a:pPr>
           <a:r>
-            <a:rPr lang="en-US" altLang="zh-CN" sz="2000" kern="1200" dirty="0" smtClean="0"/>
+            <a:rPr lang="en-US" altLang="zh-CN" sz="2100" kern="1200" dirty="0"/>
             <a:t>Genetic</a:t>
           </a:r>
           <a:r>
-            <a:rPr lang="zh-CN" altLang="en-US" sz="2000" kern="1200" dirty="0" smtClean="0"/>
+            <a:rPr lang="zh-CN" altLang="en-US" sz="2100" kern="1200" dirty="0"/>
             <a:t> </a:t>
           </a:r>
           <a:r>
-            <a:rPr lang="en-US" altLang="zh-CN" sz="2000" kern="1200" dirty="0" smtClean="0"/>
+            <a:rPr lang="en-US" altLang="zh-CN" sz="2100" kern="1200" dirty="0"/>
             <a:t>Algorithm</a:t>
           </a:r>
-          <a:endParaRPr lang="en-US" sz="2000" kern="1200" dirty="0"/>
+          <a:endParaRPr lang="en-US" sz="2100" kern="1200" dirty="0"/>
         </a:p>
       </dsp:txBody>
       <dsp:txXfrm>
@@ -8095,7 +7646,7 @@
         </a:bodyPr>
         <a:lstStyle/>
         <a:p>
-          <a:pPr lvl="0" algn="ctr" defTabSz="222250">
+          <a:pPr marL="0" lvl="0" indent="0" algn="ctr" defTabSz="222250">
             <a:lnSpc>
               <a:spcPct val="90000"/>
             </a:lnSpc>
@@ -8105,6 +7656,7 @@
             <a:spcAft>
               <a:spcPct val="35000"/>
             </a:spcAft>
+            <a:buNone/>
           </a:pPr>
           <a:endParaRPr lang="en-US" sz="500" kern="1200"/>
         </a:p>
@@ -8165,12 +7717,12 @@
         </a:fontRef>
       </dsp:style>
       <dsp:txBody>
-        <a:bodyPr spcFirstLastPara="0" vert="horz" wrap="square" lIns="12700" tIns="12700" rIns="12700" bIns="12700" numCol="1" spcCol="1270" anchor="ctr" anchorCtr="0">
+        <a:bodyPr spcFirstLastPara="0" vert="horz" wrap="square" lIns="13335" tIns="13335" rIns="13335" bIns="13335" numCol="1" spcCol="1270" anchor="ctr" anchorCtr="0">
           <a:noAutofit/>
         </a:bodyPr>
         <a:lstStyle/>
         <a:p>
-          <a:pPr lvl="0" algn="ctr" defTabSz="889000">
+          <a:pPr marL="0" lvl="0" indent="0" algn="ctr" defTabSz="933450">
             <a:lnSpc>
               <a:spcPct val="90000"/>
             </a:lnSpc>
@@ -8180,20 +7732,21 @@
             <a:spcAft>
               <a:spcPct val="35000"/>
             </a:spcAft>
+            <a:buNone/>
           </a:pPr>
           <a:r>
-            <a:rPr lang="en-US" altLang="zh-CN" sz="2000" kern="1200" dirty="0" smtClean="0"/>
+            <a:rPr lang="en-US" altLang="zh-CN" sz="2100" kern="1200" dirty="0"/>
             <a:t>Machine</a:t>
           </a:r>
           <a:r>
-            <a:rPr lang="zh-CN" altLang="en-US" sz="2000" kern="1200" dirty="0" smtClean="0"/>
+            <a:rPr lang="zh-CN" altLang="en-US" sz="2100" kern="1200" dirty="0"/>
             <a:t> </a:t>
           </a:r>
           <a:r>
-            <a:rPr lang="en-US" altLang="zh-CN" sz="2000" kern="1200" dirty="0" smtClean="0"/>
+            <a:rPr lang="en-US" altLang="zh-CN" sz="2100" kern="1200" dirty="0"/>
             <a:t>Learning</a:t>
           </a:r>
-          <a:endParaRPr lang="en-US" sz="2000" kern="1200" dirty="0"/>
+          <a:endParaRPr lang="en-US" sz="2100" kern="1200" dirty="0"/>
         </a:p>
       </dsp:txBody>
       <dsp:txXfrm>
@@ -8260,7 +7813,7 @@
         </a:bodyPr>
         <a:lstStyle/>
         <a:p>
-          <a:pPr lvl="0" algn="ctr" defTabSz="222250">
+          <a:pPr marL="0" lvl="0" indent="0" algn="ctr" defTabSz="222250">
             <a:lnSpc>
               <a:spcPct val="90000"/>
             </a:lnSpc>
@@ -8270,6 +7823,7 @@
             <a:spcAft>
               <a:spcPct val="35000"/>
             </a:spcAft>
+            <a:buNone/>
           </a:pPr>
           <a:endParaRPr lang="en-US" sz="500" kern="1200"/>
         </a:p>
@@ -8330,12 +7884,12 @@
         </a:fontRef>
       </dsp:style>
       <dsp:txBody>
-        <a:bodyPr spcFirstLastPara="0" vert="horz" wrap="square" lIns="12700" tIns="12700" rIns="12700" bIns="12700" numCol="1" spcCol="1270" anchor="ctr" anchorCtr="0">
+        <a:bodyPr spcFirstLastPara="0" vert="horz" wrap="square" lIns="13335" tIns="13335" rIns="13335" bIns="13335" numCol="1" spcCol="1270" anchor="ctr" anchorCtr="0">
           <a:noAutofit/>
         </a:bodyPr>
         <a:lstStyle/>
         <a:p>
-          <a:pPr lvl="0" algn="ctr" defTabSz="889000">
+          <a:pPr marL="0" lvl="0" indent="0" algn="ctr" defTabSz="933450">
             <a:lnSpc>
               <a:spcPct val="90000"/>
             </a:lnSpc>
@@ -8345,28 +7899,29 @@
             <a:spcAft>
               <a:spcPct val="35000"/>
             </a:spcAft>
+            <a:buNone/>
           </a:pPr>
           <a:r>
-            <a:rPr lang="en-US" altLang="zh-CN" sz="2000" kern="1200" dirty="0" smtClean="0"/>
+            <a:rPr lang="en-US" altLang="zh-CN" sz="2100" kern="1200" dirty="0"/>
             <a:t>Recurrent</a:t>
           </a:r>
           <a:r>
-            <a:rPr lang="zh-CN" altLang="en-US" sz="2000" kern="1200" dirty="0" smtClean="0"/>
+            <a:rPr lang="zh-CN" altLang="en-US" sz="2100" kern="1200" dirty="0"/>
             <a:t> </a:t>
           </a:r>
           <a:r>
-            <a:rPr lang="en-US" altLang="zh-CN" sz="2000" kern="1200" dirty="0" smtClean="0"/>
+            <a:rPr lang="en-US" altLang="zh-CN" sz="2100" kern="1200" dirty="0"/>
             <a:t>Neural</a:t>
           </a:r>
           <a:r>
-            <a:rPr lang="zh-CN" altLang="en-US" sz="2000" kern="1200" dirty="0" smtClean="0"/>
+            <a:rPr lang="zh-CN" altLang="en-US" sz="2100" kern="1200" dirty="0"/>
             <a:t> </a:t>
           </a:r>
           <a:r>
-            <a:rPr lang="en-US" altLang="zh-CN" sz="2000" kern="1200" dirty="0" smtClean="0"/>
+            <a:rPr lang="en-US" altLang="zh-CN" sz="2100" kern="1200" dirty="0"/>
             <a:t>Network</a:t>
           </a:r>
-          <a:endParaRPr lang="en-US" sz="2000" kern="1200" dirty="0"/>
+          <a:endParaRPr lang="en-US" sz="2100" kern="1200" dirty="0"/>
         </a:p>
       </dsp:txBody>
       <dsp:txXfrm>
@@ -8433,7 +7988,7 @@
         </a:bodyPr>
         <a:lstStyle/>
         <a:p>
-          <a:pPr lvl="0" algn="ctr" defTabSz="222250">
+          <a:pPr marL="0" lvl="0" indent="0" algn="ctr" defTabSz="222250">
             <a:lnSpc>
               <a:spcPct val="90000"/>
             </a:lnSpc>
@@ -8443,6 +7998,7 @@
             <a:spcAft>
               <a:spcPct val="35000"/>
             </a:spcAft>
+            <a:buNone/>
           </a:pPr>
           <a:endParaRPr lang="en-US" sz="500" kern="1200"/>
         </a:p>
@@ -8498,12 +8054,12 @@
         </a:fontRef>
       </dsp:style>
       <dsp:txBody>
-        <a:bodyPr spcFirstLastPara="0" vert="horz" wrap="square" lIns="12700" tIns="12700" rIns="12700" bIns="12700" numCol="1" spcCol="1270" anchor="ctr" anchorCtr="0">
+        <a:bodyPr spcFirstLastPara="0" vert="horz" wrap="square" lIns="13335" tIns="13335" rIns="13335" bIns="13335" numCol="1" spcCol="1270" anchor="ctr" anchorCtr="0">
           <a:noAutofit/>
         </a:bodyPr>
         <a:lstStyle/>
         <a:p>
-          <a:pPr lvl="0" algn="ctr" defTabSz="889000">
+          <a:pPr marL="0" lvl="0" indent="0" algn="ctr" defTabSz="933450">
             <a:lnSpc>
               <a:spcPct val="90000"/>
             </a:lnSpc>
@@ -8513,12 +8069,13 @@
             <a:spcAft>
               <a:spcPct val="35000"/>
             </a:spcAft>
+            <a:buNone/>
           </a:pPr>
           <a:r>
-            <a:rPr lang="en-US" altLang="zh-CN" sz="2000" kern="1200" dirty="0" smtClean="0"/>
+            <a:rPr lang="en-US" altLang="zh-CN" sz="2100" kern="1200" dirty="0"/>
             <a:t>Generative Adversarial Networks</a:t>
           </a:r>
-          <a:endParaRPr lang="en-US" sz="2000" kern="1200" dirty="0"/>
+          <a:endParaRPr lang="en-US" sz="2100" kern="1200" dirty="0"/>
         </a:p>
       </dsp:txBody>
       <dsp:txXfrm>
@@ -8589,12 +8146,12 @@
         </a:fontRef>
       </dsp:style>
       <dsp:txBody>
-        <a:bodyPr spcFirstLastPara="0" vert="horz" wrap="square" lIns="12700" tIns="12700" rIns="12700" bIns="12700" numCol="1" spcCol="1270" anchor="ctr" anchorCtr="0">
+        <a:bodyPr spcFirstLastPara="0" vert="horz" wrap="square" lIns="13335" tIns="13335" rIns="13335" bIns="13335" numCol="1" spcCol="1270" anchor="ctr" anchorCtr="0">
           <a:noAutofit/>
         </a:bodyPr>
         <a:lstStyle/>
         <a:p>
-          <a:pPr lvl="0" algn="ctr" defTabSz="889000">
+          <a:pPr marL="0" lvl="0" indent="0" algn="ctr" defTabSz="933450">
             <a:lnSpc>
               <a:spcPct val="90000"/>
             </a:lnSpc>
@@ -8604,12 +8161,13 @@
             <a:spcAft>
               <a:spcPct val="35000"/>
             </a:spcAft>
+            <a:buNone/>
           </a:pPr>
           <a:r>
-            <a:rPr lang="en-US" altLang="zh-CN" sz="2000" kern="1200" dirty="0" smtClean="0"/>
+            <a:rPr lang="en-US" altLang="zh-CN" sz="2100" kern="1200" dirty="0"/>
             <a:t>Approaches</a:t>
           </a:r>
-          <a:endParaRPr lang="en-US" sz="2000" kern="1200" dirty="0"/>
+          <a:endParaRPr lang="en-US" sz="2100" kern="1200" dirty="0"/>
         </a:p>
       </dsp:txBody>
       <dsp:txXfrm>
@@ -8676,7 +8234,7 @@
         </a:bodyPr>
         <a:lstStyle/>
         <a:p>
-          <a:pPr lvl="0" algn="ctr" defTabSz="222250">
+          <a:pPr marL="0" lvl="0" indent="0" algn="ctr" defTabSz="222250">
             <a:lnSpc>
               <a:spcPct val="90000"/>
             </a:lnSpc>
@@ -8686,6 +8244,7 @@
             <a:spcAft>
               <a:spcPct val="35000"/>
             </a:spcAft>
+            <a:buNone/>
           </a:pPr>
           <a:endParaRPr lang="en-US" sz="500" kern="1200"/>
         </a:p>
@@ -8741,12 +8300,12 @@
         </a:fontRef>
       </dsp:style>
       <dsp:txBody>
-        <a:bodyPr spcFirstLastPara="0" vert="horz" wrap="square" lIns="12700" tIns="12700" rIns="12700" bIns="12700" numCol="1" spcCol="1270" anchor="ctr" anchorCtr="0">
+        <a:bodyPr spcFirstLastPara="0" vert="horz" wrap="square" lIns="13335" tIns="13335" rIns="13335" bIns="13335" numCol="1" spcCol="1270" anchor="ctr" anchorCtr="0">
           <a:noAutofit/>
         </a:bodyPr>
         <a:lstStyle/>
         <a:p>
-          <a:pPr lvl="0" algn="ctr" defTabSz="889000">
+          <a:pPr marL="0" lvl="0" indent="0" algn="ctr" defTabSz="933450">
             <a:lnSpc>
               <a:spcPct val="90000"/>
             </a:lnSpc>
@@ -8756,12 +8315,13 @@
             <a:spcAft>
               <a:spcPct val="35000"/>
             </a:spcAft>
+            <a:buNone/>
           </a:pPr>
           <a:r>
-            <a:rPr lang="en-US" altLang="zh-CN" sz="2000" kern="1200" dirty="0" smtClean="0"/>
+            <a:rPr lang="en-US" altLang="zh-CN" sz="2100" kern="1200" dirty="0"/>
             <a:t>Traditional</a:t>
           </a:r>
-          <a:endParaRPr lang="en-US" sz="2000" kern="1200" dirty="0"/>
+          <a:endParaRPr lang="en-US" sz="2100" kern="1200" dirty="0"/>
         </a:p>
       </dsp:txBody>
       <dsp:txXfrm>
@@ -8828,7 +8388,7 @@
         </a:bodyPr>
         <a:lstStyle/>
         <a:p>
-          <a:pPr lvl="0" algn="ctr" defTabSz="222250">
+          <a:pPr marL="0" lvl="0" indent="0" algn="ctr" defTabSz="222250">
             <a:lnSpc>
               <a:spcPct val="90000"/>
             </a:lnSpc>
@@ -8838,6 +8398,7 @@
             <a:spcAft>
               <a:spcPct val="35000"/>
             </a:spcAft>
+            <a:buNone/>
           </a:pPr>
           <a:endParaRPr lang="en-US" sz="500" kern="1200"/>
         </a:p>
@@ -8893,12 +8454,12 @@
         </a:fontRef>
       </dsp:style>
       <dsp:txBody>
-        <a:bodyPr spcFirstLastPara="0" vert="horz" wrap="square" lIns="12700" tIns="12700" rIns="12700" bIns="12700" numCol="1" spcCol="1270" anchor="ctr" anchorCtr="0">
+        <a:bodyPr spcFirstLastPara="0" vert="horz" wrap="square" lIns="13335" tIns="13335" rIns="13335" bIns="13335" numCol="1" spcCol="1270" anchor="ctr" anchorCtr="0">
           <a:noAutofit/>
         </a:bodyPr>
         <a:lstStyle/>
         <a:p>
-          <a:pPr lvl="0" algn="ctr" defTabSz="889000">
+          <a:pPr marL="0" lvl="0" indent="0" algn="ctr" defTabSz="933450">
             <a:lnSpc>
               <a:spcPct val="90000"/>
             </a:lnSpc>
@@ -8908,20 +8469,21 @@
             <a:spcAft>
               <a:spcPct val="35000"/>
             </a:spcAft>
+            <a:buNone/>
           </a:pPr>
           <a:r>
-            <a:rPr lang="en-US" altLang="zh-CN" sz="2000" kern="1200" dirty="0" smtClean="0"/>
+            <a:rPr lang="en-US" altLang="zh-CN" sz="2100" kern="1200" dirty="0"/>
             <a:t>Genetic</a:t>
           </a:r>
           <a:r>
-            <a:rPr lang="zh-CN" altLang="en-US" sz="2000" kern="1200" dirty="0" smtClean="0"/>
+            <a:rPr lang="zh-CN" altLang="en-US" sz="2100" kern="1200" dirty="0"/>
             <a:t> </a:t>
           </a:r>
           <a:r>
-            <a:rPr lang="en-US" altLang="zh-CN" sz="2000" kern="1200" dirty="0" smtClean="0"/>
+            <a:rPr lang="en-US" altLang="zh-CN" sz="2100" kern="1200" dirty="0"/>
             <a:t>Algorithm</a:t>
           </a:r>
-          <a:endParaRPr lang="en-US" sz="2000" kern="1200" dirty="0"/>
+          <a:endParaRPr lang="en-US" sz="2100" kern="1200" dirty="0"/>
         </a:p>
       </dsp:txBody>
       <dsp:txXfrm>
@@ -8988,7 +8550,7 @@
         </a:bodyPr>
         <a:lstStyle/>
         <a:p>
-          <a:pPr lvl="0" algn="ctr" defTabSz="222250">
+          <a:pPr marL="0" lvl="0" indent="0" algn="ctr" defTabSz="222250">
             <a:lnSpc>
               <a:spcPct val="90000"/>
             </a:lnSpc>
@@ -8998,6 +8560,7 @@
             <a:spcAft>
               <a:spcPct val="35000"/>
             </a:spcAft>
+            <a:buNone/>
           </a:pPr>
           <a:endParaRPr lang="en-US" sz="500" kern="1200"/>
         </a:p>
@@ -9058,12 +8621,12 @@
         </a:fontRef>
       </dsp:style>
       <dsp:txBody>
-        <a:bodyPr spcFirstLastPara="0" vert="horz" wrap="square" lIns="12700" tIns="12700" rIns="12700" bIns="12700" numCol="1" spcCol="1270" anchor="ctr" anchorCtr="0">
+        <a:bodyPr spcFirstLastPara="0" vert="horz" wrap="square" lIns="13335" tIns="13335" rIns="13335" bIns="13335" numCol="1" spcCol="1270" anchor="ctr" anchorCtr="0">
           <a:noAutofit/>
         </a:bodyPr>
         <a:lstStyle/>
         <a:p>
-          <a:pPr lvl="0" algn="ctr" defTabSz="889000">
+          <a:pPr marL="0" lvl="0" indent="0" algn="ctr" defTabSz="933450">
             <a:lnSpc>
               <a:spcPct val="90000"/>
             </a:lnSpc>
@@ -9073,20 +8636,21 @@
             <a:spcAft>
               <a:spcPct val="35000"/>
             </a:spcAft>
+            <a:buNone/>
           </a:pPr>
           <a:r>
-            <a:rPr lang="en-US" altLang="zh-CN" sz="2000" kern="1200" dirty="0" smtClean="0"/>
+            <a:rPr lang="en-US" altLang="zh-CN" sz="2100" kern="1200" dirty="0"/>
             <a:t>Machine</a:t>
           </a:r>
           <a:r>
-            <a:rPr lang="zh-CN" altLang="en-US" sz="2000" kern="1200" dirty="0" smtClean="0"/>
+            <a:rPr lang="zh-CN" altLang="en-US" sz="2100" kern="1200" dirty="0"/>
             <a:t> </a:t>
           </a:r>
           <a:r>
-            <a:rPr lang="en-US" altLang="zh-CN" sz="2000" kern="1200" dirty="0" smtClean="0"/>
+            <a:rPr lang="en-US" altLang="zh-CN" sz="2100" kern="1200" dirty="0"/>
             <a:t>Learning</a:t>
           </a:r>
-          <a:endParaRPr lang="en-US" sz="2000" kern="1200" dirty="0"/>
+          <a:endParaRPr lang="en-US" sz="2100" kern="1200" dirty="0"/>
         </a:p>
       </dsp:txBody>
       <dsp:txXfrm>
@@ -9153,7 +8717,7 @@
         </a:bodyPr>
         <a:lstStyle/>
         <a:p>
-          <a:pPr lvl="0" algn="ctr" defTabSz="222250">
+          <a:pPr marL="0" lvl="0" indent="0" algn="ctr" defTabSz="222250">
             <a:lnSpc>
               <a:spcPct val="90000"/>
             </a:lnSpc>
@@ -9163,6 +8727,7 @@
             <a:spcAft>
               <a:spcPct val="35000"/>
             </a:spcAft>
+            <a:buNone/>
           </a:pPr>
           <a:endParaRPr lang="en-US" sz="500" kern="1200"/>
         </a:p>
@@ -9220,12 +8785,12 @@
         </a:fontRef>
       </dsp:style>
       <dsp:txBody>
-        <a:bodyPr spcFirstLastPara="0" vert="horz" wrap="square" lIns="12700" tIns="12700" rIns="12700" bIns="12700" numCol="1" spcCol="1270" anchor="ctr" anchorCtr="0">
+        <a:bodyPr spcFirstLastPara="0" vert="horz" wrap="square" lIns="13335" tIns="13335" rIns="13335" bIns="13335" numCol="1" spcCol="1270" anchor="ctr" anchorCtr="0">
           <a:noAutofit/>
         </a:bodyPr>
         <a:lstStyle/>
         <a:p>
-          <a:pPr lvl="0" algn="ctr" defTabSz="889000">
+          <a:pPr marL="0" lvl="0" indent="0" algn="ctr" defTabSz="933450">
             <a:lnSpc>
               <a:spcPct val="90000"/>
             </a:lnSpc>
@@ -9235,28 +8800,29 @@
             <a:spcAft>
               <a:spcPct val="35000"/>
             </a:spcAft>
+            <a:buNone/>
           </a:pPr>
           <a:r>
-            <a:rPr lang="en-US" altLang="zh-CN" sz="2000" kern="1200" dirty="0" smtClean="0"/>
+            <a:rPr lang="en-US" altLang="zh-CN" sz="2100" kern="1200" dirty="0"/>
             <a:t>Recurrent</a:t>
           </a:r>
           <a:r>
-            <a:rPr lang="zh-CN" altLang="en-US" sz="2000" kern="1200" dirty="0" smtClean="0"/>
+            <a:rPr lang="zh-CN" altLang="en-US" sz="2100" kern="1200" dirty="0"/>
             <a:t> </a:t>
           </a:r>
           <a:r>
-            <a:rPr lang="en-US" altLang="zh-CN" sz="2000" kern="1200" dirty="0" smtClean="0"/>
+            <a:rPr lang="en-US" altLang="zh-CN" sz="2100" kern="1200" dirty="0"/>
             <a:t>Neural</a:t>
           </a:r>
           <a:r>
-            <a:rPr lang="zh-CN" altLang="en-US" sz="2000" kern="1200" dirty="0" smtClean="0"/>
+            <a:rPr lang="zh-CN" altLang="en-US" sz="2100" kern="1200" dirty="0"/>
             <a:t> </a:t>
           </a:r>
           <a:r>
-            <a:rPr lang="en-US" altLang="zh-CN" sz="2000" kern="1200" dirty="0" smtClean="0"/>
+            <a:rPr lang="en-US" altLang="zh-CN" sz="2100" kern="1200" dirty="0"/>
             <a:t>Network</a:t>
           </a:r>
-          <a:endParaRPr lang="en-US" sz="2000" kern="1200" dirty="0"/>
+          <a:endParaRPr lang="en-US" sz="2100" kern="1200" dirty="0"/>
         </a:p>
       </dsp:txBody>
       <dsp:txXfrm>
@@ -9323,7 +8889,7 @@
         </a:bodyPr>
         <a:lstStyle/>
         <a:p>
-          <a:pPr lvl="0" algn="ctr" defTabSz="222250">
+          <a:pPr marL="0" lvl="0" indent="0" algn="ctr" defTabSz="222250">
             <a:lnSpc>
               <a:spcPct val="90000"/>
             </a:lnSpc>
@@ -9333,6 +8899,7 @@
             <a:spcAft>
               <a:spcPct val="35000"/>
             </a:spcAft>
+            <a:buNone/>
           </a:pPr>
           <a:endParaRPr lang="en-US" sz="500" kern="1200"/>
         </a:p>
@@ -9390,12 +8957,12 @@
         </a:fontRef>
       </dsp:style>
       <dsp:txBody>
-        <a:bodyPr spcFirstLastPara="0" vert="horz" wrap="square" lIns="12700" tIns="12700" rIns="12700" bIns="12700" numCol="1" spcCol="1270" anchor="ctr" anchorCtr="0">
+        <a:bodyPr spcFirstLastPara="0" vert="horz" wrap="square" lIns="13335" tIns="13335" rIns="13335" bIns="13335" numCol="1" spcCol="1270" anchor="ctr" anchorCtr="0">
           <a:noAutofit/>
         </a:bodyPr>
         <a:lstStyle/>
         <a:p>
-          <a:pPr lvl="0" algn="ctr" defTabSz="889000">
+          <a:pPr marL="0" lvl="0" indent="0" algn="ctr" defTabSz="933450">
             <a:lnSpc>
               <a:spcPct val="90000"/>
             </a:lnSpc>
@@ -9405,12 +8972,13 @@
             <a:spcAft>
               <a:spcPct val="35000"/>
             </a:spcAft>
+            <a:buNone/>
           </a:pPr>
           <a:r>
-            <a:rPr lang="en-US" altLang="zh-CN" sz="2000" kern="1200" dirty="0" smtClean="0"/>
+            <a:rPr lang="en-US" altLang="zh-CN" sz="2100" kern="1200" dirty="0"/>
             <a:t>Generative Adversarial Networks</a:t>
           </a:r>
-          <a:endParaRPr lang="en-US" sz="2000" kern="1200" dirty="0"/>
+          <a:endParaRPr lang="en-US" sz="2100" kern="1200" dirty="0"/>
         </a:p>
       </dsp:txBody>
       <dsp:txXfrm>
@@ -16374,7 +15942,7 @@
           <a:bodyPr/>
           <a:lstStyle/>
           <a:p>
-            <a:endParaRPr lang="en-AU" sz="1200" b="0" i="0" u="none" strike="noStrike" kern="1200" cap="none" dirty="0" smtClean="0">
+            <a:endParaRPr lang="en-AU" sz="1200" b="0" i="0" u="none" strike="noStrike" kern="1200" cap="none" dirty="0">
               <a:solidFill>
                 <a:schemeClr val="dk1"/>
               </a:solidFill>
@@ -17267,333 +16835,329 @@
           <a:lstStyle/>
           <a:p>
             <a:r>
-              <a:rPr lang="en-US" dirty="0" smtClean="0"/>
-              <a:t>A recurrent neural network can be thought of as multiple copies of the same </a:t>
-            </a:r>
-            <a:r>
-              <a:rPr lang="en-US" dirty="0" smtClean="0"/>
-              <a:t>network</a:t>
-            </a:r>
-            <a:r>
-              <a:rPr lang="zh-CN" altLang="en-US" dirty="0" smtClean="0"/>
+              <a:rPr lang="en-US" dirty="0"/>
+              <a:t>A recurrent neural network can be thought of as multiple copies of the same network</a:t>
+            </a:r>
+            <a:r>
+              <a:rPr lang="zh-CN" altLang="en-US" dirty="0"/>
               <a:t> </a:t>
             </a:r>
             <a:r>
-              <a:rPr lang="en-US" altLang="zh-CN" dirty="0" smtClean="0"/>
+              <a:rPr lang="en-US" altLang="zh-CN" dirty="0"/>
               <a:t>layer.</a:t>
             </a:r>
           </a:p>
           <a:p>
             <a:r>
-              <a:rPr lang="zh-CN" altLang="zh-CN" dirty="0" smtClean="0"/>
+              <a:rPr lang="zh-CN" altLang="zh-CN" dirty="0"/>
               <a:t>%</a:t>
             </a:r>
-            <a:endParaRPr lang="en-US" altLang="zh-CN" dirty="0" smtClean="0"/>
+            <a:endParaRPr lang="en-US" altLang="zh-CN" dirty="0"/>
           </a:p>
           <a:p>
             <a:r>
-              <a:rPr lang="en-US" altLang="zh-CN" dirty="0" smtClean="0"/>
+              <a:rPr lang="en-US" altLang="zh-CN" dirty="0"/>
               <a:t>Each</a:t>
             </a:r>
             <a:r>
-              <a:rPr lang="zh-CN" altLang="en-US" dirty="0" smtClean="0"/>
+              <a:rPr lang="zh-CN" altLang="en-US" dirty="0"/>
               <a:t> </a:t>
             </a:r>
             <a:r>
-              <a:rPr lang="en-US" altLang="zh-CN" dirty="0" smtClean="0"/>
+              <a:rPr lang="en-US" altLang="zh-CN" dirty="0"/>
               <a:t>layer</a:t>
             </a:r>
             <a:r>
-              <a:rPr lang="zh-CN" altLang="en-US" dirty="0" smtClean="0"/>
+              <a:rPr lang="zh-CN" altLang="en-US" dirty="0"/>
               <a:t> </a:t>
             </a:r>
             <a:r>
-              <a:rPr lang="en-US" altLang="zh-CN" dirty="0" smtClean="0"/>
+              <a:rPr lang="en-US" altLang="zh-CN" dirty="0"/>
               <a:t>has</a:t>
             </a:r>
             <a:r>
-              <a:rPr lang="zh-CN" altLang="en-US" dirty="0" smtClean="0"/>
+              <a:rPr lang="zh-CN" altLang="en-US" dirty="0"/>
               <a:t> </a:t>
             </a:r>
             <a:r>
-              <a:rPr lang="en-US" altLang="zh-CN" dirty="0" smtClean="0"/>
+              <a:rPr lang="en-US" altLang="zh-CN" dirty="0"/>
               <a:t>has</a:t>
             </a:r>
             <a:r>
-              <a:rPr lang="zh-CN" altLang="en-US" dirty="0" smtClean="0"/>
+              <a:rPr lang="zh-CN" altLang="en-US" dirty="0"/>
               <a:t> </a:t>
             </a:r>
             <a:r>
-              <a:rPr lang="en-US" altLang="zh-CN" dirty="0" smtClean="0"/>
+              <a:rPr lang="en-US" altLang="zh-CN" dirty="0"/>
               <a:t>input,</a:t>
             </a:r>
             <a:r>
-              <a:rPr lang="zh-CN" altLang="en-US" dirty="0" smtClean="0"/>
+              <a:rPr lang="zh-CN" altLang="en-US" dirty="0"/>
               <a:t>  </a:t>
             </a:r>
             <a:r>
-              <a:rPr lang="en-US" altLang="zh-CN" dirty="0" smtClean="0"/>
+              <a:rPr lang="en-US" altLang="zh-CN" dirty="0"/>
               <a:t>a</a:t>
             </a:r>
             <a:r>
-              <a:rPr lang="zh-CN" altLang="en-US" dirty="0" smtClean="0"/>
+              <a:rPr lang="zh-CN" altLang="en-US" dirty="0"/>
               <a:t> </a:t>
             </a:r>
             <a:r>
-              <a:rPr lang="en-US" altLang="zh-CN" dirty="0" smtClean="0"/>
+              <a:rPr lang="en-US" altLang="zh-CN" dirty="0"/>
               <a:t>hidden</a:t>
             </a:r>
             <a:r>
-              <a:rPr lang="zh-CN" altLang="en-US" dirty="0" smtClean="0"/>
+              <a:rPr lang="zh-CN" altLang="en-US" dirty="0"/>
               <a:t> </a:t>
             </a:r>
             <a:r>
-              <a:rPr lang="en-US" altLang="zh-CN" dirty="0" smtClean="0"/>
+              <a:rPr lang="en-US" altLang="zh-CN" dirty="0"/>
               <a:t>state,</a:t>
             </a:r>
             <a:r>
-              <a:rPr lang="zh-CN" altLang="en-US" dirty="0" smtClean="0"/>
+              <a:rPr lang="zh-CN" altLang="en-US" dirty="0"/>
               <a:t> </a:t>
             </a:r>
             <a:r>
-              <a:rPr lang="en-US" altLang="zh-CN" dirty="0" smtClean="0"/>
+              <a:rPr lang="en-US" altLang="zh-CN" dirty="0"/>
               <a:t>and</a:t>
             </a:r>
             <a:r>
-              <a:rPr lang="zh-CN" altLang="en-US" dirty="0" smtClean="0"/>
+              <a:rPr lang="zh-CN" altLang="en-US" dirty="0"/>
               <a:t> </a:t>
             </a:r>
             <a:r>
-              <a:rPr lang="en-US" altLang="zh-CN" dirty="0" smtClean="0"/>
+              <a:rPr lang="en-US" altLang="zh-CN" dirty="0"/>
               <a:t>an</a:t>
             </a:r>
             <a:r>
-              <a:rPr lang="zh-CN" altLang="en-US" dirty="0" smtClean="0"/>
+              <a:rPr lang="zh-CN" altLang="en-US" dirty="0"/>
               <a:t> </a:t>
             </a:r>
             <a:r>
-              <a:rPr lang="en-US" altLang="zh-CN" dirty="0" smtClean="0"/>
+              <a:rPr lang="en-US" altLang="zh-CN" dirty="0"/>
               <a:t>output.</a:t>
             </a:r>
           </a:p>
           <a:p>
             <a:r>
-              <a:rPr lang="en-US" altLang="zh-CN" dirty="0" smtClean="0"/>
+              <a:rPr lang="en-US" altLang="zh-CN" dirty="0"/>
               <a:t>%</a:t>
             </a:r>
           </a:p>
           <a:p>
             <a:r>
-              <a:rPr lang="en-US" dirty="0" smtClean="0"/>
+              <a:rPr lang="en-US" dirty="0"/>
               <a:t>At</a:t>
             </a:r>
             <a:r>
-              <a:rPr lang="zh-CN" altLang="en-US" dirty="0" smtClean="0"/>
+              <a:rPr lang="zh-CN" altLang="en-US" dirty="0"/>
               <a:t> </a:t>
             </a:r>
             <a:r>
-              <a:rPr lang="en-US" altLang="zh-CN" dirty="0" smtClean="0"/>
+              <a:rPr lang="en-US" altLang="zh-CN" dirty="0"/>
               <a:t>each</a:t>
             </a:r>
             <a:r>
-              <a:rPr lang="zh-CN" altLang="en-US" dirty="0" smtClean="0"/>
+              <a:rPr lang="zh-CN" altLang="en-US" dirty="0"/>
               <a:t> </a:t>
             </a:r>
             <a:r>
-              <a:rPr lang="en-US" altLang="zh-CN" dirty="0" smtClean="0"/>
+              <a:rPr lang="en-US" altLang="zh-CN" dirty="0"/>
               <a:t>time</a:t>
             </a:r>
             <a:r>
-              <a:rPr lang="zh-CN" altLang="en-US" dirty="0" smtClean="0"/>
+              <a:rPr lang="zh-CN" altLang="en-US" dirty="0"/>
               <a:t> </a:t>
             </a:r>
             <a:r>
-              <a:rPr lang="en-US" altLang="zh-CN" dirty="0" smtClean="0"/>
+              <a:rPr lang="en-US" altLang="zh-CN" dirty="0"/>
               <a:t>step,</a:t>
             </a:r>
             <a:r>
-              <a:rPr lang="zh-CN" altLang="en-US" dirty="0" smtClean="0"/>
+              <a:rPr lang="zh-CN" altLang="en-US" dirty="0"/>
               <a:t> </a:t>
             </a:r>
             <a:r>
-              <a:rPr lang="en-US" altLang="zh-CN" dirty="0" smtClean="0"/>
+              <a:rPr lang="en-US" altLang="zh-CN" dirty="0"/>
               <a:t>the</a:t>
             </a:r>
             <a:r>
-              <a:rPr lang="zh-CN" altLang="en-US" dirty="0" smtClean="0"/>
+              <a:rPr lang="zh-CN" altLang="en-US" dirty="0"/>
               <a:t> </a:t>
             </a:r>
             <a:r>
-              <a:rPr lang="en-US" altLang="zh-CN" dirty="0" smtClean="0"/>
+              <a:rPr lang="en-US" altLang="zh-CN" dirty="0"/>
               <a:t>current</a:t>
             </a:r>
             <a:r>
-              <a:rPr lang="zh-CN" altLang="en-US" dirty="0" smtClean="0"/>
+              <a:rPr lang="zh-CN" altLang="en-US" dirty="0"/>
               <a:t> </a:t>
             </a:r>
             <a:r>
-              <a:rPr lang="en-US" altLang="zh-CN" dirty="0" smtClean="0"/>
+              <a:rPr lang="en-US" altLang="zh-CN" dirty="0"/>
               <a:t>layer’s</a:t>
             </a:r>
             <a:r>
-              <a:rPr lang="zh-CN" altLang="en-US" dirty="0" smtClean="0"/>
+              <a:rPr lang="zh-CN" altLang="en-US" dirty="0"/>
               <a:t> </a:t>
             </a:r>
             <a:r>
-              <a:rPr lang="en-US" altLang="zh-CN" dirty="0" smtClean="0"/>
+              <a:rPr lang="en-US" altLang="zh-CN" dirty="0"/>
               <a:t>hidden</a:t>
             </a:r>
             <a:r>
-              <a:rPr lang="zh-CN" altLang="en-US" dirty="0" smtClean="0"/>
+              <a:rPr lang="zh-CN" altLang="en-US" dirty="0"/>
               <a:t> </a:t>
             </a:r>
             <a:r>
-              <a:rPr lang="en-US" altLang="zh-CN" dirty="0" smtClean="0"/>
+              <a:rPr lang="en-US" altLang="zh-CN" dirty="0"/>
               <a:t>state</a:t>
             </a:r>
             <a:r>
-              <a:rPr lang="zh-CN" altLang="en-US" dirty="0" smtClean="0"/>
+              <a:rPr lang="zh-CN" altLang="en-US" dirty="0"/>
               <a:t> </a:t>
             </a:r>
             <a:r>
-              <a:rPr lang="en-US" altLang="zh-CN" dirty="0" smtClean="0"/>
+              <a:rPr lang="en-US" altLang="zh-CN" dirty="0"/>
               <a:t>and</a:t>
             </a:r>
             <a:r>
-              <a:rPr lang="zh-CN" altLang="en-US" dirty="0" smtClean="0"/>
+              <a:rPr lang="zh-CN" altLang="en-US" dirty="0"/>
               <a:t> </a:t>
             </a:r>
             <a:r>
-              <a:rPr lang="en-US" altLang="zh-CN" dirty="0" smtClean="0"/>
+              <a:rPr lang="en-US" altLang="zh-CN" dirty="0"/>
               <a:t>output</a:t>
             </a:r>
             <a:r>
-              <a:rPr lang="zh-CN" altLang="en-US" dirty="0" smtClean="0"/>
+              <a:rPr lang="zh-CN" altLang="en-US" dirty="0"/>
               <a:t> </a:t>
             </a:r>
             <a:r>
-              <a:rPr lang="en-US" altLang="zh-CN" dirty="0" smtClean="0"/>
+              <a:rPr lang="en-US" altLang="zh-CN" dirty="0"/>
               <a:t>are</a:t>
             </a:r>
             <a:r>
-              <a:rPr lang="zh-CN" altLang="en-US" dirty="0" smtClean="0"/>
+              <a:rPr lang="zh-CN" altLang="en-US" dirty="0"/>
               <a:t> </a:t>
             </a:r>
             <a:r>
-              <a:rPr lang="en-US" altLang="zh-CN" dirty="0" smtClean="0"/>
+              <a:rPr lang="en-US" altLang="zh-CN" dirty="0"/>
               <a:t>scaled</a:t>
             </a:r>
             <a:r>
-              <a:rPr lang="zh-CN" altLang="en-US" dirty="0" smtClean="0"/>
+              <a:rPr lang="zh-CN" altLang="en-US" dirty="0"/>
               <a:t> </a:t>
             </a:r>
             <a:r>
-              <a:rPr lang="en-US" altLang="zh-CN" dirty="0" smtClean="0"/>
+              <a:rPr lang="en-US" altLang="zh-CN" dirty="0"/>
               <a:t>and</a:t>
             </a:r>
             <a:r>
-              <a:rPr lang="zh-CN" altLang="en-US" dirty="0" smtClean="0"/>
+              <a:rPr lang="zh-CN" altLang="en-US" dirty="0"/>
               <a:t> </a:t>
             </a:r>
             <a:r>
-              <a:rPr lang="en-US" altLang="zh-CN" dirty="0" smtClean="0"/>
+              <a:rPr lang="en-US" altLang="zh-CN" dirty="0"/>
               <a:t>fed</a:t>
             </a:r>
             <a:r>
-              <a:rPr lang="zh-CN" altLang="en-US" dirty="0" smtClean="0"/>
+              <a:rPr lang="zh-CN" altLang="en-US" dirty="0"/>
               <a:t> </a:t>
             </a:r>
             <a:r>
-              <a:rPr lang="en-US" altLang="zh-CN" dirty="0" smtClean="0"/>
+              <a:rPr lang="en-US" altLang="zh-CN" dirty="0"/>
               <a:t>back</a:t>
             </a:r>
             <a:r>
-              <a:rPr lang="zh-CN" altLang="en-US" dirty="0" smtClean="0"/>
+              <a:rPr lang="zh-CN" altLang="en-US" dirty="0"/>
               <a:t> </a:t>
             </a:r>
             <a:r>
-              <a:rPr lang="en-US" altLang="zh-CN" dirty="0" smtClean="0"/>
+              <a:rPr lang="en-US" altLang="zh-CN" dirty="0"/>
               <a:t>to</a:t>
             </a:r>
             <a:r>
-              <a:rPr lang="zh-CN" altLang="en-US" dirty="0" smtClean="0"/>
+              <a:rPr lang="zh-CN" altLang="en-US" dirty="0"/>
               <a:t> </a:t>
             </a:r>
             <a:r>
-              <a:rPr lang="en-US" altLang="zh-CN" dirty="0" smtClean="0"/>
+              <a:rPr lang="en-US" altLang="zh-CN" dirty="0"/>
               <a:t>the</a:t>
             </a:r>
             <a:r>
-              <a:rPr lang="zh-CN" altLang="en-US" dirty="0" smtClean="0"/>
+              <a:rPr lang="zh-CN" altLang="en-US" dirty="0"/>
               <a:t> </a:t>
             </a:r>
             <a:r>
-              <a:rPr lang="en-US" altLang="zh-CN" dirty="0" smtClean="0"/>
+              <a:rPr lang="en-US" altLang="zh-CN" dirty="0"/>
               <a:t>network</a:t>
             </a:r>
             <a:r>
-              <a:rPr lang="zh-CN" altLang="en-US" dirty="0" smtClean="0"/>
+              <a:rPr lang="zh-CN" altLang="en-US" dirty="0"/>
               <a:t> </a:t>
             </a:r>
             <a:r>
-              <a:rPr lang="en-US" altLang="zh-CN" dirty="0" smtClean="0"/>
+              <a:rPr lang="en-US" altLang="zh-CN" dirty="0"/>
               <a:t>as</a:t>
             </a:r>
             <a:r>
-              <a:rPr lang="zh-CN" altLang="en-US" dirty="0" smtClean="0"/>
+              <a:rPr lang="zh-CN" altLang="en-US" dirty="0"/>
               <a:t> </a:t>
             </a:r>
             <a:r>
-              <a:rPr lang="en-US" altLang="zh-CN" dirty="0" smtClean="0"/>
+              <a:rPr lang="en-US" altLang="zh-CN" dirty="0"/>
               <a:t>the</a:t>
             </a:r>
             <a:r>
-              <a:rPr lang="zh-CN" altLang="en-US" dirty="0" smtClean="0"/>
+              <a:rPr lang="zh-CN" altLang="en-US" dirty="0"/>
               <a:t> </a:t>
             </a:r>
             <a:r>
-              <a:rPr lang="en-US" altLang="zh-CN" dirty="0" smtClean="0"/>
+              <a:rPr lang="en-US" altLang="zh-CN" dirty="0"/>
               <a:t>input</a:t>
             </a:r>
             <a:r>
-              <a:rPr lang="zh-CN" altLang="en-US" dirty="0" smtClean="0"/>
+              <a:rPr lang="zh-CN" altLang="en-US" dirty="0"/>
               <a:t> </a:t>
             </a:r>
             <a:r>
-              <a:rPr lang="en-US" altLang="zh-CN" dirty="0" smtClean="0"/>
+              <a:rPr lang="en-US" altLang="zh-CN" dirty="0"/>
               <a:t>to</a:t>
             </a:r>
             <a:r>
-              <a:rPr lang="zh-CN" altLang="en-US" dirty="0" smtClean="0"/>
+              <a:rPr lang="zh-CN" altLang="en-US" dirty="0"/>
               <a:t> </a:t>
             </a:r>
             <a:r>
-              <a:rPr lang="en-US" altLang="zh-CN" dirty="0" smtClean="0"/>
+              <a:rPr lang="en-US" altLang="zh-CN" dirty="0"/>
               <a:t>the</a:t>
             </a:r>
             <a:r>
-              <a:rPr lang="zh-CN" altLang="en-US" dirty="0" smtClean="0"/>
+              <a:rPr lang="zh-CN" altLang="en-US" dirty="0"/>
               <a:t> </a:t>
             </a:r>
             <a:r>
-              <a:rPr lang="en-US" altLang="zh-CN" dirty="0" smtClean="0"/>
+              <a:rPr lang="en-US" altLang="zh-CN" dirty="0"/>
               <a:t>next</a:t>
             </a:r>
             <a:r>
-              <a:rPr lang="zh-CN" altLang="en-US" dirty="0" smtClean="0"/>
+              <a:rPr lang="zh-CN" altLang="en-US" dirty="0"/>
               <a:t> </a:t>
             </a:r>
             <a:r>
-              <a:rPr lang="en-US" altLang="zh-CN" dirty="0" smtClean="0"/>
+              <a:rPr lang="en-US" altLang="zh-CN" dirty="0"/>
               <a:t>layer</a:t>
             </a:r>
           </a:p>
           <a:p>
             <a:r>
-              <a:rPr lang="zh-CN" altLang="en-US" dirty="0" smtClean="0"/>
+              <a:rPr lang="zh-CN" altLang="en-US" dirty="0"/>
               <a:t> </a:t>
             </a:r>
-            <a:endParaRPr lang="en-US" dirty="0" smtClean="0"/>
+            <a:endParaRPr lang="en-US" dirty="0"/>
           </a:p>
           <a:p>
             <a:endParaRPr lang="en-US" dirty="0"/>
@@ -17719,212 +17283,208 @@
           <a:lstStyle/>
           <a:p>
             <a:r>
-              <a:rPr lang="en-US" dirty="0" smtClean="0"/>
+              <a:rPr lang="en-US" dirty="0"/>
               <a:t>https://</a:t>
             </a:r>
             <a:r>
-              <a:rPr lang="en-US" dirty="0" err="1" smtClean="0"/>
+              <a:rPr lang="en-US" dirty="0" err="1"/>
               <a:t>www.tensorflow.org</a:t>
             </a:r>
             <a:r>
-              <a:rPr lang="en-US" dirty="0" smtClean="0"/>
+              <a:rPr lang="en-US" dirty="0"/>
               <a:t>/</a:t>
             </a:r>
             <a:r>
-              <a:rPr lang="en-US" dirty="0" err="1" smtClean="0"/>
+              <a:rPr lang="en-US" dirty="0" err="1"/>
               <a:t>api_docs</a:t>
             </a:r>
             <a:r>
-              <a:rPr lang="en-US" dirty="0" smtClean="0"/>
+              <a:rPr lang="en-US" dirty="0"/>
               <a:t>/python/</a:t>
             </a:r>
             <a:r>
-              <a:rPr lang="en-US" dirty="0" err="1" smtClean="0"/>
+              <a:rPr lang="en-US" dirty="0" err="1"/>
               <a:t>tf</a:t>
             </a:r>
             <a:r>
-              <a:rPr lang="en-US" dirty="0" smtClean="0"/>
+              <a:rPr lang="en-US" dirty="0"/>
               <a:t>/</a:t>
             </a:r>
             <a:r>
-              <a:rPr lang="en-US" dirty="0" err="1" smtClean="0"/>
+              <a:rPr lang="en-US" dirty="0" err="1"/>
               <a:t>nn</a:t>
             </a:r>
             <a:r>
-              <a:rPr lang="en-US" dirty="0" smtClean="0"/>
+              <a:rPr lang="en-US" dirty="0"/>
               <a:t>/</a:t>
             </a:r>
             <a:r>
-              <a:rPr lang="en-US" dirty="0" err="1" smtClean="0"/>
+              <a:rPr lang="en-US" dirty="0" err="1"/>
               <a:t>softmax_cross_entropy_with_logits</a:t>
             </a:r>
-            <a:endParaRPr lang="en-US" dirty="0" smtClean="0"/>
+            <a:endParaRPr lang="en-US" dirty="0"/>
           </a:p>
           <a:p>
-            <a:endParaRPr lang="en-US" dirty="0" smtClean="0"/>
+            <a:endParaRPr lang="en-US" dirty="0"/>
           </a:p>
           <a:p>
             <a:r>
-              <a:rPr lang="en-US" dirty="0" smtClean="0"/>
-              <a:t>A plume of smoke rises up into the evening sky of the Great Desert, while the Yellow River dimmed as the setting sun goes </a:t>
-            </a:r>
-            <a:r>
-              <a:rPr lang="en-US" dirty="0" smtClean="0"/>
-              <a:t>down</a:t>
+              <a:rPr lang="en-US" dirty="0"/>
+              <a:t>A plume of smoke rises up into the evening sky of the Great Desert, while the Yellow River dimmed as the setting sun goes down</a:t>
             </a:r>
           </a:p>
           <a:p>
-            <a:endParaRPr lang="en-US" dirty="0" smtClean="0"/>
+            <a:endParaRPr lang="en-US" dirty="0"/>
           </a:p>
           <a:p>
             <a:r>
-              <a:rPr lang="en-US" dirty="0" smtClean="0"/>
+              <a:rPr lang="en-US" dirty="0"/>
               <a:t>Due</a:t>
             </a:r>
             <a:r>
-              <a:rPr lang="zh-CN" altLang="en-US" dirty="0" smtClean="0"/>
+              <a:rPr lang="zh-CN" altLang="en-US" dirty="0"/>
               <a:t> </a:t>
             </a:r>
             <a:r>
-              <a:rPr lang="en-US" altLang="zh-CN" dirty="0" smtClean="0"/>
+              <a:rPr lang="en-US" altLang="zh-CN" dirty="0"/>
               <a:t>to</a:t>
             </a:r>
             <a:r>
-              <a:rPr lang="zh-CN" altLang="en-US" dirty="0" smtClean="0"/>
+              <a:rPr lang="zh-CN" altLang="en-US" dirty="0"/>
               <a:t> </a:t>
             </a:r>
             <a:r>
-              <a:rPr lang="en-US" altLang="zh-CN" dirty="0" smtClean="0"/>
+              <a:rPr lang="en-US" altLang="zh-CN" dirty="0"/>
               <a:t>this</a:t>
             </a:r>
             <a:r>
-              <a:rPr lang="zh-CN" altLang="en-US" dirty="0" smtClean="0"/>
+              <a:rPr lang="zh-CN" altLang="en-US" dirty="0"/>
               <a:t> </a:t>
             </a:r>
             <a:r>
-              <a:rPr lang="en-US" altLang="zh-CN" dirty="0" smtClean="0"/>
+              <a:rPr lang="en-US" altLang="zh-CN" dirty="0"/>
               <a:t>recursive</a:t>
             </a:r>
             <a:r>
-              <a:rPr lang="zh-CN" altLang="en-US" dirty="0" smtClean="0"/>
+              <a:rPr lang="zh-CN" altLang="en-US" dirty="0"/>
               <a:t> </a:t>
             </a:r>
             <a:r>
-              <a:rPr lang="en-US" altLang="zh-CN" dirty="0" smtClean="0"/>
+              <a:rPr lang="en-US" altLang="zh-CN" dirty="0"/>
               <a:t>architecture,</a:t>
             </a:r>
             <a:r>
-              <a:rPr lang="zh-CN" altLang="en-US" dirty="0" smtClean="0"/>
+              <a:rPr lang="zh-CN" altLang="en-US" dirty="0"/>
               <a:t> </a:t>
             </a:r>
             <a:r>
-              <a:rPr lang="en-US" altLang="zh-CN" dirty="0" smtClean="0"/>
+              <a:rPr lang="en-US" altLang="zh-CN" dirty="0"/>
               <a:t>we</a:t>
             </a:r>
             <a:r>
-              <a:rPr lang="zh-CN" altLang="en-US" dirty="0" smtClean="0"/>
+              <a:rPr lang="zh-CN" altLang="en-US" dirty="0"/>
               <a:t> </a:t>
             </a:r>
             <a:r>
-              <a:rPr lang="en-US" altLang="zh-CN" dirty="0" smtClean="0"/>
+              <a:rPr lang="en-US" altLang="zh-CN" dirty="0"/>
               <a:t>can</a:t>
             </a:r>
             <a:r>
-              <a:rPr lang="zh-CN" altLang="en-US" dirty="0" smtClean="0"/>
+              <a:rPr lang="zh-CN" altLang="en-US" dirty="0"/>
               <a:t> </a:t>
             </a:r>
             <a:r>
-              <a:rPr lang="en-US" altLang="zh-CN" dirty="0" smtClean="0"/>
+              <a:rPr lang="en-US" altLang="zh-CN" dirty="0"/>
               <a:t>feed</a:t>
             </a:r>
             <a:r>
-              <a:rPr lang="zh-CN" altLang="en-US" dirty="0" smtClean="0"/>
+              <a:rPr lang="zh-CN" altLang="en-US" dirty="0"/>
               <a:t> </a:t>
             </a:r>
             <a:r>
-              <a:rPr lang="en-US" altLang="zh-CN" dirty="0" smtClean="0"/>
+              <a:rPr lang="en-US" altLang="zh-CN" dirty="0"/>
               <a:t>it</a:t>
             </a:r>
             <a:r>
-              <a:rPr lang="zh-CN" altLang="en-US" dirty="0" smtClean="0"/>
+              <a:rPr lang="zh-CN" altLang="en-US" dirty="0"/>
               <a:t> </a:t>
             </a:r>
             <a:r>
-              <a:rPr lang="en-US" altLang="zh-CN" dirty="0" smtClean="0"/>
+              <a:rPr lang="en-US" altLang="zh-CN" dirty="0"/>
               <a:t>with</a:t>
             </a:r>
             <a:r>
-              <a:rPr lang="zh-CN" altLang="en-US" dirty="0" smtClean="0"/>
+              <a:rPr lang="zh-CN" altLang="en-US" dirty="0"/>
               <a:t> </a:t>
             </a:r>
             <a:r>
-              <a:rPr lang="en-US" altLang="zh-CN" dirty="0" smtClean="0"/>
+              <a:rPr lang="en-US" altLang="zh-CN" dirty="0"/>
               <a:t>sequences</a:t>
             </a:r>
             <a:r>
-              <a:rPr lang="zh-CN" altLang="en-US" dirty="0" smtClean="0"/>
+              <a:rPr lang="zh-CN" altLang="en-US" dirty="0"/>
               <a:t> </a:t>
             </a:r>
             <a:r>
-              <a:rPr lang="en-US" altLang="zh-CN" dirty="0" smtClean="0"/>
+              <a:rPr lang="en-US" altLang="zh-CN" dirty="0"/>
               <a:t>of</a:t>
             </a:r>
             <a:r>
-              <a:rPr lang="zh-CN" altLang="en-US" dirty="0" smtClean="0"/>
+              <a:rPr lang="zh-CN" altLang="en-US" dirty="0"/>
               <a:t> </a:t>
             </a:r>
             <a:r>
-              <a:rPr lang="en-US" altLang="zh-CN" dirty="0" smtClean="0"/>
+              <a:rPr lang="en-US" altLang="zh-CN" dirty="0"/>
               <a:t>input</a:t>
             </a:r>
             <a:r>
-              <a:rPr lang="zh-CN" altLang="en-US" dirty="0" smtClean="0"/>
+              <a:rPr lang="zh-CN" altLang="en-US" dirty="0"/>
               <a:t> </a:t>
             </a:r>
             <a:r>
-              <a:rPr lang="en-US" altLang="zh-CN" dirty="0" smtClean="0"/>
+              <a:rPr lang="en-US" altLang="zh-CN" dirty="0"/>
               <a:t>and</a:t>
             </a:r>
             <a:r>
-              <a:rPr lang="zh-CN" altLang="en-US" dirty="0" smtClean="0"/>
+              <a:rPr lang="zh-CN" altLang="en-US" dirty="0"/>
               <a:t> </a:t>
             </a:r>
             <a:r>
-              <a:rPr lang="en-US" altLang="zh-CN" dirty="0" smtClean="0"/>
+              <a:rPr lang="en-US" altLang="zh-CN" dirty="0"/>
               <a:t>generate</a:t>
             </a:r>
             <a:r>
-              <a:rPr lang="zh-CN" altLang="en-US" dirty="0" smtClean="0"/>
+              <a:rPr lang="zh-CN" altLang="en-US" dirty="0"/>
               <a:t> </a:t>
             </a:r>
             <a:r>
-              <a:rPr lang="en-US" altLang="zh-CN" dirty="0" smtClean="0"/>
+              <a:rPr lang="en-US" altLang="zh-CN" dirty="0"/>
               <a:t>sequences</a:t>
             </a:r>
             <a:r>
-              <a:rPr lang="zh-CN" altLang="en-US" dirty="0" smtClean="0"/>
+              <a:rPr lang="zh-CN" altLang="en-US" dirty="0"/>
               <a:t> </a:t>
             </a:r>
             <a:r>
-              <a:rPr lang="en-US" altLang="zh-CN" dirty="0" smtClean="0"/>
+              <a:rPr lang="en-US" altLang="zh-CN" dirty="0"/>
               <a:t>of</a:t>
             </a:r>
             <a:r>
-              <a:rPr lang="zh-CN" altLang="en-US" dirty="0" smtClean="0"/>
+              <a:rPr lang="zh-CN" altLang="en-US" dirty="0"/>
               <a:t> </a:t>
             </a:r>
             <a:r>
-              <a:rPr lang="en-US" altLang="zh-CN" dirty="0" smtClean="0"/>
+              <a:rPr lang="en-US" altLang="zh-CN" dirty="0"/>
               <a:t>output.</a:t>
             </a:r>
-            <a:endParaRPr lang="en-US" dirty="0" smtClean="0"/>
+            <a:endParaRPr lang="en-US" dirty="0"/>
           </a:p>
           <a:p>
             <a:r>
-              <a:rPr lang="en-US" altLang="zh-CN" dirty="0" smtClean="0"/>
+              <a:rPr lang="en-US" altLang="zh-CN" dirty="0"/>
               <a:t>%</a:t>
             </a:r>
-            <a:endParaRPr lang="en-US" dirty="0" smtClean="0"/>
+            <a:endParaRPr lang="en-US" dirty="0"/>
           </a:p>
           <a:p>
             <a:pPr marL="0" marR="0" indent="0" algn="l" defTabSz="457200" rtl="0" eaLnBrk="1" fontAlgn="auto" latinLnBrk="0" hangingPunct="1">
@@ -17947,7 +17507,7 @@
               <a:defRPr/>
             </a:pPr>
             <a:r>
-              <a:rPr lang="en-AU" sz="1200" b="0" i="0" u="none" strike="noStrike" kern="1200" cap="none" dirty="0" smtClean="0">
+              <a:rPr lang="en-AU" sz="1200" b="0" i="0" u="none" strike="noStrike" kern="1200" cap="none" dirty="0">
                 <a:solidFill>
                   <a:schemeClr val="dk1"/>
                 </a:solidFill>
@@ -17957,23 +17517,10 @@
                 <a:cs typeface="Calibri"/>
                 <a:sym typeface="Calibri"/>
               </a:rPr>
-              <a:t>That is, we’ll give the RNN a huge chunk of </a:t>
-            </a:r>
-            <a:r>
-              <a:rPr lang="en-AU" sz="1200" b="0" i="0" u="none" strike="noStrike" kern="1200" cap="none" dirty="0" smtClean="0">
-                <a:solidFill>
-                  <a:schemeClr val="dk1"/>
-                </a:solidFill>
-                <a:effectLst/>
-                <a:latin typeface="Calibri"/>
-                <a:ea typeface="Calibri"/>
-                <a:cs typeface="Calibri"/>
-                <a:sym typeface="Calibri"/>
-              </a:rPr>
-              <a:t>poems</a:t>
-            </a:r>
-            <a:r>
-              <a:rPr lang="zh-CN" altLang="en-US" sz="1200" b="0" i="0" u="none" strike="noStrike" kern="1200" cap="none" dirty="0" smtClean="0">
+              <a:t>That is, we’ll give the RNN a huge chunk of poems</a:t>
+            </a:r>
+            <a:r>
+              <a:rPr lang="zh-CN" altLang="en-US" sz="1200" b="0" i="0" u="none" strike="noStrike" kern="1200" cap="none" dirty="0">
                 <a:solidFill>
                   <a:schemeClr val="dk1"/>
                 </a:solidFill>
@@ -17986,7 +17533,7 @@
               <a:t> </a:t>
             </a:r>
             <a:r>
-              <a:rPr lang="en-AU" sz="1200" b="0" i="0" u="none" strike="noStrike" kern="1200" cap="none" dirty="0" smtClean="0">
+              <a:rPr lang="en-AU" sz="1200" b="0" i="0" u="none" strike="noStrike" kern="1200" cap="none" dirty="0">
                 <a:solidFill>
                   <a:schemeClr val="dk1"/>
                 </a:solidFill>
@@ -17996,31 +17543,8 @@
                 <a:cs typeface="Calibri"/>
                 <a:sym typeface="Calibri"/>
               </a:rPr>
-              <a:t>and </a:t>
-            </a:r>
-            <a:r>
-              <a:rPr lang="en-AU" sz="1200" b="0" i="0" u="none" strike="noStrike" kern="1200" cap="none" dirty="0" smtClean="0">
-                <a:solidFill>
-                  <a:schemeClr val="dk1"/>
-                </a:solidFill>
-                <a:effectLst/>
-                <a:latin typeface="Calibri"/>
-                <a:ea typeface="Calibri"/>
-                <a:cs typeface="Calibri"/>
-                <a:sym typeface="Calibri"/>
-              </a:rPr>
-              <a:t>ask it to model the probability distribution of the next character in the sequence given a sequence of previous characters. </a:t>
-            </a:r>
-            <a:endParaRPr lang="en-AU" sz="1200" b="0" i="0" u="none" strike="noStrike" kern="1200" cap="none" dirty="0" smtClean="0">
-              <a:solidFill>
-                <a:schemeClr val="dk1"/>
-              </a:solidFill>
-              <a:effectLst/>
-              <a:latin typeface="Calibri"/>
-              <a:ea typeface="Calibri"/>
-              <a:cs typeface="Calibri"/>
-              <a:sym typeface="Calibri"/>
-            </a:endParaRPr>
+              <a:t>and ask it to model the probability distribution of the next character in the sequence given a sequence of previous characters. </a:t>
+            </a:r>
           </a:p>
           <a:p>
             <a:pPr marL="0" marR="0" indent="0" algn="l" defTabSz="457200" rtl="0" eaLnBrk="1" fontAlgn="auto" latinLnBrk="0" hangingPunct="1">
@@ -18043,7 +17567,7 @@
               <a:defRPr/>
             </a:pPr>
             <a:r>
-              <a:rPr lang="en-US" altLang="zh-CN" sz="1200" b="0" i="0" u="none" strike="noStrike" kern="1200" cap="none" dirty="0" smtClean="0">
+              <a:rPr lang="en-US" altLang="zh-CN" sz="1200" b="0" i="0" u="none" strike="noStrike" kern="1200" cap="none" dirty="0">
                 <a:solidFill>
                   <a:schemeClr val="dk1"/>
                 </a:solidFill>
@@ -18178,522 +17702,498 @@
           <a:lstStyle/>
           <a:p>
             <a:r>
-              <a:rPr lang="en-US" dirty="0" smtClean="0"/>
+              <a:rPr lang="en-US" dirty="0"/>
               <a:t>Although RNN</a:t>
             </a:r>
             <a:r>
-              <a:rPr lang="en-US" baseline="0" dirty="0" smtClean="0"/>
+              <a:rPr lang="en-US" baseline="0" dirty="0"/>
               <a:t> is </a:t>
             </a:r>
             <a:r>
-              <a:rPr lang="en-US" baseline="0" dirty="0" err="1" smtClean="0"/>
+              <a:rPr lang="en-US" baseline="0" dirty="0" err="1"/>
               <a:t>flexibile</a:t>
             </a:r>
             <a:r>
-              <a:rPr lang="en-US" baseline="0" dirty="0" smtClean="0"/>
+              <a:rPr lang="en-US" baseline="0" dirty="0"/>
               <a:t> on its input size and output size, it does have limitations. </a:t>
             </a:r>
           </a:p>
           <a:p>
-            <a:endParaRPr lang="en-US" baseline="0" dirty="0" smtClean="0"/>
+            <a:endParaRPr lang="en-US" baseline="0" dirty="0"/>
           </a:p>
           <a:p>
             <a:r>
-              <a:rPr lang="en-US" baseline="0" dirty="0" smtClean="0"/>
+              <a:rPr lang="en-US" baseline="0" dirty="0"/>
               <a:t>When</a:t>
             </a:r>
             <a:r>
-              <a:rPr lang="zh-CN" altLang="en-US" baseline="0" dirty="0" smtClean="0"/>
+              <a:rPr lang="zh-CN" altLang="en-US" baseline="0" dirty="0"/>
               <a:t> </a:t>
             </a:r>
             <a:r>
-              <a:rPr lang="en-US" baseline="0" dirty="0" smtClean="0"/>
-              <a:t>the </a:t>
-            </a:r>
-            <a:r>
-              <a:rPr lang="en-US" baseline="0" dirty="0" smtClean="0"/>
-              <a:t>gap between the relevant information and the place that </a:t>
-            </a:r>
-            <a:r>
-              <a:rPr lang="en-US" baseline="0" dirty="0" smtClean="0"/>
-              <a:t>the</a:t>
-            </a:r>
-            <a:r>
-              <a:rPr lang="zh-CN" altLang="en-US" baseline="0" dirty="0" smtClean="0"/>
+              <a:rPr lang="en-US" baseline="0" dirty="0"/>
+              <a:t>the gap between the relevant information and the place that the</a:t>
+            </a:r>
+            <a:r>
+              <a:rPr lang="zh-CN" altLang="en-US" baseline="0" dirty="0"/>
               <a:t> </a:t>
             </a:r>
             <a:r>
-              <a:rPr lang="en-US" altLang="zh-CN" baseline="0" dirty="0" smtClean="0"/>
+              <a:rPr lang="en-US" altLang="zh-CN" baseline="0" dirty="0"/>
               <a:t>in</a:t>
             </a:r>
             <a:r>
-              <a:rPr lang="zh-CN" altLang="en-US" baseline="0" dirty="0" smtClean="0"/>
+              <a:rPr lang="zh-CN" altLang="en-US" baseline="0" dirty="0"/>
               <a:t> </a:t>
             </a:r>
             <a:r>
-              <a:rPr lang="en-US" altLang="zh-CN" baseline="0" dirty="0" smtClean="0"/>
+              <a:rPr lang="en-US" altLang="zh-CN" baseline="0" dirty="0"/>
               <a:t>formation</a:t>
             </a:r>
             <a:r>
-              <a:rPr lang="zh-CN" altLang="en-US" baseline="0" dirty="0" smtClean="0"/>
+              <a:rPr lang="zh-CN" altLang="en-US" baseline="0" dirty="0"/>
               <a:t> </a:t>
             </a:r>
             <a:r>
-              <a:rPr lang="en-US" baseline="0" dirty="0" smtClean="0"/>
-              <a:t>needed </a:t>
-            </a:r>
-            <a:r>
-              <a:rPr lang="en-US" baseline="0" dirty="0" smtClean="0"/>
-              <a:t>is </a:t>
-            </a:r>
-            <a:r>
-              <a:rPr lang="en-US" baseline="0" dirty="0" smtClean="0"/>
-              <a:t>large</a:t>
-            </a:r>
-            <a:r>
-              <a:rPr lang="zh-CN" altLang="en-US" baseline="0" dirty="0" smtClean="0"/>
+              <a:rPr lang="en-US" baseline="0" dirty="0"/>
+              <a:t>needed is large</a:t>
+            </a:r>
+            <a:r>
+              <a:rPr lang="zh-CN" altLang="en-US" baseline="0" dirty="0"/>
               <a:t> </a:t>
             </a:r>
             <a:r>
-              <a:rPr lang="en-US" baseline="0" dirty="0" smtClean="0"/>
-              <a:t>, </a:t>
-            </a:r>
-            <a:r>
-              <a:rPr lang="en-US" baseline="0" dirty="0" smtClean="0"/>
-              <a:t>RNNs </a:t>
-            </a:r>
-            <a:r>
-              <a:rPr lang="en-US" baseline="0" dirty="0" smtClean="0"/>
-              <a:t>cannot</a:t>
-            </a:r>
-            <a:r>
-              <a:rPr lang="zh-CN" altLang="en-US" baseline="0" dirty="0" smtClean="0"/>
+              <a:rPr lang="en-US" baseline="0" dirty="0"/>
+              <a:t>, RNNs cannot</a:t>
+            </a:r>
+            <a:r>
+              <a:rPr lang="zh-CN" altLang="en-US" baseline="0" dirty="0"/>
               <a:t> </a:t>
             </a:r>
             <a:r>
-              <a:rPr lang="en-US" altLang="zh-CN" baseline="0" dirty="0" smtClean="0"/>
+              <a:rPr lang="en-US" altLang="zh-CN" baseline="0" dirty="0"/>
               <a:t>handle</a:t>
             </a:r>
             <a:r>
-              <a:rPr lang="zh-CN" altLang="en-US" baseline="0" dirty="0" smtClean="0"/>
+              <a:rPr lang="zh-CN" altLang="en-US" baseline="0" dirty="0"/>
               <a:t> </a:t>
             </a:r>
             <a:r>
-              <a:rPr lang="en-US" altLang="zh-CN" baseline="0" dirty="0" smtClean="0"/>
+              <a:rPr lang="en-US" altLang="zh-CN" baseline="0" dirty="0"/>
               <a:t>such “long-term dependencies.”</a:t>
             </a:r>
             <a:r>
-              <a:rPr lang="zh-CN" altLang="en-US" baseline="0" dirty="0" smtClean="0"/>
+              <a:rPr lang="zh-CN" altLang="en-US" baseline="0" dirty="0"/>
               <a:t> </a:t>
             </a:r>
             <a:r>
-              <a:rPr lang="en-US" altLang="zh-CN" baseline="0" dirty="0" smtClean="0"/>
+              <a:rPr lang="en-US" altLang="zh-CN" baseline="0" dirty="0"/>
               <a:t>t</a:t>
             </a:r>
           </a:p>
           <a:p>
-            <a:endParaRPr lang="en-US" baseline="0" dirty="0" smtClean="0"/>
+            <a:endParaRPr lang="en-US" baseline="0" dirty="0"/>
           </a:p>
           <a:p>
             <a:r>
-              <a:rPr lang="en-US" baseline="0" dirty="0" smtClean="0"/>
+              <a:rPr lang="en-US" baseline="0" dirty="0"/>
               <a:t>To solve this problem, we use a special kind of Recurrent neural network, </a:t>
             </a:r>
             <a:r>
-              <a:rPr lang="zh-CN" altLang="en-US" baseline="0" dirty="0" smtClean="0"/>
+              <a:rPr lang="zh-CN" altLang="en-US" baseline="0" dirty="0"/>
               <a:t> </a:t>
             </a:r>
             <a:r>
-              <a:rPr lang="en-US" altLang="zh-CN" baseline="0" dirty="0" smtClean="0"/>
+              <a:rPr lang="en-US" altLang="zh-CN" baseline="0" dirty="0"/>
               <a:t>An</a:t>
             </a:r>
             <a:r>
-              <a:rPr lang="zh-CN" altLang="en-US" baseline="0" dirty="0" smtClean="0"/>
+              <a:rPr lang="zh-CN" altLang="en-US" baseline="0" dirty="0"/>
               <a:t> </a:t>
             </a:r>
             <a:r>
-              <a:rPr lang="en-US" altLang="zh-CN" baseline="0" dirty="0" smtClean="0"/>
+              <a:rPr lang="en-US" altLang="zh-CN" baseline="0" dirty="0"/>
               <a:t>SLTM</a:t>
             </a:r>
             <a:r>
-              <a:rPr lang="zh-CN" altLang="en-US" baseline="0" dirty="0" smtClean="0"/>
+              <a:rPr lang="zh-CN" altLang="en-US" baseline="0" dirty="0"/>
               <a:t> </a:t>
             </a:r>
             <a:r>
-              <a:rPr lang="en-US" altLang="zh-CN" baseline="0" dirty="0" smtClean="0"/>
+              <a:rPr lang="en-US" altLang="zh-CN" baseline="0" dirty="0"/>
               <a:t>network</a:t>
             </a:r>
             <a:r>
-              <a:rPr lang="zh-CN" altLang="en-US" baseline="0" dirty="0" smtClean="0"/>
+              <a:rPr lang="zh-CN" altLang="en-US" baseline="0" dirty="0"/>
               <a:t> </a:t>
             </a:r>
             <a:r>
-              <a:rPr lang="en-US" altLang="zh-CN" baseline="0" dirty="0" smtClean="0"/>
+              <a:rPr lang="en-US" altLang="zh-CN" baseline="0" dirty="0"/>
               <a:t>also</a:t>
             </a:r>
             <a:r>
-              <a:rPr lang="zh-CN" altLang="en-US" baseline="0" dirty="0" smtClean="0"/>
+              <a:rPr lang="zh-CN" altLang="en-US" baseline="0" dirty="0"/>
               <a:t> </a:t>
             </a:r>
             <a:r>
-              <a:rPr lang="en-US" altLang="zh-CN" baseline="0" dirty="0" smtClean="0"/>
+              <a:rPr lang="en-US" altLang="zh-CN" baseline="0" dirty="0"/>
               <a:t>has</a:t>
             </a:r>
             <a:r>
-              <a:rPr lang="zh-CN" altLang="en-US" baseline="0" dirty="0" smtClean="0"/>
+              <a:rPr lang="zh-CN" altLang="en-US" baseline="0" dirty="0"/>
               <a:t> </a:t>
             </a:r>
             <a:r>
-              <a:rPr lang="en-US" altLang="zh-CN" baseline="0" dirty="0" smtClean="0"/>
+              <a:rPr lang="en-US" altLang="zh-CN" baseline="0" dirty="0"/>
               <a:t>a</a:t>
             </a:r>
             <a:r>
-              <a:rPr lang="zh-CN" altLang="en-US" baseline="0" dirty="0" smtClean="0"/>
+              <a:rPr lang="zh-CN" altLang="en-US" baseline="0" dirty="0"/>
               <a:t> </a:t>
             </a:r>
             <a:r>
-              <a:rPr lang="en-US" altLang="zh-CN" baseline="0" dirty="0" smtClean="0"/>
+              <a:rPr lang="en-US" altLang="zh-CN" baseline="0" dirty="0"/>
               <a:t>recursive</a:t>
             </a:r>
             <a:r>
-              <a:rPr lang="zh-CN" altLang="en-US" baseline="0" dirty="0" smtClean="0"/>
+              <a:rPr lang="zh-CN" altLang="en-US" baseline="0" dirty="0"/>
               <a:t> </a:t>
             </a:r>
             <a:r>
-              <a:rPr lang="en-US" altLang="zh-CN" baseline="0" dirty="0" smtClean="0"/>
+              <a:rPr lang="en-US" altLang="zh-CN" baseline="0" dirty="0"/>
               <a:t>structure,</a:t>
             </a:r>
             <a:r>
-              <a:rPr lang="zh-CN" altLang="en-US" baseline="0" dirty="0" smtClean="0"/>
+              <a:rPr lang="zh-CN" altLang="en-US" baseline="0" dirty="0"/>
               <a:t> </a:t>
             </a:r>
             <a:r>
-              <a:rPr lang="en-US" altLang="zh-CN" baseline="0" dirty="0" smtClean="0"/>
+              <a:rPr lang="en-US" altLang="zh-CN" baseline="0" dirty="0"/>
               <a:t>but</a:t>
             </a:r>
             <a:r>
-              <a:rPr lang="zh-CN" altLang="en-US" baseline="0" dirty="0" smtClean="0"/>
+              <a:rPr lang="zh-CN" altLang="en-US" baseline="0" dirty="0"/>
               <a:t> </a:t>
             </a:r>
             <a:r>
-              <a:rPr lang="en-US" altLang="zh-CN" baseline="0" dirty="0" smtClean="0"/>
+              <a:rPr lang="en-US" altLang="zh-CN" baseline="0" dirty="0"/>
               <a:t>the</a:t>
             </a:r>
             <a:r>
-              <a:rPr lang="zh-CN" altLang="en-US" baseline="0" dirty="0" smtClean="0"/>
+              <a:rPr lang="zh-CN" altLang="en-US" baseline="0" dirty="0"/>
               <a:t> </a:t>
             </a:r>
             <a:r>
-              <a:rPr lang="en-US" altLang="zh-CN" baseline="0" dirty="0" smtClean="0"/>
+              <a:rPr lang="en-US" altLang="zh-CN" baseline="0" dirty="0"/>
               <a:t>repeated</a:t>
             </a:r>
             <a:r>
-              <a:rPr lang="zh-CN" altLang="en-US" baseline="0" dirty="0" smtClean="0"/>
+              <a:rPr lang="zh-CN" altLang="en-US" baseline="0" dirty="0"/>
               <a:t> </a:t>
             </a:r>
             <a:r>
-              <a:rPr lang="en-US" altLang="zh-CN" baseline="0" dirty="0" smtClean="0"/>
+              <a:rPr lang="en-US" altLang="zh-CN" baseline="0" dirty="0"/>
               <a:t>cell</a:t>
             </a:r>
             <a:r>
-              <a:rPr lang="zh-CN" altLang="en-US" baseline="0" dirty="0" smtClean="0"/>
+              <a:rPr lang="zh-CN" altLang="en-US" baseline="0" dirty="0"/>
               <a:t> </a:t>
             </a:r>
             <a:r>
-              <a:rPr lang="en-US" altLang="zh-CN" baseline="0" dirty="0" smtClean="0"/>
+              <a:rPr lang="en-US" altLang="zh-CN" baseline="0" dirty="0"/>
               <a:t>has</a:t>
             </a:r>
             <a:r>
-              <a:rPr lang="zh-CN" altLang="en-US" baseline="0" dirty="0" smtClean="0"/>
+              <a:rPr lang="zh-CN" altLang="en-US" baseline="0" dirty="0"/>
               <a:t> </a:t>
             </a:r>
             <a:r>
-              <a:rPr lang="en-US" altLang="zh-CN" baseline="0" dirty="0" smtClean="0"/>
+              <a:rPr lang="en-US" altLang="zh-CN" baseline="0" dirty="0"/>
               <a:t>four</a:t>
             </a:r>
             <a:r>
-              <a:rPr lang="zh-CN" altLang="en-US" baseline="0" dirty="0" smtClean="0"/>
+              <a:rPr lang="zh-CN" altLang="en-US" baseline="0" dirty="0"/>
               <a:t> </a:t>
             </a:r>
             <a:r>
-              <a:rPr lang="en-US" altLang="zh-CN" baseline="0" dirty="0" smtClean="0"/>
+              <a:rPr lang="en-US" altLang="zh-CN" baseline="0" dirty="0"/>
               <a:t>network</a:t>
             </a:r>
             <a:r>
-              <a:rPr lang="zh-CN" altLang="en-US" baseline="0" dirty="0" smtClean="0"/>
+              <a:rPr lang="zh-CN" altLang="en-US" baseline="0" dirty="0"/>
               <a:t> </a:t>
             </a:r>
             <a:r>
-              <a:rPr lang="en-US" altLang="zh-CN" baseline="0" dirty="0" smtClean="0"/>
+              <a:rPr lang="en-US" altLang="zh-CN" baseline="0" dirty="0"/>
               <a:t>layers</a:t>
             </a:r>
             <a:r>
-              <a:rPr lang="zh-CN" altLang="en-US" baseline="0" dirty="0" smtClean="0"/>
+              <a:rPr lang="zh-CN" altLang="en-US" baseline="0" dirty="0"/>
               <a:t> </a:t>
             </a:r>
             <a:r>
-              <a:rPr lang="en-US" altLang="zh-CN" baseline="0" dirty="0" smtClean="0"/>
+              <a:rPr lang="en-US" altLang="zh-CN" baseline="0" dirty="0"/>
               <a:t>instead</a:t>
             </a:r>
             <a:r>
-              <a:rPr lang="zh-CN" altLang="en-US" baseline="0" dirty="0" smtClean="0"/>
+              <a:rPr lang="zh-CN" altLang="en-US" baseline="0" dirty="0"/>
               <a:t> </a:t>
             </a:r>
             <a:r>
-              <a:rPr lang="en-US" altLang="zh-CN" baseline="0" dirty="0" smtClean="0"/>
+              <a:rPr lang="en-US" altLang="zh-CN" baseline="0" dirty="0"/>
               <a:t>of</a:t>
             </a:r>
             <a:r>
-              <a:rPr lang="zh-CN" altLang="en-US" baseline="0" dirty="0" smtClean="0"/>
+              <a:rPr lang="zh-CN" altLang="en-US" baseline="0" dirty="0"/>
               <a:t> </a:t>
             </a:r>
             <a:r>
-              <a:rPr lang="en-US" altLang="zh-CN" baseline="0" dirty="0" smtClean="0"/>
+              <a:rPr lang="en-US" altLang="zh-CN" baseline="0" dirty="0"/>
               <a:t>one.</a:t>
             </a:r>
           </a:p>
           <a:p>
-            <a:endParaRPr lang="en-US" baseline="0" dirty="0" smtClean="0"/>
+            <a:endParaRPr lang="en-US" baseline="0" dirty="0"/>
           </a:p>
           <a:p>
             <a:r>
-              <a:rPr lang="en-US" baseline="0" dirty="0" smtClean="0"/>
+              <a:rPr lang="en-US" baseline="0" dirty="0"/>
               <a:t>The</a:t>
             </a:r>
             <a:r>
-              <a:rPr lang="zh-CN" altLang="en-US" baseline="0" dirty="0" smtClean="0"/>
+              <a:rPr lang="zh-CN" altLang="en-US" baseline="0" dirty="0"/>
               <a:t> </a:t>
             </a:r>
             <a:r>
-              <a:rPr lang="en-US" baseline="0" dirty="0" smtClean="0"/>
+              <a:rPr lang="en-US" baseline="0" dirty="0"/>
               <a:t>sigmoid layer called the “forget gate layer</a:t>
             </a:r>
             <a:r>
-              <a:rPr lang="en-US" altLang="zh-CN" baseline="0" dirty="0" smtClean="0"/>
+              <a:rPr lang="en-US" altLang="zh-CN" baseline="0" dirty="0"/>
               <a:t>.</a:t>
             </a:r>
             <a:r>
-              <a:rPr lang="zh-CN" altLang="en-US" baseline="0" dirty="0" smtClean="0"/>
+              <a:rPr lang="zh-CN" altLang="en-US" baseline="0" dirty="0"/>
               <a:t> </a:t>
             </a:r>
             <a:r>
-              <a:rPr lang="en-US" baseline="0" dirty="0" smtClean="0"/>
+              <a:rPr lang="en-US" baseline="0" dirty="0"/>
               <a:t>Each</a:t>
             </a:r>
             <a:r>
-              <a:rPr lang="zh-CN" altLang="en-US" baseline="0" dirty="0" smtClean="0"/>
+              <a:rPr lang="zh-CN" altLang="en-US" baseline="0" dirty="0"/>
               <a:t> </a:t>
             </a:r>
             <a:r>
-              <a:rPr lang="en-US" altLang="zh-CN" baseline="0" dirty="0" smtClean="0"/>
+              <a:rPr lang="en-US" altLang="zh-CN" baseline="0" dirty="0"/>
               <a:t>layer</a:t>
             </a:r>
             <a:r>
-              <a:rPr lang="zh-CN" altLang="en-US" baseline="0" dirty="0" smtClean="0"/>
+              <a:rPr lang="zh-CN" altLang="en-US" baseline="0" dirty="0"/>
               <a:t> </a:t>
             </a:r>
             <a:r>
-              <a:rPr lang="en-US" altLang="zh-CN" baseline="0" dirty="0" smtClean="0"/>
+              <a:rPr lang="en-US" altLang="zh-CN" baseline="0" dirty="0"/>
               <a:t>can</a:t>
             </a:r>
             <a:r>
-              <a:rPr lang="zh-CN" altLang="en-US" baseline="0" dirty="0" smtClean="0"/>
+              <a:rPr lang="zh-CN" altLang="en-US" baseline="0" dirty="0"/>
               <a:t> </a:t>
             </a:r>
             <a:r>
-              <a:rPr lang="en-US" altLang="zh-CN" baseline="0" dirty="0" smtClean="0"/>
+              <a:rPr lang="en-US" altLang="zh-CN" baseline="0" dirty="0"/>
               <a:t>decide</a:t>
             </a:r>
             <a:r>
-              <a:rPr lang="zh-CN" altLang="en-US" baseline="0" dirty="0" smtClean="0"/>
+              <a:rPr lang="zh-CN" altLang="en-US" baseline="0" dirty="0"/>
               <a:t> </a:t>
             </a:r>
             <a:r>
-              <a:rPr lang="en-US" altLang="zh-CN" baseline="0" dirty="0" smtClean="0"/>
+              <a:rPr lang="en-US" altLang="zh-CN" baseline="0" dirty="0"/>
               <a:t>what</a:t>
             </a:r>
             <a:r>
-              <a:rPr lang="zh-CN" altLang="en-US" baseline="0" dirty="0" smtClean="0"/>
+              <a:rPr lang="zh-CN" altLang="en-US" baseline="0" dirty="0"/>
               <a:t> </a:t>
             </a:r>
             <a:r>
-              <a:rPr lang="en-US" altLang="zh-CN" baseline="0" dirty="0" smtClean="0"/>
+              <a:rPr lang="en-US" altLang="zh-CN" baseline="0" dirty="0"/>
               <a:t>information</a:t>
             </a:r>
             <a:r>
-              <a:rPr lang="zh-CN" altLang="en-US" baseline="0" dirty="0" smtClean="0"/>
+              <a:rPr lang="zh-CN" altLang="en-US" baseline="0" dirty="0"/>
               <a:t> </a:t>
             </a:r>
             <a:r>
-              <a:rPr lang="en-US" altLang="zh-CN" baseline="0" dirty="0" smtClean="0"/>
+              <a:rPr lang="en-US" altLang="zh-CN" baseline="0" dirty="0"/>
               <a:t>we</a:t>
             </a:r>
             <a:r>
-              <a:rPr lang="zh-CN" altLang="en-US" baseline="0" dirty="0" smtClean="0"/>
+              <a:rPr lang="zh-CN" altLang="en-US" baseline="0" dirty="0"/>
               <a:t> </a:t>
             </a:r>
             <a:r>
-              <a:rPr lang="en-US" altLang="zh-CN" baseline="0" dirty="0" smtClean="0"/>
+              <a:rPr lang="en-US" altLang="zh-CN" baseline="0" dirty="0"/>
               <a:t>are</a:t>
             </a:r>
             <a:r>
-              <a:rPr lang="zh-CN" altLang="en-US" baseline="0" dirty="0" smtClean="0"/>
+              <a:rPr lang="zh-CN" altLang="en-US" baseline="0" dirty="0"/>
               <a:t> </a:t>
             </a:r>
             <a:r>
-              <a:rPr lang="en-US" altLang="zh-CN" baseline="0" dirty="0" smtClean="0"/>
+              <a:rPr lang="en-US" altLang="zh-CN" baseline="0" dirty="0"/>
               <a:t>going</a:t>
             </a:r>
             <a:r>
-              <a:rPr lang="zh-CN" altLang="en-US" baseline="0" dirty="0" smtClean="0"/>
+              <a:rPr lang="zh-CN" altLang="en-US" baseline="0" dirty="0"/>
               <a:t> </a:t>
             </a:r>
             <a:r>
-              <a:rPr lang="en-US" altLang="zh-CN" baseline="0" dirty="0" smtClean="0"/>
+              <a:rPr lang="en-US" altLang="zh-CN" baseline="0" dirty="0"/>
               <a:t>to</a:t>
             </a:r>
             <a:r>
-              <a:rPr lang="zh-CN" altLang="en-US" baseline="0" dirty="0" smtClean="0"/>
+              <a:rPr lang="zh-CN" altLang="en-US" baseline="0" dirty="0"/>
               <a:t> </a:t>
             </a:r>
             <a:r>
-              <a:rPr lang="en-US" altLang="zh-CN" baseline="0" dirty="0" smtClean="0"/>
+              <a:rPr lang="en-US" altLang="zh-CN" baseline="0" dirty="0"/>
               <a:t>throw</a:t>
             </a:r>
             <a:r>
-              <a:rPr lang="zh-CN" altLang="en-US" baseline="0" dirty="0" smtClean="0"/>
+              <a:rPr lang="zh-CN" altLang="en-US" baseline="0" dirty="0"/>
               <a:t> </a:t>
             </a:r>
             <a:r>
-              <a:rPr lang="en-US" altLang="zh-CN" baseline="0" dirty="0" smtClean="0"/>
+              <a:rPr lang="en-US" altLang="zh-CN" baseline="0" dirty="0"/>
               <a:t>away</a:t>
             </a:r>
             <a:r>
-              <a:rPr lang="zh-CN" altLang="en-US" baseline="0" dirty="0" smtClean="0"/>
+              <a:rPr lang="zh-CN" altLang="en-US" baseline="0" dirty="0"/>
               <a:t> </a:t>
             </a:r>
             <a:r>
-              <a:rPr lang="en-US" altLang="zh-CN" baseline="0" dirty="0" smtClean="0"/>
+              <a:rPr lang="en-US" altLang="zh-CN" baseline="0" dirty="0"/>
               <a:t>from</a:t>
             </a:r>
             <a:r>
-              <a:rPr lang="zh-CN" altLang="en-US" baseline="0" dirty="0" smtClean="0"/>
+              <a:rPr lang="zh-CN" altLang="en-US" baseline="0" dirty="0"/>
               <a:t> </a:t>
             </a:r>
             <a:r>
-              <a:rPr lang="en-US" altLang="zh-CN" baseline="0" dirty="0" smtClean="0"/>
+              <a:rPr lang="en-US" altLang="zh-CN" baseline="0" dirty="0"/>
               <a:t>the</a:t>
             </a:r>
             <a:r>
-              <a:rPr lang="zh-CN" altLang="en-US" baseline="0" dirty="0" smtClean="0"/>
+              <a:rPr lang="zh-CN" altLang="en-US" baseline="0" dirty="0"/>
               <a:t> </a:t>
             </a:r>
             <a:r>
-              <a:rPr lang="en-US" altLang="zh-CN" baseline="0" dirty="0" smtClean="0"/>
+              <a:rPr lang="en-US" altLang="zh-CN" baseline="0" dirty="0"/>
               <a:t>cell</a:t>
             </a:r>
             <a:r>
-              <a:rPr lang="zh-CN" altLang="en-US" baseline="0" dirty="0" smtClean="0"/>
+              <a:rPr lang="zh-CN" altLang="en-US" baseline="0" dirty="0"/>
               <a:t> </a:t>
             </a:r>
             <a:r>
-              <a:rPr lang="en-US" altLang="zh-CN" baseline="0" dirty="0" smtClean="0"/>
+              <a:rPr lang="en-US" altLang="zh-CN" baseline="0" dirty="0"/>
               <a:t>state.</a:t>
             </a:r>
           </a:p>
           <a:p>
             <a:r>
-              <a:rPr lang="en-US" baseline="0" dirty="0" smtClean="0"/>
+              <a:rPr lang="en-US" baseline="0" dirty="0"/>
               <a:t>The</a:t>
             </a:r>
             <a:r>
-              <a:rPr lang="zh-CN" altLang="en-US" baseline="0" dirty="0" smtClean="0"/>
+              <a:rPr lang="zh-CN" altLang="en-US" baseline="0" dirty="0"/>
               <a:t> </a:t>
             </a:r>
             <a:r>
-              <a:rPr lang="en-US" altLang="zh-CN" baseline="0" dirty="0" smtClean="0"/>
+              <a:rPr lang="en-US" altLang="zh-CN" baseline="0" dirty="0"/>
               <a:t>second</a:t>
             </a:r>
             <a:r>
-              <a:rPr lang="zh-CN" altLang="en-US" baseline="0" dirty="0" smtClean="0"/>
+              <a:rPr lang="zh-CN" altLang="en-US" baseline="0" dirty="0"/>
               <a:t> </a:t>
             </a:r>
             <a:r>
-              <a:rPr lang="en-US" altLang="zh-CN" baseline="0" dirty="0" smtClean="0"/>
+              <a:rPr lang="en-US" altLang="zh-CN" baseline="0" dirty="0"/>
               <a:t>layer</a:t>
             </a:r>
             <a:r>
-              <a:rPr lang="zh-CN" altLang="en-US" baseline="0" dirty="0" smtClean="0"/>
+              <a:rPr lang="zh-CN" altLang="en-US" baseline="0" dirty="0"/>
               <a:t> </a:t>
             </a:r>
             <a:r>
-              <a:rPr lang="en-US" altLang="zh-CN" baseline="0" dirty="0" smtClean="0"/>
+              <a:rPr lang="en-US" altLang="zh-CN" baseline="0" dirty="0"/>
               <a:t>decides</a:t>
             </a:r>
             <a:r>
-              <a:rPr lang="zh-CN" altLang="en-US" baseline="0" dirty="0" smtClean="0"/>
+              <a:rPr lang="zh-CN" altLang="en-US" baseline="0" dirty="0"/>
               <a:t> </a:t>
             </a:r>
             <a:r>
-              <a:rPr lang="en-US" altLang="zh-CN" baseline="0" dirty="0" smtClean="0"/>
+              <a:rPr lang="en-US" altLang="zh-CN" baseline="0" dirty="0"/>
               <a:t>what</a:t>
             </a:r>
             <a:r>
-              <a:rPr lang="zh-CN" altLang="en-US" baseline="0" dirty="0" smtClean="0"/>
+              <a:rPr lang="zh-CN" altLang="en-US" baseline="0" dirty="0"/>
               <a:t> </a:t>
             </a:r>
             <a:r>
-              <a:rPr lang="en-US" altLang="zh-CN" baseline="0" dirty="0" smtClean="0"/>
+              <a:rPr lang="en-US" altLang="zh-CN" baseline="0" dirty="0"/>
               <a:t>new</a:t>
             </a:r>
             <a:r>
-              <a:rPr lang="zh-CN" altLang="en-US" baseline="0" dirty="0" smtClean="0"/>
+              <a:rPr lang="zh-CN" altLang="en-US" baseline="0" dirty="0"/>
               <a:t> </a:t>
             </a:r>
             <a:r>
-              <a:rPr lang="en-US" altLang="zh-CN" baseline="0" dirty="0" smtClean="0"/>
+              <a:rPr lang="en-US" altLang="zh-CN" baseline="0" dirty="0"/>
               <a:t>new information we’re going to store in the cell state.</a:t>
             </a:r>
           </a:p>
           <a:p>
-            <a:endParaRPr lang="en-US" baseline="0" dirty="0" smtClean="0"/>
+            <a:endParaRPr lang="en-US" baseline="0" dirty="0"/>
           </a:p>
           <a:p>
             <a:r>
-              <a:rPr lang="en-US" baseline="0" dirty="0" smtClean="0"/>
+              <a:rPr lang="en-US" baseline="0" dirty="0"/>
               <a:t>The</a:t>
             </a:r>
             <a:r>
-              <a:rPr lang="zh-CN" altLang="en-US" baseline="0" dirty="0" smtClean="0"/>
+              <a:rPr lang="zh-CN" altLang="en-US" baseline="0" dirty="0"/>
               <a:t> </a:t>
             </a:r>
             <a:r>
-              <a:rPr lang="en-US" altLang="zh-CN" baseline="0" dirty="0" smtClean="0"/>
+              <a:rPr lang="en-US" altLang="zh-CN" baseline="0" dirty="0"/>
               <a:t>last</a:t>
             </a:r>
             <a:r>
-              <a:rPr lang="zh-CN" altLang="en-US" baseline="0" dirty="0" smtClean="0"/>
+              <a:rPr lang="zh-CN" altLang="en-US" baseline="0" dirty="0"/>
               <a:t> </a:t>
             </a:r>
             <a:r>
-              <a:rPr lang="en-US" altLang="zh-CN" baseline="0" dirty="0" smtClean="0"/>
+              <a:rPr lang="en-US" altLang="zh-CN" baseline="0" dirty="0"/>
               <a:t>layer</a:t>
             </a:r>
             <a:r>
-              <a:rPr lang="zh-CN" altLang="en-US" baseline="0" dirty="0" smtClean="0"/>
+              <a:rPr lang="zh-CN" altLang="en-US" baseline="0" dirty="0"/>
               <a:t> </a:t>
             </a:r>
             <a:r>
-              <a:rPr lang="en-US" altLang="zh-CN" baseline="0" dirty="0" smtClean="0"/>
+              <a:rPr lang="en-US" altLang="zh-CN" baseline="0" dirty="0"/>
               <a:t>decide what we’re going to output.</a:t>
             </a:r>
-            <a:endParaRPr lang="en-US" baseline="0" dirty="0" smtClean="0"/>
+            <a:endParaRPr lang="en-US" baseline="0" dirty="0"/>
           </a:p>
           <a:p>
-            <a:endParaRPr lang="en-US" baseline="0" dirty="0" smtClean="0"/>
+            <a:endParaRPr lang="en-US" baseline="0" dirty="0"/>
           </a:p>
           <a:p>
-            <a:endParaRPr lang="en-US" baseline="0" dirty="0" smtClean="0"/>
+            <a:endParaRPr lang="en-US" baseline="0" dirty="0"/>
           </a:p>
         </p:txBody>
       </p:sp>
@@ -25828,86 +25328,82 @@
               <a:buSzPct val="25000"/>
             </a:pPr>
             <a:r>
-              <a:rPr lang="en-US" dirty="0" smtClean="0"/>
+              <a:rPr lang="en-US" dirty="0"/>
               <a:t>Learning</a:t>
             </a:r>
             <a:r>
-              <a:rPr lang="zh-CN" altLang="en-US" dirty="0" smtClean="0"/>
+              <a:rPr lang="zh-CN" altLang="en-US" dirty="0"/>
               <a:t> </a:t>
             </a:r>
             <a:r>
               <a:rPr lang="en-US" altLang="zh-CN" dirty="0"/>
-              <a:t>t</a:t>
-            </a:r>
-            <a:r>
-              <a:rPr lang="en-US" altLang="zh-CN" dirty="0" smtClean="0"/>
-              <a:t>o</a:t>
-            </a:r>
-            <a:r>
-              <a:rPr lang="zh-CN" altLang="en-US" dirty="0" smtClean="0"/>
+              <a:t>to</a:t>
+            </a:r>
+            <a:r>
+              <a:rPr lang="zh-CN" altLang="en-US" dirty="0"/>
               <a:t> </a:t>
             </a:r>
             <a:r>
-              <a:rPr lang="en-US" altLang="zh-CN" dirty="0" smtClean="0"/>
+              <a:rPr lang="en-US" altLang="zh-CN" dirty="0"/>
               <a:t>be</a:t>
             </a:r>
             <a:r>
-              <a:rPr lang="en-US" dirty="0" smtClean="0"/>
+              <a:rPr lang="en-US" dirty="0"/>
               <a:t> Poetic</a:t>
             </a:r>
             <a:r>
-              <a:rPr lang="en-US" altLang="zh-CN" dirty="0" smtClean="0"/>
+              <a:rPr lang="en-US" altLang="zh-CN" dirty="0"/>
               <a:t>:</a:t>
             </a:r>
             <a:br>
-              <a:rPr lang="en-US" altLang="zh-CN" dirty="0" smtClean="0"/>
+              <a:rPr lang="en-US" altLang="zh-CN" dirty="0"/>
             </a:br>
             <a:r>
-              <a:rPr lang="en-US" altLang="zh-CN" dirty="0" smtClean="0"/>
+              <a:rPr lang="en-US" altLang="zh-CN" dirty="0"/>
               <a:t>Automatic</a:t>
             </a:r>
             <a:r>
-              <a:rPr lang="zh-CN" altLang="en-US" dirty="0" smtClean="0"/>
+              <a:rPr lang="zh-CN" altLang="en-US" dirty="0"/>
               <a:t> </a:t>
             </a:r>
             <a:r>
-              <a:rPr lang="en-US" altLang="zh-CN" dirty="0" smtClean="0"/>
+              <a:rPr lang="en-US" altLang="zh-CN" dirty="0"/>
               <a:t>Generation</a:t>
             </a:r>
             <a:r>
-              <a:rPr lang="zh-CN" altLang="en-US" dirty="0" smtClean="0"/>
+              <a:rPr lang="zh-CN" altLang="en-US" dirty="0"/>
               <a:t> </a:t>
             </a:r>
             <a:r>
-              <a:rPr lang="en-US" altLang="zh-CN" dirty="0" smtClean="0"/>
+              <a:rPr lang="en-US" altLang="zh-CN" dirty="0"/>
               <a:t>of</a:t>
             </a:r>
             <a:r>
-              <a:rPr lang="zh-CN" altLang="en-US" dirty="0" smtClean="0"/>
+              <a:rPr lang="zh-CN" altLang="en-US" dirty="0"/>
               <a:t> </a:t>
             </a:r>
             <a:r>
-              <a:rPr lang="en-US" altLang="zh-CN" dirty="0" smtClean="0"/>
+              <a:rPr lang="en-US" altLang="zh-CN" dirty="0"/>
               <a:t>Chinese</a:t>
             </a:r>
             <a:r>
-              <a:rPr lang="zh-CN" altLang="en-US" dirty="0" smtClean="0"/>
+              <a:rPr lang="zh-CN" altLang="en-US" dirty="0"/>
               <a:t> </a:t>
             </a:r>
             <a:r>
-              <a:rPr lang="en-US" altLang="zh-CN" dirty="0" smtClean="0"/>
+              <a:rPr lang="en-US" altLang="zh-CN" dirty="0"/>
               <a:t>Song</a:t>
             </a:r>
             <a:r>
-              <a:rPr lang="zh-CN" altLang="en-US" dirty="0" smtClean="0"/>
+              <a:rPr lang="zh-CN" altLang="en-US" dirty="0"/>
               <a:t> </a:t>
             </a:r>
             <a:r>
-              <a:rPr lang="en-US" altLang="zh-CN" dirty="0" err="1" smtClean="0"/>
+              <a:rPr lang="en-US" altLang="zh-CN" dirty="0" err="1"/>
               <a:t>Ci</a:t>
             </a:r>
             <a:r>
-              <a:rPr lang="zh-CN" altLang="en-US" dirty="0" smtClean="0"/>
+              <a:rPr lang="zh-CN" altLang="en-US" dirty="0"/>
               <a:t> </a:t>
             </a:r>
             <a:endParaRPr lang="en-US" dirty="0"/>
@@ -25968,20 +25464,10 @@
                 <a:latin typeface="Montserrat"/>
                 <a:sym typeface="Arial"/>
               </a:rPr>
-              <a:t>Nan </a:t>
-            </a:r>
-            <a:r>
-              <a:rPr lang="en-US" sz="2400" u="none" strike="noStrike" cap="none" dirty="0" smtClean="0">
-                <a:solidFill>
-                  <a:srgbClr val="3F3F3F"/>
-                </a:solidFill>
-                <a:latin typeface="Montserrat"/>
-                <a:sym typeface="Arial"/>
-              </a:rPr>
-              <a:t>Du</a:t>
-            </a:r>
-            <a:r>
-              <a:rPr lang="en-US" altLang="zh-CN" sz="2400" u="none" strike="noStrike" cap="none" dirty="0" smtClean="0">
+              <a:t>Nan Du</a:t>
+            </a:r>
+            <a:r>
+              <a:rPr lang="en-US" altLang="zh-CN" sz="2400" u="none" strike="noStrike" cap="none" dirty="0">
                 <a:solidFill>
                   <a:srgbClr val="3F3F3F"/>
                 </a:solidFill>
@@ -25991,7 +25477,7 @@
               <a:t>,</a:t>
             </a:r>
             <a:r>
-              <a:rPr lang="zh-CN" altLang="en-US" sz="2400" u="none" strike="noStrike" cap="none" dirty="0" smtClean="0">
+              <a:rPr lang="zh-CN" altLang="en-US" sz="2400" u="none" strike="noStrike" cap="none" dirty="0">
                 <a:solidFill>
                   <a:srgbClr val="3F3F3F"/>
                 </a:solidFill>
@@ -26001,7 +25487,7 @@
               <a:t> </a:t>
             </a:r>
             <a:r>
-              <a:rPr lang="en-US" altLang="zh-CN" sz="2400" u="none" strike="noStrike" cap="none" dirty="0" smtClean="0">
+              <a:rPr lang="en-US" altLang="zh-CN" sz="2400" u="none" strike="noStrike" cap="none" dirty="0">
                 <a:solidFill>
                   <a:srgbClr val="3F3F3F"/>
                 </a:solidFill>
@@ -26011,7 +25497,7 @@
               <a:t>Wei</a:t>
             </a:r>
             <a:r>
-              <a:rPr lang="zh-CN" altLang="en-US" sz="2400" u="none" strike="noStrike" cap="none" dirty="0" smtClean="0">
+              <a:rPr lang="zh-CN" altLang="en-US" sz="2400" u="none" strike="noStrike" cap="none" dirty="0">
                 <a:solidFill>
                   <a:srgbClr val="3F3F3F"/>
                 </a:solidFill>
@@ -26021,7 +25507,7 @@
               <a:t> </a:t>
             </a:r>
             <a:r>
-              <a:rPr lang="en-US" altLang="zh-CN" sz="2400" u="none" strike="noStrike" cap="none" dirty="0" smtClean="0">
+              <a:rPr lang="en-US" altLang="zh-CN" sz="2400" u="none" strike="noStrike" cap="none" dirty="0">
                 <a:solidFill>
                   <a:srgbClr val="3F3F3F"/>
                 </a:solidFill>
@@ -26031,7 +25517,7 @@
               <a:t>Wang,</a:t>
             </a:r>
             <a:r>
-              <a:rPr lang="zh-CN" altLang="en-US" sz="2400" u="none" strike="noStrike" cap="none" dirty="0" smtClean="0">
+              <a:rPr lang="zh-CN" altLang="en-US" sz="2400" u="none" strike="noStrike" cap="none" dirty="0">
                 <a:solidFill>
                   <a:srgbClr val="3F3F3F"/>
                 </a:solidFill>
@@ -26041,24 +25527,14 @@
               <a:t> </a:t>
             </a:r>
             <a:r>
-              <a:rPr lang="en-US" sz="2400" u="none" strike="noStrike" cap="none" dirty="0" smtClean="0">
+              <a:rPr lang="en-US" sz="2400" u="none" strike="noStrike" cap="none" dirty="0">
                 <a:solidFill>
                   <a:srgbClr val="3F3F3F"/>
                 </a:solidFill>
                 <a:latin typeface="Montserrat"/>
                 <a:sym typeface="Arial"/>
               </a:rPr>
-              <a:t>and </a:t>
-            </a:r>
-            <a:r>
-              <a:rPr lang="en-US" sz="2400" u="none" strike="noStrike" cap="none" dirty="0">
-                <a:solidFill>
-                  <a:srgbClr val="3F3F3F"/>
-                </a:solidFill>
-                <a:latin typeface="Montserrat"/>
-                <a:sym typeface="Arial"/>
-              </a:rPr>
-              <a:t>Zhuangdi Zhu</a:t>
+              <a:t>and Zhuangdi Zhu</a:t>
             </a:r>
           </a:p>
           <a:p>
@@ -26112,33 +25588,17 @@
               <a:rPr lang="en-US" dirty="0">
                 <a:latin typeface="Montserrat"/>
               </a:rPr>
-              <a:t>Apr. </a:t>
-            </a:r>
-            <a:r>
-              <a:rPr lang="en-US" dirty="0" smtClean="0">
-                <a:latin typeface="Montserrat"/>
-              </a:rPr>
-              <a:t>24</a:t>
-            </a:r>
-            <a:r>
-              <a:rPr lang="en-US" sz="2400" u="none" strike="noStrike" cap="none" dirty="0" smtClean="0">
+              <a:t>Apr. 24</a:t>
+            </a:r>
+            <a:r>
+              <a:rPr lang="en-US" sz="2400" u="none" strike="noStrike" cap="none" dirty="0">
                 <a:solidFill>
                   <a:srgbClr val="3F3F3F"/>
                 </a:solidFill>
                 <a:latin typeface="Montserrat"/>
                 <a:sym typeface="Arial"/>
               </a:rPr>
-              <a:t>, </a:t>
-            </a:r>
-            <a:r>
-              <a:rPr lang="en-US" sz="2400" u="none" strike="noStrike" cap="none" dirty="0">
-                <a:solidFill>
-                  <a:srgbClr val="3F3F3F"/>
-                </a:solidFill>
-                <a:latin typeface="Montserrat"/>
-                <a:sym typeface="Arial"/>
-              </a:rPr>
-              <a:t>201</a:t>
+              <a:t>, 201</a:t>
             </a:r>
             <a:r>
               <a:rPr lang="en-US" dirty="0">
@@ -26229,13 +25689,6 @@
   <p:clrMapOvr>
     <a:masterClrMapping/>
   </p:clrMapOvr>
-  <p:timing>
-    <p:tnLst>
-      <p:par>
-        <p:cTn xmlns:p14="http://schemas.microsoft.com/office/powerpoint/2010/main" id="1" dur="indefinite" restart="never" nodeType="tmRoot"/>
-      </p:par>
-    </p:tnLst>
-  </p:timing>
 </p:sld>
 </file>
 
@@ -26272,31 +25725,31 @@
           <a:lstStyle/>
           <a:p>
             <a:r>
-              <a:rPr lang="en-US" altLang="zh-CN" dirty="0" smtClean="0"/>
+              <a:rPr lang="en-US" altLang="zh-CN" dirty="0"/>
               <a:t>Poem</a:t>
             </a:r>
             <a:r>
-              <a:rPr lang="zh-CN" altLang="en-US" dirty="0" smtClean="0"/>
+              <a:rPr lang="zh-CN" altLang="en-US" dirty="0"/>
               <a:t> </a:t>
             </a:r>
             <a:r>
-              <a:rPr lang="en-US" altLang="zh-CN" dirty="0" smtClean="0"/>
+              <a:rPr lang="en-US" altLang="zh-CN" dirty="0"/>
               <a:t>Generation</a:t>
             </a:r>
             <a:r>
-              <a:rPr lang="zh-CN" altLang="en-US" dirty="0" smtClean="0"/>
+              <a:rPr lang="zh-CN" altLang="en-US" dirty="0"/>
               <a:t> </a:t>
             </a:r>
             <a:r>
-              <a:rPr lang="en-US" altLang="zh-CN" dirty="0" smtClean="0"/>
+              <a:rPr lang="en-US" altLang="zh-CN" dirty="0"/>
               <a:t>with</a:t>
             </a:r>
             <a:r>
-              <a:rPr lang="zh-CN" altLang="en-US" dirty="0" smtClean="0"/>
+              <a:rPr lang="zh-CN" altLang="en-US" dirty="0"/>
               <a:t> </a:t>
             </a:r>
             <a:r>
-              <a:rPr lang="en-US" altLang="zh-CN" dirty="0" smtClean="0"/>
+              <a:rPr lang="en-US" altLang="zh-CN" dirty="0"/>
               <a:t>RNN</a:t>
             </a:r>
             <a:endParaRPr lang="en-US" dirty="0"/>
@@ -27622,7 +27075,7 @@
           <a:lstStyle/>
           <a:p>
             <a:r>
-              <a:rPr lang="zh-CN" altLang="en-US" sz="1800" b="1" dirty="0" smtClean="0"/>
+              <a:rPr lang="zh-CN" altLang="en-US" sz="1800" b="1" dirty="0"/>
               <a:t>大</a:t>
             </a:r>
             <a:endParaRPr lang="en-US" sz="1800" b="1" dirty="0"/>
@@ -27656,7 +27109,7 @@
           <a:lstStyle/>
           <a:p>
             <a:r>
-              <a:rPr lang="zh-CN" altLang="en-US" sz="1800" b="1" dirty="0" smtClean="0"/>
+              <a:rPr lang="zh-CN" altLang="en-US" sz="1800" b="1" dirty="0"/>
               <a:t>漠</a:t>
             </a:r>
             <a:endParaRPr lang="en-US" sz="1800" b="1" dirty="0"/>
@@ -27690,7 +27143,7 @@
           <a:lstStyle/>
           <a:p>
             <a:r>
-              <a:rPr lang="zh-CN" altLang="en-US" sz="1800" b="1" dirty="0" smtClean="0"/>
+              <a:rPr lang="zh-CN" altLang="en-US" sz="1800" b="1" dirty="0"/>
               <a:t>孤</a:t>
             </a:r>
             <a:endParaRPr lang="en-US" sz="1800" b="1" dirty="0"/>
@@ -27724,7 +27177,7 @@
           <a:lstStyle/>
           <a:p>
             <a:r>
-              <a:rPr lang="zh-CN" altLang="en-US" sz="1800" b="1" dirty="0" smtClean="0"/>
+              <a:rPr lang="zh-CN" altLang="en-US" sz="1800" b="1" dirty="0"/>
               <a:t>烟</a:t>
             </a:r>
             <a:endParaRPr lang="en-US" sz="1800" b="1" dirty="0"/>
@@ -27758,7 +27211,7 @@
           <a:lstStyle/>
           <a:p>
             <a:r>
-              <a:rPr lang="zh-CN" altLang="en-US" sz="1800" b="1" dirty="0" smtClean="0"/>
+              <a:rPr lang="zh-CN" altLang="en-US" sz="1800" b="1" dirty="0"/>
               <a:t>直</a:t>
             </a:r>
             <a:endParaRPr lang="en-US" sz="1800" b="1" dirty="0"/>
@@ -27792,11 +27245,11 @@
           <a:lstStyle/>
           <a:p>
             <a:r>
-              <a:rPr lang="zh-CN" altLang="zh-CN" sz="1800" b="1" dirty="0" smtClean="0"/>
+              <a:rPr lang="zh-CN" altLang="zh-CN" sz="1800" b="1" dirty="0"/>
               <a:t>&lt;</a:t>
             </a:r>
             <a:r>
-              <a:rPr lang="en-US" altLang="zh-CN" sz="1800" b="1" dirty="0" smtClean="0"/>
+              <a:rPr lang="en-US" altLang="zh-CN" sz="1800" b="1" dirty="0"/>
               <a:t>SART&gt;</a:t>
             </a:r>
             <a:endParaRPr lang="en-US" sz="1800" b="1" dirty="0"/>
@@ -27830,7 +27283,7 @@
           <a:lstStyle/>
           <a:p>
             <a:r>
-              <a:rPr lang="zh-CN" altLang="en-US" sz="1800" b="1" dirty="0" smtClean="0"/>
+              <a:rPr lang="zh-CN" altLang="en-US" sz="1800" b="1" dirty="0"/>
               <a:t>大</a:t>
             </a:r>
             <a:endParaRPr lang="en-US" sz="1800" b="1" dirty="0"/>
@@ -27864,7 +27317,7 @@
           <a:lstStyle/>
           <a:p>
             <a:r>
-              <a:rPr lang="zh-CN" altLang="en-US" sz="1800" b="1" dirty="0" smtClean="0"/>
+              <a:rPr lang="zh-CN" altLang="en-US" sz="1800" b="1" dirty="0"/>
               <a:t>漠</a:t>
             </a:r>
             <a:endParaRPr lang="en-US" sz="1800" b="1" dirty="0"/>
@@ -27898,7 +27351,7 @@
           <a:lstStyle/>
           <a:p>
             <a:r>
-              <a:rPr lang="zh-CN" altLang="en-US" sz="1800" b="1" dirty="0" smtClean="0"/>
+              <a:rPr lang="zh-CN" altLang="en-US" sz="1800" b="1" dirty="0"/>
               <a:t>孤</a:t>
             </a:r>
             <a:endParaRPr lang="en-US" sz="1800" b="1" dirty="0"/>
@@ -27932,7 +27385,7 @@
           <a:lstStyle/>
           <a:p>
             <a:r>
-              <a:rPr lang="zh-CN" altLang="en-US" sz="1800" b="1" dirty="0" smtClean="0"/>
+              <a:rPr lang="zh-CN" altLang="en-US" sz="1800" b="1" dirty="0"/>
               <a:t>烟</a:t>
             </a:r>
             <a:endParaRPr lang="en-US" sz="1800" b="1" dirty="0"/>
@@ -27966,7 +27419,7 @@
           <a:lstStyle/>
           <a:p>
             <a:r>
-              <a:rPr lang="zh-CN" altLang="en-US" sz="1800" b="1" dirty="0" smtClean="0"/>
+              <a:rPr lang="zh-CN" altLang="en-US" sz="1800" b="1" dirty="0"/>
               <a:t>直</a:t>
             </a:r>
             <a:endParaRPr lang="en-US" sz="1800" b="1" dirty="0"/>
@@ -28000,11 +27453,11 @@
           <a:lstStyle/>
           <a:p>
             <a:r>
-              <a:rPr lang="zh-CN" altLang="zh-CN" sz="1800" b="1" dirty="0" smtClean="0"/>
+              <a:rPr lang="zh-CN" altLang="zh-CN" sz="1800" b="1" dirty="0"/>
               <a:t>&lt;</a:t>
             </a:r>
             <a:r>
-              <a:rPr lang="en-US" altLang="zh-CN" sz="1800" b="1" dirty="0" smtClean="0"/>
+              <a:rPr lang="en-US" altLang="zh-CN" sz="1800" b="1" dirty="0"/>
               <a:t>END&gt;</a:t>
             </a:r>
             <a:endParaRPr lang="en-US" sz="1800" b="1" dirty="0"/>
@@ -29132,19 +28585,19 @@
           <a:lstStyle/>
           <a:p>
             <a:r>
-              <a:rPr lang="en-US" altLang="zh-CN" sz="1600" b="1" dirty="0" smtClean="0"/>
+              <a:rPr lang="en-US" altLang="zh-CN" sz="1600" b="1" dirty="0"/>
               <a:t>-</a:t>
             </a:r>
             <a:r>
-              <a:rPr lang="en-US" sz="1600" b="1" dirty="0" smtClean="0"/>
+              <a:rPr lang="en-US" sz="1600" b="1" dirty="0"/>
               <a:t>Training</a:t>
             </a:r>
             <a:r>
-              <a:rPr lang="zh-CN" altLang="en-US" sz="1600" b="1" dirty="0" smtClean="0"/>
+              <a:rPr lang="zh-CN" altLang="en-US" sz="1600" b="1" dirty="0"/>
               <a:t> </a:t>
             </a:r>
             <a:r>
-              <a:rPr lang="en-US" altLang="zh-CN" sz="1600" b="1" dirty="0" smtClean="0"/>
+              <a:rPr lang="en-US" altLang="zh-CN" sz="1600" b="1" dirty="0"/>
               <a:t>Input</a:t>
             </a:r>
             <a:endParaRPr lang="en-US" sz="1600" b="1" dirty="0"/>
@@ -29174,23 +28627,23 @@
           <a:lstStyle/>
           <a:p>
             <a:r>
-              <a:rPr lang="en-US" altLang="zh-CN" sz="1600" b="1" dirty="0" smtClean="0"/>
+              <a:rPr lang="en-US" altLang="zh-CN" sz="1600" b="1" dirty="0"/>
               <a:t>-</a:t>
             </a:r>
             <a:r>
-              <a:rPr lang="en-US" sz="1600" b="1" dirty="0" smtClean="0"/>
+              <a:rPr lang="en-US" sz="1600" b="1" dirty="0"/>
               <a:t>Target</a:t>
             </a:r>
             <a:r>
-              <a:rPr lang="zh-CN" altLang="en-US" sz="1600" b="1" dirty="0" smtClean="0"/>
+              <a:rPr lang="zh-CN" altLang="en-US" sz="1600" b="1" dirty="0"/>
               <a:t> </a:t>
             </a:r>
             <a:r>
-              <a:rPr lang="en-US" altLang="zh-CN" sz="1600" b="1" dirty="0" smtClean="0"/>
+              <a:rPr lang="en-US" altLang="zh-CN" sz="1600" b="1" dirty="0"/>
               <a:t>Output</a:t>
             </a:r>
             <a:r>
-              <a:rPr lang="zh-CN" altLang="en-US" sz="1600" b="1" dirty="0" smtClean="0"/>
+              <a:rPr lang="zh-CN" altLang="en-US" sz="1600" b="1" dirty="0"/>
               <a:t> </a:t>
             </a:r>
             <a:endParaRPr lang="en-US" sz="1600" b="1" dirty="0"/>
@@ -29220,7 +28673,7 @@
           <a:lstStyle/>
           <a:p>
             <a:r>
-              <a:rPr lang="en-US" altLang="zh-CN" sz="1800" dirty="0" smtClean="0">
+              <a:rPr lang="en-US" altLang="zh-CN" sz="1800" dirty="0">
                 <a:solidFill>
                   <a:srgbClr val="595959"/>
                 </a:solidFill>
@@ -29228,7 +28681,7 @@
               <a:t>-</a:t>
             </a:r>
             <a:r>
-              <a:rPr lang="zh-CN" altLang="en-US" sz="1800" dirty="0" smtClean="0">
+              <a:rPr lang="zh-CN" altLang="en-US" sz="1800" dirty="0">
                 <a:solidFill>
                   <a:srgbClr val="595959"/>
                 </a:solidFill>
@@ -29236,34 +28689,13 @@
               <a:t> </a:t>
             </a:r>
             <a:r>
-              <a:rPr lang="en-US" sz="1800" dirty="0" smtClean="0">
+              <a:rPr lang="en-US" sz="1800" dirty="0">
                 <a:solidFill>
                   <a:srgbClr val="595959"/>
                 </a:solidFill>
               </a:rPr>
-              <a:t>A </a:t>
-            </a:r>
-            <a:r>
-              <a:rPr lang="en-US" sz="1800" dirty="0">
-                <a:solidFill>
-                  <a:srgbClr val="595959"/>
-                </a:solidFill>
-              </a:rPr>
-              <a:t>plume of smoke rises up into the evening sky of the Great </a:t>
-            </a:r>
-            <a:r>
-              <a:rPr lang="en-US" sz="1800" dirty="0" smtClean="0">
-                <a:solidFill>
-                  <a:srgbClr val="595959"/>
-                </a:solidFill>
-              </a:rPr>
-              <a:t>Desert</a:t>
-            </a:r>
-            <a:endParaRPr lang="en-US" sz="1800" dirty="0">
-              <a:solidFill>
-                <a:srgbClr val="595959"/>
-              </a:solidFill>
-            </a:endParaRPr>
+              <a:t>A plume of smoke rises up into the evening sky of the Great Desert</a:t>
+            </a:r>
           </a:p>
         </p:txBody>
       </p:sp>
@@ -29277,13 +28709,6 @@
   <p:clrMapOvr>
     <a:masterClrMapping/>
   </p:clrMapOvr>
-  <p:timing>
-    <p:tnLst>
-      <p:par>
-        <p:cTn xmlns:p14="http://schemas.microsoft.com/office/powerpoint/2010/main" id="1" dur="indefinite" restart="never" nodeType="tmRoot"/>
-      </p:par>
-    </p:tnLst>
-  </p:timing>
 </p:sld>
 </file>
 
@@ -29372,7 +28797,7 @@
               <a:t> </a:t>
             </a:r>
             <a:r>
-              <a:rPr lang="en-US" altLang="zh-CN" dirty="0" smtClean="0"/>
+              <a:rPr lang="en-US" altLang="zh-CN" dirty="0"/>
               <a:t>Network</a:t>
             </a:r>
             <a:endParaRPr lang="en-US" dirty="0"/>
@@ -29531,13 +28956,6 @@
   <p:clrMapOvr>
     <a:masterClrMapping/>
   </p:clrMapOvr>
-  <p:timing>
-    <p:tnLst>
-      <p:par>
-        <p:cTn xmlns:p14="http://schemas.microsoft.com/office/powerpoint/2010/main" id="1" dur="indefinite" restart="never" nodeType="tmRoot"/>
-      </p:par>
-    </p:tnLst>
-  </p:timing>
 </p:sld>
 </file>
 
@@ -29574,10 +28992,9 @@
           <a:lstStyle/>
           <a:p>
             <a:r>
-              <a:rPr lang="en-US" dirty="0" smtClean="0"/>
+              <a:rPr lang="en-US" dirty="0"/>
               <a:t>Approaches</a:t>
             </a:r>
-            <a:endParaRPr lang="en-US" dirty="0"/>
           </a:p>
         </p:txBody>
       </p:sp>
@@ -29708,15 +29125,7 @@
           <a:p>
             <a:r>
               <a:rPr lang="en-US" altLang="zh-CN" sz="2800" dirty="0"/>
-              <a:t>Generative Adversarial Networks </a:t>
-            </a:r>
-            <a:r>
-              <a:rPr lang="en-US" altLang="zh-CN" sz="2800" dirty="0" smtClean="0"/>
-              <a:t> (</a:t>
-            </a:r>
-            <a:r>
-              <a:rPr lang="en-US" altLang="zh-CN" sz="2800" dirty="0"/>
-              <a:t>GANs)</a:t>
+              <a:t>Generative Adversarial Networks  (GANs)</a:t>
             </a:r>
             <a:endParaRPr lang="zh-CN" altLang="en-US" sz="2800" dirty="0"/>
           </a:p>
@@ -29743,12 +29152,8 @@
           <a:lstStyle/>
           <a:p>
             <a:r>
-              <a:rPr lang="en-US" altLang="zh-CN" sz="2400" dirty="0" smtClean="0"/>
-              <a:t>Generative </a:t>
-            </a:r>
-            <a:r>
               <a:rPr lang="en-US" altLang="zh-CN" sz="2400" dirty="0"/>
-              <a:t>Model</a:t>
+              <a:t>Generative Model</a:t>
             </a:r>
             <a:endParaRPr lang="zh-CN" altLang="en-US" sz="2400" dirty="0"/>
           </a:p>
@@ -29778,8 +29183,9 @@
               </a:bodyPr>
               <a:lstStyle/>
               <a:p>
+                <a:pPr/>
                 <a14:m>
-                  <m:oMathPara xmlns="" xmlns:m="http://schemas.openxmlformats.org/officeDocument/2006/math">
+                  <m:oMathPara xmlns:m="http://schemas.openxmlformats.org/officeDocument/2006/math">
                     <m:oMathParaPr>
                       <m:jc m:val="centerGroup"/>
                     </m:oMathParaPr>
@@ -30248,21 +29654,17 @@
                 <a:pPr algn="ctr"/>
                 <a:r>
                   <a:rPr lang="en-US" altLang="zh-CN" dirty="0"/>
-                  <a:t>“Criminal</a:t>
-                </a:r>
-                <a:r>
-                  <a:rPr lang="en-US" altLang="zh-CN" dirty="0" smtClean="0"/>
-                  <a:t>”</a:t>
+                  <a:t>“Criminal”</a:t>
                 </a:r>
               </a:p>
               <a:p>
                 <a:pPr algn="ctr"/>
                 <a:r>
-                  <a:rPr lang="en-US" altLang="zh-CN" b="1" dirty="0" smtClean="0"/>
+                  <a:rPr lang="en-US" altLang="zh-CN" b="1" dirty="0"/>
                   <a:t>Generator </a:t>
                 </a:r>
                 <a14:m>
-                  <m:oMath xmlns="" xmlns:m="http://schemas.openxmlformats.org/officeDocument/2006/math">
+                  <m:oMath xmlns:m="http://schemas.openxmlformats.org/officeDocument/2006/math">
                     <m:r>
                       <a:rPr lang="en-US" altLang="zh-CN" b="1" i="1" smtClean="0">
                         <a:latin typeface="Cambria Math" panose="02040503050406030204" pitchFamily="18" charset="0"/>
@@ -30271,7 +29673,7 @@
                     </m:r>
                   </m:oMath>
                 </a14:m>
-                <a:endParaRPr lang="en-US" altLang="zh-CN" b="1" dirty="0" smtClean="0"/>
+                <a:endParaRPr lang="en-US" altLang="zh-CN" b="1" dirty="0"/>
               </a:p>
             </p:txBody>
           </p:sp>
@@ -30341,18 +29743,18 @@
               <a:p>
                 <a:pPr algn="ctr"/>
                 <a:r>
-                  <a:rPr lang="en-US" altLang="zh-CN" dirty="0" smtClean="0"/>
+                  <a:rPr lang="en-US" altLang="zh-CN" dirty="0"/>
                   <a:t>“Police”</a:t>
                 </a:r>
               </a:p>
               <a:p>
                 <a:pPr algn="ctr"/>
                 <a:r>
-                  <a:rPr lang="en-US" altLang="zh-CN" b="1" dirty="0" smtClean="0"/>
+                  <a:rPr lang="en-US" altLang="zh-CN" b="1" dirty="0"/>
                   <a:t>Discriminator </a:t>
                 </a:r>
                 <a14:m>
-                  <m:oMath xmlns="" xmlns:m="http://schemas.openxmlformats.org/officeDocument/2006/math">
+                  <m:oMath xmlns:m="http://schemas.openxmlformats.org/officeDocument/2006/math">
                     <m:r>
                       <a:rPr lang="en-US" altLang="zh-CN" b="1" i="1" smtClean="0">
                         <a:latin typeface="Cambria Math" panose="02040503050406030204" pitchFamily="18" charset="0"/>
@@ -30361,7 +29763,7 @@
                     </m:r>
                   </m:oMath>
                 </a14:m>
-                <a:endParaRPr lang="en-US" altLang="zh-CN" b="1" dirty="0" smtClean="0"/>
+                <a:endParaRPr lang="en-US" altLang="zh-CN" b="1" dirty="0"/>
               </a:p>
             </p:txBody>
           </p:sp>
@@ -30429,7 +29831,7 @@
           <a:p>
             <a:pPr algn="ctr"/>
             <a:r>
-              <a:rPr lang="en-US" altLang="zh-CN" dirty="0" smtClean="0"/>
+              <a:rPr lang="en-US" altLang="zh-CN" dirty="0"/>
               <a:t>Generated Sample</a:t>
             </a:r>
             <a:endParaRPr lang="zh-CN" altLang="en-US" dirty="0"/>
@@ -30460,7 +29862,7 @@
           <a:p>
             <a:pPr algn="ctr"/>
             <a:r>
-              <a:rPr lang="en-US" altLang="zh-CN" dirty="0" smtClean="0"/>
+              <a:rPr lang="en-US" altLang="zh-CN" dirty="0"/>
               <a:t>Training Sample</a:t>
             </a:r>
             <a:endParaRPr lang="zh-CN" altLang="en-US" dirty="0"/>
@@ -30513,7 +29915,7 @@
           <a:lstStyle/>
           <a:p>
             <a:r>
-              <a:rPr lang="en-US" altLang="zh-CN" dirty="0" smtClean="0"/>
+              <a:rPr lang="en-US" altLang="zh-CN" dirty="0"/>
               <a:t>GANs</a:t>
             </a:r>
             <a:endParaRPr lang="zh-CN" altLang="en-US" dirty="0"/>
@@ -30638,7 +30040,7 @@
           <a:lstStyle/>
           <a:p>
             <a:r>
-              <a:rPr lang="en-US" altLang="zh-CN" dirty="0" err="1" smtClean="0"/>
+              <a:rPr lang="en-US" altLang="zh-CN" dirty="0" err="1"/>
               <a:t>SeqGAN</a:t>
             </a:r>
             <a:endParaRPr lang="zh-CN" altLang="en-US" dirty="0"/>
@@ -30710,28 +30112,20 @@
               <a:t>, et al. "</a:t>
             </a:r>
             <a:r>
-              <a:rPr lang="en-US" altLang="zh-CN" sz="1100" dirty="0" err="1" smtClean="0"/>
+              <a:rPr lang="en-US" altLang="zh-CN" sz="1100" dirty="0" err="1"/>
               <a:t>SeqGAN</a:t>
             </a:r>
             <a:r>
-              <a:rPr lang="en-US" altLang="zh-CN" sz="1100" dirty="0" smtClean="0"/>
-              <a:t>: </a:t>
-            </a:r>
-            <a:r>
               <a:rPr lang="en-US" altLang="zh-CN" sz="1100" dirty="0"/>
-              <a:t>sequence generative adversarial nets with policy gradient." </a:t>
-            </a:r>
-            <a:r>
-              <a:rPr lang="en-US" altLang="zh-CN" sz="1100" i="1" dirty="0" smtClean="0"/>
+              <a:t>: sequence generative adversarial nets with policy gradient." </a:t>
+            </a:r>
+            <a:r>
+              <a:rPr lang="en-US" altLang="zh-CN" sz="1100" i="1" dirty="0"/>
               <a:t>AAAI 2017</a:t>
             </a:r>
             <a:r>
               <a:rPr lang="en-US" altLang="zh-CN" sz="1100" dirty="0"/>
-              <a:t> (</a:t>
-            </a:r>
-            <a:r>
-              <a:rPr lang="en-US" altLang="zh-CN" sz="1100" dirty="0" smtClean="0"/>
-              <a:t>2017).</a:t>
+              <a:t> (2017).</a:t>
             </a:r>
             <a:endParaRPr lang="zh-CN" altLang="en-US" sz="1100" dirty="0"/>
           </a:p>
@@ -30783,48 +30177,40 @@
           <a:lstStyle/>
           <a:p>
             <a:r>
-              <a:rPr lang="en-US" altLang="zh-CN" dirty="0" smtClean="0"/>
+              <a:rPr lang="en-US" altLang="zh-CN" dirty="0"/>
               <a:t>Genetic</a:t>
             </a:r>
             <a:r>
-              <a:rPr lang="zh-CN" altLang="en-US" dirty="0" smtClean="0"/>
+              <a:rPr lang="zh-CN" altLang="en-US" dirty="0"/>
               <a:t> </a:t>
             </a:r>
             <a:r>
-              <a:rPr lang="en-US" altLang="zh-CN" dirty="0" smtClean="0"/>
+              <a:rPr lang="en-US" altLang="zh-CN" dirty="0"/>
               <a:t>Algorithm</a:t>
             </a:r>
             <a:r>
-              <a:rPr lang="zh-CN" altLang="en-US" dirty="0" smtClean="0"/>
+              <a:rPr lang="zh-CN" altLang="en-US" dirty="0"/>
               <a:t> </a:t>
             </a:r>
             <a:r>
-              <a:rPr lang="en-US" altLang="zh-CN" dirty="0" smtClean="0"/>
+              <a:rPr lang="en-US" altLang="zh-CN" dirty="0"/>
               <a:t>Result:</a:t>
             </a:r>
             <a:r>
-              <a:rPr lang="zh-CN" altLang="en-US" dirty="0" smtClean="0"/>
+              <a:rPr lang="zh-CN" altLang="en-US" dirty="0"/>
               <a:t> </a:t>
             </a:r>
             <a:r>
-              <a:rPr lang="en-US" altLang="zh-CN" dirty="0" err="1" smtClean="0"/>
+              <a:rPr lang="en-US" altLang="zh-CN" dirty="0" err="1"/>
               <a:t>Huanxisha</a:t>
             </a:r>
             <a:r>
-              <a:rPr lang="en-US" altLang="zh-CN" dirty="0" smtClean="0"/>
+              <a:rPr lang="en-US" altLang="zh-CN" dirty="0"/>
               <a:t>(</a:t>
             </a:r>
             <a:r>
-              <a:rPr lang="zh-CN" altLang="en-US" dirty="0" smtClean="0"/>
+              <a:rPr lang="zh-CN" altLang="en-US" dirty="0"/>
               <a:t>浣溪沙） </a:t>
-            </a:r>
-            <a:r>
-              <a:rPr lang="en-US" sz="2400" dirty="0">
-                <a:solidFill>
-                  <a:schemeClr val="tx1"/>
-                </a:solidFill>
-              </a:rPr>
-              <a:t/>
             </a:r>
             <a:br>
               <a:rPr lang="en-US" sz="2400" dirty="0">
@@ -31165,7 +30551,7 @@
               <a:t>佳人含笑立尊前</a:t>
             </a:r>
             <a:r>
-              <a:rPr lang="zh-CN" altLang="zh-CN" sz="2000" dirty="0" smtClean="0">
+              <a:rPr lang="zh-CN" altLang="zh-CN" sz="2000" dirty="0">
                 <a:solidFill>
                   <a:srgbClr val="404040"/>
                 </a:solidFill>
@@ -31173,31 +30559,15 @@
               <a:t>。</a:t>
             </a:r>
             <a:r>
-              <a:rPr lang="en-US" sz="2000" dirty="0" smtClean="0">
+              <a:rPr lang="en-US" sz="2000" dirty="0">
                 <a:solidFill>
                   <a:srgbClr val="404040"/>
                 </a:solidFill>
               </a:rPr>
-              <a:t>My </a:t>
-            </a:r>
-            <a:r>
-              <a:rPr lang="en-US" sz="2000" dirty="0">
-                <a:solidFill>
-                  <a:srgbClr val="404040"/>
-                </a:solidFill>
-              </a:rPr>
-              <a:t>loved one stand in front of me with </a:t>
-            </a:r>
-            <a:r>
-              <a:rPr lang="en-US" sz="2000" dirty="0" smtClean="0">
-                <a:solidFill>
-                  <a:srgbClr val="404040"/>
-                </a:solidFill>
-              </a:rPr>
-              <a:t>s</a:t>
-            </a:r>
-            <a:r>
-              <a:rPr lang="en-US" altLang="zh-CN" sz="2000" dirty="0" smtClean="0">
+              <a:t>My loved one stand in front of me with s</a:t>
+            </a:r>
+            <a:r>
+              <a:rPr lang="en-US" altLang="zh-CN" sz="2000" dirty="0">
                 <a:solidFill>
                   <a:srgbClr val="404040"/>
                 </a:solidFill>
@@ -31205,18 +30575,13 @@
               <a:t>mile</a:t>
             </a:r>
             <a:r>
-              <a:rPr lang="en-US" sz="2000" dirty="0" smtClean="0">
+              <a:rPr lang="en-US" sz="2000" dirty="0">
                 <a:solidFill>
                   <a:srgbClr val="404040"/>
                 </a:solidFill>
               </a:rPr>
               <a:t>. </a:t>
             </a:r>
-            <a:endParaRPr lang="en-US" sz="2000" dirty="0">
-              <a:solidFill>
-                <a:srgbClr val="404040"/>
-              </a:solidFill>
-            </a:endParaRPr>
           </a:p>
         </p:txBody>
       </p:sp>
@@ -31230,13 +30595,6 @@
   <p:clrMapOvr>
     <a:masterClrMapping/>
   </p:clrMapOvr>
-  <p:timing>
-    <p:tnLst>
-      <p:par>
-        <p:cTn xmlns:p14="http://schemas.microsoft.com/office/powerpoint/2010/main" id="1" dur="indefinite" restart="never" nodeType="tmRoot"/>
-      </p:par>
-    </p:tnLst>
-  </p:timing>
 </p:sld>
 </file>
 
@@ -31273,38 +30631,34 @@
           <a:lstStyle/>
           <a:p>
             <a:r>
-              <a:rPr lang="en-US" dirty="0" smtClean="0"/>
+              <a:rPr lang="en-US" dirty="0"/>
               <a:t>Recurrent Neural</a:t>
             </a:r>
             <a:r>
-              <a:rPr lang="zh-CN" altLang="en-US" dirty="0" smtClean="0"/>
+              <a:rPr lang="zh-CN" altLang="en-US" dirty="0"/>
               <a:t> </a:t>
             </a:r>
             <a:r>
-              <a:rPr lang="en-US" dirty="0" smtClean="0"/>
+              <a:rPr lang="en-US" dirty="0"/>
               <a:t>Network</a:t>
             </a:r>
             <a:r>
-              <a:rPr lang="zh-CN" altLang="en-US" dirty="0" smtClean="0"/>
+              <a:rPr lang="zh-CN" altLang="en-US" dirty="0"/>
               <a:t> </a:t>
             </a:r>
             <a:r>
-              <a:rPr lang="en-US" dirty="0" smtClean="0"/>
+              <a:rPr lang="en-US" dirty="0"/>
               <a:t>Result</a:t>
             </a:r>
             <a:r>
-              <a:rPr lang="zh-CN" altLang="en-US" dirty="0" smtClean="0"/>
+              <a:rPr lang="zh-CN" altLang="en-US" dirty="0"/>
               <a:t>：</a:t>
             </a:r>
-            <a:r>
-              <a:rPr lang="en-US" altLang="zh-CN" dirty="0" smtClean="0"/>
-              <a:t/>
-            </a:r>
             <a:br>
-              <a:rPr lang="en-US" altLang="zh-CN" dirty="0" smtClean="0"/>
+              <a:rPr lang="en-US" altLang="zh-CN" dirty="0"/>
             </a:br>
             <a:r>
-              <a:rPr lang="en-US" altLang="zh-CN" dirty="0" err="1" smtClean="0"/>
+              <a:rPr lang="en-US" altLang="zh-CN" dirty="0" err="1"/>
               <a:t>Huanxisha</a:t>
             </a:r>
             <a:r>
@@ -31314,14 +30668,6 @@
             <a:r>
               <a:rPr lang="zh-CN" altLang="en-US" dirty="0"/>
               <a:t>浣溪沙） </a:t>
-            </a:r>
-            <a:r>
-              <a:rPr lang="en-US" sz="2400" dirty="0">
-                <a:solidFill>
-                  <a:schemeClr val="tx1"/>
-                </a:solidFill>
-              </a:rPr>
-              <a:t/>
             </a:r>
             <a:br>
               <a:rPr lang="en-US" sz="2400" dirty="0">
@@ -31430,18 +30776,20 @@
           <a:lstStyle/>
           <a:p>
             <a:r>
-              <a:rPr lang="zh-TW" altLang="en-US" sz="2000" b="1" dirty="0">
+              <a:rPr lang="zh-TW" altLang="en-US" sz="2000" dirty="0">
                 <a:solidFill>
                   <a:schemeClr val="tx1">
                     <a:lumMod val="75000"/>
                     <a:lumOff val="25000"/>
                   </a:schemeClr>
                 </a:solidFill>
+                <a:latin typeface="宋体" panose="02010600030101010101" pitchFamily="2" charset="-122"/>
+                <a:ea typeface="宋体" panose="02010600030101010101" pitchFamily="2" charset="-122"/>
               </a:rPr>
-              <a:t>溪头晚月砧残梦</a:t>
-            </a:r>
-            <a:r>
-              <a:rPr lang="zh-TW" altLang="en-US" sz="2000" b="1" dirty="0" smtClean="0">
+              <a:t>溪头晚月砧残梦，</a:t>
+            </a:r>
+            <a:r>
+              <a:rPr lang="en-US" altLang="zh-TW" sz="2000" b="1" dirty="0">
                 <a:solidFill>
                   <a:schemeClr val="tx1">
                     <a:lumMod val="75000"/>
@@ -31449,10 +30797,10 @@
                   </a:schemeClr>
                 </a:solidFill>
               </a:rPr>
-              <a:t>，</a:t>
-            </a:r>
-            <a:r>
-              <a:rPr lang="en-US" altLang="zh-TW" sz="2000" b="1" dirty="0" smtClean="0">
+              <a:t>	</a:t>
+            </a:r>
+            <a:r>
+              <a:rPr lang="en-US" altLang="zh-TW" sz="2000" dirty="0">
                 <a:solidFill>
                   <a:schemeClr val="tx1">
                     <a:lumMod val="75000"/>
@@ -31460,10 +30808,10 @@
                   </a:schemeClr>
                 </a:solidFill>
               </a:rPr>
-              <a:t>	</a:t>
-            </a:r>
-            <a:r>
-              <a:rPr lang="en-US" altLang="zh-TW" sz="2000" dirty="0" smtClean="0">
+              <a:t>The moonlight reflected from a</a:t>
+            </a:r>
+            <a:r>
+              <a:rPr lang="zh-CN" altLang="en-US" sz="2000" dirty="0">
                 <a:solidFill>
                   <a:schemeClr val="tx1">
                     <a:lumMod val="75000"/>
@@ -31471,10 +30819,10 @@
                   </a:schemeClr>
                 </a:solidFill>
               </a:rPr>
-              <a:t>The moonlight reflected from a</a:t>
-            </a:r>
-            <a:r>
-              <a:rPr lang="zh-CN" altLang="en-US" sz="2000" dirty="0" smtClean="0">
+              <a:t> </a:t>
+            </a:r>
+            <a:r>
+              <a:rPr lang="en-US" altLang="zh-CN" sz="2000" dirty="0">
                 <a:solidFill>
                   <a:schemeClr val="tx1">
                     <a:lumMod val="75000"/>
@@ -31482,10 +30830,10 @@
                   </a:schemeClr>
                 </a:solidFill>
               </a:rPr>
-              <a:t> </a:t>
-            </a:r>
-            <a:r>
-              <a:rPr lang="en-US" altLang="zh-CN" sz="2000" dirty="0" smtClean="0">
+              <a:t>brook</a:t>
+            </a:r>
+            <a:r>
+              <a:rPr lang="zh-CN" altLang="en-US" sz="2000" dirty="0">
                 <a:solidFill>
                   <a:schemeClr val="tx1">
                     <a:lumMod val="75000"/>
@@ -31493,10 +30841,10 @@
                   </a:schemeClr>
                 </a:solidFill>
               </a:rPr>
-              <a:t>brook</a:t>
-            </a:r>
-            <a:r>
-              <a:rPr lang="zh-CN" altLang="en-US" sz="2000" dirty="0" smtClean="0">
+              <a:t> </a:t>
+            </a:r>
+            <a:r>
+              <a:rPr lang="en-US" altLang="zh-CN" sz="2000" dirty="0">
                 <a:solidFill>
                   <a:schemeClr val="tx1">
                     <a:lumMod val="75000"/>
@@ -31504,10 +30852,10 @@
                   </a:schemeClr>
                 </a:solidFill>
               </a:rPr>
-              <a:t> </a:t>
-            </a:r>
-            <a:r>
-              <a:rPr lang="en-US" altLang="zh-CN" sz="2000" dirty="0" smtClean="0">
+              <a:t>lightened</a:t>
+            </a:r>
+            <a:r>
+              <a:rPr lang="zh-CN" altLang="en-US" sz="2000" dirty="0">
                 <a:solidFill>
                   <a:schemeClr val="tx1">
                     <a:lumMod val="75000"/>
@@ -31515,10 +30863,10 @@
                   </a:schemeClr>
                 </a:solidFill>
               </a:rPr>
-              <a:t>lightened</a:t>
-            </a:r>
-            <a:r>
-              <a:rPr lang="zh-CN" altLang="en-US" sz="2000" dirty="0" smtClean="0">
+              <a:t> </a:t>
+            </a:r>
+            <a:r>
+              <a:rPr lang="en-US" altLang="zh-TW" sz="2000" dirty="0">
                 <a:solidFill>
                   <a:schemeClr val="tx1">
                     <a:lumMod val="75000"/>
@@ -31526,10 +30874,10 @@
                   </a:schemeClr>
                 </a:solidFill>
               </a:rPr>
-              <a:t> </a:t>
-            </a:r>
-            <a:r>
-              <a:rPr lang="en-US" altLang="zh-TW" sz="2000" dirty="0" smtClean="0">
+              <a:t>my withering</a:t>
+            </a:r>
+            <a:r>
+              <a:rPr lang="zh-CN" altLang="en-US" sz="2000" dirty="0">
                 <a:solidFill>
                   <a:schemeClr val="tx1">
                     <a:lumMod val="75000"/>
@@ -31537,10 +30885,10 @@
                   </a:schemeClr>
                 </a:solidFill>
               </a:rPr>
-              <a:t>my withering</a:t>
-            </a:r>
-            <a:r>
-              <a:rPr lang="zh-CN" altLang="en-US" sz="2000" dirty="0" smtClean="0">
+              <a:t> </a:t>
+            </a:r>
+            <a:r>
+              <a:rPr lang="en-US" altLang="zh-TW" sz="2000" dirty="0">
                 <a:solidFill>
                   <a:schemeClr val="tx1">
                     <a:lumMod val="75000"/>
@@ -31548,20 +30896,9 @@
                   </a:schemeClr>
                 </a:solidFill>
               </a:rPr>
-              <a:t> </a:t>
-            </a:r>
-            <a:r>
-              <a:rPr lang="en-US" altLang="zh-TW" sz="2000" dirty="0" smtClean="0">
-                <a:solidFill>
-                  <a:schemeClr val="tx1">
-                    <a:lumMod val="75000"/>
-                    <a:lumOff val="25000"/>
-                  </a:schemeClr>
-                </a:solidFill>
-              </a:rPr>
               <a:t>dream.</a:t>
             </a:r>
-            <a:endParaRPr lang="en-US" altLang="zh-TW" sz="2000" b="1" dirty="0" smtClean="0">
+            <a:endParaRPr lang="en-US" altLang="zh-TW" sz="2000" b="1" dirty="0">
               <a:solidFill>
                 <a:schemeClr val="tx1">
                   <a:lumMod val="75000"/>
@@ -31572,18 +30909,20 @@
           </a:p>
           <a:p>
             <a:r>
-              <a:rPr lang="zh-TW" altLang="en-US" sz="2000" b="1" dirty="0" smtClean="0">
+              <a:rPr lang="zh-TW" altLang="en-US" sz="2000" dirty="0">
                 <a:solidFill>
                   <a:schemeClr val="tx1">
                     <a:lumMod val="75000"/>
                     <a:lumOff val="25000"/>
                   </a:schemeClr>
                 </a:solidFill>
+                <a:latin typeface="宋体" panose="02010600030101010101" pitchFamily="2" charset="-122"/>
+                <a:ea typeface="宋体" panose="02010600030101010101" pitchFamily="2" charset="-122"/>
               </a:rPr>
-              <a:t>沙巷桥边雨吹长</a:t>
-            </a:r>
-            <a:r>
-              <a:rPr lang="zh-TW" altLang="en-US" sz="2000" b="1" dirty="0" smtClean="0">
+              <a:t>沙巷桥边雨吹长。</a:t>
+            </a:r>
+            <a:r>
+              <a:rPr lang="en-US" altLang="zh-TW" sz="2000" b="1" dirty="0">
                 <a:solidFill>
                   <a:schemeClr val="tx1">
                     <a:lumMod val="75000"/>
@@ -31591,10 +30930,10 @@
                   </a:schemeClr>
                 </a:solidFill>
               </a:rPr>
-              <a:t>。</a:t>
-            </a:r>
-            <a:r>
-              <a:rPr lang="en-US" altLang="zh-TW" sz="2000" b="1" dirty="0" smtClean="0">
+              <a:t>	</a:t>
+            </a:r>
+            <a:r>
+              <a:rPr lang="en-US" altLang="zh-TW" sz="2000" dirty="0">
                 <a:solidFill>
                   <a:schemeClr val="tx1">
                     <a:lumMod val="75000"/>
@@ -31602,10 +30941,10 @@
                   </a:schemeClr>
                 </a:solidFill>
               </a:rPr>
-              <a:t>	</a:t>
-            </a:r>
-            <a:r>
-              <a:rPr lang="en-US" altLang="zh-TW" sz="2000" dirty="0" smtClean="0">
+              <a:t>The drizzle in the night blew</a:t>
+            </a:r>
+            <a:r>
+              <a:rPr lang="zh-CN" altLang="en-US" sz="2000" dirty="0">
                 <a:solidFill>
                   <a:schemeClr val="tx1">
                     <a:lumMod val="75000"/>
@@ -31613,10 +30952,10 @@
                   </a:schemeClr>
                 </a:solidFill>
               </a:rPr>
-              <a:t>The </a:t>
-            </a:r>
-            <a:r>
-              <a:rPr lang="en-US" altLang="zh-TW" sz="2000" dirty="0">
+              <a:t> </a:t>
+            </a:r>
+            <a:r>
+              <a:rPr lang="en-US" altLang="zh-CN" sz="2000" dirty="0">
                 <a:solidFill>
                   <a:schemeClr val="tx1">
                     <a:lumMod val="75000"/>
@@ -31624,10 +30963,10 @@
                   </a:schemeClr>
                 </a:solidFill>
               </a:rPr>
-              <a:t>drizzle in the </a:t>
-            </a:r>
-            <a:r>
-              <a:rPr lang="en-US" altLang="zh-TW" sz="2000" dirty="0" smtClean="0">
+              <a:t>to</a:t>
+            </a:r>
+            <a:r>
+              <a:rPr lang="zh-CN" altLang="en-US" sz="2000" dirty="0">
                 <a:solidFill>
                   <a:schemeClr val="tx1">
                     <a:lumMod val="75000"/>
@@ -31635,10 +30974,10 @@
                   </a:schemeClr>
                 </a:solidFill>
               </a:rPr>
-              <a:t>night blew</a:t>
-            </a:r>
-            <a:r>
-              <a:rPr lang="zh-CN" altLang="en-US" sz="2000" dirty="0" smtClean="0">
+              <a:t> </a:t>
+            </a:r>
+            <a:r>
+              <a:rPr lang="en-US" altLang="zh-TW" sz="2000" dirty="0">
                 <a:solidFill>
                   <a:schemeClr val="tx1">
                     <a:lumMod val="75000"/>
@@ -31646,53 +30985,9 @@
                   </a:schemeClr>
                 </a:solidFill>
               </a:rPr>
-              <a:t> </a:t>
-            </a:r>
-            <a:r>
-              <a:rPr lang="en-US" altLang="zh-CN" sz="2000" dirty="0" smtClean="0">
-                <a:solidFill>
-                  <a:schemeClr val="tx1">
-                    <a:lumMod val="75000"/>
-                    <a:lumOff val="25000"/>
-                  </a:schemeClr>
-                </a:solidFill>
-              </a:rPr>
-              <a:t>to</a:t>
-            </a:r>
-            <a:r>
-              <a:rPr lang="zh-CN" altLang="en-US" sz="2000" dirty="0" smtClean="0">
-                <a:solidFill>
-                  <a:schemeClr val="tx1">
-                    <a:lumMod val="75000"/>
-                    <a:lumOff val="25000"/>
-                  </a:schemeClr>
-                </a:solidFill>
-              </a:rPr>
-              <a:t> </a:t>
-            </a:r>
-            <a:r>
-              <a:rPr lang="en-US" altLang="zh-TW" sz="2000" dirty="0" smtClean="0">
-                <a:solidFill>
-                  <a:schemeClr val="tx1">
-                    <a:lumMod val="75000"/>
-                    <a:lumOff val="25000"/>
-                  </a:schemeClr>
-                </a:solidFill>
-              </a:rPr>
-              <a:t>the small alley near a </a:t>
-            </a:r>
-            <a:r>
-              <a:rPr lang="en-US" altLang="zh-TW" sz="2000" dirty="0" smtClean="0">
-                <a:solidFill>
-                  <a:schemeClr val="tx1">
-                    <a:lumMod val="75000"/>
-                    <a:lumOff val="25000"/>
-                  </a:schemeClr>
-                </a:solidFill>
-              </a:rPr>
-              <a:t>bridge.</a:t>
-            </a:r>
-            <a:endParaRPr lang="en-US" altLang="zh-TW" sz="2000" b="1" dirty="0" smtClean="0">
+              <a:t>the small alley near a bridge.</a:t>
+            </a:r>
+            <a:endParaRPr lang="en-US" altLang="zh-TW" sz="2000" b="1" dirty="0">
               <a:solidFill>
                 <a:schemeClr val="tx1">
                   <a:lumMod val="75000"/>
@@ -31703,18 +30998,20 @@
           </a:p>
           <a:p>
             <a:r>
-              <a:rPr lang="zh-TW" altLang="en-US" sz="2000" b="1" dirty="0">
+              <a:rPr lang="zh-TW" altLang="en-US" sz="2000" dirty="0">
                 <a:solidFill>
                   <a:schemeClr val="tx1">
                     <a:lumMod val="75000"/>
                     <a:lumOff val="25000"/>
                   </a:schemeClr>
                 </a:solidFill>
+                <a:latin typeface="宋体" panose="02010600030101010101" pitchFamily="2" charset="-122"/>
+                <a:ea typeface="宋体" panose="02010600030101010101" pitchFamily="2" charset="-122"/>
               </a:rPr>
-              <a:t>桃花渡有故潭冰</a:t>
-            </a:r>
-            <a:r>
-              <a:rPr lang="zh-TW" altLang="en-US" sz="2000" b="1" dirty="0" smtClean="0">
+              <a:t>桃花渡有故潭冰。</a:t>
+            </a:r>
+            <a:r>
+              <a:rPr lang="en-US" altLang="zh-TW" sz="2000" b="1" dirty="0">
                 <a:solidFill>
                   <a:schemeClr val="tx1">
                     <a:lumMod val="75000"/>
@@ -31722,10 +31019,10 @@
                   </a:schemeClr>
                 </a:solidFill>
               </a:rPr>
-              <a:t>。</a:t>
-            </a:r>
-            <a:r>
-              <a:rPr lang="en-US" altLang="zh-TW" sz="2000" b="1" dirty="0" smtClean="0">
+              <a:t>	</a:t>
+            </a:r>
+            <a:r>
+              <a:rPr lang="en-US" altLang="zh-TW" sz="2000" dirty="0">
                 <a:solidFill>
                   <a:schemeClr val="tx1">
                     <a:lumMod val="75000"/>
@@ -31733,10 +31030,10 @@
                   </a:schemeClr>
                 </a:solidFill>
               </a:rPr>
-              <a:t>	</a:t>
-            </a:r>
-            <a:r>
-              <a:rPr lang="en-US" altLang="zh-TW" sz="2000" dirty="0" smtClean="0">
+              <a:t>Ice from</a:t>
+            </a:r>
+            <a:r>
+              <a:rPr lang="zh-CN" altLang="en-US" sz="2000" dirty="0">
                 <a:solidFill>
                   <a:schemeClr val="tx1">
                     <a:lumMod val="75000"/>
@@ -31744,10 +31041,10 @@
                   </a:schemeClr>
                 </a:solidFill>
               </a:rPr>
-              <a:t>Ice from</a:t>
-            </a:r>
-            <a:r>
-              <a:rPr lang="zh-CN" altLang="en-US" sz="2000" dirty="0" smtClean="0">
+              <a:t> </a:t>
+            </a:r>
+            <a:r>
+              <a:rPr lang="en-US" altLang="zh-CN" sz="2000" dirty="0">
                 <a:solidFill>
                   <a:schemeClr val="tx1">
                     <a:lumMod val="75000"/>
@@ -31755,10 +31052,10 @@
                   </a:schemeClr>
                 </a:solidFill>
               </a:rPr>
-              <a:t> </a:t>
-            </a:r>
-            <a:r>
-              <a:rPr lang="en-US" altLang="zh-CN" sz="2000" dirty="0" smtClean="0">
+              <a:t>the</a:t>
+            </a:r>
+            <a:r>
+              <a:rPr lang="zh-CN" altLang="en-US" sz="2000" dirty="0">
                 <a:solidFill>
                   <a:schemeClr val="tx1">
                     <a:lumMod val="75000"/>
@@ -31766,10 +31063,10 @@
                   </a:schemeClr>
                 </a:solidFill>
               </a:rPr>
-              <a:t>the</a:t>
-            </a:r>
-            <a:r>
-              <a:rPr lang="zh-CN" altLang="en-US" sz="2000" dirty="0" smtClean="0">
+              <a:t> </a:t>
+            </a:r>
+            <a:r>
+              <a:rPr lang="en-US" altLang="zh-CN" sz="2000" dirty="0">
                 <a:solidFill>
                   <a:schemeClr val="tx1">
                     <a:lumMod val="75000"/>
@@ -31777,10 +31074,10 @@
                   </a:schemeClr>
                 </a:solidFill>
               </a:rPr>
-              <a:t> </a:t>
-            </a:r>
-            <a:r>
-              <a:rPr lang="en-US" altLang="zh-CN" sz="2000" dirty="0" smtClean="0">
+              <a:t>old</a:t>
+            </a:r>
+            <a:r>
+              <a:rPr lang="zh-CN" altLang="en-US" sz="2000" dirty="0">
                 <a:solidFill>
                   <a:schemeClr val="tx1">
                     <a:lumMod val="75000"/>
@@ -31788,10 +31085,10 @@
                   </a:schemeClr>
                 </a:solidFill>
               </a:rPr>
-              <a:t>old</a:t>
-            </a:r>
-            <a:r>
-              <a:rPr lang="zh-CN" altLang="en-US" sz="2000" dirty="0" smtClean="0">
+              <a:t> </a:t>
+            </a:r>
+            <a:r>
+              <a:rPr lang="en-US" altLang="zh-TW" sz="2000" dirty="0">
                 <a:solidFill>
                   <a:schemeClr val="tx1">
                     <a:lumMod val="75000"/>
@@ -31799,10 +31096,10 @@
                   </a:schemeClr>
                 </a:solidFill>
               </a:rPr>
-              <a:t> </a:t>
-            </a:r>
-            <a:r>
-              <a:rPr lang="en-US" altLang="zh-TW" sz="2000" dirty="0" smtClean="0">
+              <a:t>pond remains</a:t>
+            </a:r>
+            <a:r>
+              <a:rPr lang="zh-CN" altLang="en-US" sz="2000" dirty="0">
                 <a:solidFill>
                   <a:schemeClr val="tx1">
                     <a:lumMod val="75000"/>
@@ -31810,10 +31107,10 @@
                   </a:schemeClr>
                 </a:solidFill>
               </a:rPr>
-              <a:t>pond remains</a:t>
-            </a:r>
-            <a:r>
-              <a:rPr lang="zh-CN" altLang="en-US" sz="2000" dirty="0" smtClean="0">
+              <a:t> </a:t>
+            </a:r>
+            <a:r>
+              <a:rPr lang="en-US" altLang="zh-CN" sz="2000" dirty="0">
                 <a:solidFill>
                   <a:schemeClr val="tx1">
                     <a:lumMod val="75000"/>
@@ -31821,10 +31118,10 @@
                   </a:schemeClr>
                 </a:solidFill>
               </a:rPr>
-              <a:t> </a:t>
-            </a:r>
-            <a:r>
-              <a:rPr lang="en-US" altLang="zh-CN" sz="2000" dirty="0" smtClean="0">
+              <a:t>on</a:t>
+            </a:r>
+            <a:r>
+              <a:rPr lang="zh-CN" altLang="en-US" sz="2000" dirty="0">
                 <a:solidFill>
                   <a:schemeClr val="tx1">
                     <a:lumMod val="75000"/>
@@ -31832,10 +31129,10 @@
                   </a:schemeClr>
                 </a:solidFill>
               </a:rPr>
-              <a:t>on</a:t>
-            </a:r>
-            <a:r>
-              <a:rPr lang="zh-CN" altLang="en-US" sz="2000" dirty="0" smtClean="0">
+              <a:t> </a:t>
+            </a:r>
+            <a:r>
+              <a:rPr lang="en-US" altLang="zh-TW" sz="2000" dirty="0">
                 <a:solidFill>
                   <a:schemeClr val="tx1">
                     <a:lumMod val="75000"/>
@@ -31843,10 +31140,10 @@
                   </a:schemeClr>
                 </a:solidFill>
               </a:rPr>
-              <a:t> </a:t>
-            </a:r>
-            <a:r>
-              <a:rPr lang="en-US" altLang="zh-TW" sz="2000" dirty="0" smtClean="0">
+              <a:t>the Peach</a:t>
+            </a:r>
+            <a:r>
+              <a:rPr lang="zh-CN" altLang="en-US" sz="2000" dirty="0">
                 <a:solidFill>
                   <a:schemeClr val="tx1">
                     <a:lumMod val="75000"/>
@@ -31854,10 +31151,10 @@
                   </a:schemeClr>
                 </a:solidFill>
               </a:rPr>
-              <a:t>the Peach</a:t>
-            </a:r>
-            <a:r>
-              <a:rPr lang="zh-CN" altLang="en-US" sz="2000" dirty="0" smtClean="0">
+              <a:t> </a:t>
+            </a:r>
+            <a:r>
+              <a:rPr lang="en-US" altLang="zh-CN" sz="2000" dirty="0">
                 <a:solidFill>
                   <a:schemeClr val="tx1">
                     <a:lumMod val="75000"/>
@@ -31865,10 +31162,10 @@
                   </a:schemeClr>
                 </a:solidFill>
               </a:rPr>
-              <a:t> </a:t>
-            </a:r>
-            <a:r>
-              <a:rPr lang="en-US" altLang="zh-CN" sz="2000" dirty="0" smtClean="0">
+              <a:t>Blossom</a:t>
+            </a:r>
+            <a:r>
+              <a:rPr lang="zh-CN" altLang="en-US" sz="2000" dirty="0">
                 <a:solidFill>
                   <a:schemeClr val="tx1">
                     <a:lumMod val="75000"/>
@@ -31876,10 +31173,10 @@
                   </a:schemeClr>
                 </a:solidFill>
               </a:rPr>
-              <a:t>Blossom</a:t>
-            </a:r>
-            <a:r>
-              <a:rPr lang="zh-CN" altLang="en-US" sz="2000" dirty="0" smtClean="0">
+              <a:t> </a:t>
+            </a:r>
+            <a:r>
+              <a:rPr lang="en-US" altLang="zh-TW" sz="2000" dirty="0">
                 <a:solidFill>
                   <a:schemeClr val="tx1">
                     <a:lumMod val="75000"/>
@@ -31887,20 +31184,9 @@
                   </a:schemeClr>
                 </a:solidFill>
               </a:rPr>
-              <a:t> </a:t>
-            </a:r>
-            <a:r>
-              <a:rPr lang="en-US" altLang="zh-TW" sz="2000" dirty="0" smtClean="0">
-                <a:solidFill>
-                  <a:schemeClr val="tx1">
-                    <a:lumMod val="75000"/>
-                    <a:lumOff val="25000"/>
-                  </a:schemeClr>
-                </a:solidFill>
-              </a:rPr>
               <a:t>ferry.</a:t>
             </a:r>
-            <a:endParaRPr lang="en-US" altLang="zh-CN" sz="2000" b="1" dirty="0" smtClean="0">
+            <a:endParaRPr lang="en-US" altLang="zh-CN" sz="2000" b="1" dirty="0">
               <a:solidFill>
                 <a:schemeClr val="tx1">
                   <a:lumMod val="75000"/>
@@ -31910,7 +31196,7 @@
             </a:endParaRPr>
           </a:p>
           <a:p>
-            <a:endParaRPr lang="en-US" altLang="zh-TW" sz="2000" b="1" dirty="0" smtClean="0">
+            <a:endParaRPr lang="en-US" altLang="zh-TW" sz="2000" b="1" dirty="0">
               <a:solidFill>
                 <a:schemeClr val="tx1">
                   <a:lumMod val="75000"/>
@@ -31921,29 +31207,33 @@
           </a:p>
           <a:p>
             <a:r>
-              <a:rPr lang="zh-TW" altLang="en-US" sz="2000" b="1" dirty="0" smtClean="0">
+              <a:rPr lang="zh-TW" altLang="en-US" sz="2000" dirty="0">
                 <a:solidFill>
                   <a:schemeClr val="tx1">
                     <a:lumMod val="75000"/>
                     <a:lumOff val="25000"/>
                   </a:schemeClr>
                 </a:solidFill>
+                <a:latin typeface="宋体" panose="02010600030101010101" pitchFamily="2" charset="-122"/>
+                <a:ea typeface="宋体" panose="02010600030101010101" pitchFamily="2" charset="-122"/>
               </a:rPr>
-              <a:t>落叶斑斑飘</a:t>
-            </a:r>
-            <a:r>
-              <a:rPr lang="zh-TW" altLang="en-US" sz="2000" b="1" dirty="0">
+              <a:t>落叶斑斑飘雨后</a:t>
+            </a:r>
+            <a:r>
+              <a:rPr lang="zh-CN" altLang="en-US" sz="2000" dirty="0">
                 <a:solidFill>
                   <a:schemeClr val="tx1">
                     <a:lumMod val="75000"/>
                     <a:lumOff val="25000"/>
                   </a:schemeClr>
                 </a:solidFill>
+                <a:latin typeface="宋体" panose="02010600030101010101" pitchFamily="2" charset="-122"/>
+                <a:ea typeface="宋体" panose="02010600030101010101" pitchFamily="2" charset="-122"/>
               </a:rPr>
-              <a:t>雨</a:t>
-            </a:r>
-            <a:r>
-              <a:rPr lang="zh-TW" altLang="en-US" sz="2000" b="1" dirty="0" smtClean="0">
+              <a:t>，</a:t>
+            </a:r>
+            <a:r>
+              <a:rPr lang="en-US" altLang="zh-CN" sz="2000" b="1" dirty="0">
                 <a:solidFill>
                   <a:schemeClr val="tx1">
                     <a:lumMod val="75000"/>
@@ -31951,10 +31241,10 @@
                   </a:schemeClr>
                 </a:solidFill>
               </a:rPr>
-              <a:t>后</a:t>
-            </a:r>
-            <a:r>
-              <a:rPr lang="zh-CN" altLang="en-US" sz="2000" b="1" dirty="0" smtClean="0">
+              <a:t>	</a:t>
+            </a:r>
+            <a:r>
+              <a:rPr lang="en-US" altLang="zh-CN" sz="2000" dirty="0">
                 <a:solidFill>
                   <a:schemeClr val="tx1">
                     <a:lumMod val="75000"/>
@@ -31962,10 +31252,10 @@
                   </a:schemeClr>
                 </a:solidFill>
               </a:rPr>
-              <a:t>，</a:t>
-            </a:r>
-            <a:r>
-              <a:rPr lang="en-US" altLang="zh-CN" sz="2000" b="1" dirty="0" smtClean="0">
+              <a:t>Falling</a:t>
+            </a:r>
+            <a:r>
+              <a:rPr lang="zh-CN" altLang="en-US" sz="2000" dirty="0">
                 <a:solidFill>
                   <a:schemeClr val="tx1">
                     <a:lumMod val="75000"/>
@@ -31973,10 +31263,10 @@
                   </a:schemeClr>
                 </a:solidFill>
               </a:rPr>
-              <a:t>	</a:t>
-            </a:r>
-            <a:r>
-              <a:rPr lang="en-US" altLang="zh-CN" sz="2000" dirty="0" smtClean="0">
+              <a:t> </a:t>
+            </a:r>
+            <a:r>
+              <a:rPr lang="en-US" altLang="zh-CN" sz="2000" dirty="0">
                 <a:solidFill>
                   <a:schemeClr val="tx1">
                     <a:lumMod val="75000"/>
@@ -31984,10 +31274,10 @@
                   </a:schemeClr>
                 </a:solidFill>
               </a:rPr>
-              <a:t>F</a:t>
-            </a:r>
-            <a:r>
-              <a:rPr lang="en-US" altLang="zh-CN" sz="2000" dirty="0" smtClean="0">
+              <a:t>leaves</a:t>
+            </a:r>
+            <a:r>
+              <a:rPr lang="zh-CN" altLang="en-US" sz="2000" dirty="0">
                 <a:solidFill>
                   <a:schemeClr val="tx1">
                     <a:lumMod val="75000"/>
@@ -31995,10 +31285,10 @@
                   </a:schemeClr>
                 </a:solidFill>
               </a:rPr>
-              <a:t>alling</a:t>
-            </a:r>
-            <a:r>
-              <a:rPr lang="zh-CN" altLang="en-US" sz="2000" dirty="0" smtClean="0">
+              <a:t> </a:t>
+            </a:r>
+            <a:r>
+              <a:rPr lang="en-US" altLang="zh-CN" sz="2000" dirty="0">
                 <a:solidFill>
                   <a:schemeClr val="tx1">
                     <a:lumMod val="75000"/>
@@ -32006,10 +31296,10 @@
                   </a:schemeClr>
                 </a:solidFill>
               </a:rPr>
-              <a:t> </a:t>
-            </a:r>
-            <a:r>
-              <a:rPr lang="en-US" altLang="zh-CN" sz="2000" dirty="0" smtClean="0">
+              <a:t>were</a:t>
+            </a:r>
+            <a:r>
+              <a:rPr lang="zh-CN" altLang="en-US" sz="2000" dirty="0">
                 <a:solidFill>
                   <a:schemeClr val="tx1">
                     <a:lumMod val="75000"/>
@@ -32017,10 +31307,10 @@
                   </a:schemeClr>
                 </a:solidFill>
               </a:rPr>
-              <a:t>leaves</a:t>
-            </a:r>
-            <a:r>
-              <a:rPr lang="zh-CN" altLang="en-US" sz="2000" dirty="0" smtClean="0">
+              <a:t> </a:t>
+            </a:r>
+            <a:r>
+              <a:rPr lang="en-US" altLang="zh-CN" sz="2000" dirty="0">
                 <a:solidFill>
                   <a:schemeClr val="tx1">
                     <a:lumMod val="75000"/>
@@ -32028,10 +31318,10 @@
                   </a:schemeClr>
                 </a:solidFill>
               </a:rPr>
-              <a:t> </a:t>
-            </a:r>
-            <a:r>
-              <a:rPr lang="en-US" altLang="zh-CN" sz="2000" dirty="0" smtClean="0">
+              <a:t>so</a:t>
+            </a:r>
+            <a:r>
+              <a:rPr lang="zh-CN" altLang="en-US" sz="2000" dirty="0">
                 <a:solidFill>
                   <a:schemeClr val="tx1">
                     <a:lumMod val="75000"/>
@@ -32039,10 +31329,10 @@
                   </a:schemeClr>
                 </a:solidFill>
               </a:rPr>
-              <a:t>were</a:t>
-            </a:r>
-            <a:r>
-              <a:rPr lang="zh-CN" altLang="en-US" sz="2000" dirty="0" smtClean="0">
+              <a:t> </a:t>
+            </a:r>
+            <a:r>
+              <a:rPr lang="en-US" altLang="zh-CN" sz="2000" dirty="0">
                 <a:solidFill>
                   <a:schemeClr val="tx1">
                     <a:lumMod val="75000"/>
@@ -32050,10 +31340,10 @@
                   </a:schemeClr>
                 </a:solidFill>
               </a:rPr>
-              <a:t> </a:t>
-            </a:r>
-            <a:r>
-              <a:rPr lang="en-US" altLang="zh-CN" sz="2000" dirty="0" smtClean="0">
+              <a:t>colorful</a:t>
+            </a:r>
+            <a:r>
+              <a:rPr lang="zh-CN" altLang="en-US" sz="2000" dirty="0">
                 <a:solidFill>
                   <a:schemeClr val="tx1">
                     <a:lumMod val="75000"/>
@@ -32061,10 +31351,10 @@
                   </a:schemeClr>
                 </a:solidFill>
               </a:rPr>
-              <a:t>so</a:t>
-            </a:r>
-            <a:r>
-              <a:rPr lang="zh-CN" altLang="en-US" sz="2000" dirty="0" smtClean="0">
+              <a:t> </a:t>
+            </a:r>
+            <a:r>
+              <a:rPr lang="en-US" altLang="zh-CN" sz="2000" dirty="0">
                 <a:solidFill>
                   <a:schemeClr val="tx1">
                     <a:lumMod val="75000"/>
@@ -32072,10 +31362,10 @@
                   </a:schemeClr>
                 </a:solidFill>
               </a:rPr>
-              <a:t> </a:t>
-            </a:r>
-            <a:r>
-              <a:rPr lang="en-US" altLang="zh-CN" sz="2000" dirty="0" smtClean="0">
+              <a:t>after</a:t>
+            </a:r>
+            <a:r>
+              <a:rPr lang="zh-CN" altLang="en-US" sz="2000" dirty="0">
                 <a:solidFill>
                   <a:schemeClr val="tx1">
                     <a:lumMod val="75000"/>
@@ -32083,10 +31373,10 @@
                   </a:schemeClr>
                 </a:solidFill>
               </a:rPr>
-              <a:t>colorful</a:t>
-            </a:r>
-            <a:r>
-              <a:rPr lang="zh-CN" altLang="en-US" sz="2000" dirty="0" smtClean="0">
+              <a:t> </a:t>
+            </a:r>
+            <a:r>
+              <a:rPr lang="en-US" altLang="zh-CN" sz="2000" dirty="0">
                 <a:solidFill>
                   <a:schemeClr val="tx1">
                     <a:lumMod val="75000"/>
@@ -32094,10 +31384,10 @@
                   </a:schemeClr>
                 </a:solidFill>
               </a:rPr>
-              <a:t> </a:t>
-            </a:r>
-            <a:r>
-              <a:rPr lang="en-US" altLang="zh-CN" sz="2000" dirty="0" smtClean="0">
+              <a:t>that</a:t>
+            </a:r>
+            <a:r>
+              <a:rPr lang="zh-CN" altLang="en-US" sz="2000" dirty="0">
                 <a:solidFill>
                   <a:schemeClr val="tx1">
                     <a:lumMod val="75000"/>
@@ -32105,10 +31395,10 @@
                   </a:schemeClr>
                 </a:solidFill>
               </a:rPr>
-              <a:t>after</a:t>
-            </a:r>
-            <a:r>
-              <a:rPr lang="zh-CN" altLang="en-US" sz="2000" dirty="0" smtClean="0">
+              <a:t> </a:t>
+            </a:r>
+            <a:r>
+              <a:rPr lang="en-US" altLang="zh-CN" sz="2000" dirty="0">
                 <a:solidFill>
                   <a:schemeClr val="tx1">
                     <a:lumMod val="75000"/>
@@ -32116,53 +31406,9 @@
                   </a:schemeClr>
                 </a:solidFill>
               </a:rPr>
-              <a:t> </a:t>
-            </a:r>
-            <a:r>
-              <a:rPr lang="en-US" altLang="zh-CN" sz="2000" dirty="0" smtClean="0">
-                <a:solidFill>
-                  <a:schemeClr val="tx1">
-                    <a:lumMod val="75000"/>
-                    <a:lumOff val="25000"/>
-                  </a:schemeClr>
-                </a:solidFill>
-              </a:rPr>
-              <a:t>that</a:t>
-            </a:r>
-            <a:r>
-              <a:rPr lang="zh-CN" altLang="en-US" sz="2000" dirty="0" smtClean="0">
-                <a:solidFill>
-                  <a:schemeClr val="tx1">
-                    <a:lumMod val="75000"/>
-                    <a:lumOff val="25000"/>
-                  </a:schemeClr>
-                </a:solidFill>
-              </a:rPr>
-              <a:t> </a:t>
-            </a:r>
-            <a:r>
-              <a:rPr lang="en-US" altLang="zh-CN" sz="2000" dirty="0" smtClean="0">
-                <a:solidFill>
-                  <a:schemeClr val="tx1">
-                    <a:lumMod val="75000"/>
-                    <a:lumOff val="25000"/>
-                  </a:schemeClr>
-                </a:solidFill>
-              </a:rPr>
-              <a:t>rain</a:t>
-            </a:r>
-            <a:r>
-              <a:rPr lang="en-US" altLang="zh-CN" sz="2000" dirty="0" smtClean="0">
-                <a:solidFill>
-                  <a:schemeClr val="tx1">
-                    <a:lumMod val="75000"/>
-                    <a:lumOff val="25000"/>
-                  </a:schemeClr>
-                </a:solidFill>
-              </a:rPr>
-              <a:t>.</a:t>
-            </a:r>
-            <a:endParaRPr lang="en-US" altLang="zh-TW" sz="2000" b="1" dirty="0" smtClean="0">
+              <a:t>rain.</a:t>
+            </a:r>
+            <a:endParaRPr lang="en-US" altLang="zh-TW" sz="2000" b="1" dirty="0">
               <a:solidFill>
                 <a:schemeClr val="tx1">
                   <a:lumMod val="75000"/>
@@ -32173,29 +31419,33 @@
           </a:p>
           <a:p>
             <a:r>
-              <a:rPr lang="zh-TW" altLang="en-US" sz="2000" b="1" dirty="0" smtClean="0">
+              <a:rPr lang="zh-TW" altLang="en-US" sz="2000" dirty="0">
                 <a:solidFill>
                   <a:schemeClr val="tx1">
                     <a:lumMod val="75000"/>
                     <a:lumOff val="25000"/>
                   </a:schemeClr>
                 </a:solidFill>
+                <a:latin typeface="宋体" panose="02010600030101010101" pitchFamily="2" charset="-122"/>
+                <a:ea typeface="宋体" panose="02010600030101010101" pitchFamily="2" charset="-122"/>
               </a:rPr>
               <a:t>锦衣幽锁白山流</a:t>
             </a:r>
             <a:r>
-              <a:rPr lang="zh-CN" altLang="en-US" sz="2000" b="1" dirty="0" smtClean="0">
+              <a:rPr lang="zh-CN" altLang="en-US" sz="2000" dirty="0">
                 <a:solidFill>
                   <a:schemeClr val="tx1">
                     <a:lumMod val="75000"/>
                     <a:lumOff val="25000"/>
                   </a:schemeClr>
                 </a:solidFill>
+                <a:latin typeface="宋体" panose="02010600030101010101" pitchFamily="2" charset="-122"/>
+                <a:ea typeface="宋体" panose="02010600030101010101" pitchFamily="2" charset="-122"/>
               </a:rPr>
               <a:t>，</a:t>
             </a:r>
             <a:r>
-              <a:rPr lang="en-US" altLang="zh-CN" sz="2000" b="1" dirty="0" smtClean="0">
+              <a:rPr lang="en-US" altLang="zh-CN" sz="2000" b="1" dirty="0">
                 <a:solidFill>
                   <a:schemeClr val="tx1">
                     <a:lumMod val="75000"/>
@@ -32206,7 +31456,7 @@
               <a:t>	</a:t>
             </a:r>
             <a:r>
-              <a:rPr lang="en-US" altLang="zh-CN" sz="2000" dirty="0" smtClean="0">
+              <a:rPr lang="en-US" altLang="zh-CN" sz="2000" dirty="0">
                 <a:solidFill>
                   <a:schemeClr val="tx1">
                     <a:lumMod val="75000"/>
@@ -32217,7 +31467,7 @@
               <a:t>Brocade</a:t>
             </a:r>
             <a:r>
-              <a:rPr lang="zh-CN" altLang="en-US" sz="2000" dirty="0" smtClean="0">
+              <a:rPr lang="zh-CN" altLang="en-US" sz="2000" dirty="0">
                 <a:solidFill>
                   <a:schemeClr val="tx1">
                     <a:lumMod val="75000"/>
@@ -32228,7 +31478,7 @@
               <a:t> </a:t>
             </a:r>
             <a:r>
-              <a:rPr lang="en-US" altLang="zh-CN" sz="2000" dirty="0" smtClean="0">
+              <a:rPr lang="en-US" altLang="zh-CN" sz="2000" dirty="0">
                 <a:solidFill>
                   <a:schemeClr val="tx1">
                     <a:lumMod val="75000"/>
@@ -32239,7 +31489,7 @@
               <a:t>gowns</a:t>
             </a:r>
             <a:r>
-              <a:rPr lang="zh-CN" altLang="en-US" sz="2000" dirty="0" smtClean="0">
+              <a:rPr lang="zh-CN" altLang="en-US" sz="2000" dirty="0">
                 <a:solidFill>
                   <a:schemeClr val="tx1">
                     <a:lumMod val="75000"/>
@@ -32250,7 +31500,7 @@
               <a:t> </a:t>
             </a:r>
             <a:r>
-              <a:rPr lang="en-US" altLang="zh-CN" sz="2000" dirty="0" smtClean="0">
+              <a:rPr lang="en-US" altLang="zh-CN" sz="2000" dirty="0">
                 <a:solidFill>
                   <a:schemeClr val="tx1">
                     <a:lumMod val="75000"/>
@@ -32261,7 +31511,7 @@
               <a:t>were packed</a:t>
             </a:r>
             <a:r>
-              <a:rPr lang="zh-CN" altLang="en-US" sz="2000" dirty="0" smtClean="0">
+              <a:rPr lang="zh-CN" altLang="en-US" sz="2000" dirty="0">
                 <a:solidFill>
                   <a:schemeClr val="tx1">
                     <a:lumMod val="75000"/>
@@ -32272,7 +31522,7 @@
               <a:t> </a:t>
             </a:r>
             <a:r>
-              <a:rPr lang="en-US" altLang="zh-CN" sz="2000" dirty="0" smtClean="0">
+              <a:rPr lang="en-US" altLang="zh-CN" sz="2000" dirty="0">
                 <a:solidFill>
                   <a:schemeClr val="tx1">
                     <a:lumMod val="75000"/>
@@ -32283,7 +31533,7 @@
               <a:t>up</a:t>
             </a:r>
             <a:r>
-              <a:rPr lang="zh-CN" altLang="en-US" sz="2000" dirty="0" smtClean="0">
+              <a:rPr lang="zh-CN" altLang="en-US" sz="2000" dirty="0">
                 <a:solidFill>
                   <a:schemeClr val="tx1">
                     <a:lumMod val="75000"/>
@@ -32294,7 +31544,7 @@
               <a:t> </a:t>
             </a:r>
             <a:r>
-              <a:rPr lang="en-US" altLang="zh-CN" sz="2000" dirty="0" smtClean="0">
+              <a:rPr lang="en-US" altLang="zh-CN" sz="2000" dirty="0">
                 <a:solidFill>
                   <a:schemeClr val="tx1">
                     <a:lumMod val="75000"/>
@@ -32305,7 +31555,7 @@
               <a:t>while</a:t>
             </a:r>
             <a:r>
-              <a:rPr lang="zh-CN" altLang="en-US" sz="2000" dirty="0" smtClean="0">
+              <a:rPr lang="zh-CN" altLang="en-US" sz="2000" dirty="0">
                 <a:solidFill>
                   <a:schemeClr val="tx1">
                     <a:lumMod val="75000"/>
@@ -32316,7 +31566,7 @@
               <a:t> </a:t>
             </a:r>
             <a:r>
-              <a:rPr lang="en-US" altLang="zh-CN" sz="2000" dirty="0" smtClean="0">
+              <a:rPr lang="en-US" altLang="zh-CN" sz="2000" dirty="0">
                 <a:solidFill>
                   <a:schemeClr val="tx1">
                     <a:lumMod val="75000"/>
@@ -32327,7 +31577,7 @@
               <a:t>the</a:t>
             </a:r>
             <a:r>
-              <a:rPr lang="zh-CN" altLang="en-US" sz="2000" dirty="0" smtClean="0">
+              <a:rPr lang="zh-CN" altLang="en-US" sz="2000" dirty="0">
                 <a:solidFill>
                   <a:schemeClr val="tx1">
                     <a:lumMod val="75000"/>
@@ -32338,7 +31588,7 @@
               <a:t> </a:t>
             </a:r>
             <a:r>
-              <a:rPr lang="en-US" altLang="zh-CN" sz="2000" dirty="0" smtClean="0">
+              <a:rPr lang="en-US" altLang="zh-CN" sz="2000" dirty="0">
                 <a:solidFill>
                   <a:schemeClr val="tx1">
                     <a:lumMod val="75000"/>
@@ -32349,7 +31599,7 @@
               <a:t>White</a:t>
             </a:r>
             <a:r>
-              <a:rPr lang="zh-CN" altLang="en-US" sz="2000" dirty="0" smtClean="0">
+              <a:rPr lang="zh-CN" altLang="en-US" sz="2000" dirty="0">
                 <a:solidFill>
                   <a:schemeClr val="tx1">
                     <a:lumMod val="75000"/>
@@ -32360,7 +31610,7 @@
               <a:t> </a:t>
             </a:r>
             <a:r>
-              <a:rPr lang="en-US" altLang="zh-CN" sz="2000" dirty="0" smtClean="0">
+              <a:rPr lang="en-US" altLang="zh-CN" sz="2000" dirty="0">
                 <a:solidFill>
                   <a:schemeClr val="tx1">
                     <a:lumMod val="75000"/>
@@ -32371,7 +31621,7 @@
               <a:t>Mountain</a:t>
             </a:r>
             <a:r>
-              <a:rPr lang="zh-CN" altLang="en-US" sz="2000" dirty="0" smtClean="0">
+              <a:rPr lang="zh-CN" altLang="en-US" sz="2000" dirty="0">
                 <a:solidFill>
                   <a:schemeClr val="tx1">
                     <a:lumMod val="75000"/>
@@ -32382,7 +31632,7 @@
               <a:t> </a:t>
             </a:r>
             <a:r>
-              <a:rPr lang="en-US" altLang="zh-CN" sz="2000" dirty="0" smtClean="0">
+              <a:rPr lang="en-US" altLang="zh-CN" sz="2000" dirty="0">
                 <a:solidFill>
                   <a:schemeClr val="tx1">
                     <a:lumMod val="75000"/>
@@ -32393,7 +31643,7 @@
               <a:t>rivers</a:t>
             </a:r>
             <a:r>
-              <a:rPr lang="zh-CN" altLang="en-US" sz="2000" dirty="0" smtClean="0">
+              <a:rPr lang="zh-CN" altLang="en-US" sz="2000" dirty="0">
                 <a:solidFill>
                   <a:schemeClr val="tx1">
                     <a:lumMod val="75000"/>
@@ -32404,7 +31654,7 @@
               <a:t> </a:t>
             </a:r>
             <a:r>
-              <a:rPr lang="en-US" altLang="zh-CN" sz="2000" dirty="0" smtClean="0">
+              <a:rPr lang="en-US" altLang="zh-CN" sz="2000" dirty="0">
                 <a:solidFill>
                   <a:schemeClr val="tx1">
                     <a:lumMod val="75000"/>
@@ -32415,7 +31665,7 @@
               <a:t>were</a:t>
             </a:r>
             <a:r>
-              <a:rPr lang="zh-CN" altLang="en-US" sz="2000" dirty="0" smtClean="0">
+              <a:rPr lang="zh-CN" altLang="en-US" sz="2000" dirty="0">
                 <a:solidFill>
                   <a:schemeClr val="tx1">
                     <a:lumMod val="75000"/>
@@ -32426,7 +31676,7 @@
               <a:t> </a:t>
             </a:r>
             <a:r>
-              <a:rPr lang="en-US" altLang="zh-CN" sz="2000" dirty="0" smtClean="0">
+              <a:rPr lang="en-US" altLang="zh-CN" sz="2000" dirty="0">
                 <a:solidFill>
                   <a:schemeClr val="tx1">
                     <a:lumMod val="75000"/>
@@ -32437,7 +31687,7 @@
               <a:t>running</a:t>
             </a:r>
             <a:r>
-              <a:rPr lang="zh-CN" altLang="en-US" sz="2000" dirty="0" smtClean="0">
+              <a:rPr lang="zh-CN" altLang="en-US" sz="2000" dirty="0">
                 <a:solidFill>
                   <a:schemeClr val="tx1">
                     <a:lumMod val="75000"/>
@@ -32448,7 +31698,7 @@
               <a:t> </a:t>
             </a:r>
             <a:r>
-              <a:rPr lang="en-US" altLang="zh-CN" sz="2000" dirty="0" smtClean="0">
+              <a:rPr lang="en-US" altLang="zh-CN" sz="2000" dirty="0">
                 <a:solidFill>
                   <a:schemeClr val="tx1">
                     <a:lumMod val="75000"/>
@@ -32456,20 +31706,9 @@
                   </a:schemeClr>
                 </a:solidFill>
               </a:rPr>
-              <a:t>off</a:t>
-            </a:r>
-            <a:r>
-              <a:rPr lang="en-US" altLang="zh-CN" sz="2000" dirty="0" smtClean="0">
-                <a:solidFill>
-                  <a:schemeClr val="tx1">
-                    <a:lumMod val="75000"/>
-                    <a:lumOff val="25000"/>
-                  </a:schemeClr>
-                </a:solidFill>
-              </a:rPr>
-              <a:t>.</a:t>
-            </a:r>
-            <a:endParaRPr lang="en-US" altLang="zh-CN" sz="2000" b="1" dirty="0" smtClean="0">
+              <a:t>off.</a:t>
+            </a:r>
+            <a:endParaRPr lang="en-US" altLang="zh-CN" sz="2000" b="1" dirty="0">
               <a:solidFill>
                 <a:schemeClr val="tx1">
                   <a:lumMod val="75000"/>
@@ -32480,18 +31719,20 @@
           </a:p>
           <a:p>
             <a:r>
-              <a:rPr lang="zh-TW" altLang="en-US" sz="2000" b="1" dirty="0" smtClean="0">
+              <a:rPr lang="zh-TW" altLang="en-US" sz="2000" dirty="0">
                 <a:solidFill>
                   <a:schemeClr val="tx1">
                     <a:lumMod val="75000"/>
                     <a:lumOff val="25000"/>
                   </a:schemeClr>
                 </a:solidFill>
+                <a:latin typeface="宋体" panose="02010600030101010101" pitchFamily="2" charset="-122"/>
+                <a:ea typeface="宋体" panose="02010600030101010101" pitchFamily="2" charset="-122"/>
               </a:rPr>
-              <a:t>对酒难高雁远休</a:t>
-            </a:r>
-            <a:r>
-              <a:rPr lang="zh-TW" altLang="en-US" sz="2000" b="1" dirty="0" smtClean="0">
+              <a:t>对酒难高雁远休。</a:t>
+            </a:r>
+            <a:r>
+              <a:rPr lang="en-US" altLang="zh-TW" sz="2000" b="1" dirty="0">
                 <a:solidFill>
                   <a:schemeClr val="tx1">
                     <a:lumMod val="75000"/>
@@ -32499,10 +31740,10 @@
                   </a:schemeClr>
                 </a:solidFill>
               </a:rPr>
-              <a:t>。</a:t>
-            </a:r>
-            <a:r>
-              <a:rPr lang="en-US" altLang="zh-TW" sz="2000" b="1" dirty="0" smtClean="0">
+              <a:t>	</a:t>
+            </a:r>
+            <a:r>
+              <a:rPr lang="en-US" altLang="zh-TW" sz="2000" dirty="0">
                 <a:solidFill>
                   <a:schemeClr val="tx1">
                     <a:lumMod val="75000"/>
@@ -32510,10 +31751,10 @@
                   </a:schemeClr>
                 </a:solidFill>
               </a:rPr>
-              <a:t>	</a:t>
-            </a:r>
-            <a:r>
-              <a:rPr lang="en-US" altLang="zh-TW" sz="2000" dirty="0" smtClean="0">
+              <a:t>I </a:t>
+            </a:r>
+            <a:r>
+              <a:rPr lang="en-US" altLang="zh-CN" sz="2000" dirty="0">
                 <a:solidFill>
                   <a:schemeClr val="tx1">
                     <a:lumMod val="75000"/>
@@ -32521,10 +31762,10 @@
                   </a:schemeClr>
                 </a:solidFill>
               </a:rPr>
-              <a:t>I </a:t>
-            </a:r>
-            <a:r>
-              <a:rPr lang="en-US" altLang="zh-CN" sz="2000" dirty="0" smtClean="0">
+              <a:t>raise</a:t>
+            </a:r>
+            <a:r>
+              <a:rPr lang="zh-CN" altLang="en-US" sz="2000" dirty="0">
                 <a:solidFill>
                   <a:schemeClr val="tx1">
                     <a:lumMod val="75000"/>
@@ -32532,10 +31773,10 @@
                   </a:schemeClr>
                 </a:solidFill>
               </a:rPr>
-              <a:t>raise</a:t>
-            </a:r>
-            <a:r>
-              <a:rPr lang="zh-CN" altLang="en-US" sz="2000" dirty="0" smtClean="0">
+              <a:t> </a:t>
+            </a:r>
+            <a:r>
+              <a:rPr lang="en-US" altLang="zh-CN" sz="2000" dirty="0">
                 <a:solidFill>
                   <a:schemeClr val="tx1">
                     <a:lumMod val="75000"/>
@@ -32543,10 +31784,10 @@
                   </a:schemeClr>
                 </a:solidFill>
               </a:rPr>
-              <a:t> </a:t>
-            </a:r>
-            <a:r>
-              <a:rPr lang="en-US" altLang="zh-CN" sz="2000" dirty="0" smtClean="0">
+              <a:t>my</a:t>
+            </a:r>
+            <a:r>
+              <a:rPr lang="zh-CN" altLang="en-US" sz="2000" dirty="0">
                 <a:solidFill>
                   <a:schemeClr val="tx1">
                     <a:lumMod val="75000"/>
@@ -32554,10 +31795,10 @@
                   </a:schemeClr>
                 </a:solidFill>
               </a:rPr>
-              <a:t>my</a:t>
-            </a:r>
-            <a:r>
-              <a:rPr lang="zh-CN" altLang="en-US" sz="2000" dirty="0" smtClean="0">
+              <a:t> </a:t>
+            </a:r>
+            <a:r>
+              <a:rPr lang="en-US" altLang="zh-CN" sz="2000" dirty="0">
                 <a:solidFill>
                   <a:schemeClr val="tx1">
                     <a:lumMod val="75000"/>
@@ -32565,10 +31806,10 @@
                   </a:schemeClr>
                 </a:solidFill>
               </a:rPr>
-              <a:t> </a:t>
-            </a:r>
-            <a:r>
-              <a:rPr lang="en-US" altLang="zh-CN" sz="2000" dirty="0" smtClean="0">
+              <a:t>goblet</a:t>
+            </a:r>
+            <a:r>
+              <a:rPr lang="zh-CN" altLang="en-US" sz="2000" dirty="0">
                 <a:solidFill>
                   <a:schemeClr val="tx1">
                     <a:lumMod val="75000"/>
@@ -32576,10 +31817,10 @@
                   </a:schemeClr>
                 </a:solidFill>
               </a:rPr>
-              <a:t>goblet</a:t>
-            </a:r>
-            <a:r>
-              <a:rPr lang="zh-CN" altLang="en-US" sz="2000" dirty="0" smtClean="0">
+              <a:t> </a:t>
+            </a:r>
+            <a:r>
+              <a:rPr lang="en-US" altLang="zh-CN" sz="2000" dirty="0">
                 <a:solidFill>
                   <a:schemeClr val="tx1">
                     <a:lumMod val="75000"/>
@@ -32587,10 +31828,10 @@
                   </a:schemeClr>
                 </a:solidFill>
               </a:rPr>
-              <a:t> </a:t>
-            </a:r>
-            <a:r>
-              <a:rPr lang="en-US" altLang="zh-CN" sz="2000" dirty="0" smtClean="0">
+              <a:t>to</a:t>
+            </a:r>
+            <a:r>
+              <a:rPr lang="zh-CN" altLang="en-US" sz="2000" dirty="0">
                 <a:solidFill>
                   <a:schemeClr val="tx1">
                     <a:lumMod val="75000"/>
@@ -32598,10 +31839,10 @@
                   </a:schemeClr>
                 </a:solidFill>
               </a:rPr>
-              <a:t>to</a:t>
-            </a:r>
-            <a:r>
-              <a:rPr lang="zh-CN" altLang="en-US" sz="2000" dirty="0" smtClean="0">
+              <a:t> </a:t>
+            </a:r>
+            <a:r>
+              <a:rPr lang="en-US" altLang="zh-CN" sz="2000" dirty="0">
                 <a:solidFill>
                   <a:schemeClr val="tx1">
                     <a:lumMod val="75000"/>
@@ -32609,10 +31850,10 @@
                   </a:schemeClr>
                 </a:solidFill>
               </a:rPr>
-              <a:t> </a:t>
-            </a:r>
-            <a:r>
-              <a:rPr lang="en-US" altLang="zh-CN" sz="2000" dirty="0" smtClean="0">
+              <a:t>the</a:t>
+            </a:r>
+            <a:r>
+              <a:rPr lang="zh-CN" altLang="en-US" sz="2000" dirty="0">
                 <a:solidFill>
                   <a:schemeClr val="tx1">
                     <a:lumMod val="75000"/>
@@ -32620,10 +31861,10 @@
                   </a:schemeClr>
                 </a:solidFill>
               </a:rPr>
-              <a:t>the</a:t>
-            </a:r>
-            <a:r>
-              <a:rPr lang="zh-CN" altLang="en-US" sz="2000" dirty="0" smtClean="0">
+              <a:t> </a:t>
+            </a:r>
+            <a:r>
+              <a:rPr lang="en-US" altLang="zh-CN" sz="2000" dirty="0">
                 <a:solidFill>
                   <a:schemeClr val="tx1">
                     <a:lumMod val="75000"/>
@@ -32631,10 +31872,10 @@
                   </a:schemeClr>
                 </a:solidFill>
               </a:rPr>
-              <a:t> </a:t>
-            </a:r>
-            <a:r>
-              <a:rPr lang="en-US" altLang="zh-CN" sz="2000" dirty="0" smtClean="0">
+              <a:t>sky</a:t>
+            </a:r>
+            <a:r>
+              <a:rPr lang="zh-CN" altLang="en-US" sz="2000" dirty="0">
                 <a:solidFill>
                   <a:schemeClr val="tx1">
                     <a:lumMod val="75000"/>
@@ -32642,10 +31883,10 @@
                   </a:schemeClr>
                 </a:solidFill>
               </a:rPr>
-              <a:t>sky</a:t>
-            </a:r>
-            <a:r>
-              <a:rPr lang="zh-CN" altLang="en-US" sz="2000" dirty="0" smtClean="0">
+              <a:t> </a:t>
+            </a:r>
+            <a:r>
+              <a:rPr lang="en-US" altLang="zh-CN" sz="2000" dirty="0">
                 <a:solidFill>
                   <a:schemeClr val="tx1">
                     <a:lumMod val="75000"/>
@@ -32653,10 +31894,10 @@
                   </a:schemeClr>
                 </a:solidFill>
               </a:rPr>
-              <a:t> </a:t>
-            </a:r>
-            <a:r>
-              <a:rPr lang="en-US" altLang="zh-CN" sz="2000" dirty="0" smtClean="0">
+              <a:t>with</a:t>
+            </a:r>
+            <a:r>
+              <a:rPr lang="zh-CN" altLang="en-US" sz="2000" dirty="0">
                 <a:solidFill>
                   <a:schemeClr val="tx1">
                     <a:lumMod val="75000"/>
@@ -32664,10 +31905,10 @@
                   </a:schemeClr>
                 </a:solidFill>
               </a:rPr>
-              <a:t>with</a:t>
-            </a:r>
-            <a:r>
-              <a:rPr lang="zh-CN" altLang="en-US" sz="2000" dirty="0" smtClean="0">
+              <a:t> </a:t>
+            </a:r>
+            <a:r>
+              <a:rPr lang="en-US" altLang="zh-CN" sz="2000" dirty="0">
                 <a:solidFill>
                   <a:schemeClr val="tx1">
                     <a:lumMod val="75000"/>
@@ -32675,10 +31916,10 @@
                   </a:schemeClr>
                 </a:solidFill>
               </a:rPr>
-              <a:t> </a:t>
-            </a:r>
-            <a:r>
-              <a:rPr lang="en-US" altLang="zh-CN" sz="2000" dirty="0" smtClean="0">
+              <a:t>a</a:t>
+            </a:r>
+            <a:r>
+              <a:rPr lang="zh-CN" altLang="en-US" sz="2000" dirty="0">
                 <a:solidFill>
                   <a:schemeClr val="tx1">
                     <a:lumMod val="75000"/>
@@ -32686,10 +31927,10 @@
                   </a:schemeClr>
                 </a:solidFill>
               </a:rPr>
-              <a:t>a</a:t>
-            </a:r>
-            <a:r>
-              <a:rPr lang="zh-CN" altLang="en-US" sz="2000" dirty="0" smtClean="0">
+              <a:t> </a:t>
+            </a:r>
+            <a:r>
+              <a:rPr lang="en-US" altLang="zh-TW" sz="2000" dirty="0">
                 <a:solidFill>
                   <a:schemeClr val="tx1">
                     <a:lumMod val="75000"/>
@@ -32697,49 +31938,8 @@
                   </a:schemeClr>
                 </a:solidFill>
               </a:rPr>
-              <a:t> </a:t>
-            </a:r>
-            <a:r>
-              <a:rPr lang="en-US" altLang="zh-TW" sz="2000" dirty="0" smtClean="0">
-                <a:solidFill>
-                  <a:schemeClr val="tx1">
-                    <a:lumMod val="75000"/>
-                    <a:lumOff val="25000"/>
-                  </a:schemeClr>
-                </a:solidFill>
-              </a:rPr>
-              <a:t>wild </a:t>
-            </a:r>
-            <a:r>
-              <a:rPr lang="en-US" altLang="zh-TW" sz="2000" dirty="0">
-                <a:solidFill>
-                  <a:schemeClr val="tx1">
-                    <a:lumMod val="75000"/>
-                    <a:lumOff val="25000"/>
-                  </a:schemeClr>
-                </a:solidFill>
-              </a:rPr>
-              <a:t>goose </a:t>
-            </a:r>
-            <a:r>
-              <a:rPr lang="en-US" altLang="zh-TW" sz="2000" dirty="0" smtClean="0">
-                <a:solidFill>
-                  <a:schemeClr val="tx1">
-                    <a:lumMod val="75000"/>
-                    <a:lumOff val="25000"/>
-                  </a:schemeClr>
-                </a:solidFill>
-              </a:rPr>
-              <a:t>flying away.</a:t>
-            </a:r>
-            <a:endParaRPr lang="en-US" altLang="zh-TW" sz="2000" dirty="0" smtClean="0">
-              <a:solidFill>
-                <a:schemeClr val="tx1">
-                  <a:lumMod val="75000"/>
-                  <a:lumOff val="25000"/>
-                </a:schemeClr>
-              </a:solidFill>
-            </a:endParaRPr>
+              <a:t>wild goose flying away.</a:t>
+            </a:r>
           </a:p>
         </p:txBody>
       </p:sp>
@@ -32791,29 +31991,24 @@
             <a:pPr lvl="0"/>
             <a:r>
               <a:rPr lang="en-US" altLang="zh-CN" dirty="0"/>
-              <a:t>Generative Adversarial </a:t>
-            </a:r>
-            <a:r>
-              <a:rPr lang="en-US" altLang="zh-CN" dirty="0" smtClean="0"/>
-              <a:t>Networks Result</a:t>
-            </a:r>
-            <a:r>
-              <a:rPr lang="zh-CN" altLang="en-US" dirty="0" smtClean="0"/>
+              <a:t>Generative Adversarial Networks Result</a:t>
+            </a:r>
+            <a:r>
+              <a:rPr lang="zh-CN" altLang="en-US" dirty="0"/>
               <a:t>:</a:t>
             </a:r>
             <a:r>
-              <a:rPr lang="en-US" altLang="zh-CN" dirty="0" smtClean="0"/>
+              <a:rPr lang="en-US" altLang="zh-CN" dirty="0"/>
               <a:t> </a:t>
             </a:r>
             <a:r>
-              <a:rPr lang="en-US" altLang="zh-CN" dirty="0" err="1" smtClean="0"/>
+              <a:rPr lang="en-US" altLang="zh-CN" dirty="0" err="1"/>
               <a:t>Huanxisha</a:t>
             </a:r>
             <a:r>
-              <a:rPr lang="zh-CN" altLang="en-US" dirty="0" smtClean="0"/>
+              <a:rPr lang="zh-CN" altLang="en-US" dirty="0"/>
               <a:t>（浣溪沙）</a:t>
             </a:r>
-            <a:endParaRPr lang="zh-CN" altLang="en-US" dirty="0"/>
           </a:p>
         </p:txBody>
       </p:sp>
@@ -32833,13 +32028,13 @@
           <a:lstStyle/>
           <a:p>
             <a:r>
-              <a:rPr lang="en-US" altLang="zh-CN" dirty="0" smtClean="0"/>
+              <a:rPr lang="en-US" altLang="zh-CN" dirty="0"/>
               <a:t>Able to learn Chinese words</a:t>
             </a:r>
           </a:p>
           <a:p>
             <a:r>
-              <a:rPr lang="en-US" altLang="zh-CN" dirty="0" smtClean="0"/>
+              <a:rPr lang="en-US" altLang="zh-CN" dirty="0"/>
               <a:t>Failed to catch hidden structure</a:t>
             </a:r>
             <a:endParaRPr lang="zh-CN" altLang="en-US" dirty="0"/>
@@ -32889,8 +32084,8 @@
                     <a:lumOff val="35000"/>
                   </a:schemeClr>
                 </a:solidFill>
-                <a:latin typeface="仿宋" panose="02010609060101010101" pitchFamily="49" charset="-122"/>
-                <a:ea typeface="仿宋" panose="02010609060101010101" pitchFamily="49" charset="-122"/>
+                <a:latin typeface="+mj-ea"/>
+                <a:ea typeface="+mj-ea"/>
               </a:rPr>
               <a:t>一日凉秋报，</a:t>
             </a:r>
@@ -32901,8 +32096,8 @@
                   <a:lumOff val="35000"/>
                 </a:schemeClr>
               </a:solidFill>
-              <a:latin typeface="仿宋" panose="02010609060101010101" pitchFamily="49" charset="-122"/>
-              <a:ea typeface="仿宋" panose="02010609060101010101" pitchFamily="49" charset="-122"/>
+              <a:latin typeface="+mj-ea"/>
+              <a:ea typeface="+mj-ea"/>
             </a:endParaRPr>
           </a:p>
           <a:p>
@@ -32916,31 +32111,22 @@
                 </a:solidFill>
                 <a:ea typeface="仿宋" panose="02010609060101010101" pitchFamily="49" charset="-122"/>
               </a:rPr>
-              <a:t>In one day, the fall season </a:t>
-            </a:r>
-            <a:r>
-              <a:rPr lang="en-US" altLang="zh-CN" sz="2000" dirty="0" smtClean="0">
+              <a:t>In one day, the fall season starts,</a:t>
+            </a:r>
+          </a:p>
+          <a:p>
+            <a:r>
+              <a:rPr lang="zh-CN" altLang="en-US" sz="2000" dirty="0">
                 <a:solidFill>
                   <a:schemeClr val="tx1">
                     <a:lumMod val="65000"/>
                     <a:lumOff val="35000"/>
                   </a:schemeClr>
                 </a:solidFill>
-                <a:ea typeface="仿宋" panose="02010609060101010101" pitchFamily="49" charset="-122"/>
+                <a:latin typeface="+mj-ea"/>
+                <a:ea typeface="+mj-ea"/>
               </a:rPr>
-              <a:t>starts</a:t>
-            </a:r>
-            <a:r>
-              <a:rPr lang="en-US" altLang="zh-CN" sz="2000" dirty="0">
-                <a:solidFill>
-                  <a:schemeClr val="tx1">
-                    <a:lumMod val="65000"/>
-                    <a:lumOff val="35000"/>
-                  </a:schemeClr>
-                </a:solidFill>
-                <a:ea typeface="仿宋" panose="02010609060101010101" pitchFamily="49" charset="-122"/>
-              </a:rPr>
-              <a:t>,</a:t>
+              <a:t>风云入故乡。</a:t>
             </a:r>
             <a:endParaRPr lang="en-US" altLang="zh-CN" sz="2000" dirty="0">
               <a:solidFill>
@@ -32949,56 +32135,21 @@
                   <a:lumOff val="35000"/>
                 </a:schemeClr>
               </a:solidFill>
-              <a:ea typeface="仿宋" panose="02010609060101010101" pitchFamily="49" charset="-122"/>
+              <a:latin typeface="+mj-ea"/>
+              <a:ea typeface="+mj-ea"/>
             </a:endParaRPr>
           </a:p>
           <a:p>
             <a:r>
-              <a:rPr lang="zh-CN" altLang="en-US" sz="2000" dirty="0">
+              <a:rPr lang="en-US" altLang="zh-CN" sz="2000" dirty="0">
                 <a:solidFill>
                   <a:schemeClr val="tx1">
                     <a:lumMod val="65000"/>
                     <a:lumOff val="35000"/>
                   </a:schemeClr>
                 </a:solidFill>
-                <a:latin typeface="仿宋" panose="02010609060101010101" pitchFamily="49" charset="-122"/>
-                <a:ea typeface="仿宋" panose="02010609060101010101" pitchFamily="49" charset="-122"/>
               </a:rPr>
-              <a:t>风云入故乡。</a:t>
-            </a:r>
-            <a:endParaRPr lang="en-US" altLang="zh-CN" sz="2000" dirty="0">
-              <a:solidFill>
-                <a:schemeClr val="tx1">
-                  <a:lumMod val="65000"/>
-                  <a:lumOff val="35000"/>
-                </a:schemeClr>
-              </a:solidFill>
-              <a:latin typeface="仿宋" panose="02010609060101010101" pitchFamily="49" charset="-122"/>
-              <a:ea typeface="仿宋" panose="02010609060101010101" pitchFamily="49" charset="-122"/>
-            </a:endParaRPr>
-          </a:p>
-          <a:p>
-            <a:r>
-              <a:rPr lang="en-US" altLang="zh-CN" sz="2000" dirty="0">
-                <a:solidFill>
-                  <a:schemeClr val="tx1">
-                    <a:lumMod val="65000"/>
-                    <a:lumOff val="35000"/>
-                  </a:schemeClr>
-                </a:solidFill>
-              </a:rPr>
-              <a:t>Wind and cloud enter my </a:t>
-            </a:r>
-            <a:r>
-              <a:rPr lang="en-US" altLang="zh-CN" sz="2000" dirty="0" smtClean="0">
-                <a:solidFill>
-                  <a:schemeClr val="tx1">
-                    <a:lumMod val="65000"/>
-                    <a:lumOff val="35000"/>
-                  </a:schemeClr>
-                </a:solidFill>
-              </a:rPr>
-              <a:t>hometown.</a:t>
+              <a:t>Wind and cloud enter my hometown.</a:t>
             </a:r>
             <a:endParaRPr lang="zh-CN" altLang="en-US" sz="2000" dirty="0">
               <a:solidFill>
@@ -33058,10 +32209,9 @@
           <a:lstStyle/>
           <a:p>
             <a:r>
-              <a:rPr lang="en-US" dirty="0" smtClean="0"/>
+              <a:rPr lang="en-US" dirty="0"/>
               <a:t>Summary</a:t>
             </a:r>
-            <a:endParaRPr lang="en-US" dirty="0"/>
           </a:p>
         </p:txBody>
       </p:sp>
@@ -33146,9 +32296,27 @@
                 <a:tableStyleId>{10B12774-5DBC-4AAE-B08B-AF3F36D9CBEE}</a:tableStyleId>
               </a:tblPr>
               <a:tblGrid>
-                <a:gridCol w="2032000"/>
-                <a:gridCol w="2032000"/>
-                <a:gridCol w="2032000"/>
+                <a:gridCol w="2032000">
+                  <a:extLst>
+                    <a:ext uri="{9D8B030D-6E8A-4147-A177-3AD203B41FA5}">
+                      <a16:colId xmlns:a16="http://schemas.microsoft.com/office/drawing/2014/main" val="20000"/>
+                    </a:ext>
+                  </a:extLst>
+                </a:gridCol>
+                <a:gridCol w="2032000">
+                  <a:extLst>
+                    <a:ext uri="{9D8B030D-6E8A-4147-A177-3AD203B41FA5}">
+                      <a16:colId xmlns:a16="http://schemas.microsoft.com/office/drawing/2014/main" val="20001"/>
+                    </a:ext>
+                  </a:extLst>
+                </a:gridCol>
+                <a:gridCol w="2032000">
+                  <a:extLst>
+                    <a:ext uri="{9D8B030D-6E8A-4147-A177-3AD203B41FA5}">
+                      <a16:colId xmlns:a16="http://schemas.microsoft.com/office/drawing/2014/main" val="20002"/>
+                    </a:ext>
+                  </a:extLst>
+                </a:gridCol>
               </a:tblGrid>
               <a:tr h="370840">
                 <a:tc>
@@ -33157,10 +32325,9 @@
                     <a:lstStyle/>
                     <a:p>
                       <a:r>
-                        <a:rPr lang="en-US" sz="2400" b="1" dirty="0" smtClean="0"/>
+                        <a:rPr lang="en-US" sz="2400" b="1" dirty="0"/>
                         <a:t>Approaches</a:t>
                       </a:r>
-                      <a:endParaRPr lang="en-US" sz="2400" b="1" dirty="0"/>
                     </a:p>
                   </a:txBody>
                   <a:tcPr/>
@@ -33171,11 +32338,11 @@
                     <a:lstStyle/>
                     <a:p>
                       <a:r>
-                        <a:rPr lang="en-US" sz="2400" b="1" dirty="0" smtClean="0"/>
+                        <a:rPr lang="en-US" sz="2400" b="1" dirty="0"/>
                         <a:t>P</a:t>
                       </a:r>
                       <a:r>
-                        <a:rPr lang="en-US" altLang="zh-CN" sz="2400" b="1" dirty="0" smtClean="0"/>
+                        <a:rPr lang="en-US" altLang="zh-CN" sz="2400" b="1" dirty="0"/>
                         <a:t>ros</a:t>
                       </a:r>
                       <a:endParaRPr lang="en-US" sz="2400" b="1" dirty="0"/>
@@ -33189,14 +32356,18 @@
                     <a:lstStyle/>
                     <a:p>
                       <a:r>
-                        <a:rPr lang="en-US" sz="2400" b="1" dirty="0" smtClean="0"/>
+                        <a:rPr lang="en-US" sz="2400" b="1" dirty="0"/>
                         <a:t>Cons</a:t>
                       </a:r>
-                      <a:endParaRPr lang="en-US" sz="2400" b="1" dirty="0"/>
                     </a:p>
                   </a:txBody>
                   <a:tcPr/>
                 </a:tc>
+                <a:extLst>
+                  <a:ext uri="{0D108BD9-81ED-4DB2-BD59-A6C34878D82A}">
+                    <a16:rowId xmlns:a16="http://schemas.microsoft.com/office/drawing/2014/main" val="10000"/>
+                  </a:ext>
+                </a:extLst>
               </a:tr>
               <a:tr h="370840">
                 <a:tc>
@@ -33205,10 +32376,9 @@
                     <a:lstStyle/>
                     <a:p>
                       <a:r>
-                        <a:rPr lang="en-US" sz="2400" b="1" dirty="0" smtClean="0"/>
+                        <a:rPr lang="en-US" sz="2400" b="1" dirty="0"/>
                         <a:t>GA</a:t>
                       </a:r>
-                      <a:endParaRPr lang="en-US" sz="2400" b="1" dirty="0"/>
                     </a:p>
                   </a:txBody>
                   <a:tcPr/>
@@ -33219,39 +32389,39 @@
                     <a:lstStyle/>
                     <a:p>
                       <a:r>
-                        <a:rPr lang="en-US" sz="2000" dirty="0" smtClean="0"/>
+                        <a:rPr lang="en-US" sz="2000" dirty="0"/>
                         <a:t>Good</a:t>
                       </a:r>
                       <a:r>
-                        <a:rPr lang="zh-CN" altLang="en-US" sz="2000" dirty="0" smtClean="0"/>
+                        <a:rPr lang="zh-CN" altLang="en-US" sz="2000" dirty="0"/>
                         <a:t> </a:t>
                       </a:r>
                       <a:r>
-                        <a:rPr lang="en-US" sz="2000" dirty="0" smtClean="0"/>
+                        <a:rPr lang="en-US" sz="2000" dirty="0"/>
                         <a:t>property</a:t>
                       </a:r>
                       <a:r>
-                        <a:rPr lang="zh-CN" altLang="en-US" sz="2000" dirty="0" smtClean="0"/>
+                        <a:rPr lang="zh-CN" altLang="en-US" sz="2000" dirty="0"/>
                         <a:t> </a:t>
                       </a:r>
                       <a:r>
-                        <a:rPr lang="en-US" altLang="zh-CN" sz="2000" dirty="0" smtClean="0"/>
+                        <a:rPr lang="en-US" altLang="zh-CN" sz="2000" dirty="0"/>
                         <a:t>in structure</a:t>
                       </a:r>
                       <a:r>
-                        <a:rPr lang="zh-CN" altLang="en-US" sz="2000" dirty="0" smtClean="0"/>
+                        <a:rPr lang="zh-CN" altLang="en-US" sz="2000" dirty="0"/>
                         <a:t> </a:t>
                       </a:r>
                       <a:r>
-                        <a:rPr lang="en-US" altLang="zh-CN" sz="2000" dirty="0" smtClean="0"/>
+                        <a:rPr lang="en-US" altLang="zh-CN" sz="2000" dirty="0"/>
                         <a:t>and</a:t>
                       </a:r>
                       <a:r>
-                        <a:rPr lang="zh-CN" altLang="en-US" sz="2000" dirty="0" smtClean="0"/>
+                        <a:rPr lang="zh-CN" altLang="en-US" sz="2000" dirty="0"/>
                         <a:t> </a:t>
                       </a:r>
                       <a:r>
-                        <a:rPr lang="en-US" altLang="zh-CN" sz="2000" dirty="0" smtClean="0"/>
+                        <a:rPr lang="en-US" altLang="zh-CN" sz="2000" dirty="0"/>
                         <a:t>meanings</a:t>
                       </a:r>
                       <a:endParaRPr lang="en-US" sz="2000" dirty="0"/>
@@ -33265,26 +32435,30 @@
                     <a:lstStyle/>
                     <a:p>
                       <a:r>
-                        <a:rPr lang="en-US" sz="2000" dirty="0" smtClean="0"/>
+                        <a:rPr lang="en-US" sz="2000" dirty="0"/>
                         <a:t>Pre</a:t>
                       </a:r>
                       <a:r>
-                        <a:rPr lang="en-US" altLang="zh-CN" sz="2000" dirty="0" smtClean="0"/>
+                        <a:rPr lang="en-US" altLang="zh-CN" sz="2000" dirty="0"/>
                         <a:t>-defined</a:t>
                       </a:r>
                       <a:r>
-                        <a:rPr lang="zh-CN" altLang="en-US" sz="2000" dirty="0" smtClean="0"/>
+                        <a:rPr lang="zh-CN" altLang="en-US" sz="2000" dirty="0"/>
                         <a:t> </a:t>
                       </a:r>
                       <a:r>
-                        <a:rPr lang="en-US" sz="2000" dirty="0" smtClean="0"/>
+                        <a:rPr lang="en-US" sz="2000" dirty="0"/>
                         <a:t>Constraints</a:t>
                       </a:r>
-                      <a:endParaRPr lang="en-US" sz="2000" dirty="0"/>
                     </a:p>
                   </a:txBody>
                   <a:tcPr/>
                 </a:tc>
+                <a:extLst>
+                  <a:ext uri="{0D108BD9-81ED-4DB2-BD59-A6C34878D82A}">
+                    <a16:rowId xmlns:a16="http://schemas.microsoft.com/office/drawing/2014/main" val="10001"/>
+                  </a:ext>
+                </a:extLst>
               </a:tr>
               <a:tr h="370840">
                 <a:tc>
@@ -33293,10 +32467,9 @@
                     <a:lstStyle/>
                     <a:p>
                       <a:r>
-                        <a:rPr lang="en-US" sz="2400" b="1" dirty="0" smtClean="0"/>
+                        <a:rPr lang="en-US" sz="2400" b="1" dirty="0"/>
                         <a:t>RNN</a:t>
                       </a:r>
-                      <a:endParaRPr lang="en-US" sz="2400" b="1" dirty="0"/>
                     </a:p>
                   </a:txBody>
                   <a:tcPr/>
@@ -33307,39 +32480,39 @@
                     <a:lstStyle/>
                     <a:p>
                       <a:r>
-                        <a:rPr lang="en-US" sz="2000" dirty="0" smtClean="0"/>
+                        <a:rPr lang="en-US" sz="2000" dirty="0"/>
                         <a:t>No</a:t>
                       </a:r>
                       <a:r>
-                        <a:rPr lang="zh-CN" altLang="en-US" sz="2000" dirty="0" smtClean="0"/>
+                        <a:rPr lang="zh-CN" altLang="en-US" sz="2000" dirty="0"/>
                         <a:t> </a:t>
                       </a:r>
                       <a:r>
-                        <a:rPr lang="en-US" altLang="zh-CN" sz="2000" dirty="0" smtClean="0"/>
+                        <a:rPr lang="en-US" altLang="zh-CN" sz="2000" dirty="0"/>
                         <a:t>need</a:t>
                       </a:r>
                       <a:r>
-                        <a:rPr lang="zh-CN" altLang="en-US" sz="2000" dirty="0" smtClean="0"/>
+                        <a:rPr lang="zh-CN" altLang="en-US" sz="2000" dirty="0"/>
                         <a:t> </a:t>
                       </a:r>
                       <a:r>
-                        <a:rPr lang="en-US" altLang="zh-CN" sz="2000" dirty="0" smtClean="0"/>
+                        <a:rPr lang="en-US" altLang="zh-CN" sz="2000" dirty="0"/>
                         <a:t>of</a:t>
                       </a:r>
                       <a:r>
-                        <a:rPr lang="zh-CN" altLang="en-US" sz="2000" dirty="0" smtClean="0"/>
+                        <a:rPr lang="zh-CN" altLang="en-US" sz="2000" dirty="0"/>
                         <a:t> </a:t>
                       </a:r>
                       <a:r>
-                        <a:rPr lang="en-US" altLang="zh-CN" sz="2000" dirty="0" smtClean="0"/>
+                        <a:rPr lang="en-US" altLang="zh-CN" sz="2000" dirty="0"/>
                         <a:t>pre-defined</a:t>
                       </a:r>
                       <a:r>
-                        <a:rPr lang="zh-CN" altLang="en-US" sz="2000" dirty="0" smtClean="0"/>
+                        <a:rPr lang="zh-CN" altLang="en-US" sz="2000" dirty="0"/>
                         <a:t> </a:t>
                       </a:r>
                       <a:r>
-                        <a:rPr lang="en-US" altLang="zh-CN" sz="2000" dirty="0" smtClean="0"/>
+                        <a:rPr lang="en-US" altLang="zh-CN" sz="2000" dirty="0"/>
                         <a:t>rules</a:t>
                       </a:r>
                       <a:endParaRPr lang="en-US" sz="2000" dirty="0"/>
@@ -33353,35 +32526,35 @@
                     <a:lstStyle/>
                     <a:p>
                       <a:r>
-                        <a:rPr lang="en-US" sz="2000" dirty="0" smtClean="0"/>
+                        <a:rPr lang="en-US" sz="2000" dirty="0"/>
                         <a:t>Performance</a:t>
                       </a:r>
                       <a:r>
-                        <a:rPr lang="zh-CN" altLang="en-US" sz="2000" dirty="0" smtClean="0"/>
+                        <a:rPr lang="zh-CN" altLang="en-US" sz="2000" dirty="0"/>
                         <a:t> </a:t>
                       </a:r>
                       <a:r>
-                        <a:rPr lang="en-US" altLang="zh-CN" sz="2000" dirty="0" smtClean="0"/>
+                        <a:rPr lang="en-US" altLang="zh-CN" sz="2000" dirty="0"/>
                         <a:t>d</a:t>
                       </a:r>
                       <a:r>
-                        <a:rPr lang="en-US" sz="2000" dirty="0" smtClean="0"/>
+                        <a:rPr lang="en-US" sz="2000" dirty="0"/>
                         <a:t>epends</a:t>
                       </a:r>
                       <a:r>
-                        <a:rPr lang="zh-CN" altLang="en-US" sz="2000" dirty="0" smtClean="0"/>
+                        <a:rPr lang="zh-CN" altLang="en-US" sz="2000" dirty="0"/>
                         <a:t> </a:t>
                       </a:r>
                       <a:r>
-                        <a:rPr lang="en-US" altLang="zh-CN" sz="2000" dirty="0" smtClean="0"/>
+                        <a:rPr lang="en-US" altLang="zh-CN" sz="2000" dirty="0"/>
                         <a:t>on</a:t>
                       </a:r>
                       <a:r>
-                        <a:rPr lang="zh-CN" altLang="en-US" sz="2000" dirty="0" smtClean="0"/>
+                        <a:rPr lang="zh-CN" altLang="en-US" sz="2000" dirty="0"/>
                         <a:t> </a:t>
                       </a:r>
                       <a:r>
-                        <a:rPr lang="en-US" altLang="zh-CN" sz="2000" dirty="0" smtClean="0"/>
+                        <a:rPr lang="en-US" altLang="zh-CN" sz="2000" dirty="0"/>
                         <a:t>dataset</a:t>
                       </a:r>
                       <a:endParaRPr lang="en-US" sz="2000" dirty="0"/>
@@ -33389,6 +32562,11 @@
                   </a:txBody>
                   <a:tcPr/>
                 </a:tc>
+                <a:extLst>
+                  <a:ext uri="{0D108BD9-81ED-4DB2-BD59-A6C34878D82A}">
+                    <a16:rowId xmlns:a16="http://schemas.microsoft.com/office/drawing/2014/main" val="10002"/>
+                  </a:ext>
+                </a:extLst>
               </a:tr>
               <a:tr h="370840">
                 <a:tc>
@@ -33397,10 +32575,9 @@
                     <a:lstStyle/>
                     <a:p>
                       <a:r>
-                        <a:rPr lang="en-US" sz="2400" b="1" dirty="0" smtClean="0"/>
+                        <a:rPr lang="en-US" sz="2400" b="1" dirty="0"/>
                         <a:t>GAN</a:t>
                       </a:r>
-                      <a:endParaRPr lang="en-US" sz="2400" b="1" dirty="0"/>
                     </a:p>
                   </a:txBody>
                   <a:tcPr/>
@@ -33411,39 +32588,39 @@
                     <a:lstStyle/>
                     <a:p>
                       <a:r>
-                        <a:rPr lang="en-US" sz="2000" dirty="0" smtClean="0"/>
+                        <a:rPr lang="en-US" sz="2000" dirty="0"/>
                         <a:t>No</a:t>
                       </a:r>
                       <a:r>
-                        <a:rPr lang="zh-CN" altLang="en-US" sz="2000" dirty="0" smtClean="0"/>
+                        <a:rPr lang="zh-CN" altLang="en-US" sz="2000" dirty="0"/>
                         <a:t> </a:t>
                       </a:r>
                       <a:r>
-                        <a:rPr lang="en-US" altLang="zh-CN" sz="2000" dirty="0" smtClean="0"/>
+                        <a:rPr lang="en-US" altLang="zh-CN" sz="2000" dirty="0"/>
                         <a:t>need</a:t>
                       </a:r>
                       <a:r>
-                        <a:rPr lang="zh-CN" altLang="en-US" sz="2000" dirty="0" smtClean="0"/>
+                        <a:rPr lang="zh-CN" altLang="en-US" sz="2000" dirty="0"/>
                         <a:t> </a:t>
                       </a:r>
                       <a:r>
-                        <a:rPr lang="en-US" altLang="zh-CN" sz="2000" dirty="0" smtClean="0"/>
+                        <a:rPr lang="en-US" altLang="zh-CN" sz="2000" dirty="0"/>
                         <a:t>of</a:t>
                       </a:r>
                       <a:r>
-                        <a:rPr lang="zh-CN" altLang="en-US" sz="2000" dirty="0" smtClean="0"/>
+                        <a:rPr lang="zh-CN" altLang="en-US" sz="2000" dirty="0"/>
                         <a:t> </a:t>
                       </a:r>
                       <a:r>
-                        <a:rPr lang="en-US" altLang="zh-CN" sz="2000" dirty="0" smtClean="0"/>
+                        <a:rPr lang="en-US" altLang="zh-CN" sz="2000" dirty="0"/>
                         <a:t>pre-defined</a:t>
                       </a:r>
                       <a:r>
-                        <a:rPr lang="zh-CN" altLang="en-US" sz="2000" dirty="0" smtClean="0"/>
+                        <a:rPr lang="zh-CN" altLang="en-US" sz="2000" dirty="0"/>
                         <a:t> </a:t>
                       </a:r>
                       <a:r>
-                        <a:rPr lang="en-US" altLang="zh-CN" sz="2000" dirty="0" smtClean="0"/>
+                        <a:rPr lang="en-US" altLang="zh-CN" sz="2000" dirty="0"/>
                         <a:t>rules</a:t>
                       </a:r>
                       <a:endParaRPr lang="en-US" sz="2000" dirty="0"/>
@@ -33457,35 +32634,35 @@
                     <a:lstStyle/>
                     <a:p>
                       <a:r>
-                        <a:rPr lang="en-US" sz="2000" dirty="0" smtClean="0"/>
+                        <a:rPr lang="en-US" sz="2000" dirty="0"/>
                         <a:t>Performance</a:t>
                       </a:r>
                       <a:r>
-                        <a:rPr lang="zh-CN" altLang="en-US" sz="2000" dirty="0" smtClean="0"/>
+                        <a:rPr lang="zh-CN" altLang="en-US" sz="2000" dirty="0"/>
                         <a:t> </a:t>
                       </a:r>
                       <a:r>
-                        <a:rPr lang="en-US" altLang="zh-CN" sz="2000" dirty="0" smtClean="0"/>
+                        <a:rPr lang="en-US" altLang="zh-CN" sz="2000" dirty="0"/>
                         <a:t>d</a:t>
                       </a:r>
                       <a:r>
-                        <a:rPr lang="en-US" sz="2000" dirty="0" smtClean="0"/>
+                        <a:rPr lang="en-US" sz="2000" dirty="0"/>
                         <a:t>epends</a:t>
                       </a:r>
                       <a:r>
-                        <a:rPr lang="zh-CN" altLang="en-US" sz="2000" dirty="0" smtClean="0"/>
+                        <a:rPr lang="zh-CN" altLang="en-US" sz="2000" dirty="0"/>
                         <a:t> </a:t>
                       </a:r>
                       <a:r>
-                        <a:rPr lang="en-US" altLang="zh-CN" sz="2000" dirty="0" smtClean="0"/>
+                        <a:rPr lang="en-US" altLang="zh-CN" sz="2000" dirty="0"/>
                         <a:t>on</a:t>
                       </a:r>
                       <a:r>
-                        <a:rPr lang="zh-CN" altLang="en-US" sz="2000" dirty="0" smtClean="0"/>
+                        <a:rPr lang="zh-CN" altLang="en-US" sz="2000" dirty="0"/>
                         <a:t> </a:t>
                       </a:r>
                       <a:r>
-                        <a:rPr lang="en-US" altLang="zh-CN" sz="2000" dirty="0" smtClean="0"/>
+                        <a:rPr lang="en-US" altLang="zh-CN" sz="2000" dirty="0"/>
                         <a:t>dataset</a:t>
                       </a:r>
                       <a:endParaRPr lang="en-US" sz="2000" dirty="0"/>
@@ -33493,6 +32670,11 @@
                   </a:txBody>
                   <a:tcPr/>
                 </a:tc>
+                <a:extLst>
+                  <a:ext uri="{0D108BD9-81ED-4DB2-BD59-A6C34878D82A}">
+                    <a16:rowId xmlns:a16="http://schemas.microsoft.com/office/drawing/2014/main" val="10003"/>
+                  </a:ext>
+                </a:extLst>
               </a:tr>
             </a:tbl>
           </a:graphicData>
@@ -33575,7 +32757,7 @@
         <p:spPr>
           <a:xfrm>
             <a:off x="457200" y="2059666"/>
-            <a:ext cx="5237923" cy="4066500"/>
+            <a:ext cx="8229600" cy="4066500"/>
           </a:xfrm>
           <a:prstGeom prst="rect">
             <a:avLst/>
@@ -33868,29 +33050,6 @@
           </a:p>
         </p:txBody>
       </p:sp>
-      <p:pic>
-        <p:nvPicPr>
-          <p:cNvPr id="3" name="Picture 2"/>
-          <p:cNvPicPr>
-            <a:picLocks noChangeAspect="1"/>
-          </p:cNvPicPr>
-          <p:nvPr/>
-        </p:nvPicPr>
-        <p:blipFill rotWithShape="1">
-          <a:blip r:embed="rId3"/>
-          <a:srcRect l="8562" t="5561" r="25828" b="12527"/>
-          <a:stretch/>
-        </p:blipFill>
-        <p:spPr>
-          <a:xfrm>
-            <a:off x="5774636" y="2315817"/>
-            <a:ext cx="3180520" cy="2725392"/>
-          </a:xfrm>
-          <a:prstGeom prst="rect">
-            <a:avLst/>
-          </a:prstGeom>
-        </p:spPr>
-      </p:pic>
     </p:spTree>
     <p:extLst>
       <p:ext uri="{BB962C8B-B14F-4D97-AF65-F5344CB8AC3E}">
@@ -33901,13 +33060,6 @@
   <p:clrMapOvr>
     <a:masterClrMapping/>
   </p:clrMapOvr>
-  <p:timing>
-    <p:tnLst>
-      <p:par>
-        <p:cTn xmlns:p14="http://schemas.microsoft.com/office/powerpoint/2010/main" id="1" dur="indefinite" restart="never" nodeType="tmRoot"/>
-      </p:par>
-    </p:tnLst>
-  </p:timing>
 </p:sld>
 </file>
 
@@ -33950,19 +33102,19 @@
           <a:p>
             <a:pPr algn="ctr"/>
             <a:r>
-              <a:rPr lang="en-US" dirty="0" smtClean="0"/>
+              <a:rPr lang="en-US" dirty="0"/>
               <a:t>T</a:t>
             </a:r>
             <a:r>
-              <a:rPr lang="en-US" altLang="zh-CN" dirty="0" smtClean="0"/>
+              <a:rPr lang="en-US" altLang="zh-CN" dirty="0"/>
               <a:t>hank</a:t>
             </a:r>
             <a:r>
-              <a:rPr lang="zh-CN" altLang="en-US" dirty="0" smtClean="0"/>
+              <a:rPr lang="zh-CN" altLang="en-US" dirty="0"/>
               <a:t> </a:t>
             </a:r>
             <a:r>
-              <a:rPr lang="en-US" altLang="zh-CN" dirty="0" smtClean="0"/>
+              <a:rPr lang="en-US" altLang="zh-CN" dirty="0"/>
               <a:t>you</a:t>
             </a:r>
             <a:endParaRPr lang="en-US" dirty="0"/>
@@ -34071,15 +33223,15 @@
           <a:lstStyle/>
           <a:p>
             <a:r>
-              <a:rPr lang="en-US" dirty="0" smtClean="0"/>
+              <a:rPr lang="en-US" dirty="0"/>
               <a:t>Word</a:t>
             </a:r>
             <a:r>
-              <a:rPr lang="zh-CN" altLang="en-US" dirty="0" smtClean="0"/>
+              <a:rPr lang="zh-CN" altLang="en-US" dirty="0"/>
               <a:t> </a:t>
             </a:r>
             <a:r>
-              <a:rPr lang="en-US" altLang="zh-CN" dirty="0" smtClean="0"/>
+              <a:rPr lang="en-US" altLang="zh-CN" dirty="0"/>
               <a:t>Embedding</a:t>
             </a:r>
             <a:endParaRPr lang="en-US" dirty="0"/>
@@ -34164,7 +33316,7 @@
           <a:lstStyle/>
           <a:p>
             <a:r>
-              <a:rPr lang="zh-CN" altLang="en-US" sz="3200" dirty="0" smtClean="0"/>
+              <a:rPr lang="zh-CN" altLang="en-US" sz="3200" dirty="0"/>
               <a:t> </a:t>
             </a:r>
             <a:endParaRPr lang="en-US" sz="3200" dirty="0"/>
@@ -34211,13 +33363,6 @@
   <p:clrMapOvr>
     <a:masterClrMapping/>
   </p:clrMapOvr>
-  <p:timing>
-    <p:tnLst>
-      <p:par>
-        <p:cTn xmlns:p14="http://schemas.microsoft.com/office/powerpoint/2010/main" id="1" dur="indefinite" restart="never" nodeType="tmRoot"/>
-      </p:par>
-    </p:tnLst>
-  </p:timing>
 </p:sld>
 </file>
 
@@ -34254,15 +33399,15 @@
           <a:lstStyle/>
           <a:p>
             <a:r>
-              <a:rPr lang="en-US" dirty="0" smtClean="0"/>
+              <a:rPr lang="en-US" dirty="0"/>
               <a:t>Word</a:t>
             </a:r>
             <a:r>
-              <a:rPr lang="zh-CN" altLang="en-US" dirty="0" smtClean="0"/>
+              <a:rPr lang="zh-CN" altLang="en-US" dirty="0"/>
               <a:t> </a:t>
             </a:r>
             <a:r>
-              <a:rPr lang="en-US" altLang="zh-CN" dirty="0" smtClean="0"/>
+              <a:rPr lang="en-US" altLang="zh-CN" dirty="0"/>
               <a:t>Embedding</a:t>
             </a:r>
             <a:endParaRPr lang="en-US" dirty="0"/>
@@ -34718,15 +33863,15 @@
           <a:p>
             <a:pPr algn="ctr"/>
             <a:r>
-              <a:rPr lang="en-US" sz="2400" dirty="0" smtClean="0"/>
+              <a:rPr lang="en-US" sz="2400" dirty="0"/>
               <a:t>霞</a:t>
             </a:r>
             <a:r>
-              <a:rPr lang="zh-CN" altLang="en-US" sz="2400" dirty="0" smtClean="0"/>
+              <a:rPr lang="zh-CN" altLang="en-US" sz="2400" dirty="0"/>
               <a:t> </a:t>
             </a:r>
             <a:r>
-              <a:rPr lang="en-US" altLang="zh-CN" sz="2400" dirty="0" smtClean="0"/>
+              <a:rPr lang="en-US" altLang="zh-CN" sz="2400" dirty="0"/>
               <a:t>glow</a:t>
             </a:r>
             <a:endParaRPr lang="en-US" sz="2400" dirty="0"/>
@@ -34756,11 +33901,11 @@
           <a:lstStyle/>
           <a:p>
             <a:r>
-              <a:rPr lang="zh-CN" altLang="en-US" sz="2400" dirty="0" smtClean="0"/>
+              <a:rPr lang="zh-CN" altLang="en-US" sz="2400" dirty="0"/>
               <a:t>雨 </a:t>
             </a:r>
             <a:r>
-              <a:rPr lang="en-US" altLang="zh-CN" sz="2400" dirty="0" smtClean="0"/>
+              <a:rPr lang="en-US" altLang="zh-CN" sz="2400" dirty="0"/>
               <a:t>rain</a:t>
             </a:r>
             <a:endParaRPr lang="en-US" sz="2400" dirty="0"/>
@@ -34791,15 +33936,15 @@
           <a:p>
             <a:pPr algn="ctr"/>
             <a:r>
-              <a:rPr lang="zh-CN" altLang="en-US" sz="2400" dirty="0" smtClean="0"/>
+              <a:rPr lang="zh-CN" altLang="en-US" sz="2400" dirty="0"/>
               <a:t>竹 </a:t>
             </a:r>
-            <a:endParaRPr lang="en-US" altLang="zh-CN" sz="2400" dirty="0" smtClean="0"/>
+            <a:endParaRPr lang="en-US" altLang="zh-CN" sz="2400" dirty="0"/>
           </a:p>
           <a:p>
             <a:pPr algn="ctr"/>
             <a:r>
-              <a:rPr lang="en-US" altLang="zh-CN" sz="2400" dirty="0" smtClean="0"/>
+              <a:rPr lang="en-US" altLang="zh-CN" sz="2400" dirty="0"/>
               <a:t>bamboo</a:t>
             </a:r>
             <a:endParaRPr lang="en-US" sz="2400" dirty="0"/>
@@ -34830,18 +33975,17 @@
           <a:p>
             <a:pPr algn="ctr"/>
             <a:r>
-              <a:rPr lang="zh-CN" altLang="en-US" sz="2400" dirty="0" smtClean="0"/>
+              <a:rPr lang="zh-CN" altLang="en-US" sz="2400" dirty="0"/>
               <a:t>柳</a:t>
             </a:r>
-            <a:endParaRPr lang="en-US" altLang="zh-CN" sz="2400" dirty="0" smtClean="0"/>
+            <a:endParaRPr lang="en-US" altLang="zh-CN" sz="2400" dirty="0"/>
           </a:p>
           <a:p>
             <a:pPr algn="ctr"/>
             <a:r>
-              <a:rPr lang="en-US" sz="2400" dirty="0" smtClean="0"/>
+              <a:rPr lang="en-US" sz="2400" dirty="0"/>
               <a:t>willow</a:t>
             </a:r>
-            <a:endParaRPr lang="en-US" sz="2400" dirty="0"/>
           </a:p>
         </p:txBody>
       </p:sp>
@@ -35161,11 +34305,11 @@
           <a:lstStyle/>
           <a:p>
             <a:r>
-              <a:rPr lang="zh-CN" altLang="en-US" sz="2400" dirty="0" smtClean="0"/>
+              <a:rPr lang="zh-CN" altLang="en-US" sz="2400" dirty="0"/>
               <a:t>见 </a:t>
             </a:r>
             <a:r>
-              <a:rPr lang="en-US" altLang="zh-CN" sz="2400" dirty="0" smtClean="0"/>
+              <a:rPr lang="en-US" altLang="zh-CN" sz="2400" dirty="0"/>
               <a:t>see</a:t>
             </a:r>
             <a:endParaRPr lang="en-US" sz="2400" dirty="0"/>
@@ -35195,11 +34339,11 @@
           <a:lstStyle/>
           <a:p>
             <a:r>
-              <a:rPr lang="zh-CN" altLang="en-US" sz="2400" dirty="0" smtClean="0"/>
+              <a:rPr lang="zh-CN" altLang="en-US" sz="2400" dirty="0"/>
               <a:t>愁 </a:t>
             </a:r>
             <a:r>
-              <a:rPr lang="en-US" altLang="zh-CN" sz="2400" dirty="0" smtClean="0"/>
+              <a:rPr lang="en-US" altLang="zh-CN" sz="2400" dirty="0"/>
               <a:t>sadness</a:t>
             </a:r>
             <a:endParaRPr lang="en-US" sz="2400" dirty="0"/>
@@ -35229,11 +34373,11 @@
           <a:lstStyle/>
           <a:p>
             <a:r>
-              <a:rPr lang="zh-CN" altLang="en-US" sz="2400" dirty="0" smtClean="0"/>
+              <a:rPr lang="zh-CN" altLang="en-US" sz="2400" dirty="0"/>
               <a:t>闻 </a:t>
             </a:r>
             <a:r>
-              <a:rPr lang="en-US" altLang="zh-CN" sz="2400" dirty="0" smtClean="0"/>
+              <a:rPr lang="en-US" altLang="zh-CN" sz="2400" dirty="0"/>
               <a:t>hear</a:t>
             </a:r>
             <a:endParaRPr lang="en-US" sz="2400" dirty="0"/>
@@ -35263,11 +34407,11 @@
           <a:lstStyle/>
           <a:p>
             <a:r>
-              <a:rPr lang="zh-CN" altLang="en-US" sz="2400" dirty="0" smtClean="0"/>
+              <a:rPr lang="zh-CN" altLang="en-US" sz="2400" dirty="0"/>
               <a:t>情 </a:t>
             </a:r>
             <a:r>
-              <a:rPr lang="en-US" altLang="zh-CN" sz="2400" dirty="0" smtClean="0"/>
+              <a:rPr lang="en-US" altLang="zh-CN" sz="2400" dirty="0"/>
               <a:t>feeling</a:t>
             </a:r>
             <a:endParaRPr lang="en-US" sz="2400" dirty="0"/>
@@ -35358,13 +34502,6 @@
   <p:clrMapOvr>
     <a:masterClrMapping/>
   </p:clrMapOvr>
-  <p:timing>
-    <p:tnLst>
-      <p:par>
-        <p:cTn xmlns:p14="http://schemas.microsoft.com/office/powerpoint/2010/main" id="1" dur="indefinite" restart="never" nodeType="tmRoot"/>
-      </p:par>
-    </p:tnLst>
-  </p:timing>
 </p:sld>
 </file>
 
@@ -35401,10 +34538,9 @@
           <a:lstStyle/>
           <a:p>
             <a:r>
-              <a:rPr lang="en-US" dirty="0" smtClean="0"/>
+              <a:rPr lang="en-US" dirty="0"/>
               <a:t>Rhyme to Vector</a:t>
             </a:r>
-            <a:endParaRPr lang="en-US" dirty="0"/>
           </a:p>
         </p:txBody>
       </p:sp>
@@ -35492,7 +34628,7 @@
           <a:lstStyle/>
           <a:p>
             <a:r>
-              <a:rPr lang="zh-CN" altLang="en-US" sz="1800" b="1" dirty="0" smtClean="0"/>
+              <a:rPr lang="zh-CN" altLang="en-US" sz="1800" b="1" dirty="0"/>
               <a:t>床</a:t>
             </a:r>
             <a:endParaRPr lang="en-US" sz="1800" b="1" dirty="0"/>
@@ -35527,7 +34663,7 @@
           <a:lstStyle/>
           <a:p>
             <a:r>
-              <a:rPr lang="zh-CN" altLang="en-US" sz="1800" b="1" dirty="0" smtClean="0"/>
+              <a:rPr lang="zh-CN" altLang="en-US" sz="1800" b="1" dirty="0"/>
               <a:t>前</a:t>
             </a:r>
             <a:endParaRPr lang="en-US" sz="1800" b="1" dirty="0"/>
@@ -35562,7 +34698,7 @@
           <a:lstStyle/>
           <a:p>
             <a:r>
-              <a:rPr lang="zh-CN" altLang="en-US" sz="1800" b="1" dirty="0" smtClean="0"/>
+              <a:rPr lang="zh-CN" altLang="en-US" sz="1800" b="1" dirty="0"/>
               <a:t>明</a:t>
             </a:r>
             <a:endParaRPr lang="en-US" sz="1800" b="1" dirty="0"/>
@@ -35597,7 +34733,7 @@
           <a:lstStyle/>
           <a:p>
             <a:r>
-              <a:rPr lang="zh-CN" altLang="en-US" sz="1800" b="1" dirty="0" smtClean="0"/>
+              <a:rPr lang="zh-CN" altLang="en-US" sz="1800" b="1" dirty="0"/>
               <a:t>月</a:t>
             </a:r>
             <a:endParaRPr lang="en-US" sz="1800" b="1" dirty="0"/>
@@ -35632,7 +34768,7 @@
           <a:lstStyle/>
           <a:p>
             <a:r>
-              <a:rPr lang="zh-CN" altLang="en-US" sz="1800" b="1" dirty="0" smtClean="0"/>
+              <a:rPr lang="zh-CN" altLang="en-US" sz="1800" b="1" dirty="0"/>
               <a:t>光</a:t>
             </a:r>
             <a:endParaRPr lang="en-US" sz="1800" b="1" dirty="0"/>
@@ -35667,7 +34803,7 @@
           <a:lstStyle/>
           <a:p>
             <a:r>
-              <a:rPr lang="en-US" altLang="zh-CN" sz="1800" b="1" dirty="0" err="1" smtClean="0"/>
+              <a:rPr lang="en-US" altLang="zh-CN" sz="1800" b="1" dirty="0" err="1"/>
               <a:t>chuang</a:t>
             </a:r>
             <a:endParaRPr lang="en-US" sz="1800" b="1" dirty="0"/>
@@ -35702,7 +34838,7 @@
           <a:lstStyle/>
           <a:p>
             <a:r>
-              <a:rPr lang="en-US" sz="1800" b="1" dirty="0" err="1" smtClean="0"/>
+              <a:rPr lang="en-US" sz="1800" b="1" dirty="0" err="1"/>
               <a:t>qian</a:t>
             </a:r>
             <a:endParaRPr lang="en-US" sz="1800" b="1" dirty="0"/>
@@ -35737,7 +34873,7 @@
           <a:lstStyle/>
           <a:p>
             <a:r>
-              <a:rPr lang="en-US" sz="1800" b="1" dirty="0" err="1" smtClean="0"/>
+              <a:rPr lang="en-US" sz="1800" b="1" dirty="0" err="1"/>
               <a:t>ming</a:t>
             </a:r>
             <a:endParaRPr lang="en-US" sz="1800" b="1" dirty="0"/>
@@ -35772,7 +34908,7 @@
           <a:lstStyle/>
           <a:p>
             <a:r>
-              <a:rPr lang="en-US" altLang="zh-CN" sz="1800" b="1" dirty="0" err="1" smtClean="0"/>
+              <a:rPr lang="en-US" altLang="zh-CN" sz="1800" b="1" dirty="0" err="1"/>
               <a:t>yue</a:t>
             </a:r>
             <a:endParaRPr lang="en-US" sz="1800" b="1" dirty="0"/>
@@ -35807,7 +34943,7 @@
           <a:lstStyle/>
           <a:p>
             <a:r>
-              <a:rPr lang="en-US" altLang="zh-CN" sz="1800" b="1" dirty="0" err="1" smtClean="0"/>
+              <a:rPr lang="en-US" altLang="zh-CN" sz="1800" b="1" dirty="0" err="1"/>
               <a:t>guang</a:t>
             </a:r>
             <a:endParaRPr lang="en-US" sz="1800" b="1" dirty="0"/>
@@ -35842,7 +34978,7 @@
           <a:lstStyle/>
           <a:p>
             <a:r>
-              <a:rPr lang="en-US" altLang="zh-CN" sz="1800" b="1" dirty="0" err="1" smtClean="0"/>
+              <a:rPr lang="en-US" altLang="zh-CN" sz="1800" b="1" dirty="0" err="1"/>
               <a:t>ang</a:t>
             </a:r>
             <a:endParaRPr lang="en-US" sz="1800" b="1" dirty="0"/>
@@ -35877,7 +35013,7 @@
           <a:lstStyle/>
           <a:p>
             <a:r>
-              <a:rPr lang="en-US" sz="1800" b="1" dirty="0" err="1" smtClean="0"/>
+              <a:rPr lang="en-US" sz="1800" b="1" dirty="0" err="1"/>
               <a:t>ian</a:t>
             </a:r>
             <a:endParaRPr lang="en-US" sz="1800" b="1" dirty="0"/>
@@ -35912,7 +35048,7 @@
           <a:lstStyle/>
           <a:p>
             <a:r>
-              <a:rPr lang="en-US" sz="1800" b="1" dirty="0" err="1" smtClean="0"/>
+              <a:rPr lang="en-US" sz="1800" b="1" dirty="0" err="1"/>
               <a:t>ing</a:t>
             </a:r>
             <a:endParaRPr lang="en-US" sz="1800" b="1" dirty="0"/>
@@ -35947,7 +35083,7 @@
           <a:lstStyle/>
           <a:p>
             <a:r>
-              <a:rPr lang="en-US" altLang="zh-CN" sz="1800" b="1" dirty="0" err="1" smtClean="0"/>
+              <a:rPr lang="en-US" altLang="zh-CN" sz="1800" b="1" dirty="0" err="1"/>
               <a:t>yue</a:t>
             </a:r>
             <a:endParaRPr lang="en-US" sz="1800" b="1" dirty="0"/>
@@ -35982,7 +35118,7 @@
           <a:lstStyle/>
           <a:p>
             <a:r>
-              <a:rPr lang="en-US" altLang="zh-CN" sz="1800" b="1" dirty="0" err="1" smtClean="0"/>
+              <a:rPr lang="en-US" altLang="zh-CN" sz="1800" b="1" dirty="0" err="1"/>
               <a:t>uang</a:t>
             </a:r>
             <a:endParaRPr lang="en-US" sz="1800" b="1" dirty="0"/>
@@ -36407,7 +35543,7 @@
           <a:lstStyle/>
           <a:p>
             <a:r>
-              <a:rPr lang="zh-CN" altLang="en-US" sz="1800" b="1" dirty="0" smtClean="0"/>
+              <a:rPr lang="zh-CN" altLang="en-US" sz="1800" b="1" dirty="0"/>
               <a:t>疑</a:t>
             </a:r>
             <a:endParaRPr lang="en-US" sz="1800" b="1" dirty="0"/>
@@ -36442,7 +35578,7 @@
           <a:lstStyle/>
           <a:p>
             <a:r>
-              <a:rPr lang="zh-CN" altLang="en-US" sz="1800" b="1" dirty="0" smtClean="0"/>
+              <a:rPr lang="zh-CN" altLang="en-US" sz="1800" b="1" dirty="0"/>
               <a:t>是</a:t>
             </a:r>
             <a:endParaRPr lang="en-US" sz="1800" b="1" dirty="0"/>
@@ -36477,7 +35613,7 @@
           <a:lstStyle/>
           <a:p>
             <a:r>
-              <a:rPr lang="zh-CN" altLang="en-US" sz="1800" b="1" dirty="0" smtClean="0"/>
+              <a:rPr lang="zh-CN" altLang="en-US" sz="1800" b="1" dirty="0"/>
               <a:t>地</a:t>
             </a:r>
             <a:endParaRPr lang="en-US" sz="1800" b="1" dirty="0"/>
@@ -36512,7 +35648,7 @@
           <a:lstStyle/>
           <a:p>
             <a:r>
-              <a:rPr lang="zh-CN" altLang="en-US" sz="1800" b="1" dirty="0" smtClean="0"/>
+              <a:rPr lang="zh-CN" altLang="en-US" sz="1800" b="1" dirty="0"/>
               <a:t>上</a:t>
             </a:r>
             <a:endParaRPr lang="en-US" sz="1800" b="1" dirty="0"/>
@@ -36547,7 +35683,7 @@
           <a:lstStyle/>
           <a:p>
             <a:r>
-              <a:rPr lang="zh-CN" altLang="en-US" sz="1800" b="1" dirty="0" smtClean="0"/>
+              <a:rPr lang="zh-CN" altLang="en-US" sz="1800" b="1" dirty="0"/>
               <a:t>霜</a:t>
             </a:r>
             <a:endParaRPr lang="en-US" sz="1800" b="1" dirty="0"/>
@@ -36582,7 +35718,7 @@
           <a:lstStyle/>
           <a:p>
             <a:r>
-              <a:rPr lang="en-US" altLang="zh-CN" sz="1800" b="1" dirty="0" err="1" smtClean="0"/>
+              <a:rPr lang="en-US" altLang="zh-CN" sz="1800" b="1" dirty="0" err="1"/>
               <a:t>yi</a:t>
             </a:r>
             <a:endParaRPr lang="en-US" sz="1800" b="1" dirty="0"/>
@@ -36617,7 +35753,7 @@
           <a:lstStyle/>
           <a:p>
             <a:r>
-              <a:rPr lang="en-US" sz="1800" b="1" dirty="0" err="1" smtClean="0"/>
+              <a:rPr lang="en-US" sz="1800" b="1" dirty="0" err="1"/>
               <a:t>shi</a:t>
             </a:r>
             <a:endParaRPr lang="en-US" sz="1800" b="1" dirty="0"/>
@@ -36652,10 +35788,9 @@
           <a:lstStyle/>
           <a:p>
             <a:r>
-              <a:rPr lang="en-US" sz="1800" b="1" dirty="0" smtClean="0"/>
+              <a:rPr lang="en-US" sz="1800" b="1" dirty="0"/>
               <a:t>di</a:t>
             </a:r>
-            <a:endParaRPr lang="en-US" sz="1800" b="1" dirty="0"/>
           </a:p>
         </p:txBody>
       </p:sp>
@@ -36687,7 +35822,7 @@
           <a:lstStyle/>
           <a:p>
             <a:r>
-              <a:rPr lang="en-US" altLang="zh-CN" sz="1800" b="1" dirty="0" err="1" smtClean="0"/>
+              <a:rPr lang="en-US" altLang="zh-CN" sz="1800" b="1" dirty="0" err="1"/>
               <a:t>shang</a:t>
             </a:r>
             <a:endParaRPr lang="en-US" sz="1800" b="1" dirty="0"/>
@@ -36722,7 +35857,7 @@
           <a:lstStyle/>
           <a:p>
             <a:r>
-              <a:rPr lang="en-US" altLang="zh-CN" sz="1800" b="1" dirty="0" err="1" smtClean="0"/>
+              <a:rPr lang="en-US" altLang="zh-CN" sz="1800" b="1" dirty="0" err="1"/>
               <a:t>shuang</a:t>
             </a:r>
             <a:endParaRPr lang="en-US" sz="1800" b="1" dirty="0"/>
@@ -36757,7 +35892,7 @@
           <a:lstStyle/>
           <a:p>
             <a:r>
-              <a:rPr lang="en-US" altLang="zh-CN" sz="1800" b="1" dirty="0" err="1" smtClean="0"/>
+              <a:rPr lang="en-US" altLang="zh-CN" sz="1800" b="1" dirty="0" err="1"/>
               <a:t>yi</a:t>
             </a:r>
             <a:endParaRPr lang="en-US" sz="1800" b="1" dirty="0"/>
@@ -36792,7 +35927,7 @@
           <a:lstStyle/>
           <a:p>
             <a:r>
-              <a:rPr lang="en-US" sz="1800" b="1" dirty="0" err="1" smtClean="0"/>
+              <a:rPr lang="en-US" sz="1800" b="1" dirty="0" err="1"/>
               <a:t>i</a:t>
             </a:r>
             <a:endParaRPr lang="en-US" sz="1800" b="1" dirty="0"/>
@@ -36827,7 +35962,7 @@
           <a:lstStyle/>
           <a:p>
             <a:r>
-              <a:rPr lang="en-US" sz="1800" b="1" dirty="0" err="1" smtClean="0"/>
+              <a:rPr lang="en-US" sz="1800" b="1" dirty="0" err="1"/>
               <a:t>i</a:t>
             </a:r>
             <a:endParaRPr lang="en-US" sz="1800" b="1" dirty="0"/>
@@ -36862,7 +35997,7 @@
           <a:lstStyle/>
           <a:p>
             <a:r>
-              <a:rPr lang="en-US" altLang="zh-CN" sz="1800" b="1" dirty="0" err="1" smtClean="0"/>
+              <a:rPr lang="en-US" altLang="zh-CN" sz="1800" b="1" dirty="0" err="1"/>
               <a:t>ang</a:t>
             </a:r>
             <a:endParaRPr lang="en-US" sz="1800" b="1" dirty="0"/>
@@ -36897,7 +36032,7 @@
           <a:lstStyle/>
           <a:p>
             <a:r>
-              <a:rPr lang="en-US" altLang="zh-CN" sz="1800" b="1" dirty="0" err="1" smtClean="0"/>
+              <a:rPr lang="en-US" altLang="zh-CN" sz="1800" b="1" dirty="0" err="1"/>
               <a:t>uang</a:t>
             </a:r>
             <a:endParaRPr lang="en-US" sz="1800" b="1" dirty="0"/>
@@ -37322,7 +36457,7 @@
           <a:lstStyle/>
           <a:p>
             <a:r>
-              <a:rPr lang="en-US" altLang="zh-CN" sz="1800" b="1" dirty="0" smtClean="0"/>
+              <a:rPr lang="en-US" altLang="zh-CN" sz="1800" b="1" dirty="0"/>
               <a:t>,</a:t>
             </a:r>
             <a:endParaRPr lang="en-US" sz="1800" b="1" dirty="0"/>
@@ -37448,13 +36583,6 @@
   <p:clrMapOvr>
     <a:masterClrMapping/>
   </p:clrMapOvr>
-  <p:timing>
-    <p:tnLst>
-      <p:par>
-        <p:cTn xmlns:p14="http://schemas.microsoft.com/office/powerpoint/2010/main" id="1" dur="indefinite" restart="never" nodeType="tmRoot"/>
-      </p:par>
-    </p:tnLst>
-  </p:timing>
 </p:sld>
 </file>
 
@@ -37491,10 +36619,9 @@
           <a:lstStyle/>
           <a:p>
             <a:r>
-              <a:rPr lang="en-US" dirty="0" smtClean="0"/>
+              <a:rPr lang="en-US" dirty="0"/>
               <a:t>Result</a:t>
             </a:r>
-            <a:endParaRPr lang="en-US" dirty="0"/>
           </a:p>
         </p:txBody>
       </p:sp>
@@ -37576,7 +36703,7 @@
           <a:p>
             <a:pPr marL="0" indent="457200"/>
             <a:r>
-              <a:rPr lang="en-US" sz="2000" dirty="0" smtClean="0">
+              <a:rPr lang="en-US" sz="2000" dirty="0">
                 <a:solidFill>
                   <a:schemeClr val="tx1"/>
                 </a:solidFill>
@@ -37584,7 +36711,7 @@
               <a:t>RNN</a:t>
             </a:r>
             <a:r>
-              <a:rPr lang="zh-CN" altLang="en-US" sz="2000" dirty="0" smtClean="0">
+              <a:rPr lang="zh-CN" altLang="en-US" sz="2000" dirty="0">
                 <a:solidFill>
                   <a:schemeClr val="tx1"/>
                 </a:solidFill>
@@ -37592,7 +36719,7 @@
               <a:t> </a:t>
             </a:r>
             <a:r>
-              <a:rPr lang="en-US" altLang="zh-CN" sz="2000" dirty="0" smtClean="0">
+              <a:rPr lang="en-US" altLang="zh-CN" sz="2000" dirty="0">
                 <a:solidFill>
                   <a:schemeClr val="tx1"/>
                 </a:solidFill>
@@ -37600,7 +36727,7 @@
               <a:t>Model</a:t>
             </a:r>
             <a:r>
-              <a:rPr lang="en-US" sz="2000" dirty="0" smtClean="0">
+              <a:rPr lang="en-US" sz="2000" dirty="0">
                 <a:solidFill>
                   <a:schemeClr val="tx1"/>
                 </a:solidFill>
@@ -37632,7 +36759,7 @@
               <a:t>浣溪沙</a:t>
             </a:r>
             <a:r>
-              <a:rPr lang="en-US" sz="2000" dirty="0" smtClean="0">
+              <a:rPr lang="en-US" sz="2000" dirty="0">
                 <a:solidFill>
                   <a:schemeClr val="tx1"/>
                 </a:solidFill>
@@ -37640,7 +36767,7 @@
               <a:t>)</a:t>
             </a:r>
             <a:r>
-              <a:rPr lang="zh-CN" altLang="en-US" sz="2000" dirty="0" smtClean="0">
+              <a:rPr lang="zh-CN" altLang="en-US" sz="2000" dirty="0">
                 <a:solidFill>
                   <a:schemeClr val="tx1"/>
                 </a:solidFill>
@@ -37760,7 +36887,7 @@
               </a:rPr>
               <a:t>.</a:t>
             </a:r>
-            <a:endParaRPr lang="en-US" altLang="zh-TW" sz="2000" b="1" dirty="0" smtClean="0">
+            <a:endParaRPr lang="en-US" altLang="zh-TW" sz="2000" b="1" dirty="0">
               <a:solidFill>
                 <a:srgbClr val="404040"/>
               </a:solidFill>
@@ -37878,21 +37005,22 @@
       </p:sp>
       <p:pic>
         <p:nvPicPr>
-          <p:cNvPr id="3" name="Picture 2"/>
+          <p:cNvPr id="2" name="Picture 1"/>
           <p:cNvPicPr>
             <a:picLocks noChangeAspect="1"/>
           </p:cNvPicPr>
           <p:nvPr/>
         </p:nvPicPr>
-        <p:blipFill rotWithShape="1">
+        <p:blipFill>
           <a:blip r:embed="rId3"/>
-          <a:srcRect l="8562" t="5561" r="25828" b="12527"/>
-          <a:stretch/>
+          <a:stretch>
+            <a:fillRect/>
+          </a:stretch>
         </p:blipFill>
         <p:spPr>
           <a:xfrm>
-            <a:off x="3616476" y="1590106"/>
-            <a:ext cx="5338680" cy="4574722"/>
+            <a:off x="1456248" y="1456590"/>
+            <a:ext cx="6231503" cy="5264860"/>
           </a:xfrm>
           <a:prstGeom prst="rect">
             <a:avLst/>
@@ -37909,13 +37037,6 @@
   <p:clrMapOvr>
     <a:masterClrMapping/>
   </p:clrMapOvr>
-  <p:timing>
-    <p:tnLst>
-      <p:par>
-        <p:cTn xmlns:p14="http://schemas.microsoft.com/office/powerpoint/2010/main" id="1" dur="indefinite" restart="never" nodeType="tmRoot"/>
-      </p:par>
-    </p:tnLst>
-  </p:timing>
 </p:sld>
 </file>
 
@@ -38083,15 +37204,6 @@
               <a:buSzTx/>
               <a:buNone/>
             </a:pPr>
-            <a:r>
-              <a:rPr lang="en-US" altLang="en-US" sz="2000" dirty="0">
-                <a:solidFill>
-                  <a:schemeClr val="tx1"/>
-                </a:solidFill>
-                <a:latin typeface="Arial" panose="020B0604020202020204" pitchFamily="34" charset="0"/>
-              </a:rPr>
-              <a:t/>
-            </a:r>
             <a:br>
               <a:rPr lang="en-US" altLang="en-US" sz="2000" dirty="0">
                 <a:solidFill>
@@ -38558,7 +37670,7 @@
         </p:nvGraphicFramePr>
         <p:xfrm>
           <a:off x="904260" y="2374439"/>
-          <a:ext cx="7335480" cy="692247"/>
+          <a:ext cx="7335480" cy="692248"/>
         </p:xfrm>
         <a:graphic>
           <a:graphicData uri="http://schemas.openxmlformats.org/drawingml/2006/table">
@@ -38570,35 +37682,35 @@
                 <a:gridCol w="1467096">
                   <a:extLst>
                     <a:ext uri="{9D8B030D-6E8A-4147-A177-3AD203B41FA5}">
-                      <a16:colId xmlns="" xmlns:a16="http://schemas.microsoft.com/office/drawing/2014/main" val="3968528018"/>
+                      <a16:colId xmlns:a16="http://schemas.microsoft.com/office/drawing/2014/main" val="3968528018"/>
                     </a:ext>
                   </a:extLst>
                 </a:gridCol>
                 <a:gridCol w="1467096">
                   <a:extLst>
                     <a:ext uri="{9D8B030D-6E8A-4147-A177-3AD203B41FA5}">
-                      <a16:colId xmlns="" xmlns:a16="http://schemas.microsoft.com/office/drawing/2014/main" val="4051269416"/>
+                      <a16:colId xmlns:a16="http://schemas.microsoft.com/office/drawing/2014/main" val="4051269416"/>
                     </a:ext>
                   </a:extLst>
                 </a:gridCol>
                 <a:gridCol w="1467096">
                   <a:extLst>
                     <a:ext uri="{9D8B030D-6E8A-4147-A177-3AD203B41FA5}">
-                      <a16:colId xmlns="" xmlns:a16="http://schemas.microsoft.com/office/drawing/2014/main" val="2425722785"/>
+                      <a16:colId xmlns:a16="http://schemas.microsoft.com/office/drawing/2014/main" val="2425722785"/>
                     </a:ext>
                   </a:extLst>
                 </a:gridCol>
                 <a:gridCol w="1467096">
                   <a:extLst>
                     <a:ext uri="{9D8B030D-6E8A-4147-A177-3AD203B41FA5}">
-                      <a16:colId xmlns="" xmlns:a16="http://schemas.microsoft.com/office/drawing/2014/main" val="3557478591"/>
+                      <a16:colId xmlns:a16="http://schemas.microsoft.com/office/drawing/2014/main" val="3557478591"/>
                     </a:ext>
                   </a:extLst>
                 </a:gridCol>
                 <a:gridCol w="1467096">
                   <a:extLst>
                     <a:ext uri="{9D8B030D-6E8A-4147-A177-3AD203B41FA5}">
-                      <a16:colId xmlns="" xmlns:a16="http://schemas.microsoft.com/office/drawing/2014/main" val="170161008"/>
+                      <a16:colId xmlns:a16="http://schemas.microsoft.com/office/drawing/2014/main" val="170161008"/>
                     </a:ext>
                   </a:extLst>
                 </a:gridCol>
@@ -38721,7 +37833,7 @@
                 </a:tc>
                 <a:extLst>
                   <a:ext uri="{0D108BD9-81ED-4DB2-BD59-A6C34878D82A}">
-                    <a16:rowId xmlns="" xmlns:a16="http://schemas.microsoft.com/office/drawing/2014/main" val="3018530476"/>
+                    <a16:rowId xmlns:a16="http://schemas.microsoft.com/office/drawing/2014/main" val="3018530476"/>
                   </a:ext>
                 </a:extLst>
               </a:tr>
@@ -38843,7 +37955,7 @@
                 </a:tc>
                 <a:extLst>
                   <a:ext uri="{0D108BD9-81ED-4DB2-BD59-A6C34878D82A}">
-                    <a16:rowId xmlns="" xmlns:a16="http://schemas.microsoft.com/office/drawing/2014/main" val="1837156829"/>
+                    <a16:rowId xmlns:a16="http://schemas.microsoft.com/office/drawing/2014/main" val="1837156829"/>
                   </a:ext>
                 </a:extLst>
               </a:tr>
@@ -38861,13 +37973,6 @@
   <p:clrMapOvr>
     <a:masterClrMapping/>
   </p:clrMapOvr>
-  <p:timing>
-    <p:tnLst>
-      <p:par>
-        <p:cTn xmlns:p14="http://schemas.microsoft.com/office/powerpoint/2010/main" id="1" dur="indefinite" restart="never" nodeType="tmRoot"/>
-      </p:par>
-    </p:tnLst>
-  </p:timing>
 </p:sld>
 </file>
 
@@ -38904,10 +38009,9 @@
           <a:lstStyle/>
           <a:p>
             <a:r>
-              <a:rPr lang="en-US" dirty="0" smtClean="0"/>
+              <a:rPr lang="en-US" dirty="0"/>
               <a:t>Approaches</a:t>
             </a:r>
-            <a:endParaRPr lang="en-US" dirty="0"/>
           </a:p>
         </p:txBody>
       </p:sp>
@@ -39035,10 +38139,9 @@
           <a:lstStyle/>
           <a:p>
             <a:r>
-              <a:rPr lang="en-US" dirty="0" smtClean="0"/>
+              <a:rPr lang="en-US" dirty="0"/>
               <a:t>Approaches</a:t>
             </a:r>
-            <a:endParaRPr lang="en-US" dirty="0"/>
           </a:p>
         </p:txBody>
       </p:sp>
@@ -39216,7 +38319,7 @@
               </a:rPr>
               <a:t>7</a:t>
             </a:fld>
-            <a:endParaRPr lang="en-US" sz="1200" b="0" i="0" u="none" strike="noStrike" cap="none">
+            <a:endParaRPr lang="en-US" sz="1200" b="0" i="0" u="none" strike="noStrike" cap="none" dirty="0">
               <a:solidFill>
                 <a:srgbClr val="595959"/>
               </a:solidFill>
@@ -39260,7 +38363,7 @@
         </p:nvSpPr>
         <p:spPr>
           <a:xfrm>
-            <a:off x="457200" y="6177183"/>
+            <a:off x="228599" y="6582975"/>
             <a:ext cx="8686801" cy="276999"/>
           </a:xfrm>
           <a:prstGeom prst="rect">
@@ -39325,7 +38428,7 @@
                 </a:solidFill>
                 <a:latin typeface="Arial" panose="020B0604020202020204" pitchFamily="34" charset="0"/>
               </a:rPr>
-              <a:t> Generation. (2010)”</a:t>
+              <a:t> Generation.” (2010)</a:t>
             </a:r>
             <a:endParaRPr lang="en-US" sz="1200" dirty="0"/>
           </a:p>
@@ -39341,13 +38444,6 @@
   <p:clrMapOvr>
     <a:masterClrMapping/>
   </p:clrMapOvr>
-  <p:timing>
-    <p:tnLst>
-      <p:par>
-        <p:cTn xmlns:p14="http://schemas.microsoft.com/office/powerpoint/2010/main" id="1" dur="indefinite" restart="never" nodeType="tmRoot"/>
-      </p:par>
-    </p:tnLst>
-  </p:timing>
 </p:sld>
 </file>
 
@@ -39384,10 +38480,9 @@
           <a:lstStyle/>
           <a:p>
             <a:r>
-              <a:rPr lang="en-US" dirty="0" smtClean="0"/>
+              <a:rPr lang="en-US" dirty="0"/>
               <a:t>Approaches</a:t>
             </a:r>
-            <a:endParaRPr lang="en-US" dirty="0"/>
           </a:p>
         </p:txBody>
       </p:sp>
@@ -39515,7 +38610,7 @@
           <a:lstStyle/>
           <a:p>
             <a:r>
-              <a:rPr lang="en-US" dirty="0" smtClean="0">
+              <a:rPr lang="en-US" dirty="0">
                 <a:solidFill>
                   <a:srgbClr val="FF0000"/>
                 </a:solidFill>
@@ -39523,11 +38618,11 @@
               <a:t>R</a:t>
             </a:r>
             <a:r>
-              <a:rPr lang="en-US" dirty="0" smtClean="0"/>
+              <a:rPr lang="en-US" dirty="0"/>
               <a:t>ecurrent </a:t>
             </a:r>
             <a:r>
-              <a:rPr lang="en-US" dirty="0" smtClean="0">
+              <a:rPr lang="en-US" dirty="0">
                 <a:solidFill>
                   <a:srgbClr val="FF0000"/>
                 </a:solidFill>
@@ -39535,11 +38630,11 @@
               <a:t>N</a:t>
             </a:r>
             <a:r>
-              <a:rPr lang="en-US" dirty="0" smtClean="0"/>
+              <a:rPr lang="en-US" dirty="0"/>
               <a:t>eural </a:t>
             </a:r>
             <a:r>
-              <a:rPr lang="en-US" dirty="0" smtClean="0">
+              <a:rPr lang="en-US" dirty="0">
                 <a:solidFill>
                   <a:srgbClr val="FF0000"/>
                 </a:solidFill>
@@ -39547,10 +38642,9 @@
               <a:t>N</a:t>
             </a:r>
             <a:r>
-              <a:rPr lang="en-US" dirty="0" smtClean="0"/>
+              <a:rPr lang="en-US" dirty="0"/>
               <a:t>etwork</a:t>
             </a:r>
-            <a:endParaRPr lang="en-US" dirty="0"/>
           </a:p>
         </p:txBody>
       </p:sp>
@@ -39650,13 +38744,6 @@
   <p:clrMapOvr>
     <a:masterClrMapping/>
   </p:clrMapOvr>
-  <p:timing>
-    <p:tnLst>
-      <p:par>
-        <p:cTn xmlns:p14="http://schemas.microsoft.com/office/powerpoint/2010/main" id="1" dur="indefinite" restart="never" nodeType="tmRoot"/>
-      </p:par>
-    </p:tnLst>
-  </p:timing>
 </p:sld>
 </file>
 

--- a/Wei-GA.pptx
+++ b/Wei-GA.pptx
@@ -21,17 +21,17 @@
     <p:sldId id="359" r:id="rId12"/>
     <p:sldId id="384" r:id="rId13"/>
     <p:sldId id="376" r:id="rId14"/>
-    <p:sldId id="377" r:id="rId15"/>
-    <p:sldId id="378" r:id="rId16"/>
-    <p:sldId id="386" r:id="rId17"/>
-    <p:sldId id="389" r:id="rId18"/>
-    <p:sldId id="379" r:id="rId19"/>
-    <p:sldId id="387" r:id="rId20"/>
-    <p:sldId id="369" r:id="rId21"/>
-    <p:sldId id="370" r:id="rId22"/>
-    <p:sldId id="371" r:id="rId23"/>
-    <p:sldId id="372" r:id="rId24"/>
-    <p:sldId id="375" r:id="rId25"/>
+    <p:sldId id="378" r:id="rId15"/>
+    <p:sldId id="386" r:id="rId16"/>
+    <p:sldId id="389" r:id="rId17"/>
+    <p:sldId id="379" r:id="rId18"/>
+    <p:sldId id="387" r:id="rId19"/>
+    <p:sldId id="369" r:id="rId20"/>
+    <p:sldId id="370" r:id="rId21"/>
+    <p:sldId id="371" r:id="rId22"/>
+    <p:sldId id="372" r:id="rId23"/>
+    <p:sldId id="375" r:id="rId24"/>
+    <p:sldId id="377" r:id="rId25"/>
   </p:sldIdLst>
   <p:sldSz cx="9144000" cy="6858000" type="screen4x3"/>
   <p:notesSz cx="6858000" cy="9144000"/>
@@ -4848,7 +4848,7 @@
   <dgm:whole/>
   <dgm:extLst>
     <a:ext uri="http://schemas.microsoft.com/office/drawing/2008/diagram">
-      <dsp:dataModelExt xmlns:dsp="http://schemas.microsoft.com/office/drawing/2008/diagram" relId="rId6" minVer="http://schemas.openxmlformats.org/drawingml/2006/diagram"/>
+      <dsp:dataModelExt xmlns:dsp="http://schemas.microsoft.com/office/drawing/2008/diagram" relId="rId7" minVer="http://schemas.openxmlformats.org/drawingml/2006/diagram"/>
     </a:ext>
   </dgm:extLst>
 </dgm:dataModel>
@@ -15942,6 +15942,275 @@
           <a:bodyPr/>
           <a:lstStyle/>
           <a:p>
+            <a:r>
+              <a:rPr lang="en-US" dirty="0"/>
+              <a:t>Perform well</a:t>
+            </a:r>
+          </a:p>
+          <a:p>
+            <a:r>
+              <a:rPr lang="en-US" dirty="0"/>
+              <a:t>Strictly follows format</a:t>
+            </a:r>
+          </a:p>
+          <a:p>
+            <a:r>
+              <a:rPr lang="en-US" dirty="0"/>
+              <a:t>Meaningful poem.</a:t>
+            </a:r>
+          </a:p>
+          <a:p>
+            <a:r>
+              <a:rPr lang="en-US" altLang="zh-CN" dirty="0"/>
+              <a:t>It need a</a:t>
+            </a:r>
+            <a:r>
+              <a:rPr lang="en-US" dirty="0"/>
+              <a:t> large set of prior information.</a:t>
+            </a:r>
+          </a:p>
+        </p:txBody>
+      </p:sp>
+      <p:sp>
+        <p:nvSpPr>
+          <p:cNvPr id="4" name="Slide Number Placeholder 3"/>
+          <p:cNvSpPr>
+            <a:spLocks noGrp="1"/>
+          </p:cNvSpPr>
+          <p:nvPr>
+            <p:ph type="sldNum" idx="10"/>
+          </p:nvPr>
+        </p:nvSpPr>
+        <p:spPr/>
+        <p:txBody>
+          <a:bodyPr/>
+          <a:lstStyle/>
+          <a:p>
+            <a:pPr marL="0" marR="0" lvl="0" indent="0" algn="r" rtl="0">
+              <a:lnSpc>
+                <a:spcPct val="100000"/>
+              </a:lnSpc>
+              <a:spcBef>
+                <a:spcPts val="0"/>
+              </a:spcBef>
+              <a:spcAft>
+                <a:spcPts val="0"/>
+              </a:spcAft>
+              <a:buClr>
+                <a:schemeClr val="dk1"/>
+              </a:buClr>
+              <a:buSzPct val="25000"/>
+              <a:buFont typeface="Arial"/>
+              <a:buNone/>
+            </a:pPr>
+            <a:fld id="{00000000-1234-1234-1234-123412341234}" type="slidenum">
+              <a:rPr lang="en-US" sz="1200" b="0" i="0" u="none" strike="noStrike" cap="none" smtClean="0">
+                <a:solidFill>
+                  <a:schemeClr val="dk1"/>
+                </a:solidFill>
+                <a:latin typeface="Arial"/>
+                <a:ea typeface="Arial"/>
+                <a:cs typeface="Arial"/>
+                <a:sym typeface="Arial"/>
+              </a:rPr>
+              <a:t>15</a:t>
+            </a:fld>
+            <a:endParaRPr lang="en-US" sz="1200" b="0" i="0" u="none" strike="noStrike" cap="none">
+              <a:solidFill>
+                <a:schemeClr val="dk1"/>
+              </a:solidFill>
+              <a:latin typeface="Arial"/>
+              <a:ea typeface="Arial"/>
+              <a:cs typeface="Arial"/>
+              <a:sym typeface="Arial"/>
+            </a:endParaRPr>
+          </a:p>
+        </p:txBody>
+      </p:sp>
+    </p:spTree>
+    <p:extLst>
+      <p:ext uri="{BB962C8B-B14F-4D97-AF65-F5344CB8AC3E}">
+        <p14:creationId xmlns:p14="http://schemas.microsoft.com/office/powerpoint/2010/main" val="2583591027"/>
+      </p:ext>
+    </p:extLst>
+  </p:cSld>
+  <p:clrMapOvr>
+    <a:masterClrMapping/>
+  </p:clrMapOvr>
+</p:notes>
+</file>
+
+<file path=ppt/notesSlides/notesSlide11.xml><?xml version="1.0" encoding="utf-8"?>
+<p:notes xmlns:a="http://schemas.openxmlformats.org/drawingml/2006/main" xmlns:r="http://schemas.openxmlformats.org/officeDocument/2006/relationships" xmlns:p="http://schemas.openxmlformats.org/presentationml/2006/main">
+  <p:cSld>
+    <p:spTree>
+      <p:nvGrpSpPr>
+        <p:cNvPr id="1" name=""/>
+        <p:cNvGrpSpPr/>
+        <p:nvPr/>
+      </p:nvGrpSpPr>
+      <p:grpSpPr>
+        <a:xfrm>
+          <a:off x="0" y="0"/>
+          <a:ext cx="0" cy="0"/>
+          <a:chOff x="0" y="0"/>
+          <a:chExt cx="0" cy="0"/>
+        </a:xfrm>
+      </p:grpSpPr>
+      <p:sp>
+        <p:nvSpPr>
+          <p:cNvPr id="2" name="Slide Image Placeholder 1"/>
+          <p:cNvSpPr>
+            <a:spLocks noGrp="1" noRot="1" noChangeAspect="1"/>
+          </p:cNvSpPr>
+          <p:nvPr>
+            <p:ph type="sldImg"/>
+          </p:nvPr>
+        </p:nvSpPr>
+        <p:spPr>
+          <a:xfrm>
+            <a:off x="1371600" y="1143000"/>
+            <a:ext cx="4114800" cy="3086100"/>
+          </a:xfrm>
+        </p:spPr>
+      </p:sp>
+      <p:sp>
+        <p:nvSpPr>
+          <p:cNvPr id="3" name="Notes Placeholder 2"/>
+          <p:cNvSpPr>
+            <a:spLocks noGrp="1"/>
+          </p:cNvSpPr>
+          <p:nvPr>
+            <p:ph type="body" idx="1"/>
+          </p:nvPr>
+        </p:nvSpPr>
+        <p:spPr/>
+        <p:txBody>
+          <a:bodyPr/>
+          <a:lstStyle/>
+          <a:p>
+            <a:endParaRPr lang="en-US" dirty="0"/>
+          </a:p>
+        </p:txBody>
+      </p:sp>
+      <p:sp>
+        <p:nvSpPr>
+          <p:cNvPr id="4" name="Slide Number Placeholder 3"/>
+          <p:cNvSpPr>
+            <a:spLocks noGrp="1"/>
+          </p:cNvSpPr>
+          <p:nvPr>
+            <p:ph type="sldNum" idx="10"/>
+          </p:nvPr>
+        </p:nvSpPr>
+        <p:spPr/>
+        <p:txBody>
+          <a:bodyPr/>
+          <a:lstStyle/>
+          <a:p>
+            <a:pPr marL="0" marR="0" lvl="0" indent="0" algn="r" rtl="0">
+              <a:lnSpc>
+                <a:spcPct val="100000"/>
+              </a:lnSpc>
+              <a:spcBef>
+                <a:spcPts val="0"/>
+              </a:spcBef>
+              <a:spcAft>
+                <a:spcPts val="0"/>
+              </a:spcAft>
+              <a:buClr>
+                <a:schemeClr val="dk1"/>
+              </a:buClr>
+              <a:buSzPct val="25000"/>
+              <a:buFont typeface="Arial"/>
+              <a:buNone/>
+            </a:pPr>
+            <a:fld id="{00000000-1234-1234-1234-123412341234}" type="slidenum">
+              <a:rPr lang="en-US" sz="1200" b="0" i="0" u="none" strike="noStrike" cap="none" smtClean="0">
+                <a:solidFill>
+                  <a:schemeClr val="dk1"/>
+                </a:solidFill>
+                <a:latin typeface="Arial"/>
+                <a:ea typeface="Arial"/>
+                <a:cs typeface="Arial"/>
+                <a:sym typeface="Arial"/>
+              </a:rPr>
+              <a:t>16</a:t>
+            </a:fld>
+            <a:endParaRPr lang="en-US" sz="1200" b="0" i="0" u="none" strike="noStrike" cap="none">
+              <a:solidFill>
+                <a:schemeClr val="dk1"/>
+              </a:solidFill>
+              <a:latin typeface="Arial"/>
+              <a:ea typeface="Arial"/>
+              <a:cs typeface="Arial"/>
+              <a:sym typeface="Arial"/>
+            </a:endParaRPr>
+          </a:p>
+        </p:txBody>
+      </p:sp>
+    </p:spTree>
+    <p:extLst>
+      <p:ext uri="{BB962C8B-B14F-4D97-AF65-F5344CB8AC3E}">
+        <p14:creationId xmlns:p14="http://schemas.microsoft.com/office/powerpoint/2010/main" val="1139466394"/>
+      </p:ext>
+    </p:extLst>
+  </p:cSld>
+  <p:clrMapOvr>
+    <a:masterClrMapping/>
+  </p:clrMapOvr>
+</p:notes>
+</file>
+
+<file path=ppt/notesSlides/notesSlide12.xml><?xml version="1.0" encoding="utf-8"?>
+<p:notes xmlns:a="http://schemas.openxmlformats.org/drawingml/2006/main" xmlns:r="http://schemas.openxmlformats.org/officeDocument/2006/relationships" xmlns:p="http://schemas.openxmlformats.org/presentationml/2006/main">
+  <p:cSld>
+    <p:spTree>
+      <p:nvGrpSpPr>
+        <p:cNvPr id="1" name=""/>
+        <p:cNvGrpSpPr/>
+        <p:nvPr/>
+      </p:nvGrpSpPr>
+      <p:grpSpPr>
+        <a:xfrm>
+          <a:off x="0" y="0"/>
+          <a:ext cx="0" cy="0"/>
+          <a:chOff x="0" y="0"/>
+          <a:chExt cx="0" cy="0"/>
+        </a:xfrm>
+      </p:grpSpPr>
+      <p:sp>
+        <p:nvSpPr>
+          <p:cNvPr id="2" name="Slide Image Placeholder 1"/>
+          <p:cNvSpPr>
+            <a:spLocks noGrp="1" noRot="1" noChangeAspect="1"/>
+          </p:cNvSpPr>
+          <p:nvPr>
+            <p:ph type="sldImg"/>
+          </p:nvPr>
+        </p:nvSpPr>
+        <p:spPr>
+          <a:xfrm>
+            <a:off x="1371600" y="1143000"/>
+            <a:ext cx="4114800" cy="3086100"/>
+          </a:xfrm>
+        </p:spPr>
+      </p:sp>
+      <p:sp>
+        <p:nvSpPr>
+          <p:cNvPr id="3" name="Notes Placeholder 2"/>
+          <p:cNvSpPr>
+            <a:spLocks noGrp="1"/>
+          </p:cNvSpPr>
+          <p:nvPr>
+            <p:ph type="body" idx="1"/>
+          </p:nvPr>
+        </p:nvSpPr>
+        <p:spPr/>
+        <p:txBody>
+          <a:bodyPr/>
+          <a:lstStyle/>
+          <a:p>
             <a:endParaRPr lang="en-AU" sz="1200" b="0" i="0" u="none" strike="noStrike" kern="1200" cap="none" dirty="0">
               <a:solidFill>
                 <a:schemeClr val="dk1"/>
@@ -16000,7 +16269,7 @@
                 <a:cs typeface="Arial"/>
                 <a:sym typeface="Arial"/>
               </a:rPr>
-              <a:t>23</a:t>
+              <a:t>22</a:t>
             </a:fld>
             <a:endParaRPr lang="en-US" sz="1200" b="0" i="0" u="none" strike="noStrike" cap="none">
               <a:solidFill>
@@ -16018,6 +16287,123 @@
     <p:extLst>
       <p:ext uri="{BB962C8B-B14F-4D97-AF65-F5344CB8AC3E}">
         <p14:creationId xmlns:p14="http://schemas.microsoft.com/office/powerpoint/2010/main" val="4203073278"/>
+      </p:ext>
+    </p:extLst>
+  </p:cSld>
+  <p:clrMapOvr>
+    <a:masterClrMapping/>
+  </p:clrMapOvr>
+</p:notes>
+</file>
+
+<file path=ppt/notesSlides/notesSlide13.xml><?xml version="1.0" encoding="utf-8"?>
+<p:notes xmlns:a="http://schemas.openxmlformats.org/drawingml/2006/main" xmlns:r="http://schemas.openxmlformats.org/officeDocument/2006/relationships" xmlns:p="http://schemas.openxmlformats.org/presentationml/2006/main">
+  <p:cSld>
+    <p:spTree>
+      <p:nvGrpSpPr>
+        <p:cNvPr id="1" name=""/>
+        <p:cNvGrpSpPr/>
+        <p:nvPr/>
+      </p:nvGrpSpPr>
+      <p:grpSpPr>
+        <a:xfrm>
+          <a:off x="0" y="0"/>
+          <a:ext cx="0" cy="0"/>
+          <a:chOff x="0" y="0"/>
+          <a:chExt cx="0" cy="0"/>
+        </a:xfrm>
+      </p:grpSpPr>
+      <p:sp>
+        <p:nvSpPr>
+          <p:cNvPr id="2" name="Slide Image Placeholder 1"/>
+          <p:cNvSpPr>
+            <a:spLocks noGrp="1" noRot="1" noChangeAspect="1"/>
+          </p:cNvSpPr>
+          <p:nvPr>
+            <p:ph type="sldImg"/>
+          </p:nvPr>
+        </p:nvSpPr>
+        <p:spPr/>
+      </p:sp>
+      <p:sp>
+        <p:nvSpPr>
+          <p:cNvPr id="3" name="Notes Placeholder 2"/>
+          <p:cNvSpPr>
+            <a:spLocks noGrp="1"/>
+          </p:cNvSpPr>
+          <p:nvPr>
+            <p:ph type="body" idx="1"/>
+          </p:nvPr>
+        </p:nvSpPr>
+        <p:spPr/>
+        <p:txBody>
+          <a:bodyPr/>
+          <a:lstStyle/>
+          <a:p>
+            <a:endParaRPr lang="en-US" dirty="0"/>
+          </a:p>
+        </p:txBody>
+      </p:sp>
+      <p:sp>
+        <p:nvSpPr>
+          <p:cNvPr id="4" name="Slide Number Placeholder 3"/>
+          <p:cNvSpPr>
+            <a:spLocks noGrp="1"/>
+          </p:cNvSpPr>
+          <p:nvPr>
+            <p:ph type="sldNum" idx="10"/>
+          </p:nvPr>
+        </p:nvSpPr>
+        <p:spPr/>
+        <p:txBody>
+          <a:bodyPr/>
+          <a:lstStyle/>
+          <a:p>
+            <a:pPr marL="0" marR="0" lvl="0" indent="0" algn="r" rtl="0">
+              <a:lnSpc>
+                <a:spcPct val="100000"/>
+              </a:lnSpc>
+              <a:spcBef>
+                <a:spcPts val="0"/>
+              </a:spcBef>
+              <a:spcAft>
+                <a:spcPts val="0"/>
+              </a:spcAft>
+              <a:buClr>
+                <a:schemeClr val="dk1"/>
+              </a:buClr>
+              <a:buSzPct val="25000"/>
+              <a:buFont typeface="Arial"/>
+              <a:buNone/>
+            </a:pPr>
+            <a:fld id="{00000000-1234-1234-1234-123412341234}" type="slidenum">
+              <a:rPr lang="en-US" sz="1200" b="0" i="0" u="none" strike="noStrike" cap="none" smtClean="0">
+                <a:solidFill>
+                  <a:schemeClr val="dk1"/>
+                </a:solidFill>
+                <a:latin typeface="Arial"/>
+                <a:ea typeface="Arial"/>
+                <a:cs typeface="Arial"/>
+                <a:sym typeface="Arial"/>
+              </a:rPr>
+              <a:t>24</a:t>
+            </a:fld>
+            <a:endParaRPr lang="en-US" sz="1200" b="0" i="0" u="none" strike="noStrike" cap="none">
+              <a:solidFill>
+                <a:schemeClr val="dk1"/>
+              </a:solidFill>
+              <a:latin typeface="Arial"/>
+              <a:ea typeface="Arial"/>
+              <a:cs typeface="Arial"/>
+              <a:sym typeface="Arial"/>
+            </a:endParaRPr>
+          </a:p>
+        </p:txBody>
+      </p:sp>
+    </p:spTree>
+    <p:extLst>
+      <p:ext uri="{BB962C8B-B14F-4D97-AF65-F5344CB8AC3E}">
+        <p14:creationId xmlns:p14="http://schemas.microsoft.com/office/powerpoint/2010/main" val="1232426258"/>
       </p:ext>
     </p:extLst>
   </p:cSld>
@@ -16812,12 +17198,7 @@
             <p:ph type="sldImg"/>
           </p:nvPr>
         </p:nvSpPr>
-        <p:spPr>
-          <a:xfrm>
-            <a:off x="1371600" y="1143000"/>
-            <a:ext cx="4114800" cy="3086100"/>
-          </a:xfrm>
-        </p:spPr>
+        <p:spPr/>
       </p:sp>
       <p:sp>
         <p:nvSpPr>
@@ -16833,332 +17214,6 @@
         <p:txBody>
           <a:bodyPr/>
           <a:lstStyle/>
-          <a:p>
-            <a:r>
-              <a:rPr lang="en-US" dirty="0"/>
-              <a:t>A recurrent neural network can be thought of as multiple copies of the same network</a:t>
-            </a:r>
-            <a:r>
-              <a:rPr lang="zh-CN" altLang="en-US" dirty="0"/>
-              <a:t> </a:t>
-            </a:r>
-            <a:r>
-              <a:rPr lang="en-US" altLang="zh-CN" dirty="0"/>
-              <a:t>layer.</a:t>
-            </a:r>
-          </a:p>
-          <a:p>
-            <a:r>
-              <a:rPr lang="zh-CN" altLang="zh-CN" dirty="0"/>
-              <a:t>%</a:t>
-            </a:r>
-            <a:endParaRPr lang="en-US" altLang="zh-CN" dirty="0"/>
-          </a:p>
-          <a:p>
-            <a:r>
-              <a:rPr lang="en-US" altLang="zh-CN" dirty="0"/>
-              <a:t>Each</a:t>
-            </a:r>
-            <a:r>
-              <a:rPr lang="zh-CN" altLang="en-US" dirty="0"/>
-              <a:t> </a:t>
-            </a:r>
-            <a:r>
-              <a:rPr lang="en-US" altLang="zh-CN" dirty="0"/>
-              <a:t>layer</a:t>
-            </a:r>
-            <a:r>
-              <a:rPr lang="zh-CN" altLang="en-US" dirty="0"/>
-              <a:t> </a:t>
-            </a:r>
-            <a:r>
-              <a:rPr lang="en-US" altLang="zh-CN" dirty="0"/>
-              <a:t>has</a:t>
-            </a:r>
-            <a:r>
-              <a:rPr lang="zh-CN" altLang="en-US" dirty="0"/>
-              <a:t> </a:t>
-            </a:r>
-            <a:r>
-              <a:rPr lang="en-US" altLang="zh-CN" dirty="0"/>
-              <a:t>has</a:t>
-            </a:r>
-            <a:r>
-              <a:rPr lang="zh-CN" altLang="en-US" dirty="0"/>
-              <a:t> </a:t>
-            </a:r>
-            <a:r>
-              <a:rPr lang="en-US" altLang="zh-CN" dirty="0"/>
-              <a:t>input,</a:t>
-            </a:r>
-            <a:r>
-              <a:rPr lang="zh-CN" altLang="en-US" dirty="0"/>
-              <a:t>  </a:t>
-            </a:r>
-            <a:r>
-              <a:rPr lang="en-US" altLang="zh-CN" dirty="0"/>
-              <a:t>a</a:t>
-            </a:r>
-            <a:r>
-              <a:rPr lang="zh-CN" altLang="en-US" dirty="0"/>
-              <a:t> </a:t>
-            </a:r>
-            <a:r>
-              <a:rPr lang="en-US" altLang="zh-CN" dirty="0"/>
-              <a:t>hidden</a:t>
-            </a:r>
-            <a:r>
-              <a:rPr lang="zh-CN" altLang="en-US" dirty="0"/>
-              <a:t> </a:t>
-            </a:r>
-            <a:r>
-              <a:rPr lang="en-US" altLang="zh-CN" dirty="0"/>
-              <a:t>state,</a:t>
-            </a:r>
-            <a:r>
-              <a:rPr lang="zh-CN" altLang="en-US" dirty="0"/>
-              <a:t> </a:t>
-            </a:r>
-            <a:r>
-              <a:rPr lang="en-US" altLang="zh-CN" dirty="0"/>
-              <a:t>and</a:t>
-            </a:r>
-            <a:r>
-              <a:rPr lang="zh-CN" altLang="en-US" dirty="0"/>
-              <a:t> </a:t>
-            </a:r>
-            <a:r>
-              <a:rPr lang="en-US" altLang="zh-CN" dirty="0"/>
-              <a:t>an</a:t>
-            </a:r>
-            <a:r>
-              <a:rPr lang="zh-CN" altLang="en-US" dirty="0"/>
-              <a:t> </a:t>
-            </a:r>
-            <a:r>
-              <a:rPr lang="en-US" altLang="zh-CN" dirty="0"/>
-              <a:t>output.</a:t>
-            </a:r>
-          </a:p>
-          <a:p>
-            <a:r>
-              <a:rPr lang="en-US" altLang="zh-CN" dirty="0"/>
-              <a:t>%</a:t>
-            </a:r>
-          </a:p>
-          <a:p>
-            <a:r>
-              <a:rPr lang="en-US" dirty="0"/>
-              <a:t>At</a:t>
-            </a:r>
-            <a:r>
-              <a:rPr lang="zh-CN" altLang="en-US" dirty="0"/>
-              <a:t> </a:t>
-            </a:r>
-            <a:r>
-              <a:rPr lang="en-US" altLang="zh-CN" dirty="0"/>
-              <a:t>each</a:t>
-            </a:r>
-            <a:r>
-              <a:rPr lang="zh-CN" altLang="en-US" dirty="0"/>
-              <a:t> </a:t>
-            </a:r>
-            <a:r>
-              <a:rPr lang="en-US" altLang="zh-CN" dirty="0"/>
-              <a:t>time</a:t>
-            </a:r>
-            <a:r>
-              <a:rPr lang="zh-CN" altLang="en-US" dirty="0"/>
-              <a:t> </a:t>
-            </a:r>
-            <a:r>
-              <a:rPr lang="en-US" altLang="zh-CN" dirty="0"/>
-              <a:t>step,</a:t>
-            </a:r>
-            <a:r>
-              <a:rPr lang="zh-CN" altLang="en-US" dirty="0"/>
-              <a:t> </a:t>
-            </a:r>
-            <a:r>
-              <a:rPr lang="en-US" altLang="zh-CN" dirty="0"/>
-              <a:t>the</a:t>
-            </a:r>
-            <a:r>
-              <a:rPr lang="zh-CN" altLang="en-US" dirty="0"/>
-              <a:t> </a:t>
-            </a:r>
-            <a:r>
-              <a:rPr lang="en-US" altLang="zh-CN" dirty="0"/>
-              <a:t>current</a:t>
-            </a:r>
-            <a:r>
-              <a:rPr lang="zh-CN" altLang="en-US" dirty="0"/>
-              <a:t> </a:t>
-            </a:r>
-            <a:r>
-              <a:rPr lang="en-US" altLang="zh-CN" dirty="0"/>
-              <a:t>layer’s</a:t>
-            </a:r>
-            <a:r>
-              <a:rPr lang="zh-CN" altLang="en-US" dirty="0"/>
-              <a:t> </a:t>
-            </a:r>
-            <a:r>
-              <a:rPr lang="en-US" altLang="zh-CN" dirty="0"/>
-              <a:t>hidden</a:t>
-            </a:r>
-            <a:r>
-              <a:rPr lang="zh-CN" altLang="en-US" dirty="0"/>
-              <a:t> </a:t>
-            </a:r>
-            <a:r>
-              <a:rPr lang="en-US" altLang="zh-CN" dirty="0"/>
-              <a:t>state</a:t>
-            </a:r>
-            <a:r>
-              <a:rPr lang="zh-CN" altLang="en-US" dirty="0"/>
-              <a:t> </a:t>
-            </a:r>
-            <a:r>
-              <a:rPr lang="en-US" altLang="zh-CN" dirty="0"/>
-              <a:t>and</a:t>
-            </a:r>
-            <a:r>
-              <a:rPr lang="zh-CN" altLang="en-US" dirty="0"/>
-              <a:t> </a:t>
-            </a:r>
-            <a:r>
-              <a:rPr lang="en-US" altLang="zh-CN" dirty="0"/>
-              <a:t>output</a:t>
-            </a:r>
-            <a:r>
-              <a:rPr lang="zh-CN" altLang="en-US" dirty="0"/>
-              <a:t> </a:t>
-            </a:r>
-            <a:r>
-              <a:rPr lang="en-US" altLang="zh-CN" dirty="0"/>
-              <a:t>are</a:t>
-            </a:r>
-            <a:r>
-              <a:rPr lang="zh-CN" altLang="en-US" dirty="0"/>
-              <a:t> </a:t>
-            </a:r>
-            <a:r>
-              <a:rPr lang="en-US" altLang="zh-CN" dirty="0"/>
-              <a:t>scaled</a:t>
-            </a:r>
-            <a:r>
-              <a:rPr lang="zh-CN" altLang="en-US" dirty="0"/>
-              <a:t> </a:t>
-            </a:r>
-            <a:r>
-              <a:rPr lang="en-US" altLang="zh-CN" dirty="0"/>
-              <a:t>and</a:t>
-            </a:r>
-            <a:r>
-              <a:rPr lang="zh-CN" altLang="en-US" dirty="0"/>
-              <a:t> </a:t>
-            </a:r>
-            <a:r>
-              <a:rPr lang="en-US" altLang="zh-CN" dirty="0"/>
-              <a:t>fed</a:t>
-            </a:r>
-            <a:r>
-              <a:rPr lang="zh-CN" altLang="en-US" dirty="0"/>
-              <a:t> </a:t>
-            </a:r>
-            <a:r>
-              <a:rPr lang="en-US" altLang="zh-CN" dirty="0"/>
-              <a:t>back</a:t>
-            </a:r>
-            <a:r>
-              <a:rPr lang="zh-CN" altLang="en-US" dirty="0"/>
-              <a:t> </a:t>
-            </a:r>
-            <a:r>
-              <a:rPr lang="en-US" altLang="zh-CN" dirty="0"/>
-              <a:t>to</a:t>
-            </a:r>
-            <a:r>
-              <a:rPr lang="zh-CN" altLang="en-US" dirty="0"/>
-              <a:t> </a:t>
-            </a:r>
-            <a:r>
-              <a:rPr lang="en-US" altLang="zh-CN" dirty="0"/>
-              <a:t>the</a:t>
-            </a:r>
-            <a:r>
-              <a:rPr lang="zh-CN" altLang="en-US" dirty="0"/>
-              <a:t> </a:t>
-            </a:r>
-            <a:r>
-              <a:rPr lang="en-US" altLang="zh-CN" dirty="0"/>
-              <a:t>network</a:t>
-            </a:r>
-            <a:r>
-              <a:rPr lang="zh-CN" altLang="en-US" dirty="0"/>
-              <a:t> </a:t>
-            </a:r>
-            <a:r>
-              <a:rPr lang="en-US" altLang="zh-CN" dirty="0"/>
-              <a:t>as</a:t>
-            </a:r>
-            <a:r>
-              <a:rPr lang="zh-CN" altLang="en-US" dirty="0"/>
-              <a:t> </a:t>
-            </a:r>
-            <a:r>
-              <a:rPr lang="en-US" altLang="zh-CN" dirty="0"/>
-              <a:t>the</a:t>
-            </a:r>
-            <a:r>
-              <a:rPr lang="zh-CN" altLang="en-US" dirty="0"/>
-              <a:t> </a:t>
-            </a:r>
-            <a:r>
-              <a:rPr lang="en-US" altLang="zh-CN" dirty="0"/>
-              <a:t>input</a:t>
-            </a:r>
-            <a:r>
-              <a:rPr lang="zh-CN" altLang="en-US" dirty="0"/>
-              <a:t> </a:t>
-            </a:r>
-            <a:r>
-              <a:rPr lang="en-US" altLang="zh-CN" dirty="0"/>
-              <a:t>to</a:t>
-            </a:r>
-            <a:r>
-              <a:rPr lang="zh-CN" altLang="en-US" dirty="0"/>
-              <a:t> </a:t>
-            </a:r>
-            <a:r>
-              <a:rPr lang="en-US" altLang="zh-CN" dirty="0"/>
-              <a:t>the</a:t>
-            </a:r>
-            <a:r>
-              <a:rPr lang="zh-CN" altLang="en-US" dirty="0"/>
-              <a:t> </a:t>
-            </a:r>
-            <a:r>
-              <a:rPr lang="en-US" altLang="zh-CN" dirty="0"/>
-              <a:t>next</a:t>
-            </a:r>
-            <a:r>
-              <a:rPr lang="zh-CN" altLang="en-US" dirty="0"/>
-              <a:t> </a:t>
-            </a:r>
-            <a:r>
-              <a:rPr lang="en-US" altLang="zh-CN" dirty="0"/>
-              <a:t>layer</a:t>
-            </a:r>
-          </a:p>
-          <a:p>
-            <a:r>
-              <a:rPr lang="zh-CN" altLang="en-US" dirty="0"/>
-              <a:t> </a:t>
-            </a:r>
-            <a:endParaRPr lang="en-US" dirty="0"/>
-          </a:p>
           <a:p>
             <a:endParaRPr lang="en-US" dirty="0"/>
           </a:p>
@@ -17206,7 +17261,7 @@
                 <a:cs typeface="Arial"/>
                 <a:sym typeface="Arial"/>
               </a:rPr>
-              <a:t>9</a:t>
+              <a:t>8</a:t>
             </a:fld>
             <a:endParaRPr lang="en-US" sz="1200" b="0" i="0" u="none" strike="noStrike" cap="none">
               <a:solidFill>
@@ -17223,7 +17278,7 @@
     </p:spTree>
     <p:extLst>
       <p:ext uri="{BB962C8B-B14F-4D97-AF65-F5344CB8AC3E}">
-        <p14:creationId xmlns:p14="http://schemas.microsoft.com/office/powerpoint/2010/main" val="1474927943"/>
+        <p14:creationId xmlns:p14="http://schemas.microsoft.com/office/powerpoint/2010/main" val="1563099852"/>
       </p:ext>
     </p:extLst>
   </p:cSld>
@@ -17284,301 +17339,330 @@
           <a:p>
             <a:r>
               <a:rPr lang="en-US" dirty="0"/>
-              <a:t>https://</a:t>
-            </a:r>
-            <a:r>
-              <a:rPr lang="en-US" dirty="0" err="1"/>
-              <a:t>www.tensorflow.org</a:t>
-            </a:r>
+              <a:t>A recurrent neural network can be thought of as multiple copies of the same network</a:t>
+            </a:r>
+            <a:r>
+              <a:rPr lang="zh-CN" altLang="en-US" dirty="0"/>
+              <a:t> </a:t>
+            </a:r>
+            <a:r>
+              <a:rPr lang="en-US" altLang="zh-CN" dirty="0"/>
+              <a:t>layer.</a:t>
+            </a:r>
+          </a:p>
+          <a:p>
+            <a:r>
+              <a:rPr lang="zh-CN" altLang="zh-CN" dirty="0"/>
+              <a:t>%</a:t>
+            </a:r>
+            <a:endParaRPr lang="en-US" altLang="zh-CN" dirty="0"/>
+          </a:p>
+          <a:p>
+            <a:r>
+              <a:rPr lang="en-US" altLang="zh-CN" dirty="0"/>
+              <a:t>Each</a:t>
+            </a:r>
+            <a:r>
+              <a:rPr lang="zh-CN" altLang="en-US" dirty="0"/>
+              <a:t> </a:t>
+            </a:r>
+            <a:r>
+              <a:rPr lang="en-US" altLang="zh-CN" dirty="0"/>
+              <a:t>layer</a:t>
+            </a:r>
+            <a:r>
+              <a:rPr lang="zh-CN" altLang="en-US" dirty="0"/>
+              <a:t> </a:t>
+            </a:r>
+            <a:r>
+              <a:rPr lang="en-US" altLang="zh-CN" dirty="0"/>
+              <a:t>has</a:t>
+            </a:r>
+            <a:r>
+              <a:rPr lang="zh-CN" altLang="en-US" dirty="0"/>
+              <a:t> </a:t>
+            </a:r>
+            <a:r>
+              <a:rPr lang="en-US" altLang="zh-CN" dirty="0"/>
+              <a:t>has</a:t>
+            </a:r>
+            <a:r>
+              <a:rPr lang="zh-CN" altLang="en-US" dirty="0"/>
+              <a:t> </a:t>
+            </a:r>
+            <a:r>
+              <a:rPr lang="en-US" altLang="zh-CN" dirty="0"/>
+              <a:t>input,</a:t>
+            </a:r>
+            <a:r>
+              <a:rPr lang="zh-CN" altLang="en-US" dirty="0"/>
+              <a:t>  </a:t>
+            </a:r>
+            <a:r>
+              <a:rPr lang="en-US" altLang="zh-CN" dirty="0"/>
+              <a:t>a</a:t>
+            </a:r>
+            <a:r>
+              <a:rPr lang="zh-CN" altLang="en-US" dirty="0"/>
+              <a:t> </a:t>
+            </a:r>
+            <a:r>
+              <a:rPr lang="en-US" altLang="zh-CN" dirty="0"/>
+              <a:t>hidden</a:t>
+            </a:r>
+            <a:r>
+              <a:rPr lang="zh-CN" altLang="en-US" dirty="0"/>
+              <a:t> </a:t>
+            </a:r>
+            <a:r>
+              <a:rPr lang="en-US" altLang="zh-CN" dirty="0"/>
+              <a:t>state,</a:t>
+            </a:r>
+            <a:r>
+              <a:rPr lang="zh-CN" altLang="en-US" dirty="0"/>
+              <a:t> </a:t>
+            </a:r>
+            <a:r>
+              <a:rPr lang="en-US" altLang="zh-CN" dirty="0"/>
+              <a:t>and</a:t>
+            </a:r>
+            <a:r>
+              <a:rPr lang="zh-CN" altLang="en-US" dirty="0"/>
+              <a:t> </a:t>
+            </a:r>
+            <a:r>
+              <a:rPr lang="en-US" altLang="zh-CN" dirty="0"/>
+              <a:t>an</a:t>
+            </a:r>
+            <a:r>
+              <a:rPr lang="zh-CN" altLang="en-US" dirty="0"/>
+              <a:t> </a:t>
+            </a:r>
+            <a:r>
+              <a:rPr lang="en-US" altLang="zh-CN" dirty="0"/>
+              <a:t>output.</a:t>
+            </a:r>
+          </a:p>
+          <a:p>
+            <a:r>
+              <a:rPr lang="en-US" altLang="zh-CN" dirty="0"/>
+              <a:t>%</a:t>
+            </a:r>
+          </a:p>
+          <a:p>
             <a:r>
               <a:rPr lang="en-US" dirty="0"/>
-              <a:t>/</a:t>
-            </a:r>
-            <a:r>
-              <a:rPr lang="en-US" dirty="0" err="1"/>
-              <a:t>api_docs</a:t>
-            </a:r>
-            <a:r>
-              <a:rPr lang="en-US" dirty="0"/>
-              <a:t>/python/</a:t>
-            </a:r>
-            <a:r>
-              <a:rPr lang="en-US" dirty="0" err="1"/>
-              <a:t>tf</a:t>
-            </a:r>
-            <a:r>
-              <a:rPr lang="en-US" dirty="0"/>
-              <a:t>/</a:t>
-            </a:r>
-            <a:r>
-              <a:rPr lang="en-US" dirty="0" err="1"/>
-              <a:t>nn</a:t>
-            </a:r>
-            <a:r>
-              <a:rPr lang="en-US" dirty="0"/>
-              <a:t>/</a:t>
-            </a:r>
-            <a:r>
-              <a:rPr lang="en-US" dirty="0" err="1"/>
-              <a:t>softmax_cross_entropy_with_logits</a:t>
+              <a:t>At</a:t>
+            </a:r>
+            <a:r>
+              <a:rPr lang="zh-CN" altLang="en-US" dirty="0"/>
+              <a:t> </a:t>
+            </a:r>
+            <a:r>
+              <a:rPr lang="en-US" altLang="zh-CN" dirty="0"/>
+              <a:t>each</a:t>
+            </a:r>
+            <a:r>
+              <a:rPr lang="zh-CN" altLang="en-US" dirty="0"/>
+              <a:t> </a:t>
+            </a:r>
+            <a:r>
+              <a:rPr lang="en-US" altLang="zh-CN" dirty="0"/>
+              <a:t>time</a:t>
+            </a:r>
+            <a:r>
+              <a:rPr lang="zh-CN" altLang="en-US" dirty="0"/>
+              <a:t> </a:t>
+            </a:r>
+            <a:r>
+              <a:rPr lang="en-US" altLang="zh-CN" dirty="0"/>
+              <a:t>step,</a:t>
+            </a:r>
+            <a:r>
+              <a:rPr lang="zh-CN" altLang="en-US" dirty="0"/>
+              <a:t> </a:t>
+            </a:r>
+            <a:r>
+              <a:rPr lang="en-US" altLang="zh-CN" dirty="0"/>
+              <a:t>the</a:t>
+            </a:r>
+            <a:r>
+              <a:rPr lang="zh-CN" altLang="en-US" dirty="0"/>
+              <a:t> </a:t>
+            </a:r>
+            <a:r>
+              <a:rPr lang="en-US" altLang="zh-CN" dirty="0"/>
+              <a:t>current</a:t>
+            </a:r>
+            <a:r>
+              <a:rPr lang="zh-CN" altLang="en-US" dirty="0"/>
+              <a:t> </a:t>
+            </a:r>
+            <a:r>
+              <a:rPr lang="en-US" altLang="zh-CN" dirty="0"/>
+              <a:t>layer’s</a:t>
+            </a:r>
+            <a:r>
+              <a:rPr lang="zh-CN" altLang="en-US" dirty="0"/>
+              <a:t> </a:t>
+            </a:r>
+            <a:r>
+              <a:rPr lang="en-US" altLang="zh-CN" dirty="0"/>
+              <a:t>hidden</a:t>
+            </a:r>
+            <a:r>
+              <a:rPr lang="zh-CN" altLang="en-US" dirty="0"/>
+              <a:t> </a:t>
+            </a:r>
+            <a:r>
+              <a:rPr lang="en-US" altLang="zh-CN" dirty="0"/>
+              <a:t>state</a:t>
+            </a:r>
+            <a:r>
+              <a:rPr lang="zh-CN" altLang="en-US" dirty="0"/>
+              <a:t> </a:t>
+            </a:r>
+            <a:r>
+              <a:rPr lang="en-US" altLang="zh-CN" dirty="0"/>
+              <a:t>and</a:t>
+            </a:r>
+            <a:r>
+              <a:rPr lang="zh-CN" altLang="en-US" dirty="0"/>
+              <a:t> </a:t>
+            </a:r>
+            <a:r>
+              <a:rPr lang="en-US" altLang="zh-CN" dirty="0"/>
+              <a:t>output</a:t>
+            </a:r>
+            <a:r>
+              <a:rPr lang="zh-CN" altLang="en-US" dirty="0"/>
+              <a:t> </a:t>
+            </a:r>
+            <a:r>
+              <a:rPr lang="en-US" altLang="zh-CN" dirty="0"/>
+              <a:t>are</a:t>
+            </a:r>
+            <a:r>
+              <a:rPr lang="zh-CN" altLang="en-US" dirty="0"/>
+              <a:t> </a:t>
+            </a:r>
+            <a:r>
+              <a:rPr lang="en-US" altLang="zh-CN" dirty="0"/>
+              <a:t>scaled</a:t>
+            </a:r>
+            <a:r>
+              <a:rPr lang="zh-CN" altLang="en-US" dirty="0"/>
+              <a:t> </a:t>
+            </a:r>
+            <a:r>
+              <a:rPr lang="en-US" altLang="zh-CN" dirty="0"/>
+              <a:t>and</a:t>
+            </a:r>
+            <a:r>
+              <a:rPr lang="zh-CN" altLang="en-US" dirty="0"/>
+              <a:t> </a:t>
+            </a:r>
+            <a:r>
+              <a:rPr lang="en-US" altLang="zh-CN" dirty="0"/>
+              <a:t>fed</a:t>
+            </a:r>
+            <a:r>
+              <a:rPr lang="zh-CN" altLang="en-US" dirty="0"/>
+              <a:t> </a:t>
+            </a:r>
+            <a:r>
+              <a:rPr lang="en-US" altLang="zh-CN" dirty="0"/>
+              <a:t>back</a:t>
+            </a:r>
+            <a:r>
+              <a:rPr lang="zh-CN" altLang="en-US" dirty="0"/>
+              <a:t> </a:t>
+            </a:r>
+            <a:r>
+              <a:rPr lang="en-US" altLang="zh-CN" dirty="0"/>
+              <a:t>to</a:t>
+            </a:r>
+            <a:r>
+              <a:rPr lang="zh-CN" altLang="en-US" dirty="0"/>
+              <a:t> </a:t>
+            </a:r>
+            <a:r>
+              <a:rPr lang="en-US" altLang="zh-CN" dirty="0"/>
+              <a:t>the</a:t>
+            </a:r>
+            <a:r>
+              <a:rPr lang="zh-CN" altLang="en-US" dirty="0"/>
+              <a:t> </a:t>
+            </a:r>
+            <a:r>
+              <a:rPr lang="en-US" altLang="zh-CN" dirty="0"/>
+              <a:t>network</a:t>
+            </a:r>
+            <a:r>
+              <a:rPr lang="zh-CN" altLang="en-US" dirty="0"/>
+              <a:t> </a:t>
+            </a:r>
+            <a:r>
+              <a:rPr lang="en-US" altLang="zh-CN" dirty="0"/>
+              <a:t>as</a:t>
+            </a:r>
+            <a:r>
+              <a:rPr lang="zh-CN" altLang="en-US" dirty="0"/>
+              <a:t> </a:t>
+            </a:r>
+            <a:r>
+              <a:rPr lang="en-US" altLang="zh-CN" dirty="0"/>
+              <a:t>the</a:t>
+            </a:r>
+            <a:r>
+              <a:rPr lang="zh-CN" altLang="en-US" dirty="0"/>
+              <a:t> </a:t>
+            </a:r>
+            <a:r>
+              <a:rPr lang="en-US" altLang="zh-CN" dirty="0"/>
+              <a:t>input</a:t>
+            </a:r>
+            <a:r>
+              <a:rPr lang="zh-CN" altLang="en-US" dirty="0"/>
+              <a:t> </a:t>
+            </a:r>
+            <a:r>
+              <a:rPr lang="en-US" altLang="zh-CN" dirty="0"/>
+              <a:t>to</a:t>
+            </a:r>
+            <a:r>
+              <a:rPr lang="zh-CN" altLang="en-US" dirty="0"/>
+              <a:t> </a:t>
+            </a:r>
+            <a:r>
+              <a:rPr lang="en-US" altLang="zh-CN" dirty="0"/>
+              <a:t>the</a:t>
+            </a:r>
+            <a:r>
+              <a:rPr lang="zh-CN" altLang="en-US" dirty="0"/>
+              <a:t> </a:t>
+            </a:r>
+            <a:r>
+              <a:rPr lang="en-US" altLang="zh-CN" dirty="0"/>
+              <a:t>next</a:t>
+            </a:r>
+            <a:r>
+              <a:rPr lang="zh-CN" altLang="en-US" dirty="0"/>
+              <a:t> </a:t>
+            </a:r>
+            <a:r>
+              <a:rPr lang="en-US" altLang="zh-CN" dirty="0"/>
+              <a:t>layer</a:t>
+            </a:r>
+          </a:p>
+          <a:p>
+            <a:r>
+              <a:rPr lang="zh-CN" altLang="en-US" dirty="0"/>
+              <a:t> </a:t>
             </a:r>
             <a:endParaRPr lang="en-US" dirty="0"/>
           </a:p>
           <a:p>
-            <a:endParaRPr lang="en-US" dirty="0"/>
-          </a:p>
-          <a:p>
-            <a:r>
-              <a:rPr lang="en-US" dirty="0"/>
-              <a:t>A plume of smoke rises up into the evening sky of the Great Desert, while the Yellow River dimmed as the setting sun goes down</a:t>
-            </a:r>
-          </a:p>
-          <a:p>
-            <a:endParaRPr lang="en-US" dirty="0"/>
-          </a:p>
-          <a:p>
-            <a:r>
-              <a:rPr lang="en-US" dirty="0"/>
-              <a:t>Due</a:t>
-            </a:r>
-            <a:r>
-              <a:rPr lang="zh-CN" altLang="en-US" dirty="0"/>
-              <a:t> </a:t>
-            </a:r>
-            <a:r>
-              <a:rPr lang="en-US" altLang="zh-CN" dirty="0"/>
-              <a:t>to</a:t>
-            </a:r>
-            <a:r>
-              <a:rPr lang="zh-CN" altLang="en-US" dirty="0"/>
-              <a:t> </a:t>
-            </a:r>
-            <a:r>
-              <a:rPr lang="en-US" altLang="zh-CN" dirty="0"/>
-              <a:t>this</a:t>
-            </a:r>
-            <a:r>
-              <a:rPr lang="zh-CN" altLang="en-US" dirty="0"/>
-              <a:t> </a:t>
-            </a:r>
-            <a:r>
-              <a:rPr lang="en-US" altLang="zh-CN" dirty="0"/>
-              <a:t>recursive</a:t>
-            </a:r>
-            <a:r>
-              <a:rPr lang="zh-CN" altLang="en-US" dirty="0"/>
-              <a:t> </a:t>
-            </a:r>
-            <a:r>
-              <a:rPr lang="en-US" altLang="zh-CN" dirty="0"/>
-              <a:t>architecture,</a:t>
-            </a:r>
-            <a:r>
-              <a:rPr lang="zh-CN" altLang="en-US" dirty="0"/>
-              <a:t> </a:t>
-            </a:r>
-            <a:r>
-              <a:rPr lang="en-US" altLang="zh-CN" dirty="0"/>
-              <a:t>we</a:t>
-            </a:r>
-            <a:r>
-              <a:rPr lang="zh-CN" altLang="en-US" dirty="0"/>
-              <a:t> </a:t>
-            </a:r>
-            <a:r>
-              <a:rPr lang="en-US" altLang="zh-CN" dirty="0"/>
-              <a:t>can</a:t>
-            </a:r>
-            <a:r>
-              <a:rPr lang="zh-CN" altLang="en-US" dirty="0"/>
-              <a:t> </a:t>
-            </a:r>
-            <a:r>
-              <a:rPr lang="en-US" altLang="zh-CN" dirty="0"/>
-              <a:t>feed</a:t>
-            </a:r>
-            <a:r>
-              <a:rPr lang="zh-CN" altLang="en-US" dirty="0"/>
-              <a:t> </a:t>
-            </a:r>
-            <a:r>
-              <a:rPr lang="en-US" altLang="zh-CN" dirty="0"/>
-              <a:t>it</a:t>
-            </a:r>
-            <a:r>
-              <a:rPr lang="zh-CN" altLang="en-US" dirty="0"/>
-              <a:t> </a:t>
-            </a:r>
-            <a:r>
-              <a:rPr lang="en-US" altLang="zh-CN" dirty="0"/>
-              <a:t>with</a:t>
-            </a:r>
-            <a:r>
-              <a:rPr lang="zh-CN" altLang="en-US" dirty="0"/>
-              <a:t> </a:t>
-            </a:r>
-            <a:r>
-              <a:rPr lang="en-US" altLang="zh-CN" dirty="0"/>
-              <a:t>sequences</a:t>
-            </a:r>
-            <a:r>
-              <a:rPr lang="zh-CN" altLang="en-US" dirty="0"/>
-              <a:t> </a:t>
-            </a:r>
-            <a:r>
-              <a:rPr lang="en-US" altLang="zh-CN" dirty="0"/>
-              <a:t>of</a:t>
-            </a:r>
-            <a:r>
-              <a:rPr lang="zh-CN" altLang="en-US" dirty="0"/>
-              <a:t> </a:t>
-            </a:r>
-            <a:r>
-              <a:rPr lang="en-US" altLang="zh-CN" dirty="0"/>
-              <a:t>input</a:t>
-            </a:r>
-            <a:r>
-              <a:rPr lang="zh-CN" altLang="en-US" dirty="0"/>
-              <a:t> </a:t>
-            </a:r>
-            <a:r>
-              <a:rPr lang="en-US" altLang="zh-CN" dirty="0"/>
-              <a:t>and</a:t>
-            </a:r>
-            <a:r>
-              <a:rPr lang="zh-CN" altLang="en-US" dirty="0"/>
-              <a:t> </a:t>
-            </a:r>
-            <a:r>
-              <a:rPr lang="en-US" altLang="zh-CN" dirty="0"/>
-              <a:t>generate</a:t>
-            </a:r>
-            <a:r>
-              <a:rPr lang="zh-CN" altLang="en-US" dirty="0"/>
-              <a:t> </a:t>
-            </a:r>
-            <a:r>
-              <a:rPr lang="en-US" altLang="zh-CN" dirty="0"/>
-              <a:t>sequences</a:t>
-            </a:r>
-            <a:r>
-              <a:rPr lang="zh-CN" altLang="en-US" dirty="0"/>
-              <a:t> </a:t>
-            </a:r>
-            <a:r>
-              <a:rPr lang="en-US" altLang="zh-CN" dirty="0"/>
-              <a:t>of</a:t>
-            </a:r>
-            <a:r>
-              <a:rPr lang="zh-CN" altLang="en-US" dirty="0"/>
-              <a:t> </a:t>
-            </a:r>
-            <a:r>
-              <a:rPr lang="en-US" altLang="zh-CN" dirty="0"/>
-              <a:t>output.</a:t>
-            </a:r>
-            <a:endParaRPr lang="en-US" dirty="0"/>
-          </a:p>
-          <a:p>
-            <a:r>
-              <a:rPr lang="en-US" altLang="zh-CN" dirty="0"/>
-              <a:t>%</a:t>
-            </a:r>
-            <a:endParaRPr lang="en-US" dirty="0"/>
-          </a:p>
-          <a:p>
-            <a:pPr marL="0" marR="0" indent="0" algn="l" defTabSz="457200" rtl="0" eaLnBrk="1" fontAlgn="auto" latinLnBrk="0" hangingPunct="1">
-              <a:lnSpc>
-                <a:spcPct val="100000"/>
-              </a:lnSpc>
-              <a:spcBef>
-                <a:spcPts val="0"/>
-              </a:spcBef>
-              <a:spcAft>
-                <a:spcPts val="0"/>
-              </a:spcAft>
-              <a:buClr>
-                <a:schemeClr val="dk1"/>
-              </a:buClr>
-              <a:buSzTx/>
-              <a:buFont typeface="Calibri"/>
-              <a:buNone/>
-              <a:tabLst/>
-              <a:defRPr/>
-            </a:pPr>
-            <a:r>
-              <a:rPr lang="en-AU" sz="1200" b="0" i="0" u="none" strike="noStrike" kern="1200" cap="none" dirty="0">
-                <a:solidFill>
-                  <a:schemeClr val="dk1"/>
-                </a:solidFill>
-                <a:effectLst/>
-                <a:latin typeface="Calibri"/>
-                <a:ea typeface="Calibri"/>
-                <a:cs typeface="Calibri"/>
-                <a:sym typeface="Calibri"/>
-              </a:rPr>
-              <a:t>That is, we’ll give the RNN a huge chunk of poems</a:t>
-            </a:r>
-            <a:r>
-              <a:rPr lang="zh-CN" altLang="en-US" sz="1200" b="0" i="0" u="none" strike="noStrike" kern="1200" cap="none" dirty="0">
-                <a:solidFill>
-                  <a:schemeClr val="dk1"/>
-                </a:solidFill>
-                <a:effectLst/>
-                <a:latin typeface="Calibri"/>
-                <a:ea typeface="Calibri"/>
-                <a:cs typeface="Calibri"/>
-                <a:sym typeface="Calibri"/>
-              </a:rPr>
-              <a:t> </a:t>
-            </a:r>
-            <a:r>
-              <a:rPr lang="en-AU" sz="1200" b="0" i="0" u="none" strike="noStrike" kern="1200" cap="none" dirty="0">
-                <a:solidFill>
-                  <a:schemeClr val="dk1"/>
-                </a:solidFill>
-                <a:effectLst/>
-                <a:latin typeface="Calibri"/>
-                <a:ea typeface="Calibri"/>
-                <a:cs typeface="Calibri"/>
-                <a:sym typeface="Calibri"/>
-              </a:rPr>
-              <a:t>and ask it to model the probability distribution of the next character in the sequence given a sequence of previous characters. </a:t>
-            </a:r>
-          </a:p>
-          <a:p>
-            <a:pPr marL="0" marR="0" indent="0" algn="l" defTabSz="457200" rtl="0" eaLnBrk="1" fontAlgn="auto" latinLnBrk="0" hangingPunct="1">
-              <a:lnSpc>
-                <a:spcPct val="100000"/>
-              </a:lnSpc>
-              <a:spcBef>
-                <a:spcPts val="0"/>
-              </a:spcBef>
-              <a:spcAft>
-                <a:spcPts val="0"/>
-              </a:spcAft>
-              <a:buClr>
-                <a:schemeClr val="dk1"/>
-              </a:buClr>
-              <a:buSzTx/>
-              <a:buFont typeface="Calibri"/>
-              <a:buNone/>
-              <a:tabLst/>
-              <a:defRPr/>
-            </a:pPr>
-            <a:r>
-              <a:rPr lang="en-US" altLang="zh-CN" sz="1200" b="0" i="0" u="none" strike="noStrike" kern="1200" cap="none" dirty="0">
-                <a:solidFill>
-                  <a:schemeClr val="dk1"/>
-                </a:solidFill>
-                <a:effectLst/>
-                <a:latin typeface="Calibri"/>
-                <a:ea typeface="Calibri"/>
-                <a:cs typeface="Calibri"/>
-                <a:sym typeface="Calibri"/>
-              </a:rPr>
-              <a:t>%</a:t>
-            </a:r>
             <a:endParaRPr lang="en-US" dirty="0"/>
           </a:p>
         </p:txBody>
@@ -17625,7 +17709,7 @@
                 <a:cs typeface="Arial"/>
                 <a:sym typeface="Arial"/>
               </a:rPr>
-              <a:t>10</a:t>
+              <a:t>9</a:t>
             </a:fld>
             <a:endParaRPr lang="en-US" sz="1200" b="0" i="0" u="none" strike="noStrike" cap="none">
               <a:solidFill>
@@ -17642,7 +17726,7 @@
     </p:spTree>
     <p:extLst>
       <p:ext uri="{BB962C8B-B14F-4D97-AF65-F5344CB8AC3E}">
-        <p14:creationId xmlns:p14="http://schemas.microsoft.com/office/powerpoint/2010/main" val="23153761"/>
+        <p14:creationId xmlns:p14="http://schemas.microsoft.com/office/powerpoint/2010/main" val="1474927943"/>
       </p:ext>
     </p:extLst>
   </p:cSld>
@@ -17703,497 +17787,302 @@
           <a:p>
             <a:r>
               <a:rPr lang="en-US" dirty="0"/>
-              <a:t>Although RNN</a:t>
-            </a:r>
-            <a:r>
-              <a:rPr lang="en-US" baseline="0" dirty="0"/>
-              <a:t> is </a:t>
-            </a:r>
-            <a:r>
-              <a:rPr lang="en-US" baseline="0" dirty="0" err="1"/>
-              <a:t>flexibile</a:t>
-            </a:r>
-            <a:r>
-              <a:rPr lang="en-US" baseline="0" dirty="0"/>
-              <a:t> on its input size and output size, it does have limitations. </a:t>
-            </a:r>
+              <a:t>https://</a:t>
+            </a:r>
+            <a:r>
+              <a:rPr lang="en-US" dirty="0" err="1"/>
+              <a:t>www.tensorflow.org</a:t>
+            </a:r>
+            <a:r>
+              <a:rPr lang="en-US" dirty="0"/>
+              <a:t>/</a:t>
+            </a:r>
+            <a:r>
+              <a:rPr lang="en-US" dirty="0" err="1"/>
+              <a:t>api_docs</a:t>
+            </a:r>
+            <a:r>
+              <a:rPr lang="en-US" dirty="0"/>
+              <a:t>/python/</a:t>
+            </a:r>
+            <a:r>
+              <a:rPr lang="en-US" dirty="0" err="1"/>
+              <a:t>tf</a:t>
+            </a:r>
+            <a:r>
+              <a:rPr lang="en-US" dirty="0"/>
+              <a:t>/</a:t>
+            </a:r>
+            <a:r>
+              <a:rPr lang="en-US" dirty="0" err="1"/>
+              <a:t>nn</a:t>
+            </a:r>
+            <a:r>
+              <a:rPr lang="en-US" dirty="0"/>
+              <a:t>/</a:t>
+            </a:r>
+            <a:r>
+              <a:rPr lang="en-US" dirty="0" err="1"/>
+              <a:t>softmax_cross_entropy_with_logits</a:t>
+            </a:r>
+            <a:endParaRPr lang="en-US" dirty="0"/>
           </a:p>
           <a:p>
-            <a:endParaRPr lang="en-US" baseline="0" dirty="0"/>
+            <a:endParaRPr lang="en-US" dirty="0"/>
           </a:p>
           <a:p>
             <a:r>
-              <a:rPr lang="en-US" baseline="0" dirty="0"/>
-              <a:t>When</a:t>
-            </a:r>
-            <a:r>
-              <a:rPr lang="zh-CN" altLang="en-US" baseline="0" dirty="0"/>
-              <a:t> </a:t>
-            </a:r>
-            <a:r>
-              <a:rPr lang="en-US" baseline="0" dirty="0"/>
-              <a:t>the gap between the relevant information and the place that the</a:t>
-            </a:r>
-            <a:r>
-              <a:rPr lang="zh-CN" altLang="en-US" baseline="0" dirty="0"/>
-              <a:t> </a:t>
-            </a:r>
-            <a:r>
-              <a:rPr lang="en-US" altLang="zh-CN" baseline="0" dirty="0"/>
-              <a:t>in</a:t>
-            </a:r>
-            <a:r>
-              <a:rPr lang="zh-CN" altLang="en-US" baseline="0" dirty="0"/>
-              <a:t> </a:t>
-            </a:r>
-            <a:r>
-              <a:rPr lang="en-US" altLang="zh-CN" baseline="0" dirty="0"/>
-              <a:t>formation</a:t>
-            </a:r>
-            <a:r>
-              <a:rPr lang="zh-CN" altLang="en-US" baseline="0" dirty="0"/>
-              <a:t> </a:t>
-            </a:r>
-            <a:r>
-              <a:rPr lang="en-US" baseline="0" dirty="0"/>
-              <a:t>needed is large</a:t>
-            </a:r>
-            <a:r>
-              <a:rPr lang="zh-CN" altLang="en-US" baseline="0" dirty="0"/>
-              <a:t> </a:t>
-            </a:r>
-            <a:r>
-              <a:rPr lang="en-US" baseline="0" dirty="0"/>
-              <a:t>, RNNs cannot</a:t>
-            </a:r>
-            <a:r>
-              <a:rPr lang="zh-CN" altLang="en-US" baseline="0" dirty="0"/>
-              <a:t> </a:t>
-            </a:r>
-            <a:r>
-              <a:rPr lang="en-US" altLang="zh-CN" baseline="0" dirty="0"/>
-              <a:t>handle</a:t>
-            </a:r>
-            <a:r>
-              <a:rPr lang="zh-CN" altLang="en-US" baseline="0" dirty="0"/>
-              <a:t> </a:t>
-            </a:r>
-            <a:r>
-              <a:rPr lang="en-US" altLang="zh-CN" baseline="0" dirty="0"/>
-              <a:t>such “long-term dependencies.”</a:t>
-            </a:r>
-            <a:r>
-              <a:rPr lang="zh-CN" altLang="en-US" baseline="0" dirty="0"/>
-              <a:t> </a:t>
-            </a:r>
-            <a:r>
-              <a:rPr lang="en-US" altLang="zh-CN" baseline="0" dirty="0"/>
-              <a:t>t</a:t>
+              <a:rPr lang="en-US" dirty="0"/>
+              <a:t>A plume of smoke rises up into the evening sky of the Great Desert, while the Yellow River dimmed as the setting sun goes down</a:t>
             </a:r>
           </a:p>
           <a:p>
-            <a:endParaRPr lang="en-US" baseline="0" dirty="0"/>
+            <a:endParaRPr lang="en-US" dirty="0"/>
           </a:p>
           <a:p>
             <a:r>
-              <a:rPr lang="en-US" baseline="0" dirty="0"/>
-              <a:t>To solve this problem, we use a special kind of Recurrent neural network, </a:t>
-            </a:r>
-            <a:r>
-              <a:rPr lang="zh-CN" altLang="en-US" baseline="0" dirty="0"/>
+              <a:rPr lang="en-US" dirty="0"/>
+              <a:t>Due</a:t>
+            </a:r>
+            <a:r>
+              <a:rPr lang="zh-CN" altLang="en-US" dirty="0"/>
               <a:t> </a:t>
             </a:r>
             <a:r>
-              <a:rPr lang="en-US" altLang="zh-CN" baseline="0" dirty="0"/>
-              <a:t>An</a:t>
-            </a:r>
-            <a:r>
-              <a:rPr lang="zh-CN" altLang="en-US" baseline="0" dirty="0"/>
+              <a:rPr lang="en-US" altLang="zh-CN" dirty="0"/>
+              <a:t>to</a:t>
+            </a:r>
+            <a:r>
+              <a:rPr lang="zh-CN" altLang="en-US" dirty="0"/>
               <a:t> </a:t>
             </a:r>
             <a:r>
-              <a:rPr lang="en-US" altLang="zh-CN" baseline="0" dirty="0"/>
-              <a:t>SLTM</a:t>
-            </a:r>
-            <a:r>
-              <a:rPr lang="zh-CN" altLang="en-US" baseline="0" dirty="0"/>
+              <a:rPr lang="en-US" altLang="zh-CN" dirty="0"/>
+              <a:t>this</a:t>
+            </a:r>
+            <a:r>
+              <a:rPr lang="zh-CN" altLang="en-US" dirty="0"/>
               <a:t> </a:t>
             </a:r>
             <a:r>
-              <a:rPr lang="en-US" altLang="zh-CN" baseline="0" dirty="0"/>
-              <a:t>network</a:t>
-            </a:r>
-            <a:r>
-              <a:rPr lang="zh-CN" altLang="en-US" baseline="0" dirty="0"/>
+              <a:rPr lang="en-US" altLang="zh-CN" dirty="0"/>
+              <a:t>recursive</a:t>
+            </a:r>
+            <a:r>
+              <a:rPr lang="zh-CN" altLang="en-US" dirty="0"/>
               <a:t> </a:t>
             </a:r>
             <a:r>
-              <a:rPr lang="en-US" altLang="zh-CN" baseline="0" dirty="0"/>
-              <a:t>also</a:t>
-            </a:r>
-            <a:r>
-              <a:rPr lang="zh-CN" altLang="en-US" baseline="0" dirty="0"/>
+              <a:rPr lang="en-US" altLang="zh-CN" dirty="0"/>
+              <a:t>architecture,</a:t>
+            </a:r>
+            <a:r>
+              <a:rPr lang="zh-CN" altLang="en-US" dirty="0"/>
               <a:t> </a:t>
             </a:r>
             <a:r>
-              <a:rPr lang="en-US" altLang="zh-CN" baseline="0" dirty="0"/>
-              <a:t>has</a:t>
-            </a:r>
-            <a:r>
-              <a:rPr lang="zh-CN" altLang="en-US" baseline="0" dirty="0"/>
+              <a:rPr lang="en-US" altLang="zh-CN" dirty="0"/>
+              <a:t>we</a:t>
+            </a:r>
+            <a:r>
+              <a:rPr lang="zh-CN" altLang="en-US" dirty="0"/>
               <a:t> </a:t>
             </a:r>
             <a:r>
-              <a:rPr lang="en-US" altLang="zh-CN" baseline="0" dirty="0"/>
-              <a:t>a</a:t>
-            </a:r>
-            <a:r>
-              <a:rPr lang="zh-CN" altLang="en-US" baseline="0" dirty="0"/>
+              <a:rPr lang="en-US" altLang="zh-CN" dirty="0"/>
+              <a:t>can</a:t>
+            </a:r>
+            <a:r>
+              <a:rPr lang="zh-CN" altLang="en-US" dirty="0"/>
               <a:t> </a:t>
             </a:r>
             <a:r>
-              <a:rPr lang="en-US" altLang="zh-CN" baseline="0" dirty="0"/>
-              <a:t>recursive</a:t>
-            </a:r>
-            <a:r>
-              <a:rPr lang="zh-CN" altLang="en-US" baseline="0" dirty="0"/>
+              <a:rPr lang="en-US" altLang="zh-CN" dirty="0"/>
+              <a:t>feed</a:t>
+            </a:r>
+            <a:r>
+              <a:rPr lang="zh-CN" altLang="en-US" dirty="0"/>
               <a:t> </a:t>
             </a:r>
             <a:r>
-              <a:rPr lang="en-US" altLang="zh-CN" baseline="0" dirty="0"/>
-              <a:t>structure,</a:t>
-            </a:r>
-            <a:r>
-              <a:rPr lang="zh-CN" altLang="en-US" baseline="0" dirty="0"/>
+              <a:rPr lang="en-US" altLang="zh-CN" dirty="0"/>
+              <a:t>it</a:t>
+            </a:r>
+            <a:r>
+              <a:rPr lang="zh-CN" altLang="en-US" dirty="0"/>
               <a:t> </a:t>
             </a:r>
             <a:r>
-              <a:rPr lang="en-US" altLang="zh-CN" baseline="0" dirty="0"/>
-              <a:t>but</a:t>
-            </a:r>
-            <a:r>
-              <a:rPr lang="zh-CN" altLang="en-US" baseline="0" dirty="0"/>
+              <a:rPr lang="en-US" altLang="zh-CN" dirty="0"/>
+              <a:t>with</a:t>
+            </a:r>
+            <a:r>
+              <a:rPr lang="zh-CN" altLang="en-US" dirty="0"/>
               <a:t> </a:t>
             </a:r>
             <a:r>
-              <a:rPr lang="en-US" altLang="zh-CN" baseline="0" dirty="0"/>
-              <a:t>the</a:t>
-            </a:r>
-            <a:r>
-              <a:rPr lang="zh-CN" altLang="en-US" baseline="0" dirty="0"/>
+              <a:rPr lang="en-US" altLang="zh-CN" dirty="0"/>
+              <a:t>sequences</a:t>
+            </a:r>
+            <a:r>
+              <a:rPr lang="zh-CN" altLang="en-US" dirty="0"/>
               <a:t> </a:t>
             </a:r>
             <a:r>
-              <a:rPr lang="en-US" altLang="zh-CN" baseline="0" dirty="0"/>
-              <a:t>repeated</a:t>
-            </a:r>
-            <a:r>
-              <a:rPr lang="zh-CN" altLang="en-US" baseline="0" dirty="0"/>
+              <a:rPr lang="en-US" altLang="zh-CN" dirty="0"/>
+              <a:t>of</a:t>
+            </a:r>
+            <a:r>
+              <a:rPr lang="zh-CN" altLang="en-US" dirty="0"/>
               <a:t> </a:t>
             </a:r>
             <a:r>
-              <a:rPr lang="en-US" altLang="zh-CN" baseline="0" dirty="0"/>
-              <a:t>cell</a:t>
-            </a:r>
-            <a:r>
-              <a:rPr lang="zh-CN" altLang="en-US" baseline="0" dirty="0"/>
+              <a:rPr lang="en-US" altLang="zh-CN" dirty="0"/>
+              <a:t>input</a:t>
+            </a:r>
+            <a:r>
+              <a:rPr lang="zh-CN" altLang="en-US" dirty="0"/>
               <a:t> </a:t>
             </a:r>
             <a:r>
-              <a:rPr lang="en-US" altLang="zh-CN" baseline="0" dirty="0"/>
-              <a:t>has</a:t>
-            </a:r>
-            <a:r>
-              <a:rPr lang="zh-CN" altLang="en-US" baseline="0" dirty="0"/>
+              <a:rPr lang="en-US" altLang="zh-CN" dirty="0"/>
+              <a:t>and</a:t>
+            </a:r>
+            <a:r>
+              <a:rPr lang="zh-CN" altLang="en-US" dirty="0"/>
               <a:t> </a:t>
             </a:r>
             <a:r>
-              <a:rPr lang="en-US" altLang="zh-CN" baseline="0" dirty="0"/>
-              <a:t>four</a:t>
-            </a:r>
-            <a:r>
-              <a:rPr lang="zh-CN" altLang="en-US" baseline="0" dirty="0"/>
+              <a:rPr lang="en-US" altLang="zh-CN" dirty="0"/>
+              <a:t>generate</a:t>
+            </a:r>
+            <a:r>
+              <a:rPr lang="zh-CN" altLang="en-US" dirty="0"/>
               <a:t> </a:t>
             </a:r>
             <a:r>
-              <a:rPr lang="en-US" altLang="zh-CN" baseline="0" dirty="0"/>
-              <a:t>network</a:t>
-            </a:r>
-            <a:r>
-              <a:rPr lang="zh-CN" altLang="en-US" baseline="0" dirty="0"/>
+              <a:rPr lang="en-US" altLang="zh-CN" dirty="0"/>
+              <a:t>sequences</a:t>
+            </a:r>
+            <a:r>
+              <a:rPr lang="zh-CN" altLang="en-US" dirty="0"/>
               <a:t> </a:t>
             </a:r>
             <a:r>
-              <a:rPr lang="en-US" altLang="zh-CN" baseline="0" dirty="0"/>
-              <a:t>layers</a:t>
-            </a:r>
-            <a:r>
-              <a:rPr lang="zh-CN" altLang="en-US" baseline="0" dirty="0"/>
+              <a:rPr lang="en-US" altLang="zh-CN" dirty="0"/>
+              <a:t>of</a:t>
+            </a:r>
+            <a:r>
+              <a:rPr lang="zh-CN" altLang="en-US" dirty="0"/>
               <a:t> </a:t>
             </a:r>
             <a:r>
-              <a:rPr lang="en-US" altLang="zh-CN" baseline="0" dirty="0"/>
-              <a:t>instead</a:t>
-            </a:r>
-            <a:r>
-              <a:rPr lang="zh-CN" altLang="en-US" baseline="0" dirty="0"/>
-              <a:t> </a:t>
-            </a:r>
-            <a:r>
-              <a:rPr lang="en-US" altLang="zh-CN" baseline="0" dirty="0"/>
-              <a:t>of</a:t>
-            </a:r>
-            <a:r>
-              <a:rPr lang="zh-CN" altLang="en-US" baseline="0" dirty="0"/>
-              <a:t> </a:t>
-            </a:r>
-            <a:r>
-              <a:rPr lang="en-US" altLang="zh-CN" baseline="0" dirty="0"/>
-              <a:t>one.</a:t>
-            </a:r>
+              <a:rPr lang="en-US" altLang="zh-CN" dirty="0"/>
+              <a:t>output.</a:t>
+            </a:r>
+            <a:endParaRPr lang="en-US" dirty="0"/>
           </a:p>
           <a:p>
-            <a:endParaRPr lang="en-US" baseline="0" dirty="0"/>
+            <a:r>
+              <a:rPr lang="en-US" altLang="zh-CN" dirty="0"/>
+              <a:t>%</a:t>
+            </a:r>
+            <a:endParaRPr lang="en-US" dirty="0"/>
           </a:p>
           <a:p>
-            <a:r>
-              <a:rPr lang="en-US" baseline="0" dirty="0"/>
-              <a:t>The</a:t>
-            </a:r>
-            <a:r>
-              <a:rPr lang="zh-CN" altLang="en-US" baseline="0" dirty="0"/>
+            <a:pPr marL="0" marR="0" indent="0" algn="l" defTabSz="457200" rtl="0" eaLnBrk="1" fontAlgn="auto" latinLnBrk="0" hangingPunct="1">
+              <a:lnSpc>
+                <a:spcPct val="100000"/>
+              </a:lnSpc>
+              <a:spcBef>
+                <a:spcPts val="0"/>
+              </a:spcBef>
+              <a:spcAft>
+                <a:spcPts val="0"/>
+              </a:spcAft>
+              <a:buClr>
+                <a:schemeClr val="dk1"/>
+              </a:buClr>
+              <a:buSzTx/>
+              <a:buFont typeface="Calibri"/>
+              <a:buNone/>
+              <a:tabLst/>
+              <a:defRPr/>
+            </a:pPr>
+            <a:r>
+              <a:rPr lang="en-AU" sz="1200" b="0" i="0" u="none" strike="noStrike" kern="1200" cap="none" dirty="0">
+                <a:solidFill>
+                  <a:schemeClr val="dk1"/>
+                </a:solidFill>
+                <a:effectLst/>
+                <a:latin typeface="Calibri"/>
+                <a:ea typeface="Calibri"/>
+                <a:cs typeface="Calibri"/>
+                <a:sym typeface="Calibri"/>
+              </a:rPr>
+              <a:t>That is, we’ll give the RNN a huge chunk of poems</a:t>
+            </a:r>
+            <a:r>
+              <a:rPr lang="zh-CN" altLang="en-US" sz="1200" b="0" i="0" u="none" strike="noStrike" kern="1200" cap="none" dirty="0">
+                <a:solidFill>
+                  <a:schemeClr val="dk1"/>
+                </a:solidFill>
+                <a:effectLst/>
+                <a:latin typeface="Calibri"/>
+                <a:ea typeface="Calibri"/>
+                <a:cs typeface="Calibri"/>
+                <a:sym typeface="Calibri"/>
+              </a:rPr>
               <a:t> </a:t>
             </a:r>
             <a:r>
-              <a:rPr lang="en-US" baseline="0" dirty="0"/>
-              <a:t>sigmoid layer called the “forget gate layer</a:t>
-            </a:r>
-            <a:r>
-              <a:rPr lang="en-US" altLang="zh-CN" baseline="0" dirty="0"/>
-              <a:t>.</a:t>
-            </a:r>
-            <a:r>
-              <a:rPr lang="zh-CN" altLang="en-US" baseline="0" dirty="0"/>
-              <a:t> </a:t>
-            </a:r>
-            <a:r>
-              <a:rPr lang="en-US" baseline="0" dirty="0"/>
-              <a:t>Each</a:t>
-            </a:r>
-            <a:r>
-              <a:rPr lang="zh-CN" altLang="en-US" baseline="0" dirty="0"/>
-              <a:t> </a:t>
-            </a:r>
-            <a:r>
-              <a:rPr lang="en-US" altLang="zh-CN" baseline="0" dirty="0"/>
-              <a:t>layer</a:t>
-            </a:r>
-            <a:r>
-              <a:rPr lang="zh-CN" altLang="en-US" baseline="0" dirty="0"/>
-              <a:t> </a:t>
-            </a:r>
-            <a:r>
-              <a:rPr lang="en-US" altLang="zh-CN" baseline="0" dirty="0"/>
-              <a:t>can</a:t>
-            </a:r>
-            <a:r>
-              <a:rPr lang="zh-CN" altLang="en-US" baseline="0" dirty="0"/>
-              <a:t> </a:t>
-            </a:r>
-            <a:r>
-              <a:rPr lang="en-US" altLang="zh-CN" baseline="0" dirty="0"/>
-              <a:t>decide</a:t>
-            </a:r>
-            <a:r>
-              <a:rPr lang="zh-CN" altLang="en-US" baseline="0" dirty="0"/>
-              <a:t> </a:t>
-            </a:r>
-            <a:r>
-              <a:rPr lang="en-US" altLang="zh-CN" baseline="0" dirty="0"/>
-              <a:t>what</a:t>
-            </a:r>
-            <a:r>
-              <a:rPr lang="zh-CN" altLang="en-US" baseline="0" dirty="0"/>
-              <a:t> </a:t>
-            </a:r>
-            <a:r>
-              <a:rPr lang="en-US" altLang="zh-CN" baseline="0" dirty="0"/>
-              <a:t>information</a:t>
-            </a:r>
-            <a:r>
-              <a:rPr lang="zh-CN" altLang="en-US" baseline="0" dirty="0"/>
-              <a:t> </a:t>
-            </a:r>
-            <a:r>
-              <a:rPr lang="en-US" altLang="zh-CN" baseline="0" dirty="0"/>
-              <a:t>we</a:t>
-            </a:r>
-            <a:r>
-              <a:rPr lang="zh-CN" altLang="en-US" baseline="0" dirty="0"/>
-              <a:t> </a:t>
-            </a:r>
-            <a:r>
-              <a:rPr lang="en-US" altLang="zh-CN" baseline="0" dirty="0"/>
-              <a:t>are</a:t>
-            </a:r>
-            <a:r>
-              <a:rPr lang="zh-CN" altLang="en-US" baseline="0" dirty="0"/>
-              <a:t> </a:t>
-            </a:r>
-            <a:r>
-              <a:rPr lang="en-US" altLang="zh-CN" baseline="0" dirty="0"/>
-              <a:t>going</a:t>
-            </a:r>
-            <a:r>
-              <a:rPr lang="zh-CN" altLang="en-US" baseline="0" dirty="0"/>
-              <a:t> </a:t>
-            </a:r>
-            <a:r>
-              <a:rPr lang="en-US" altLang="zh-CN" baseline="0" dirty="0"/>
-              <a:t>to</a:t>
-            </a:r>
-            <a:r>
-              <a:rPr lang="zh-CN" altLang="en-US" baseline="0" dirty="0"/>
-              <a:t> </a:t>
-            </a:r>
-            <a:r>
-              <a:rPr lang="en-US" altLang="zh-CN" baseline="0" dirty="0"/>
-              <a:t>throw</a:t>
-            </a:r>
-            <a:r>
-              <a:rPr lang="zh-CN" altLang="en-US" baseline="0" dirty="0"/>
-              <a:t> </a:t>
-            </a:r>
-            <a:r>
-              <a:rPr lang="en-US" altLang="zh-CN" baseline="0" dirty="0"/>
-              <a:t>away</a:t>
-            </a:r>
-            <a:r>
-              <a:rPr lang="zh-CN" altLang="en-US" baseline="0" dirty="0"/>
-              <a:t> </a:t>
-            </a:r>
-            <a:r>
-              <a:rPr lang="en-US" altLang="zh-CN" baseline="0" dirty="0"/>
-              <a:t>from</a:t>
-            </a:r>
-            <a:r>
-              <a:rPr lang="zh-CN" altLang="en-US" baseline="0" dirty="0"/>
-              <a:t> </a:t>
-            </a:r>
-            <a:r>
-              <a:rPr lang="en-US" altLang="zh-CN" baseline="0" dirty="0"/>
-              <a:t>the</a:t>
-            </a:r>
-            <a:r>
-              <a:rPr lang="zh-CN" altLang="en-US" baseline="0" dirty="0"/>
-              <a:t> </a:t>
-            </a:r>
-            <a:r>
-              <a:rPr lang="en-US" altLang="zh-CN" baseline="0" dirty="0"/>
-              <a:t>cell</a:t>
-            </a:r>
-            <a:r>
-              <a:rPr lang="zh-CN" altLang="en-US" baseline="0" dirty="0"/>
-              <a:t> </a:t>
-            </a:r>
-            <a:r>
-              <a:rPr lang="en-US" altLang="zh-CN" baseline="0" dirty="0"/>
-              <a:t>state.</a:t>
+              <a:rPr lang="en-AU" sz="1200" b="0" i="0" u="none" strike="noStrike" kern="1200" cap="none" dirty="0">
+                <a:solidFill>
+                  <a:schemeClr val="dk1"/>
+                </a:solidFill>
+                <a:effectLst/>
+                <a:latin typeface="Calibri"/>
+                <a:ea typeface="Calibri"/>
+                <a:cs typeface="Calibri"/>
+                <a:sym typeface="Calibri"/>
+              </a:rPr>
+              <a:t>and ask it to model the probability distribution of the next character in the sequence given a sequence of previous characters. </a:t>
             </a:r>
           </a:p>
           <a:p>
-            <a:r>
-              <a:rPr lang="en-US" baseline="0" dirty="0"/>
-              <a:t>The</a:t>
-            </a:r>
-            <a:r>
-              <a:rPr lang="zh-CN" altLang="en-US" baseline="0" dirty="0"/>
-              <a:t> </a:t>
-            </a:r>
-            <a:r>
-              <a:rPr lang="en-US" altLang="zh-CN" baseline="0" dirty="0"/>
-              <a:t>second</a:t>
-            </a:r>
-            <a:r>
-              <a:rPr lang="zh-CN" altLang="en-US" baseline="0" dirty="0"/>
-              <a:t> </a:t>
-            </a:r>
-            <a:r>
-              <a:rPr lang="en-US" altLang="zh-CN" baseline="0" dirty="0"/>
-              <a:t>layer</a:t>
-            </a:r>
-            <a:r>
-              <a:rPr lang="zh-CN" altLang="en-US" baseline="0" dirty="0"/>
-              <a:t> </a:t>
-            </a:r>
-            <a:r>
-              <a:rPr lang="en-US" altLang="zh-CN" baseline="0" dirty="0"/>
-              <a:t>decides</a:t>
-            </a:r>
-            <a:r>
-              <a:rPr lang="zh-CN" altLang="en-US" baseline="0" dirty="0"/>
-              <a:t> </a:t>
-            </a:r>
-            <a:r>
-              <a:rPr lang="en-US" altLang="zh-CN" baseline="0" dirty="0"/>
-              <a:t>what</a:t>
-            </a:r>
-            <a:r>
-              <a:rPr lang="zh-CN" altLang="en-US" baseline="0" dirty="0"/>
-              <a:t> </a:t>
-            </a:r>
-            <a:r>
-              <a:rPr lang="en-US" altLang="zh-CN" baseline="0" dirty="0"/>
-              <a:t>new</a:t>
-            </a:r>
-            <a:r>
-              <a:rPr lang="zh-CN" altLang="en-US" baseline="0" dirty="0"/>
-              <a:t> </a:t>
-            </a:r>
-            <a:r>
-              <a:rPr lang="en-US" altLang="zh-CN" baseline="0" dirty="0"/>
-              <a:t>new information we’re going to store in the cell state.</a:t>
-            </a:r>
-          </a:p>
-          <a:p>
-            <a:endParaRPr lang="en-US" baseline="0" dirty="0"/>
-          </a:p>
-          <a:p>
-            <a:r>
-              <a:rPr lang="en-US" baseline="0" dirty="0"/>
-              <a:t>The</a:t>
-            </a:r>
-            <a:r>
-              <a:rPr lang="zh-CN" altLang="en-US" baseline="0" dirty="0"/>
-              <a:t> </a:t>
-            </a:r>
-            <a:r>
-              <a:rPr lang="en-US" altLang="zh-CN" baseline="0" dirty="0"/>
-              <a:t>last</a:t>
-            </a:r>
-            <a:r>
-              <a:rPr lang="zh-CN" altLang="en-US" baseline="0" dirty="0"/>
-              <a:t> </a:t>
-            </a:r>
-            <a:r>
-              <a:rPr lang="en-US" altLang="zh-CN" baseline="0" dirty="0"/>
-              <a:t>layer</a:t>
-            </a:r>
-            <a:r>
-              <a:rPr lang="zh-CN" altLang="en-US" baseline="0" dirty="0"/>
-              <a:t> </a:t>
-            </a:r>
-            <a:r>
-              <a:rPr lang="en-US" altLang="zh-CN" baseline="0" dirty="0"/>
-              <a:t>decide what we’re going to output.</a:t>
-            </a:r>
-            <a:endParaRPr lang="en-US" baseline="0" dirty="0"/>
-          </a:p>
-          <a:p>
-            <a:endParaRPr lang="en-US" baseline="0" dirty="0"/>
-          </a:p>
-          <a:p>
-            <a:endParaRPr lang="en-US" baseline="0" dirty="0"/>
+            <a:pPr marL="0" marR="0" indent="0" algn="l" defTabSz="457200" rtl="0" eaLnBrk="1" fontAlgn="auto" latinLnBrk="0" hangingPunct="1">
+              <a:lnSpc>
+                <a:spcPct val="100000"/>
+              </a:lnSpc>
+              <a:spcBef>
+                <a:spcPts val="0"/>
+              </a:spcBef>
+              <a:spcAft>
+                <a:spcPts val="0"/>
+              </a:spcAft>
+              <a:buClr>
+                <a:schemeClr val="dk1"/>
+              </a:buClr>
+              <a:buSzTx/>
+              <a:buFont typeface="Calibri"/>
+              <a:buNone/>
+              <a:tabLst/>
+              <a:defRPr/>
+            </a:pPr>
+            <a:r>
+              <a:rPr lang="en-US" altLang="zh-CN" sz="1200" b="0" i="0" u="none" strike="noStrike" kern="1200" cap="none" dirty="0">
+                <a:solidFill>
+                  <a:schemeClr val="dk1"/>
+                </a:solidFill>
+                <a:effectLst/>
+                <a:latin typeface="Calibri"/>
+                <a:ea typeface="Calibri"/>
+                <a:cs typeface="Calibri"/>
+                <a:sym typeface="Calibri"/>
+              </a:rPr>
+              <a:t>%</a:t>
+            </a:r>
+            <a:endParaRPr lang="en-US" dirty="0"/>
           </a:p>
         </p:txBody>
       </p:sp>
@@ -18239,7 +18128,7 @@
                 <a:cs typeface="Arial"/>
                 <a:sym typeface="Arial"/>
               </a:rPr>
-              <a:t>11</a:t>
+              <a:t>10</a:t>
             </a:fld>
             <a:endParaRPr lang="en-US" sz="1200" b="0" i="0" u="none" strike="noStrike" cap="none">
               <a:solidFill>
@@ -18256,7 +18145,7 @@
     </p:spTree>
     <p:extLst>
       <p:ext uri="{BB962C8B-B14F-4D97-AF65-F5344CB8AC3E}">
-        <p14:creationId xmlns:p14="http://schemas.microsoft.com/office/powerpoint/2010/main" val="3599240825"/>
+        <p14:creationId xmlns:p14="http://schemas.microsoft.com/office/powerpoint/2010/main" val="23153761"/>
       </p:ext>
     </p:extLst>
   </p:cSld>
@@ -18315,7 +18204,499 @@
           <a:bodyPr/>
           <a:lstStyle/>
           <a:p>
-            <a:endParaRPr lang="en-US" dirty="0"/>
+            <a:r>
+              <a:rPr lang="en-US" dirty="0"/>
+              <a:t>Although RNN</a:t>
+            </a:r>
+            <a:r>
+              <a:rPr lang="en-US" baseline="0" dirty="0"/>
+              <a:t> is </a:t>
+            </a:r>
+            <a:r>
+              <a:rPr lang="en-US" baseline="0" dirty="0" err="1"/>
+              <a:t>flexibile</a:t>
+            </a:r>
+            <a:r>
+              <a:rPr lang="en-US" baseline="0" dirty="0"/>
+              <a:t> on its input size and output size, it does have limitations. </a:t>
+            </a:r>
+          </a:p>
+          <a:p>
+            <a:endParaRPr lang="en-US" baseline="0" dirty="0"/>
+          </a:p>
+          <a:p>
+            <a:r>
+              <a:rPr lang="en-US" baseline="0" dirty="0"/>
+              <a:t>When</a:t>
+            </a:r>
+            <a:r>
+              <a:rPr lang="zh-CN" altLang="en-US" baseline="0" dirty="0"/>
+              <a:t> </a:t>
+            </a:r>
+            <a:r>
+              <a:rPr lang="en-US" baseline="0" dirty="0"/>
+              <a:t>the gap between the relevant information and the place that the</a:t>
+            </a:r>
+            <a:r>
+              <a:rPr lang="zh-CN" altLang="en-US" baseline="0" dirty="0"/>
+              <a:t> </a:t>
+            </a:r>
+            <a:r>
+              <a:rPr lang="en-US" altLang="zh-CN" baseline="0" dirty="0"/>
+              <a:t>in</a:t>
+            </a:r>
+            <a:r>
+              <a:rPr lang="zh-CN" altLang="en-US" baseline="0" dirty="0"/>
+              <a:t> </a:t>
+            </a:r>
+            <a:r>
+              <a:rPr lang="en-US" altLang="zh-CN" baseline="0" dirty="0"/>
+              <a:t>formation</a:t>
+            </a:r>
+            <a:r>
+              <a:rPr lang="zh-CN" altLang="en-US" baseline="0" dirty="0"/>
+              <a:t> </a:t>
+            </a:r>
+            <a:r>
+              <a:rPr lang="en-US" baseline="0" dirty="0"/>
+              <a:t>needed is large</a:t>
+            </a:r>
+            <a:r>
+              <a:rPr lang="zh-CN" altLang="en-US" baseline="0" dirty="0"/>
+              <a:t> </a:t>
+            </a:r>
+            <a:r>
+              <a:rPr lang="en-US" baseline="0" dirty="0"/>
+              <a:t>, RNNs cannot</a:t>
+            </a:r>
+            <a:r>
+              <a:rPr lang="zh-CN" altLang="en-US" baseline="0" dirty="0"/>
+              <a:t> </a:t>
+            </a:r>
+            <a:r>
+              <a:rPr lang="en-US" altLang="zh-CN" baseline="0" dirty="0"/>
+              <a:t>handle</a:t>
+            </a:r>
+            <a:r>
+              <a:rPr lang="zh-CN" altLang="en-US" baseline="0" dirty="0"/>
+              <a:t> </a:t>
+            </a:r>
+            <a:r>
+              <a:rPr lang="en-US" altLang="zh-CN" baseline="0" dirty="0"/>
+              <a:t>such “long-term dependencies.”</a:t>
+            </a:r>
+            <a:r>
+              <a:rPr lang="zh-CN" altLang="en-US" baseline="0" dirty="0"/>
+              <a:t> </a:t>
+            </a:r>
+            <a:r>
+              <a:rPr lang="en-US" altLang="zh-CN" baseline="0" dirty="0"/>
+              <a:t>t</a:t>
+            </a:r>
+          </a:p>
+          <a:p>
+            <a:endParaRPr lang="en-US" baseline="0" dirty="0"/>
+          </a:p>
+          <a:p>
+            <a:r>
+              <a:rPr lang="en-US" baseline="0" dirty="0"/>
+              <a:t>To solve this problem, we use a special kind of Recurrent neural network, </a:t>
+            </a:r>
+            <a:r>
+              <a:rPr lang="zh-CN" altLang="en-US" baseline="0" dirty="0"/>
+              <a:t> </a:t>
+            </a:r>
+            <a:r>
+              <a:rPr lang="en-US" altLang="zh-CN" baseline="0" dirty="0"/>
+              <a:t>An</a:t>
+            </a:r>
+            <a:r>
+              <a:rPr lang="zh-CN" altLang="en-US" baseline="0" dirty="0"/>
+              <a:t> </a:t>
+            </a:r>
+            <a:r>
+              <a:rPr lang="en-US" altLang="zh-CN" baseline="0" dirty="0"/>
+              <a:t>SLTM</a:t>
+            </a:r>
+            <a:r>
+              <a:rPr lang="zh-CN" altLang="en-US" baseline="0" dirty="0"/>
+              <a:t> </a:t>
+            </a:r>
+            <a:r>
+              <a:rPr lang="en-US" altLang="zh-CN" baseline="0" dirty="0"/>
+              <a:t>network</a:t>
+            </a:r>
+            <a:r>
+              <a:rPr lang="zh-CN" altLang="en-US" baseline="0" dirty="0"/>
+              <a:t> </a:t>
+            </a:r>
+            <a:r>
+              <a:rPr lang="en-US" altLang="zh-CN" baseline="0" dirty="0"/>
+              <a:t>also</a:t>
+            </a:r>
+            <a:r>
+              <a:rPr lang="zh-CN" altLang="en-US" baseline="0" dirty="0"/>
+              <a:t> </a:t>
+            </a:r>
+            <a:r>
+              <a:rPr lang="en-US" altLang="zh-CN" baseline="0" dirty="0"/>
+              <a:t>has</a:t>
+            </a:r>
+            <a:r>
+              <a:rPr lang="zh-CN" altLang="en-US" baseline="0" dirty="0"/>
+              <a:t> </a:t>
+            </a:r>
+            <a:r>
+              <a:rPr lang="en-US" altLang="zh-CN" baseline="0" dirty="0"/>
+              <a:t>a</a:t>
+            </a:r>
+            <a:r>
+              <a:rPr lang="zh-CN" altLang="en-US" baseline="0" dirty="0"/>
+              <a:t> </a:t>
+            </a:r>
+            <a:r>
+              <a:rPr lang="en-US" altLang="zh-CN" baseline="0" dirty="0"/>
+              <a:t>recursive</a:t>
+            </a:r>
+            <a:r>
+              <a:rPr lang="zh-CN" altLang="en-US" baseline="0" dirty="0"/>
+              <a:t> </a:t>
+            </a:r>
+            <a:r>
+              <a:rPr lang="en-US" altLang="zh-CN" baseline="0" dirty="0"/>
+              <a:t>structure,</a:t>
+            </a:r>
+            <a:r>
+              <a:rPr lang="zh-CN" altLang="en-US" baseline="0" dirty="0"/>
+              <a:t> </a:t>
+            </a:r>
+            <a:r>
+              <a:rPr lang="en-US" altLang="zh-CN" baseline="0" dirty="0"/>
+              <a:t>but</a:t>
+            </a:r>
+            <a:r>
+              <a:rPr lang="zh-CN" altLang="en-US" baseline="0" dirty="0"/>
+              <a:t> </a:t>
+            </a:r>
+            <a:r>
+              <a:rPr lang="en-US" altLang="zh-CN" baseline="0" dirty="0"/>
+              <a:t>the</a:t>
+            </a:r>
+            <a:r>
+              <a:rPr lang="zh-CN" altLang="en-US" baseline="0" dirty="0"/>
+              <a:t> </a:t>
+            </a:r>
+            <a:r>
+              <a:rPr lang="en-US" altLang="zh-CN" baseline="0" dirty="0"/>
+              <a:t>repeated</a:t>
+            </a:r>
+            <a:r>
+              <a:rPr lang="zh-CN" altLang="en-US" baseline="0" dirty="0"/>
+              <a:t> </a:t>
+            </a:r>
+            <a:r>
+              <a:rPr lang="en-US" altLang="zh-CN" baseline="0" dirty="0"/>
+              <a:t>cell</a:t>
+            </a:r>
+            <a:r>
+              <a:rPr lang="zh-CN" altLang="en-US" baseline="0" dirty="0"/>
+              <a:t> </a:t>
+            </a:r>
+            <a:r>
+              <a:rPr lang="en-US" altLang="zh-CN" baseline="0" dirty="0"/>
+              <a:t>has</a:t>
+            </a:r>
+            <a:r>
+              <a:rPr lang="zh-CN" altLang="en-US" baseline="0" dirty="0"/>
+              <a:t> </a:t>
+            </a:r>
+            <a:r>
+              <a:rPr lang="en-US" altLang="zh-CN" baseline="0" dirty="0"/>
+              <a:t>four</a:t>
+            </a:r>
+            <a:r>
+              <a:rPr lang="zh-CN" altLang="en-US" baseline="0" dirty="0"/>
+              <a:t> </a:t>
+            </a:r>
+            <a:r>
+              <a:rPr lang="en-US" altLang="zh-CN" baseline="0" dirty="0"/>
+              <a:t>network</a:t>
+            </a:r>
+            <a:r>
+              <a:rPr lang="zh-CN" altLang="en-US" baseline="0" dirty="0"/>
+              <a:t> </a:t>
+            </a:r>
+            <a:r>
+              <a:rPr lang="en-US" altLang="zh-CN" baseline="0" dirty="0"/>
+              <a:t>layers</a:t>
+            </a:r>
+            <a:r>
+              <a:rPr lang="zh-CN" altLang="en-US" baseline="0" dirty="0"/>
+              <a:t> </a:t>
+            </a:r>
+            <a:r>
+              <a:rPr lang="en-US" altLang="zh-CN" baseline="0" dirty="0"/>
+              <a:t>instead</a:t>
+            </a:r>
+            <a:r>
+              <a:rPr lang="zh-CN" altLang="en-US" baseline="0" dirty="0"/>
+              <a:t> </a:t>
+            </a:r>
+            <a:r>
+              <a:rPr lang="en-US" altLang="zh-CN" baseline="0" dirty="0"/>
+              <a:t>of</a:t>
+            </a:r>
+            <a:r>
+              <a:rPr lang="zh-CN" altLang="en-US" baseline="0" dirty="0"/>
+              <a:t> </a:t>
+            </a:r>
+            <a:r>
+              <a:rPr lang="en-US" altLang="zh-CN" baseline="0" dirty="0"/>
+              <a:t>one.</a:t>
+            </a:r>
+          </a:p>
+          <a:p>
+            <a:endParaRPr lang="en-US" baseline="0" dirty="0"/>
+          </a:p>
+          <a:p>
+            <a:r>
+              <a:rPr lang="en-US" baseline="0" dirty="0"/>
+              <a:t>The</a:t>
+            </a:r>
+            <a:r>
+              <a:rPr lang="zh-CN" altLang="en-US" baseline="0" dirty="0"/>
+              <a:t> </a:t>
+            </a:r>
+            <a:r>
+              <a:rPr lang="en-US" baseline="0" dirty="0"/>
+              <a:t>sigmoid layer called the “forget gate layer</a:t>
+            </a:r>
+            <a:r>
+              <a:rPr lang="en-US" altLang="zh-CN" baseline="0" dirty="0"/>
+              <a:t>.</a:t>
+            </a:r>
+            <a:r>
+              <a:rPr lang="zh-CN" altLang="en-US" baseline="0" dirty="0"/>
+              <a:t> </a:t>
+            </a:r>
+            <a:r>
+              <a:rPr lang="en-US" baseline="0" dirty="0"/>
+              <a:t>Each</a:t>
+            </a:r>
+            <a:r>
+              <a:rPr lang="zh-CN" altLang="en-US" baseline="0" dirty="0"/>
+              <a:t> </a:t>
+            </a:r>
+            <a:r>
+              <a:rPr lang="en-US" altLang="zh-CN" baseline="0" dirty="0"/>
+              <a:t>layer</a:t>
+            </a:r>
+            <a:r>
+              <a:rPr lang="zh-CN" altLang="en-US" baseline="0" dirty="0"/>
+              <a:t> </a:t>
+            </a:r>
+            <a:r>
+              <a:rPr lang="en-US" altLang="zh-CN" baseline="0" dirty="0"/>
+              <a:t>can</a:t>
+            </a:r>
+            <a:r>
+              <a:rPr lang="zh-CN" altLang="en-US" baseline="0" dirty="0"/>
+              <a:t> </a:t>
+            </a:r>
+            <a:r>
+              <a:rPr lang="en-US" altLang="zh-CN" baseline="0" dirty="0"/>
+              <a:t>decide</a:t>
+            </a:r>
+            <a:r>
+              <a:rPr lang="zh-CN" altLang="en-US" baseline="0" dirty="0"/>
+              <a:t> </a:t>
+            </a:r>
+            <a:r>
+              <a:rPr lang="en-US" altLang="zh-CN" baseline="0" dirty="0"/>
+              <a:t>what</a:t>
+            </a:r>
+            <a:r>
+              <a:rPr lang="zh-CN" altLang="en-US" baseline="0" dirty="0"/>
+              <a:t> </a:t>
+            </a:r>
+            <a:r>
+              <a:rPr lang="en-US" altLang="zh-CN" baseline="0" dirty="0"/>
+              <a:t>information</a:t>
+            </a:r>
+            <a:r>
+              <a:rPr lang="zh-CN" altLang="en-US" baseline="0" dirty="0"/>
+              <a:t> </a:t>
+            </a:r>
+            <a:r>
+              <a:rPr lang="en-US" altLang="zh-CN" baseline="0" dirty="0"/>
+              <a:t>we</a:t>
+            </a:r>
+            <a:r>
+              <a:rPr lang="zh-CN" altLang="en-US" baseline="0" dirty="0"/>
+              <a:t> </a:t>
+            </a:r>
+            <a:r>
+              <a:rPr lang="en-US" altLang="zh-CN" baseline="0" dirty="0"/>
+              <a:t>are</a:t>
+            </a:r>
+            <a:r>
+              <a:rPr lang="zh-CN" altLang="en-US" baseline="0" dirty="0"/>
+              <a:t> </a:t>
+            </a:r>
+            <a:r>
+              <a:rPr lang="en-US" altLang="zh-CN" baseline="0" dirty="0"/>
+              <a:t>going</a:t>
+            </a:r>
+            <a:r>
+              <a:rPr lang="zh-CN" altLang="en-US" baseline="0" dirty="0"/>
+              <a:t> </a:t>
+            </a:r>
+            <a:r>
+              <a:rPr lang="en-US" altLang="zh-CN" baseline="0" dirty="0"/>
+              <a:t>to</a:t>
+            </a:r>
+            <a:r>
+              <a:rPr lang="zh-CN" altLang="en-US" baseline="0" dirty="0"/>
+              <a:t> </a:t>
+            </a:r>
+            <a:r>
+              <a:rPr lang="en-US" altLang="zh-CN" baseline="0" dirty="0"/>
+              <a:t>throw</a:t>
+            </a:r>
+            <a:r>
+              <a:rPr lang="zh-CN" altLang="en-US" baseline="0" dirty="0"/>
+              <a:t> </a:t>
+            </a:r>
+            <a:r>
+              <a:rPr lang="en-US" altLang="zh-CN" baseline="0" dirty="0"/>
+              <a:t>away</a:t>
+            </a:r>
+            <a:r>
+              <a:rPr lang="zh-CN" altLang="en-US" baseline="0" dirty="0"/>
+              <a:t> </a:t>
+            </a:r>
+            <a:r>
+              <a:rPr lang="en-US" altLang="zh-CN" baseline="0" dirty="0"/>
+              <a:t>from</a:t>
+            </a:r>
+            <a:r>
+              <a:rPr lang="zh-CN" altLang="en-US" baseline="0" dirty="0"/>
+              <a:t> </a:t>
+            </a:r>
+            <a:r>
+              <a:rPr lang="en-US" altLang="zh-CN" baseline="0" dirty="0"/>
+              <a:t>the</a:t>
+            </a:r>
+            <a:r>
+              <a:rPr lang="zh-CN" altLang="en-US" baseline="0" dirty="0"/>
+              <a:t> </a:t>
+            </a:r>
+            <a:r>
+              <a:rPr lang="en-US" altLang="zh-CN" baseline="0" dirty="0"/>
+              <a:t>cell</a:t>
+            </a:r>
+            <a:r>
+              <a:rPr lang="zh-CN" altLang="en-US" baseline="0" dirty="0"/>
+              <a:t> </a:t>
+            </a:r>
+            <a:r>
+              <a:rPr lang="en-US" altLang="zh-CN" baseline="0" dirty="0"/>
+              <a:t>state.</a:t>
+            </a:r>
+          </a:p>
+          <a:p>
+            <a:r>
+              <a:rPr lang="en-US" baseline="0" dirty="0"/>
+              <a:t>The</a:t>
+            </a:r>
+            <a:r>
+              <a:rPr lang="zh-CN" altLang="en-US" baseline="0" dirty="0"/>
+              <a:t> </a:t>
+            </a:r>
+            <a:r>
+              <a:rPr lang="en-US" altLang="zh-CN" baseline="0" dirty="0"/>
+              <a:t>second</a:t>
+            </a:r>
+            <a:r>
+              <a:rPr lang="zh-CN" altLang="en-US" baseline="0" dirty="0"/>
+              <a:t> </a:t>
+            </a:r>
+            <a:r>
+              <a:rPr lang="en-US" altLang="zh-CN" baseline="0" dirty="0"/>
+              <a:t>layer</a:t>
+            </a:r>
+            <a:r>
+              <a:rPr lang="zh-CN" altLang="en-US" baseline="0" dirty="0"/>
+              <a:t> </a:t>
+            </a:r>
+            <a:r>
+              <a:rPr lang="en-US" altLang="zh-CN" baseline="0" dirty="0"/>
+              <a:t>decides</a:t>
+            </a:r>
+            <a:r>
+              <a:rPr lang="zh-CN" altLang="en-US" baseline="0" dirty="0"/>
+              <a:t> </a:t>
+            </a:r>
+            <a:r>
+              <a:rPr lang="en-US" altLang="zh-CN" baseline="0" dirty="0"/>
+              <a:t>what</a:t>
+            </a:r>
+            <a:r>
+              <a:rPr lang="zh-CN" altLang="en-US" baseline="0" dirty="0"/>
+              <a:t> </a:t>
+            </a:r>
+            <a:r>
+              <a:rPr lang="en-US" altLang="zh-CN" baseline="0" dirty="0"/>
+              <a:t>new</a:t>
+            </a:r>
+            <a:r>
+              <a:rPr lang="zh-CN" altLang="en-US" baseline="0" dirty="0"/>
+              <a:t> </a:t>
+            </a:r>
+            <a:r>
+              <a:rPr lang="en-US" altLang="zh-CN" baseline="0" dirty="0"/>
+              <a:t>new information we’re going to store in the cell state.</a:t>
+            </a:r>
+          </a:p>
+          <a:p>
+            <a:endParaRPr lang="en-US" baseline="0" dirty="0"/>
+          </a:p>
+          <a:p>
+            <a:r>
+              <a:rPr lang="en-US" baseline="0" dirty="0"/>
+              <a:t>The</a:t>
+            </a:r>
+            <a:r>
+              <a:rPr lang="zh-CN" altLang="en-US" baseline="0" dirty="0"/>
+              <a:t> </a:t>
+            </a:r>
+            <a:r>
+              <a:rPr lang="en-US" altLang="zh-CN" baseline="0" dirty="0"/>
+              <a:t>last</a:t>
+            </a:r>
+            <a:r>
+              <a:rPr lang="zh-CN" altLang="en-US" baseline="0" dirty="0"/>
+              <a:t> </a:t>
+            </a:r>
+            <a:r>
+              <a:rPr lang="en-US" altLang="zh-CN" baseline="0" dirty="0"/>
+              <a:t>layer</a:t>
+            </a:r>
+            <a:r>
+              <a:rPr lang="zh-CN" altLang="en-US" baseline="0" dirty="0"/>
+              <a:t> </a:t>
+            </a:r>
+            <a:r>
+              <a:rPr lang="en-US" altLang="zh-CN" baseline="0" dirty="0"/>
+              <a:t>decide what we’re going to output.</a:t>
+            </a:r>
+            <a:endParaRPr lang="en-US" baseline="0" dirty="0"/>
+          </a:p>
+          <a:p>
+            <a:endParaRPr lang="en-US" baseline="0" dirty="0"/>
+          </a:p>
+          <a:p>
+            <a:endParaRPr lang="en-US" baseline="0" dirty="0"/>
           </a:p>
         </p:txBody>
       </p:sp>
@@ -18361,7 +18742,7 @@
                 <a:cs typeface="Arial"/>
                 <a:sym typeface="Arial"/>
               </a:rPr>
-              <a:t>17</a:t>
+              <a:t>11</a:t>
             </a:fld>
             <a:endParaRPr lang="en-US" sz="1200" b="0" i="0" u="none" strike="noStrike" cap="none">
               <a:solidFill>
@@ -18378,7 +18759,7 @@
     </p:spTree>
     <p:extLst>
       <p:ext uri="{BB962C8B-B14F-4D97-AF65-F5344CB8AC3E}">
-        <p14:creationId xmlns:p14="http://schemas.microsoft.com/office/powerpoint/2010/main" val="1139466394"/>
+        <p14:creationId xmlns:p14="http://schemas.microsoft.com/office/powerpoint/2010/main" val="3599240825"/>
       </p:ext>
     </p:extLst>
   </p:cSld>
@@ -25307,8 +25688,8 @@
         </p:nvSpPr>
         <p:spPr>
           <a:xfrm>
-            <a:off x="685800" y="1728787"/>
-            <a:ext cx="7772400" cy="1931987"/>
+            <a:off x="510986" y="1728787"/>
+            <a:ext cx="8175812" cy="1931987"/>
           </a:xfrm>
           <a:prstGeom prst="rect">
             <a:avLst/>
@@ -29915,131 +30296,6 @@
           <a:lstStyle/>
           <a:p>
             <a:r>
-              <a:rPr lang="en-US" altLang="zh-CN" dirty="0"/>
-              <a:t>GANs</a:t>
-            </a:r>
-            <a:endParaRPr lang="zh-CN" altLang="en-US" dirty="0"/>
-          </a:p>
-        </p:txBody>
-      </p:sp>
-      <p:pic>
-        <p:nvPicPr>
-          <p:cNvPr id="4" name="Content Placeholder 3"/>
-          <p:cNvPicPr>
-            <a:picLocks noGrp="1" noChangeAspect="1"/>
-          </p:cNvPicPr>
-          <p:nvPr>
-            <p:ph idx="1"/>
-          </p:nvPr>
-        </p:nvPicPr>
-        <p:blipFill>
-          <a:blip r:embed="rId2">
-            <a:extLst>
-              <a:ext uri="{28A0092B-C50C-407E-A947-70E740481C1C}">
-                <a14:useLocalDpi xmlns:a14="http://schemas.microsoft.com/office/drawing/2010/main" val="0"/>
-              </a:ext>
-            </a:extLst>
-          </a:blip>
-          <a:stretch>
-            <a:fillRect/>
-          </a:stretch>
-        </p:blipFill>
-        <p:spPr>
-          <a:xfrm>
-            <a:off x="552900" y="2058988"/>
-            <a:ext cx="8038199" cy="4067175"/>
-          </a:xfrm>
-        </p:spPr>
-      </p:pic>
-      <p:sp>
-        <p:nvSpPr>
-          <p:cNvPr id="5" name="TextBox 4"/>
-          <p:cNvSpPr txBox="1"/>
-          <p:nvPr/>
-        </p:nvSpPr>
-        <p:spPr>
-          <a:xfrm>
-            <a:off x="640080" y="6325506"/>
-            <a:ext cx="8046720" cy="261610"/>
-          </a:xfrm>
-          <a:prstGeom prst="rect">
-            <a:avLst/>
-          </a:prstGeom>
-          <a:noFill/>
-        </p:spPr>
-        <p:txBody>
-          <a:bodyPr wrap="square" rtlCol="0">
-            <a:spAutoFit/>
-          </a:bodyPr>
-          <a:lstStyle/>
-          <a:p>
-            <a:pPr algn="ctr"/>
-            <a:r>
-              <a:rPr lang="en-US" altLang="zh-CN" sz="1100" dirty="0"/>
-              <a:t>Isola, Phillip, et al. "Image-to-image translation with conditional adversarial networks." </a:t>
-            </a:r>
-            <a:r>
-              <a:rPr lang="en-US" altLang="zh-CN" sz="1100" i="1" dirty="0" err="1"/>
-              <a:t>arXiv</a:t>
-            </a:r>
-            <a:r>
-              <a:rPr lang="en-US" altLang="zh-CN" sz="1100" i="1" dirty="0"/>
-              <a:t> preprint arXiv:1611.07004</a:t>
-            </a:r>
-            <a:r>
-              <a:rPr lang="en-US" altLang="zh-CN" sz="1100" dirty="0"/>
-              <a:t> (2016).</a:t>
-            </a:r>
-            <a:endParaRPr lang="zh-CN" altLang="en-US" sz="1100" dirty="0"/>
-          </a:p>
-        </p:txBody>
-      </p:sp>
-    </p:spTree>
-    <p:extLst>
-      <p:ext uri="{BB962C8B-B14F-4D97-AF65-F5344CB8AC3E}">
-        <p14:creationId xmlns:p14="http://schemas.microsoft.com/office/powerpoint/2010/main" val="4130052678"/>
-      </p:ext>
-    </p:extLst>
-  </p:cSld>
-  <p:clrMapOvr>
-    <a:masterClrMapping/>
-  </p:clrMapOvr>
-</p:sld>
-</file>
-
-<file path=ppt/slides/slide15.xml><?xml version="1.0" encoding="utf-8"?>
-<p:sld xmlns:a="http://schemas.openxmlformats.org/drawingml/2006/main" xmlns:r="http://schemas.openxmlformats.org/officeDocument/2006/relationships" xmlns:p="http://schemas.openxmlformats.org/presentationml/2006/main">
-  <p:cSld>
-    <p:spTree>
-      <p:nvGrpSpPr>
-        <p:cNvPr id="1" name=""/>
-        <p:cNvGrpSpPr/>
-        <p:nvPr/>
-      </p:nvGrpSpPr>
-      <p:grpSpPr>
-        <a:xfrm>
-          <a:off x="0" y="0"/>
-          <a:ext cx="0" cy="0"/>
-          <a:chOff x="0" y="0"/>
-          <a:chExt cx="0" cy="0"/>
-        </a:xfrm>
-      </p:grpSpPr>
-      <p:sp>
-        <p:nvSpPr>
-          <p:cNvPr id="2" name="Title 1"/>
-          <p:cNvSpPr>
-            <a:spLocks noGrp="1"/>
-          </p:cNvSpPr>
-          <p:nvPr>
-            <p:ph type="title"/>
-          </p:nvPr>
-        </p:nvSpPr>
-        <p:spPr/>
-        <p:txBody>
-          <a:bodyPr/>
-          <a:lstStyle/>
-          <a:p>
-            <a:r>
               <a:rPr lang="en-US" altLang="zh-CN" dirty="0" err="1"/>
               <a:t>SeqGAN</a:t>
             </a:r>
@@ -30144,7 +30400,7 @@
 </p:sld>
 </file>
 
-<file path=ppt/slides/slide16.xml><?xml version="1.0" encoding="utf-8"?>
+<file path=ppt/slides/slide15.xml><?xml version="1.0" encoding="utf-8"?>
 <p:sld xmlns:a="http://schemas.openxmlformats.org/drawingml/2006/main" xmlns:r="http://schemas.openxmlformats.org/officeDocument/2006/relationships" xmlns:p="http://schemas.openxmlformats.org/presentationml/2006/main">
   <p:cSld>
     <p:spTree>
@@ -30210,7 +30466,15 @@
             </a:r>
             <a:r>
               <a:rPr lang="zh-CN" altLang="en-US" dirty="0"/>
-              <a:t>浣溪沙） </a:t>
+              <a:t>浣溪沙</a:t>
+            </a:r>
+            <a:r>
+              <a:rPr lang="en-US" altLang="zh-CN" dirty="0"/>
+              <a:t>)</a:t>
+            </a:r>
+            <a:r>
+              <a:rPr lang="zh-CN" altLang="en-US" dirty="0"/>
+              <a:t> </a:t>
             </a:r>
             <a:br>
               <a:rPr lang="en-US" sz="2400" dirty="0">
@@ -30269,7 +30533,7 @@
                 <a:cs typeface="Arial"/>
                 <a:sym typeface="Arial"/>
               </a:rPr>
-              <a:t>16</a:t>
+              <a:t>15</a:t>
             </a:fld>
             <a:endParaRPr lang="en-US" sz="1200" b="0" i="0" u="none" strike="noStrike" cap="none">
               <a:solidFill>
@@ -30482,7 +30746,7 @@
                   </a:schemeClr>
                 </a:solidFill>
               </a:rPr>
-              <a:t>It’s still cold, I asked whether plum blossom like before.</a:t>
+              <a:t>It’s still cold, I asked my friends whether plums blossom like before.</a:t>
             </a:r>
             <a:endParaRPr lang="en-US" altLang="zh-CN" sz="2000" dirty="0">
               <a:solidFill>
@@ -30598,7 +30862,7 @@
 </p:sld>
 </file>
 
-<file path=ppt/slides/slide17.xml><?xml version="1.0" encoding="utf-8"?>
+<file path=ppt/slides/slide16.xml><?xml version="1.0" encoding="utf-8"?>
 <p:sld xmlns:a="http://schemas.openxmlformats.org/drawingml/2006/main" xmlns:r="http://schemas.openxmlformats.org/officeDocument/2006/relationships" xmlns:p="http://schemas.openxmlformats.org/presentationml/2006/main">
   <p:cSld>
     <p:spTree>
@@ -30667,7 +30931,11 @@
             </a:r>
             <a:r>
               <a:rPr lang="zh-CN" altLang="en-US" dirty="0"/>
-              <a:t>浣溪沙） </a:t>
+              <a:t>浣溪沙</a:t>
+            </a:r>
+            <a:r>
+              <a:rPr lang="en-US" altLang="zh-CN" dirty="0"/>
+              <a:t>)</a:t>
             </a:r>
             <a:br>
               <a:rPr lang="en-US" sz="2400" dirty="0">
@@ -30726,7 +30994,7 @@
                 <a:cs typeface="Arial"/>
                 <a:sym typeface="Arial"/>
               </a:rPr>
-              <a:t>17</a:t>
+              <a:t>16</a:t>
             </a:fld>
             <a:endParaRPr lang="en-US" sz="1200" b="0" i="0" u="none" strike="noStrike" cap="none">
               <a:solidFill>
@@ -31956,6 +32224,362 @@
 </p:sld>
 </file>
 
+<file path=ppt/slides/slide17.xml><?xml version="1.0" encoding="utf-8"?>
+<p:sld xmlns:a="http://schemas.openxmlformats.org/drawingml/2006/main" xmlns:r="http://schemas.openxmlformats.org/officeDocument/2006/relationships" xmlns:p="http://schemas.openxmlformats.org/presentationml/2006/main">
+  <p:cSld>
+    <p:spTree>
+      <p:nvGrpSpPr>
+        <p:cNvPr id="1" name=""/>
+        <p:cNvGrpSpPr/>
+        <p:nvPr/>
+      </p:nvGrpSpPr>
+      <p:grpSpPr>
+        <a:xfrm>
+          <a:off x="0" y="0"/>
+          <a:ext cx="0" cy="0"/>
+          <a:chOff x="0" y="0"/>
+          <a:chExt cx="0" cy="0"/>
+        </a:xfrm>
+      </p:grpSpPr>
+      <p:sp>
+        <p:nvSpPr>
+          <p:cNvPr id="2" name="Title 1"/>
+          <p:cNvSpPr>
+            <a:spLocks noGrp="1"/>
+          </p:cNvSpPr>
+          <p:nvPr>
+            <p:ph type="title"/>
+          </p:nvPr>
+        </p:nvSpPr>
+        <p:spPr>
+          <a:xfrm>
+            <a:off x="457200" y="764614"/>
+            <a:ext cx="8229600" cy="822999"/>
+          </a:xfrm>
+        </p:spPr>
+        <p:txBody>
+          <a:bodyPr/>
+          <a:lstStyle/>
+          <a:p>
+            <a:pPr lvl="0"/>
+            <a:r>
+              <a:rPr lang="en-US" altLang="zh-CN" dirty="0"/>
+              <a:t>Generative Adversarial Networks Result</a:t>
+            </a:r>
+            <a:r>
+              <a:rPr lang="zh-CN" altLang="en-US" dirty="0"/>
+              <a:t>:</a:t>
+            </a:r>
+            <a:r>
+              <a:rPr lang="en-US" altLang="zh-CN" dirty="0"/>
+              <a:t> </a:t>
+            </a:r>
+            <a:r>
+              <a:rPr lang="en-US" altLang="zh-CN" dirty="0" err="1"/>
+              <a:t>Huanxisha</a:t>
+            </a:r>
+            <a:r>
+              <a:rPr lang="en-US" altLang="zh-CN" dirty="0"/>
+              <a:t>(</a:t>
+            </a:r>
+            <a:r>
+              <a:rPr lang="zh-CN" altLang="en-US" dirty="0"/>
+              <a:t>浣溪沙</a:t>
+            </a:r>
+            <a:r>
+              <a:rPr lang="en-US" altLang="zh-CN" dirty="0"/>
+              <a:t>)</a:t>
+            </a:r>
+            <a:endParaRPr lang="zh-CN" altLang="en-US" dirty="0"/>
+          </a:p>
+        </p:txBody>
+      </p:sp>
+      <p:sp>
+        <p:nvSpPr>
+          <p:cNvPr id="3" name="Content Placeholder 2"/>
+          <p:cNvSpPr>
+            <a:spLocks noGrp="1"/>
+          </p:cNvSpPr>
+          <p:nvPr>
+            <p:ph idx="1"/>
+          </p:nvPr>
+        </p:nvSpPr>
+        <p:spPr/>
+        <p:txBody>
+          <a:bodyPr/>
+          <a:lstStyle/>
+          <a:p>
+            <a:r>
+              <a:rPr lang="en-US" altLang="zh-CN" dirty="0"/>
+              <a:t>Able to learn Chinese words</a:t>
+            </a:r>
+          </a:p>
+          <a:p>
+            <a:r>
+              <a:rPr lang="en-US" altLang="zh-CN" dirty="0"/>
+              <a:t>Failed to catch hidden structure </a:t>
+            </a:r>
+            <a:endParaRPr lang="zh-CN" altLang="en-US" dirty="0"/>
+          </a:p>
+        </p:txBody>
+      </p:sp>
+      <p:sp>
+        <p:nvSpPr>
+          <p:cNvPr id="6" name="Rounded Rectangle 5"/>
+          <p:cNvSpPr/>
+          <p:nvPr/>
+        </p:nvSpPr>
+        <p:spPr>
+          <a:xfrm>
+            <a:off x="894278" y="3131485"/>
+            <a:ext cx="7493583" cy="3691341"/>
+          </a:xfrm>
+          <a:prstGeom prst="roundRect">
+            <a:avLst/>
+          </a:prstGeom>
+        </p:spPr>
+        <p:style>
+          <a:lnRef idx="2">
+            <a:schemeClr val="accent3">
+              <a:shade val="50000"/>
+            </a:schemeClr>
+          </a:lnRef>
+          <a:fillRef idx="1">
+            <a:schemeClr val="accent3"/>
+          </a:fillRef>
+          <a:effectRef idx="0">
+            <a:schemeClr val="accent3"/>
+          </a:effectRef>
+          <a:fontRef idx="minor">
+            <a:schemeClr val="lt1"/>
+          </a:fontRef>
+        </p:style>
+        <p:txBody>
+          <a:bodyPr rtlCol="0" anchor="ctr"/>
+          <a:lstStyle/>
+          <a:p>
+            <a:r>
+              <a:rPr lang="zh-CN" altLang="en-US" sz="2000" dirty="0">
+                <a:solidFill>
+                  <a:schemeClr val="tx1">
+                    <a:lumMod val="75000"/>
+                    <a:lumOff val="25000"/>
+                  </a:schemeClr>
+                </a:solidFill>
+                <a:latin typeface="+mj-ea"/>
+              </a:rPr>
+              <a:t>大道山河日昼舟。</a:t>
+            </a:r>
+            <a:r>
+              <a:rPr lang="en-US" altLang="zh-CN" sz="2000" dirty="0">
+                <a:solidFill>
+                  <a:schemeClr val="tx1">
+                    <a:lumMod val="75000"/>
+                    <a:lumOff val="25000"/>
+                  </a:schemeClr>
+                </a:solidFill>
+                <a:latin typeface="+mj-lt"/>
+              </a:rPr>
+              <a:t>Boats pass through rivers and mountains. </a:t>
+            </a:r>
+            <a:endParaRPr lang="en-US" altLang="zh-CN" sz="2000" dirty="0">
+              <a:solidFill>
+                <a:schemeClr val="tx1">
+                  <a:lumMod val="75000"/>
+                  <a:lumOff val="25000"/>
+                </a:schemeClr>
+              </a:solidFill>
+              <a:latin typeface="+mj-ea"/>
+            </a:endParaRPr>
+          </a:p>
+          <a:p>
+            <a:r>
+              <a:rPr lang="zh-CN" altLang="en-US" sz="2000" dirty="0">
+                <a:solidFill>
+                  <a:schemeClr val="tx1">
+                    <a:lumMod val="75000"/>
+                    <a:lumOff val="25000"/>
+                  </a:schemeClr>
+                </a:solidFill>
+                <a:latin typeface="+mj-ea"/>
+              </a:rPr>
+              <a:t>隔帘花帐暖来时。</a:t>
+            </a:r>
+            <a:r>
+              <a:rPr lang="en-US" altLang="zh-CN" sz="2000" dirty="0">
+                <a:solidFill>
+                  <a:schemeClr val="tx1">
+                    <a:lumMod val="75000"/>
+                    <a:lumOff val="25000"/>
+                  </a:schemeClr>
+                </a:solidFill>
+                <a:latin typeface="+mj-lt"/>
+              </a:rPr>
+              <a:t>Warm wind comes across the screen formed by flowers.</a:t>
+            </a:r>
+            <a:endParaRPr lang="en-US" altLang="zh-CN" sz="2000" dirty="0">
+              <a:solidFill>
+                <a:schemeClr val="tx1">
+                  <a:lumMod val="75000"/>
+                  <a:lumOff val="25000"/>
+                </a:schemeClr>
+              </a:solidFill>
+              <a:latin typeface="+mj-ea"/>
+            </a:endParaRPr>
+          </a:p>
+          <a:p>
+            <a:r>
+              <a:rPr lang="zh-CN" altLang="en-US" sz="2000" dirty="0">
+                <a:solidFill>
+                  <a:schemeClr val="tx1">
+                    <a:lumMod val="75000"/>
+                    <a:lumOff val="25000"/>
+                  </a:schemeClr>
+                </a:solidFill>
+                <a:latin typeface="+mj-ea"/>
+              </a:rPr>
+              <a:t>不须多力海棠多。</a:t>
+            </a:r>
+            <a:r>
+              <a:rPr lang="en-US" altLang="zh-CN" sz="2000" dirty="0">
+                <a:solidFill>
+                  <a:schemeClr val="tx1">
+                    <a:lumMod val="75000"/>
+                    <a:lumOff val="25000"/>
+                  </a:schemeClr>
+                </a:solidFill>
+                <a:latin typeface="+mj-lt"/>
+              </a:rPr>
+              <a:t>No need to strive to seek, Crabapples bloomed all around.</a:t>
+            </a:r>
+          </a:p>
+          <a:p>
+            <a:r>
+              <a:rPr lang="zh-CN" altLang="en-US" sz="2000" dirty="0">
+                <a:solidFill>
+                  <a:schemeClr val="tx1">
+                    <a:lumMod val="75000"/>
+                    <a:lumOff val="25000"/>
+                  </a:schemeClr>
+                </a:solidFill>
+                <a:latin typeface="+mj-ea"/>
+              </a:rPr>
+              <a:t>春光却小正争雄。</a:t>
+            </a:r>
+            <a:r>
+              <a:rPr lang="en-US" altLang="zh-CN" sz="2000" dirty="0">
+                <a:solidFill>
+                  <a:schemeClr val="tx1">
+                    <a:lumMod val="75000"/>
+                    <a:lumOff val="25000"/>
+                  </a:schemeClr>
+                </a:solidFill>
+                <a:latin typeface="+mj-lt"/>
+              </a:rPr>
+              <a:t>Though the sign of Spring is not clear, but it will come finally.</a:t>
+            </a:r>
+          </a:p>
+          <a:p>
+            <a:r>
+              <a:rPr lang="zh-CN" altLang="en-US" sz="2000" dirty="0">
+                <a:solidFill>
+                  <a:schemeClr val="tx1">
+                    <a:lumMod val="75000"/>
+                    <a:lumOff val="25000"/>
+                  </a:schemeClr>
+                </a:solidFill>
+                <a:latin typeface="+mj-ea"/>
+              </a:rPr>
+              <a:t>梦中身世是沧洲。</a:t>
+            </a:r>
+            <a:r>
+              <a:rPr lang="en-US" altLang="zh-CN" sz="2000" dirty="0">
+                <a:solidFill>
+                  <a:schemeClr val="tx1">
+                    <a:lumMod val="75000"/>
+                    <a:lumOff val="25000"/>
+                  </a:schemeClr>
+                </a:solidFill>
+                <a:latin typeface="+mj-lt"/>
+              </a:rPr>
+              <a:t>In my dream, I saw myself came from </a:t>
+            </a:r>
+            <a:r>
+              <a:rPr lang="en-US" altLang="zh-CN" sz="2000" dirty="0" err="1">
+                <a:solidFill>
+                  <a:schemeClr val="tx1">
+                    <a:lumMod val="75000"/>
+                    <a:lumOff val="25000"/>
+                  </a:schemeClr>
+                </a:solidFill>
+                <a:latin typeface="+mj-lt"/>
+              </a:rPr>
+              <a:t>Cangzhou</a:t>
+            </a:r>
+            <a:r>
+              <a:rPr lang="en-US" altLang="zh-CN" sz="2000" dirty="0">
+                <a:solidFill>
+                  <a:schemeClr val="tx1">
+                    <a:lumMod val="75000"/>
+                    <a:lumOff val="25000"/>
+                  </a:schemeClr>
+                </a:solidFill>
+                <a:latin typeface="+mj-lt"/>
+              </a:rPr>
+              <a:t>.</a:t>
+            </a:r>
+          </a:p>
+          <a:p>
+            <a:r>
+              <a:rPr lang="zh-CN" altLang="en-US" sz="2000" dirty="0">
+                <a:solidFill>
+                  <a:schemeClr val="tx1">
+                    <a:lumMod val="75000"/>
+                    <a:lumOff val="25000"/>
+                  </a:schemeClr>
+                </a:solidFill>
+                <a:latin typeface="+mj-ea"/>
+              </a:rPr>
+              <a:t>气如山崦堕银屏。</a:t>
+            </a:r>
+            <a:r>
+              <a:rPr lang="en-US" altLang="zh-CN" sz="2000" dirty="0">
+                <a:solidFill>
+                  <a:schemeClr val="tx1">
+                    <a:lumMod val="75000"/>
+                    <a:lumOff val="25000"/>
+                  </a:schemeClr>
+                </a:solidFill>
+                <a:latin typeface="+mj-lt"/>
+              </a:rPr>
+              <a:t>Unstoppable river forms silvery water fall.</a:t>
+            </a:r>
+            <a:endParaRPr lang="zh-CN" altLang="en-US" sz="2000" dirty="0">
+              <a:solidFill>
+                <a:schemeClr val="tx1">
+                  <a:lumMod val="75000"/>
+                  <a:lumOff val="25000"/>
+                </a:schemeClr>
+              </a:solidFill>
+              <a:latin typeface="+mj-lt"/>
+              <a:ea typeface="仿宋" panose="02010609060101010101" pitchFamily="49" charset="-122"/>
+            </a:endParaRPr>
+          </a:p>
+        </p:txBody>
+      </p:sp>
+    </p:spTree>
+    <p:extLst>
+      <p:ext uri="{BB962C8B-B14F-4D97-AF65-F5344CB8AC3E}">
+        <p14:creationId xmlns:p14="http://schemas.microsoft.com/office/powerpoint/2010/main" val="1340822618"/>
+      </p:ext>
+    </p:extLst>
+  </p:cSld>
+  <p:clrMapOvr>
+    <a:masterClrMapping/>
+  </p:clrMapOvr>
+</p:sld>
+</file>
+
 <file path=ppt/slides/slide18.xml><?xml version="1.0" encoding="utf-8"?>
 <p:sld xmlns:a="http://schemas.openxmlformats.org/drawingml/2006/main" xmlns:r="http://schemas.openxmlformats.org/officeDocument/2006/relationships" xmlns:p="http://schemas.openxmlformats.org/presentationml/2006/main">
   <p:cSld>
@@ -31988,226 +32612,6 @@
           <a:bodyPr/>
           <a:lstStyle/>
           <a:p>
-            <a:pPr lvl="0"/>
-            <a:r>
-              <a:rPr lang="en-US" altLang="zh-CN" dirty="0"/>
-              <a:t>Generative Adversarial Networks Result</a:t>
-            </a:r>
-            <a:r>
-              <a:rPr lang="zh-CN" altLang="en-US" dirty="0"/>
-              <a:t>:</a:t>
-            </a:r>
-            <a:r>
-              <a:rPr lang="en-US" altLang="zh-CN" dirty="0"/>
-              <a:t> </a:t>
-            </a:r>
-            <a:r>
-              <a:rPr lang="en-US" altLang="zh-CN" dirty="0" err="1"/>
-              <a:t>Huanxisha</a:t>
-            </a:r>
-            <a:r>
-              <a:rPr lang="zh-CN" altLang="en-US" dirty="0"/>
-              <a:t>（浣溪沙）</a:t>
-            </a:r>
-          </a:p>
-        </p:txBody>
-      </p:sp>
-      <p:sp>
-        <p:nvSpPr>
-          <p:cNvPr id="3" name="Content Placeholder 2"/>
-          <p:cNvSpPr>
-            <a:spLocks noGrp="1"/>
-          </p:cNvSpPr>
-          <p:nvPr>
-            <p:ph idx="1"/>
-          </p:nvPr>
-        </p:nvSpPr>
-        <p:spPr/>
-        <p:txBody>
-          <a:bodyPr/>
-          <a:lstStyle/>
-          <a:p>
-            <a:r>
-              <a:rPr lang="en-US" altLang="zh-CN" dirty="0"/>
-              <a:t>Able to learn Chinese words</a:t>
-            </a:r>
-          </a:p>
-          <a:p>
-            <a:r>
-              <a:rPr lang="en-US" altLang="zh-CN" dirty="0"/>
-              <a:t>Failed to catch hidden structure</a:t>
-            </a:r>
-            <a:endParaRPr lang="zh-CN" altLang="en-US" dirty="0"/>
-          </a:p>
-        </p:txBody>
-      </p:sp>
-      <p:sp>
-        <p:nvSpPr>
-          <p:cNvPr id="6" name="Rounded Rectangle 5"/>
-          <p:cNvSpPr/>
-          <p:nvPr/>
-        </p:nvSpPr>
-        <p:spPr>
-          <a:xfrm>
-            <a:off x="894279" y="3360090"/>
-            <a:ext cx="7315200" cy="2276431"/>
-          </a:xfrm>
-          <a:prstGeom prst="roundRect">
-            <a:avLst/>
-          </a:prstGeom>
-        </p:spPr>
-        <p:style>
-          <a:lnRef idx="2">
-            <a:schemeClr val="accent3">
-              <a:shade val="50000"/>
-            </a:schemeClr>
-          </a:lnRef>
-          <a:fillRef idx="1">
-            <a:schemeClr val="accent3"/>
-          </a:fillRef>
-          <a:effectRef idx="0">
-            <a:schemeClr val="accent3"/>
-          </a:effectRef>
-          <a:fontRef idx="minor">
-            <a:schemeClr val="lt1"/>
-          </a:fontRef>
-        </p:style>
-        <p:txBody>
-          <a:bodyPr rtlCol="0" anchor="ctr"/>
-          <a:lstStyle/>
-          <a:p>
-            <a:r>
-              <a:rPr lang="zh-CN" altLang="en-US" sz="2000" dirty="0">
-                <a:solidFill>
-                  <a:schemeClr val="tx1">
-                    <a:lumMod val="65000"/>
-                    <a:lumOff val="35000"/>
-                  </a:schemeClr>
-                </a:solidFill>
-                <a:latin typeface="+mj-ea"/>
-                <a:ea typeface="+mj-ea"/>
-              </a:rPr>
-              <a:t>一日凉秋报，</a:t>
-            </a:r>
-            <a:endParaRPr lang="en-US" altLang="zh-CN" sz="2000" dirty="0">
-              <a:solidFill>
-                <a:schemeClr val="tx1">
-                  <a:lumMod val="65000"/>
-                  <a:lumOff val="35000"/>
-                </a:schemeClr>
-              </a:solidFill>
-              <a:latin typeface="+mj-ea"/>
-              <a:ea typeface="+mj-ea"/>
-            </a:endParaRPr>
-          </a:p>
-          <a:p>
-            <a:r>
-              <a:rPr lang="en-US" altLang="zh-CN" sz="2000" dirty="0">
-                <a:solidFill>
-                  <a:schemeClr val="tx1">
-                    <a:lumMod val="65000"/>
-                    <a:lumOff val="35000"/>
-                  </a:schemeClr>
-                </a:solidFill>
-                <a:ea typeface="仿宋" panose="02010609060101010101" pitchFamily="49" charset="-122"/>
-              </a:rPr>
-              <a:t>In one day, the fall season starts,</a:t>
-            </a:r>
-          </a:p>
-          <a:p>
-            <a:r>
-              <a:rPr lang="zh-CN" altLang="en-US" sz="2000" dirty="0">
-                <a:solidFill>
-                  <a:schemeClr val="tx1">
-                    <a:lumMod val="65000"/>
-                    <a:lumOff val="35000"/>
-                  </a:schemeClr>
-                </a:solidFill>
-                <a:latin typeface="+mj-ea"/>
-                <a:ea typeface="+mj-ea"/>
-              </a:rPr>
-              <a:t>风云入故乡。</a:t>
-            </a:r>
-            <a:endParaRPr lang="en-US" altLang="zh-CN" sz="2000" dirty="0">
-              <a:solidFill>
-                <a:schemeClr val="tx1">
-                  <a:lumMod val="65000"/>
-                  <a:lumOff val="35000"/>
-                </a:schemeClr>
-              </a:solidFill>
-              <a:latin typeface="+mj-ea"/>
-              <a:ea typeface="+mj-ea"/>
-            </a:endParaRPr>
-          </a:p>
-          <a:p>
-            <a:r>
-              <a:rPr lang="en-US" altLang="zh-CN" sz="2000" dirty="0">
-                <a:solidFill>
-                  <a:schemeClr val="tx1">
-                    <a:lumMod val="65000"/>
-                    <a:lumOff val="35000"/>
-                  </a:schemeClr>
-                </a:solidFill>
-              </a:rPr>
-              <a:t>Wind and cloud enter my hometown.</a:t>
-            </a:r>
-            <a:endParaRPr lang="zh-CN" altLang="en-US" sz="2000" dirty="0">
-              <a:solidFill>
-                <a:schemeClr val="tx1">
-                  <a:lumMod val="65000"/>
-                  <a:lumOff val="35000"/>
-                </a:schemeClr>
-              </a:solidFill>
-              <a:ea typeface="仿宋" panose="02010609060101010101" pitchFamily="49" charset="-122"/>
-            </a:endParaRPr>
-          </a:p>
-        </p:txBody>
-      </p:sp>
-    </p:spTree>
-    <p:extLst>
-      <p:ext uri="{BB962C8B-B14F-4D97-AF65-F5344CB8AC3E}">
-        <p14:creationId xmlns:p14="http://schemas.microsoft.com/office/powerpoint/2010/main" val="1340822618"/>
-      </p:ext>
-    </p:extLst>
-  </p:cSld>
-  <p:clrMapOvr>
-    <a:masterClrMapping/>
-  </p:clrMapOvr>
-</p:sld>
-</file>
-
-<file path=ppt/slides/slide19.xml><?xml version="1.0" encoding="utf-8"?>
-<p:sld xmlns:a="http://schemas.openxmlformats.org/drawingml/2006/main" xmlns:r="http://schemas.openxmlformats.org/officeDocument/2006/relationships" xmlns:p="http://schemas.openxmlformats.org/presentationml/2006/main">
-  <p:cSld>
-    <p:spTree>
-      <p:nvGrpSpPr>
-        <p:cNvPr id="1" name=""/>
-        <p:cNvGrpSpPr/>
-        <p:nvPr/>
-      </p:nvGrpSpPr>
-      <p:grpSpPr>
-        <a:xfrm>
-          <a:off x="0" y="0"/>
-          <a:ext cx="0" cy="0"/>
-          <a:chOff x="0" y="0"/>
-          <a:chExt cx="0" cy="0"/>
-        </a:xfrm>
-      </p:grpSpPr>
-      <p:sp>
-        <p:nvSpPr>
-          <p:cNvPr id="2" name="Title 1"/>
-          <p:cNvSpPr>
-            <a:spLocks noGrp="1"/>
-          </p:cNvSpPr>
-          <p:nvPr>
-            <p:ph type="title"/>
-          </p:nvPr>
-        </p:nvSpPr>
-        <p:spPr/>
-        <p:txBody>
-          <a:bodyPr/>
-          <a:lstStyle/>
-          <a:p>
             <a:r>
               <a:rPr lang="en-US" dirty="0"/>
               <a:t>Summary</a:t>
@@ -32257,7 +32661,7 @@
                 <a:cs typeface="Arial"/>
                 <a:sym typeface="Arial"/>
               </a:rPr>
-              <a:t>19</a:t>
+              <a:t>18</a:t>
             </a:fld>
             <a:endParaRPr lang="en-US" sz="1200" b="0" i="0" u="none" strike="noStrike" cap="none">
               <a:solidFill>
@@ -32693,6 +33097,133 @@
 </p:sld>
 </file>
 
+<file path=ppt/slides/slide19.xml><?xml version="1.0" encoding="utf-8"?>
+<p:sld xmlns:a="http://schemas.openxmlformats.org/drawingml/2006/main" xmlns:r="http://schemas.openxmlformats.org/officeDocument/2006/relationships" xmlns:p="http://schemas.openxmlformats.org/presentationml/2006/main">
+  <p:cSld>
+    <p:spTree>
+      <p:nvGrpSpPr>
+        <p:cNvPr id="1" name=""/>
+        <p:cNvGrpSpPr/>
+        <p:nvPr/>
+      </p:nvGrpSpPr>
+      <p:grpSpPr>
+        <a:xfrm>
+          <a:off x="0" y="0"/>
+          <a:ext cx="0" cy="0"/>
+          <a:chOff x="0" y="0"/>
+          <a:chExt cx="0" cy="0"/>
+        </a:xfrm>
+      </p:grpSpPr>
+      <p:sp>
+        <p:nvSpPr>
+          <p:cNvPr id="2" name="Title 1"/>
+          <p:cNvSpPr>
+            <a:spLocks noGrp="1"/>
+          </p:cNvSpPr>
+          <p:nvPr>
+            <p:ph type="title"/>
+          </p:nvPr>
+        </p:nvSpPr>
+        <p:spPr>
+          <a:xfrm>
+            <a:off x="457198" y="3161975"/>
+            <a:ext cx="8229600" cy="981810"/>
+          </a:xfrm>
+        </p:spPr>
+        <p:txBody>
+          <a:bodyPr/>
+          <a:lstStyle/>
+          <a:p>
+            <a:pPr algn="ctr"/>
+            <a:r>
+              <a:rPr lang="en-US" dirty="0"/>
+              <a:t>T</a:t>
+            </a:r>
+            <a:r>
+              <a:rPr lang="en-US" altLang="zh-CN" dirty="0"/>
+              <a:t>hank</a:t>
+            </a:r>
+            <a:r>
+              <a:rPr lang="zh-CN" altLang="en-US" dirty="0"/>
+              <a:t> </a:t>
+            </a:r>
+            <a:r>
+              <a:rPr lang="en-US" altLang="zh-CN" dirty="0"/>
+              <a:t>you</a:t>
+            </a:r>
+            <a:endParaRPr lang="en-US" dirty="0"/>
+          </a:p>
+        </p:txBody>
+      </p:sp>
+      <p:sp>
+        <p:nvSpPr>
+          <p:cNvPr id="4" name="Slide Number Placeholder 3"/>
+          <p:cNvSpPr>
+            <a:spLocks noGrp="1"/>
+          </p:cNvSpPr>
+          <p:nvPr>
+            <p:ph type="sldNum" idx="12"/>
+          </p:nvPr>
+        </p:nvSpPr>
+        <p:spPr/>
+        <p:txBody>
+          <a:bodyPr/>
+          <a:lstStyle/>
+          <a:p>
+            <a:pPr marL="0" marR="0" lvl="0" indent="0" algn="r" rtl="0">
+              <a:lnSpc>
+                <a:spcPct val="100000"/>
+              </a:lnSpc>
+              <a:spcBef>
+                <a:spcPts val="0"/>
+              </a:spcBef>
+              <a:spcAft>
+                <a:spcPts val="0"/>
+              </a:spcAft>
+              <a:buClr>
+                <a:srgbClr val="595959"/>
+              </a:buClr>
+              <a:buSzPct val="25000"/>
+              <a:buFont typeface="Arial"/>
+              <a:buNone/>
+            </a:pPr>
+            <a:fld id="{00000000-1234-1234-1234-123412341234}" type="slidenum">
+              <a:rPr lang="en-US" sz="1200" b="0" i="0" u="none" strike="noStrike" cap="none" smtClean="0">
+                <a:solidFill>
+                  <a:srgbClr val="595959"/>
+                </a:solidFill>
+                <a:latin typeface="Arial"/>
+                <a:ea typeface="Arial"/>
+                <a:cs typeface="Arial"/>
+                <a:sym typeface="Arial"/>
+              </a:rPr>
+              <a:t>19</a:t>
+            </a:fld>
+            <a:endParaRPr lang="en-US" sz="1200" b="0" i="0" u="none" strike="noStrike" cap="none">
+              <a:solidFill>
+                <a:srgbClr val="595959"/>
+              </a:solidFill>
+              <a:latin typeface="Arial"/>
+              <a:ea typeface="Arial"/>
+              <a:cs typeface="Arial"/>
+              <a:sym typeface="Arial"/>
+            </a:endParaRPr>
+          </a:p>
+        </p:txBody>
+      </p:sp>
+    </p:spTree>
+    <p:extLst>
+      <p:ext uri="{BB962C8B-B14F-4D97-AF65-F5344CB8AC3E}">
+        <p14:creationId xmlns:p14="http://schemas.microsoft.com/office/powerpoint/2010/main" val="343196778"/>
+      </p:ext>
+    </p:extLst>
+  </p:cSld>
+  <p:clrMapOvr>
+    <a:masterClrMapping/>
+  </p:clrMapOvr>
+</p:sld>
+</file>
+
 <file path=ppt/slides/slide2.xml><?xml version="1.0" encoding="utf-8"?>
 <p:sld xmlns:a="http://schemas.openxmlformats.org/drawingml/2006/main" xmlns:r="http://schemas.openxmlformats.org/officeDocument/2006/relationships" xmlns:p="http://schemas.openxmlformats.org/presentationml/2006/main">
   <p:cSld>
@@ -33064,134 +33595,7 @@
 </file>
 
 <file path=ppt/slides/slide20.xml><?xml version="1.0" encoding="utf-8"?>
-<p:sld xmlns:a="http://schemas.openxmlformats.org/drawingml/2006/main" xmlns:r="http://schemas.openxmlformats.org/officeDocument/2006/relationships" xmlns:p="http://schemas.openxmlformats.org/presentationml/2006/main">
-  <p:cSld>
-    <p:spTree>
-      <p:nvGrpSpPr>
-        <p:cNvPr id="1" name=""/>
-        <p:cNvGrpSpPr/>
-        <p:nvPr/>
-      </p:nvGrpSpPr>
-      <p:grpSpPr>
-        <a:xfrm>
-          <a:off x="0" y="0"/>
-          <a:ext cx="0" cy="0"/>
-          <a:chOff x="0" y="0"/>
-          <a:chExt cx="0" cy="0"/>
-        </a:xfrm>
-      </p:grpSpPr>
-      <p:sp>
-        <p:nvSpPr>
-          <p:cNvPr id="2" name="Title 1"/>
-          <p:cNvSpPr>
-            <a:spLocks noGrp="1"/>
-          </p:cNvSpPr>
-          <p:nvPr>
-            <p:ph type="title"/>
-          </p:nvPr>
-        </p:nvSpPr>
-        <p:spPr>
-          <a:xfrm>
-            <a:off x="457198" y="3161975"/>
-            <a:ext cx="8229600" cy="981810"/>
-          </a:xfrm>
-        </p:spPr>
-        <p:txBody>
-          <a:bodyPr/>
-          <a:lstStyle/>
-          <a:p>
-            <a:pPr algn="ctr"/>
-            <a:r>
-              <a:rPr lang="en-US" dirty="0"/>
-              <a:t>T</a:t>
-            </a:r>
-            <a:r>
-              <a:rPr lang="en-US" altLang="zh-CN" dirty="0"/>
-              <a:t>hank</a:t>
-            </a:r>
-            <a:r>
-              <a:rPr lang="zh-CN" altLang="en-US" dirty="0"/>
-              <a:t> </a:t>
-            </a:r>
-            <a:r>
-              <a:rPr lang="en-US" altLang="zh-CN" dirty="0"/>
-              <a:t>you</a:t>
-            </a:r>
-            <a:endParaRPr lang="en-US" dirty="0"/>
-          </a:p>
-        </p:txBody>
-      </p:sp>
-      <p:sp>
-        <p:nvSpPr>
-          <p:cNvPr id="4" name="Slide Number Placeholder 3"/>
-          <p:cNvSpPr>
-            <a:spLocks noGrp="1"/>
-          </p:cNvSpPr>
-          <p:nvPr>
-            <p:ph type="sldNum" idx="12"/>
-          </p:nvPr>
-        </p:nvSpPr>
-        <p:spPr/>
-        <p:txBody>
-          <a:bodyPr/>
-          <a:lstStyle/>
-          <a:p>
-            <a:pPr marL="0" marR="0" lvl="0" indent="0" algn="r" rtl="0">
-              <a:lnSpc>
-                <a:spcPct val="100000"/>
-              </a:lnSpc>
-              <a:spcBef>
-                <a:spcPts val="0"/>
-              </a:spcBef>
-              <a:spcAft>
-                <a:spcPts val="0"/>
-              </a:spcAft>
-              <a:buClr>
-                <a:srgbClr val="595959"/>
-              </a:buClr>
-              <a:buSzPct val="25000"/>
-              <a:buFont typeface="Arial"/>
-              <a:buNone/>
-            </a:pPr>
-            <a:fld id="{00000000-1234-1234-1234-123412341234}" type="slidenum">
-              <a:rPr lang="en-US" sz="1200" b="0" i="0" u="none" strike="noStrike" cap="none" smtClean="0">
-                <a:solidFill>
-                  <a:srgbClr val="595959"/>
-                </a:solidFill>
-                <a:latin typeface="Arial"/>
-                <a:ea typeface="Arial"/>
-                <a:cs typeface="Arial"/>
-                <a:sym typeface="Arial"/>
-              </a:rPr>
-              <a:t>20</a:t>
-            </a:fld>
-            <a:endParaRPr lang="en-US" sz="1200" b="0" i="0" u="none" strike="noStrike" cap="none">
-              <a:solidFill>
-                <a:srgbClr val="595959"/>
-              </a:solidFill>
-              <a:latin typeface="Arial"/>
-              <a:ea typeface="Arial"/>
-              <a:cs typeface="Arial"/>
-              <a:sym typeface="Arial"/>
-            </a:endParaRPr>
-          </a:p>
-        </p:txBody>
-      </p:sp>
-    </p:spTree>
-    <p:extLst>
-      <p:ext uri="{BB962C8B-B14F-4D97-AF65-F5344CB8AC3E}">
-        <p14:creationId xmlns:p14="http://schemas.microsoft.com/office/powerpoint/2010/main" val="343196778"/>
-      </p:ext>
-    </p:extLst>
-  </p:cSld>
-  <p:clrMapOvr>
-    <a:masterClrMapping/>
-  </p:clrMapOvr>
-</p:sld>
-</file>
-
-<file path=ppt/slides/slide21.xml><?xml version="1.0" encoding="utf-8"?>
-<p:sld xmlns:a="http://schemas.openxmlformats.org/drawingml/2006/main" xmlns:r="http://schemas.openxmlformats.org/officeDocument/2006/relationships" xmlns:p="http://schemas.openxmlformats.org/presentationml/2006/main">
+<p:sld xmlns:a="http://schemas.openxmlformats.org/drawingml/2006/main" xmlns:r="http://schemas.openxmlformats.org/officeDocument/2006/relationships" xmlns:p="http://schemas.openxmlformats.org/presentationml/2006/main" show="0">
   <p:cSld>
     <p:spTree>
       <p:nvGrpSpPr>
@@ -33280,7 +33684,7 @@
                 <a:cs typeface="Arial"/>
                 <a:sym typeface="Arial"/>
               </a:rPr>
-              <a:t>21</a:t>
+              <a:t>20</a:t>
             </a:fld>
             <a:endParaRPr lang="en-US" sz="1200" b="0" i="0" u="none" strike="noStrike" cap="none">
               <a:solidFill>
@@ -33366,8 +33770,8 @@
 </p:sld>
 </file>
 
-<file path=ppt/slides/slide22.xml><?xml version="1.0" encoding="utf-8"?>
-<p:sld xmlns:a="http://schemas.openxmlformats.org/drawingml/2006/main" xmlns:r="http://schemas.openxmlformats.org/officeDocument/2006/relationships" xmlns:p="http://schemas.openxmlformats.org/presentationml/2006/main">
+<file path=ppt/slides/slide21.xml><?xml version="1.0" encoding="utf-8"?>
+<p:sld xmlns:a="http://schemas.openxmlformats.org/drawingml/2006/main" xmlns:r="http://schemas.openxmlformats.org/officeDocument/2006/relationships" xmlns:p="http://schemas.openxmlformats.org/presentationml/2006/main" show="0">
   <p:cSld>
     <p:spTree>
       <p:nvGrpSpPr>
@@ -33456,7 +33860,7 @@
                 <a:cs typeface="Arial"/>
                 <a:sym typeface="Arial"/>
               </a:rPr>
-              <a:t>22</a:t>
+              <a:t>21</a:t>
             </a:fld>
             <a:endParaRPr lang="en-US" sz="1200" b="0" i="0" u="none" strike="noStrike" cap="none">
               <a:solidFill>
@@ -34505,8 +34909,8 @@
 </p:sld>
 </file>
 
-<file path=ppt/slides/slide23.xml><?xml version="1.0" encoding="utf-8"?>
-<p:sld xmlns:a="http://schemas.openxmlformats.org/drawingml/2006/main" xmlns:r="http://schemas.openxmlformats.org/officeDocument/2006/relationships" xmlns:p="http://schemas.openxmlformats.org/presentationml/2006/main">
+<file path=ppt/slides/slide22.xml><?xml version="1.0" encoding="utf-8"?>
+<p:sld xmlns:a="http://schemas.openxmlformats.org/drawingml/2006/main" xmlns:r="http://schemas.openxmlformats.org/officeDocument/2006/relationships" xmlns:p="http://schemas.openxmlformats.org/presentationml/2006/main" show="0">
   <p:cSld>
     <p:spTree>
       <p:nvGrpSpPr>
@@ -34586,7 +34990,7 @@
                 <a:cs typeface="Arial"/>
                 <a:sym typeface="Arial"/>
               </a:rPr>
-              <a:t>23</a:t>
+              <a:t>22</a:t>
             </a:fld>
             <a:endParaRPr lang="en-US" sz="1200" b="0" i="0" u="none" strike="noStrike" cap="none">
               <a:solidFill>
@@ -36586,8 +36990,8 @@
 </p:sld>
 </file>
 
-<file path=ppt/slides/slide24.xml><?xml version="1.0" encoding="utf-8"?>
-<p:sld xmlns:a="http://schemas.openxmlformats.org/drawingml/2006/main" xmlns:r="http://schemas.openxmlformats.org/officeDocument/2006/relationships" xmlns:p="http://schemas.openxmlformats.org/presentationml/2006/main">
+<file path=ppt/slides/slide23.xml><?xml version="1.0" encoding="utf-8"?>
+<p:sld xmlns:a="http://schemas.openxmlformats.org/drawingml/2006/main" xmlns:r="http://schemas.openxmlformats.org/officeDocument/2006/relationships" xmlns:p="http://schemas.openxmlformats.org/presentationml/2006/main" show="0">
   <p:cSld>
     <p:spTree>
       <p:nvGrpSpPr>
@@ -36667,7 +37071,7 @@
                 <a:cs typeface="Arial"/>
                 <a:sym typeface="Arial"/>
               </a:rPr>
-              <a:t>24</a:t>
+              <a:t>23</a:t>
             </a:fld>
             <a:endParaRPr lang="en-US" sz="1200" b="0" i="0" u="none" strike="noStrike" cap="none">
               <a:solidFill>
@@ -36899,6 +37303,131 @@
     <p:extLst>
       <p:ext uri="{BB962C8B-B14F-4D97-AF65-F5344CB8AC3E}">
         <p14:creationId xmlns:p14="http://schemas.microsoft.com/office/powerpoint/2010/main" val="3757327773"/>
+      </p:ext>
+    </p:extLst>
+  </p:cSld>
+  <p:clrMapOvr>
+    <a:masterClrMapping/>
+  </p:clrMapOvr>
+</p:sld>
+</file>
+
+<file path=ppt/slides/slide24.xml><?xml version="1.0" encoding="utf-8"?>
+<p:sld xmlns:a="http://schemas.openxmlformats.org/drawingml/2006/main" xmlns:r="http://schemas.openxmlformats.org/officeDocument/2006/relationships" xmlns:p="http://schemas.openxmlformats.org/presentationml/2006/main" show="0">
+  <p:cSld>
+    <p:spTree>
+      <p:nvGrpSpPr>
+        <p:cNvPr id="1" name=""/>
+        <p:cNvGrpSpPr/>
+        <p:nvPr/>
+      </p:nvGrpSpPr>
+      <p:grpSpPr>
+        <a:xfrm>
+          <a:off x="0" y="0"/>
+          <a:ext cx="0" cy="0"/>
+          <a:chOff x="0" y="0"/>
+          <a:chExt cx="0" cy="0"/>
+        </a:xfrm>
+      </p:grpSpPr>
+      <p:sp>
+        <p:nvSpPr>
+          <p:cNvPr id="2" name="Title 1"/>
+          <p:cNvSpPr>
+            <a:spLocks noGrp="1"/>
+          </p:cNvSpPr>
+          <p:nvPr>
+            <p:ph type="title"/>
+          </p:nvPr>
+        </p:nvSpPr>
+        <p:spPr/>
+        <p:txBody>
+          <a:bodyPr/>
+          <a:lstStyle/>
+          <a:p>
+            <a:r>
+              <a:rPr lang="en-US" altLang="zh-CN" dirty="0"/>
+              <a:t>GANs</a:t>
+            </a:r>
+            <a:endParaRPr lang="zh-CN" altLang="en-US" dirty="0"/>
+          </a:p>
+        </p:txBody>
+      </p:sp>
+      <p:pic>
+        <p:nvPicPr>
+          <p:cNvPr id="4" name="Content Placeholder 3"/>
+          <p:cNvPicPr>
+            <a:picLocks noGrp="1" noChangeAspect="1"/>
+          </p:cNvPicPr>
+          <p:nvPr>
+            <p:ph idx="1"/>
+          </p:nvPr>
+        </p:nvPicPr>
+        <p:blipFill>
+          <a:blip r:embed="rId3">
+            <a:extLst>
+              <a:ext uri="{28A0092B-C50C-407E-A947-70E740481C1C}">
+                <a14:useLocalDpi xmlns:a14="http://schemas.microsoft.com/office/drawing/2010/main" val="0"/>
+              </a:ext>
+            </a:extLst>
+          </a:blip>
+          <a:stretch>
+            <a:fillRect/>
+          </a:stretch>
+        </p:blipFill>
+        <p:spPr>
+          <a:xfrm>
+            <a:off x="552900" y="2058988"/>
+            <a:ext cx="8038199" cy="4067175"/>
+          </a:xfrm>
+        </p:spPr>
+      </p:pic>
+      <p:sp>
+        <p:nvSpPr>
+          <p:cNvPr id="5" name="TextBox 4"/>
+          <p:cNvSpPr txBox="1"/>
+          <p:nvPr/>
+        </p:nvSpPr>
+        <p:spPr>
+          <a:xfrm>
+            <a:off x="640080" y="6325506"/>
+            <a:ext cx="8046720" cy="261610"/>
+          </a:xfrm>
+          <a:prstGeom prst="rect">
+            <a:avLst/>
+          </a:prstGeom>
+          <a:noFill/>
+        </p:spPr>
+        <p:txBody>
+          <a:bodyPr wrap="square" rtlCol="0">
+            <a:spAutoFit/>
+          </a:bodyPr>
+          <a:lstStyle/>
+          <a:p>
+            <a:pPr algn="ctr"/>
+            <a:r>
+              <a:rPr lang="en-US" altLang="zh-CN" sz="1100" dirty="0"/>
+              <a:t>Isola, Phillip, et al. "Image-to-image translation with conditional adversarial networks." </a:t>
+            </a:r>
+            <a:r>
+              <a:rPr lang="en-US" altLang="zh-CN" sz="1100" i="1" dirty="0" err="1"/>
+              <a:t>arXiv</a:t>
+            </a:r>
+            <a:r>
+              <a:rPr lang="en-US" altLang="zh-CN" sz="1100" i="1" dirty="0"/>
+              <a:t> preprint arXiv:1611.07004</a:t>
+            </a:r>
+            <a:r>
+              <a:rPr lang="en-US" altLang="zh-CN" sz="1100" dirty="0"/>
+              <a:t> (2016).</a:t>
+            </a:r>
+            <a:endParaRPr lang="zh-CN" altLang="en-US" sz="1100" dirty="0"/>
+          </a:p>
+        </p:txBody>
+      </p:sp>
+    </p:spTree>
+    <p:extLst>
+      <p:ext uri="{BB962C8B-B14F-4D97-AF65-F5344CB8AC3E}">
+        <p14:creationId xmlns:p14="http://schemas.microsoft.com/office/powerpoint/2010/main" val="4130052678"/>
       </p:ext>
     </p:extLst>
   </p:cSld>
@@ -37074,7 +37603,7 @@
           <a:p>
             <a:r>
               <a:rPr lang="en-US" dirty="0"/>
-              <a:t>Dataset</a:t>
+              <a:t>Dataset and Properties </a:t>
             </a:r>
           </a:p>
         </p:txBody>
@@ -37405,25 +37934,7 @@
                 </a:solidFill>
                 <a:latin typeface="Arial" panose="020B0604020202020204" pitchFamily="34" charset="0"/>
               </a:rPr>
-              <a:t>Sentence Format and </a:t>
-            </a:r>
-            <a:r>
-              <a:rPr lang="en-US" altLang="en-US" sz="1600" dirty="0" err="1">
-                <a:solidFill>
-                  <a:schemeClr val="tx1"/>
-                </a:solidFill>
-                <a:latin typeface="Arial" panose="020B0604020202020204" pitchFamily="34" charset="0"/>
-              </a:rPr>
-              <a:t>Pingze</a:t>
-            </a:r>
-            <a:r>
-              <a:rPr lang="en-US" altLang="en-US" sz="1600" dirty="0">
-                <a:solidFill>
-                  <a:schemeClr val="tx1"/>
-                </a:solidFill>
-                <a:latin typeface="Arial" panose="020B0604020202020204" pitchFamily="34" charset="0"/>
-              </a:rPr>
-              <a:t>: </a:t>
+              <a:t>Sentence Format and Tone Pattern: </a:t>
             </a:r>
           </a:p>
           <a:p>
@@ -37474,127 +37985,6 @@
               </a:rPr>
               <a:t>): ['0201021', '0102211', '0102211', '0201122', '0102211', '0102211']</a:t>
             </a:r>
-          </a:p>
-          <a:p>
-            <a:pPr marL="592074" lvl="1" indent="-285750" eaLnBrk="0" fontAlgn="base" hangingPunct="0">
-              <a:spcBef>
-                <a:spcPct val="0"/>
-              </a:spcBef>
-              <a:spcAft>
-                <a:spcPct val="0"/>
-              </a:spcAft>
-              <a:buClrTx/>
-              <a:buSzTx/>
-            </a:pPr>
-            <a:r>
-              <a:rPr lang="en-US" altLang="en-US" sz="1600" dirty="0">
-                <a:solidFill>
-                  <a:schemeClr val="tx1"/>
-                </a:solidFill>
-                <a:latin typeface="Arial" panose="020B0604020202020204" pitchFamily="34" charset="0"/>
-              </a:rPr>
-              <a:t>Delimiter Format:</a:t>
-            </a:r>
-          </a:p>
-          <a:p>
-            <a:pPr marL="306324" lvl="1" indent="0" eaLnBrk="0" fontAlgn="base" hangingPunct="0">
-              <a:spcBef>
-                <a:spcPct val="0"/>
-              </a:spcBef>
-              <a:spcAft>
-                <a:spcPct val="0"/>
-              </a:spcAft>
-              <a:buClrTx/>
-              <a:buSzTx/>
-              <a:buNone/>
-            </a:pPr>
-            <a:r>
-              <a:rPr lang="en-US" altLang="en-US" sz="1600" dirty="0">
-                <a:solidFill>
-                  <a:schemeClr val="tx1"/>
-                </a:solidFill>
-                <a:latin typeface="Arial" panose="020B0604020202020204" pitchFamily="34" charset="0"/>
-              </a:rPr>
-              <a:t>	</a:t>
-            </a:r>
-            <a:r>
-              <a:rPr lang="en-US" altLang="en-US" sz="1600" dirty="0" err="1">
-                <a:solidFill>
-                  <a:schemeClr val="tx1"/>
-                </a:solidFill>
-                <a:latin typeface="Arial" panose="020B0604020202020204" pitchFamily="34" charset="0"/>
-              </a:rPr>
-              <a:t>Huanxisha</a:t>
-            </a:r>
-            <a:r>
-              <a:rPr lang="en-US" altLang="en-US" sz="1600" dirty="0">
-                <a:solidFill>
-                  <a:schemeClr val="tx1"/>
-                </a:solidFill>
-                <a:latin typeface="Arial" panose="020B0604020202020204" pitchFamily="34" charset="0"/>
-              </a:rPr>
-              <a:t>(</a:t>
-            </a:r>
-            <a:r>
-              <a:rPr lang="en-US" altLang="en-US" sz="1600" dirty="0" err="1">
-                <a:solidFill>
-                  <a:schemeClr val="tx1"/>
-                </a:solidFill>
-                <a:latin typeface="Arial" panose="020B0604020202020204" pitchFamily="34" charset="0"/>
-              </a:rPr>
-              <a:t>浣溪沙</a:t>
-            </a:r>
-            <a:r>
-              <a:rPr lang="en-US" altLang="en-US" sz="1600" dirty="0">
-                <a:solidFill>
-                  <a:schemeClr val="tx1"/>
-                </a:solidFill>
-                <a:latin typeface="Arial" panose="020B0604020202020204" pitchFamily="34" charset="0"/>
-              </a:rPr>
-              <a:t>): [ </a:t>
-            </a:r>
-            <a:r>
-              <a:rPr lang="zh-CN" altLang="en-US" sz="1600" dirty="0">
-                <a:solidFill>
-                  <a:schemeClr val="tx1"/>
-                </a:solidFill>
-                <a:latin typeface="Arial" panose="020B0604020202020204" pitchFamily="34" charset="0"/>
-              </a:rPr>
-              <a:t>， 。 。</a:t>
-            </a:r>
-            <a:r>
-              <a:rPr lang="en-US" altLang="en-US" sz="1600" dirty="0">
-                <a:solidFill>
-                  <a:schemeClr val="tx1"/>
-                </a:solidFill>
-                <a:latin typeface="Arial" panose="020B0604020202020204" pitchFamily="34" charset="0"/>
-              </a:rPr>
-              <a:t>| </a:t>
-            </a:r>
-            <a:r>
-              <a:rPr lang="zh-CN" altLang="en-US" sz="1600" dirty="0">
-                <a:solidFill>
-                  <a:schemeClr val="tx1"/>
-                </a:solidFill>
-                <a:latin typeface="Arial" panose="020B0604020202020204" pitchFamily="34" charset="0"/>
-              </a:rPr>
-              <a:t>， 。 。</a:t>
-            </a:r>
-            <a:r>
-              <a:rPr lang="en-US" altLang="zh-CN" sz="1600" dirty="0">
-                <a:solidFill>
-                  <a:schemeClr val="tx1"/>
-                </a:solidFill>
-                <a:latin typeface="Arial" panose="020B0604020202020204" pitchFamily="34" charset="0"/>
-              </a:rPr>
-              <a:t>]</a:t>
-            </a:r>
-            <a:endParaRPr lang="en-US" altLang="en-US" sz="1600" dirty="0">
-              <a:solidFill>
-                <a:schemeClr val="tx1"/>
-              </a:solidFill>
-              <a:latin typeface="Arial" panose="020B0604020202020204" pitchFamily="34" charset="0"/>
-            </a:endParaRPr>
           </a:p>
         </p:txBody>
       </p:sp>
@@ -37642,7 +38032,7 @@
               </a:rPr>
               <a:t>4</a:t>
             </a:fld>
-            <a:endParaRPr lang="en-US" sz="1200" b="0" i="0" u="none" strike="noStrike" cap="none">
+            <a:endParaRPr lang="en-US" sz="1200" b="0" i="0" u="none" strike="noStrike" cap="none" dirty="0">
               <a:solidFill>
                 <a:srgbClr val="595959"/>
               </a:solidFill>
@@ -38363,8 +38753,8 @@
         </p:nvSpPr>
         <p:spPr>
           <a:xfrm>
-            <a:off x="228599" y="6582975"/>
-            <a:ext cx="8686801" cy="276999"/>
+            <a:off x="581296" y="6596390"/>
+            <a:ext cx="8686801" cy="261610"/>
           </a:xfrm>
           <a:prstGeom prst="rect">
             <a:avLst/>
@@ -38377,7 +38767,7 @@
           <a:lstStyle/>
           <a:p>
             <a:r>
-              <a:rPr lang="en-US" altLang="zh-CN" sz="1200" dirty="0" err="1">
+              <a:rPr lang="en-US" altLang="zh-CN" sz="1100" dirty="0" err="1">
                 <a:solidFill>
                   <a:srgbClr val="222222"/>
                 </a:solidFill>
@@ -38386,7 +38776,7 @@
               <a:t>Changle</a:t>
             </a:r>
             <a:r>
-              <a:rPr lang="en-US" altLang="zh-CN" sz="1200" dirty="0">
+              <a:rPr lang="en-US" altLang="zh-CN" sz="1100" dirty="0">
                 <a:solidFill>
                   <a:srgbClr val="222222"/>
                 </a:solidFill>
@@ -38395,7 +38785,7 @@
               <a:t> Zhou, Wei You, </a:t>
             </a:r>
             <a:r>
-              <a:rPr lang="en-US" altLang="zh-CN" sz="1200" dirty="0" err="1">
+              <a:rPr lang="en-US" altLang="zh-CN" sz="1100" dirty="0" err="1">
                 <a:solidFill>
                   <a:srgbClr val="222222"/>
                 </a:solidFill>
@@ -38404,7 +38794,7 @@
               <a:t>Xiaojun</a:t>
             </a:r>
             <a:r>
-              <a:rPr lang="en-US" altLang="zh-CN" sz="1200" dirty="0">
+              <a:rPr lang="en-US" altLang="zh-CN" sz="1100" dirty="0">
                 <a:solidFill>
                   <a:srgbClr val="222222"/>
                 </a:solidFill>
@@ -38413,7 +38803,7 @@
               <a:t> Ding. “Genetic Algorithm and Implementation of Automatically </a:t>
             </a:r>
             <a:r>
-              <a:rPr lang="en-US" altLang="zh-CN" sz="1200" dirty="0" err="1">
+              <a:rPr lang="en-US" altLang="zh-CN" sz="1100" dirty="0" err="1">
                 <a:solidFill>
                   <a:srgbClr val="222222"/>
                 </a:solidFill>
@@ -38422,7 +38812,7 @@
               <a:t>Songci</a:t>
             </a:r>
             <a:r>
-              <a:rPr lang="en-US" altLang="zh-CN" sz="1200" dirty="0">
+              <a:rPr lang="en-US" altLang="zh-CN" sz="1100" dirty="0">
                 <a:solidFill>
                   <a:srgbClr val="222222"/>
                 </a:solidFill>
@@ -38430,7 +38820,7 @@
               </a:rPr>
               <a:t> Generation.” (2010)</a:t>
             </a:r>
-            <a:endParaRPr lang="en-US" sz="1200" dirty="0"/>
+            <a:endParaRPr lang="en-US" sz="1100" dirty="0"/>
           </a:p>
         </p:txBody>
       </p:sp>
@@ -38560,7 +38950,7 @@
         </p:xfrm>
         <a:graphic>
           <a:graphicData uri="http://schemas.openxmlformats.org/drawingml/2006/diagram">
-            <dgm:relIds xmlns:dgm="http://schemas.openxmlformats.org/drawingml/2006/diagram" xmlns:r="http://schemas.openxmlformats.org/officeDocument/2006/relationships" r:dm="rId2" r:lo="rId3" r:qs="rId4" r:cs="rId5"/>
+            <dgm:relIds xmlns:dgm="http://schemas.openxmlformats.org/drawingml/2006/diagram" xmlns:r="http://schemas.openxmlformats.org/officeDocument/2006/relationships" r:dm="rId3" r:lo="rId4" r:qs="rId5" r:cs="rId6"/>
           </a:graphicData>
         </a:graphic>
       </p:graphicFrame>
